--- a/pennapps-nodejs-workshop.pptx
+++ b/pennapps-nodejs-workshop.pptx
@@ -5,14 +5,34 @@
     <p:sldMasterId id="2147483648" r:id="rId1"/>
   </p:sldMasterIdLst>
   <p:notesMasterIdLst>
-    <p:notesMasterId r:id="rId4"/>
+    <p:notesMasterId r:id="rId24"/>
   </p:notesMasterIdLst>
   <p:handoutMasterIdLst>
-    <p:handoutMasterId r:id="rId5"/>
+    <p:handoutMasterId r:id="rId25"/>
   </p:handoutMasterIdLst>
   <p:sldIdLst>
     <p:sldId id="256" r:id="rId2"/>
-    <p:sldId id="257" r:id="rId3"/>
+    <p:sldId id="258" r:id="rId3"/>
+    <p:sldId id="259" r:id="rId4"/>
+    <p:sldId id="260" r:id="rId5"/>
+    <p:sldId id="261" r:id="rId6"/>
+    <p:sldId id="262" r:id="rId7"/>
+    <p:sldId id="272" r:id="rId8"/>
+    <p:sldId id="273" r:id="rId9"/>
+    <p:sldId id="263" r:id="rId10"/>
+    <p:sldId id="274" r:id="rId11"/>
+    <p:sldId id="275" r:id="rId12"/>
+    <p:sldId id="276" r:id="rId13"/>
+    <p:sldId id="264" r:id="rId14"/>
+    <p:sldId id="265" r:id="rId15"/>
+    <p:sldId id="266" r:id="rId16"/>
+    <p:sldId id="267" r:id="rId17"/>
+    <p:sldId id="268" r:id="rId18"/>
+    <p:sldId id="269" r:id="rId19"/>
+    <p:sldId id="270" r:id="rId20"/>
+    <p:sldId id="271" r:id="rId21"/>
+    <p:sldId id="277" r:id="rId22"/>
+    <p:sldId id="278" r:id="rId23"/>
   </p:sldIdLst>
   <p:sldSz cx="9144000" cy="6858000" type="screen4x3"/>
   <p:notesSz cx="6858000" cy="9144000"/>
@@ -910,7 +930,7 @@
           <a:bodyPr/>
           <a:lstStyle/>
           <a:p>
-            <a:fld id="{57EE2C3B-63CF-0C4A-8591-093A15ACCC15}" type="datetime1">
+            <a:fld id="{9AE07DFB-E25B-4944-B629-CCDA16D5402B}" type="datetime1">
               <a:rPr lang="en-US" smtClean="0"/>
               <a:t>9/9/16</a:t>
             </a:fld>
@@ -1084,7 +1104,7 @@
           <a:bodyPr/>
           <a:lstStyle/>
           <a:p>
-            <a:fld id="{55086010-7BE9-B84E-BC5E-EA94616FD89A}" type="datetime1">
+            <a:fld id="{81BDE211-5F51-204C-BF92-DA25A5F7E416}" type="datetime1">
               <a:rPr lang="en-US" smtClean="0"/>
               <a:t>9/9/16</a:t>
             </a:fld>
@@ -1268,7 +1288,7 @@
           <a:bodyPr/>
           <a:lstStyle/>
           <a:p>
-            <a:fld id="{7047F92F-34AE-7B46-A3B9-6E85A235943D}" type="datetime1">
+            <a:fld id="{9161FE90-A0CC-4B4C-98DA-E401C3E2CF44}" type="datetime1">
               <a:rPr lang="en-US" smtClean="0"/>
               <a:t>9/9/16</a:t>
             </a:fld>
@@ -1442,7 +1462,7 @@
           <a:bodyPr/>
           <a:lstStyle/>
           <a:p>
-            <a:fld id="{0CDEBBA1-11C9-C449-ACBB-F9A70A65496A}" type="datetime1">
+            <a:fld id="{E738DB40-9393-FC4C-A65A-04CE49023BA4}" type="datetime1">
               <a:rPr lang="en-US" smtClean="0"/>
               <a:t>9/9/16</a:t>
             </a:fld>
@@ -1692,7 +1712,7 @@
           <a:bodyPr/>
           <a:lstStyle/>
           <a:p>
-            <a:fld id="{7C03944F-4AF1-2A4E-81D2-3D42E6DC9B9E}" type="datetime1">
+            <a:fld id="{5686CF76-BDA6-2847-9095-835FEFD9FF50}" type="datetime1">
               <a:rPr lang="en-US" smtClean="0"/>
               <a:t>9/9/16</a:t>
             </a:fld>
@@ -1984,7 +2004,7 @@
           <a:bodyPr/>
           <a:lstStyle/>
           <a:p>
-            <a:fld id="{0750909C-67D6-A94D-A4AE-95C8F1DF65CB}" type="datetime1">
+            <a:fld id="{3E2783AD-460F-0E4D-9867-79E812A04865}" type="datetime1">
               <a:rPr lang="en-US" smtClean="0"/>
               <a:t>9/9/16</a:t>
             </a:fld>
@@ -2410,7 +2430,7 @@
           <a:bodyPr/>
           <a:lstStyle/>
           <a:p>
-            <a:fld id="{01B294A5-50A7-FE47-A9E8-49BA9B223AE8}" type="datetime1">
+            <a:fld id="{C43FF4F4-B41D-9348-BFB2-856BF6234386}" type="datetime1">
               <a:rPr lang="en-US" smtClean="0"/>
               <a:t>9/9/16</a:t>
             </a:fld>
@@ -2532,7 +2552,7 @@
           <a:bodyPr/>
           <a:lstStyle/>
           <a:p>
-            <a:fld id="{4460C255-DDB0-4B4D-89D9-7829CF599C38}" type="datetime1">
+            <a:fld id="{C4A2C9DA-BAA0-4648-91B2-40887710CC56}" type="datetime1">
               <a:rPr lang="en-US" smtClean="0"/>
               <a:t>9/9/16</a:t>
             </a:fld>
@@ -2631,7 +2651,7 @@
           <a:bodyPr/>
           <a:lstStyle/>
           <a:p>
-            <a:fld id="{D854EDC0-2918-4E4B-9F58-E7DC03EB2578}" type="datetime1">
+            <a:fld id="{D69890AA-36CC-8344-9311-3BA8EBDE6AC8}" type="datetime1">
               <a:rPr lang="en-US" smtClean="0"/>
               <a:t>9/9/16</a:t>
             </a:fld>
@@ -2912,7 +2932,7 @@
           <a:bodyPr/>
           <a:lstStyle/>
           <a:p>
-            <a:fld id="{7C08C246-1D0A-2446-B94C-EA267D6F6125}" type="datetime1">
+            <a:fld id="{6A9DA1DE-BA21-D144-BF6E-B42DA0039A0A}" type="datetime1">
               <a:rPr lang="en-US" smtClean="0"/>
               <a:t>9/9/16</a:t>
             </a:fld>
@@ -3173,7 +3193,7 @@
           <a:bodyPr/>
           <a:lstStyle/>
           <a:p>
-            <a:fld id="{2FD716AF-E336-4649-951C-130D7D835D67}" type="datetime1">
+            <a:fld id="{ADE207F1-99E2-CE47-BF44-96ECD642AF81}" type="datetime1">
               <a:rPr lang="en-US" smtClean="0"/>
               <a:t>9/9/16</a:t>
             </a:fld>
@@ -3390,7 +3410,7 @@
             </a:lvl1pPr>
           </a:lstStyle>
           <a:p>
-            <a:fld id="{8ADA612A-B69A-DB47-A789-9DE4BBC542FC}" type="datetime1">
+            <a:fld id="{C417F56F-DB95-B44B-BA3A-BDB6B9E1C54D}" type="datetime1">
               <a:rPr lang="en-US" smtClean="0"/>
               <a:t>9/9/16</a:t>
             </a:fld>
@@ -3846,10 +3866,10 @@
           <a:lstStyle/>
           <a:p>
             <a:r>
-              <a:rPr lang="en-US" smtClean="0"/>
+              <a:rPr lang="en-US" dirty="0" smtClean="0"/>
               <a:t>Justin Kim</a:t>
             </a:r>
-            <a:endParaRPr lang="en-US"/>
+            <a:endParaRPr lang="en-US" dirty="0"/>
           </a:p>
         </p:txBody>
       </p:sp>
@@ -3943,6 +3963,3393 @@
 </p:sld>
 </file>
 
+<file path=ppt/slides/slide10.xml><?xml version="1.0" encoding="utf-8"?>
+<p:sld xmlns:a="http://schemas.openxmlformats.org/drawingml/2006/main" xmlns:r="http://schemas.openxmlformats.org/officeDocument/2006/relationships" xmlns:p="http://schemas.openxmlformats.org/presentationml/2006/main">
+  <p:cSld>
+    <p:spTree>
+      <p:nvGrpSpPr>
+        <p:cNvPr id="1" name=""/>
+        <p:cNvGrpSpPr/>
+        <p:nvPr/>
+      </p:nvGrpSpPr>
+      <p:grpSpPr>
+        <a:xfrm>
+          <a:off x="0" y="0"/>
+          <a:ext cx="0" cy="0"/>
+          <a:chOff x="0" y="0"/>
+          <a:chExt cx="0" cy="0"/>
+        </a:xfrm>
+      </p:grpSpPr>
+      <p:sp>
+        <p:nvSpPr>
+          <p:cNvPr id="2" name="Title 1"/>
+          <p:cNvSpPr>
+            <a:spLocks noGrp="1"/>
+          </p:cNvSpPr>
+          <p:nvPr>
+            <p:ph type="title"/>
+          </p:nvPr>
+        </p:nvSpPr>
+        <p:spPr/>
+        <p:txBody>
+          <a:bodyPr/>
+          <a:lstStyle/>
+          <a:p>
+            <a:r>
+              <a:rPr lang="en-US" dirty="0" smtClean="0"/>
+              <a:t>Functions vs Calls</a:t>
+            </a:r>
+            <a:endParaRPr lang="en-US" dirty="0"/>
+          </a:p>
+        </p:txBody>
+      </p:sp>
+      <p:sp>
+        <p:nvSpPr>
+          <p:cNvPr id="3" name="Content Placeholder 2"/>
+          <p:cNvSpPr>
+            <a:spLocks noGrp="1"/>
+          </p:cNvSpPr>
+          <p:nvPr>
+            <p:ph idx="1"/>
+          </p:nvPr>
+        </p:nvSpPr>
+        <p:spPr>
+          <a:xfrm>
+            <a:off x="457200" y="1600201"/>
+            <a:ext cx="8229600" cy="1828800"/>
+          </a:xfrm>
+        </p:spPr>
+        <p:txBody>
+          <a:bodyPr/>
+          <a:lstStyle/>
+          <a:p>
+            <a:r>
+              <a:rPr lang="en-US" dirty="0" smtClean="0"/>
+              <a:t>Don’t get confused with the difference between function calls and the function itself!</a:t>
+            </a:r>
+          </a:p>
+          <a:p>
+            <a:pPr lvl="1"/>
+            <a:r>
+              <a:rPr lang="en-US" dirty="0" smtClean="0"/>
+              <a:t>The call will always end with parentheses</a:t>
+            </a:r>
+            <a:endParaRPr lang="en-US" dirty="0"/>
+          </a:p>
+        </p:txBody>
+      </p:sp>
+      <p:sp>
+        <p:nvSpPr>
+          <p:cNvPr id="4" name="Footer Placeholder 3"/>
+          <p:cNvSpPr>
+            <a:spLocks noGrp="1"/>
+          </p:cNvSpPr>
+          <p:nvPr>
+            <p:ph type="ftr" sz="quarter" idx="11"/>
+          </p:nvPr>
+        </p:nvSpPr>
+        <p:spPr/>
+        <p:txBody>
+          <a:bodyPr/>
+          <a:lstStyle/>
+          <a:p>
+            <a:r>
+              <a:rPr lang="de-DE" smtClean="0"/>
+              <a:t>PennApps Node JS Workshop</a:t>
+            </a:r>
+            <a:endParaRPr lang="en-US"/>
+          </a:p>
+        </p:txBody>
+      </p:sp>
+      <p:sp>
+        <p:nvSpPr>
+          <p:cNvPr id="5" name="Slide Number Placeholder 4"/>
+          <p:cNvSpPr>
+            <a:spLocks noGrp="1"/>
+          </p:cNvSpPr>
+          <p:nvPr>
+            <p:ph type="sldNum" sz="quarter" idx="12"/>
+          </p:nvPr>
+        </p:nvSpPr>
+        <p:spPr/>
+        <p:txBody>
+          <a:bodyPr/>
+          <a:lstStyle/>
+          <a:p>
+            <a:fld id="{BE7B5DD7-0E96-E44E-B777-0B9A5C3419CF}" type="slidenum">
+              <a:rPr lang="en-US" smtClean="0"/>
+              <a:t>10</a:t>
+            </a:fld>
+            <a:endParaRPr lang="en-US"/>
+          </a:p>
+        </p:txBody>
+      </p:sp>
+      <p:sp>
+        <p:nvSpPr>
+          <p:cNvPr id="7" name="TextBox 6"/>
+          <p:cNvSpPr txBox="1"/>
+          <p:nvPr/>
+        </p:nvSpPr>
+        <p:spPr>
+          <a:xfrm>
+            <a:off x="457200" y="4310643"/>
+            <a:ext cx="8229600" cy="1754326"/>
+          </a:xfrm>
+          <a:prstGeom prst="rect">
+            <a:avLst/>
+          </a:prstGeom>
+          <a:solidFill>
+            <a:srgbClr val="000000"/>
+          </a:solidFill>
+        </p:spPr>
+        <p:txBody>
+          <a:bodyPr wrap="square" rtlCol="0">
+            <a:spAutoFit/>
+          </a:bodyPr>
+          <a:lstStyle/>
+          <a:p>
+            <a:pPr algn="just"/>
+            <a:r>
+              <a:rPr lang="en-US" dirty="0" err="1">
+                <a:solidFill>
+                  <a:srgbClr val="66D9EF"/>
+                </a:solidFill>
+                <a:latin typeface="Menlo" charset="0"/>
+              </a:rPr>
+              <a:t>var</a:t>
+            </a:r>
+            <a:r>
+              <a:rPr lang="en-US" dirty="0">
+                <a:solidFill>
+                  <a:srgbClr val="F8F8F2"/>
+                </a:solidFill>
+                <a:latin typeface="Menlo" charset="0"/>
+              </a:rPr>
+              <a:t> </a:t>
+            </a:r>
+            <a:r>
+              <a:rPr lang="en-US" dirty="0">
+                <a:solidFill>
+                  <a:srgbClr val="A6E22E"/>
+                </a:solidFill>
+                <a:latin typeface="Menlo" charset="0"/>
+              </a:rPr>
+              <a:t>square</a:t>
+            </a:r>
+            <a:r>
+              <a:rPr lang="en-US" dirty="0">
+                <a:solidFill>
+                  <a:srgbClr val="F8F8F2"/>
+                </a:solidFill>
+                <a:latin typeface="Menlo" charset="0"/>
+              </a:rPr>
+              <a:t> </a:t>
+            </a:r>
+            <a:r>
+              <a:rPr lang="en-US" dirty="0">
+                <a:solidFill>
+                  <a:srgbClr val="F92672"/>
+                </a:solidFill>
+                <a:latin typeface="Menlo" charset="0"/>
+              </a:rPr>
+              <a:t>=</a:t>
+            </a:r>
+            <a:r>
+              <a:rPr lang="en-US" dirty="0">
+                <a:solidFill>
+                  <a:srgbClr val="F8F8F2"/>
+                </a:solidFill>
+                <a:latin typeface="Menlo" charset="0"/>
+              </a:rPr>
+              <a:t> </a:t>
+            </a:r>
+            <a:r>
+              <a:rPr lang="en-US" dirty="0">
+                <a:solidFill>
+                  <a:srgbClr val="66D9EF"/>
+                </a:solidFill>
+                <a:latin typeface="Menlo" charset="0"/>
+              </a:rPr>
+              <a:t>function</a:t>
+            </a:r>
+            <a:r>
+              <a:rPr lang="en-US" dirty="0">
+                <a:solidFill>
+                  <a:srgbClr val="F8F8F2"/>
+                </a:solidFill>
+                <a:latin typeface="Menlo" charset="0"/>
+              </a:rPr>
+              <a:t> (</a:t>
+            </a:r>
+            <a:r>
+              <a:rPr lang="en-US" dirty="0">
+                <a:solidFill>
+                  <a:srgbClr val="A6E22E"/>
+                </a:solidFill>
+                <a:latin typeface="Menlo" charset="0"/>
+              </a:rPr>
+              <a:t>x</a:t>
+            </a:r>
+            <a:r>
+              <a:rPr lang="en-US" dirty="0">
+                <a:solidFill>
+                  <a:srgbClr val="F8F8F2"/>
+                </a:solidFill>
+                <a:latin typeface="Menlo" charset="0"/>
+              </a:rPr>
+              <a:t>) {</a:t>
+            </a:r>
+          </a:p>
+          <a:p>
+            <a:pPr algn="just"/>
+            <a:r>
+              <a:rPr lang="en-US" dirty="0">
+                <a:solidFill>
+                  <a:srgbClr val="F8F8F2"/>
+                </a:solidFill>
+                <a:latin typeface="Menlo" charset="0"/>
+              </a:rPr>
+              <a:t>  </a:t>
+            </a:r>
+            <a:r>
+              <a:rPr lang="en-US" dirty="0">
+                <a:solidFill>
+                  <a:srgbClr val="66D9EF"/>
+                </a:solidFill>
+                <a:latin typeface="Menlo" charset="0"/>
+              </a:rPr>
+              <a:t>return</a:t>
+            </a:r>
+            <a:r>
+              <a:rPr lang="en-US" dirty="0">
+                <a:solidFill>
+                  <a:srgbClr val="F8F8F2"/>
+                </a:solidFill>
+                <a:latin typeface="Menlo" charset="0"/>
+              </a:rPr>
+              <a:t> </a:t>
+            </a:r>
+            <a:r>
+              <a:rPr lang="en-US" dirty="0">
+                <a:solidFill>
+                  <a:srgbClr val="A6E22E"/>
+                </a:solidFill>
+                <a:latin typeface="Menlo" charset="0"/>
+              </a:rPr>
+              <a:t>x</a:t>
+            </a:r>
+            <a:r>
+              <a:rPr lang="en-US" dirty="0">
+                <a:solidFill>
+                  <a:srgbClr val="F8F8F2"/>
+                </a:solidFill>
+                <a:latin typeface="Menlo" charset="0"/>
+              </a:rPr>
+              <a:t> </a:t>
+            </a:r>
+            <a:r>
+              <a:rPr lang="en-US" dirty="0">
+                <a:solidFill>
+                  <a:srgbClr val="F92672"/>
+                </a:solidFill>
+                <a:latin typeface="Menlo" charset="0"/>
+              </a:rPr>
+              <a:t>*</a:t>
+            </a:r>
+            <a:r>
+              <a:rPr lang="en-US" dirty="0">
+                <a:solidFill>
+                  <a:srgbClr val="F8F8F2"/>
+                </a:solidFill>
+                <a:latin typeface="Menlo" charset="0"/>
+              </a:rPr>
+              <a:t> </a:t>
+            </a:r>
+            <a:r>
+              <a:rPr lang="en-US" dirty="0">
+                <a:solidFill>
+                  <a:srgbClr val="A6E22E"/>
+                </a:solidFill>
+                <a:latin typeface="Menlo" charset="0"/>
+              </a:rPr>
+              <a:t>x</a:t>
+            </a:r>
+            <a:r>
+              <a:rPr lang="en-US" dirty="0">
+                <a:solidFill>
+                  <a:srgbClr val="F8F8F2"/>
+                </a:solidFill>
+                <a:latin typeface="Menlo" charset="0"/>
+              </a:rPr>
+              <a:t>;</a:t>
+            </a:r>
+          </a:p>
+          <a:p>
+            <a:pPr algn="just"/>
+            <a:r>
+              <a:rPr lang="uk-UA" dirty="0" smtClean="0">
+                <a:solidFill>
+                  <a:srgbClr val="F8F8F2"/>
+                </a:solidFill>
+                <a:latin typeface="Menlo" charset="0"/>
+              </a:rPr>
+              <a:t>};</a:t>
+            </a:r>
+            <a:endParaRPr lang="en-US" dirty="0" smtClean="0">
+              <a:solidFill>
+                <a:srgbClr val="F8F8F2"/>
+              </a:solidFill>
+              <a:latin typeface="Menlo" charset="0"/>
+            </a:endParaRPr>
+          </a:p>
+          <a:p>
+            <a:pPr algn="just"/>
+            <a:endParaRPr lang="en-US" dirty="0" smtClean="0">
+              <a:solidFill>
+                <a:srgbClr val="F8F8F2"/>
+              </a:solidFill>
+              <a:latin typeface="Menlo" charset="0"/>
+            </a:endParaRPr>
+          </a:p>
+          <a:p>
+            <a:r>
+              <a:rPr lang="en-US" dirty="0" err="1">
+                <a:solidFill>
+                  <a:srgbClr val="A6E22E"/>
+                </a:solidFill>
+                <a:latin typeface="Menlo" charset="0"/>
+              </a:rPr>
+              <a:t>console</a:t>
+            </a:r>
+            <a:r>
+              <a:rPr lang="en-US" dirty="0" err="1">
+                <a:solidFill>
+                  <a:srgbClr val="F8F8F2"/>
+                </a:solidFill>
+                <a:latin typeface="Menlo" charset="0"/>
+              </a:rPr>
+              <a:t>.</a:t>
+            </a:r>
+            <a:r>
+              <a:rPr lang="en-US" dirty="0" err="1">
+                <a:solidFill>
+                  <a:srgbClr val="A6E22E"/>
+                </a:solidFill>
+                <a:latin typeface="Menlo" charset="0"/>
+              </a:rPr>
+              <a:t>log</a:t>
+            </a:r>
+            <a:r>
+              <a:rPr lang="en-US" dirty="0">
+                <a:solidFill>
+                  <a:srgbClr val="F8F8F2"/>
+                </a:solidFill>
+                <a:latin typeface="Menlo" charset="0"/>
+              </a:rPr>
+              <a:t>(</a:t>
+            </a:r>
+            <a:r>
+              <a:rPr lang="en-US" dirty="0">
+                <a:solidFill>
+                  <a:srgbClr val="A6E22E"/>
+                </a:solidFill>
+                <a:latin typeface="Menlo" charset="0"/>
+              </a:rPr>
+              <a:t>square</a:t>
+            </a:r>
+            <a:r>
+              <a:rPr lang="en-US" dirty="0">
+                <a:solidFill>
+                  <a:srgbClr val="F8F8F2"/>
+                </a:solidFill>
+                <a:latin typeface="Menlo" charset="0"/>
+              </a:rPr>
+              <a:t>); </a:t>
+            </a:r>
+            <a:r>
+              <a:rPr lang="en-US" dirty="0">
+                <a:solidFill>
+                  <a:srgbClr val="75715E"/>
+                </a:solidFill>
+                <a:latin typeface="Menlo" charset="0"/>
+              </a:rPr>
+              <a:t>// function</a:t>
+            </a:r>
+          </a:p>
+          <a:p>
+            <a:r>
+              <a:rPr lang="en-US" dirty="0" err="1">
+                <a:solidFill>
+                  <a:srgbClr val="A6E22E"/>
+                </a:solidFill>
+                <a:latin typeface="Menlo" charset="0"/>
+              </a:rPr>
+              <a:t>console</a:t>
+            </a:r>
+            <a:r>
+              <a:rPr lang="en-US" dirty="0" err="1">
+                <a:solidFill>
+                  <a:srgbClr val="F8F8F2"/>
+                </a:solidFill>
+                <a:latin typeface="Menlo" charset="0"/>
+              </a:rPr>
+              <a:t>.</a:t>
+            </a:r>
+            <a:r>
+              <a:rPr lang="en-US" dirty="0" err="1">
+                <a:solidFill>
+                  <a:srgbClr val="A6E22E"/>
+                </a:solidFill>
+                <a:latin typeface="Menlo" charset="0"/>
+              </a:rPr>
+              <a:t>log</a:t>
+            </a:r>
+            <a:r>
+              <a:rPr lang="en-US" dirty="0">
+                <a:solidFill>
+                  <a:srgbClr val="F8F8F2"/>
+                </a:solidFill>
+                <a:latin typeface="Menlo" charset="0"/>
+              </a:rPr>
+              <a:t>(</a:t>
+            </a:r>
+            <a:r>
+              <a:rPr lang="en-US" dirty="0">
+                <a:solidFill>
+                  <a:srgbClr val="A6E22E"/>
+                </a:solidFill>
+                <a:latin typeface="Menlo" charset="0"/>
+              </a:rPr>
+              <a:t>square</a:t>
+            </a:r>
+            <a:r>
+              <a:rPr lang="en-US" dirty="0">
+                <a:solidFill>
+                  <a:srgbClr val="F8F8F2"/>
+                </a:solidFill>
+                <a:latin typeface="Menlo" charset="0"/>
+              </a:rPr>
+              <a:t>(</a:t>
+            </a:r>
+            <a:r>
+              <a:rPr lang="en-US" dirty="0">
+                <a:solidFill>
+                  <a:srgbClr val="AE81FF"/>
+                </a:solidFill>
+                <a:latin typeface="Menlo" charset="0"/>
+              </a:rPr>
+              <a:t>2</a:t>
+            </a:r>
+            <a:r>
+              <a:rPr lang="en-US" dirty="0">
+                <a:solidFill>
+                  <a:srgbClr val="F8F8F2"/>
+                </a:solidFill>
+                <a:latin typeface="Menlo" charset="0"/>
+              </a:rPr>
+              <a:t>)); </a:t>
+            </a:r>
+            <a:r>
+              <a:rPr lang="en-US" dirty="0">
+                <a:solidFill>
+                  <a:srgbClr val="75715E"/>
+                </a:solidFill>
+                <a:latin typeface="Menlo" charset="0"/>
+              </a:rPr>
+              <a:t>// function </a:t>
+            </a:r>
+            <a:r>
+              <a:rPr lang="en-US" dirty="0" smtClean="0">
+                <a:solidFill>
+                  <a:srgbClr val="75715E"/>
+                </a:solidFill>
+                <a:latin typeface="Menlo" charset="0"/>
+              </a:rPr>
+              <a:t>call</a:t>
+            </a:r>
+            <a:endParaRPr lang="en-US" dirty="0">
+              <a:solidFill>
+                <a:srgbClr val="75715E"/>
+              </a:solidFill>
+              <a:latin typeface="Menlo" charset="0"/>
+            </a:endParaRPr>
+          </a:p>
+        </p:txBody>
+      </p:sp>
+    </p:spTree>
+    <p:extLst>
+      <p:ext uri="{BB962C8B-B14F-4D97-AF65-F5344CB8AC3E}">
+        <p14:creationId xmlns:p14="http://schemas.microsoft.com/office/powerpoint/2010/main" val="2054794607"/>
+      </p:ext>
+    </p:extLst>
+  </p:cSld>
+  <p:clrMapOvr>
+    <a:masterClrMapping/>
+  </p:clrMapOvr>
+  <p:timing>
+    <p:tnLst>
+      <p:par>
+        <p:cTn id="1" dur="indefinite" restart="never" nodeType="tmRoot"/>
+      </p:par>
+    </p:tnLst>
+  </p:timing>
+</p:sld>
+</file>
+
+<file path=ppt/slides/slide11.xml><?xml version="1.0" encoding="utf-8"?>
+<p:sld xmlns:a="http://schemas.openxmlformats.org/drawingml/2006/main" xmlns:r="http://schemas.openxmlformats.org/officeDocument/2006/relationships" xmlns:p="http://schemas.openxmlformats.org/presentationml/2006/main">
+  <p:cSld>
+    <p:spTree>
+      <p:nvGrpSpPr>
+        <p:cNvPr id="1" name=""/>
+        <p:cNvGrpSpPr/>
+        <p:nvPr/>
+      </p:nvGrpSpPr>
+      <p:grpSpPr>
+        <a:xfrm>
+          <a:off x="0" y="0"/>
+          <a:ext cx="0" cy="0"/>
+          <a:chOff x="0" y="0"/>
+          <a:chExt cx="0" cy="0"/>
+        </a:xfrm>
+      </p:grpSpPr>
+      <p:sp>
+        <p:nvSpPr>
+          <p:cNvPr id="2" name="Title 1"/>
+          <p:cNvSpPr>
+            <a:spLocks noGrp="1"/>
+          </p:cNvSpPr>
+          <p:nvPr>
+            <p:ph type="title"/>
+          </p:nvPr>
+        </p:nvSpPr>
+        <p:spPr/>
+        <p:txBody>
+          <a:bodyPr/>
+          <a:lstStyle/>
+          <a:p>
+            <a:r>
+              <a:rPr lang="en-US" dirty="0" smtClean="0"/>
+              <a:t>What is a callback?</a:t>
+            </a:r>
+            <a:endParaRPr lang="en-US" dirty="0"/>
+          </a:p>
+        </p:txBody>
+      </p:sp>
+      <p:sp>
+        <p:nvSpPr>
+          <p:cNvPr id="3" name="Content Placeholder 2"/>
+          <p:cNvSpPr>
+            <a:spLocks noGrp="1"/>
+          </p:cNvSpPr>
+          <p:nvPr>
+            <p:ph idx="1"/>
+          </p:nvPr>
+        </p:nvSpPr>
+        <p:spPr>
+          <a:xfrm>
+            <a:off x="457200" y="1600201"/>
+            <a:ext cx="8229600" cy="2743200"/>
+          </a:xfrm>
+        </p:spPr>
+        <p:txBody>
+          <a:bodyPr/>
+          <a:lstStyle/>
+          <a:p>
+            <a:r>
+              <a:rPr lang="en-US" dirty="0"/>
+              <a:t>A callback is a function that's bound to a single asynchronous </a:t>
+            </a:r>
+            <a:r>
+              <a:rPr lang="en-US" dirty="0" smtClean="0"/>
+              <a:t>call</a:t>
+            </a:r>
+          </a:p>
+          <a:p>
+            <a:r>
+              <a:rPr lang="en-US" dirty="0" smtClean="0"/>
+              <a:t>It </a:t>
+            </a:r>
+            <a:r>
+              <a:rPr lang="en-US" dirty="0"/>
+              <a:t>is passed as an argument to another function, with the expectation that it will be executed once some </a:t>
+            </a:r>
+            <a:r>
+              <a:rPr lang="en-US" dirty="0" err="1"/>
+              <a:t>async</a:t>
+            </a:r>
+            <a:r>
+              <a:rPr lang="en-US" dirty="0"/>
+              <a:t> task is </a:t>
+            </a:r>
+            <a:r>
+              <a:rPr lang="en-US" dirty="0" smtClean="0"/>
+              <a:t>finished</a:t>
+            </a:r>
+            <a:endParaRPr lang="en-US" dirty="0"/>
+          </a:p>
+        </p:txBody>
+      </p:sp>
+      <p:sp>
+        <p:nvSpPr>
+          <p:cNvPr id="4" name="Footer Placeholder 3"/>
+          <p:cNvSpPr>
+            <a:spLocks noGrp="1"/>
+          </p:cNvSpPr>
+          <p:nvPr>
+            <p:ph type="ftr" sz="quarter" idx="11"/>
+          </p:nvPr>
+        </p:nvSpPr>
+        <p:spPr/>
+        <p:txBody>
+          <a:bodyPr/>
+          <a:lstStyle/>
+          <a:p>
+            <a:r>
+              <a:rPr lang="de-DE" smtClean="0"/>
+              <a:t>PennApps Node JS Workshop</a:t>
+            </a:r>
+            <a:endParaRPr lang="en-US"/>
+          </a:p>
+        </p:txBody>
+      </p:sp>
+      <p:sp>
+        <p:nvSpPr>
+          <p:cNvPr id="5" name="Slide Number Placeholder 4"/>
+          <p:cNvSpPr>
+            <a:spLocks noGrp="1"/>
+          </p:cNvSpPr>
+          <p:nvPr>
+            <p:ph type="sldNum" sz="quarter" idx="12"/>
+          </p:nvPr>
+        </p:nvSpPr>
+        <p:spPr/>
+        <p:txBody>
+          <a:bodyPr/>
+          <a:lstStyle/>
+          <a:p>
+            <a:fld id="{BE7B5DD7-0E96-E44E-B777-0B9A5C3419CF}" type="slidenum">
+              <a:rPr lang="en-US" smtClean="0"/>
+              <a:t>11</a:t>
+            </a:fld>
+            <a:endParaRPr lang="en-US"/>
+          </a:p>
+        </p:txBody>
+      </p:sp>
+      <p:sp>
+        <p:nvSpPr>
+          <p:cNvPr id="6" name="TextBox 5"/>
+          <p:cNvSpPr txBox="1"/>
+          <p:nvPr/>
+        </p:nvSpPr>
+        <p:spPr>
+          <a:xfrm>
+            <a:off x="451834" y="4472712"/>
+            <a:ext cx="8229600" cy="1754326"/>
+          </a:xfrm>
+          <a:prstGeom prst="rect">
+            <a:avLst/>
+          </a:prstGeom>
+          <a:solidFill>
+            <a:srgbClr val="000000"/>
+          </a:solidFill>
+        </p:spPr>
+        <p:txBody>
+          <a:bodyPr wrap="square" rtlCol="0">
+            <a:spAutoFit/>
+          </a:bodyPr>
+          <a:lstStyle/>
+          <a:p>
+            <a:r>
+              <a:rPr lang="en-US" dirty="0" err="1">
+                <a:solidFill>
+                  <a:srgbClr val="66D9EF"/>
+                </a:solidFill>
+                <a:latin typeface="Menlo" charset="0"/>
+              </a:rPr>
+              <a:t>var</a:t>
+            </a:r>
+            <a:r>
+              <a:rPr lang="en-US" dirty="0">
+                <a:solidFill>
+                  <a:srgbClr val="F8F8F2"/>
+                </a:solidFill>
+                <a:latin typeface="Menlo" charset="0"/>
+              </a:rPr>
+              <a:t> </a:t>
+            </a:r>
+            <a:r>
+              <a:rPr lang="en-US" dirty="0" err="1">
+                <a:solidFill>
+                  <a:srgbClr val="A6E22E"/>
+                </a:solidFill>
+                <a:latin typeface="Menlo" charset="0"/>
+              </a:rPr>
+              <a:t>cb</a:t>
+            </a:r>
+            <a:r>
+              <a:rPr lang="en-US" dirty="0">
+                <a:solidFill>
+                  <a:srgbClr val="F8F8F2"/>
+                </a:solidFill>
+                <a:latin typeface="Menlo" charset="0"/>
+              </a:rPr>
+              <a:t> </a:t>
+            </a:r>
+            <a:r>
+              <a:rPr lang="en-US" dirty="0">
+                <a:solidFill>
+                  <a:srgbClr val="F92672"/>
+                </a:solidFill>
+                <a:latin typeface="Menlo" charset="0"/>
+              </a:rPr>
+              <a:t>=</a:t>
+            </a:r>
+            <a:r>
+              <a:rPr lang="en-US" dirty="0">
+                <a:solidFill>
+                  <a:srgbClr val="F8F8F2"/>
+                </a:solidFill>
+                <a:latin typeface="Menlo" charset="0"/>
+              </a:rPr>
+              <a:t> </a:t>
+            </a:r>
+            <a:r>
+              <a:rPr lang="en-US" dirty="0">
+                <a:solidFill>
+                  <a:srgbClr val="66D9EF"/>
+                </a:solidFill>
+                <a:latin typeface="Menlo" charset="0"/>
+              </a:rPr>
+              <a:t>function</a:t>
+            </a:r>
+            <a:r>
+              <a:rPr lang="en-US" dirty="0">
+                <a:solidFill>
+                  <a:srgbClr val="F8F8F2"/>
+                </a:solidFill>
+                <a:latin typeface="Menlo" charset="0"/>
+              </a:rPr>
+              <a:t> () {</a:t>
+            </a:r>
+          </a:p>
+          <a:p>
+            <a:r>
+              <a:rPr lang="en-US" dirty="0">
+                <a:solidFill>
+                  <a:srgbClr val="F8F8F2"/>
+                </a:solidFill>
+                <a:latin typeface="Menlo" charset="0"/>
+              </a:rPr>
+              <a:t>  </a:t>
+            </a:r>
+            <a:r>
+              <a:rPr lang="en-US" dirty="0" err="1">
+                <a:solidFill>
+                  <a:srgbClr val="A6E22E"/>
+                </a:solidFill>
+                <a:latin typeface="Menlo" charset="0"/>
+              </a:rPr>
+              <a:t>console</a:t>
+            </a:r>
+            <a:r>
+              <a:rPr lang="en-US" dirty="0" err="1">
+                <a:solidFill>
+                  <a:srgbClr val="F8F8F2"/>
+                </a:solidFill>
+                <a:latin typeface="Menlo" charset="0"/>
+              </a:rPr>
+              <a:t>.</a:t>
+            </a:r>
+            <a:r>
+              <a:rPr lang="en-US" dirty="0" err="1">
+                <a:solidFill>
+                  <a:srgbClr val="A6E22E"/>
+                </a:solidFill>
+                <a:latin typeface="Menlo" charset="0"/>
+              </a:rPr>
+              <a:t>log</a:t>
+            </a:r>
+            <a:r>
+              <a:rPr lang="en-US" dirty="0">
+                <a:solidFill>
+                  <a:srgbClr val="F8F8F2"/>
+                </a:solidFill>
+                <a:latin typeface="Menlo" charset="0"/>
+              </a:rPr>
+              <a:t>(</a:t>
+            </a:r>
+            <a:r>
+              <a:rPr lang="en-US" dirty="0">
+                <a:solidFill>
+                  <a:srgbClr val="E6DB74"/>
+                </a:solidFill>
+                <a:latin typeface="Menlo" charset="0"/>
+              </a:rPr>
+              <a:t>'callback ran!'</a:t>
+            </a:r>
+            <a:r>
+              <a:rPr lang="en-US" dirty="0">
+                <a:solidFill>
+                  <a:srgbClr val="F8F8F2"/>
+                </a:solidFill>
+                <a:latin typeface="Menlo" charset="0"/>
+              </a:rPr>
+              <a:t>);</a:t>
+            </a:r>
+          </a:p>
+          <a:p>
+            <a:r>
+              <a:rPr lang="uk-UA" dirty="0">
+                <a:solidFill>
+                  <a:srgbClr val="F8F8F2"/>
+                </a:solidFill>
+                <a:latin typeface="Menlo" charset="0"/>
+              </a:rPr>
+              <a:t>};</a:t>
+            </a:r>
+          </a:p>
+          <a:p>
+            <a:r>
+              <a:rPr lang="en-US" dirty="0">
+                <a:solidFill>
+                  <a:srgbClr val="75715E"/>
+                </a:solidFill>
+                <a:latin typeface="Menlo" charset="0"/>
+              </a:rPr>
+              <a:t>// wait 500ms, then run the callback</a:t>
+            </a:r>
+          </a:p>
+          <a:p>
+            <a:r>
+              <a:rPr lang="en-US" dirty="0" err="1">
+                <a:solidFill>
+                  <a:srgbClr val="A6E22E"/>
+                </a:solidFill>
+                <a:latin typeface="Menlo" charset="0"/>
+              </a:rPr>
+              <a:t>setTimeout</a:t>
+            </a:r>
+            <a:r>
+              <a:rPr lang="en-US" dirty="0">
+                <a:solidFill>
+                  <a:srgbClr val="F8F8F2"/>
+                </a:solidFill>
+                <a:latin typeface="Menlo" charset="0"/>
+              </a:rPr>
+              <a:t>(</a:t>
+            </a:r>
+            <a:r>
+              <a:rPr lang="en-US" dirty="0" err="1">
+                <a:solidFill>
+                  <a:srgbClr val="A6E22E"/>
+                </a:solidFill>
+                <a:latin typeface="Menlo" charset="0"/>
+              </a:rPr>
+              <a:t>cb</a:t>
+            </a:r>
+            <a:r>
+              <a:rPr lang="en-US" dirty="0">
+                <a:solidFill>
+                  <a:srgbClr val="F8F8F2"/>
+                </a:solidFill>
+                <a:latin typeface="Menlo" charset="0"/>
+              </a:rPr>
+              <a:t>, </a:t>
+            </a:r>
+            <a:r>
+              <a:rPr lang="en-US" dirty="0">
+                <a:solidFill>
+                  <a:srgbClr val="AE81FF"/>
+                </a:solidFill>
+                <a:latin typeface="Menlo" charset="0"/>
+              </a:rPr>
+              <a:t>500</a:t>
+            </a:r>
+            <a:r>
+              <a:rPr lang="en-US" dirty="0">
+                <a:solidFill>
+                  <a:srgbClr val="F8F8F2"/>
+                </a:solidFill>
+                <a:latin typeface="Menlo" charset="0"/>
+              </a:rPr>
+              <a:t>);</a:t>
+            </a:r>
+          </a:p>
+          <a:p>
+            <a:r>
+              <a:rPr lang="en-US" dirty="0">
+                <a:solidFill>
+                  <a:srgbClr val="75715E"/>
+                </a:solidFill>
+                <a:latin typeface="Menlo" charset="0"/>
+              </a:rPr>
+              <a:t>// --&gt; 'callback ran!'</a:t>
+            </a:r>
+          </a:p>
+        </p:txBody>
+      </p:sp>
+    </p:spTree>
+    <p:extLst>
+      <p:ext uri="{BB962C8B-B14F-4D97-AF65-F5344CB8AC3E}">
+        <p14:creationId xmlns:p14="http://schemas.microsoft.com/office/powerpoint/2010/main" val="1049816068"/>
+      </p:ext>
+    </p:extLst>
+  </p:cSld>
+  <p:clrMapOvr>
+    <a:masterClrMapping/>
+  </p:clrMapOvr>
+  <p:timing>
+    <p:tnLst>
+      <p:par>
+        <p:cTn id="1" dur="indefinite" restart="never" nodeType="tmRoot"/>
+      </p:par>
+    </p:tnLst>
+  </p:timing>
+</p:sld>
+</file>
+
+<file path=ppt/slides/slide12.xml><?xml version="1.0" encoding="utf-8"?>
+<p:sld xmlns:a="http://schemas.openxmlformats.org/drawingml/2006/main" xmlns:r="http://schemas.openxmlformats.org/officeDocument/2006/relationships" xmlns:p="http://schemas.openxmlformats.org/presentationml/2006/main">
+  <p:cSld>
+    <p:spTree>
+      <p:nvGrpSpPr>
+        <p:cNvPr id="1" name=""/>
+        <p:cNvGrpSpPr/>
+        <p:nvPr/>
+      </p:nvGrpSpPr>
+      <p:grpSpPr>
+        <a:xfrm>
+          <a:off x="0" y="0"/>
+          <a:ext cx="0" cy="0"/>
+          <a:chOff x="0" y="0"/>
+          <a:chExt cx="0" cy="0"/>
+        </a:xfrm>
+      </p:grpSpPr>
+      <p:sp>
+        <p:nvSpPr>
+          <p:cNvPr id="2" name="Title 1"/>
+          <p:cNvSpPr>
+            <a:spLocks noGrp="1"/>
+          </p:cNvSpPr>
+          <p:nvPr>
+            <p:ph type="title"/>
+          </p:nvPr>
+        </p:nvSpPr>
+        <p:spPr/>
+        <p:txBody>
+          <a:bodyPr/>
+          <a:lstStyle/>
+          <a:p>
+            <a:r>
+              <a:rPr lang="en-US" dirty="0" smtClean="0"/>
+              <a:t>Node-Style Callbacks</a:t>
+            </a:r>
+            <a:endParaRPr lang="en-US" dirty="0"/>
+          </a:p>
+        </p:txBody>
+      </p:sp>
+      <p:sp>
+        <p:nvSpPr>
+          <p:cNvPr id="3" name="Content Placeholder 2"/>
+          <p:cNvSpPr>
+            <a:spLocks noGrp="1"/>
+          </p:cNvSpPr>
+          <p:nvPr>
+            <p:ph idx="1"/>
+          </p:nvPr>
+        </p:nvSpPr>
+        <p:spPr>
+          <a:xfrm>
+            <a:off x="457200" y="1600201"/>
+            <a:ext cx="8229600" cy="1143000"/>
+          </a:xfrm>
+        </p:spPr>
+        <p:txBody>
+          <a:bodyPr/>
+          <a:lstStyle/>
+          <a:p>
+            <a:r>
+              <a:rPr lang="en-US" dirty="0" smtClean="0"/>
+              <a:t>Since so many operations rely on callbacks, a standard callback has emerged in </a:t>
+            </a:r>
+            <a:r>
+              <a:rPr lang="en-US" dirty="0" err="1" smtClean="0"/>
+              <a:t>Node.js</a:t>
+            </a:r>
+            <a:endParaRPr lang="en-US" dirty="0"/>
+          </a:p>
+        </p:txBody>
+      </p:sp>
+      <p:sp>
+        <p:nvSpPr>
+          <p:cNvPr id="4" name="Footer Placeholder 3"/>
+          <p:cNvSpPr>
+            <a:spLocks noGrp="1"/>
+          </p:cNvSpPr>
+          <p:nvPr>
+            <p:ph type="ftr" sz="quarter" idx="11"/>
+          </p:nvPr>
+        </p:nvSpPr>
+        <p:spPr/>
+        <p:txBody>
+          <a:bodyPr/>
+          <a:lstStyle/>
+          <a:p>
+            <a:r>
+              <a:rPr lang="de-DE" smtClean="0"/>
+              <a:t>PennApps Node JS Workshop</a:t>
+            </a:r>
+            <a:endParaRPr lang="en-US"/>
+          </a:p>
+        </p:txBody>
+      </p:sp>
+      <p:sp>
+        <p:nvSpPr>
+          <p:cNvPr id="5" name="Slide Number Placeholder 4"/>
+          <p:cNvSpPr>
+            <a:spLocks noGrp="1"/>
+          </p:cNvSpPr>
+          <p:nvPr>
+            <p:ph type="sldNum" sz="quarter" idx="12"/>
+          </p:nvPr>
+        </p:nvSpPr>
+        <p:spPr/>
+        <p:txBody>
+          <a:bodyPr/>
+          <a:lstStyle/>
+          <a:p>
+            <a:fld id="{BE7B5DD7-0E96-E44E-B777-0B9A5C3419CF}" type="slidenum">
+              <a:rPr lang="en-US" smtClean="0"/>
+              <a:t>12</a:t>
+            </a:fld>
+            <a:endParaRPr lang="en-US"/>
+          </a:p>
+        </p:txBody>
+      </p:sp>
+      <p:sp>
+        <p:nvSpPr>
+          <p:cNvPr id="6" name="TextBox 5"/>
+          <p:cNvSpPr txBox="1"/>
+          <p:nvPr/>
+        </p:nvSpPr>
+        <p:spPr>
+          <a:xfrm>
+            <a:off x="457200" y="2888201"/>
+            <a:ext cx="8229600" cy="369332"/>
+          </a:xfrm>
+          <a:prstGeom prst="rect">
+            <a:avLst/>
+          </a:prstGeom>
+          <a:solidFill>
+            <a:srgbClr val="000000"/>
+          </a:solidFill>
+        </p:spPr>
+        <p:txBody>
+          <a:bodyPr wrap="square" rtlCol="0">
+            <a:spAutoFit/>
+          </a:bodyPr>
+          <a:lstStyle/>
+          <a:p>
+            <a:r>
+              <a:rPr lang="en-US" dirty="0" err="1">
+                <a:solidFill>
+                  <a:srgbClr val="66D9EF"/>
+                </a:solidFill>
+                <a:latin typeface="Menlo" charset="0"/>
+              </a:rPr>
+              <a:t>var</a:t>
+            </a:r>
+            <a:r>
+              <a:rPr lang="en-US" dirty="0">
+                <a:solidFill>
+                  <a:srgbClr val="F8F8F2"/>
+                </a:solidFill>
+                <a:latin typeface="Menlo" charset="0"/>
+              </a:rPr>
+              <a:t> </a:t>
+            </a:r>
+            <a:r>
+              <a:rPr lang="en-US" dirty="0" err="1">
+                <a:solidFill>
+                  <a:srgbClr val="A6E22E"/>
+                </a:solidFill>
+                <a:latin typeface="Menlo" charset="0"/>
+              </a:rPr>
+              <a:t>cb</a:t>
+            </a:r>
+            <a:r>
+              <a:rPr lang="en-US" dirty="0">
+                <a:solidFill>
+                  <a:srgbClr val="F8F8F2"/>
+                </a:solidFill>
+                <a:latin typeface="Menlo" charset="0"/>
+              </a:rPr>
+              <a:t> </a:t>
+            </a:r>
+            <a:r>
+              <a:rPr lang="en-US" dirty="0">
+                <a:solidFill>
+                  <a:srgbClr val="F92672"/>
+                </a:solidFill>
+                <a:latin typeface="Menlo" charset="0"/>
+              </a:rPr>
+              <a:t>=</a:t>
+            </a:r>
+            <a:r>
+              <a:rPr lang="en-US" dirty="0">
+                <a:solidFill>
+                  <a:srgbClr val="F8F8F2"/>
+                </a:solidFill>
+                <a:latin typeface="Menlo" charset="0"/>
+              </a:rPr>
+              <a:t> </a:t>
+            </a:r>
+            <a:r>
+              <a:rPr lang="en-US" dirty="0">
+                <a:solidFill>
+                  <a:srgbClr val="66D9EF"/>
+                </a:solidFill>
+                <a:latin typeface="Menlo" charset="0"/>
+              </a:rPr>
+              <a:t>function</a:t>
+            </a:r>
+            <a:r>
+              <a:rPr lang="en-US" dirty="0">
+                <a:solidFill>
+                  <a:srgbClr val="F8F8F2"/>
+                </a:solidFill>
+                <a:latin typeface="Menlo" charset="0"/>
+              </a:rPr>
+              <a:t> (</a:t>
+            </a:r>
+            <a:r>
+              <a:rPr lang="en-US" dirty="0">
+                <a:solidFill>
+                  <a:srgbClr val="A6E22E"/>
+                </a:solidFill>
+                <a:latin typeface="Menlo" charset="0"/>
+              </a:rPr>
+              <a:t>err</a:t>
+            </a:r>
+            <a:r>
+              <a:rPr lang="en-US" dirty="0">
+                <a:solidFill>
+                  <a:srgbClr val="F8F8F2"/>
+                </a:solidFill>
+                <a:latin typeface="Menlo" charset="0"/>
+              </a:rPr>
+              <a:t>, </a:t>
+            </a:r>
+            <a:r>
+              <a:rPr lang="en-US" dirty="0">
+                <a:solidFill>
+                  <a:srgbClr val="A6E22E"/>
+                </a:solidFill>
+                <a:latin typeface="Menlo" charset="0"/>
+              </a:rPr>
+              <a:t>results</a:t>
+            </a:r>
+            <a:r>
+              <a:rPr lang="en-US" dirty="0">
+                <a:solidFill>
+                  <a:srgbClr val="F8F8F2"/>
+                </a:solidFill>
+                <a:latin typeface="Menlo" charset="0"/>
+              </a:rPr>
+              <a:t>...) {...}</a:t>
+            </a:r>
+          </a:p>
+        </p:txBody>
+      </p:sp>
+      <p:sp>
+        <p:nvSpPr>
+          <p:cNvPr id="9" name="Content Placeholder 2"/>
+          <p:cNvSpPr txBox="1">
+            <a:spLocks/>
+          </p:cNvSpPr>
+          <p:nvPr/>
+        </p:nvSpPr>
+        <p:spPr>
+          <a:xfrm>
+            <a:off x="457200" y="3529550"/>
+            <a:ext cx="8229600" cy="2312468"/>
+          </a:xfrm>
+          <a:prstGeom prst="rect">
+            <a:avLst/>
+          </a:prstGeom>
+        </p:spPr>
+        <p:txBody>
+          <a:bodyPr vert="horz" lIns="91440" tIns="45720" rIns="91440" bIns="45720" rtlCol="0">
+            <a:normAutofit/>
+          </a:bodyPr>
+          <a:lstStyle>
+            <a:lvl1pPr marL="342900" indent="-342900" algn="l" defTabSz="457200" rtl="0" eaLnBrk="1" latinLnBrk="0" hangingPunct="1">
+              <a:spcBef>
+                <a:spcPct val="20000"/>
+              </a:spcBef>
+              <a:buFont typeface="Arial"/>
+              <a:buChar char="•"/>
+              <a:defRPr sz="3200" kern="1200">
+                <a:solidFill>
+                  <a:schemeClr val="tx1"/>
+                </a:solidFill>
+                <a:latin typeface="+mn-lt"/>
+                <a:ea typeface="+mn-ea"/>
+                <a:cs typeface="+mn-cs"/>
+              </a:defRPr>
+            </a:lvl1pPr>
+            <a:lvl2pPr marL="742950" indent="-285750" algn="l" defTabSz="457200" rtl="0" eaLnBrk="1" latinLnBrk="0" hangingPunct="1">
+              <a:spcBef>
+                <a:spcPct val="20000"/>
+              </a:spcBef>
+              <a:buFont typeface="Arial"/>
+              <a:buChar char="–"/>
+              <a:defRPr sz="2800" kern="1200">
+                <a:solidFill>
+                  <a:schemeClr val="tx1"/>
+                </a:solidFill>
+                <a:latin typeface="+mn-lt"/>
+                <a:ea typeface="+mn-ea"/>
+                <a:cs typeface="+mn-cs"/>
+              </a:defRPr>
+            </a:lvl2pPr>
+            <a:lvl3pPr marL="1143000" indent="-228600" algn="l" defTabSz="457200" rtl="0" eaLnBrk="1" latinLnBrk="0" hangingPunct="1">
+              <a:spcBef>
+                <a:spcPct val="20000"/>
+              </a:spcBef>
+              <a:buFont typeface="Arial"/>
+              <a:buChar char="•"/>
+              <a:defRPr sz="2400" kern="1200">
+                <a:solidFill>
+                  <a:schemeClr val="tx1"/>
+                </a:solidFill>
+                <a:latin typeface="+mn-lt"/>
+                <a:ea typeface="+mn-ea"/>
+                <a:cs typeface="+mn-cs"/>
+              </a:defRPr>
+            </a:lvl3pPr>
+            <a:lvl4pPr marL="1600200" indent="-228600" algn="l" defTabSz="457200" rtl="0" eaLnBrk="1" latinLnBrk="0" hangingPunct="1">
+              <a:spcBef>
+                <a:spcPct val="20000"/>
+              </a:spcBef>
+              <a:buFont typeface="Arial"/>
+              <a:buChar char="–"/>
+              <a:defRPr sz="2000" kern="1200">
+                <a:solidFill>
+                  <a:schemeClr val="tx1"/>
+                </a:solidFill>
+                <a:latin typeface="+mn-lt"/>
+                <a:ea typeface="+mn-ea"/>
+                <a:cs typeface="+mn-cs"/>
+              </a:defRPr>
+            </a:lvl4pPr>
+            <a:lvl5pPr marL="2057400" indent="-228600" algn="l" defTabSz="457200" rtl="0" eaLnBrk="1" latinLnBrk="0" hangingPunct="1">
+              <a:spcBef>
+                <a:spcPct val="20000"/>
+              </a:spcBef>
+              <a:buFont typeface="Arial"/>
+              <a:buChar char="»"/>
+              <a:defRPr sz="2000" kern="1200">
+                <a:solidFill>
+                  <a:schemeClr val="tx1"/>
+                </a:solidFill>
+                <a:latin typeface="+mn-lt"/>
+                <a:ea typeface="+mn-ea"/>
+                <a:cs typeface="+mn-cs"/>
+              </a:defRPr>
+            </a:lvl5pPr>
+            <a:lvl6pPr marL="2514600" indent="-228600" algn="l" defTabSz="457200" rtl="0" eaLnBrk="1" latinLnBrk="0" hangingPunct="1">
+              <a:spcBef>
+                <a:spcPct val="20000"/>
+              </a:spcBef>
+              <a:buFont typeface="Arial"/>
+              <a:buChar char="•"/>
+              <a:defRPr sz="2000" kern="1200">
+                <a:solidFill>
+                  <a:schemeClr val="tx1"/>
+                </a:solidFill>
+                <a:latin typeface="+mn-lt"/>
+                <a:ea typeface="+mn-ea"/>
+                <a:cs typeface="+mn-cs"/>
+              </a:defRPr>
+            </a:lvl6pPr>
+            <a:lvl7pPr marL="2971800" indent="-228600" algn="l" defTabSz="457200" rtl="0" eaLnBrk="1" latinLnBrk="0" hangingPunct="1">
+              <a:spcBef>
+                <a:spcPct val="20000"/>
+              </a:spcBef>
+              <a:buFont typeface="Arial"/>
+              <a:buChar char="•"/>
+              <a:defRPr sz="2000" kern="1200">
+                <a:solidFill>
+                  <a:schemeClr val="tx1"/>
+                </a:solidFill>
+                <a:latin typeface="+mn-lt"/>
+                <a:ea typeface="+mn-ea"/>
+                <a:cs typeface="+mn-cs"/>
+              </a:defRPr>
+            </a:lvl7pPr>
+            <a:lvl8pPr marL="3429000" indent="-228600" algn="l" defTabSz="457200" rtl="0" eaLnBrk="1" latinLnBrk="0" hangingPunct="1">
+              <a:spcBef>
+                <a:spcPct val="20000"/>
+              </a:spcBef>
+              <a:buFont typeface="Arial"/>
+              <a:buChar char="•"/>
+              <a:defRPr sz="2000" kern="1200">
+                <a:solidFill>
+                  <a:schemeClr val="tx1"/>
+                </a:solidFill>
+                <a:latin typeface="+mn-lt"/>
+                <a:ea typeface="+mn-ea"/>
+                <a:cs typeface="+mn-cs"/>
+              </a:defRPr>
+            </a:lvl8pPr>
+            <a:lvl9pPr marL="3886200" indent="-228600" algn="l" defTabSz="457200" rtl="0" eaLnBrk="1" latinLnBrk="0" hangingPunct="1">
+              <a:spcBef>
+                <a:spcPct val="20000"/>
+              </a:spcBef>
+              <a:buFont typeface="Arial"/>
+              <a:buChar char="•"/>
+              <a:defRPr sz="2000" kern="1200">
+                <a:solidFill>
+                  <a:schemeClr val="tx1"/>
+                </a:solidFill>
+                <a:latin typeface="+mn-lt"/>
+                <a:ea typeface="+mn-ea"/>
+                <a:cs typeface="+mn-cs"/>
+              </a:defRPr>
+            </a:lvl9pPr>
+          </a:lstStyle>
+          <a:p>
+            <a:r>
+              <a:rPr lang="en-US" dirty="0">
+                <a:latin typeface="Courier" charset="0"/>
+              </a:rPr>
+              <a:t>e</a:t>
+            </a:r>
+            <a:r>
+              <a:rPr lang="en-US" dirty="0" smtClean="0">
+                <a:latin typeface="Courier" charset="0"/>
+              </a:rPr>
+              <a:t>rr</a:t>
+            </a:r>
+            <a:r>
+              <a:rPr lang="en-US" dirty="0" smtClean="0"/>
+              <a:t> contains an error, if one occurred</a:t>
+            </a:r>
+          </a:p>
+          <a:p>
+            <a:pPr lvl="1"/>
+            <a:r>
+              <a:rPr lang="en-US" dirty="0" smtClean="0"/>
+              <a:t>Otherwise, it should be </a:t>
+            </a:r>
+            <a:r>
+              <a:rPr lang="en-US" dirty="0" smtClean="0">
+                <a:latin typeface="Courier" charset="0"/>
+              </a:rPr>
+              <a:t>null</a:t>
+            </a:r>
+          </a:p>
+          <a:p>
+            <a:r>
+              <a:rPr lang="en-US" dirty="0" smtClean="0"/>
+              <a:t>After </a:t>
+            </a:r>
+            <a:r>
+              <a:rPr lang="en-US" dirty="0" smtClean="0">
+                <a:latin typeface="Courier" charset="0"/>
+              </a:rPr>
+              <a:t>err</a:t>
+            </a:r>
+            <a:r>
+              <a:rPr lang="en-US" dirty="0" smtClean="0"/>
+              <a:t>, there can be any number of results arguments containing data</a:t>
+            </a:r>
+            <a:endParaRPr lang="en-US" dirty="0"/>
+          </a:p>
+        </p:txBody>
+      </p:sp>
+    </p:spTree>
+    <p:extLst>
+      <p:ext uri="{BB962C8B-B14F-4D97-AF65-F5344CB8AC3E}">
+        <p14:creationId xmlns:p14="http://schemas.microsoft.com/office/powerpoint/2010/main" val="2024221662"/>
+      </p:ext>
+    </p:extLst>
+  </p:cSld>
+  <p:clrMapOvr>
+    <a:masterClrMapping/>
+  </p:clrMapOvr>
+  <p:timing>
+    <p:tnLst>
+      <p:par>
+        <p:cTn id="1" dur="indefinite" restart="never" nodeType="tmRoot"/>
+      </p:par>
+    </p:tnLst>
+  </p:timing>
+</p:sld>
+</file>
+
+<file path=ppt/slides/slide13.xml><?xml version="1.0" encoding="utf-8"?>
+<p:sld xmlns:a="http://schemas.openxmlformats.org/drawingml/2006/main" xmlns:r="http://schemas.openxmlformats.org/officeDocument/2006/relationships" xmlns:p="http://schemas.openxmlformats.org/presentationml/2006/main">
+  <p:cSld>
+    <p:spTree>
+      <p:nvGrpSpPr>
+        <p:cNvPr id="1" name=""/>
+        <p:cNvGrpSpPr/>
+        <p:nvPr/>
+      </p:nvGrpSpPr>
+      <p:grpSpPr>
+        <a:xfrm>
+          <a:off x="0" y="0"/>
+          <a:ext cx="0" cy="0"/>
+          <a:chOff x="0" y="0"/>
+          <a:chExt cx="0" cy="0"/>
+        </a:xfrm>
+      </p:grpSpPr>
+      <p:sp>
+        <p:nvSpPr>
+          <p:cNvPr id="2" name="Title 1"/>
+          <p:cNvSpPr>
+            <a:spLocks noGrp="1"/>
+          </p:cNvSpPr>
+          <p:nvPr>
+            <p:ph type="title"/>
+          </p:nvPr>
+        </p:nvSpPr>
+        <p:spPr/>
+        <p:txBody>
+          <a:bodyPr/>
+          <a:lstStyle/>
+          <a:p>
+            <a:r>
+              <a:rPr lang="en-US" dirty="0" smtClean="0">
+                <a:solidFill>
+                  <a:srgbClr val="953735"/>
+                </a:solidFill>
+              </a:rPr>
+              <a:t>Installing </a:t>
+            </a:r>
+            <a:r>
+              <a:rPr lang="en-US" dirty="0" err="1" smtClean="0">
+                <a:solidFill>
+                  <a:srgbClr val="953735"/>
+                </a:solidFill>
+              </a:rPr>
+              <a:t>npm</a:t>
+            </a:r>
+            <a:r>
+              <a:rPr lang="en-US" dirty="0" smtClean="0">
+                <a:solidFill>
+                  <a:srgbClr val="953735"/>
+                </a:solidFill>
+              </a:rPr>
+              <a:t> </a:t>
+            </a:r>
+            <a:r>
+              <a:rPr lang="en-US" dirty="0" smtClean="0"/>
+              <a:t>packages</a:t>
+            </a:r>
+            <a:endParaRPr lang="en-US" dirty="0">
+              <a:solidFill>
+                <a:srgbClr val="953735"/>
+              </a:solidFill>
+            </a:endParaRPr>
+          </a:p>
+        </p:txBody>
+      </p:sp>
+      <p:sp>
+        <p:nvSpPr>
+          <p:cNvPr id="3" name="Content Placeholder 2"/>
+          <p:cNvSpPr>
+            <a:spLocks noGrp="1"/>
+          </p:cNvSpPr>
+          <p:nvPr>
+            <p:ph idx="1"/>
+          </p:nvPr>
+        </p:nvSpPr>
+        <p:spPr/>
+        <p:txBody>
+          <a:bodyPr/>
+          <a:lstStyle/>
+          <a:p>
+            <a:r>
+              <a:rPr lang="en-US" dirty="0" err="1" smtClean="0"/>
+              <a:t>Node.js</a:t>
+            </a:r>
+            <a:r>
+              <a:rPr lang="en-US" dirty="0" smtClean="0"/>
+              <a:t> libraries </a:t>
+            </a:r>
+            <a:r>
+              <a:rPr lang="en-US" dirty="0"/>
+              <a:t>are called </a:t>
+            </a:r>
+            <a:r>
+              <a:rPr lang="en-US" dirty="0" smtClean="0"/>
+              <a:t>packages</a:t>
+            </a:r>
+            <a:endParaRPr lang="en-US" dirty="0"/>
+          </a:p>
+          <a:p>
+            <a:r>
+              <a:rPr lang="en-US" dirty="0" smtClean="0"/>
+              <a:t>The </a:t>
+            </a:r>
+            <a:r>
+              <a:rPr lang="en-US" dirty="0"/>
+              <a:t>command to install them is </a:t>
+            </a:r>
+            <a:r>
+              <a:rPr lang="en-US" dirty="0" err="1" smtClean="0">
+                <a:latin typeface="Courier"/>
+                <a:cs typeface="Courier"/>
+              </a:rPr>
+              <a:t>npm</a:t>
+            </a:r>
+            <a:r>
+              <a:rPr lang="en-US" dirty="0" smtClean="0">
+                <a:latin typeface="Courier"/>
+                <a:cs typeface="Courier"/>
+              </a:rPr>
+              <a:t> install </a:t>
+            </a:r>
+            <a:r>
+              <a:rPr lang="en-US" dirty="0" err="1" smtClean="0">
+                <a:latin typeface="Courier"/>
+                <a:cs typeface="Courier"/>
+              </a:rPr>
+              <a:t>package_name</a:t>
+            </a:r>
+            <a:endParaRPr lang="en-US" dirty="0">
+              <a:latin typeface="Courier"/>
+              <a:cs typeface="Courier"/>
+            </a:endParaRPr>
+          </a:p>
+          <a:p>
+            <a:pPr lvl="1"/>
+            <a:r>
+              <a:rPr lang="en-US" dirty="0" smtClean="0"/>
+              <a:t>When </a:t>
+            </a:r>
+            <a:r>
+              <a:rPr lang="en-US" dirty="0"/>
+              <a:t>installed, the </a:t>
+            </a:r>
+            <a:r>
+              <a:rPr lang="en-US" dirty="0" smtClean="0"/>
+              <a:t>package</a:t>
+            </a:r>
+            <a:r>
+              <a:rPr lang="en-US" dirty="0" smtClean="0"/>
+              <a:t> </a:t>
+            </a:r>
+            <a:r>
+              <a:rPr lang="en-US" dirty="0"/>
+              <a:t>is installed in the current </a:t>
+            </a:r>
+            <a:r>
+              <a:rPr lang="en-US" dirty="0" smtClean="0"/>
+              <a:t>directory’s </a:t>
+            </a:r>
+            <a:r>
+              <a:rPr lang="en-US" dirty="0" err="1" smtClean="0">
+                <a:latin typeface="Courier" charset="0"/>
+              </a:rPr>
+              <a:t>node_modules</a:t>
+            </a:r>
+            <a:r>
+              <a:rPr lang="en-US" dirty="0" smtClean="0"/>
+              <a:t> directory</a:t>
+            </a:r>
+            <a:endParaRPr lang="en-US" dirty="0"/>
+          </a:p>
+          <a:p>
+            <a:r>
+              <a:rPr lang="en-US" dirty="0" smtClean="0"/>
+              <a:t>To </a:t>
+            </a:r>
+            <a:r>
+              <a:rPr lang="en-US" dirty="0"/>
+              <a:t>use a gem, pass the name of the gem as a string to the </a:t>
+            </a:r>
+            <a:r>
+              <a:rPr lang="en-US" dirty="0" smtClean="0">
+                <a:latin typeface="Courier"/>
+                <a:cs typeface="Courier"/>
+              </a:rPr>
+              <a:t>require</a:t>
+            </a:r>
+            <a:r>
+              <a:rPr lang="en-US" dirty="0" smtClean="0"/>
+              <a:t> </a:t>
+            </a:r>
+            <a:r>
+              <a:rPr lang="en-US" dirty="0" smtClean="0"/>
+              <a:t>function at </a:t>
+            </a:r>
+            <a:r>
+              <a:rPr lang="en-US" dirty="0"/>
+              <a:t>the top of the file (e.g. </a:t>
+            </a:r>
+            <a:r>
+              <a:rPr lang="en-US" dirty="0" smtClean="0">
+                <a:latin typeface="Courier"/>
+                <a:cs typeface="Courier"/>
+              </a:rPr>
+              <a:t>require('pry’</a:t>
+            </a:r>
+            <a:r>
+              <a:rPr lang="en-US" dirty="0" smtClean="0"/>
+              <a:t>))</a:t>
+            </a:r>
+            <a:endParaRPr lang="en-US" dirty="0"/>
+          </a:p>
+        </p:txBody>
+      </p:sp>
+      <p:sp>
+        <p:nvSpPr>
+          <p:cNvPr id="4" name="Footer Placeholder 3"/>
+          <p:cNvSpPr>
+            <a:spLocks noGrp="1"/>
+          </p:cNvSpPr>
+          <p:nvPr>
+            <p:ph type="ftr" sz="quarter" idx="11"/>
+          </p:nvPr>
+        </p:nvSpPr>
+        <p:spPr/>
+        <p:txBody>
+          <a:bodyPr/>
+          <a:lstStyle/>
+          <a:p>
+            <a:r>
+              <a:rPr lang="de-DE" smtClean="0"/>
+              <a:t>PennApps Node JS Workshop</a:t>
+            </a:r>
+            <a:endParaRPr lang="en-US"/>
+          </a:p>
+        </p:txBody>
+      </p:sp>
+      <p:sp>
+        <p:nvSpPr>
+          <p:cNvPr id="5" name="Slide Number Placeholder 4"/>
+          <p:cNvSpPr>
+            <a:spLocks noGrp="1"/>
+          </p:cNvSpPr>
+          <p:nvPr>
+            <p:ph type="sldNum" sz="quarter" idx="12"/>
+          </p:nvPr>
+        </p:nvSpPr>
+        <p:spPr/>
+        <p:txBody>
+          <a:bodyPr/>
+          <a:lstStyle/>
+          <a:p>
+            <a:fld id="{0BC3279F-4877-C645-B5B9-B613712BA8CE}" type="slidenum">
+              <a:rPr lang="en-US" smtClean="0"/>
+              <a:t>13</a:t>
+            </a:fld>
+            <a:endParaRPr lang="en-US"/>
+          </a:p>
+        </p:txBody>
+      </p:sp>
+    </p:spTree>
+    <p:extLst>
+      <p:ext uri="{BB962C8B-B14F-4D97-AF65-F5344CB8AC3E}">
+        <p14:creationId xmlns:p14="http://schemas.microsoft.com/office/powerpoint/2010/main" val="1265751278"/>
+      </p:ext>
+    </p:extLst>
+  </p:cSld>
+  <p:clrMapOvr>
+    <a:masterClrMapping/>
+  </p:clrMapOvr>
+  <p:timing>
+    <p:tnLst>
+      <p:par>
+        <p:cTn id="1" dur="indefinite" restart="never" nodeType="tmRoot"/>
+      </p:par>
+    </p:tnLst>
+  </p:timing>
+</p:sld>
+</file>
+
+<file path=ppt/slides/slide14.xml><?xml version="1.0" encoding="utf-8"?>
+<p:sld xmlns:a="http://schemas.openxmlformats.org/drawingml/2006/main" xmlns:r="http://schemas.openxmlformats.org/officeDocument/2006/relationships" xmlns:p="http://schemas.openxmlformats.org/presentationml/2006/main">
+  <p:cSld>
+    <p:spTree>
+      <p:nvGrpSpPr>
+        <p:cNvPr id="1" name=""/>
+        <p:cNvGrpSpPr/>
+        <p:nvPr/>
+      </p:nvGrpSpPr>
+      <p:grpSpPr>
+        <a:xfrm>
+          <a:off x="0" y="0"/>
+          <a:ext cx="0" cy="0"/>
+          <a:chOff x="0" y="0"/>
+          <a:chExt cx="0" cy="0"/>
+        </a:xfrm>
+      </p:grpSpPr>
+      <p:sp>
+        <p:nvSpPr>
+          <p:cNvPr id="2" name="Title 1"/>
+          <p:cNvSpPr>
+            <a:spLocks noGrp="1"/>
+          </p:cNvSpPr>
+          <p:nvPr>
+            <p:ph type="ctrTitle"/>
+          </p:nvPr>
+        </p:nvSpPr>
+        <p:spPr/>
+        <p:txBody>
+          <a:bodyPr>
+            <a:normAutofit/>
+          </a:bodyPr>
+          <a:lstStyle/>
+          <a:p>
+            <a:r>
+              <a:rPr lang="en-US" sz="8800" dirty="0" smtClean="0">
+                <a:solidFill>
+                  <a:srgbClr val="953735"/>
+                </a:solidFill>
+              </a:rPr>
+              <a:t>The Web</a:t>
+            </a:r>
+            <a:endParaRPr lang="en-US" sz="8800" dirty="0">
+              <a:solidFill>
+                <a:srgbClr val="953735"/>
+              </a:solidFill>
+            </a:endParaRPr>
+          </a:p>
+        </p:txBody>
+      </p:sp>
+      <p:sp>
+        <p:nvSpPr>
+          <p:cNvPr id="4" name="Footer Placeholder 3"/>
+          <p:cNvSpPr>
+            <a:spLocks noGrp="1"/>
+          </p:cNvSpPr>
+          <p:nvPr>
+            <p:ph type="ftr" sz="quarter" idx="11"/>
+          </p:nvPr>
+        </p:nvSpPr>
+        <p:spPr/>
+        <p:txBody>
+          <a:bodyPr/>
+          <a:lstStyle/>
+          <a:p>
+            <a:r>
+              <a:rPr lang="de-DE" smtClean="0"/>
+              <a:t>PennApps Node JS Workshop</a:t>
+            </a:r>
+            <a:endParaRPr lang="en-US"/>
+          </a:p>
+        </p:txBody>
+      </p:sp>
+      <p:sp>
+        <p:nvSpPr>
+          <p:cNvPr id="5" name="Slide Number Placeholder 4"/>
+          <p:cNvSpPr>
+            <a:spLocks noGrp="1"/>
+          </p:cNvSpPr>
+          <p:nvPr>
+            <p:ph type="sldNum" sz="quarter" idx="12"/>
+          </p:nvPr>
+        </p:nvSpPr>
+        <p:spPr/>
+        <p:txBody>
+          <a:bodyPr/>
+          <a:lstStyle/>
+          <a:p>
+            <a:fld id="{BE7B5DD7-0E96-E44E-B777-0B9A5C3419CF}" type="slidenum">
+              <a:rPr lang="en-US" smtClean="0"/>
+              <a:t>14</a:t>
+            </a:fld>
+            <a:endParaRPr lang="en-US"/>
+          </a:p>
+        </p:txBody>
+      </p:sp>
+    </p:spTree>
+    <p:extLst>
+      <p:ext uri="{BB962C8B-B14F-4D97-AF65-F5344CB8AC3E}">
+        <p14:creationId xmlns:p14="http://schemas.microsoft.com/office/powerpoint/2010/main" val="1384423243"/>
+      </p:ext>
+    </p:extLst>
+  </p:cSld>
+  <p:clrMapOvr>
+    <a:masterClrMapping/>
+  </p:clrMapOvr>
+  <p:timing>
+    <p:tnLst>
+      <p:par>
+        <p:cTn id="1" dur="indefinite" restart="never" nodeType="tmRoot"/>
+      </p:par>
+    </p:tnLst>
+  </p:timing>
+</p:sld>
+</file>
+
+<file path=ppt/slides/slide15.xml><?xml version="1.0" encoding="utf-8"?>
+<p:sld xmlns:a="http://schemas.openxmlformats.org/drawingml/2006/main" xmlns:r="http://schemas.openxmlformats.org/officeDocument/2006/relationships" xmlns:p="http://schemas.openxmlformats.org/presentationml/2006/main">
+  <p:cSld>
+    <p:spTree>
+      <p:nvGrpSpPr>
+        <p:cNvPr id="1" name=""/>
+        <p:cNvGrpSpPr/>
+        <p:nvPr/>
+      </p:nvGrpSpPr>
+      <p:grpSpPr>
+        <a:xfrm>
+          <a:off x="0" y="0"/>
+          <a:ext cx="0" cy="0"/>
+          <a:chOff x="0" y="0"/>
+          <a:chExt cx="0" cy="0"/>
+        </a:xfrm>
+      </p:grpSpPr>
+      <p:sp>
+        <p:nvSpPr>
+          <p:cNvPr id="2" name="Title 1"/>
+          <p:cNvSpPr>
+            <a:spLocks noGrp="1"/>
+          </p:cNvSpPr>
+          <p:nvPr>
+            <p:ph type="title"/>
+          </p:nvPr>
+        </p:nvSpPr>
+        <p:spPr/>
+        <p:txBody>
+          <a:bodyPr/>
+          <a:lstStyle/>
+          <a:p>
+            <a:r>
+              <a:rPr lang="en-US" dirty="0" smtClean="0">
+                <a:solidFill>
+                  <a:srgbClr val="953735"/>
+                </a:solidFill>
+              </a:rPr>
+              <a:t>HTTP</a:t>
+            </a:r>
+            <a:endParaRPr lang="en-US" dirty="0">
+              <a:solidFill>
+                <a:srgbClr val="953735"/>
+              </a:solidFill>
+            </a:endParaRPr>
+          </a:p>
+        </p:txBody>
+      </p:sp>
+      <p:sp>
+        <p:nvSpPr>
+          <p:cNvPr id="3" name="Content Placeholder 2"/>
+          <p:cNvSpPr>
+            <a:spLocks noGrp="1"/>
+          </p:cNvSpPr>
+          <p:nvPr>
+            <p:ph idx="1"/>
+          </p:nvPr>
+        </p:nvSpPr>
+        <p:spPr>
+          <a:xfrm>
+            <a:off x="457200" y="1226694"/>
+            <a:ext cx="8229600" cy="3977501"/>
+          </a:xfrm>
+        </p:spPr>
+        <p:txBody>
+          <a:bodyPr>
+            <a:normAutofit lnSpcReduction="10000"/>
+          </a:bodyPr>
+          <a:lstStyle/>
+          <a:p>
+            <a:r>
+              <a:rPr lang="en-US" dirty="0"/>
+              <a:t>Stands for Hypertext Transfer </a:t>
+            </a:r>
+            <a:r>
+              <a:rPr lang="en-US" dirty="0" smtClean="0"/>
+              <a:t>Protocol</a:t>
+            </a:r>
+            <a:endParaRPr lang="en-US" dirty="0"/>
+          </a:p>
+          <a:p>
+            <a:r>
+              <a:rPr lang="en-US" dirty="0" smtClean="0"/>
+              <a:t>A </a:t>
+            </a:r>
+            <a:r>
+              <a:rPr lang="en-US" b="1" dirty="0" smtClean="0"/>
+              <a:t>client</a:t>
+            </a:r>
+            <a:r>
+              <a:rPr lang="en-US" dirty="0" smtClean="0"/>
+              <a:t> </a:t>
+            </a:r>
+            <a:r>
+              <a:rPr lang="en-US" dirty="0"/>
+              <a:t>(e.g. web browser, phone, computer, etc.) sends a </a:t>
+            </a:r>
+            <a:r>
+              <a:rPr lang="en-US" b="1" dirty="0" smtClean="0"/>
+              <a:t>request</a:t>
+            </a:r>
+            <a:r>
+              <a:rPr lang="en-US" dirty="0" smtClean="0"/>
+              <a:t> </a:t>
+            </a:r>
+            <a:r>
+              <a:rPr lang="en-US" dirty="0"/>
+              <a:t>to a </a:t>
+            </a:r>
+            <a:r>
+              <a:rPr lang="en-US" b="1" dirty="0" smtClean="0"/>
+              <a:t>server</a:t>
+            </a:r>
+            <a:endParaRPr lang="en-US" b="1" dirty="0"/>
+          </a:p>
+          <a:p>
+            <a:r>
+              <a:rPr lang="en-US" dirty="0" smtClean="0"/>
+              <a:t>The </a:t>
+            </a:r>
+            <a:r>
+              <a:rPr lang="en-US" b="1" dirty="0" smtClean="0"/>
+              <a:t>server</a:t>
+            </a:r>
+            <a:r>
+              <a:rPr lang="en-US" dirty="0" smtClean="0"/>
+              <a:t> </a:t>
+            </a:r>
+            <a:r>
+              <a:rPr lang="en-US" dirty="0"/>
+              <a:t>receives this </a:t>
+            </a:r>
+            <a:r>
+              <a:rPr lang="en-US" b="1" dirty="0" smtClean="0"/>
+              <a:t>request</a:t>
+            </a:r>
+            <a:r>
+              <a:rPr lang="en-US" dirty="0" smtClean="0"/>
+              <a:t> </a:t>
+            </a:r>
+            <a:r>
+              <a:rPr lang="en-US" dirty="0"/>
+              <a:t>and sends back a </a:t>
+            </a:r>
+            <a:r>
+              <a:rPr lang="en-US" b="1" dirty="0" smtClean="0"/>
+              <a:t>response</a:t>
+            </a:r>
+            <a:endParaRPr lang="en-US" b="1" dirty="0"/>
+          </a:p>
+          <a:p>
+            <a:r>
+              <a:rPr lang="en-US" dirty="0" smtClean="0"/>
+              <a:t>This </a:t>
+            </a:r>
+            <a:r>
+              <a:rPr lang="en-US" b="1" dirty="0" smtClean="0"/>
+              <a:t>response</a:t>
+            </a:r>
+            <a:r>
+              <a:rPr lang="en-US" dirty="0" smtClean="0"/>
+              <a:t> </a:t>
+            </a:r>
+            <a:r>
+              <a:rPr lang="en-US" dirty="0"/>
+              <a:t>is usually a web page (i.e. HTML with accompanying files) or data, usually in XML or JSON</a:t>
+            </a:r>
+          </a:p>
+        </p:txBody>
+      </p:sp>
+      <p:sp>
+        <p:nvSpPr>
+          <p:cNvPr id="4" name="Footer Placeholder 3"/>
+          <p:cNvSpPr>
+            <a:spLocks noGrp="1"/>
+          </p:cNvSpPr>
+          <p:nvPr>
+            <p:ph type="ftr" sz="quarter" idx="11"/>
+          </p:nvPr>
+        </p:nvSpPr>
+        <p:spPr/>
+        <p:txBody>
+          <a:bodyPr/>
+          <a:lstStyle/>
+          <a:p>
+            <a:r>
+              <a:rPr lang="de-DE" smtClean="0"/>
+              <a:t>PennApps Node JS Workshop</a:t>
+            </a:r>
+            <a:endParaRPr lang="en-US"/>
+          </a:p>
+        </p:txBody>
+      </p:sp>
+      <p:sp>
+        <p:nvSpPr>
+          <p:cNvPr id="5" name="Slide Number Placeholder 4"/>
+          <p:cNvSpPr>
+            <a:spLocks noGrp="1"/>
+          </p:cNvSpPr>
+          <p:nvPr>
+            <p:ph type="sldNum" sz="quarter" idx="12"/>
+          </p:nvPr>
+        </p:nvSpPr>
+        <p:spPr/>
+        <p:txBody>
+          <a:bodyPr/>
+          <a:lstStyle/>
+          <a:p>
+            <a:fld id="{BE7B5DD7-0E96-E44E-B777-0B9A5C3419CF}" type="slidenum">
+              <a:rPr lang="en-US" smtClean="0"/>
+              <a:t>15</a:t>
+            </a:fld>
+            <a:endParaRPr lang="en-US"/>
+          </a:p>
+        </p:txBody>
+      </p:sp>
+      <p:pic>
+        <p:nvPicPr>
+          <p:cNvPr id="6" name="Picture 5"/>
+          <p:cNvPicPr>
+            <a:picLocks noChangeAspect="1"/>
+          </p:cNvPicPr>
+          <p:nvPr/>
+        </p:nvPicPr>
+        <p:blipFill>
+          <a:blip r:embed="rId2"/>
+          <a:stretch>
+            <a:fillRect/>
+          </a:stretch>
+        </p:blipFill>
+        <p:spPr>
+          <a:xfrm>
+            <a:off x="3611798" y="4814088"/>
+            <a:ext cx="4375212" cy="1542262"/>
+          </a:xfrm>
+          <a:prstGeom prst="rect">
+            <a:avLst/>
+          </a:prstGeom>
+        </p:spPr>
+      </p:pic>
+    </p:spTree>
+    <p:extLst>
+      <p:ext uri="{BB962C8B-B14F-4D97-AF65-F5344CB8AC3E}">
+        <p14:creationId xmlns:p14="http://schemas.microsoft.com/office/powerpoint/2010/main" val="16129856"/>
+      </p:ext>
+    </p:extLst>
+  </p:cSld>
+  <p:clrMapOvr>
+    <a:masterClrMapping/>
+  </p:clrMapOvr>
+  <p:timing>
+    <p:tnLst>
+      <p:par>
+        <p:cTn id="1" dur="indefinite" restart="never" nodeType="tmRoot">
+          <p:childTnLst>
+            <p:seq concurrent="1" nextAc="seek">
+              <p:cTn id="2" dur="indefinite" nodeType="mainSeq">
+                <p:childTnLst>
+                  <p:par>
+                    <p:cTn id="3" fill="hold">
+                      <p:stCondLst>
+                        <p:cond delay="indefinite"/>
+                      </p:stCondLst>
+                      <p:childTnLst>
+                        <p:par>
+                          <p:cTn id="4" fill="hold">
+                            <p:stCondLst>
+                              <p:cond delay="0"/>
+                            </p:stCondLst>
+                            <p:childTnLst>
+                              <p:par>
+                                <p:cTn id="5" presetID="1" presetClass="entr" presetSubtype="0" fill="hold" nodeType="clickEffect">
+                                  <p:stCondLst>
+                                    <p:cond delay="0"/>
+                                  </p:stCondLst>
+                                  <p:childTnLst>
+                                    <p:set>
+                                      <p:cBhvr>
+                                        <p:cTn id="6" dur="1" fill="hold">
+                                          <p:stCondLst>
+                                            <p:cond delay="0"/>
+                                          </p:stCondLst>
+                                        </p:cTn>
+                                        <p:tgtEl>
+                                          <p:spTgt spid="3">
+                                            <p:txEl>
+                                              <p:pRg st="1" end="1"/>
+                                            </p:txEl>
+                                          </p:spTgt>
+                                        </p:tgtEl>
+                                        <p:attrNameLst>
+                                          <p:attrName>style.visibility</p:attrName>
+                                        </p:attrNameLst>
+                                      </p:cBhvr>
+                                      <p:to>
+                                        <p:strVal val="visible"/>
+                                      </p:to>
+                                    </p:set>
+                                  </p:childTnLst>
+                                </p:cTn>
+                              </p:par>
+                            </p:childTnLst>
+                          </p:cTn>
+                        </p:par>
+                      </p:childTnLst>
+                    </p:cTn>
+                  </p:par>
+                  <p:par>
+                    <p:cTn id="7" fill="hold">
+                      <p:stCondLst>
+                        <p:cond delay="indefinite"/>
+                      </p:stCondLst>
+                      <p:childTnLst>
+                        <p:par>
+                          <p:cTn id="8" fill="hold">
+                            <p:stCondLst>
+                              <p:cond delay="0"/>
+                            </p:stCondLst>
+                            <p:childTnLst>
+                              <p:par>
+                                <p:cTn id="9" presetID="1" presetClass="entr" presetSubtype="0" fill="hold" nodeType="clickEffect">
+                                  <p:stCondLst>
+                                    <p:cond delay="0"/>
+                                  </p:stCondLst>
+                                  <p:childTnLst>
+                                    <p:set>
+                                      <p:cBhvr>
+                                        <p:cTn id="10" dur="1" fill="hold">
+                                          <p:stCondLst>
+                                            <p:cond delay="0"/>
+                                          </p:stCondLst>
+                                        </p:cTn>
+                                        <p:tgtEl>
+                                          <p:spTgt spid="3">
+                                            <p:txEl>
+                                              <p:pRg st="2" end="2"/>
+                                            </p:txEl>
+                                          </p:spTgt>
+                                        </p:tgtEl>
+                                        <p:attrNameLst>
+                                          <p:attrName>style.visibility</p:attrName>
+                                        </p:attrNameLst>
+                                      </p:cBhvr>
+                                      <p:to>
+                                        <p:strVal val="visible"/>
+                                      </p:to>
+                                    </p:set>
+                                  </p:childTnLst>
+                                </p:cTn>
+                              </p:par>
+                            </p:childTnLst>
+                          </p:cTn>
+                        </p:par>
+                      </p:childTnLst>
+                    </p:cTn>
+                  </p:par>
+                  <p:par>
+                    <p:cTn id="11" fill="hold">
+                      <p:stCondLst>
+                        <p:cond delay="indefinite"/>
+                      </p:stCondLst>
+                      <p:childTnLst>
+                        <p:par>
+                          <p:cTn id="12" fill="hold">
+                            <p:stCondLst>
+                              <p:cond delay="0"/>
+                            </p:stCondLst>
+                            <p:childTnLst>
+                              <p:par>
+                                <p:cTn id="13" presetID="1" presetClass="entr" presetSubtype="0" fill="hold" nodeType="clickEffect">
+                                  <p:stCondLst>
+                                    <p:cond delay="0"/>
+                                  </p:stCondLst>
+                                  <p:childTnLst>
+                                    <p:set>
+                                      <p:cBhvr>
+                                        <p:cTn id="14" dur="1" fill="hold">
+                                          <p:stCondLst>
+                                            <p:cond delay="0"/>
+                                          </p:stCondLst>
+                                        </p:cTn>
+                                        <p:tgtEl>
+                                          <p:spTgt spid="3">
+                                            <p:txEl>
+                                              <p:pRg st="3" end="3"/>
+                                            </p:txEl>
+                                          </p:spTgt>
+                                        </p:tgtEl>
+                                        <p:attrNameLst>
+                                          <p:attrName>style.visibility</p:attrName>
+                                        </p:attrNameLst>
+                                      </p:cBhvr>
+                                      <p:to>
+                                        <p:strVal val="visible"/>
+                                      </p:to>
+                                    </p:set>
+                                  </p:childTnLst>
+                                </p:cTn>
+                              </p:par>
+                            </p:childTnLst>
+                          </p:cTn>
+                        </p:par>
+                      </p:childTnLst>
+                    </p:cTn>
+                  </p:par>
+                  <p:par>
+                    <p:cTn id="15" fill="hold">
+                      <p:stCondLst>
+                        <p:cond delay="indefinite"/>
+                      </p:stCondLst>
+                      <p:childTnLst>
+                        <p:par>
+                          <p:cTn id="16" fill="hold">
+                            <p:stCondLst>
+                              <p:cond delay="0"/>
+                            </p:stCondLst>
+                            <p:childTnLst>
+                              <p:par>
+                                <p:cTn id="17" presetID="1" presetClass="entr" presetSubtype="0" fill="hold" nodeType="clickEffect">
+                                  <p:stCondLst>
+                                    <p:cond delay="0"/>
+                                  </p:stCondLst>
+                                  <p:childTnLst>
+                                    <p:set>
+                                      <p:cBhvr>
+                                        <p:cTn id="18" dur="1" fill="hold">
+                                          <p:stCondLst>
+                                            <p:cond delay="0"/>
+                                          </p:stCondLst>
+                                        </p:cTn>
+                                        <p:tgtEl>
+                                          <p:spTgt spid="6"/>
+                                        </p:tgtEl>
+                                        <p:attrNameLst>
+                                          <p:attrName>style.visibility</p:attrName>
+                                        </p:attrNameLst>
+                                      </p:cBhvr>
+                                      <p:to>
+                                        <p:strVal val="visible"/>
+                                      </p:to>
+                                    </p:set>
+                                  </p:childTnLst>
+                                </p:cTn>
+                              </p:par>
+                            </p:childTnLst>
+                          </p:cTn>
+                        </p:par>
+                      </p:childTnLst>
+                    </p:cTn>
+                  </p:par>
+                </p:childTnLst>
+              </p:cTn>
+              <p:prevCondLst>
+                <p:cond evt="onPrev" delay="0">
+                  <p:tgtEl>
+                    <p:sldTgt/>
+                  </p:tgtEl>
+                </p:cond>
+              </p:prevCondLst>
+              <p:nextCondLst>
+                <p:cond evt="onNext" delay="0">
+                  <p:tgtEl>
+                    <p:sldTgt/>
+                  </p:tgtEl>
+                </p:cond>
+              </p:nextCondLst>
+            </p:seq>
+          </p:childTnLst>
+        </p:cTn>
+      </p:par>
+    </p:tnLst>
+  </p:timing>
+</p:sld>
+</file>
+
+<file path=ppt/slides/slide16.xml><?xml version="1.0" encoding="utf-8"?>
+<p:sld xmlns:a="http://schemas.openxmlformats.org/drawingml/2006/main" xmlns:r="http://schemas.openxmlformats.org/officeDocument/2006/relationships" xmlns:p="http://schemas.openxmlformats.org/presentationml/2006/main">
+  <p:cSld>
+    <p:spTree>
+      <p:nvGrpSpPr>
+        <p:cNvPr id="1" name=""/>
+        <p:cNvGrpSpPr/>
+        <p:nvPr/>
+      </p:nvGrpSpPr>
+      <p:grpSpPr>
+        <a:xfrm>
+          <a:off x="0" y="0"/>
+          <a:ext cx="0" cy="0"/>
+          <a:chOff x="0" y="0"/>
+          <a:chExt cx="0" cy="0"/>
+        </a:xfrm>
+      </p:grpSpPr>
+      <p:sp>
+        <p:nvSpPr>
+          <p:cNvPr id="2" name="Title 1"/>
+          <p:cNvSpPr>
+            <a:spLocks noGrp="1"/>
+          </p:cNvSpPr>
+          <p:nvPr>
+            <p:ph type="title"/>
+          </p:nvPr>
+        </p:nvSpPr>
+        <p:spPr/>
+        <p:txBody>
+          <a:bodyPr/>
+          <a:lstStyle/>
+          <a:p>
+            <a:r>
+              <a:rPr lang="en-US" dirty="0" smtClean="0"/>
+              <a:t>HTTP Verbs</a:t>
+            </a:r>
+            <a:endParaRPr lang="en-US" dirty="0"/>
+          </a:p>
+        </p:txBody>
+      </p:sp>
+      <p:sp>
+        <p:nvSpPr>
+          <p:cNvPr id="3" name="Content Placeholder 2"/>
+          <p:cNvSpPr>
+            <a:spLocks noGrp="1"/>
+          </p:cNvSpPr>
+          <p:nvPr>
+            <p:ph idx="1"/>
+          </p:nvPr>
+        </p:nvSpPr>
+        <p:spPr/>
+        <p:txBody>
+          <a:bodyPr/>
+          <a:lstStyle/>
+          <a:p>
+            <a:r>
+              <a:rPr lang="en-US" dirty="0" smtClean="0"/>
+              <a:t>The </a:t>
+            </a:r>
+            <a:r>
+              <a:rPr lang="en-US" dirty="0"/>
+              <a:t>five most common types of HTTP requests are:</a:t>
+            </a:r>
+          </a:p>
+          <a:p>
+            <a:pPr lvl="1"/>
+            <a:r>
+              <a:rPr lang="en-US" dirty="0" smtClean="0"/>
+              <a:t>GET</a:t>
+            </a:r>
+            <a:endParaRPr lang="en-US" dirty="0"/>
+          </a:p>
+          <a:p>
+            <a:pPr lvl="1"/>
+            <a:r>
+              <a:rPr lang="en-US" dirty="0" smtClean="0"/>
+              <a:t>POST</a:t>
+            </a:r>
+            <a:endParaRPr lang="en-US" dirty="0"/>
+          </a:p>
+          <a:p>
+            <a:pPr lvl="1"/>
+            <a:r>
+              <a:rPr lang="en-US" dirty="0" smtClean="0"/>
+              <a:t>PUT</a:t>
+            </a:r>
+            <a:r>
+              <a:rPr lang="en-US" dirty="0"/>
+              <a:t>/PATCH</a:t>
+            </a:r>
+          </a:p>
+          <a:p>
+            <a:pPr lvl="1"/>
+            <a:r>
+              <a:rPr lang="en-US" dirty="0" smtClean="0"/>
+              <a:t>DELETE</a:t>
+            </a:r>
+            <a:endParaRPr lang="en-US" dirty="0"/>
+          </a:p>
+        </p:txBody>
+      </p:sp>
+      <p:sp>
+        <p:nvSpPr>
+          <p:cNvPr id="4" name="Footer Placeholder 3"/>
+          <p:cNvSpPr>
+            <a:spLocks noGrp="1"/>
+          </p:cNvSpPr>
+          <p:nvPr>
+            <p:ph type="ftr" sz="quarter" idx="11"/>
+          </p:nvPr>
+        </p:nvSpPr>
+        <p:spPr/>
+        <p:txBody>
+          <a:bodyPr/>
+          <a:lstStyle/>
+          <a:p>
+            <a:r>
+              <a:rPr lang="de-DE" smtClean="0"/>
+              <a:t>PennApps Node JS Workshop</a:t>
+            </a:r>
+            <a:endParaRPr lang="en-US"/>
+          </a:p>
+        </p:txBody>
+      </p:sp>
+      <p:sp>
+        <p:nvSpPr>
+          <p:cNvPr id="5" name="Slide Number Placeholder 4"/>
+          <p:cNvSpPr>
+            <a:spLocks noGrp="1"/>
+          </p:cNvSpPr>
+          <p:nvPr>
+            <p:ph type="sldNum" sz="quarter" idx="12"/>
+          </p:nvPr>
+        </p:nvSpPr>
+        <p:spPr/>
+        <p:txBody>
+          <a:bodyPr/>
+          <a:lstStyle/>
+          <a:p>
+            <a:fld id="{BE7B5DD7-0E96-E44E-B777-0B9A5C3419CF}" type="slidenum">
+              <a:rPr lang="en-US" smtClean="0"/>
+              <a:t>16</a:t>
+            </a:fld>
+            <a:endParaRPr lang="en-US"/>
+          </a:p>
+        </p:txBody>
+      </p:sp>
+    </p:spTree>
+    <p:extLst>
+      <p:ext uri="{BB962C8B-B14F-4D97-AF65-F5344CB8AC3E}">
+        <p14:creationId xmlns:p14="http://schemas.microsoft.com/office/powerpoint/2010/main" val="511550270"/>
+      </p:ext>
+    </p:extLst>
+  </p:cSld>
+  <p:clrMapOvr>
+    <a:masterClrMapping/>
+  </p:clrMapOvr>
+  <p:timing>
+    <p:tnLst>
+      <p:par>
+        <p:cTn id="1" dur="indefinite" restart="never" nodeType="tmRoot"/>
+      </p:par>
+    </p:tnLst>
+  </p:timing>
+</p:sld>
+</file>
+
+<file path=ppt/slides/slide17.xml><?xml version="1.0" encoding="utf-8"?>
+<p:sld xmlns:a="http://schemas.openxmlformats.org/drawingml/2006/main" xmlns:r="http://schemas.openxmlformats.org/officeDocument/2006/relationships" xmlns:p="http://schemas.openxmlformats.org/presentationml/2006/main">
+  <p:cSld>
+    <p:spTree>
+      <p:nvGrpSpPr>
+        <p:cNvPr id="1" name=""/>
+        <p:cNvGrpSpPr/>
+        <p:nvPr/>
+      </p:nvGrpSpPr>
+      <p:grpSpPr>
+        <a:xfrm>
+          <a:off x="0" y="0"/>
+          <a:ext cx="0" cy="0"/>
+          <a:chOff x="0" y="0"/>
+          <a:chExt cx="0" cy="0"/>
+        </a:xfrm>
+      </p:grpSpPr>
+      <p:sp>
+        <p:nvSpPr>
+          <p:cNvPr id="2" name="Title 1"/>
+          <p:cNvSpPr>
+            <a:spLocks noGrp="1"/>
+          </p:cNvSpPr>
+          <p:nvPr>
+            <p:ph type="title"/>
+          </p:nvPr>
+        </p:nvSpPr>
+        <p:spPr/>
+        <p:txBody>
+          <a:bodyPr/>
+          <a:lstStyle/>
+          <a:p>
+            <a:r>
+              <a:rPr lang="en-US" dirty="0" smtClean="0"/>
+              <a:t>GET Request</a:t>
+            </a:r>
+            <a:endParaRPr lang="en-US" dirty="0"/>
+          </a:p>
+        </p:txBody>
+      </p:sp>
+      <p:sp>
+        <p:nvSpPr>
+          <p:cNvPr id="3" name="Content Placeholder 2"/>
+          <p:cNvSpPr>
+            <a:spLocks noGrp="1"/>
+          </p:cNvSpPr>
+          <p:nvPr>
+            <p:ph idx="1"/>
+          </p:nvPr>
+        </p:nvSpPr>
+        <p:spPr/>
+        <p:txBody>
+          <a:bodyPr/>
+          <a:lstStyle/>
+          <a:p>
+            <a:r>
+              <a:rPr lang="en-US" dirty="0"/>
+              <a:t>This is usually the default type of request </a:t>
+            </a:r>
+            <a:r>
+              <a:rPr lang="en-US" dirty="0" smtClean="0"/>
+              <a:t>sent</a:t>
+            </a:r>
+            <a:endParaRPr lang="en-US" dirty="0"/>
+          </a:p>
+          <a:p>
+            <a:pPr lvl="1"/>
+            <a:r>
+              <a:rPr lang="en-US" dirty="0" smtClean="0"/>
+              <a:t>When </a:t>
+            </a:r>
+            <a:r>
+              <a:rPr lang="en-US" dirty="0"/>
+              <a:t>you enter a URL or click a link, a GET request is sent for the web </a:t>
+            </a:r>
+            <a:r>
+              <a:rPr lang="en-US" dirty="0" smtClean="0"/>
+              <a:t>page</a:t>
+            </a:r>
+            <a:endParaRPr lang="en-US" dirty="0"/>
+          </a:p>
+          <a:p>
+            <a:pPr lvl="1"/>
+            <a:r>
+              <a:rPr lang="en-US" dirty="0" smtClean="0"/>
+              <a:t>When </a:t>
+            </a:r>
+            <a:r>
+              <a:rPr lang="en-US" dirty="0"/>
+              <a:t>a web page updates, it probably sent a GET request behind the scenes to get the new </a:t>
+            </a:r>
+            <a:r>
+              <a:rPr lang="en-US" dirty="0" smtClean="0"/>
+              <a:t>data</a:t>
+            </a:r>
+            <a:endParaRPr lang="en-US" dirty="0"/>
+          </a:p>
+          <a:p>
+            <a:r>
+              <a:rPr lang="en-US" dirty="0" smtClean="0"/>
+              <a:t>It </a:t>
+            </a:r>
+            <a:r>
+              <a:rPr lang="en-US" dirty="0"/>
+              <a:t>should only be used to </a:t>
+            </a:r>
+            <a:r>
+              <a:rPr lang="en-US" i="1" dirty="0" smtClean="0"/>
+              <a:t>get</a:t>
+            </a:r>
+            <a:r>
+              <a:rPr lang="en-US" dirty="0" smtClean="0"/>
+              <a:t> </a:t>
+            </a:r>
+            <a:r>
+              <a:rPr lang="en-US" dirty="0"/>
+              <a:t>something</a:t>
+            </a:r>
+          </a:p>
+        </p:txBody>
+      </p:sp>
+      <p:sp>
+        <p:nvSpPr>
+          <p:cNvPr id="4" name="Footer Placeholder 3"/>
+          <p:cNvSpPr>
+            <a:spLocks noGrp="1"/>
+          </p:cNvSpPr>
+          <p:nvPr>
+            <p:ph type="ftr" sz="quarter" idx="11"/>
+          </p:nvPr>
+        </p:nvSpPr>
+        <p:spPr/>
+        <p:txBody>
+          <a:bodyPr/>
+          <a:lstStyle/>
+          <a:p>
+            <a:r>
+              <a:rPr lang="de-DE" smtClean="0"/>
+              <a:t>PennApps Node JS Workshop</a:t>
+            </a:r>
+            <a:endParaRPr lang="en-US"/>
+          </a:p>
+        </p:txBody>
+      </p:sp>
+      <p:sp>
+        <p:nvSpPr>
+          <p:cNvPr id="5" name="Slide Number Placeholder 4"/>
+          <p:cNvSpPr>
+            <a:spLocks noGrp="1"/>
+          </p:cNvSpPr>
+          <p:nvPr>
+            <p:ph type="sldNum" sz="quarter" idx="12"/>
+          </p:nvPr>
+        </p:nvSpPr>
+        <p:spPr/>
+        <p:txBody>
+          <a:bodyPr/>
+          <a:lstStyle/>
+          <a:p>
+            <a:fld id="{BE7B5DD7-0E96-E44E-B777-0B9A5C3419CF}" type="slidenum">
+              <a:rPr lang="en-US" smtClean="0"/>
+              <a:t>17</a:t>
+            </a:fld>
+            <a:endParaRPr lang="en-US"/>
+          </a:p>
+        </p:txBody>
+      </p:sp>
+    </p:spTree>
+    <p:extLst>
+      <p:ext uri="{BB962C8B-B14F-4D97-AF65-F5344CB8AC3E}">
+        <p14:creationId xmlns:p14="http://schemas.microsoft.com/office/powerpoint/2010/main" val="1248348949"/>
+      </p:ext>
+    </p:extLst>
+  </p:cSld>
+  <p:clrMapOvr>
+    <a:masterClrMapping/>
+  </p:clrMapOvr>
+  <p:timing>
+    <p:tnLst>
+      <p:par>
+        <p:cTn id="1" dur="indefinite" restart="never" nodeType="tmRoot">
+          <p:childTnLst>
+            <p:seq concurrent="1" nextAc="seek">
+              <p:cTn id="2" dur="indefinite" nodeType="mainSeq">
+                <p:childTnLst>
+                  <p:par>
+                    <p:cTn id="3" fill="hold">
+                      <p:stCondLst>
+                        <p:cond delay="indefinite"/>
+                      </p:stCondLst>
+                      <p:childTnLst>
+                        <p:par>
+                          <p:cTn id="4" fill="hold">
+                            <p:stCondLst>
+                              <p:cond delay="0"/>
+                            </p:stCondLst>
+                            <p:childTnLst>
+                              <p:par>
+                                <p:cTn id="5" presetID="1" presetClass="entr" presetSubtype="0" fill="hold" nodeType="clickEffect">
+                                  <p:stCondLst>
+                                    <p:cond delay="0"/>
+                                  </p:stCondLst>
+                                  <p:childTnLst>
+                                    <p:set>
+                                      <p:cBhvr>
+                                        <p:cTn id="6" dur="1" fill="hold">
+                                          <p:stCondLst>
+                                            <p:cond delay="0"/>
+                                          </p:stCondLst>
+                                        </p:cTn>
+                                        <p:tgtEl>
+                                          <p:spTgt spid="3">
+                                            <p:txEl>
+                                              <p:pRg st="1" end="1"/>
+                                            </p:txEl>
+                                          </p:spTgt>
+                                        </p:tgtEl>
+                                        <p:attrNameLst>
+                                          <p:attrName>style.visibility</p:attrName>
+                                        </p:attrNameLst>
+                                      </p:cBhvr>
+                                      <p:to>
+                                        <p:strVal val="visible"/>
+                                      </p:to>
+                                    </p:set>
+                                  </p:childTnLst>
+                                </p:cTn>
+                              </p:par>
+                              <p:par>
+                                <p:cTn id="7" presetID="1" presetClass="entr" presetSubtype="0" fill="hold" nodeType="withEffect">
+                                  <p:stCondLst>
+                                    <p:cond delay="0"/>
+                                  </p:stCondLst>
+                                  <p:childTnLst>
+                                    <p:set>
+                                      <p:cBhvr>
+                                        <p:cTn id="8" dur="1" fill="hold">
+                                          <p:stCondLst>
+                                            <p:cond delay="0"/>
+                                          </p:stCondLst>
+                                        </p:cTn>
+                                        <p:tgtEl>
+                                          <p:spTgt spid="3">
+                                            <p:txEl>
+                                              <p:pRg st="2" end="2"/>
+                                            </p:txEl>
+                                          </p:spTgt>
+                                        </p:tgtEl>
+                                        <p:attrNameLst>
+                                          <p:attrName>style.visibility</p:attrName>
+                                        </p:attrNameLst>
+                                      </p:cBhvr>
+                                      <p:to>
+                                        <p:strVal val="visible"/>
+                                      </p:to>
+                                    </p:set>
+                                  </p:childTnLst>
+                                </p:cTn>
+                              </p:par>
+                            </p:childTnLst>
+                          </p:cTn>
+                        </p:par>
+                      </p:childTnLst>
+                    </p:cTn>
+                  </p:par>
+                  <p:par>
+                    <p:cTn id="9" fill="hold">
+                      <p:stCondLst>
+                        <p:cond delay="indefinite"/>
+                      </p:stCondLst>
+                      <p:childTnLst>
+                        <p:par>
+                          <p:cTn id="10" fill="hold">
+                            <p:stCondLst>
+                              <p:cond delay="0"/>
+                            </p:stCondLst>
+                            <p:childTnLst>
+                              <p:par>
+                                <p:cTn id="11" presetID="1" presetClass="entr" presetSubtype="0" fill="hold" nodeType="clickEffect">
+                                  <p:stCondLst>
+                                    <p:cond delay="0"/>
+                                  </p:stCondLst>
+                                  <p:childTnLst>
+                                    <p:set>
+                                      <p:cBhvr>
+                                        <p:cTn id="12" dur="1" fill="hold">
+                                          <p:stCondLst>
+                                            <p:cond delay="0"/>
+                                          </p:stCondLst>
+                                        </p:cTn>
+                                        <p:tgtEl>
+                                          <p:spTgt spid="3">
+                                            <p:txEl>
+                                              <p:pRg st="3" end="3"/>
+                                            </p:txEl>
+                                          </p:spTgt>
+                                        </p:tgtEl>
+                                        <p:attrNameLst>
+                                          <p:attrName>style.visibility</p:attrName>
+                                        </p:attrNameLst>
+                                      </p:cBhvr>
+                                      <p:to>
+                                        <p:strVal val="visible"/>
+                                      </p:to>
+                                    </p:set>
+                                  </p:childTnLst>
+                                </p:cTn>
+                              </p:par>
+                            </p:childTnLst>
+                          </p:cTn>
+                        </p:par>
+                      </p:childTnLst>
+                    </p:cTn>
+                  </p:par>
+                </p:childTnLst>
+              </p:cTn>
+              <p:prevCondLst>
+                <p:cond evt="onPrev" delay="0">
+                  <p:tgtEl>
+                    <p:sldTgt/>
+                  </p:tgtEl>
+                </p:cond>
+              </p:prevCondLst>
+              <p:nextCondLst>
+                <p:cond evt="onNext" delay="0">
+                  <p:tgtEl>
+                    <p:sldTgt/>
+                  </p:tgtEl>
+                </p:cond>
+              </p:nextCondLst>
+            </p:seq>
+          </p:childTnLst>
+        </p:cTn>
+      </p:par>
+    </p:tnLst>
+  </p:timing>
+</p:sld>
+</file>
+
+<file path=ppt/slides/slide18.xml><?xml version="1.0" encoding="utf-8"?>
+<p:sld xmlns:a="http://schemas.openxmlformats.org/drawingml/2006/main" xmlns:r="http://schemas.openxmlformats.org/officeDocument/2006/relationships" xmlns:p="http://schemas.openxmlformats.org/presentationml/2006/main">
+  <p:cSld>
+    <p:spTree>
+      <p:nvGrpSpPr>
+        <p:cNvPr id="1" name=""/>
+        <p:cNvGrpSpPr/>
+        <p:nvPr/>
+      </p:nvGrpSpPr>
+      <p:grpSpPr>
+        <a:xfrm>
+          <a:off x="0" y="0"/>
+          <a:ext cx="0" cy="0"/>
+          <a:chOff x="0" y="0"/>
+          <a:chExt cx="0" cy="0"/>
+        </a:xfrm>
+      </p:grpSpPr>
+      <p:sp>
+        <p:nvSpPr>
+          <p:cNvPr id="2" name="Title 1"/>
+          <p:cNvSpPr>
+            <a:spLocks noGrp="1"/>
+          </p:cNvSpPr>
+          <p:nvPr>
+            <p:ph type="title"/>
+          </p:nvPr>
+        </p:nvSpPr>
+        <p:spPr/>
+        <p:txBody>
+          <a:bodyPr/>
+          <a:lstStyle/>
+          <a:p>
+            <a:r>
+              <a:rPr lang="en-US" dirty="0" smtClean="0"/>
+              <a:t>POST Request</a:t>
+            </a:r>
+            <a:endParaRPr lang="en-US" dirty="0"/>
+          </a:p>
+        </p:txBody>
+      </p:sp>
+      <p:sp>
+        <p:nvSpPr>
+          <p:cNvPr id="3" name="Content Placeholder 2"/>
+          <p:cNvSpPr>
+            <a:spLocks noGrp="1"/>
+          </p:cNvSpPr>
+          <p:nvPr>
+            <p:ph idx="1"/>
+          </p:nvPr>
+        </p:nvSpPr>
+        <p:spPr/>
+        <p:txBody>
+          <a:bodyPr/>
+          <a:lstStyle/>
+          <a:p>
+            <a:r>
+              <a:rPr lang="en-US" dirty="0"/>
+              <a:t>This should be used to </a:t>
+            </a:r>
+            <a:r>
+              <a:rPr lang="en-US" i="1" dirty="0" smtClean="0"/>
+              <a:t>send</a:t>
+            </a:r>
+            <a:r>
+              <a:rPr lang="en-US" dirty="0" smtClean="0"/>
+              <a:t> </a:t>
+            </a:r>
+            <a:r>
+              <a:rPr lang="en-US" dirty="0"/>
+              <a:t>data from the client to the </a:t>
+            </a:r>
+            <a:r>
+              <a:rPr lang="en-US" dirty="0" smtClean="0"/>
+              <a:t>server</a:t>
+            </a:r>
+            <a:endParaRPr lang="en-US" dirty="0"/>
+          </a:p>
+          <a:p>
+            <a:r>
+              <a:rPr lang="en-US" dirty="0" smtClean="0"/>
+              <a:t>While </a:t>
+            </a:r>
+            <a:r>
+              <a:rPr lang="en-US" dirty="0"/>
+              <a:t>you can technically use GET requests to send data as well, you should absolutely use POST requests if you're sending </a:t>
+            </a:r>
+            <a:r>
+              <a:rPr lang="en-US" dirty="0" smtClean="0"/>
+              <a:t>data</a:t>
+            </a:r>
+            <a:endParaRPr lang="en-US" dirty="0"/>
+          </a:p>
+          <a:p>
+            <a:pPr lvl="1"/>
+            <a:r>
+              <a:rPr lang="en-US" dirty="0" smtClean="0"/>
+              <a:t>It's </a:t>
+            </a:r>
+            <a:r>
+              <a:rPr lang="en-US" dirty="0"/>
+              <a:t>much more robust and </a:t>
+            </a:r>
+            <a:r>
+              <a:rPr lang="en-US" dirty="0" smtClean="0"/>
+              <a:t>secure</a:t>
+            </a:r>
+            <a:endParaRPr lang="en-US" dirty="0"/>
+          </a:p>
+          <a:p>
+            <a:r>
+              <a:rPr lang="en-US" dirty="0" smtClean="0"/>
+              <a:t>This </a:t>
+            </a:r>
+            <a:r>
+              <a:rPr lang="en-US" dirty="0"/>
+              <a:t>is the default type of request sent when submitting a form (e.g. log in)</a:t>
+            </a:r>
+          </a:p>
+        </p:txBody>
+      </p:sp>
+      <p:sp>
+        <p:nvSpPr>
+          <p:cNvPr id="4" name="Footer Placeholder 3"/>
+          <p:cNvSpPr>
+            <a:spLocks noGrp="1"/>
+          </p:cNvSpPr>
+          <p:nvPr>
+            <p:ph type="ftr" sz="quarter" idx="11"/>
+          </p:nvPr>
+        </p:nvSpPr>
+        <p:spPr/>
+        <p:txBody>
+          <a:bodyPr/>
+          <a:lstStyle/>
+          <a:p>
+            <a:r>
+              <a:rPr lang="de-DE" smtClean="0"/>
+              <a:t>PennApps Node JS Workshop</a:t>
+            </a:r>
+            <a:endParaRPr lang="en-US"/>
+          </a:p>
+        </p:txBody>
+      </p:sp>
+      <p:sp>
+        <p:nvSpPr>
+          <p:cNvPr id="5" name="Slide Number Placeholder 4"/>
+          <p:cNvSpPr>
+            <a:spLocks noGrp="1"/>
+          </p:cNvSpPr>
+          <p:nvPr>
+            <p:ph type="sldNum" sz="quarter" idx="12"/>
+          </p:nvPr>
+        </p:nvSpPr>
+        <p:spPr/>
+        <p:txBody>
+          <a:bodyPr/>
+          <a:lstStyle/>
+          <a:p>
+            <a:fld id="{BE7B5DD7-0E96-E44E-B777-0B9A5C3419CF}" type="slidenum">
+              <a:rPr lang="en-US" smtClean="0"/>
+              <a:t>18</a:t>
+            </a:fld>
+            <a:endParaRPr lang="en-US"/>
+          </a:p>
+        </p:txBody>
+      </p:sp>
+    </p:spTree>
+    <p:extLst>
+      <p:ext uri="{BB962C8B-B14F-4D97-AF65-F5344CB8AC3E}">
+        <p14:creationId xmlns:p14="http://schemas.microsoft.com/office/powerpoint/2010/main" val="85554653"/>
+      </p:ext>
+    </p:extLst>
+  </p:cSld>
+  <p:clrMapOvr>
+    <a:masterClrMapping/>
+  </p:clrMapOvr>
+  <p:timing>
+    <p:tnLst>
+      <p:par>
+        <p:cTn id="1" dur="indefinite" restart="never" nodeType="tmRoot"/>
+      </p:par>
+    </p:tnLst>
+  </p:timing>
+</p:sld>
+</file>
+
+<file path=ppt/slides/slide19.xml><?xml version="1.0" encoding="utf-8"?>
+<p:sld xmlns:a="http://schemas.openxmlformats.org/drawingml/2006/main" xmlns:r="http://schemas.openxmlformats.org/officeDocument/2006/relationships" xmlns:p="http://schemas.openxmlformats.org/presentationml/2006/main">
+  <p:cSld>
+    <p:spTree>
+      <p:nvGrpSpPr>
+        <p:cNvPr id="1" name=""/>
+        <p:cNvGrpSpPr/>
+        <p:nvPr/>
+      </p:nvGrpSpPr>
+      <p:grpSpPr>
+        <a:xfrm>
+          <a:off x="0" y="0"/>
+          <a:ext cx="0" cy="0"/>
+          <a:chOff x="0" y="0"/>
+          <a:chExt cx="0" cy="0"/>
+        </a:xfrm>
+      </p:grpSpPr>
+      <p:sp>
+        <p:nvSpPr>
+          <p:cNvPr id="2" name="Title 1"/>
+          <p:cNvSpPr>
+            <a:spLocks noGrp="1"/>
+          </p:cNvSpPr>
+          <p:nvPr>
+            <p:ph type="title"/>
+          </p:nvPr>
+        </p:nvSpPr>
+        <p:spPr/>
+        <p:txBody>
+          <a:bodyPr/>
+          <a:lstStyle/>
+          <a:p>
+            <a:r>
+              <a:rPr lang="en-US" dirty="0" smtClean="0"/>
+              <a:t>PUT/PATCH Request</a:t>
+            </a:r>
+            <a:endParaRPr lang="en-US" dirty="0"/>
+          </a:p>
+        </p:txBody>
+      </p:sp>
+      <p:sp>
+        <p:nvSpPr>
+          <p:cNvPr id="3" name="Content Placeholder 2"/>
+          <p:cNvSpPr>
+            <a:spLocks noGrp="1"/>
+          </p:cNvSpPr>
+          <p:nvPr>
+            <p:ph idx="1"/>
+          </p:nvPr>
+        </p:nvSpPr>
+        <p:spPr/>
+        <p:txBody>
+          <a:bodyPr>
+            <a:normAutofit lnSpcReduction="10000"/>
+          </a:bodyPr>
+          <a:lstStyle/>
+          <a:p>
+            <a:r>
+              <a:rPr lang="en-US" dirty="0"/>
+              <a:t>This should be used to </a:t>
+            </a:r>
+            <a:r>
+              <a:rPr lang="en-US" i="1" dirty="0" smtClean="0"/>
+              <a:t>update</a:t>
+            </a:r>
+            <a:r>
+              <a:rPr lang="en-US" dirty="0" smtClean="0"/>
+              <a:t> </a:t>
+            </a:r>
+            <a:r>
+              <a:rPr lang="en-US" dirty="0"/>
+              <a:t>something on the </a:t>
+            </a:r>
+            <a:r>
+              <a:rPr lang="en-US" dirty="0" smtClean="0"/>
+              <a:t>server</a:t>
+            </a:r>
+            <a:endParaRPr lang="en-US" dirty="0"/>
+          </a:p>
+          <a:p>
+            <a:r>
+              <a:rPr lang="en-US" dirty="0" smtClean="0"/>
+              <a:t>Technically</a:t>
+            </a:r>
+            <a:r>
+              <a:rPr lang="en-US" dirty="0"/>
+              <a:t>, you can use a POST request to update as well, but it is convention to use a PUT or PATCH </a:t>
+            </a:r>
+            <a:r>
+              <a:rPr lang="en-US" dirty="0" smtClean="0"/>
+              <a:t>request</a:t>
+            </a:r>
+            <a:endParaRPr lang="en-US" dirty="0"/>
+          </a:p>
+          <a:p>
+            <a:r>
+              <a:rPr lang="en-US" dirty="0" smtClean="0"/>
+              <a:t>The </a:t>
+            </a:r>
+            <a:r>
+              <a:rPr lang="en-US" dirty="0"/>
+              <a:t>main difference between a PUT request and a PATCH </a:t>
+            </a:r>
+            <a:r>
+              <a:rPr lang="en-US" dirty="0" smtClean="0"/>
+              <a:t>request:</a:t>
+            </a:r>
+          </a:p>
+          <a:p>
+            <a:pPr lvl="1"/>
+            <a:r>
+              <a:rPr lang="en-US" dirty="0" smtClean="0"/>
+              <a:t>A </a:t>
+            </a:r>
+            <a:r>
+              <a:rPr lang="en-US" dirty="0"/>
+              <a:t>PUT request is used to update an entire </a:t>
+            </a:r>
+            <a:r>
+              <a:rPr lang="en-US" dirty="0" smtClean="0"/>
+              <a:t>record</a:t>
+            </a:r>
+          </a:p>
+          <a:p>
+            <a:pPr lvl="1"/>
+            <a:r>
+              <a:rPr lang="en-US" dirty="0"/>
+              <a:t>A</a:t>
+            </a:r>
+            <a:r>
+              <a:rPr lang="en-US" dirty="0" smtClean="0"/>
+              <a:t> </a:t>
+            </a:r>
+            <a:r>
+              <a:rPr lang="en-US" dirty="0"/>
+              <a:t>PATCH request is only used to update part of </a:t>
+            </a:r>
+            <a:r>
+              <a:rPr lang="en-US" dirty="0" smtClean="0"/>
+              <a:t>it</a:t>
+            </a:r>
+            <a:endParaRPr lang="en-US" dirty="0"/>
+          </a:p>
+        </p:txBody>
+      </p:sp>
+      <p:sp>
+        <p:nvSpPr>
+          <p:cNvPr id="4" name="Footer Placeholder 3"/>
+          <p:cNvSpPr>
+            <a:spLocks noGrp="1"/>
+          </p:cNvSpPr>
+          <p:nvPr>
+            <p:ph type="ftr" sz="quarter" idx="11"/>
+          </p:nvPr>
+        </p:nvSpPr>
+        <p:spPr/>
+        <p:txBody>
+          <a:bodyPr/>
+          <a:lstStyle/>
+          <a:p>
+            <a:r>
+              <a:rPr lang="de-DE" smtClean="0"/>
+              <a:t>PennApps Node JS Workshop</a:t>
+            </a:r>
+            <a:endParaRPr lang="en-US"/>
+          </a:p>
+        </p:txBody>
+      </p:sp>
+      <p:sp>
+        <p:nvSpPr>
+          <p:cNvPr id="5" name="Slide Number Placeholder 4"/>
+          <p:cNvSpPr>
+            <a:spLocks noGrp="1"/>
+          </p:cNvSpPr>
+          <p:nvPr>
+            <p:ph type="sldNum" sz="quarter" idx="12"/>
+          </p:nvPr>
+        </p:nvSpPr>
+        <p:spPr/>
+        <p:txBody>
+          <a:bodyPr/>
+          <a:lstStyle/>
+          <a:p>
+            <a:fld id="{BE7B5DD7-0E96-E44E-B777-0B9A5C3419CF}" type="slidenum">
+              <a:rPr lang="en-US" smtClean="0"/>
+              <a:t>19</a:t>
+            </a:fld>
+            <a:endParaRPr lang="en-US"/>
+          </a:p>
+        </p:txBody>
+      </p:sp>
+    </p:spTree>
+    <p:extLst>
+      <p:ext uri="{BB962C8B-B14F-4D97-AF65-F5344CB8AC3E}">
+        <p14:creationId xmlns:p14="http://schemas.microsoft.com/office/powerpoint/2010/main" val="1250493128"/>
+      </p:ext>
+    </p:extLst>
+  </p:cSld>
+  <p:clrMapOvr>
+    <a:masterClrMapping/>
+  </p:clrMapOvr>
+  <p:timing>
+    <p:tnLst>
+      <p:par>
+        <p:cTn id="1" dur="indefinite" restart="never" nodeType="tmRoot">
+          <p:childTnLst>
+            <p:seq concurrent="1" nextAc="seek">
+              <p:cTn id="2" dur="indefinite" nodeType="mainSeq">
+                <p:childTnLst>
+                  <p:par>
+                    <p:cTn id="3" fill="hold">
+                      <p:stCondLst>
+                        <p:cond delay="indefinite"/>
+                      </p:stCondLst>
+                      <p:childTnLst>
+                        <p:par>
+                          <p:cTn id="4" fill="hold">
+                            <p:stCondLst>
+                              <p:cond delay="0"/>
+                            </p:stCondLst>
+                            <p:childTnLst>
+                              <p:par>
+                                <p:cTn id="5" presetID="1" presetClass="entr" presetSubtype="0" fill="hold" nodeType="clickEffect">
+                                  <p:stCondLst>
+                                    <p:cond delay="0"/>
+                                  </p:stCondLst>
+                                  <p:childTnLst>
+                                    <p:set>
+                                      <p:cBhvr>
+                                        <p:cTn id="6" dur="1" fill="hold">
+                                          <p:stCondLst>
+                                            <p:cond delay="0"/>
+                                          </p:stCondLst>
+                                        </p:cTn>
+                                        <p:tgtEl>
+                                          <p:spTgt spid="3">
+                                            <p:txEl>
+                                              <p:pRg st="1" end="1"/>
+                                            </p:txEl>
+                                          </p:spTgt>
+                                        </p:tgtEl>
+                                        <p:attrNameLst>
+                                          <p:attrName>style.visibility</p:attrName>
+                                        </p:attrNameLst>
+                                      </p:cBhvr>
+                                      <p:to>
+                                        <p:strVal val="visible"/>
+                                      </p:to>
+                                    </p:set>
+                                  </p:childTnLst>
+                                </p:cTn>
+                              </p:par>
+                            </p:childTnLst>
+                          </p:cTn>
+                        </p:par>
+                      </p:childTnLst>
+                    </p:cTn>
+                  </p:par>
+                  <p:par>
+                    <p:cTn id="7" fill="hold">
+                      <p:stCondLst>
+                        <p:cond delay="indefinite"/>
+                      </p:stCondLst>
+                      <p:childTnLst>
+                        <p:par>
+                          <p:cTn id="8" fill="hold">
+                            <p:stCondLst>
+                              <p:cond delay="0"/>
+                            </p:stCondLst>
+                            <p:childTnLst>
+                              <p:par>
+                                <p:cTn id="9" presetID="1" presetClass="entr" presetSubtype="0" fill="hold" nodeType="clickEffect">
+                                  <p:stCondLst>
+                                    <p:cond delay="0"/>
+                                  </p:stCondLst>
+                                  <p:childTnLst>
+                                    <p:set>
+                                      <p:cBhvr>
+                                        <p:cTn id="10" dur="1" fill="hold">
+                                          <p:stCondLst>
+                                            <p:cond delay="0"/>
+                                          </p:stCondLst>
+                                        </p:cTn>
+                                        <p:tgtEl>
+                                          <p:spTgt spid="3">
+                                            <p:txEl>
+                                              <p:pRg st="2" end="2"/>
+                                            </p:txEl>
+                                          </p:spTgt>
+                                        </p:tgtEl>
+                                        <p:attrNameLst>
+                                          <p:attrName>style.visibility</p:attrName>
+                                        </p:attrNameLst>
+                                      </p:cBhvr>
+                                      <p:to>
+                                        <p:strVal val="visible"/>
+                                      </p:to>
+                                    </p:set>
+                                  </p:childTnLst>
+                                </p:cTn>
+                              </p:par>
+                              <p:par>
+                                <p:cTn id="11" presetID="1" presetClass="entr" presetSubtype="0" fill="hold" nodeType="withEffect">
+                                  <p:stCondLst>
+                                    <p:cond delay="0"/>
+                                  </p:stCondLst>
+                                  <p:childTnLst>
+                                    <p:set>
+                                      <p:cBhvr>
+                                        <p:cTn id="12" dur="1" fill="hold">
+                                          <p:stCondLst>
+                                            <p:cond delay="0"/>
+                                          </p:stCondLst>
+                                        </p:cTn>
+                                        <p:tgtEl>
+                                          <p:spTgt spid="3">
+                                            <p:txEl>
+                                              <p:pRg st="3" end="3"/>
+                                            </p:txEl>
+                                          </p:spTgt>
+                                        </p:tgtEl>
+                                        <p:attrNameLst>
+                                          <p:attrName>style.visibility</p:attrName>
+                                        </p:attrNameLst>
+                                      </p:cBhvr>
+                                      <p:to>
+                                        <p:strVal val="visible"/>
+                                      </p:to>
+                                    </p:set>
+                                  </p:childTnLst>
+                                </p:cTn>
+                              </p:par>
+                              <p:par>
+                                <p:cTn id="13" presetID="1" presetClass="entr" presetSubtype="0" fill="hold" nodeType="withEffect">
+                                  <p:stCondLst>
+                                    <p:cond delay="0"/>
+                                  </p:stCondLst>
+                                  <p:childTnLst>
+                                    <p:set>
+                                      <p:cBhvr>
+                                        <p:cTn id="14" dur="1" fill="hold">
+                                          <p:stCondLst>
+                                            <p:cond delay="0"/>
+                                          </p:stCondLst>
+                                        </p:cTn>
+                                        <p:tgtEl>
+                                          <p:spTgt spid="3">
+                                            <p:txEl>
+                                              <p:pRg st="4" end="4"/>
+                                            </p:txEl>
+                                          </p:spTgt>
+                                        </p:tgtEl>
+                                        <p:attrNameLst>
+                                          <p:attrName>style.visibility</p:attrName>
+                                        </p:attrNameLst>
+                                      </p:cBhvr>
+                                      <p:to>
+                                        <p:strVal val="visible"/>
+                                      </p:to>
+                                    </p:set>
+                                  </p:childTnLst>
+                                </p:cTn>
+                              </p:par>
+                            </p:childTnLst>
+                          </p:cTn>
+                        </p:par>
+                      </p:childTnLst>
+                    </p:cTn>
+                  </p:par>
+                </p:childTnLst>
+              </p:cTn>
+              <p:prevCondLst>
+                <p:cond evt="onPrev" delay="0">
+                  <p:tgtEl>
+                    <p:sldTgt/>
+                  </p:tgtEl>
+                </p:cond>
+              </p:prevCondLst>
+              <p:nextCondLst>
+                <p:cond evt="onNext" delay="0">
+                  <p:tgtEl>
+                    <p:sldTgt/>
+                  </p:tgtEl>
+                </p:cond>
+              </p:nextCondLst>
+            </p:seq>
+          </p:childTnLst>
+        </p:cTn>
+      </p:par>
+    </p:tnLst>
+  </p:timing>
+</p:sld>
+</file>
+
 <file path=ppt/slides/slide2.xml><?xml version="1.0" encoding="utf-8"?>
 <p:sld xmlns:a="http://schemas.openxmlformats.org/drawingml/2006/main" xmlns:r="http://schemas.openxmlformats.org/officeDocument/2006/relationships" xmlns:p="http://schemas.openxmlformats.org/presentationml/2006/main">
   <p:cSld>
@@ -3975,6 +7382,26 @@
           <a:bodyPr/>
           <a:lstStyle/>
           <a:p>
+            <a:r>
+              <a:rPr lang="en-US" dirty="0" smtClean="0">
+                <a:solidFill>
+                  <a:srgbClr val="953735"/>
+                </a:solidFill>
+              </a:rPr>
+              <a:t>Why </a:t>
+            </a:r>
+            <a:r>
+              <a:rPr lang="en-US" dirty="0" err="1" smtClean="0"/>
+              <a:t>Node.js</a:t>
+            </a:r>
+            <a:r>
+              <a:rPr lang="en-US" dirty="0" smtClean="0">
+                <a:solidFill>
+                  <a:srgbClr val="953735"/>
+                </a:solidFill>
+              </a:rPr>
+              <a:t>?</a:t>
+            </a:r>
             <a:endParaRPr lang="en-US" dirty="0">
               <a:solidFill>
                 <a:srgbClr val="953735"/>
@@ -3993,12 +7420,28 @@
             <p:ph idx="1"/>
           </p:nvPr>
         </p:nvSpPr>
-        <p:spPr/>
-        <p:txBody>
-          <a:bodyPr/>
-          <a:lstStyle/>
-          <a:p>
-            <a:endParaRPr lang="en-US"/>
+        <p:spPr>
+          <a:xfrm>
+            <a:off x="457200" y="1219200"/>
+            <a:ext cx="8229600" cy="1270780"/>
+          </a:xfrm>
+        </p:spPr>
+        <p:txBody>
+          <a:bodyPr>
+            <a:noAutofit/>
+          </a:bodyPr>
+          <a:lstStyle/>
+          <a:p>
+            <a:r>
+              <a:rPr lang="en-US" dirty="0" smtClean="0"/>
+              <a:t>Already using it for the browser</a:t>
+            </a:r>
+          </a:p>
+          <a:p>
+            <a:r>
+              <a:rPr lang="en-US" dirty="0" smtClean="0"/>
+              <a:t>Growing FAST</a:t>
+            </a:r>
           </a:p>
         </p:txBody>
       </p:sp>
@@ -4040,7 +7483,7 @@
           <a:bodyPr/>
           <a:lstStyle/>
           <a:p>
-            <a:fld id="{BE7B5DD7-0E96-E44E-B777-0B9A5C3419CF}" type="slidenum">
+            <a:fld id="{0BC3279F-4877-C645-B5B9-B613712BA8CE}" type="slidenum">
               <a:rPr lang="en-US" smtClean="0"/>
               <a:t>2</a:t>
             </a:fld>
@@ -4048,16 +7491,2720 @@
           </a:p>
         </p:txBody>
       </p:sp>
+      <p:pic>
+        <p:nvPicPr>
+          <p:cNvPr id="6" name="Picture 5"/>
+          <p:cNvPicPr>
+            <a:picLocks noChangeAspect="1"/>
+          </p:cNvPicPr>
+          <p:nvPr/>
+        </p:nvPicPr>
+        <p:blipFill>
+          <a:blip r:embed="rId2"/>
+          <a:stretch>
+            <a:fillRect/>
+          </a:stretch>
+        </p:blipFill>
+        <p:spPr>
+          <a:xfrm>
+            <a:off x="1959218" y="2562615"/>
+            <a:ext cx="5225564" cy="3721100"/>
+          </a:xfrm>
+          <a:prstGeom prst="rect">
+            <a:avLst/>
+          </a:prstGeom>
+        </p:spPr>
+      </p:pic>
     </p:spTree>
     <p:extLst>
       <p:ext uri="{BB962C8B-B14F-4D97-AF65-F5344CB8AC3E}">
-        <p14:creationId xmlns:p14="http://schemas.microsoft.com/office/powerpoint/2010/main" val="781108360"/>
+        <p14:creationId xmlns:p14="http://schemas.microsoft.com/office/powerpoint/2010/main" val="1808363113"/>
       </p:ext>
     </p:extLst>
   </p:cSld>
   <p:clrMapOvr>
     <a:masterClrMapping/>
   </p:clrMapOvr>
+  <p:timing>
+    <p:tnLst>
+      <p:par>
+        <p:cTn id="1" dur="indefinite" restart="never" nodeType="tmRoot"/>
+      </p:par>
+    </p:tnLst>
+  </p:timing>
+</p:sld>
+</file>
+
+<file path=ppt/slides/slide20.xml><?xml version="1.0" encoding="utf-8"?>
+<p:sld xmlns:a="http://schemas.openxmlformats.org/drawingml/2006/main" xmlns:r="http://schemas.openxmlformats.org/officeDocument/2006/relationships" xmlns:p="http://schemas.openxmlformats.org/presentationml/2006/main">
+  <p:cSld>
+    <p:spTree>
+      <p:nvGrpSpPr>
+        <p:cNvPr id="1" name=""/>
+        <p:cNvGrpSpPr/>
+        <p:nvPr/>
+      </p:nvGrpSpPr>
+      <p:grpSpPr>
+        <a:xfrm>
+          <a:off x="0" y="0"/>
+          <a:ext cx="0" cy="0"/>
+          <a:chOff x="0" y="0"/>
+          <a:chExt cx="0" cy="0"/>
+        </a:xfrm>
+      </p:grpSpPr>
+      <p:sp>
+        <p:nvSpPr>
+          <p:cNvPr id="2" name="Title 1"/>
+          <p:cNvSpPr>
+            <a:spLocks noGrp="1"/>
+          </p:cNvSpPr>
+          <p:nvPr>
+            <p:ph type="title"/>
+          </p:nvPr>
+        </p:nvSpPr>
+        <p:spPr/>
+        <p:txBody>
+          <a:bodyPr/>
+          <a:lstStyle/>
+          <a:p>
+            <a:r>
+              <a:rPr lang="en-US" dirty="0" smtClean="0"/>
+              <a:t>DELETE Request</a:t>
+            </a:r>
+            <a:endParaRPr lang="en-US" dirty="0"/>
+          </a:p>
+        </p:txBody>
+      </p:sp>
+      <p:sp>
+        <p:nvSpPr>
+          <p:cNvPr id="3" name="Content Placeholder 2"/>
+          <p:cNvSpPr>
+            <a:spLocks noGrp="1"/>
+          </p:cNvSpPr>
+          <p:nvPr>
+            <p:ph idx="1"/>
+          </p:nvPr>
+        </p:nvSpPr>
+        <p:spPr/>
+        <p:txBody>
+          <a:bodyPr/>
+          <a:lstStyle/>
+          <a:p>
+            <a:r>
+              <a:rPr lang="en-US" dirty="0"/>
+              <a:t>This should be used to </a:t>
+            </a:r>
+            <a:r>
+              <a:rPr lang="en-US" i="1" dirty="0" smtClean="0"/>
+              <a:t>delete</a:t>
+            </a:r>
+            <a:r>
+              <a:rPr lang="en-US" dirty="0" smtClean="0"/>
+              <a:t> </a:t>
+            </a:r>
+            <a:r>
+              <a:rPr lang="en-US" dirty="0"/>
+              <a:t>something on the </a:t>
+            </a:r>
+            <a:r>
+              <a:rPr lang="en-US" dirty="0" smtClean="0"/>
+              <a:t>server</a:t>
+            </a:r>
+            <a:endParaRPr lang="en-US" dirty="0"/>
+          </a:p>
+          <a:p>
+            <a:r>
+              <a:rPr lang="en-US" dirty="0" smtClean="0"/>
+              <a:t>Technically</a:t>
+            </a:r>
+            <a:r>
+              <a:rPr lang="en-US" dirty="0"/>
+              <a:t>, you can use a POST request to delete as well, but it is convention to use a DELETE request</a:t>
+            </a:r>
+          </a:p>
+        </p:txBody>
+      </p:sp>
+      <p:sp>
+        <p:nvSpPr>
+          <p:cNvPr id="4" name="Footer Placeholder 3"/>
+          <p:cNvSpPr>
+            <a:spLocks noGrp="1"/>
+          </p:cNvSpPr>
+          <p:nvPr>
+            <p:ph type="ftr" sz="quarter" idx="11"/>
+          </p:nvPr>
+        </p:nvSpPr>
+        <p:spPr/>
+        <p:txBody>
+          <a:bodyPr/>
+          <a:lstStyle/>
+          <a:p>
+            <a:r>
+              <a:rPr lang="de-DE" smtClean="0"/>
+              <a:t>PennApps Node JS Workshop</a:t>
+            </a:r>
+            <a:endParaRPr lang="en-US"/>
+          </a:p>
+        </p:txBody>
+      </p:sp>
+      <p:sp>
+        <p:nvSpPr>
+          <p:cNvPr id="5" name="Slide Number Placeholder 4"/>
+          <p:cNvSpPr>
+            <a:spLocks noGrp="1"/>
+          </p:cNvSpPr>
+          <p:nvPr>
+            <p:ph type="sldNum" sz="quarter" idx="12"/>
+          </p:nvPr>
+        </p:nvSpPr>
+        <p:spPr/>
+        <p:txBody>
+          <a:bodyPr/>
+          <a:lstStyle/>
+          <a:p>
+            <a:fld id="{BE7B5DD7-0E96-E44E-B777-0B9A5C3419CF}" type="slidenum">
+              <a:rPr lang="en-US" smtClean="0"/>
+              <a:t>20</a:t>
+            </a:fld>
+            <a:endParaRPr lang="en-US"/>
+          </a:p>
+        </p:txBody>
+      </p:sp>
+    </p:spTree>
+    <p:extLst>
+      <p:ext uri="{BB962C8B-B14F-4D97-AF65-F5344CB8AC3E}">
+        <p14:creationId xmlns:p14="http://schemas.microsoft.com/office/powerpoint/2010/main" val="1763032754"/>
+      </p:ext>
+    </p:extLst>
+  </p:cSld>
+  <p:clrMapOvr>
+    <a:masterClrMapping/>
+  </p:clrMapOvr>
+  <p:timing>
+    <p:tnLst>
+      <p:par>
+        <p:cTn id="1" dur="indefinite" restart="never" nodeType="tmRoot"/>
+      </p:par>
+    </p:tnLst>
+  </p:timing>
+</p:sld>
+</file>
+
+<file path=ppt/slides/slide21.xml><?xml version="1.0" encoding="utf-8"?>
+<p:sld xmlns:a="http://schemas.openxmlformats.org/drawingml/2006/main" xmlns:r="http://schemas.openxmlformats.org/officeDocument/2006/relationships" xmlns:p="http://schemas.openxmlformats.org/presentationml/2006/main">
+  <p:cSld>
+    <p:spTree>
+      <p:nvGrpSpPr>
+        <p:cNvPr id="1" name=""/>
+        <p:cNvGrpSpPr/>
+        <p:nvPr/>
+      </p:nvGrpSpPr>
+      <p:grpSpPr>
+        <a:xfrm>
+          <a:off x="0" y="0"/>
+          <a:ext cx="0" cy="0"/>
+          <a:chOff x="0" y="0"/>
+          <a:chExt cx="0" cy="0"/>
+        </a:xfrm>
+      </p:grpSpPr>
+      <p:sp>
+        <p:nvSpPr>
+          <p:cNvPr id="2" name="Title 1"/>
+          <p:cNvSpPr>
+            <a:spLocks noGrp="1"/>
+          </p:cNvSpPr>
+          <p:nvPr>
+            <p:ph type="ctrTitle"/>
+          </p:nvPr>
+        </p:nvSpPr>
+        <p:spPr/>
+        <p:txBody>
+          <a:bodyPr>
+            <a:normAutofit/>
+          </a:bodyPr>
+          <a:lstStyle/>
+          <a:p>
+            <a:r>
+              <a:rPr lang="en-US" sz="8800" dirty="0" err="1" smtClean="0">
+                <a:solidFill>
+                  <a:srgbClr val="953735"/>
+                </a:solidFill>
+              </a:rPr>
+              <a:t>Node.js</a:t>
+            </a:r>
+            <a:endParaRPr lang="en-US" sz="8800" dirty="0">
+              <a:solidFill>
+                <a:srgbClr val="953735"/>
+              </a:solidFill>
+            </a:endParaRPr>
+          </a:p>
+        </p:txBody>
+      </p:sp>
+      <p:sp>
+        <p:nvSpPr>
+          <p:cNvPr id="4" name="Footer Placeholder 3"/>
+          <p:cNvSpPr>
+            <a:spLocks noGrp="1"/>
+          </p:cNvSpPr>
+          <p:nvPr>
+            <p:ph type="ftr" sz="quarter" idx="11"/>
+          </p:nvPr>
+        </p:nvSpPr>
+        <p:spPr/>
+        <p:txBody>
+          <a:bodyPr/>
+          <a:lstStyle/>
+          <a:p>
+            <a:r>
+              <a:rPr lang="de-DE" smtClean="0"/>
+              <a:t>PennApps Node JS Workshop</a:t>
+            </a:r>
+            <a:endParaRPr lang="en-US"/>
+          </a:p>
+        </p:txBody>
+      </p:sp>
+      <p:sp>
+        <p:nvSpPr>
+          <p:cNvPr id="5" name="Slide Number Placeholder 4"/>
+          <p:cNvSpPr>
+            <a:spLocks noGrp="1"/>
+          </p:cNvSpPr>
+          <p:nvPr>
+            <p:ph type="sldNum" sz="quarter" idx="12"/>
+          </p:nvPr>
+        </p:nvSpPr>
+        <p:spPr/>
+        <p:txBody>
+          <a:bodyPr/>
+          <a:lstStyle/>
+          <a:p>
+            <a:fld id="{BE7B5DD7-0E96-E44E-B777-0B9A5C3419CF}" type="slidenum">
+              <a:rPr lang="en-US" smtClean="0"/>
+              <a:t>21</a:t>
+            </a:fld>
+            <a:endParaRPr lang="en-US"/>
+          </a:p>
+        </p:txBody>
+      </p:sp>
+    </p:spTree>
+    <p:extLst>
+      <p:ext uri="{BB962C8B-B14F-4D97-AF65-F5344CB8AC3E}">
+        <p14:creationId xmlns:p14="http://schemas.microsoft.com/office/powerpoint/2010/main" val="1092733169"/>
+      </p:ext>
+    </p:extLst>
+  </p:cSld>
+  <p:clrMapOvr>
+    <a:masterClrMapping/>
+  </p:clrMapOvr>
+  <p:timing>
+    <p:tnLst>
+      <p:par>
+        <p:cTn id="1" dur="indefinite" restart="never" nodeType="tmRoot"/>
+      </p:par>
+    </p:tnLst>
+  </p:timing>
+</p:sld>
+</file>
+
+<file path=ppt/slides/slide22.xml><?xml version="1.0" encoding="utf-8"?>
+<p:sld xmlns:a="http://schemas.openxmlformats.org/drawingml/2006/main" xmlns:r="http://schemas.openxmlformats.org/officeDocument/2006/relationships" xmlns:p="http://schemas.openxmlformats.org/presentationml/2006/main">
+  <p:cSld>
+    <p:spTree>
+      <p:nvGrpSpPr>
+        <p:cNvPr id="1" name=""/>
+        <p:cNvGrpSpPr/>
+        <p:nvPr/>
+      </p:nvGrpSpPr>
+      <p:grpSpPr>
+        <a:xfrm>
+          <a:off x="0" y="0"/>
+          <a:ext cx="0" cy="0"/>
+          <a:chOff x="0" y="0"/>
+          <a:chExt cx="0" cy="0"/>
+        </a:xfrm>
+      </p:grpSpPr>
+      <p:sp>
+        <p:nvSpPr>
+          <p:cNvPr id="2" name="Title 1"/>
+          <p:cNvSpPr>
+            <a:spLocks noGrp="1"/>
+          </p:cNvSpPr>
+          <p:nvPr>
+            <p:ph type="title"/>
+          </p:nvPr>
+        </p:nvSpPr>
+        <p:spPr/>
+        <p:txBody>
+          <a:bodyPr/>
+          <a:lstStyle/>
+          <a:p>
+            <a:r>
+              <a:rPr lang="en-US" dirty="0" smtClean="0"/>
+              <a:t>What is </a:t>
+            </a:r>
+            <a:r>
+              <a:rPr lang="en-US" dirty="0" err="1" smtClean="0"/>
+              <a:t>Node.js</a:t>
+            </a:r>
+            <a:r>
+              <a:rPr lang="en-US" dirty="0" smtClean="0"/>
+              <a:t>?</a:t>
+            </a:r>
+            <a:endParaRPr lang="en-US" dirty="0"/>
+          </a:p>
+        </p:txBody>
+      </p:sp>
+      <p:sp>
+        <p:nvSpPr>
+          <p:cNvPr id="3" name="Content Placeholder 2"/>
+          <p:cNvSpPr>
+            <a:spLocks noGrp="1"/>
+          </p:cNvSpPr>
+          <p:nvPr>
+            <p:ph idx="1"/>
+          </p:nvPr>
+        </p:nvSpPr>
+        <p:spPr/>
+        <p:txBody>
+          <a:bodyPr/>
+          <a:lstStyle/>
+          <a:p>
+            <a:r>
+              <a:rPr lang="en-US" dirty="0" err="1" smtClean="0"/>
+              <a:t>Node.js</a:t>
+            </a:r>
+            <a:r>
+              <a:rPr lang="en-US" smtClean="0"/>
+              <a:t> is</a:t>
+            </a:r>
+            <a:endParaRPr lang="en-US"/>
+          </a:p>
+        </p:txBody>
+      </p:sp>
+      <p:sp>
+        <p:nvSpPr>
+          <p:cNvPr id="4" name="Footer Placeholder 3"/>
+          <p:cNvSpPr>
+            <a:spLocks noGrp="1"/>
+          </p:cNvSpPr>
+          <p:nvPr>
+            <p:ph type="ftr" sz="quarter" idx="11"/>
+          </p:nvPr>
+        </p:nvSpPr>
+        <p:spPr/>
+        <p:txBody>
+          <a:bodyPr/>
+          <a:lstStyle/>
+          <a:p>
+            <a:r>
+              <a:rPr lang="de-DE" smtClean="0"/>
+              <a:t>PennApps Node JS Workshop</a:t>
+            </a:r>
+            <a:endParaRPr lang="en-US"/>
+          </a:p>
+        </p:txBody>
+      </p:sp>
+      <p:sp>
+        <p:nvSpPr>
+          <p:cNvPr id="5" name="Slide Number Placeholder 4"/>
+          <p:cNvSpPr>
+            <a:spLocks noGrp="1"/>
+          </p:cNvSpPr>
+          <p:nvPr>
+            <p:ph type="sldNum" sz="quarter" idx="12"/>
+          </p:nvPr>
+        </p:nvSpPr>
+        <p:spPr/>
+        <p:txBody>
+          <a:bodyPr/>
+          <a:lstStyle/>
+          <a:p>
+            <a:fld id="{BE7B5DD7-0E96-E44E-B777-0B9A5C3419CF}" type="slidenum">
+              <a:rPr lang="en-US" smtClean="0"/>
+              <a:t>22</a:t>
+            </a:fld>
+            <a:endParaRPr lang="en-US"/>
+          </a:p>
+        </p:txBody>
+      </p:sp>
+    </p:spTree>
+    <p:extLst>
+      <p:ext uri="{BB962C8B-B14F-4D97-AF65-F5344CB8AC3E}">
+        <p14:creationId xmlns:p14="http://schemas.microsoft.com/office/powerpoint/2010/main" val="479335111"/>
+      </p:ext>
+    </p:extLst>
+  </p:cSld>
+  <p:clrMapOvr>
+    <a:masterClrMapping/>
+  </p:clrMapOvr>
+  <p:timing>
+    <p:tnLst>
+      <p:par>
+        <p:cTn id="1" dur="indefinite" restart="never" nodeType="tmRoot"/>
+      </p:par>
+    </p:tnLst>
+  </p:timing>
+</p:sld>
+</file>
+
+<file path=ppt/slides/slide3.xml><?xml version="1.0" encoding="utf-8"?>
+<p:sld xmlns:a="http://schemas.openxmlformats.org/drawingml/2006/main" xmlns:r="http://schemas.openxmlformats.org/officeDocument/2006/relationships" xmlns:p="http://schemas.openxmlformats.org/presentationml/2006/main">
+  <p:cSld>
+    <p:spTree>
+      <p:nvGrpSpPr>
+        <p:cNvPr id="1" name=""/>
+        <p:cNvGrpSpPr/>
+        <p:nvPr/>
+      </p:nvGrpSpPr>
+      <p:grpSpPr>
+        <a:xfrm>
+          <a:off x="0" y="0"/>
+          <a:ext cx="0" cy="0"/>
+          <a:chOff x="0" y="0"/>
+          <a:chExt cx="0" cy="0"/>
+        </a:xfrm>
+      </p:grpSpPr>
+      <p:sp>
+        <p:nvSpPr>
+          <p:cNvPr id="2" name="Title 1"/>
+          <p:cNvSpPr>
+            <a:spLocks noGrp="1"/>
+          </p:cNvSpPr>
+          <p:nvPr>
+            <p:ph type="title"/>
+          </p:nvPr>
+        </p:nvSpPr>
+        <p:spPr/>
+        <p:txBody>
+          <a:bodyPr/>
+          <a:lstStyle/>
+          <a:p>
+            <a:r>
+              <a:rPr lang="en-US" dirty="0" smtClean="0">
+                <a:solidFill>
+                  <a:srgbClr val="953735"/>
+                </a:solidFill>
+              </a:rPr>
+              <a:t>Outline</a:t>
+            </a:r>
+            <a:endParaRPr lang="en-US" dirty="0">
+              <a:solidFill>
+                <a:srgbClr val="953735"/>
+              </a:solidFill>
+            </a:endParaRPr>
+          </a:p>
+        </p:txBody>
+      </p:sp>
+      <p:sp>
+        <p:nvSpPr>
+          <p:cNvPr id="3" name="Content Placeholder 2"/>
+          <p:cNvSpPr>
+            <a:spLocks noGrp="1"/>
+          </p:cNvSpPr>
+          <p:nvPr>
+            <p:ph idx="1"/>
+          </p:nvPr>
+        </p:nvSpPr>
+        <p:spPr>
+          <a:xfrm>
+            <a:off x="457200" y="2336666"/>
+            <a:ext cx="8229600" cy="2184668"/>
+          </a:xfrm>
+        </p:spPr>
+        <p:txBody>
+          <a:bodyPr>
+            <a:noAutofit/>
+          </a:bodyPr>
+          <a:lstStyle/>
+          <a:p>
+            <a:pPr marL="514350" indent="-514350">
+              <a:buFont typeface="+mj-lt"/>
+              <a:buAutoNum type="arabicPeriod"/>
+            </a:pPr>
+            <a:r>
+              <a:rPr lang="en-US" sz="4000" dirty="0" smtClean="0"/>
+              <a:t>Intro to </a:t>
+            </a:r>
+            <a:r>
+              <a:rPr lang="en-US" sz="4000" dirty="0" err="1" smtClean="0"/>
+              <a:t>Javascript</a:t>
+            </a:r>
+            <a:endParaRPr lang="en-US" sz="4000" dirty="0" smtClean="0"/>
+          </a:p>
+          <a:p>
+            <a:pPr marL="514350" indent="-514350">
+              <a:buFont typeface="+mj-lt"/>
+              <a:buAutoNum type="arabicPeriod"/>
+            </a:pPr>
+            <a:r>
+              <a:rPr lang="en-US" sz="4000" dirty="0" smtClean="0"/>
+              <a:t>Intro to the </a:t>
+            </a:r>
+            <a:r>
+              <a:rPr lang="en-US" sz="4000" dirty="0" smtClean="0"/>
+              <a:t>Web</a:t>
+            </a:r>
+            <a:endParaRPr lang="en-US" sz="4000" dirty="0" smtClean="0"/>
+          </a:p>
+          <a:p>
+            <a:pPr marL="514350" indent="-514350">
+              <a:buFont typeface="+mj-lt"/>
+              <a:buAutoNum type="arabicPeriod"/>
+            </a:pPr>
+            <a:r>
+              <a:rPr lang="en-US" sz="4000" dirty="0" err="1" smtClean="0"/>
+              <a:t>Node.js</a:t>
+            </a:r>
+            <a:endParaRPr lang="en-US" sz="4000" dirty="0"/>
+          </a:p>
+        </p:txBody>
+      </p:sp>
+      <p:sp>
+        <p:nvSpPr>
+          <p:cNvPr id="4" name="Footer Placeholder 3"/>
+          <p:cNvSpPr>
+            <a:spLocks noGrp="1"/>
+          </p:cNvSpPr>
+          <p:nvPr>
+            <p:ph type="ftr" sz="quarter" idx="11"/>
+          </p:nvPr>
+        </p:nvSpPr>
+        <p:spPr/>
+        <p:txBody>
+          <a:bodyPr/>
+          <a:lstStyle/>
+          <a:p>
+            <a:r>
+              <a:rPr lang="de-DE" smtClean="0"/>
+              <a:t>PennApps Node JS Workshop</a:t>
+            </a:r>
+            <a:endParaRPr lang="en-US"/>
+          </a:p>
+        </p:txBody>
+      </p:sp>
+      <p:sp>
+        <p:nvSpPr>
+          <p:cNvPr id="5" name="Slide Number Placeholder 4"/>
+          <p:cNvSpPr>
+            <a:spLocks noGrp="1"/>
+          </p:cNvSpPr>
+          <p:nvPr>
+            <p:ph type="sldNum" sz="quarter" idx="12"/>
+          </p:nvPr>
+        </p:nvSpPr>
+        <p:spPr/>
+        <p:txBody>
+          <a:bodyPr/>
+          <a:lstStyle/>
+          <a:p>
+            <a:fld id="{BE7B5DD7-0E96-E44E-B777-0B9A5C3419CF}" type="slidenum">
+              <a:rPr lang="en-US" smtClean="0"/>
+              <a:t>3</a:t>
+            </a:fld>
+            <a:endParaRPr lang="en-US"/>
+          </a:p>
+        </p:txBody>
+      </p:sp>
+    </p:spTree>
+    <p:extLst>
+      <p:ext uri="{BB962C8B-B14F-4D97-AF65-F5344CB8AC3E}">
+        <p14:creationId xmlns:p14="http://schemas.microsoft.com/office/powerpoint/2010/main" val="1970267847"/>
+      </p:ext>
+    </p:extLst>
+  </p:cSld>
+  <p:clrMapOvr>
+    <a:masterClrMapping/>
+  </p:clrMapOvr>
+  <p:timing>
+    <p:tnLst>
+      <p:par>
+        <p:cTn id="1" dur="indefinite" restart="never" nodeType="tmRoot"/>
+      </p:par>
+    </p:tnLst>
+  </p:timing>
+</p:sld>
+</file>
+
+<file path=ppt/slides/slide4.xml><?xml version="1.0" encoding="utf-8"?>
+<p:sld xmlns:a="http://schemas.openxmlformats.org/drawingml/2006/main" xmlns:r="http://schemas.openxmlformats.org/officeDocument/2006/relationships" xmlns:p="http://schemas.openxmlformats.org/presentationml/2006/main">
+  <p:cSld>
+    <p:spTree>
+      <p:nvGrpSpPr>
+        <p:cNvPr id="1" name=""/>
+        <p:cNvGrpSpPr/>
+        <p:nvPr/>
+      </p:nvGrpSpPr>
+      <p:grpSpPr>
+        <a:xfrm>
+          <a:off x="0" y="0"/>
+          <a:ext cx="0" cy="0"/>
+          <a:chOff x="0" y="0"/>
+          <a:chExt cx="0" cy="0"/>
+        </a:xfrm>
+      </p:grpSpPr>
+      <p:sp>
+        <p:nvSpPr>
+          <p:cNvPr id="2" name="Title 1"/>
+          <p:cNvSpPr>
+            <a:spLocks noGrp="1"/>
+          </p:cNvSpPr>
+          <p:nvPr>
+            <p:ph type="title"/>
+          </p:nvPr>
+        </p:nvSpPr>
+        <p:spPr/>
+        <p:txBody>
+          <a:bodyPr>
+            <a:normAutofit/>
+          </a:bodyPr>
+          <a:lstStyle/>
+          <a:p>
+            <a:r>
+              <a:rPr lang="en-US" dirty="0" smtClean="0">
+                <a:solidFill>
+                  <a:srgbClr val="953735"/>
+                </a:solidFill>
+              </a:rPr>
+              <a:t>Installing </a:t>
+            </a:r>
+            <a:r>
+              <a:rPr lang="en-US" dirty="0" err="1" smtClean="0">
+                <a:solidFill>
+                  <a:srgbClr val="953735"/>
+                </a:solidFill>
+              </a:rPr>
+              <a:t>Node.js</a:t>
+            </a:r>
+            <a:endParaRPr lang="en-US" dirty="0">
+              <a:solidFill>
+                <a:srgbClr val="953735"/>
+              </a:solidFill>
+            </a:endParaRPr>
+          </a:p>
+        </p:txBody>
+      </p:sp>
+      <p:sp>
+        <p:nvSpPr>
+          <p:cNvPr id="3" name="Content Placeholder 2"/>
+          <p:cNvSpPr>
+            <a:spLocks noGrp="1"/>
+          </p:cNvSpPr>
+          <p:nvPr>
+            <p:ph idx="1"/>
+          </p:nvPr>
+        </p:nvSpPr>
+        <p:spPr/>
+        <p:txBody>
+          <a:bodyPr/>
+          <a:lstStyle/>
+          <a:p>
+            <a:r>
+              <a:rPr lang="en-US" dirty="0" smtClean="0"/>
+              <a:t>Use </a:t>
+            </a:r>
+            <a:r>
+              <a:rPr lang="en-US" dirty="0" smtClean="0">
+                <a:hlinkClick r:id="rId2"/>
+              </a:rPr>
+              <a:t>Node Version </a:t>
+            </a:r>
+            <a:r>
+              <a:rPr lang="en-US" dirty="0" smtClean="0">
+                <a:hlinkClick r:id="rId2"/>
+              </a:rPr>
+              <a:t>Manager (RVM)</a:t>
+            </a:r>
+            <a:r>
+              <a:rPr lang="en-US" dirty="0" smtClean="0"/>
+              <a:t> to manage and install </a:t>
+            </a:r>
+            <a:r>
+              <a:rPr lang="en-US" dirty="0" err="1" smtClean="0"/>
+              <a:t>Node.js</a:t>
+            </a:r>
+            <a:r>
+              <a:rPr lang="en-US" dirty="0" smtClean="0"/>
+              <a:t> versions</a:t>
+            </a:r>
+            <a:endParaRPr lang="en-US" dirty="0" smtClean="0"/>
+          </a:p>
+          <a:p>
+            <a:pPr lvl="1"/>
+            <a:r>
+              <a:rPr lang="en-US" dirty="0" smtClean="0"/>
+              <a:t>Use this even if you plan on just using one version</a:t>
+            </a:r>
+          </a:p>
+          <a:p>
+            <a:r>
+              <a:rPr lang="en-US" dirty="0"/>
+              <a:t>W</a:t>
+            </a:r>
+            <a:r>
+              <a:rPr lang="en-US" dirty="0" smtClean="0"/>
+              <a:t>e </a:t>
+            </a:r>
+            <a:r>
+              <a:rPr lang="en-US" dirty="0"/>
+              <a:t>will be using </a:t>
+            </a:r>
+            <a:r>
+              <a:rPr lang="en-US" dirty="0" smtClean="0"/>
+              <a:t>version 6.5.0</a:t>
+            </a:r>
+            <a:endParaRPr lang="en-US" dirty="0" smtClean="0"/>
+          </a:p>
+          <a:p>
+            <a:r>
+              <a:rPr lang="en-US" dirty="0"/>
+              <a:t>When you have trouble remembering what methods do, </a:t>
+            </a:r>
+            <a:r>
+              <a:rPr lang="en-US" dirty="0" smtClean="0"/>
+              <a:t>use </a:t>
+            </a:r>
+            <a:r>
+              <a:rPr lang="en-US" dirty="0" smtClean="0">
+                <a:hlinkClick r:id="rId3"/>
+              </a:rPr>
+              <a:t>MDN</a:t>
+            </a:r>
+            <a:endParaRPr lang="en-US" dirty="0"/>
+          </a:p>
+        </p:txBody>
+      </p:sp>
+      <p:sp>
+        <p:nvSpPr>
+          <p:cNvPr id="4" name="Footer Placeholder 3"/>
+          <p:cNvSpPr>
+            <a:spLocks noGrp="1"/>
+          </p:cNvSpPr>
+          <p:nvPr>
+            <p:ph type="ftr" sz="quarter" idx="11"/>
+          </p:nvPr>
+        </p:nvSpPr>
+        <p:spPr/>
+        <p:txBody>
+          <a:bodyPr/>
+          <a:lstStyle/>
+          <a:p>
+            <a:r>
+              <a:rPr lang="de-DE" smtClean="0"/>
+              <a:t>PennApps Node JS Workshop</a:t>
+            </a:r>
+            <a:endParaRPr lang="en-US"/>
+          </a:p>
+        </p:txBody>
+      </p:sp>
+      <p:sp>
+        <p:nvSpPr>
+          <p:cNvPr id="5" name="Slide Number Placeholder 4"/>
+          <p:cNvSpPr>
+            <a:spLocks noGrp="1"/>
+          </p:cNvSpPr>
+          <p:nvPr>
+            <p:ph type="sldNum" sz="quarter" idx="12"/>
+          </p:nvPr>
+        </p:nvSpPr>
+        <p:spPr/>
+        <p:txBody>
+          <a:bodyPr/>
+          <a:lstStyle/>
+          <a:p>
+            <a:fld id="{0BC3279F-4877-C645-B5B9-B613712BA8CE}" type="slidenum">
+              <a:rPr lang="en-US" smtClean="0"/>
+              <a:t>4</a:t>
+            </a:fld>
+            <a:endParaRPr lang="en-US"/>
+          </a:p>
+        </p:txBody>
+      </p:sp>
+    </p:spTree>
+    <p:extLst>
+      <p:ext uri="{BB962C8B-B14F-4D97-AF65-F5344CB8AC3E}">
+        <p14:creationId xmlns:p14="http://schemas.microsoft.com/office/powerpoint/2010/main" val="1202997742"/>
+      </p:ext>
+    </p:extLst>
+  </p:cSld>
+  <p:clrMapOvr>
+    <a:masterClrMapping/>
+  </p:clrMapOvr>
+  <p:timing>
+    <p:tnLst>
+      <p:par>
+        <p:cTn id="1" dur="indefinite" restart="never" nodeType="tmRoot"/>
+      </p:par>
+    </p:tnLst>
+  </p:timing>
+</p:sld>
+</file>
+
+<file path=ppt/slides/slide5.xml><?xml version="1.0" encoding="utf-8"?>
+<p:sld xmlns:a="http://schemas.openxmlformats.org/drawingml/2006/main" xmlns:r="http://schemas.openxmlformats.org/officeDocument/2006/relationships" xmlns:p="http://schemas.openxmlformats.org/presentationml/2006/main">
+  <p:cSld>
+    <p:spTree>
+      <p:nvGrpSpPr>
+        <p:cNvPr id="1" name=""/>
+        <p:cNvGrpSpPr/>
+        <p:nvPr/>
+      </p:nvGrpSpPr>
+      <p:grpSpPr>
+        <a:xfrm>
+          <a:off x="0" y="0"/>
+          <a:ext cx="0" cy="0"/>
+          <a:chOff x="0" y="0"/>
+          <a:chExt cx="0" cy="0"/>
+        </a:xfrm>
+      </p:grpSpPr>
+      <p:sp>
+        <p:nvSpPr>
+          <p:cNvPr id="2" name="Title 1"/>
+          <p:cNvSpPr>
+            <a:spLocks noGrp="1"/>
+          </p:cNvSpPr>
+          <p:nvPr>
+            <p:ph type="title"/>
+          </p:nvPr>
+        </p:nvSpPr>
+        <p:spPr/>
+        <p:txBody>
+          <a:bodyPr/>
+          <a:lstStyle/>
+          <a:p>
+            <a:r>
+              <a:rPr lang="en-US" dirty="0" smtClean="0">
+                <a:solidFill>
+                  <a:srgbClr val="953735"/>
+                </a:solidFill>
+              </a:rPr>
+              <a:t>Printing in </a:t>
+            </a:r>
+            <a:r>
+              <a:rPr lang="en-US" dirty="0" err="1" smtClean="0">
+                <a:solidFill>
+                  <a:srgbClr val="953735"/>
+                </a:solidFill>
+              </a:rPr>
+              <a:t>Javascript</a:t>
+            </a:r>
+            <a:endParaRPr lang="en-US" dirty="0">
+              <a:solidFill>
+                <a:srgbClr val="953735"/>
+              </a:solidFill>
+            </a:endParaRPr>
+          </a:p>
+        </p:txBody>
+      </p:sp>
+      <p:sp>
+        <p:nvSpPr>
+          <p:cNvPr id="3" name="Content Placeholder 2"/>
+          <p:cNvSpPr>
+            <a:spLocks noGrp="1"/>
+          </p:cNvSpPr>
+          <p:nvPr>
+            <p:ph idx="1"/>
+          </p:nvPr>
+        </p:nvSpPr>
+        <p:spPr>
+          <a:xfrm>
+            <a:off x="457200" y="1600201"/>
+            <a:ext cx="8229600" cy="1981199"/>
+          </a:xfrm>
+        </p:spPr>
+        <p:txBody>
+          <a:bodyPr>
+            <a:normAutofit/>
+          </a:bodyPr>
+          <a:lstStyle/>
+          <a:p>
+            <a:r>
+              <a:rPr lang="en-US" sz="3600" dirty="0" smtClean="0"/>
+              <a:t>You </a:t>
+            </a:r>
+            <a:r>
+              <a:rPr lang="en-US" sz="3600" dirty="0"/>
+              <a:t>can print a value </a:t>
+            </a:r>
+            <a:r>
+              <a:rPr lang="en-US" sz="3600" dirty="0" smtClean="0"/>
+              <a:t>by passing a string to </a:t>
+            </a:r>
+            <a:r>
+              <a:rPr lang="en-US" sz="3600" dirty="0" err="1" smtClean="0">
+                <a:latin typeface="Courier" charset="0"/>
+              </a:rPr>
+              <a:t>console.log</a:t>
+            </a:r>
+            <a:endParaRPr lang="en-US" sz="3600" dirty="0" smtClean="0">
+              <a:latin typeface="Courier" charset="0"/>
+            </a:endParaRPr>
+          </a:p>
+          <a:p>
+            <a:pPr lvl="1"/>
+            <a:r>
+              <a:rPr lang="en-US" sz="3200" dirty="0" smtClean="0"/>
+              <a:t>I </a:t>
+            </a:r>
+            <a:r>
+              <a:rPr lang="en-US" sz="3200" dirty="0"/>
+              <a:t>will denote output with </a:t>
+            </a:r>
+            <a:r>
+              <a:rPr lang="en-US" sz="3200" dirty="0" smtClean="0">
+                <a:latin typeface="Courier"/>
+                <a:cs typeface="Courier"/>
+              </a:rPr>
+              <a:t>//</a:t>
+            </a:r>
+            <a:r>
+              <a:rPr lang="en-US" sz="3200" dirty="0">
+                <a:latin typeface="Courier"/>
+                <a:cs typeface="Courier"/>
+              </a:rPr>
+              <a:t> </a:t>
+            </a:r>
+            <a:r>
+              <a:rPr lang="en-US" sz="3200" dirty="0" smtClean="0">
+                <a:latin typeface="Courier"/>
+                <a:cs typeface="Courier"/>
+              </a:rPr>
+              <a:t>--</a:t>
+            </a:r>
+            <a:r>
+              <a:rPr lang="en-US" sz="3200" dirty="0" smtClean="0">
+                <a:latin typeface="Courier"/>
+                <a:cs typeface="Courier"/>
+              </a:rPr>
+              <a:t>&gt;</a:t>
+            </a:r>
+            <a:endParaRPr lang="en-US" sz="3200" dirty="0">
+              <a:latin typeface="Courier"/>
+              <a:cs typeface="Courier"/>
+            </a:endParaRPr>
+          </a:p>
+        </p:txBody>
+      </p:sp>
+      <p:sp>
+        <p:nvSpPr>
+          <p:cNvPr id="4" name="Footer Placeholder 3"/>
+          <p:cNvSpPr>
+            <a:spLocks noGrp="1"/>
+          </p:cNvSpPr>
+          <p:nvPr>
+            <p:ph type="ftr" sz="quarter" idx="11"/>
+          </p:nvPr>
+        </p:nvSpPr>
+        <p:spPr/>
+        <p:txBody>
+          <a:bodyPr/>
+          <a:lstStyle/>
+          <a:p>
+            <a:r>
+              <a:rPr lang="de-DE" smtClean="0"/>
+              <a:t>PennApps Node JS Workshop</a:t>
+            </a:r>
+            <a:endParaRPr lang="en-US"/>
+          </a:p>
+        </p:txBody>
+      </p:sp>
+      <p:sp>
+        <p:nvSpPr>
+          <p:cNvPr id="5" name="Slide Number Placeholder 4"/>
+          <p:cNvSpPr>
+            <a:spLocks noGrp="1"/>
+          </p:cNvSpPr>
+          <p:nvPr>
+            <p:ph type="sldNum" sz="quarter" idx="12"/>
+          </p:nvPr>
+        </p:nvSpPr>
+        <p:spPr/>
+        <p:txBody>
+          <a:bodyPr/>
+          <a:lstStyle/>
+          <a:p>
+            <a:fld id="{0BC3279F-4877-C645-B5B9-B613712BA8CE}" type="slidenum">
+              <a:rPr lang="en-US" smtClean="0"/>
+              <a:t>5</a:t>
+            </a:fld>
+            <a:endParaRPr lang="en-US"/>
+          </a:p>
+        </p:txBody>
+      </p:sp>
+      <p:sp>
+        <p:nvSpPr>
+          <p:cNvPr id="8" name="TextBox 7"/>
+          <p:cNvSpPr txBox="1"/>
+          <p:nvPr/>
+        </p:nvSpPr>
+        <p:spPr>
+          <a:xfrm>
+            <a:off x="457200" y="4191000"/>
+            <a:ext cx="8229600" cy="1200329"/>
+          </a:xfrm>
+          <a:prstGeom prst="rect">
+            <a:avLst/>
+          </a:prstGeom>
+          <a:solidFill>
+            <a:srgbClr val="000000"/>
+          </a:solidFill>
+        </p:spPr>
+        <p:txBody>
+          <a:bodyPr wrap="square" rtlCol="0">
+            <a:spAutoFit/>
+          </a:bodyPr>
+          <a:lstStyle/>
+          <a:p>
+            <a:r>
+              <a:rPr lang="en-US" sz="3600" dirty="0" err="1">
+                <a:solidFill>
+                  <a:srgbClr val="A6E22E"/>
+                </a:solidFill>
+                <a:latin typeface="Menlo" charset="0"/>
+              </a:rPr>
+              <a:t>console</a:t>
+            </a:r>
+            <a:r>
+              <a:rPr lang="en-US" sz="3600" dirty="0" err="1">
+                <a:solidFill>
+                  <a:srgbClr val="F8F8F2"/>
+                </a:solidFill>
+                <a:latin typeface="Menlo" charset="0"/>
+              </a:rPr>
+              <a:t>.</a:t>
+            </a:r>
+            <a:r>
+              <a:rPr lang="en-US" sz="3600" dirty="0" err="1">
+                <a:solidFill>
+                  <a:srgbClr val="A6E22E"/>
+                </a:solidFill>
+                <a:latin typeface="Menlo" charset="0"/>
+              </a:rPr>
+              <a:t>log</a:t>
+            </a:r>
+            <a:r>
+              <a:rPr lang="en-US" sz="3600" dirty="0">
+                <a:solidFill>
+                  <a:srgbClr val="F8F8F2"/>
+                </a:solidFill>
+                <a:latin typeface="Menlo" charset="0"/>
+              </a:rPr>
+              <a:t>(</a:t>
+            </a:r>
+            <a:r>
+              <a:rPr lang="en-US" sz="3600" dirty="0">
+                <a:solidFill>
+                  <a:srgbClr val="E6DB74"/>
+                </a:solidFill>
+                <a:latin typeface="Menlo" charset="0"/>
+              </a:rPr>
+              <a:t>'hello world</a:t>
+            </a:r>
+            <a:r>
+              <a:rPr lang="en-US" sz="3600" dirty="0" smtClean="0">
+                <a:solidFill>
+                  <a:srgbClr val="E6DB74"/>
+                </a:solidFill>
+                <a:latin typeface="Menlo" charset="0"/>
+              </a:rPr>
+              <a:t>'</a:t>
+            </a:r>
+            <a:r>
+              <a:rPr lang="en-US" sz="3600" dirty="0" smtClean="0">
+                <a:solidFill>
+                  <a:srgbClr val="F8F8F2"/>
+                </a:solidFill>
+                <a:latin typeface="Menlo" charset="0"/>
+              </a:rPr>
+              <a:t>); </a:t>
+            </a:r>
+            <a:r>
+              <a:rPr lang="en-US" sz="3600" dirty="0" smtClean="0">
+                <a:solidFill>
+                  <a:srgbClr val="75715E"/>
+                </a:solidFill>
+                <a:latin typeface="Menlo" charset="0"/>
+              </a:rPr>
+              <a:t>// --&gt; “hello world”</a:t>
+            </a:r>
+            <a:endParaRPr lang="en-US" sz="3600" dirty="0">
+              <a:solidFill>
+                <a:srgbClr val="75715E"/>
+              </a:solidFill>
+              <a:latin typeface="Menlo" charset="0"/>
+            </a:endParaRPr>
+          </a:p>
+        </p:txBody>
+      </p:sp>
+    </p:spTree>
+    <p:extLst>
+      <p:ext uri="{BB962C8B-B14F-4D97-AF65-F5344CB8AC3E}">
+        <p14:creationId xmlns:p14="http://schemas.microsoft.com/office/powerpoint/2010/main" val="224513289"/>
+      </p:ext>
+    </p:extLst>
+  </p:cSld>
+  <p:clrMapOvr>
+    <a:masterClrMapping/>
+  </p:clrMapOvr>
+  <p:timing>
+    <p:tnLst>
+      <p:par>
+        <p:cTn id="1" dur="indefinite" restart="never" nodeType="tmRoot"/>
+      </p:par>
+    </p:tnLst>
+  </p:timing>
+</p:sld>
+</file>
+
+<file path=ppt/slides/slide6.xml><?xml version="1.0" encoding="utf-8"?>
+<p:sld xmlns:a="http://schemas.openxmlformats.org/drawingml/2006/main" xmlns:r="http://schemas.openxmlformats.org/officeDocument/2006/relationships" xmlns:p="http://schemas.openxmlformats.org/presentationml/2006/main">
+  <p:cSld>
+    <p:spTree>
+      <p:nvGrpSpPr>
+        <p:cNvPr id="1" name=""/>
+        <p:cNvGrpSpPr/>
+        <p:nvPr/>
+      </p:nvGrpSpPr>
+      <p:grpSpPr>
+        <a:xfrm>
+          <a:off x="0" y="0"/>
+          <a:ext cx="0" cy="0"/>
+          <a:chOff x="0" y="0"/>
+          <a:chExt cx="0" cy="0"/>
+        </a:xfrm>
+      </p:grpSpPr>
+      <p:sp>
+        <p:nvSpPr>
+          <p:cNvPr id="2" name="Title 1"/>
+          <p:cNvSpPr>
+            <a:spLocks noGrp="1"/>
+          </p:cNvSpPr>
+          <p:nvPr>
+            <p:ph type="title"/>
+          </p:nvPr>
+        </p:nvSpPr>
+        <p:spPr/>
+        <p:txBody>
+          <a:bodyPr/>
+          <a:lstStyle/>
+          <a:p>
+            <a:r>
+              <a:rPr lang="en-US" dirty="0" smtClean="0">
+                <a:solidFill>
+                  <a:srgbClr val="953735"/>
+                </a:solidFill>
+              </a:rPr>
+              <a:t>Running </a:t>
+            </a:r>
+            <a:r>
+              <a:rPr lang="en-US" dirty="0" err="1" smtClean="0">
+                <a:solidFill>
+                  <a:srgbClr val="953735"/>
+                </a:solidFill>
+              </a:rPr>
+              <a:t>Javascript</a:t>
+            </a:r>
+            <a:endParaRPr lang="en-US" dirty="0">
+              <a:solidFill>
+                <a:srgbClr val="953735"/>
+              </a:solidFill>
+            </a:endParaRPr>
+          </a:p>
+        </p:txBody>
+      </p:sp>
+      <p:sp>
+        <p:nvSpPr>
+          <p:cNvPr id="3" name="Content Placeholder 2"/>
+          <p:cNvSpPr>
+            <a:spLocks noGrp="1"/>
+          </p:cNvSpPr>
+          <p:nvPr>
+            <p:ph idx="1"/>
+          </p:nvPr>
+        </p:nvSpPr>
+        <p:spPr/>
+        <p:txBody>
+          <a:bodyPr/>
+          <a:lstStyle/>
+          <a:p>
+            <a:r>
+              <a:rPr lang="en-US" dirty="0"/>
+              <a:t>Use a REPL (Read-Execute-Print-Loop</a:t>
+            </a:r>
+            <a:r>
+              <a:rPr lang="en-US" dirty="0" smtClean="0"/>
+              <a:t>):</a:t>
+            </a:r>
+          </a:p>
+          <a:p>
+            <a:pPr lvl="1"/>
+            <a:r>
+              <a:rPr lang="en-US" dirty="0" smtClean="0"/>
+              <a:t>with the </a:t>
+            </a:r>
+            <a:r>
+              <a:rPr lang="en-US" dirty="0" smtClean="0">
+                <a:latin typeface="Courier"/>
+                <a:cs typeface="Courier"/>
+              </a:rPr>
+              <a:t>node</a:t>
+            </a:r>
+            <a:r>
+              <a:rPr lang="en-US" dirty="0" smtClean="0"/>
+              <a:t> </a:t>
+            </a:r>
+            <a:r>
+              <a:rPr lang="en-US" dirty="0"/>
+              <a:t>command in </a:t>
+            </a:r>
+            <a:r>
+              <a:rPr lang="en-US" dirty="0" smtClean="0"/>
+              <a:t>terminal</a:t>
+            </a:r>
+          </a:p>
+          <a:p>
+            <a:pPr lvl="1"/>
+            <a:r>
+              <a:rPr lang="en-US" dirty="0" smtClean="0"/>
+              <a:t>with the console in a browser</a:t>
+            </a:r>
+            <a:endParaRPr lang="en-US" dirty="0" smtClean="0"/>
+          </a:p>
+          <a:p>
+            <a:r>
+              <a:rPr lang="en-US" dirty="0"/>
+              <a:t>Execute </a:t>
+            </a:r>
+            <a:r>
+              <a:rPr lang="en-US" dirty="0" smtClean="0"/>
+              <a:t>.</a:t>
+            </a:r>
+            <a:r>
+              <a:rPr lang="en-US" dirty="0" err="1" smtClean="0"/>
+              <a:t>js</a:t>
+            </a:r>
+            <a:r>
+              <a:rPr lang="en-US" dirty="0" smtClean="0"/>
+              <a:t> </a:t>
+            </a:r>
+            <a:r>
+              <a:rPr lang="en-US" dirty="0"/>
+              <a:t>files with the </a:t>
+            </a:r>
+            <a:r>
+              <a:rPr lang="en-US" dirty="0" smtClean="0">
+                <a:latin typeface="Courier"/>
+                <a:cs typeface="Courier"/>
+              </a:rPr>
+              <a:t>node</a:t>
+            </a:r>
+            <a:r>
+              <a:rPr lang="en-US" dirty="0" smtClean="0"/>
+              <a:t> </a:t>
+            </a:r>
+            <a:r>
+              <a:rPr lang="en-US" dirty="0"/>
+              <a:t>command: </a:t>
+            </a:r>
+            <a:r>
+              <a:rPr lang="en-US" dirty="0" smtClean="0">
+                <a:latin typeface="Courier"/>
+                <a:cs typeface="Courier"/>
+              </a:rPr>
+              <a:t>node</a:t>
+            </a:r>
+            <a:r>
+              <a:rPr lang="en-US" dirty="0" smtClean="0">
+                <a:latin typeface="Courier"/>
+                <a:cs typeface="Courier"/>
+              </a:rPr>
+              <a:t> </a:t>
+            </a:r>
+            <a:r>
+              <a:rPr lang="en-US" dirty="0" err="1" smtClean="0">
+                <a:latin typeface="Courier"/>
+                <a:cs typeface="Courier"/>
+              </a:rPr>
+              <a:t>file.js</a:t>
+            </a:r>
+            <a:endParaRPr lang="en-US" dirty="0" smtClean="0">
+              <a:latin typeface="Courier"/>
+              <a:cs typeface="Courier"/>
+            </a:endParaRPr>
+          </a:p>
+        </p:txBody>
+      </p:sp>
+      <p:sp>
+        <p:nvSpPr>
+          <p:cNvPr id="4" name="Footer Placeholder 3"/>
+          <p:cNvSpPr>
+            <a:spLocks noGrp="1"/>
+          </p:cNvSpPr>
+          <p:nvPr>
+            <p:ph type="ftr" sz="quarter" idx="11"/>
+          </p:nvPr>
+        </p:nvSpPr>
+        <p:spPr/>
+        <p:txBody>
+          <a:bodyPr/>
+          <a:lstStyle/>
+          <a:p>
+            <a:r>
+              <a:rPr lang="de-DE" smtClean="0"/>
+              <a:t>PennApps Node JS Workshop</a:t>
+            </a:r>
+            <a:endParaRPr lang="en-US"/>
+          </a:p>
+        </p:txBody>
+      </p:sp>
+      <p:sp>
+        <p:nvSpPr>
+          <p:cNvPr id="5" name="Slide Number Placeholder 4"/>
+          <p:cNvSpPr>
+            <a:spLocks noGrp="1"/>
+          </p:cNvSpPr>
+          <p:nvPr>
+            <p:ph type="sldNum" sz="quarter" idx="12"/>
+          </p:nvPr>
+        </p:nvSpPr>
+        <p:spPr/>
+        <p:txBody>
+          <a:bodyPr/>
+          <a:lstStyle/>
+          <a:p>
+            <a:fld id="{0BC3279F-4877-C645-B5B9-B613712BA8CE}" type="slidenum">
+              <a:rPr lang="en-US" smtClean="0"/>
+              <a:t>6</a:t>
+            </a:fld>
+            <a:endParaRPr lang="en-US"/>
+          </a:p>
+        </p:txBody>
+      </p:sp>
+    </p:spTree>
+    <p:extLst>
+      <p:ext uri="{BB962C8B-B14F-4D97-AF65-F5344CB8AC3E}">
+        <p14:creationId xmlns:p14="http://schemas.microsoft.com/office/powerpoint/2010/main" val="266080444"/>
+      </p:ext>
+    </p:extLst>
+  </p:cSld>
+  <p:clrMapOvr>
+    <a:masterClrMapping/>
+  </p:clrMapOvr>
+  <p:timing>
+    <p:tnLst>
+      <p:par>
+        <p:cTn id="1" dur="indefinite" restart="never" nodeType="tmRoot"/>
+      </p:par>
+    </p:tnLst>
+  </p:timing>
+</p:sld>
+</file>
+
+<file path=ppt/slides/slide7.xml><?xml version="1.0" encoding="utf-8"?>
+<p:sld xmlns:a="http://schemas.openxmlformats.org/drawingml/2006/main" xmlns:r="http://schemas.openxmlformats.org/officeDocument/2006/relationships" xmlns:p="http://schemas.openxmlformats.org/presentationml/2006/main">
+  <p:cSld>
+    <p:spTree>
+      <p:nvGrpSpPr>
+        <p:cNvPr id="1" name=""/>
+        <p:cNvGrpSpPr/>
+        <p:nvPr/>
+      </p:nvGrpSpPr>
+      <p:grpSpPr>
+        <a:xfrm>
+          <a:off x="0" y="0"/>
+          <a:ext cx="0" cy="0"/>
+          <a:chOff x="0" y="0"/>
+          <a:chExt cx="0" cy="0"/>
+        </a:xfrm>
+      </p:grpSpPr>
+      <p:sp>
+        <p:nvSpPr>
+          <p:cNvPr id="2" name="Title 1"/>
+          <p:cNvSpPr>
+            <a:spLocks noGrp="1"/>
+          </p:cNvSpPr>
+          <p:nvPr>
+            <p:ph type="title"/>
+          </p:nvPr>
+        </p:nvSpPr>
+        <p:spPr/>
+        <p:txBody>
+          <a:bodyPr/>
+          <a:lstStyle/>
+          <a:p>
+            <a:r>
+              <a:rPr lang="en-US" dirty="0" smtClean="0"/>
+              <a:t>Literals</a:t>
+            </a:r>
+            <a:endParaRPr lang="en-US" dirty="0"/>
+          </a:p>
+        </p:txBody>
+      </p:sp>
+      <p:sp>
+        <p:nvSpPr>
+          <p:cNvPr id="3" name="Content Placeholder 2"/>
+          <p:cNvSpPr>
+            <a:spLocks noGrp="1"/>
+          </p:cNvSpPr>
+          <p:nvPr>
+            <p:ph idx="1"/>
+          </p:nvPr>
+        </p:nvSpPr>
+        <p:spPr>
+          <a:xfrm>
+            <a:off x="457200" y="1600201"/>
+            <a:ext cx="8229600" cy="3581399"/>
+          </a:xfrm>
+        </p:spPr>
+        <p:txBody>
+          <a:bodyPr>
+            <a:normAutofit fontScale="92500" lnSpcReduction="20000"/>
+          </a:bodyPr>
+          <a:lstStyle/>
+          <a:p>
+            <a:r>
+              <a:rPr lang="en-US" dirty="0" smtClean="0"/>
+              <a:t>Numbers: </a:t>
+            </a:r>
+            <a:r>
+              <a:rPr lang="en-US" dirty="0" smtClean="0">
+                <a:latin typeface="Courier" charset="0"/>
+              </a:rPr>
+              <a:t>1, 2, 3, 1.28e4, </a:t>
+            </a:r>
+            <a:r>
+              <a:rPr lang="en-US" dirty="0" err="1" smtClean="0">
+                <a:latin typeface="Courier" charset="0"/>
+              </a:rPr>
+              <a:t>NaN</a:t>
+            </a:r>
+            <a:r>
+              <a:rPr lang="en-US" dirty="0" smtClean="0">
+                <a:latin typeface="Courier" charset="0"/>
+              </a:rPr>
+              <a:t>, Infinity</a:t>
+            </a:r>
+          </a:p>
+          <a:p>
+            <a:r>
+              <a:rPr lang="en-US" dirty="0" smtClean="0"/>
+              <a:t>Strings: </a:t>
+            </a:r>
+            <a:r>
+              <a:rPr lang="en-US" dirty="0" smtClean="0">
+                <a:latin typeface="Courier" charset="0"/>
+              </a:rPr>
+              <a:t>‘xyz’, ‘foo \n’, ‘\u2603’</a:t>
+            </a:r>
+          </a:p>
+          <a:p>
+            <a:r>
+              <a:rPr lang="en-US" dirty="0" smtClean="0"/>
+              <a:t>Boolean: </a:t>
+            </a:r>
+            <a:r>
+              <a:rPr lang="en-US" dirty="0" smtClean="0">
+                <a:latin typeface="Courier" charset="0"/>
+              </a:rPr>
+              <a:t>true, false</a:t>
+            </a:r>
+          </a:p>
+          <a:p>
+            <a:r>
+              <a:rPr lang="en-US" dirty="0" smtClean="0"/>
+              <a:t>Objects: </a:t>
+            </a:r>
+            <a:r>
+              <a:rPr lang="en-US" dirty="0" smtClean="0">
+                <a:latin typeface="Courier" charset="0"/>
+              </a:rPr>
+              <a:t>{ title: ‘</a:t>
+            </a:r>
+            <a:r>
+              <a:rPr lang="en-US" dirty="0" err="1" smtClean="0">
+                <a:latin typeface="Courier" charset="0"/>
+              </a:rPr>
+              <a:t>Javascript</a:t>
+            </a:r>
+            <a:r>
+              <a:rPr lang="en-US" dirty="0" smtClean="0">
+                <a:latin typeface="Courier" charset="0"/>
+              </a:rPr>
+              <a:t>’, language: true }</a:t>
+            </a:r>
+          </a:p>
+          <a:p>
+            <a:r>
+              <a:rPr lang="en-US" dirty="0" smtClean="0"/>
+              <a:t>Array: </a:t>
+            </a:r>
+            <a:r>
+              <a:rPr lang="en-US" dirty="0" smtClean="0">
+                <a:latin typeface="Courier" charset="0"/>
+              </a:rPr>
+              <a:t>[1, 2, ‘ham’, ‘spam’]</a:t>
+            </a:r>
+          </a:p>
+          <a:p>
+            <a:r>
+              <a:rPr lang="en-US" dirty="0" smtClean="0"/>
+              <a:t>Functions:</a:t>
+            </a:r>
+            <a:endParaRPr lang="en-US" dirty="0"/>
+          </a:p>
+        </p:txBody>
+      </p:sp>
+      <p:sp>
+        <p:nvSpPr>
+          <p:cNvPr id="4" name="Footer Placeholder 3"/>
+          <p:cNvSpPr>
+            <a:spLocks noGrp="1"/>
+          </p:cNvSpPr>
+          <p:nvPr>
+            <p:ph type="ftr" sz="quarter" idx="11"/>
+          </p:nvPr>
+        </p:nvSpPr>
+        <p:spPr/>
+        <p:txBody>
+          <a:bodyPr/>
+          <a:lstStyle/>
+          <a:p>
+            <a:r>
+              <a:rPr lang="de-DE" smtClean="0"/>
+              <a:t>PennApps Node JS Workshop</a:t>
+            </a:r>
+            <a:endParaRPr lang="en-US"/>
+          </a:p>
+        </p:txBody>
+      </p:sp>
+      <p:sp>
+        <p:nvSpPr>
+          <p:cNvPr id="5" name="Slide Number Placeholder 4"/>
+          <p:cNvSpPr>
+            <a:spLocks noGrp="1"/>
+          </p:cNvSpPr>
+          <p:nvPr>
+            <p:ph type="sldNum" sz="quarter" idx="12"/>
+          </p:nvPr>
+        </p:nvSpPr>
+        <p:spPr/>
+        <p:txBody>
+          <a:bodyPr/>
+          <a:lstStyle/>
+          <a:p>
+            <a:fld id="{BE7B5DD7-0E96-E44E-B777-0B9A5C3419CF}" type="slidenum">
+              <a:rPr lang="en-US" smtClean="0"/>
+              <a:t>7</a:t>
+            </a:fld>
+            <a:endParaRPr lang="en-US"/>
+          </a:p>
+        </p:txBody>
+      </p:sp>
+      <p:sp>
+        <p:nvSpPr>
+          <p:cNvPr id="6" name="TextBox 5"/>
+          <p:cNvSpPr txBox="1"/>
+          <p:nvPr/>
+        </p:nvSpPr>
+        <p:spPr>
+          <a:xfrm>
+            <a:off x="457200" y="5181600"/>
+            <a:ext cx="8229600" cy="923330"/>
+          </a:xfrm>
+          <a:prstGeom prst="rect">
+            <a:avLst/>
+          </a:prstGeom>
+          <a:solidFill>
+            <a:srgbClr val="000000"/>
+          </a:solidFill>
+        </p:spPr>
+        <p:txBody>
+          <a:bodyPr wrap="square" rtlCol="0">
+            <a:spAutoFit/>
+          </a:bodyPr>
+          <a:lstStyle/>
+          <a:p>
+            <a:pPr algn="just"/>
+            <a:r>
+              <a:rPr lang="en-US" dirty="0" err="1">
+                <a:solidFill>
+                  <a:srgbClr val="66D9EF"/>
+                </a:solidFill>
+                <a:latin typeface="Menlo" charset="0"/>
+              </a:rPr>
+              <a:t>var</a:t>
+            </a:r>
+            <a:r>
+              <a:rPr lang="en-US" dirty="0">
+                <a:solidFill>
+                  <a:srgbClr val="F8F8F2"/>
+                </a:solidFill>
+                <a:latin typeface="Menlo" charset="0"/>
+              </a:rPr>
+              <a:t> </a:t>
+            </a:r>
+            <a:r>
+              <a:rPr lang="en-US" dirty="0">
+                <a:solidFill>
+                  <a:srgbClr val="A6E22E"/>
+                </a:solidFill>
+                <a:latin typeface="Menlo" charset="0"/>
+              </a:rPr>
+              <a:t>square</a:t>
+            </a:r>
+            <a:r>
+              <a:rPr lang="en-US" dirty="0">
+                <a:solidFill>
+                  <a:srgbClr val="F8F8F2"/>
+                </a:solidFill>
+                <a:latin typeface="Menlo" charset="0"/>
+              </a:rPr>
+              <a:t> </a:t>
+            </a:r>
+            <a:r>
+              <a:rPr lang="en-US" dirty="0">
+                <a:solidFill>
+                  <a:srgbClr val="F92672"/>
+                </a:solidFill>
+                <a:latin typeface="Menlo" charset="0"/>
+              </a:rPr>
+              <a:t>=</a:t>
+            </a:r>
+            <a:r>
+              <a:rPr lang="en-US" dirty="0">
+                <a:solidFill>
+                  <a:srgbClr val="F8F8F2"/>
+                </a:solidFill>
+                <a:latin typeface="Menlo" charset="0"/>
+              </a:rPr>
+              <a:t> </a:t>
+            </a:r>
+            <a:r>
+              <a:rPr lang="en-US" dirty="0">
+                <a:solidFill>
+                  <a:srgbClr val="66D9EF"/>
+                </a:solidFill>
+                <a:latin typeface="Menlo" charset="0"/>
+              </a:rPr>
+              <a:t>function</a:t>
+            </a:r>
+            <a:r>
+              <a:rPr lang="en-US" dirty="0">
+                <a:solidFill>
+                  <a:srgbClr val="F8F8F2"/>
+                </a:solidFill>
+                <a:latin typeface="Menlo" charset="0"/>
+              </a:rPr>
+              <a:t> (</a:t>
+            </a:r>
+            <a:r>
+              <a:rPr lang="en-US" dirty="0">
+                <a:solidFill>
+                  <a:srgbClr val="A6E22E"/>
+                </a:solidFill>
+                <a:latin typeface="Menlo" charset="0"/>
+              </a:rPr>
+              <a:t>x</a:t>
+            </a:r>
+            <a:r>
+              <a:rPr lang="en-US" dirty="0">
+                <a:solidFill>
+                  <a:srgbClr val="F8F8F2"/>
+                </a:solidFill>
+                <a:latin typeface="Menlo" charset="0"/>
+              </a:rPr>
+              <a:t>) {</a:t>
+            </a:r>
+          </a:p>
+          <a:p>
+            <a:pPr algn="just"/>
+            <a:r>
+              <a:rPr lang="en-US" dirty="0">
+                <a:solidFill>
+                  <a:srgbClr val="F8F8F2"/>
+                </a:solidFill>
+                <a:latin typeface="Menlo" charset="0"/>
+              </a:rPr>
+              <a:t>  </a:t>
+            </a:r>
+            <a:r>
+              <a:rPr lang="en-US" dirty="0">
+                <a:solidFill>
+                  <a:srgbClr val="66D9EF"/>
+                </a:solidFill>
+                <a:latin typeface="Menlo" charset="0"/>
+              </a:rPr>
+              <a:t>return</a:t>
+            </a:r>
+            <a:r>
+              <a:rPr lang="en-US" dirty="0">
+                <a:solidFill>
+                  <a:srgbClr val="F8F8F2"/>
+                </a:solidFill>
+                <a:latin typeface="Menlo" charset="0"/>
+              </a:rPr>
+              <a:t> </a:t>
+            </a:r>
+            <a:r>
+              <a:rPr lang="en-US" dirty="0">
+                <a:solidFill>
+                  <a:srgbClr val="A6E22E"/>
+                </a:solidFill>
+                <a:latin typeface="Menlo" charset="0"/>
+              </a:rPr>
+              <a:t>x</a:t>
+            </a:r>
+            <a:r>
+              <a:rPr lang="en-US" dirty="0">
+                <a:solidFill>
+                  <a:srgbClr val="F8F8F2"/>
+                </a:solidFill>
+                <a:latin typeface="Menlo" charset="0"/>
+              </a:rPr>
+              <a:t> </a:t>
+            </a:r>
+            <a:r>
+              <a:rPr lang="en-US" dirty="0">
+                <a:solidFill>
+                  <a:srgbClr val="F92672"/>
+                </a:solidFill>
+                <a:latin typeface="Menlo" charset="0"/>
+              </a:rPr>
+              <a:t>*</a:t>
+            </a:r>
+            <a:r>
+              <a:rPr lang="en-US" dirty="0">
+                <a:solidFill>
+                  <a:srgbClr val="F8F8F2"/>
+                </a:solidFill>
+                <a:latin typeface="Menlo" charset="0"/>
+              </a:rPr>
+              <a:t> </a:t>
+            </a:r>
+            <a:r>
+              <a:rPr lang="en-US" dirty="0">
+                <a:solidFill>
+                  <a:srgbClr val="A6E22E"/>
+                </a:solidFill>
+                <a:latin typeface="Menlo" charset="0"/>
+              </a:rPr>
+              <a:t>x</a:t>
+            </a:r>
+            <a:r>
+              <a:rPr lang="en-US" dirty="0">
+                <a:solidFill>
+                  <a:srgbClr val="F8F8F2"/>
+                </a:solidFill>
+                <a:latin typeface="Menlo" charset="0"/>
+              </a:rPr>
+              <a:t>;</a:t>
+            </a:r>
+          </a:p>
+          <a:p>
+            <a:pPr algn="just"/>
+            <a:r>
+              <a:rPr lang="uk-UA" dirty="0">
+                <a:solidFill>
+                  <a:srgbClr val="F8F8F2"/>
+                </a:solidFill>
+                <a:latin typeface="Menlo" charset="0"/>
+              </a:rPr>
+              <a:t>};</a:t>
+            </a:r>
+          </a:p>
+        </p:txBody>
+      </p:sp>
+    </p:spTree>
+    <p:extLst>
+      <p:ext uri="{BB962C8B-B14F-4D97-AF65-F5344CB8AC3E}">
+        <p14:creationId xmlns:p14="http://schemas.microsoft.com/office/powerpoint/2010/main" val="591110776"/>
+      </p:ext>
+    </p:extLst>
+  </p:cSld>
+  <p:clrMapOvr>
+    <a:masterClrMapping/>
+  </p:clrMapOvr>
+  <p:timing>
+    <p:tnLst>
+      <p:par>
+        <p:cTn id="1" dur="indefinite" restart="never" nodeType="tmRoot"/>
+      </p:par>
+    </p:tnLst>
+  </p:timing>
+</p:sld>
+</file>
+
+<file path=ppt/slides/slide8.xml><?xml version="1.0" encoding="utf-8"?>
+<p:sld xmlns:a="http://schemas.openxmlformats.org/drawingml/2006/main" xmlns:r="http://schemas.openxmlformats.org/officeDocument/2006/relationships" xmlns:p="http://schemas.openxmlformats.org/presentationml/2006/main">
+  <p:cSld>
+    <p:spTree>
+      <p:nvGrpSpPr>
+        <p:cNvPr id="1" name=""/>
+        <p:cNvGrpSpPr/>
+        <p:nvPr/>
+      </p:nvGrpSpPr>
+      <p:grpSpPr>
+        <a:xfrm>
+          <a:off x="0" y="0"/>
+          <a:ext cx="0" cy="0"/>
+          <a:chOff x="0" y="0"/>
+          <a:chExt cx="0" cy="0"/>
+        </a:xfrm>
+      </p:grpSpPr>
+      <p:sp>
+        <p:nvSpPr>
+          <p:cNvPr id="2" name="Title 1"/>
+          <p:cNvSpPr>
+            <a:spLocks noGrp="1"/>
+          </p:cNvSpPr>
+          <p:nvPr>
+            <p:ph type="title"/>
+          </p:nvPr>
+        </p:nvSpPr>
+        <p:spPr/>
+        <p:txBody>
+          <a:bodyPr/>
+          <a:lstStyle/>
+          <a:p>
+            <a:r>
+              <a:rPr lang="en-US" dirty="0" smtClean="0"/>
+              <a:t>Objects</a:t>
+            </a:r>
+            <a:endParaRPr lang="en-US" dirty="0"/>
+          </a:p>
+        </p:txBody>
+      </p:sp>
+      <p:sp>
+        <p:nvSpPr>
+          <p:cNvPr id="3" name="Content Placeholder 2"/>
+          <p:cNvSpPr>
+            <a:spLocks noGrp="1"/>
+          </p:cNvSpPr>
+          <p:nvPr>
+            <p:ph idx="1"/>
+          </p:nvPr>
+        </p:nvSpPr>
+        <p:spPr>
+          <a:xfrm>
+            <a:off x="457200" y="1600201"/>
+            <a:ext cx="8229600" cy="2362199"/>
+          </a:xfrm>
+        </p:spPr>
+        <p:txBody>
+          <a:bodyPr/>
+          <a:lstStyle/>
+          <a:p>
+            <a:r>
+              <a:rPr lang="en-US" dirty="0" smtClean="0"/>
+              <a:t>Lightweight, mutable key-value stores</a:t>
+            </a:r>
+          </a:p>
+          <a:p>
+            <a:r>
+              <a:rPr lang="en-US" dirty="0" smtClean="0"/>
+              <a:t>Literal notation uses curly braces</a:t>
+            </a:r>
+          </a:p>
+          <a:p>
+            <a:r>
+              <a:rPr lang="en-US" dirty="0" smtClean="0"/>
+              <a:t>Access with </a:t>
+            </a:r>
+            <a:r>
+              <a:rPr lang="en-US" dirty="0" err="1" smtClean="0">
+                <a:latin typeface="Courier" charset="0"/>
+              </a:rPr>
+              <a:t>obj.propertyName</a:t>
+            </a:r>
+            <a:r>
+              <a:rPr lang="en-US" dirty="0" smtClean="0"/>
+              <a:t> or </a:t>
+            </a:r>
+            <a:r>
+              <a:rPr lang="en-US" dirty="0" err="1" smtClean="0">
+                <a:latin typeface="Courier" charset="0"/>
+              </a:rPr>
+              <a:t>obj</a:t>
+            </a:r>
+            <a:r>
+              <a:rPr lang="en-US" dirty="0" smtClean="0">
+                <a:latin typeface="Courier" charset="0"/>
+              </a:rPr>
+              <a:t>[‘</a:t>
+            </a:r>
+            <a:r>
+              <a:rPr lang="en-US" dirty="0" err="1" smtClean="0">
+                <a:latin typeface="Courier" charset="0"/>
+              </a:rPr>
+              <a:t>propertyName</a:t>
+            </a:r>
+            <a:r>
+              <a:rPr lang="en-US" dirty="0" smtClean="0">
+                <a:latin typeface="Courier" charset="0"/>
+              </a:rPr>
+              <a:t>’]</a:t>
+            </a:r>
+            <a:endParaRPr lang="en-US" dirty="0">
+              <a:latin typeface="Courier" charset="0"/>
+            </a:endParaRPr>
+          </a:p>
+        </p:txBody>
+      </p:sp>
+      <p:sp>
+        <p:nvSpPr>
+          <p:cNvPr id="4" name="Footer Placeholder 3"/>
+          <p:cNvSpPr>
+            <a:spLocks noGrp="1"/>
+          </p:cNvSpPr>
+          <p:nvPr>
+            <p:ph type="ftr" sz="quarter" idx="11"/>
+          </p:nvPr>
+        </p:nvSpPr>
+        <p:spPr/>
+        <p:txBody>
+          <a:bodyPr/>
+          <a:lstStyle/>
+          <a:p>
+            <a:r>
+              <a:rPr lang="de-DE" smtClean="0"/>
+              <a:t>PennApps Node JS Workshop</a:t>
+            </a:r>
+            <a:endParaRPr lang="en-US"/>
+          </a:p>
+        </p:txBody>
+      </p:sp>
+      <p:sp>
+        <p:nvSpPr>
+          <p:cNvPr id="5" name="Slide Number Placeholder 4"/>
+          <p:cNvSpPr>
+            <a:spLocks noGrp="1"/>
+          </p:cNvSpPr>
+          <p:nvPr>
+            <p:ph type="sldNum" sz="quarter" idx="12"/>
+          </p:nvPr>
+        </p:nvSpPr>
+        <p:spPr/>
+        <p:txBody>
+          <a:bodyPr/>
+          <a:lstStyle/>
+          <a:p>
+            <a:fld id="{BE7B5DD7-0E96-E44E-B777-0B9A5C3419CF}" type="slidenum">
+              <a:rPr lang="en-US" smtClean="0"/>
+              <a:t>8</a:t>
+            </a:fld>
+            <a:endParaRPr lang="en-US"/>
+          </a:p>
+        </p:txBody>
+      </p:sp>
+      <p:sp>
+        <p:nvSpPr>
+          <p:cNvPr id="6" name="TextBox 5"/>
+          <p:cNvSpPr txBox="1"/>
+          <p:nvPr/>
+        </p:nvSpPr>
+        <p:spPr>
+          <a:xfrm>
+            <a:off x="457200" y="4282212"/>
+            <a:ext cx="8229600" cy="1754326"/>
+          </a:xfrm>
+          <a:prstGeom prst="rect">
+            <a:avLst/>
+          </a:prstGeom>
+          <a:solidFill>
+            <a:srgbClr val="000000"/>
+          </a:solidFill>
+        </p:spPr>
+        <p:txBody>
+          <a:bodyPr wrap="square" rtlCol="0">
+            <a:spAutoFit/>
+          </a:bodyPr>
+          <a:lstStyle/>
+          <a:p>
+            <a:r>
+              <a:rPr lang="hr-HR" dirty="0">
+                <a:solidFill>
+                  <a:srgbClr val="66D9EF"/>
+                </a:solidFill>
+                <a:latin typeface="Menlo" charset="0"/>
+              </a:rPr>
+              <a:t>var</a:t>
+            </a:r>
+            <a:r>
+              <a:rPr lang="hr-HR" dirty="0">
+                <a:solidFill>
+                  <a:srgbClr val="F8F8F2"/>
+                </a:solidFill>
+                <a:latin typeface="Menlo" charset="0"/>
+              </a:rPr>
+              <a:t> </a:t>
+            </a:r>
+            <a:r>
+              <a:rPr lang="hr-HR" dirty="0" err="1">
+                <a:solidFill>
+                  <a:srgbClr val="A6E22E"/>
+                </a:solidFill>
+                <a:latin typeface="Menlo" charset="0"/>
+              </a:rPr>
+              <a:t>obj</a:t>
+            </a:r>
+            <a:r>
+              <a:rPr lang="hr-HR" dirty="0">
+                <a:solidFill>
+                  <a:srgbClr val="F8F8F2"/>
+                </a:solidFill>
+                <a:latin typeface="Menlo" charset="0"/>
+              </a:rPr>
+              <a:t> </a:t>
+            </a:r>
+            <a:r>
+              <a:rPr lang="hr-HR" dirty="0">
+                <a:solidFill>
+                  <a:srgbClr val="F92672"/>
+                </a:solidFill>
+                <a:latin typeface="Menlo" charset="0"/>
+              </a:rPr>
+              <a:t>=</a:t>
+            </a:r>
+            <a:r>
+              <a:rPr lang="hr-HR" dirty="0">
+                <a:solidFill>
+                  <a:srgbClr val="F8F8F2"/>
+                </a:solidFill>
+                <a:latin typeface="Menlo" charset="0"/>
+              </a:rPr>
+              <a:t> {</a:t>
+            </a:r>
+          </a:p>
+          <a:p>
+            <a:r>
+              <a:rPr lang="en-US" dirty="0">
+                <a:solidFill>
+                  <a:srgbClr val="F8F8F2"/>
+                </a:solidFill>
+                <a:latin typeface="Menlo" charset="0"/>
+              </a:rPr>
+              <a:t>  </a:t>
+            </a:r>
+            <a:r>
+              <a:rPr lang="en-US" dirty="0">
+                <a:solidFill>
+                  <a:srgbClr val="A6E22E"/>
+                </a:solidFill>
+                <a:latin typeface="Menlo" charset="0"/>
+              </a:rPr>
+              <a:t>prop</a:t>
+            </a:r>
+            <a:r>
+              <a:rPr lang="en-US" dirty="0">
+                <a:solidFill>
+                  <a:srgbClr val="F92672"/>
+                </a:solidFill>
+                <a:latin typeface="Menlo" charset="0"/>
+              </a:rPr>
+              <a:t>:</a:t>
+            </a:r>
+            <a:r>
+              <a:rPr lang="en-US" dirty="0">
+                <a:solidFill>
+                  <a:srgbClr val="F8F8F2"/>
+                </a:solidFill>
+                <a:latin typeface="Menlo" charset="0"/>
+              </a:rPr>
+              <a:t> </a:t>
+            </a:r>
+            <a:r>
+              <a:rPr lang="en-US" dirty="0">
+                <a:solidFill>
+                  <a:srgbClr val="E6DB74"/>
+                </a:solidFill>
+                <a:latin typeface="Menlo" charset="0"/>
+              </a:rPr>
+              <a:t>'hello'</a:t>
+            </a:r>
+            <a:endParaRPr lang="en-US" dirty="0">
+              <a:solidFill>
+                <a:srgbClr val="F8F8F2"/>
+              </a:solidFill>
+              <a:latin typeface="Menlo" charset="0"/>
+            </a:endParaRPr>
+          </a:p>
+          <a:p>
+            <a:r>
+              <a:rPr lang="en-US" dirty="0" smtClean="0">
+                <a:solidFill>
+                  <a:srgbClr val="F8F8F2"/>
+                </a:solidFill>
+                <a:latin typeface="Menlo" charset="0"/>
+              </a:rPr>
+              <a:t>}</a:t>
+            </a:r>
+          </a:p>
+          <a:p>
+            <a:endParaRPr lang="en-US" dirty="0">
+              <a:solidFill>
+                <a:srgbClr val="F8F8F2"/>
+              </a:solidFill>
+              <a:latin typeface="Menlo" charset="0"/>
+            </a:endParaRPr>
+          </a:p>
+          <a:p>
+            <a:r>
+              <a:rPr lang="en-US" dirty="0" err="1">
+                <a:solidFill>
+                  <a:srgbClr val="A6E22E"/>
+                </a:solidFill>
+                <a:latin typeface="Menlo" charset="0"/>
+              </a:rPr>
+              <a:t>obj</a:t>
+            </a:r>
+            <a:r>
+              <a:rPr lang="en-US" dirty="0" err="1">
+                <a:solidFill>
+                  <a:srgbClr val="F8F8F2"/>
+                </a:solidFill>
+                <a:latin typeface="Menlo" charset="0"/>
+              </a:rPr>
+              <a:t>.</a:t>
+            </a:r>
+            <a:r>
+              <a:rPr lang="en-US" dirty="0" err="1">
+                <a:solidFill>
+                  <a:srgbClr val="A6E22E"/>
+                </a:solidFill>
+                <a:latin typeface="Menlo" charset="0"/>
+              </a:rPr>
+              <a:t>prop</a:t>
+            </a:r>
+            <a:r>
+              <a:rPr lang="en-US" dirty="0">
+                <a:solidFill>
+                  <a:srgbClr val="F8F8F2"/>
+                </a:solidFill>
+                <a:latin typeface="Menlo" charset="0"/>
+              </a:rPr>
+              <a:t> </a:t>
+            </a:r>
+            <a:r>
+              <a:rPr lang="en-US" dirty="0" smtClean="0">
+                <a:solidFill>
+                  <a:srgbClr val="75715E"/>
+                </a:solidFill>
+                <a:latin typeface="Menlo" charset="0"/>
+              </a:rPr>
+              <a:t>// --&gt; </a:t>
+            </a:r>
+            <a:r>
+              <a:rPr lang="en-US" dirty="0">
+                <a:solidFill>
+                  <a:srgbClr val="75715E"/>
+                </a:solidFill>
+                <a:latin typeface="Menlo" charset="0"/>
+              </a:rPr>
+              <a:t>"hello"</a:t>
+            </a:r>
+          </a:p>
+          <a:p>
+            <a:r>
+              <a:rPr lang="en-US" dirty="0" err="1">
+                <a:solidFill>
+                  <a:srgbClr val="A6E22E"/>
+                </a:solidFill>
+                <a:latin typeface="Menlo" charset="0"/>
+              </a:rPr>
+              <a:t>obj</a:t>
+            </a:r>
+            <a:r>
+              <a:rPr lang="en-US" dirty="0">
+                <a:solidFill>
+                  <a:srgbClr val="F8F8F2"/>
+                </a:solidFill>
+                <a:latin typeface="Menlo" charset="0"/>
+              </a:rPr>
+              <a:t>[</a:t>
+            </a:r>
+            <a:r>
+              <a:rPr lang="en-US" dirty="0">
+                <a:solidFill>
+                  <a:srgbClr val="E6DB74"/>
+                </a:solidFill>
+                <a:latin typeface="Menlo" charset="0"/>
+              </a:rPr>
+              <a:t>'prop'</a:t>
+            </a:r>
+            <a:r>
+              <a:rPr lang="en-US" dirty="0">
+                <a:solidFill>
+                  <a:srgbClr val="F8F8F2"/>
+                </a:solidFill>
+                <a:latin typeface="Menlo" charset="0"/>
+              </a:rPr>
+              <a:t>] </a:t>
+            </a:r>
+            <a:r>
+              <a:rPr lang="en-US" dirty="0" smtClean="0">
+                <a:solidFill>
+                  <a:srgbClr val="75715E"/>
+                </a:solidFill>
+                <a:latin typeface="Menlo" charset="0"/>
+              </a:rPr>
+              <a:t>//</a:t>
+            </a:r>
+            <a:r>
+              <a:rPr lang="en-US" dirty="0">
+                <a:solidFill>
+                  <a:srgbClr val="75715E"/>
+                </a:solidFill>
+                <a:latin typeface="Menlo" charset="0"/>
+                <a:sym typeface="Wingdings"/>
+              </a:rPr>
+              <a:t> </a:t>
+            </a:r>
+            <a:r>
+              <a:rPr lang="en-US" dirty="0" smtClean="0">
+                <a:solidFill>
+                  <a:srgbClr val="75715E"/>
+                </a:solidFill>
+                <a:latin typeface="Menlo" charset="0"/>
+                <a:sym typeface="Wingdings"/>
+              </a:rPr>
+              <a:t>--&gt;</a:t>
+            </a:r>
+            <a:r>
+              <a:rPr lang="en-US" dirty="0" smtClean="0">
+                <a:solidFill>
+                  <a:srgbClr val="75715E"/>
+                </a:solidFill>
+                <a:latin typeface="Menlo" charset="0"/>
+              </a:rPr>
+              <a:t> </a:t>
+            </a:r>
+            <a:r>
+              <a:rPr lang="en-US" dirty="0">
+                <a:solidFill>
+                  <a:srgbClr val="75715E"/>
+                </a:solidFill>
+                <a:latin typeface="Menlo" charset="0"/>
+              </a:rPr>
+              <a:t>"hello"</a:t>
+            </a:r>
+          </a:p>
+        </p:txBody>
+      </p:sp>
+    </p:spTree>
+    <p:extLst>
+      <p:ext uri="{BB962C8B-B14F-4D97-AF65-F5344CB8AC3E}">
+        <p14:creationId xmlns:p14="http://schemas.microsoft.com/office/powerpoint/2010/main" val="131359626"/>
+      </p:ext>
+    </p:extLst>
+  </p:cSld>
+  <p:clrMapOvr>
+    <a:masterClrMapping/>
+  </p:clrMapOvr>
+  <p:timing>
+    <p:tnLst>
+      <p:par>
+        <p:cTn id="1" dur="indefinite" restart="never" nodeType="tmRoot"/>
+      </p:par>
+    </p:tnLst>
+  </p:timing>
+</p:sld>
+</file>
+
+<file path=ppt/slides/slide9.xml><?xml version="1.0" encoding="utf-8"?>
+<p:sld xmlns:a="http://schemas.openxmlformats.org/drawingml/2006/main" xmlns:r="http://schemas.openxmlformats.org/officeDocument/2006/relationships" xmlns:p="http://schemas.openxmlformats.org/presentationml/2006/main">
+  <p:cSld>
+    <p:spTree>
+      <p:nvGrpSpPr>
+        <p:cNvPr id="1" name=""/>
+        <p:cNvGrpSpPr/>
+        <p:nvPr/>
+      </p:nvGrpSpPr>
+      <p:grpSpPr>
+        <a:xfrm>
+          <a:off x="0" y="0"/>
+          <a:ext cx="0" cy="0"/>
+          <a:chOff x="0" y="0"/>
+          <a:chExt cx="0" cy="0"/>
+        </a:xfrm>
+      </p:grpSpPr>
+      <p:sp>
+        <p:nvSpPr>
+          <p:cNvPr id="2" name="Title 1"/>
+          <p:cNvSpPr>
+            <a:spLocks noGrp="1"/>
+          </p:cNvSpPr>
+          <p:nvPr>
+            <p:ph type="title"/>
+          </p:nvPr>
+        </p:nvSpPr>
+        <p:spPr/>
+        <p:txBody>
+          <a:bodyPr/>
+          <a:lstStyle/>
+          <a:p>
+            <a:r>
+              <a:rPr lang="en-US" dirty="0" smtClean="0">
+                <a:solidFill>
+                  <a:srgbClr val="953735"/>
+                </a:solidFill>
+              </a:rPr>
+              <a:t>Functions</a:t>
+            </a:r>
+            <a:endParaRPr lang="en-US" dirty="0">
+              <a:solidFill>
+                <a:srgbClr val="953735"/>
+              </a:solidFill>
+            </a:endParaRPr>
+          </a:p>
+        </p:txBody>
+      </p:sp>
+      <p:sp>
+        <p:nvSpPr>
+          <p:cNvPr id="3" name="Content Placeholder 2"/>
+          <p:cNvSpPr>
+            <a:spLocks noGrp="1"/>
+          </p:cNvSpPr>
+          <p:nvPr>
+            <p:ph idx="1"/>
+          </p:nvPr>
+        </p:nvSpPr>
+        <p:spPr>
+          <a:xfrm>
+            <a:off x="457200" y="1371600"/>
+            <a:ext cx="8229600" cy="2986722"/>
+          </a:xfrm>
+        </p:spPr>
+        <p:txBody>
+          <a:bodyPr>
+            <a:normAutofit/>
+          </a:bodyPr>
+          <a:lstStyle/>
+          <a:p>
+            <a:r>
+              <a:rPr lang="en-US" dirty="0" smtClean="0"/>
+              <a:t>First-class JS object</a:t>
+            </a:r>
+          </a:p>
+          <a:p>
+            <a:pPr lvl="1"/>
+            <a:r>
+              <a:rPr lang="en-US" dirty="0" smtClean="0"/>
+              <a:t>Allows JavaScript to use functional programming techniques</a:t>
+            </a:r>
+            <a:endParaRPr lang="en-US" dirty="0"/>
+          </a:p>
+          <a:p>
+            <a:r>
+              <a:rPr lang="en-US" dirty="0" smtClean="0"/>
+              <a:t>Returns values with the </a:t>
+            </a:r>
+            <a:r>
+              <a:rPr lang="en-US" dirty="0" smtClean="0">
+                <a:latin typeface="Courier" charset="0"/>
+              </a:rPr>
+              <a:t>return</a:t>
+            </a:r>
+            <a:r>
+              <a:rPr lang="en-US" dirty="0" smtClean="0"/>
+              <a:t> keyword</a:t>
+            </a:r>
+          </a:p>
+          <a:p>
+            <a:pPr lvl="1"/>
+            <a:r>
+              <a:rPr lang="en-US" dirty="0" smtClean="0"/>
+              <a:t>Otherwise, </a:t>
+            </a:r>
+            <a:r>
+              <a:rPr lang="en-US" dirty="0" smtClean="0">
+                <a:latin typeface="Courier" charset="0"/>
+              </a:rPr>
+              <a:t>undefined</a:t>
+            </a:r>
+            <a:r>
+              <a:rPr lang="en-US" dirty="0" smtClean="0"/>
+              <a:t> is returned</a:t>
+            </a:r>
+            <a:endParaRPr lang="en-US" dirty="0"/>
+          </a:p>
+        </p:txBody>
+      </p:sp>
+      <p:sp>
+        <p:nvSpPr>
+          <p:cNvPr id="4" name="Footer Placeholder 3"/>
+          <p:cNvSpPr>
+            <a:spLocks noGrp="1"/>
+          </p:cNvSpPr>
+          <p:nvPr>
+            <p:ph type="ftr" sz="quarter" idx="11"/>
+          </p:nvPr>
+        </p:nvSpPr>
+        <p:spPr/>
+        <p:txBody>
+          <a:bodyPr/>
+          <a:lstStyle/>
+          <a:p>
+            <a:r>
+              <a:rPr lang="de-DE" smtClean="0"/>
+              <a:t>PennApps Node JS Workshop</a:t>
+            </a:r>
+            <a:endParaRPr lang="en-US"/>
+          </a:p>
+        </p:txBody>
+      </p:sp>
+      <p:sp>
+        <p:nvSpPr>
+          <p:cNvPr id="5" name="Slide Number Placeholder 4"/>
+          <p:cNvSpPr>
+            <a:spLocks noGrp="1"/>
+          </p:cNvSpPr>
+          <p:nvPr>
+            <p:ph type="sldNum" sz="quarter" idx="12"/>
+          </p:nvPr>
+        </p:nvSpPr>
+        <p:spPr/>
+        <p:txBody>
+          <a:bodyPr/>
+          <a:lstStyle/>
+          <a:p>
+            <a:fld id="{0BC3279F-4877-C645-B5B9-B613712BA8CE}" type="slidenum">
+              <a:rPr lang="en-US" smtClean="0"/>
+              <a:t>9</a:t>
+            </a:fld>
+            <a:endParaRPr lang="en-US"/>
+          </a:p>
+        </p:txBody>
+      </p:sp>
+      <p:sp>
+        <p:nvSpPr>
+          <p:cNvPr id="9" name="TextBox 8"/>
+          <p:cNvSpPr txBox="1"/>
+          <p:nvPr/>
+        </p:nvSpPr>
+        <p:spPr>
+          <a:xfrm>
+            <a:off x="457200" y="5181600"/>
+            <a:ext cx="8229600" cy="923330"/>
+          </a:xfrm>
+          <a:prstGeom prst="rect">
+            <a:avLst/>
+          </a:prstGeom>
+          <a:solidFill>
+            <a:srgbClr val="000000"/>
+          </a:solidFill>
+        </p:spPr>
+        <p:txBody>
+          <a:bodyPr wrap="square" rtlCol="0">
+            <a:spAutoFit/>
+          </a:bodyPr>
+          <a:lstStyle/>
+          <a:p>
+            <a:pPr algn="just"/>
+            <a:r>
+              <a:rPr lang="en-US" dirty="0" err="1">
+                <a:solidFill>
+                  <a:srgbClr val="66D9EF"/>
+                </a:solidFill>
+                <a:latin typeface="Menlo" charset="0"/>
+              </a:rPr>
+              <a:t>var</a:t>
+            </a:r>
+            <a:r>
+              <a:rPr lang="en-US" dirty="0">
+                <a:solidFill>
+                  <a:srgbClr val="F8F8F2"/>
+                </a:solidFill>
+                <a:latin typeface="Menlo" charset="0"/>
+              </a:rPr>
+              <a:t> </a:t>
+            </a:r>
+            <a:r>
+              <a:rPr lang="en-US" dirty="0">
+                <a:solidFill>
+                  <a:srgbClr val="A6E22E"/>
+                </a:solidFill>
+                <a:latin typeface="Menlo" charset="0"/>
+              </a:rPr>
+              <a:t>square</a:t>
+            </a:r>
+            <a:r>
+              <a:rPr lang="en-US" dirty="0">
+                <a:solidFill>
+                  <a:srgbClr val="F8F8F2"/>
+                </a:solidFill>
+                <a:latin typeface="Menlo" charset="0"/>
+              </a:rPr>
+              <a:t> </a:t>
+            </a:r>
+            <a:r>
+              <a:rPr lang="en-US" dirty="0">
+                <a:solidFill>
+                  <a:srgbClr val="F92672"/>
+                </a:solidFill>
+                <a:latin typeface="Menlo" charset="0"/>
+              </a:rPr>
+              <a:t>=</a:t>
+            </a:r>
+            <a:r>
+              <a:rPr lang="en-US" dirty="0">
+                <a:solidFill>
+                  <a:srgbClr val="F8F8F2"/>
+                </a:solidFill>
+                <a:latin typeface="Menlo" charset="0"/>
+              </a:rPr>
+              <a:t> </a:t>
+            </a:r>
+            <a:r>
+              <a:rPr lang="en-US" dirty="0">
+                <a:solidFill>
+                  <a:srgbClr val="66D9EF"/>
+                </a:solidFill>
+                <a:latin typeface="Menlo" charset="0"/>
+              </a:rPr>
+              <a:t>function</a:t>
+            </a:r>
+            <a:r>
+              <a:rPr lang="en-US" dirty="0">
+                <a:solidFill>
+                  <a:srgbClr val="F8F8F2"/>
+                </a:solidFill>
+                <a:latin typeface="Menlo" charset="0"/>
+              </a:rPr>
+              <a:t> (</a:t>
+            </a:r>
+            <a:r>
+              <a:rPr lang="en-US" dirty="0">
+                <a:solidFill>
+                  <a:srgbClr val="A6E22E"/>
+                </a:solidFill>
+                <a:latin typeface="Menlo" charset="0"/>
+              </a:rPr>
+              <a:t>x</a:t>
+            </a:r>
+            <a:r>
+              <a:rPr lang="en-US" dirty="0">
+                <a:solidFill>
+                  <a:srgbClr val="F8F8F2"/>
+                </a:solidFill>
+                <a:latin typeface="Menlo" charset="0"/>
+              </a:rPr>
+              <a:t>) {</a:t>
+            </a:r>
+          </a:p>
+          <a:p>
+            <a:pPr algn="just"/>
+            <a:r>
+              <a:rPr lang="en-US" dirty="0">
+                <a:solidFill>
+                  <a:srgbClr val="F8F8F2"/>
+                </a:solidFill>
+                <a:latin typeface="Menlo" charset="0"/>
+              </a:rPr>
+              <a:t>  </a:t>
+            </a:r>
+            <a:r>
+              <a:rPr lang="en-US" dirty="0">
+                <a:solidFill>
+                  <a:srgbClr val="66D9EF"/>
+                </a:solidFill>
+                <a:latin typeface="Menlo" charset="0"/>
+              </a:rPr>
+              <a:t>return</a:t>
+            </a:r>
+            <a:r>
+              <a:rPr lang="en-US" dirty="0">
+                <a:solidFill>
+                  <a:srgbClr val="F8F8F2"/>
+                </a:solidFill>
+                <a:latin typeface="Menlo" charset="0"/>
+              </a:rPr>
+              <a:t> </a:t>
+            </a:r>
+            <a:r>
+              <a:rPr lang="en-US" dirty="0">
+                <a:solidFill>
+                  <a:srgbClr val="A6E22E"/>
+                </a:solidFill>
+                <a:latin typeface="Menlo" charset="0"/>
+              </a:rPr>
+              <a:t>x</a:t>
+            </a:r>
+            <a:r>
+              <a:rPr lang="en-US" dirty="0">
+                <a:solidFill>
+                  <a:srgbClr val="F8F8F2"/>
+                </a:solidFill>
+                <a:latin typeface="Menlo" charset="0"/>
+              </a:rPr>
+              <a:t> </a:t>
+            </a:r>
+            <a:r>
+              <a:rPr lang="en-US" dirty="0">
+                <a:solidFill>
+                  <a:srgbClr val="F92672"/>
+                </a:solidFill>
+                <a:latin typeface="Menlo" charset="0"/>
+              </a:rPr>
+              <a:t>*</a:t>
+            </a:r>
+            <a:r>
+              <a:rPr lang="en-US" dirty="0">
+                <a:solidFill>
+                  <a:srgbClr val="F8F8F2"/>
+                </a:solidFill>
+                <a:latin typeface="Menlo" charset="0"/>
+              </a:rPr>
+              <a:t> </a:t>
+            </a:r>
+            <a:r>
+              <a:rPr lang="en-US" dirty="0">
+                <a:solidFill>
+                  <a:srgbClr val="A6E22E"/>
+                </a:solidFill>
+                <a:latin typeface="Menlo" charset="0"/>
+              </a:rPr>
+              <a:t>x</a:t>
+            </a:r>
+            <a:r>
+              <a:rPr lang="en-US" dirty="0">
+                <a:solidFill>
+                  <a:srgbClr val="F8F8F2"/>
+                </a:solidFill>
+                <a:latin typeface="Menlo" charset="0"/>
+              </a:rPr>
+              <a:t>;</a:t>
+            </a:r>
+          </a:p>
+          <a:p>
+            <a:pPr algn="just"/>
+            <a:r>
+              <a:rPr lang="uk-UA" dirty="0">
+                <a:solidFill>
+                  <a:srgbClr val="F8F8F2"/>
+                </a:solidFill>
+                <a:latin typeface="Menlo" charset="0"/>
+              </a:rPr>
+              <a:t>};</a:t>
+            </a:r>
+          </a:p>
+        </p:txBody>
+      </p:sp>
+    </p:spTree>
+    <p:extLst>
+      <p:ext uri="{BB962C8B-B14F-4D97-AF65-F5344CB8AC3E}">
+        <p14:creationId xmlns:p14="http://schemas.microsoft.com/office/powerpoint/2010/main" val="953069254"/>
+      </p:ext>
+    </p:extLst>
+  </p:cSld>
+  <p:clrMapOvr>
+    <a:masterClrMapping/>
+  </p:clrMapOvr>
+  <p:timing>
+    <p:tnLst>
+      <p:par>
+        <p:cTn id="1" dur="indefinite" restart="never" nodeType="tmRoot"/>
+      </p:par>
+    </p:tnLst>
+  </p:timing>
 </p:sld>
 </file>
 

--- a/pennapps-nodejs-workshop.pptx
+++ b/pennapps-nodejs-workshop.pptx
@@ -5,10 +5,10 @@
     <p:sldMasterId id="2147483648" r:id="rId1"/>
   </p:sldMasterIdLst>
   <p:notesMasterIdLst>
-    <p:notesMasterId r:id="rId24"/>
+    <p:notesMasterId r:id="rId38"/>
   </p:notesMasterIdLst>
   <p:handoutMasterIdLst>
-    <p:handoutMasterId r:id="rId25"/>
+    <p:handoutMasterId r:id="rId39"/>
   </p:handoutMasterIdLst>
   <p:sldIdLst>
     <p:sldId id="256" r:id="rId2"/>
@@ -33,6 +33,20 @@
     <p:sldId id="271" r:id="rId21"/>
     <p:sldId id="277" r:id="rId22"/>
     <p:sldId id="278" r:id="rId23"/>
+    <p:sldId id="279" r:id="rId24"/>
+    <p:sldId id="280" r:id="rId25"/>
+    <p:sldId id="281" r:id="rId26"/>
+    <p:sldId id="282" r:id="rId27"/>
+    <p:sldId id="283" r:id="rId28"/>
+    <p:sldId id="284" r:id="rId29"/>
+    <p:sldId id="285" r:id="rId30"/>
+    <p:sldId id="286" r:id="rId31"/>
+    <p:sldId id="287" r:id="rId32"/>
+    <p:sldId id="288" r:id="rId33"/>
+    <p:sldId id="289" r:id="rId34"/>
+    <p:sldId id="290" r:id="rId35"/>
+    <p:sldId id="291" r:id="rId36"/>
+    <p:sldId id="292" r:id="rId37"/>
   </p:sldIdLst>
   <p:sldSz cx="9144000" cy="6858000" type="screen4x3"/>
   <p:notesSz cx="6858000" cy="9144000"/>
@@ -751,6 +765,90 @@
 </p:notes>
 </file>
 
+<file path=ppt/notesSlides/notesSlide2.xml><?xml version="1.0" encoding="utf-8"?>
+<p:notes xmlns:a="http://schemas.openxmlformats.org/drawingml/2006/main" xmlns:r="http://schemas.openxmlformats.org/officeDocument/2006/relationships" xmlns:p="http://schemas.openxmlformats.org/presentationml/2006/main">
+  <p:cSld>
+    <p:spTree>
+      <p:nvGrpSpPr>
+        <p:cNvPr id="1" name=""/>
+        <p:cNvGrpSpPr/>
+        <p:nvPr/>
+      </p:nvGrpSpPr>
+      <p:grpSpPr>
+        <a:xfrm>
+          <a:off x="0" y="0"/>
+          <a:ext cx="0" cy="0"/>
+          <a:chOff x="0" y="0"/>
+          <a:chExt cx="0" cy="0"/>
+        </a:xfrm>
+      </p:grpSpPr>
+      <p:sp>
+        <p:nvSpPr>
+          <p:cNvPr id="2" name="Slide Image Placeholder 1"/>
+          <p:cNvSpPr>
+            <a:spLocks noGrp="1" noRot="1" noChangeAspect="1"/>
+          </p:cNvSpPr>
+          <p:nvPr>
+            <p:ph type="sldImg"/>
+          </p:nvPr>
+        </p:nvSpPr>
+        <p:spPr/>
+      </p:sp>
+      <p:sp>
+        <p:nvSpPr>
+          <p:cNvPr id="3" name="Notes Placeholder 2"/>
+          <p:cNvSpPr>
+            <a:spLocks noGrp="1"/>
+          </p:cNvSpPr>
+          <p:nvPr>
+            <p:ph type="body" idx="1"/>
+          </p:nvPr>
+        </p:nvSpPr>
+        <p:spPr/>
+        <p:txBody>
+          <a:bodyPr/>
+          <a:lstStyle/>
+          <a:p>
+            <a:endParaRPr lang="en-US"/>
+          </a:p>
+        </p:txBody>
+      </p:sp>
+      <p:sp>
+        <p:nvSpPr>
+          <p:cNvPr id="4" name="Slide Number Placeholder 3"/>
+          <p:cNvSpPr>
+            <a:spLocks noGrp="1"/>
+          </p:cNvSpPr>
+          <p:nvPr>
+            <p:ph type="sldNum" sz="quarter" idx="10"/>
+          </p:nvPr>
+        </p:nvSpPr>
+        <p:spPr/>
+        <p:txBody>
+          <a:bodyPr/>
+          <a:lstStyle/>
+          <a:p>
+            <a:fld id="{83983432-4A10-594C-BA1A-6337BBB178BC}" type="slidenum">
+              <a:rPr lang="en-US" smtClean="0"/>
+              <a:t>26</a:t>
+            </a:fld>
+            <a:endParaRPr lang="en-US"/>
+          </a:p>
+        </p:txBody>
+      </p:sp>
+    </p:spTree>
+    <p:extLst>
+      <p:ext uri="{BB962C8B-B14F-4D97-AF65-F5344CB8AC3E}">
+        <p14:creationId xmlns:p14="http://schemas.microsoft.com/office/powerpoint/2010/main" val="1136605619"/>
+      </p:ext>
+    </p:extLst>
+  </p:cSld>
+  <p:clrMapOvr>
+    <a:masterClrMapping/>
+  </p:clrMapOvr>
+</p:notes>
+</file>
+
 <file path=ppt/slideLayouts/slideLayout1.xml><?xml version="1.0" encoding="utf-8"?>
 <p:sldLayout xmlns:a="http://schemas.openxmlformats.org/drawingml/2006/main" xmlns:r="http://schemas.openxmlformats.org/officeDocument/2006/relationships" xmlns:p="http://schemas.openxmlformats.org/presentationml/2006/main" type="title" preserve="1">
   <p:cSld name="Title Slide">
@@ -930,9 +1028,9 @@
           <a:bodyPr/>
           <a:lstStyle/>
           <a:p>
-            <a:fld id="{9AE07DFB-E25B-4944-B629-CCDA16D5402B}" type="datetime1">
+            <a:fld id="{63FC11B4-9C40-BE43-A72B-C6325E56FFB6}" type="datetime1">
               <a:rPr lang="en-US" smtClean="0"/>
-              <a:t>9/9/16</a:t>
+              <a:t>9/10/16</a:t>
             </a:fld>
             <a:endParaRPr lang="en-US"/>
           </a:p>
@@ -955,7 +1053,7 @@
           <a:p>
             <a:r>
               <a:rPr lang="de-DE" smtClean="0"/>
-              <a:t>PennApps Node JS Workshop</a:t>
+              <a:t>All slides can be found at pennapps-nodejs-workshop.herokuapp.com</a:t>
             </a:r>
             <a:endParaRPr lang="en-US"/>
           </a:p>
@@ -994,6 +1092,13 @@
   <p:clrMapOvr>
     <a:masterClrMapping/>
   </p:clrMapOvr>
+  <p:timing>
+    <p:tnLst>
+      <p:par>
+        <p:cTn id="1" dur="indefinite" restart="never" nodeType="tmRoot"/>
+      </p:par>
+    </p:tnLst>
+  </p:timing>
 </p:sldLayout>
 </file>
 
@@ -1104,9 +1209,9 @@
           <a:bodyPr/>
           <a:lstStyle/>
           <a:p>
-            <a:fld id="{81BDE211-5F51-204C-BF92-DA25A5F7E416}" type="datetime1">
+            <a:fld id="{3CE774A8-D395-1449-935A-3B1005B314EB}" type="datetime1">
               <a:rPr lang="en-US" smtClean="0"/>
-              <a:t>9/9/16</a:t>
+              <a:t>9/10/16</a:t>
             </a:fld>
             <a:endParaRPr lang="en-US"/>
           </a:p>
@@ -1129,7 +1234,7 @@
           <a:p>
             <a:r>
               <a:rPr lang="de-DE" smtClean="0"/>
-              <a:t>PennApps Node JS Workshop</a:t>
+              <a:t>All slides can be found at pennapps-nodejs-workshop.herokuapp.com</a:t>
             </a:r>
             <a:endParaRPr lang="en-US"/>
           </a:p>
@@ -1288,9 +1393,9 @@
           <a:bodyPr/>
           <a:lstStyle/>
           <a:p>
-            <a:fld id="{9161FE90-A0CC-4B4C-98DA-E401C3E2CF44}" type="datetime1">
+            <a:fld id="{B073E401-F5AC-7E4B-84E6-12EC2F536BA5}" type="datetime1">
               <a:rPr lang="en-US" smtClean="0"/>
-              <a:t>9/9/16</a:t>
+              <a:t>9/10/16</a:t>
             </a:fld>
             <a:endParaRPr lang="en-US"/>
           </a:p>
@@ -1313,7 +1418,7 @@
           <a:p>
             <a:r>
               <a:rPr lang="de-DE" smtClean="0"/>
-              <a:t>PennApps Node JS Workshop</a:t>
+              <a:t>All slides can be found at pennapps-nodejs-workshop.herokuapp.com</a:t>
             </a:r>
             <a:endParaRPr lang="en-US"/>
           </a:p>
@@ -1449,47 +1554,65 @@
       </p:sp>
       <p:sp>
         <p:nvSpPr>
-          <p:cNvPr id="4" name="Date Placeholder 3"/>
-          <p:cNvSpPr>
-            <a:spLocks noGrp="1"/>
-          </p:cNvSpPr>
-          <p:nvPr>
-            <p:ph type="dt" sz="half" idx="10"/>
-          </p:nvPr>
-        </p:nvSpPr>
-        <p:spPr/>
+          <p:cNvPr id="5" name="Footer Placeholder 4"/>
+          <p:cNvSpPr>
+            <a:spLocks noGrp="1"/>
+          </p:cNvSpPr>
+          <p:nvPr>
+            <p:ph type="ftr" sz="quarter" idx="11"/>
+          </p:nvPr>
+        </p:nvSpPr>
+        <p:spPr>
+          <a:xfrm>
+            <a:off x="1333500" y="6356350"/>
+            <a:ext cx="6477000" cy="365125"/>
+          </a:xfrm>
+        </p:spPr>
         <p:txBody>
           <a:bodyPr/>
           <a:lstStyle/>
           <a:p>
-            <a:fld id="{E738DB40-9393-FC4C-A65A-04CE49023BA4}" type="datetime1">
-              <a:rPr lang="en-US" smtClean="0"/>
-              <a:t>9/9/16</a:t>
-            </a:fld>
-            <a:endParaRPr lang="en-US"/>
-          </a:p>
-        </p:txBody>
-      </p:sp>
-      <p:sp>
-        <p:nvSpPr>
-          <p:cNvPr id="5" name="Footer Placeholder 4"/>
-          <p:cNvSpPr>
-            <a:spLocks noGrp="1"/>
-          </p:cNvSpPr>
-          <p:nvPr>
-            <p:ph type="ftr" sz="quarter" idx="11"/>
-          </p:nvPr>
-        </p:nvSpPr>
-        <p:spPr/>
-        <p:txBody>
-          <a:bodyPr/>
-          <a:lstStyle/>
-          <a:p>
-            <a:r>
-              <a:rPr lang="de-DE" smtClean="0"/>
-              <a:t>PennApps Node JS Workshop</a:t>
-            </a:r>
-            <a:endParaRPr lang="en-US"/>
+            <a:r>
+              <a:rPr lang="de-DE" dirty="0" smtClean="0"/>
+              <a:t>All </a:t>
+            </a:r>
+            <a:r>
+              <a:rPr lang="de-DE" dirty="0" err="1" smtClean="0"/>
+              <a:t>slides</a:t>
+            </a:r>
+            <a:r>
+              <a:rPr lang="de-DE" dirty="0" smtClean="0"/>
+              <a:t> </a:t>
+            </a:r>
+            <a:r>
+              <a:rPr lang="de-DE" dirty="0" err="1" smtClean="0"/>
+              <a:t>can</a:t>
+            </a:r>
+            <a:r>
+              <a:rPr lang="de-DE" dirty="0" smtClean="0"/>
+              <a:t> </a:t>
+            </a:r>
+            <a:r>
+              <a:rPr lang="de-DE" dirty="0" err="1" smtClean="0"/>
+              <a:t>be</a:t>
+            </a:r>
+            <a:r>
+              <a:rPr lang="de-DE" dirty="0" smtClean="0"/>
+              <a:t> </a:t>
+            </a:r>
+            <a:r>
+              <a:rPr lang="de-DE" dirty="0" err="1" smtClean="0"/>
+              <a:t>found</a:t>
+            </a:r>
+            <a:r>
+              <a:rPr lang="de-DE" dirty="0" smtClean="0"/>
+              <a:t> at </a:t>
+            </a:r>
+            <a:r>
+              <a:rPr lang="de-DE" dirty="0" err="1" smtClean="0"/>
+              <a:t>pennapps-nodejs-workshop.herokuapp.com</a:t>
+            </a:r>
+            <a:endParaRPr lang="en-US" dirty="0"/>
           </a:p>
         </p:txBody>
       </p:sp>
@@ -1503,7 +1626,12 @@
             <p:ph type="sldNum" sz="quarter" idx="12"/>
           </p:nvPr>
         </p:nvSpPr>
-        <p:spPr/>
+        <p:spPr>
+          <a:xfrm>
+            <a:off x="8153400" y="6356350"/>
+            <a:ext cx="533400" cy="365125"/>
+          </a:xfrm>
+        </p:spPr>
         <p:txBody>
           <a:bodyPr/>
           <a:lstStyle/>
@@ -1526,6 +1654,13 @@
   <p:clrMapOvr>
     <a:masterClrMapping/>
   </p:clrMapOvr>
+  <p:timing>
+    <p:tnLst>
+      <p:par>
+        <p:cTn id="1" dur="indefinite" restart="never" nodeType="tmRoot"/>
+      </p:par>
+    </p:tnLst>
+  </p:timing>
 </p:sldLayout>
 </file>
 
@@ -1712,9 +1847,9 @@
           <a:bodyPr/>
           <a:lstStyle/>
           <a:p>
-            <a:fld id="{5686CF76-BDA6-2847-9095-835FEFD9FF50}" type="datetime1">
+            <a:fld id="{494C82B4-8059-124F-92EF-688E1A345153}" type="datetime1">
               <a:rPr lang="en-US" smtClean="0"/>
-              <a:t>9/9/16</a:t>
+              <a:t>9/10/16</a:t>
             </a:fld>
             <a:endParaRPr lang="en-US"/>
           </a:p>
@@ -1737,7 +1872,7 @@
           <a:p>
             <a:r>
               <a:rPr lang="de-DE" smtClean="0"/>
-              <a:t>PennApps Node JS Workshop</a:t>
+              <a:t>All slides can be found at pennapps-nodejs-workshop.herokuapp.com</a:t>
             </a:r>
             <a:endParaRPr lang="en-US"/>
           </a:p>
@@ -1776,6 +1911,13 @@
   <p:clrMapOvr>
     <a:masterClrMapping/>
   </p:clrMapOvr>
+  <p:timing>
+    <p:tnLst>
+      <p:par>
+        <p:cTn id="1" dur="indefinite" restart="never" nodeType="tmRoot"/>
+      </p:par>
+    </p:tnLst>
+  </p:timing>
 </p:sldLayout>
 </file>
 
@@ -2004,9 +2146,9 @@
           <a:bodyPr/>
           <a:lstStyle/>
           <a:p>
-            <a:fld id="{3E2783AD-460F-0E4D-9867-79E812A04865}" type="datetime1">
+            <a:fld id="{6B95F5C9-D87B-4441-A2AD-A747384C39D1}" type="datetime1">
               <a:rPr lang="en-US" smtClean="0"/>
-              <a:t>9/9/16</a:t>
+              <a:t>9/10/16</a:t>
             </a:fld>
             <a:endParaRPr lang="en-US"/>
           </a:p>
@@ -2029,7 +2171,7 @@
           <a:p>
             <a:r>
               <a:rPr lang="de-DE" smtClean="0"/>
-              <a:t>PennApps Node JS Workshop</a:t>
+              <a:t>All slides can be found at pennapps-nodejs-workshop.herokuapp.com</a:t>
             </a:r>
             <a:endParaRPr lang="en-US"/>
           </a:p>
@@ -2430,9 +2572,9 @@
           <a:bodyPr/>
           <a:lstStyle/>
           <a:p>
-            <a:fld id="{C43FF4F4-B41D-9348-BFB2-856BF6234386}" type="datetime1">
+            <a:fld id="{C9FE2E5B-E10A-5B47-B3C6-6F16D99CD3BD}" type="datetime1">
               <a:rPr lang="en-US" smtClean="0"/>
-              <a:t>9/9/16</a:t>
+              <a:t>9/10/16</a:t>
             </a:fld>
             <a:endParaRPr lang="en-US"/>
           </a:p>
@@ -2455,7 +2597,7 @@
           <a:p>
             <a:r>
               <a:rPr lang="de-DE" smtClean="0"/>
-              <a:t>PennApps Node JS Workshop</a:t>
+              <a:t>All slides can be found at pennapps-nodejs-workshop.herokuapp.com</a:t>
             </a:r>
             <a:endParaRPr lang="en-US"/>
           </a:p>
@@ -2552,9 +2694,9 @@
           <a:bodyPr/>
           <a:lstStyle/>
           <a:p>
-            <a:fld id="{C4A2C9DA-BAA0-4648-91B2-40887710CC56}" type="datetime1">
+            <a:fld id="{30467E2D-5F90-F341-902C-FF02E38AE6DC}" type="datetime1">
               <a:rPr lang="en-US" smtClean="0"/>
-              <a:t>9/9/16</a:t>
+              <a:t>9/10/16</a:t>
             </a:fld>
             <a:endParaRPr lang="en-US"/>
           </a:p>
@@ -2577,7 +2719,7 @@
           <a:p>
             <a:r>
               <a:rPr lang="de-DE" smtClean="0"/>
-              <a:t>PennApps Node JS Workshop</a:t>
+              <a:t>All slides can be found at pennapps-nodejs-workshop.herokuapp.com</a:t>
             </a:r>
             <a:endParaRPr lang="en-US"/>
           </a:p>
@@ -2651,9 +2793,9 @@
           <a:bodyPr/>
           <a:lstStyle/>
           <a:p>
-            <a:fld id="{D69890AA-36CC-8344-9311-3BA8EBDE6AC8}" type="datetime1">
+            <a:fld id="{B4C85139-DFBD-EE45-AEA9-947089A78FB8}" type="datetime1">
               <a:rPr lang="en-US" smtClean="0"/>
-              <a:t>9/9/16</a:t>
+              <a:t>9/10/16</a:t>
             </a:fld>
             <a:endParaRPr lang="en-US"/>
           </a:p>
@@ -2676,7 +2818,7 @@
           <a:p>
             <a:r>
               <a:rPr lang="de-DE" smtClean="0"/>
-              <a:t>PennApps Node JS Workshop</a:t>
+              <a:t>All slides can be found at pennapps-nodejs-workshop.herokuapp.com</a:t>
             </a:r>
             <a:endParaRPr lang="en-US"/>
           </a:p>
@@ -2932,9 +3074,9 @@
           <a:bodyPr/>
           <a:lstStyle/>
           <a:p>
-            <a:fld id="{6A9DA1DE-BA21-D144-BF6E-B42DA0039A0A}" type="datetime1">
+            <a:fld id="{B8DE9379-D931-C047-912B-62C447A7B8F2}" type="datetime1">
               <a:rPr lang="en-US" smtClean="0"/>
-              <a:t>9/9/16</a:t>
+              <a:t>9/10/16</a:t>
             </a:fld>
             <a:endParaRPr lang="en-US"/>
           </a:p>
@@ -2957,7 +3099,7 @@
           <a:p>
             <a:r>
               <a:rPr lang="de-DE" smtClean="0"/>
-              <a:t>PennApps Node JS Workshop</a:t>
+              <a:t>All slides can be found at pennapps-nodejs-workshop.herokuapp.com</a:t>
             </a:r>
             <a:endParaRPr lang="en-US"/>
           </a:p>
@@ -3193,9 +3335,9 @@
           <a:bodyPr/>
           <a:lstStyle/>
           <a:p>
-            <a:fld id="{ADE207F1-99E2-CE47-BF44-96ECD642AF81}" type="datetime1">
+            <a:fld id="{5843A0C2-448E-F94A-9200-5693B1A73441}" type="datetime1">
               <a:rPr lang="en-US" smtClean="0"/>
-              <a:t>9/9/16</a:t>
+              <a:t>9/10/16</a:t>
             </a:fld>
             <a:endParaRPr lang="en-US"/>
           </a:p>
@@ -3218,7 +3360,7 @@
           <a:p>
             <a:r>
               <a:rPr lang="de-DE" smtClean="0"/>
-              <a:t>PennApps Node JS Workshop</a:t>
+              <a:t>All slides can be found at pennapps-nodejs-workshop.herokuapp.com</a:t>
             </a:r>
             <a:endParaRPr lang="en-US"/>
           </a:p>
@@ -3410,9 +3552,9 @@
             </a:lvl1pPr>
           </a:lstStyle>
           <a:p>
-            <a:fld id="{C417F56F-DB95-B44B-BA3A-BDB6B9E1C54D}" type="datetime1">
+            <a:fld id="{5311EDDD-65A7-D64A-B540-4F25661A140C}" type="datetime1">
               <a:rPr lang="en-US" smtClean="0"/>
-              <a:t>9/9/16</a:t>
+              <a:t>9/10/16</a:t>
             </a:fld>
             <a:endParaRPr lang="en-US"/>
           </a:p>
@@ -3453,7 +3595,7 @@
           <a:p>
             <a:r>
               <a:rPr lang="de-DE" smtClean="0"/>
-              <a:t>PennApps Node JS Workshop</a:t>
+              <a:t>All slides can be found at pennapps-nodejs-workshop.herokuapp.com</a:t>
             </a:r>
             <a:endParaRPr lang="en-US"/>
           </a:p>
@@ -3521,6 +3663,13 @@
     <p:sldLayoutId id="2147483658" r:id="rId10"/>
     <p:sldLayoutId id="2147483659" r:id="rId11"/>
   </p:sldLayoutIdLst>
+  <p:timing>
+    <p:tnLst>
+      <p:par>
+        <p:cTn id="1" dur="indefinite" restart="never" nodeType="tmRoot"/>
+      </p:par>
+    </p:tnLst>
+  </p:timing>
   <p:hf hdr="0" dt="0"/>
   <p:txStyles>
     <p:titleStyle>
@@ -3883,14 +4032,55 @@
             <p:ph type="ftr" sz="quarter" idx="11"/>
           </p:nvPr>
         </p:nvSpPr>
-        <p:spPr/>
+        <p:spPr>
+          <a:xfrm>
+            <a:off x="1905000" y="6356350"/>
+            <a:ext cx="5334001" cy="365125"/>
+          </a:xfrm>
+        </p:spPr>
         <p:txBody>
           <a:bodyPr/>
           <a:lstStyle/>
           <a:p>
             <a:r>
-              <a:rPr lang="de-DE" smtClean="0"/>
-              <a:t>PennApps Node JS Workshop</a:t>
+              <a:rPr lang="de-DE" dirty="0" smtClean="0"/>
+              <a:t>All </a:t>
+            </a:r>
+            <a:r>
+              <a:rPr lang="de-DE" dirty="0" err="1" smtClean="0"/>
+              <a:t>slides</a:t>
+            </a:r>
+            <a:r>
+              <a:rPr lang="de-DE" dirty="0" smtClean="0"/>
+              <a:t> </a:t>
+            </a:r>
+            <a:r>
+              <a:rPr lang="de-DE" dirty="0" err="1" smtClean="0"/>
+              <a:t>can</a:t>
+            </a:r>
+            <a:r>
+              <a:rPr lang="de-DE" dirty="0" smtClean="0"/>
+              <a:t> </a:t>
+            </a:r>
+            <a:r>
+              <a:rPr lang="de-DE" dirty="0" err="1" smtClean="0"/>
+              <a:t>be</a:t>
+            </a:r>
+            <a:r>
+              <a:rPr lang="de-DE" dirty="0" smtClean="0"/>
+              <a:t> </a:t>
+            </a:r>
+            <a:r>
+              <a:rPr lang="de-DE" dirty="0" err="1" smtClean="0"/>
+              <a:t>found</a:t>
+            </a:r>
+            <a:r>
+              <a:rPr lang="de-DE" dirty="0" smtClean="0"/>
+              <a:t> at </a:t>
+            </a:r>
+            <a:r>
+              <a:rPr lang="de-DE" dirty="0" err="1" smtClean="0"/>
+              <a:t>pennapps-nodejs-workshop.herokuapp.com</a:t>
             </a:r>
             <a:endParaRPr lang="en-US" dirty="0"/>
           </a:p>
@@ -3906,7 +4096,12 @@
             <p:ph type="sldNum" sz="quarter" idx="12"/>
           </p:nvPr>
         </p:nvSpPr>
-        <p:spPr/>
+        <p:spPr>
+          <a:xfrm>
+            <a:off x="8305800" y="6356350"/>
+            <a:ext cx="381000" cy="365125"/>
+          </a:xfrm>
+        </p:spPr>
         <p:txBody>
           <a:bodyPr/>
           <a:lstStyle/>
@@ -3915,7 +4110,7 @@
               <a:rPr lang="en-US" smtClean="0"/>
               <a:t>1</a:t>
             </a:fld>
-            <a:endParaRPr lang="en-US"/>
+            <a:endParaRPr lang="en-US" dirty="0"/>
           </a:p>
         </p:txBody>
       </p:sp>
@@ -4055,7 +4250,7 @@
           <a:p>
             <a:r>
               <a:rPr lang="de-DE" smtClean="0"/>
-              <a:t>PennApps Node JS Workshop</a:t>
+              <a:t>All slides can be found at pennapps-nodejs-workshop.herokuapp.com</a:t>
             </a:r>
             <a:endParaRPr lang="en-US"/>
           </a:p>
@@ -4607,7 +4802,7 @@
           <a:p>
             <a:r>
               <a:rPr lang="de-DE" smtClean="0"/>
-              <a:t>PennApps Node JS Workshop</a:t>
+              <a:t>All slides can be found at pennapps-nodejs-workshop.herokuapp.com</a:t>
             </a:r>
             <a:endParaRPr lang="en-US"/>
           </a:p>
@@ -4998,7 +5193,7 @@
           <a:p>
             <a:r>
               <a:rPr lang="de-DE" smtClean="0"/>
-              <a:t>PennApps Node JS Workshop</a:t>
+              <a:t>All slides can be found at pennapps-nodejs-workshop.herokuapp.com</a:t>
             </a:r>
             <a:endParaRPr lang="en-US"/>
           </a:p>
@@ -5624,7 +5819,7 @@
           <a:p>
             <a:r>
               <a:rPr lang="de-DE" smtClean="0"/>
-              <a:t>PennApps Node JS Workshop</a:t>
+              <a:t>All slides can be found at pennapps-nodejs-workshop.herokuapp.com</a:t>
             </a:r>
             <a:endParaRPr lang="en-US"/>
           </a:p>
@@ -5740,7 +5935,7 @@
           <a:p>
             <a:r>
               <a:rPr lang="de-DE" smtClean="0"/>
-              <a:t>PennApps Node JS Workshop</a:t>
+              <a:t>All slides can be found at pennapps-nodejs-workshop.herokuapp.com</a:t>
             </a:r>
             <a:endParaRPr lang="en-US"/>
           </a:p>
@@ -5976,7 +6171,7 @@
           <a:p>
             <a:r>
               <a:rPr lang="de-DE" smtClean="0"/>
-              <a:t>PennApps Node JS Workshop</a:t>
+              <a:t>All slides can be found at pennapps-nodejs-workshop.herokuapp.com</a:t>
             </a:r>
             <a:endParaRPr lang="en-US"/>
           </a:p>
@@ -6382,7 +6577,7 @@
           <a:p>
             <a:r>
               <a:rPr lang="de-DE" smtClean="0"/>
-              <a:t>PennApps Node JS Workshop</a:t>
+              <a:t>All slides can be found at pennapps-nodejs-workshop.herokuapp.com</a:t>
             </a:r>
             <a:endParaRPr lang="en-US"/>
           </a:p>
@@ -6569,7 +6764,7 @@
           <a:p>
             <a:r>
               <a:rPr lang="de-DE" smtClean="0"/>
-              <a:t>PennApps Node JS Workshop</a:t>
+              <a:t>All slides can be found at pennapps-nodejs-workshop.herokuapp.com</a:t>
             </a:r>
             <a:endParaRPr lang="en-US"/>
           </a:p>
@@ -6907,7 +7102,7 @@
           <a:p>
             <a:r>
               <a:rPr lang="de-DE" smtClean="0"/>
-              <a:t>PennApps Node JS Workshop</a:t>
+              <a:t>All slides can be found at pennapps-nodejs-workshop.herokuapp.com</a:t>
             </a:r>
             <a:endParaRPr lang="en-US"/>
           </a:p>
@@ -6949,7 +7144,159 @@
   <p:timing>
     <p:tnLst>
       <p:par>
-        <p:cTn id="1" dur="indefinite" restart="never" nodeType="tmRoot"/>
+        <p:cTn id="1" dur="indefinite" restart="never" nodeType="tmRoot">
+          <p:childTnLst>
+            <p:seq concurrent="1" nextAc="seek">
+              <p:cTn id="2" dur="indefinite" nodeType="mainSeq">
+                <p:childTnLst>
+                  <p:par>
+                    <p:cTn id="3" fill="hold">
+                      <p:stCondLst>
+                        <p:cond delay="indefinite"/>
+                      </p:stCondLst>
+                      <p:childTnLst>
+                        <p:par>
+                          <p:cTn id="4" fill="hold">
+                            <p:stCondLst>
+                              <p:cond delay="0"/>
+                            </p:stCondLst>
+                            <p:childTnLst>
+                              <p:par>
+                                <p:cTn id="5" presetID="1" presetClass="entr" presetSubtype="0" fill="hold" nodeType="clickEffect">
+                                  <p:stCondLst>
+                                    <p:cond delay="0"/>
+                                  </p:stCondLst>
+                                  <p:childTnLst>
+                                    <p:set>
+                                      <p:cBhvr>
+                                        <p:cTn id="6" dur="1" fill="hold">
+                                          <p:stCondLst>
+                                            <p:cond delay="0"/>
+                                          </p:stCondLst>
+                                        </p:cTn>
+                                        <p:tgtEl>
+                                          <p:spTgt spid="3">
+                                            <p:txEl>
+                                              <p:pRg st="1" end="1"/>
+                                            </p:txEl>
+                                          </p:spTgt>
+                                        </p:tgtEl>
+                                        <p:attrNameLst>
+                                          <p:attrName>style.visibility</p:attrName>
+                                        </p:attrNameLst>
+                                      </p:cBhvr>
+                                      <p:to>
+                                        <p:strVal val="visible"/>
+                                      </p:to>
+                                    </p:set>
+                                  </p:childTnLst>
+                                </p:cTn>
+                              </p:par>
+                              <p:par>
+                                <p:cTn id="7" presetID="1" presetClass="entr" presetSubtype="0" fill="hold" nodeType="withEffect">
+                                  <p:stCondLst>
+                                    <p:cond delay="0"/>
+                                  </p:stCondLst>
+                                  <p:childTnLst>
+                                    <p:set>
+                                      <p:cBhvr>
+                                        <p:cTn id="8" dur="1" fill="hold">
+                                          <p:stCondLst>
+                                            <p:cond delay="0"/>
+                                          </p:stCondLst>
+                                        </p:cTn>
+                                        <p:tgtEl>
+                                          <p:spTgt spid="3">
+                                            <p:txEl>
+                                              <p:pRg st="2" end="2"/>
+                                            </p:txEl>
+                                          </p:spTgt>
+                                        </p:tgtEl>
+                                        <p:attrNameLst>
+                                          <p:attrName>style.visibility</p:attrName>
+                                        </p:attrNameLst>
+                                      </p:cBhvr>
+                                      <p:to>
+                                        <p:strVal val="visible"/>
+                                      </p:to>
+                                    </p:set>
+                                  </p:childTnLst>
+                                </p:cTn>
+                              </p:par>
+                            </p:childTnLst>
+                          </p:cTn>
+                        </p:par>
+                      </p:childTnLst>
+                    </p:cTn>
+                  </p:par>
+                  <p:par>
+                    <p:cTn id="9" fill="hold">
+                      <p:stCondLst>
+                        <p:cond delay="indefinite"/>
+                      </p:stCondLst>
+                      <p:childTnLst>
+                        <p:par>
+                          <p:cTn id="10" fill="hold">
+                            <p:stCondLst>
+                              <p:cond delay="0"/>
+                            </p:stCondLst>
+                            <p:childTnLst>
+                              <p:par>
+                                <p:cTn id="11" presetID="1" presetClass="entr" presetSubtype="0" fill="hold" nodeType="clickEffect">
+                                  <p:stCondLst>
+                                    <p:cond delay="0"/>
+                                  </p:stCondLst>
+                                  <p:childTnLst>
+                                    <p:set>
+                                      <p:cBhvr>
+                                        <p:cTn id="12" dur="1" fill="hold">
+                                          <p:stCondLst>
+                                            <p:cond delay="0"/>
+                                          </p:stCondLst>
+                                        </p:cTn>
+                                        <p:tgtEl>
+                                          <p:spTgt spid="3">
+                                            <p:txEl>
+                                              <p:pRg st="3" end="3"/>
+                                            </p:txEl>
+                                          </p:spTgt>
+                                        </p:tgtEl>
+                                        <p:attrNameLst>
+                                          <p:attrName>style.visibility</p:attrName>
+                                        </p:attrNameLst>
+                                      </p:cBhvr>
+                                      <p:to>
+                                        <p:strVal val="visible"/>
+                                      </p:to>
+                                    </p:set>
+                                  </p:childTnLst>
+                                </p:cTn>
+                              </p:par>
+                            </p:childTnLst>
+                          </p:cTn>
+                        </p:par>
+                      </p:childTnLst>
+                    </p:cTn>
+                  </p:par>
+                </p:childTnLst>
+              </p:cTn>
+              <p:prevCondLst>
+                <p:cond evt="onPrev" delay="0">
+                  <p:tgtEl>
+                    <p:sldTgt/>
+                  </p:tgtEl>
+                </p:cond>
+              </p:prevCondLst>
+              <p:nextCondLst>
+                <p:cond evt="onNext" delay="0">
+                  <p:tgtEl>
+                    <p:sldTgt/>
+                  </p:tgtEl>
+                </p:cond>
+              </p:nextCondLst>
+            </p:seq>
+          </p:childTnLst>
+        </p:cTn>
       </p:par>
     </p:tnLst>
   </p:timing>
@@ -7118,7 +7465,7 @@
           <a:p>
             <a:r>
               <a:rPr lang="de-DE" smtClean="0"/>
-              <a:t>PennApps Node JS Workshop</a:t>
+              <a:t>All slides can be found at pennapps-nodejs-workshop.herokuapp.com</a:t>
             </a:r>
             <a:endParaRPr lang="en-US"/>
           </a:p>
@@ -7462,7 +7809,7 @@
           <a:p>
             <a:r>
               <a:rPr lang="de-DE" smtClean="0"/>
-              <a:t>PennApps Node JS Workshop</a:t>
+              <a:t>All slides can be found at pennapps-nodejs-workshop.herokuapp.com</a:t>
             </a:r>
             <a:endParaRPr lang="en-US"/>
           </a:p>
@@ -7641,7 +7988,7 @@
           <a:p>
             <a:r>
               <a:rPr lang="de-DE" smtClean="0"/>
-              <a:t>PennApps Node JS Workshop</a:t>
+              <a:t>All slides can be found at pennapps-nodejs-workshop.herokuapp.com</a:t>
             </a:r>
             <a:endParaRPr lang="en-US"/>
           </a:p>
@@ -7683,7 +8030,79 @@
   <p:timing>
     <p:tnLst>
       <p:par>
-        <p:cTn id="1" dur="indefinite" restart="never" nodeType="tmRoot"/>
+        <p:cTn id="1" dur="indefinite" restart="never" nodeType="tmRoot">
+          <p:childTnLst>
+            <p:seq concurrent="1" nextAc="seek">
+              <p:cTn id="2" dur="indefinite" nodeType="mainSeq">
+                <p:childTnLst>
+                  <p:par>
+                    <p:cTn id="3" fill="hold">
+                      <p:stCondLst>
+                        <p:cond delay="indefinite"/>
+                      </p:stCondLst>
+                      <p:childTnLst>
+                        <p:par>
+                          <p:cTn id="4" fill="hold">
+                            <p:stCondLst>
+                              <p:cond delay="0"/>
+                            </p:stCondLst>
+                            <p:childTnLst>
+                              <p:par>
+                                <p:cTn id="5" presetID="1" presetClass="entr" presetSubtype="0" fill="hold" nodeType="clickEffect">
+                                  <p:stCondLst>
+                                    <p:cond delay="0"/>
+                                  </p:stCondLst>
+                                  <p:childTnLst>
+                                    <p:set>
+                                      <p:cBhvr>
+                                        <p:cTn id="6" dur="1" fill="hold">
+                                          <p:stCondLst>
+                                            <p:cond delay="0"/>
+                                          </p:stCondLst>
+                                        </p:cTn>
+                                        <p:tgtEl>
+                                          <p:spTgt spid="3">
+                                            <p:txEl>
+                                              <p:pRg st="1" end="1"/>
+                                            </p:txEl>
+                                          </p:spTgt>
+                                        </p:tgtEl>
+                                        <p:attrNameLst>
+                                          <p:attrName>style.visibility</p:attrName>
+                                        </p:attrNameLst>
+                                      </p:cBhvr>
+                                      <p:to>
+                                        <p:strVal val="visible"/>
+                                      </p:to>
+                                    </p:set>
+                                  </p:childTnLst>
+                                </p:cTn>
+                              </p:par>
+                            </p:childTnLst>
+                          </p:cTn>
+                        </p:par>
+                      </p:childTnLst>
+                    </p:cTn>
+                  </p:par>
+                </p:childTnLst>
+              </p:cTn>
+              <p:prevCondLst>
+                <p:cond evt="onPrev" delay="0">
+                  <p:tgtEl>
+                    <p:sldTgt/>
+                  </p:tgtEl>
+                </p:cond>
+              </p:prevCondLst>
+              <p:nextCondLst>
+                <p:cond evt="onNext" delay="0">
+                  <p:tgtEl>
+                    <p:sldTgt/>
+                  </p:tgtEl>
+                </p:cond>
+              </p:nextCondLst>
+            </p:seq>
+          </p:childTnLst>
+        </p:cTn>
       </p:par>
     </p:tnLst>
   </p:timing>
@@ -7757,7 +8176,7 @@
           <a:p>
             <a:r>
               <a:rPr lang="de-DE" smtClean="0"/>
-              <a:t>PennApps Node JS Workshop</a:t>
+              <a:t>All slides can be found at pennapps-nodejs-workshop.herokuapp.com</a:t>
             </a:r>
             <a:endParaRPr lang="en-US"/>
           </a:p>
@@ -7870,14 +8289,35 @@
           <a:lstStyle/>
           <a:p>
             <a:r>
-              <a:rPr lang="en-US" dirty="0" err="1" smtClean="0"/>
+              <a:rPr lang="en-US" dirty="0" smtClean="0">
+                <a:hlinkClick r:id="rId2"/>
+              </a:rPr>
               <a:t>Node.js</a:t>
             </a:r>
             <a:r>
-              <a:rPr lang="en-US" smtClean="0"/>
-              <a:t> is</a:t>
-            </a:r>
-            <a:endParaRPr lang="en-US"/>
+              <a:rPr lang="en-US" dirty="0" smtClean="0"/>
+              <a:t> is a JavaScript runtime built on </a:t>
+            </a:r>
+            <a:r>
+              <a:rPr lang="en-US" dirty="0" smtClean="0">
+                <a:hlinkClick r:id="rId3"/>
+              </a:rPr>
+              <a:t>Chrome’s V8 JavaScript engine</a:t>
+            </a:r>
+            <a:endParaRPr lang="en-US" dirty="0" smtClean="0"/>
+          </a:p>
+          <a:p>
+            <a:r>
+              <a:rPr lang="en-US" dirty="0" smtClean="0"/>
+              <a:t>Practically, this means you can now run JavaScript outside of the browser</a:t>
+            </a:r>
+          </a:p>
+          <a:p>
+            <a:r>
+              <a:rPr lang="en-US" dirty="0" smtClean="0"/>
+              <a:t>It is NOT a web framework</a:t>
+            </a:r>
+            <a:endParaRPr lang="en-US" dirty="0"/>
           </a:p>
         </p:txBody>
       </p:sp>
@@ -7898,7 +8338,7 @@
           <a:p>
             <a:r>
               <a:rPr lang="de-DE" smtClean="0"/>
-              <a:t>PennApps Node JS Workshop</a:t>
+              <a:t>All slides can be found at pennapps-nodejs-workshop.herokuapp.com</a:t>
             </a:r>
             <a:endParaRPr lang="en-US"/>
           </a:p>
@@ -7931,6 +8371,3677 @@
     <p:extLst>
       <p:ext uri="{BB962C8B-B14F-4D97-AF65-F5344CB8AC3E}">
         <p14:creationId xmlns:p14="http://schemas.microsoft.com/office/powerpoint/2010/main" val="479335111"/>
+      </p:ext>
+    </p:extLst>
+  </p:cSld>
+  <p:clrMapOvr>
+    <a:masterClrMapping/>
+  </p:clrMapOvr>
+  <p:timing>
+    <p:tnLst>
+      <p:par>
+        <p:cTn id="1" dur="indefinite" restart="never" nodeType="tmRoot">
+          <p:childTnLst>
+            <p:seq concurrent="1" nextAc="seek">
+              <p:cTn id="2" dur="indefinite" nodeType="mainSeq">
+                <p:childTnLst>
+                  <p:par>
+                    <p:cTn id="3" fill="hold">
+                      <p:stCondLst>
+                        <p:cond delay="indefinite"/>
+                      </p:stCondLst>
+                      <p:childTnLst>
+                        <p:par>
+                          <p:cTn id="4" fill="hold">
+                            <p:stCondLst>
+                              <p:cond delay="0"/>
+                            </p:stCondLst>
+                            <p:childTnLst>
+                              <p:par>
+                                <p:cTn id="5" presetID="1" presetClass="entr" presetSubtype="0" fill="hold" nodeType="clickEffect">
+                                  <p:stCondLst>
+                                    <p:cond delay="0"/>
+                                  </p:stCondLst>
+                                  <p:childTnLst>
+                                    <p:set>
+                                      <p:cBhvr>
+                                        <p:cTn id="6" dur="1" fill="hold">
+                                          <p:stCondLst>
+                                            <p:cond delay="0"/>
+                                          </p:stCondLst>
+                                        </p:cTn>
+                                        <p:tgtEl>
+                                          <p:spTgt spid="3">
+                                            <p:txEl>
+                                              <p:pRg st="1" end="1"/>
+                                            </p:txEl>
+                                          </p:spTgt>
+                                        </p:tgtEl>
+                                        <p:attrNameLst>
+                                          <p:attrName>style.visibility</p:attrName>
+                                        </p:attrNameLst>
+                                      </p:cBhvr>
+                                      <p:to>
+                                        <p:strVal val="visible"/>
+                                      </p:to>
+                                    </p:set>
+                                  </p:childTnLst>
+                                </p:cTn>
+                              </p:par>
+                            </p:childTnLst>
+                          </p:cTn>
+                        </p:par>
+                      </p:childTnLst>
+                    </p:cTn>
+                  </p:par>
+                  <p:par>
+                    <p:cTn id="7" fill="hold">
+                      <p:stCondLst>
+                        <p:cond delay="indefinite"/>
+                      </p:stCondLst>
+                      <p:childTnLst>
+                        <p:par>
+                          <p:cTn id="8" fill="hold">
+                            <p:stCondLst>
+                              <p:cond delay="0"/>
+                            </p:stCondLst>
+                            <p:childTnLst>
+                              <p:par>
+                                <p:cTn id="9" presetID="1" presetClass="entr" presetSubtype="0" fill="hold" nodeType="clickEffect">
+                                  <p:stCondLst>
+                                    <p:cond delay="0"/>
+                                  </p:stCondLst>
+                                  <p:childTnLst>
+                                    <p:set>
+                                      <p:cBhvr>
+                                        <p:cTn id="10" dur="1" fill="hold">
+                                          <p:stCondLst>
+                                            <p:cond delay="0"/>
+                                          </p:stCondLst>
+                                        </p:cTn>
+                                        <p:tgtEl>
+                                          <p:spTgt spid="3">
+                                            <p:txEl>
+                                              <p:pRg st="2" end="2"/>
+                                            </p:txEl>
+                                          </p:spTgt>
+                                        </p:tgtEl>
+                                        <p:attrNameLst>
+                                          <p:attrName>style.visibility</p:attrName>
+                                        </p:attrNameLst>
+                                      </p:cBhvr>
+                                      <p:to>
+                                        <p:strVal val="visible"/>
+                                      </p:to>
+                                    </p:set>
+                                  </p:childTnLst>
+                                </p:cTn>
+                              </p:par>
+                            </p:childTnLst>
+                          </p:cTn>
+                        </p:par>
+                      </p:childTnLst>
+                    </p:cTn>
+                  </p:par>
+                </p:childTnLst>
+              </p:cTn>
+              <p:prevCondLst>
+                <p:cond evt="onPrev" delay="0">
+                  <p:tgtEl>
+                    <p:sldTgt/>
+                  </p:tgtEl>
+                </p:cond>
+              </p:prevCondLst>
+              <p:nextCondLst>
+                <p:cond evt="onNext" delay="0">
+                  <p:tgtEl>
+                    <p:sldTgt/>
+                  </p:tgtEl>
+                </p:cond>
+              </p:nextCondLst>
+            </p:seq>
+          </p:childTnLst>
+        </p:cTn>
+      </p:par>
+    </p:tnLst>
+  </p:timing>
+</p:sld>
+</file>
+
+<file path=ppt/slides/slide23.xml><?xml version="1.0" encoding="utf-8"?>
+<p:sld xmlns:a="http://schemas.openxmlformats.org/drawingml/2006/main" xmlns:r="http://schemas.openxmlformats.org/officeDocument/2006/relationships" xmlns:p="http://schemas.openxmlformats.org/presentationml/2006/main">
+  <p:cSld>
+    <p:spTree>
+      <p:nvGrpSpPr>
+        <p:cNvPr id="1" name=""/>
+        <p:cNvGrpSpPr/>
+        <p:nvPr/>
+      </p:nvGrpSpPr>
+      <p:grpSpPr>
+        <a:xfrm>
+          <a:off x="0" y="0"/>
+          <a:ext cx="0" cy="0"/>
+          <a:chOff x="0" y="0"/>
+          <a:chExt cx="0" cy="0"/>
+        </a:xfrm>
+      </p:grpSpPr>
+      <p:sp>
+        <p:nvSpPr>
+          <p:cNvPr id="2" name="Title 1"/>
+          <p:cNvSpPr>
+            <a:spLocks noGrp="1"/>
+          </p:cNvSpPr>
+          <p:nvPr>
+            <p:ph type="title"/>
+          </p:nvPr>
+        </p:nvSpPr>
+        <p:spPr/>
+        <p:txBody>
+          <a:bodyPr/>
+          <a:lstStyle/>
+          <a:p>
+            <a:r>
+              <a:rPr lang="en-US" dirty="0" smtClean="0"/>
+              <a:t>Express</a:t>
+            </a:r>
+            <a:endParaRPr lang="en-US" dirty="0"/>
+          </a:p>
+        </p:txBody>
+      </p:sp>
+      <p:sp>
+        <p:nvSpPr>
+          <p:cNvPr id="3" name="Content Placeholder 2"/>
+          <p:cNvSpPr>
+            <a:spLocks noGrp="1"/>
+          </p:cNvSpPr>
+          <p:nvPr>
+            <p:ph idx="1"/>
+          </p:nvPr>
+        </p:nvSpPr>
+        <p:spPr/>
+        <p:txBody>
+          <a:bodyPr/>
+          <a:lstStyle/>
+          <a:p>
+            <a:r>
+              <a:rPr lang="en-US" dirty="0" smtClean="0"/>
+              <a:t>Is a package – must install via </a:t>
+            </a:r>
+            <a:r>
+              <a:rPr lang="en-US" dirty="0" err="1" smtClean="0"/>
+              <a:t>npm</a:t>
+            </a:r>
+            <a:endParaRPr lang="en-US" dirty="0" smtClean="0"/>
+          </a:p>
+          <a:p>
+            <a:r>
+              <a:rPr lang="en-US" dirty="0" smtClean="0"/>
+              <a:t>Handles URL routing, requests, and responses</a:t>
+            </a:r>
+          </a:p>
+          <a:p>
+            <a:r>
+              <a:rPr lang="en-US" dirty="0" smtClean="0"/>
+              <a:t>Is oriented around </a:t>
+            </a:r>
+            <a:r>
+              <a:rPr lang="en-US" dirty="0" err="1" smtClean="0"/>
+              <a:t>middlewares</a:t>
+            </a:r>
+            <a:r>
+              <a:rPr lang="en-US" dirty="0" smtClean="0"/>
+              <a:t> and handler functions</a:t>
+            </a:r>
+            <a:endParaRPr lang="en-US" dirty="0"/>
+          </a:p>
+        </p:txBody>
+      </p:sp>
+      <p:sp>
+        <p:nvSpPr>
+          <p:cNvPr id="4" name="Footer Placeholder 3"/>
+          <p:cNvSpPr>
+            <a:spLocks noGrp="1"/>
+          </p:cNvSpPr>
+          <p:nvPr>
+            <p:ph type="ftr" sz="quarter" idx="11"/>
+          </p:nvPr>
+        </p:nvSpPr>
+        <p:spPr/>
+        <p:txBody>
+          <a:bodyPr/>
+          <a:lstStyle/>
+          <a:p>
+            <a:r>
+              <a:rPr lang="de-DE" smtClean="0"/>
+              <a:t>All slides can be found at pennapps-nodejs-workshop.herokuapp.com</a:t>
+            </a:r>
+            <a:endParaRPr lang="en-US"/>
+          </a:p>
+        </p:txBody>
+      </p:sp>
+      <p:sp>
+        <p:nvSpPr>
+          <p:cNvPr id="5" name="Slide Number Placeholder 4"/>
+          <p:cNvSpPr>
+            <a:spLocks noGrp="1"/>
+          </p:cNvSpPr>
+          <p:nvPr>
+            <p:ph type="sldNum" sz="quarter" idx="12"/>
+          </p:nvPr>
+        </p:nvSpPr>
+        <p:spPr/>
+        <p:txBody>
+          <a:bodyPr/>
+          <a:lstStyle/>
+          <a:p>
+            <a:fld id="{BE7B5DD7-0E96-E44E-B777-0B9A5C3419CF}" type="slidenum">
+              <a:rPr lang="en-US" smtClean="0"/>
+              <a:t>23</a:t>
+            </a:fld>
+            <a:endParaRPr lang="en-US"/>
+          </a:p>
+        </p:txBody>
+      </p:sp>
+    </p:spTree>
+    <p:extLst>
+      <p:ext uri="{BB962C8B-B14F-4D97-AF65-F5344CB8AC3E}">
+        <p14:creationId xmlns:p14="http://schemas.microsoft.com/office/powerpoint/2010/main" val="1420142545"/>
+      </p:ext>
+    </p:extLst>
+  </p:cSld>
+  <p:clrMapOvr>
+    <a:masterClrMapping/>
+  </p:clrMapOvr>
+  <p:timing>
+    <p:tnLst>
+      <p:par>
+        <p:cTn id="1" dur="indefinite" restart="never" nodeType="tmRoot">
+          <p:childTnLst>
+            <p:seq concurrent="1" nextAc="seek">
+              <p:cTn id="2" dur="indefinite" nodeType="mainSeq">
+                <p:childTnLst>
+                  <p:par>
+                    <p:cTn id="3" fill="hold">
+                      <p:stCondLst>
+                        <p:cond delay="indefinite"/>
+                      </p:stCondLst>
+                      <p:childTnLst>
+                        <p:par>
+                          <p:cTn id="4" fill="hold">
+                            <p:stCondLst>
+                              <p:cond delay="0"/>
+                            </p:stCondLst>
+                            <p:childTnLst>
+                              <p:par>
+                                <p:cTn id="5" presetID="1" presetClass="entr" presetSubtype="0" fill="hold" nodeType="clickEffect">
+                                  <p:stCondLst>
+                                    <p:cond delay="0"/>
+                                  </p:stCondLst>
+                                  <p:childTnLst>
+                                    <p:set>
+                                      <p:cBhvr>
+                                        <p:cTn id="6" dur="1" fill="hold">
+                                          <p:stCondLst>
+                                            <p:cond delay="0"/>
+                                          </p:stCondLst>
+                                        </p:cTn>
+                                        <p:tgtEl>
+                                          <p:spTgt spid="3">
+                                            <p:txEl>
+                                              <p:pRg st="1" end="1"/>
+                                            </p:txEl>
+                                          </p:spTgt>
+                                        </p:tgtEl>
+                                        <p:attrNameLst>
+                                          <p:attrName>style.visibility</p:attrName>
+                                        </p:attrNameLst>
+                                      </p:cBhvr>
+                                      <p:to>
+                                        <p:strVal val="visible"/>
+                                      </p:to>
+                                    </p:set>
+                                  </p:childTnLst>
+                                </p:cTn>
+                              </p:par>
+                            </p:childTnLst>
+                          </p:cTn>
+                        </p:par>
+                      </p:childTnLst>
+                    </p:cTn>
+                  </p:par>
+                  <p:par>
+                    <p:cTn id="7" fill="hold">
+                      <p:stCondLst>
+                        <p:cond delay="indefinite"/>
+                      </p:stCondLst>
+                      <p:childTnLst>
+                        <p:par>
+                          <p:cTn id="8" fill="hold">
+                            <p:stCondLst>
+                              <p:cond delay="0"/>
+                            </p:stCondLst>
+                            <p:childTnLst>
+                              <p:par>
+                                <p:cTn id="9" presetID="1" presetClass="entr" presetSubtype="0" fill="hold" nodeType="clickEffect">
+                                  <p:stCondLst>
+                                    <p:cond delay="0"/>
+                                  </p:stCondLst>
+                                  <p:childTnLst>
+                                    <p:set>
+                                      <p:cBhvr>
+                                        <p:cTn id="10" dur="1" fill="hold">
+                                          <p:stCondLst>
+                                            <p:cond delay="0"/>
+                                          </p:stCondLst>
+                                        </p:cTn>
+                                        <p:tgtEl>
+                                          <p:spTgt spid="3">
+                                            <p:txEl>
+                                              <p:pRg st="2" end="2"/>
+                                            </p:txEl>
+                                          </p:spTgt>
+                                        </p:tgtEl>
+                                        <p:attrNameLst>
+                                          <p:attrName>style.visibility</p:attrName>
+                                        </p:attrNameLst>
+                                      </p:cBhvr>
+                                      <p:to>
+                                        <p:strVal val="visible"/>
+                                      </p:to>
+                                    </p:set>
+                                  </p:childTnLst>
+                                </p:cTn>
+                              </p:par>
+                            </p:childTnLst>
+                          </p:cTn>
+                        </p:par>
+                      </p:childTnLst>
+                    </p:cTn>
+                  </p:par>
+                </p:childTnLst>
+              </p:cTn>
+              <p:prevCondLst>
+                <p:cond evt="onPrev" delay="0">
+                  <p:tgtEl>
+                    <p:sldTgt/>
+                  </p:tgtEl>
+                </p:cond>
+              </p:prevCondLst>
+              <p:nextCondLst>
+                <p:cond evt="onNext" delay="0">
+                  <p:tgtEl>
+                    <p:sldTgt/>
+                  </p:tgtEl>
+                </p:cond>
+              </p:nextCondLst>
+            </p:seq>
+          </p:childTnLst>
+        </p:cTn>
+      </p:par>
+    </p:tnLst>
+  </p:timing>
+</p:sld>
+</file>
+
+<file path=ppt/slides/slide24.xml><?xml version="1.0" encoding="utf-8"?>
+<p:sld xmlns:a="http://schemas.openxmlformats.org/drawingml/2006/main" xmlns:r="http://schemas.openxmlformats.org/officeDocument/2006/relationships" xmlns:p="http://schemas.openxmlformats.org/presentationml/2006/main">
+  <p:cSld>
+    <p:spTree>
+      <p:nvGrpSpPr>
+        <p:cNvPr id="1" name=""/>
+        <p:cNvGrpSpPr/>
+        <p:nvPr/>
+      </p:nvGrpSpPr>
+      <p:grpSpPr>
+        <a:xfrm>
+          <a:off x="0" y="0"/>
+          <a:ext cx="0" cy="0"/>
+          <a:chOff x="0" y="0"/>
+          <a:chExt cx="0" cy="0"/>
+        </a:xfrm>
+      </p:grpSpPr>
+      <p:sp>
+        <p:nvSpPr>
+          <p:cNvPr id="2" name="Title 1"/>
+          <p:cNvSpPr>
+            <a:spLocks noGrp="1"/>
+          </p:cNvSpPr>
+          <p:nvPr>
+            <p:ph type="title"/>
+          </p:nvPr>
+        </p:nvSpPr>
+        <p:spPr/>
+        <p:txBody>
+          <a:bodyPr/>
+          <a:lstStyle/>
+          <a:p>
+            <a:r>
+              <a:rPr lang="en-US" dirty="0" smtClean="0"/>
+              <a:t>Hello World Express App</a:t>
+            </a:r>
+            <a:endParaRPr lang="en-US" dirty="0"/>
+          </a:p>
+        </p:txBody>
+      </p:sp>
+      <p:sp>
+        <p:nvSpPr>
+          <p:cNvPr id="3" name="Content Placeholder 2"/>
+          <p:cNvSpPr>
+            <a:spLocks noGrp="1"/>
+          </p:cNvSpPr>
+          <p:nvPr>
+            <p:ph idx="1"/>
+          </p:nvPr>
+        </p:nvSpPr>
+        <p:spPr>
+          <a:solidFill>
+            <a:srgbClr val="000000"/>
+          </a:solidFill>
+        </p:spPr>
+        <p:txBody>
+          <a:bodyPr>
+            <a:normAutofit fontScale="85000" lnSpcReduction="20000"/>
+          </a:bodyPr>
+          <a:lstStyle/>
+          <a:p>
+            <a:pPr marL="0" indent="0">
+              <a:buNone/>
+            </a:pPr>
+            <a:r>
+              <a:rPr lang="en-US" dirty="0" err="1">
+                <a:solidFill>
+                  <a:srgbClr val="66D9EF"/>
+                </a:solidFill>
+                <a:latin typeface="Menlo" charset="0"/>
+              </a:rPr>
+              <a:t>var</a:t>
+            </a:r>
+            <a:r>
+              <a:rPr lang="en-US" dirty="0">
+                <a:solidFill>
+                  <a:srgbClr val="F8F8F2"/>
+                </a:solidFill>
+                <a:latin typeface="Menlo" charset="0"/>
+              </a:rPr>
+              <a:t> </a:t>
+            </a:r>
+            <a:r>
+              <a:rPr lang="en-US" dirty="0">
+                <a:solidFill>
+                  <a:srgbClr val="A6E22E"/>
+                </a:solidFill>
+                <a:latin typeface="Menlo" charset="0"/>
+              </a:rPr>
+              <a:t>express</a:t>
+            </a:r>
+            <a:r>
+              <a:rPr lang="en-US" dirty="0">
+                <a:solidFill>
+                  <a:srgbClr val="F8F8F2"/>
+                </a:solidFill>
+                <a:latin typeface="Menlo" charset="0"/>
+              </a:rPr>
+              <a:t> </a:t>
+            </a:r>
+            <a:r>
+              <a:rPr lang="en-US" dirty="0">
+                <a:solidFill>
+                  <a:srgbClr val="F92672"/>
+                </a:solidFill>
+                <a:latin typeface="Menlo" charset="0"/>
+              </a:rPr>
+              <a:t>=</a:t>
+            </a:r>
+            <a:r>
+              <a:rPr lang="en-US" dirty="0">
+                <a:solidFill>
+                  <a:srgbClr val="F8F8F2"/>
+                </a:solidFill>
+                <a:latin typeface="Menlo" charset="0"/>
+              </a:rPr>
+              <a:t> </a:t>
+            </a:r>
+            <a:r>
+              <a:rPr lang="en-US" dirty="0">
+                <a:solidFill>
+                  <a:srgbClr val="A6E22E"/>
+                </a:solidFill>
+                <a:latin typeface="Menlo" charset="0"/>
+              </a:rPr>
+              <a:t>require</a:t>
+            </a:r>
+            <a:r>
+              <a:rPr lang="en-US" dirty="0">
+                <a:solidFill>
+                  <a:srgbClr val="F8F8F2"/>
+                </a:solidFill>
+                <a:latin typeface="Menlo" charset="0"/>
+              </a:rPr>
+              <a:t>(</a:t>
+            </a:r>
+            <a:r>
+              <a:rPr lang="en-US" dirty="0">
+                <a:solidFill>
+                  <a:srgbClr val="E6DB74"/>
+                </a:solidFill>
+                <a:latin typeface="Menlo" charset="0"/>
+              </a:rPr>
+              <a:t>'express'</a:t>
+            </a:r>
+            <a:r>
+              <a:rPr lang="en-US" dirty="0">
+                <a:solidFill>
+                  <a:srgbClr val="F8F8F2"/>
+                </a:solidFill>
+                <a:latin typeface="Menlo" charset="0"/>
+              </a:rPr>
+              <a:t>);</a:t>
+            </a:r>
+          </a:p>
+          <a:p>
+            <a:pPr marL="0" indent="0">
+              <a:buNone/>
+            </a:pPr>
+            <a:r>
+              <a:rPr lang="en-US" dirty="0" err="1">
+                <a:solidFill>
+                  <a:srgbClr val="66D9EF"/>
+                </a:solidFill>
+                <a:latin typeface="Menlo" charset="0"/>
+              </a:rPr>
+              <a:t>var</a:t>
+            </a:r>
+            <a:r>
+              <a:rPr lang="en-US" dirty="0">
+                <a:solidFill>
+                  <a:srgbClr val="F8F8F2"/>
+                </a:solidFill>
+                <a:latin typeface="Menlo" charset="0"/>
+              </a:rPr>
+              <a:t> </a:t>
+            </a:r>
+            <a:r>
+              <a:rPr lang="en-US" dirty="0">
+                <a:solidFill>
+                  <a:srgbClr val="A6E22E"/>
+                </a:solidFill>
+                <a:latin typeface="Menlo" charset="0"/>
+              </a:rPr>
+              <a:t>app</a:t>
+            </a:r>
+            <a:r>
+              <a:rPr lang="en-US" dirty="0">
+                <a:solidFill>
+                  <a:srgbClr val="F8F8F2"/>
+                </a:solidFill>
+                <a:latin typeface="Menlo" charset="0"/>
+              </a:rPr>
+              <a:t> </a:t>
+            </a:r>
+            <a:r>
+              <a:rPr lang="en-US" dirty="0">
+                <a:solidFill>
+                  <a:srgbClr val="F92672"/>
+                </a:solidFill>
+                <a:latin typeface="Menlo" charset="0"/>
+              </a:rPr>
+              <a:t>=</a:t>
+            </a:r>
+            <a:r>
+              <a:rPr lang="en-US" dirty="0">
+                <a:solidFill>
+                  <a:srgbClr val="F8F8F2"/>
+                </a:solidFill>
+                <a:latin typeface="Menlo" charset="0"/>
+              </a:rPr>
+              <a:t> </a:t>
+            </a:r>
+            <a:r>
+              <a:rPr lang="en-US" dirty="0">
+                <a:solidFill>
+                  <a:srgbClr val="A6E22E"/>
+                </a:solidFill>
+                <a:latin typeface="Menlo" charset="0"/>
+              </a:rPr>
+              <a:t>express</a:t>
+            </a:r>
+            <a:r>
+              <a:rPr lang="en-US" dirty="0">
+                <a:solidFill>
+                  <a:srgbClr val="F8F8F2"/>
+                </a:solidFill>
+                <a:latin typeface="Menlo" charset="0"/>
+              </a:rPr>
+              <a:t>();</a:t>
+            </a:r>
+          </a:p>
+          <a:p>
+            <a:pPr marL="0" indent="0">
+              <a:buNone/>
+            </a:pPr>
+            <a:r>
+              <a:rPr lang="en-US" dirty="0" err="1">
+                <a:solidFill>
+                  <a:srgbClr val="66D9EF"/>
+                </a:solidFill>
+                <a:latin typeface="Menlo" charset="0"/>
+              </a:rPr>
+              <a:t>var</a:t>
+            </a:r>
+            <a:r>
+              <a:rPr lang="en-US" dirty="0">
+                <a:solidFill>
+                  <a:srgbClr val="F8F8F2"/>
+                </a:solidFill>
+                <a:latin typeface="Menlo" charset="0"/>
+              </a:rPr>
+              <a:t> </a:t>
+            </a:r>
+            <a:r>
+              <a:rPr lang="en-US" dirty="0">
+                <a:solidFill>
+                  <a:srgbClr val="A6E22E"/>
+                </a:solidFill>
+                <a:latin typeface="Menlo" charset="0"/>
+              </a:rPr>
+              <a:t>port</a:t>
+            </a:r>
+            <a:r>
+              <a:rPr lang="en-US" dirty="0">
+                <a:solidFill>
+                  <a:srgbClr val="F8F8F2"/>
+                </a:solidFill>
+                <a:latin typeface="Menlo" charset="0"/>
+              </a:rPr>
+              <a:t> </a:t>
+            </a:r>
+            <a:r>
+              <a:rPr lang="en-US" dirty="0">
+                <a:solidFill>
+                  <a:srgbClr val="F92672"/>
+                </a:solidFill>
+                <a:latin typeface="Menlo" charset="0"/>
+              </a:rPr>
+              <a:t>=</a:t>
+            </a:r>
+            <a:r>
+              <a:rPr lang="en-US" dirty="0">
+                <a:solidFill>
+                  <a:srgbClr val="F8F8F2"/>
+                </a:solidFill>
+                <a:latin typeface="Menlo" charset="0"/>
+              </a:rPr>
+              <a:t> </a:t>
+            </a:r>
+            <a:r>
+              <a:rPr lang="en-US" dirty="0" err="1">
+                <a:solidFill>
+                  <a:srgbClr val="A6E22E"/>
+                </a:solidFill>
+                <a:latin typeface="Menlo" charset="0"/>
+              </a:rPr>
+              <a:t>process</a:t>
+            </a:r>
+            <a:r>
+              <a:rPr lang="en-US" dirty="0" err="1">
+                <a:solidFill>
+                  <a:srgbClr val="F8F8F2"/>
+                </a:solidFill>
+                <a:latin typeface="Menlo" charset="0"/>
+              </a:rPr>
+              <a:t>.</a:t>
+            </a:r>
+            <a:r>
+              <a:rPr lang="en-US" dirty="0" err="1">
+                <a:solidFill>
+                  <a:srgbClr val="A6E22E"/>
+                </a:solidFill>
+                <a:latin typeface="Menlo" charset="0"/>
+              </a:rPr>
+              <a:t>env</a:t>
+            </a:r>
+            <a:r>
+              <a:rPr lang="en-US" dirty="0" err="1">
+                <a:solidFill>
+                  <a:srgbClr val="F8F8F2"/>
+                </a:solidFill>
+                <a:latin typeface="Menlo" charset="0"/>
+              </a:rPr>
+              <a:t>.</a:t>
+            </a:r>
+            <a:r>
+              <a:rPr lang="en-US" dirty="0" err="1">
+                <a:solidFill>
+                  <a:srgbClr val="A6E22E"/>
+                </a:solidFill>
+                <a:latin typeface="Menlo" charset="0"/>
+              </a:rPr>
+              <a:t>PORT</a:t>
+            </a:r>
+            <a:r>
+              <a:rPr lang="en-US" dirty="0">
+                <a:solidFill>
+                  <a:srgbClr val="F8F8F2"/>
+                </a:solidFill>
+                <a:latin typeface="Menlo" charset="0"/>
+              </a:rPr>
+              <a:t> </a:t>
+            </a:r>
+            <a:r>
+              <a:rPr lang="en-US" dirty="0">
+                <a:solidFill>
+                  <a:srgbClr val="F92672"/>
+                </a:solidFill>
+                <a:latin typeface="Menlo" charset="0"/>
+              </a:rPr>
+              <a:t>||</a:t>
+            </a:r>
+            <a:r>
+              <a:rPr lang="en-US" dirty="0">
+                <a:solidFill>
+                  <a:srgbClr val="F8F8F2"/>
+                </a:solidFill>
+                <a:latin typeface="Menlo" charset="0"/>
+              </a:rPr>
+              <a:t> </a:t>
+            </a:r>
+            <a:r>
+              <a:rPr lang="en-US" dirty="0">
+                <a:solidFill>
+                  <a:srgbClr val="AE81FF"/>
+                </a:solidFill>
+                <a:latin typeface="Menlo" charset="0"/>
+              </a:rPr>
+              <a:t>3000</a:t>
+            </a:r>
+            <a:r>
+              <a:rPr lang="en-US" dirty="0">
+                <a:solidFill>
+                  <a:srgbClr val="F8F8F2"/>
+                </a:solidFill>
+                <a:latin typeface="Menlo" charset="0"/>
+              </a:rPr>
+              <a:t>;</a:t>
+            </a:r>
+          </a:p>
+          <a:p>
+            <a:pPr marL="0" indent="0">
+              <a:buNone/>
+            </a:pPr>
+            <a:r>
+              <a:rPr lang="en-US" dirty="0" err="1">
+                <a:solidFill>
+                  <a:srgbClr val="A6E22E"/>
+                </a:solidFill>
+                <a:latin typeface="Menlo" charset="0"/>
+              </a:rPr>
+              <a:t>app</a:t>
+            </a:r>
+            <a:r>
+              <a:rPr lang="en-US" dirty="0" err="1">
+                <a:solidFill>
+                  <a:srgbClr val="F8F8F2"/>
+                </a:solidFill>
+                <a:latin typeface="Menlo" charset="0"/>
+              </a:rPr>
+              <a:t>.</a:t>
+            </a:r>
+            <a:r>
+              <a:rPr lang="en-US" dirty="0" err="1">
+                <a:solidFill>
+                  <a:srgbClr val="A6E22E"/>
+                </a:solidFill>
+                <a:latin typeface="Menlo" charset="0"/>
+              </a:rPr>
+              <a:t>get</a:t>
+            </a:r>
+            <a:r>
+              <a:rPr lang="en-US" dirty="0">
+                <a:solidFill>
+                  <a:srgbClr val="F8F8F2"/>
+                </a:solidFill>
+                <a:latin typeface="Menlo" charset="0"/>
+              </a:rPr>
+              <a:t>(</a:t>
+            </a:r>
+            <a:r>
+              <a:rPr lang="en-US" dirty="0">
+                <a:solidFill>
+                  <a:srgbClr val="E6DB74"/>
+                </a:solidFill>
+                <a:latin typeface="Menlo" charset="0"/>
+              </a:rPr>
+              <a:t>'/'</a:t>
+            </a:r>
+            <a:r>
+              <a:rPr lang="en-US" dirty="0">
+                <a:solidFill>
+                  <a:srgbClr val="F8F8F2"/>
+                </a:solidFill>
+                <a:latin typeface="Menlo" charset="0"/>
+              </a:rPr>
+              <a:t>, </a:t>
+            </a:r>
+            <a:r>
+              <a:rPr lang="en-US" dirty="0">
+                <a:solidFill>
+                  <a:srgbClr val="66D9EF"/>
+                </a:solidFill>
+                <a:latin typeface="Menlo" charset="0"/>
+              </a:rPr>
+              <a:t>function</a:t>
+            </a:r>
+            <a:r>
+              <a:rPr lang="en-US" dirty="0">
+                <a:solidFill>
+                  <a:srgbClr val="F8F8F2"/>
+                </a:solidFill>
+                <a:latin typeface="Menlo" charset="0"/>
+              </a:rPr>
+              <a:t> (</a:t>
+            </a:r>
+            <a:r>
+              <a:rPr lang="en-US" dirty="0" err="1">
+                <a:solidFill>
+                  <a:srgbClr val="A6E22E"/>
+                </a:solidFill>
+                <a:latin typeface="Menlo" charset="0"/>
+              </a:rPr>
+              <a:t>req</a:t>
+            </a:r>
+            <a:r>
+              <a:rPr lang="en-US" dirty="0">
+                <a:solidFill>
+                  <a:srgbClr val="F8F8F2"/>
+                </a:solidFill>
+                <a:latin typeface="Menlo" charset="0"/>
+              </a:rPr>
+              <a:t>, </a:t>
+            </a:r>
+            <a:r>
+              <a:rPr lang="en-US" dirty="0">
+                <a:solidFill>
+                  <a:srgbClr val="A6E22E"/>
+                </a:solidFill>
+                <a:latin typeface="Menlo" charset="0"/>
+              </a:rPr>
+              <a:t>res</a:t>
+            </a:r>
+            <a:r>
+              <a:rPr lang="en-US" dirty="0">
+                <a:solidFill>
+                  <a:srgbClr val="F8F8F2"/>
+                </a:solidFill>
+                <a:latin typeface="Menlo" charset="0"/>
+              </a:rPr>
+              <a:t>) {</a:t>
+            </a:r>
+          </a:p>
+          <a:p>
+            <a:pPr marL="0" indent="0">
+              <a:buNone/>
+            </a:pPr>
+            <a:r>
+              <a:rPr lang="en-US" dirty="0">
+                <a:solidFill>
+                  <a:srgbClr val="F8F8F2"/>
+                </a:solidFill>
+                <a:latin typeface="Menlo" charset="0"/>
+              </a:rPr>
+              <a:t>  </a:t>
+            </a:r>
+            <a:r>
+              <a:rPr lang="en-US" dirty="0">
+                <a:solidFill>
+                  <a:srgbClr val="66D9EF"/>
+                </a:solidFill>
+                <a:latin typeface="Menlo" charset="0"/>
+              </a:rPr>
+              <a:t>return</a:t>
+            </a:r>
+            <a:r>
+              <a:rPr lang="en-US" dirty="0">
+                <a:solidFill>
+                  <a:srgbClr val="F8F8F2"/>
+                </a:solidFill>
+                <a:latin typeface="Menlo" charset="0"/>
+              </a:rPr>
+              <a:t> </a:t>
+            </a:r>
+            <a:r>
+              <a:rPr lang="en-US" dirty="0" err="1">
+                <a:solidFill>
+                  <a:srgbClr val="A6E22E"/>
+                </a:solidFill>
+                <a:latin typeface="Menlo" charset="0"/>
+              </a:rPr>
+              <a:t>res</a:t>
+            </a:r>
+            <a:r>
+              <a:rPr lang="en-US" dirty="0" err="1">
+                <a:solidFill>
+                  <a:srgbClr val="F8F8F2"/>
+                </a:solidFill>
+                <a:latin typeface="Menlo" charset="0"/>
+              </a:rPr>
+              <a:t>.</a:t>
+            </a:r>
+            <a:r>
+              <a:rPr lang="en-US" dirty="0" err="1">
+                <a:solidFill>
+                  <a:srgbClr val="A6E22E"/>
+                </a:solidFill>
+                <a:latin typeface="Menlo" charset="0"/>
+              </a:rPr>
+              <a:t>send</a:t>
+            </a:r>
+            <a:r>
+              <a:rPr lang="en-US" dirty="0">
+                <a:solidFill>
+                  <a:srgbClr val="F8F8F2"/>
+                </a:solidFill>
+                <a:latin typeface="Menlo" charset="0"/>
+              </a:rPr>
+              <a:t>(</a:t>
+            </a:r>
+            <a:r>
+              <a:rPr lang="en-US" dirty="0">
+                <a:solidFill>
+                  <a:srgbClr val="E6DB74"/>
+                </a:solidFill>
+                <a:latin typeface="Menlo" charset="0"/>
+              </a:rPr>
+              <a:t>'hello world!'</a:t>
+            </a:r>
+            <a:r>
+              <a:rPr lang="en-US" dirty="0">
+                <a:solidFill>
+                  <a:srgbClr val="F8F8F2"/>
+                </a:solidFill>
+                <a:latin typeface="Menlo" charset="0"/>
+              </a:rPr>
+              <a:t>);</a:t>
+            </a:r>
+          </a:p>
+          <a:p>
+            <a:pPr marL="0" indent="0">
+              <a:buNone/>
+            </a:pPr>
+            <a:r>
+              <a:rPr lang="it-IT" dirty="0">
+                <a:solidFill>
+                  <a:srgbClr val="F8F8F2"/>
+                </a:solidFill>
+                <a:latin typeface="Menlo" charset="0"/>
+              </a:rPr>
+              <a:t>});</a:t>
+            </a:r>
+          </a:p>
+          <a:p>
+            <a:pPr marL="0" indent="0">
+              <a:buNone/>
+            </a:pPr>
+            <a:r>
+              <a:rPr lang="it-IT" dirty="0">
+                <a:solidFill>
+                  <a:srgbClr val="75715E"/>
+                </a:solidFill>
+                <a:latin typeface="Menlo" charset="0"/>
+              </a:rPr>
+              <a:t>// Start </a:t>
+            </a:r>
+            <a:r>
+              <a:rPr lang="it-IT" dirty="0" err="1">
+                <a:solidFill>
+                  <a:srgbClr val="75715E"/>
+                </a:solidFill>
+                <a:latin typeface="Menlo" charset="0"/>
+              </a:rPr>
+              <a:t>listening</a:t>
+            </a:r>
+            <a:r>
+              <a:rPr lang="it-IT" dirty="0">
+                <a:solidFill>
+                  <a:srgbClr val="75715E"/>
+                </a:solidFill>
+                <a:latin typeface="Menlo" charset="0"/>
+              </a:rPr>
+              <a:t> for </a:t>
+            </a:r>
+            <a:r>
+              <a:rPr lang="it-IT" dirty="0" err="1">
+                <a:solidFill>
+                  <a:srgbClr val="75715E"/>
+                </a:solidFill>
+                <a:latin typeface="Menlo" charset="0"/>
+              </a:rPr>
+              <a:t>requests</a:t>
+            </a:r>
+            <a:endParaRPr lang="it-IT" dirty="0">
+              <a:solidFill>
+                <a:srgbClr val="75715E"/>
+              </a:solidFill>
+              <a:latin typeface="Menlo" charset="0"/>
+            </a:endParaRPr>
+          </a:p>
+          <a:p>
+            <a:pPr marL="0" indent="0">
+              <a:buNone/>
+            </a:pPr>
+            <a:r>
+              <a:rPr lang="it-IT" dirty="0" err="1">
+                <a:solidFill>
+                  <a:srgbClr val="A6E22E"/>
+                </a:solidFill>
+                <a:latin typeface="Menlo" charset="0"/>
+              </a:rPr>
+              <a:t>app</a:t>
+            </a:r>
+            <a:r>
+              <a:rPr lang="it-IT" dirty="0" err="1">
+                <a:solidFill>
+                  <a:srgbClr val="F8F8F2"/>
+                </a:solidFill>
+                <a:latin typeface="Menlo" charset="0"/>
+              </a:rPr>
+              <a:t>.</a:t>
+            </a:r>
+            <a:r>
+              <a:rPr lang="it-IT" dirty="0" err="1">
+                <a:solidFill>
+                  <a:srgbClr val="A6E22E"/>
+                </a:solidFill>
+                <a:latin typeface="Menlo" charset="0"/>
+              </a:rPr>
+              <a:t>listen</a:t>
+            </a:r>
+            <a:r>
+              <a:rPr lang="it-IT" dirty="0">
+                <a:solidFill>
+                  <a:srgbClr val="F8F8F2"/>
+                </a:solidFill>
+                <a:latin typeface="Menlo" charset="0"/>
+              </a:rPr>
+              <a:t>(</a:t>
+            </a:r>
+            <a:r>
+              <a:rPr lang="it-IT" dirty="0" err="1">
+                <a:solidFill>
+                  <a:srgbClr val="A6E22E"/>
+                </a:solidFill>
+                <a:latin typeface="Menlo" charset="0"/>
+              </a:rPr>
+              <a:t>port</a:t>
+            </a:r>
+            <a:r>
+              <a:rPr lang="it-IT" dirty="0">
+                <a:solidFill>
+                  <a:srgbClr val="F8F8F2"/>
+                </a:solidFill>
+                <a:latin typeface="Menlo" charset="0"/>
+              </a:rPr>
+              <a:t>, </a:t>
+            </a:r>
+            <a:r>
+              <a:rPr lang="it-IT" dirty="0" err="1">
+                <a:solidFill>
+                  <a:srgbClr val="66D9EF"/>
+                </a:solidFill>
+                <a:latin typeface="Menlo" charset="0"/>
+              </a:rPr>
+              <a:t>function</a:t>
+            </a:r>
+            <a:r>
+              <a:rPr lang="it-IT" dirty="0">
+                <a:solidFill>
+                  <a:srgbClr val="F8F8F2"/>
+                </a:solidFill>
+                <a:latin typeface="Menlo" charset="0"/>
+              </a:rPr>
+              <a:t> () {</a:t>
+            </a:r>
+          </a:p>
+          <a:p>
+            <a:pPr marL="0" indent="0">
+              <a:buNone/>
+            </a:pPr>
+            <a:r>
+              <a:rPr lang="it-IT" dirty="0">
+                <a:solidFill>
+                  <a:srgbClr val="F8F8F2"/>
+                </a:solidFill>
+                <a:latin typeface="Menlo" charset="0"/>
+              </a:rPr>
+              <a:t>  </a:t>
+            </a:r>
+            <a:r>
+              <a:rPr lang="it-IT" dirty="0" err="1">
+                <a:solidFill>
+                  <a:srgbClr val="A6E22E"/>
+                </a:solidFill>
+                <a:latin typeface="Menlo" charset="0"/>
+              </a:rPr>
+              <a:t>console</a:t>
+            </a:r>
+            <a:r>
+              <a:rPr lang="it-IT" dirty="0" err="1">
+                <a:solidFill>
+                  <a:srgbClr val="F8F8F2"/>
+                </a:solidFill>
+                <a:latin typeface="Menlo" charset="0"/>
+              </a:rPr>
+              <a:t>.</a:t>
+            </a:r>
+            <a:r>
+              <a:rPr lang="it-IT" dirty="0" err="1">
+                <a:solidFill>
+                  <a:srgbClr val="A6E22E"/>
+                </a:solidFill>
+                <a:latin typeface="Menlo" charset="0"/>
+              </a:rPr>
+              <a:t>log</a:t>
+            </a:r>
+            <a:r>
+              <a:rPr lang="it-IT" dirty="0">
+                <a:solidFill>
+                  <a:srgbClr val="F8F8F2"/>
+                </a:solidFill>
+                <a:latin typeface="Menlo" charset="0"/>
+              </a:rPr>
+              <a:t>(</a:t>
+            </a:r>
+            <a:r>
+              <a:rPr lang="it-IT" dirty="0">
+                <a:solidFill>
+                  <a:srgbClr val="E6DB74"/>
+                </a:solidFill>
+                <a:latin typeface="Menlo" charset="0"/>
+              </a:rPr>
+              <a:t>'</a:t>
+            </a:r>
+            <a:r>
+              <a:rPr lang="it-IT" dirty="0" err="1">
+                <a:solidFill>
+                  <a:srgbClr val="E6DB74"/>
+                </a:solidFill>
+                <a:latin typeface="Menlo" charset="0"/>
+              </a:rPr>
+              <a:t>Listening</a:t>
+            </a:r>
+            <a:r>
+              <a:rPr lang="it-IT" dirty="0">
+                <a:solidFill>
+                  <a:srgbClr val="E6DB74"/>
+                </a:solidFill>
+                <a:latin typeface="Menlo" charset="0"/>
+              </a:rPr>
+              <a:t> on </a:t>
+            </a:r>
+            <a:r>
+              <a:rPr lang="it-IT" dirty="0" err="1">
+                <a:solidFill>
+                  <a:srgbClr val="E6DB74"/>
+                </a:solidFill>
+                <a:latin typeface="Menlo" charset="0"/>
+              </a:rPr>
+              <a:t>port</a:t>
+            </a:r>
+            <a:r>
+              <a:rPr lang="it-IT" dirty="0">
+                <a:solidFill>
+                  <a:srgbClr val="E6DB74"/>
+                </a:solidFill>
+                <a:latin typeface="Menlo" charset="0"/>
+              </a:rPr>
+              <a:t> '</a:t>
+            </a:r>
+            <a:r>
+              <a:rPr lang="it-IT" dirty="0">
+                <a:solidFill>
+                  <a:srgbClr val="F8F8F2"/>
+                </a:solidFill>
+                <a:latin typeface="Menlo" charset="0"/>
+              </a:rPr>
+              <a:t> </a:t>
+            </a:r>
+            <a:r>
+              <a:rPr lang="it-IT" dirty="0">
+                <a:solidFill>
+                  <a:srgbClr val="F92672"/>
+                </a:solidFill>
+                <a:latin typeface="Menlo" charset="0"/>
+              </a:rPr>
+              <a:t>+</a:t>
+            </a:r>
+            <a:r>
+              <a:rPr lang="it-IT" dirty="0">
+                <a:solidFill>
+                  <a:srgbClr val="F8F8F2"/>
+                </a:solidFill>
+                <a:latin typeface="Menlo" charset="0"/>
+              </a:rPr>
+              <a:t> </a:t>
+            </a:r>
+            <a:r>
+              <a:rPr lang="it-IT" dirty="0" err="1">
+                <a:solidFill>
+                  <a:srgbClr val="A6E22E"/>
+                </a:solidFill>
+                <a:latin typeface="Menlo" charset="0"/>
+              </a:rPr>
+              <a:t>port</a:t>
+            </a:r>
+            <a:r>
+              <a:rPr lang="it-IT" dirty="0">
+                <a:solidFill>
+                  <a:srgbClr val="F8F8F2"/>
+                </a:solidFill>
+                <a:latin typeface="Menlo" charset="0"/>
+              </a:rPr>
+              <a:t>);</a:t>
+            </a:r>
+          </a:p>
+          <a:p>
+            <a:pPr marL="0" indent="0">
+              <a:buNone/>
+            </a:pPr>
+            <a:r>
+              <a:rPr lang="it-IT" dirty="0" smtClean="0">
+                <a:solidFill>
+                  <a:srgbClr val="F8F8F2"/>
+                </a:solidFill>
+                <a:latin typeface="Menlo" charset="0"/>
+              </a:rPr>
+              <a:t>});</a:t>
+            </a:r>
+            <a:endParaRPr lang="it-IT" dirty="0">
+              <a:solidFill>
+                <a:srgbClr val="F8F8F2"/>
+              </a:solidFill>
+              <a:latin typeface="Menlo" charset="0"/>
+            </a:endParaRPr>
+          </a:p>
+        </p:txBody>
+      </p:sp>
+      <p:sp>
+        <p:nvSpPr>
+          <p:cNvPr id="4" name="Footer Placeholder 3"/>
+          <p:cNvSpPr>
+            <a:spLocks noGrp="1"/>
+          </p:cNvSpPr>
+          <p:nvPr>
+            <p:ph type="ftr" sz="quarter" idx="11"/>
+          </p:nvPr>
+        </p:nvSpPr>
+        <p:spPr/>
+        <p:txBody>
+          <a:bodyPr/>
+          <a:lstStyle/>
+          <a:p>
+            <a:r>
+              <a:rPr lang="de-DE" smtClean="0"/>
+              <a:t>All slides can be found at pennapps-nodejs-workshop.herokuapp.com</a:t>
+            </a:r>
+            <a:endParaRPr lang="en-US"/>
+          </a:p>
+        </p:txBody>
+      </p:sp>
+      <p:sp>
+        <p:nvSpPr>
+          <p:cNvPr id="5" name="Slide Number Placeholder 4"/>
+          <p:cNvSpPr>
+            <a:spLocks noGrp="1"/>
+          </p:cNvSpPr>
+          <p:nvPr>
+            <p:ph type="sldNum" sz="quarter" idx="12"/>
+          </p:nvPr>
+        </p:nvSpPr>
+        <p:spPr/>
+        <p:txBody>
+          <a:bodyPr/>
+          <a:lstStyle/>
+          <a:p>
+            <a:fld id="{BE7B5DD7-0E96-E44E-B777-0B9A5C3419CF}" type="slidenum">
+              <a:rPr lang="en-US" smtClean="0"/>
+              <a:t>24</a:t>
+            </a:fld>
+            <a:endParaRPr lang="en-US"/>
+          </a:p>
+        </p:txBody>
+      </p:sp>
+    </p:spTree>
+    <p:extLst>
+      <p:ext uri="{BB962C8B-B14F-4D97-AF65-F5344CB8AC3E}">
+        <p14:creationId xmlns:p14="http://schemas.microsoft.com/office/powerpoint/2010/main" val="221409737"/>
+      </p:ext>
+    </p:extLst>
+  </p:cSld>
+  <p:clrMapOvr>
+    <a:masterClrMapping/>
+  </p:clrMapOvr>
+  <p:timing>
+    <p:tnLst>
+      <p:par>
+        <p:cTn id="1" dur="indefinite" restart="never" nodeType="tmRoot"/>
+      </p:par>
+    </p:tnLst>
+  </p:timing>
+</p:sld>
+</file>
+
+<file path=ppt/slides/slide25.xml><?xml version="1.0" encoding="utf-8"?>
+<p:sld xmlns:a="http://schemas.openxmlformats.org/drawingml/2006/main" xmlns:r="http://schemas.openxmlformats.org/officeDocument/2006/relationships" xmlns:p="http://schemas.openxmlformats.org/presentationml/2006/main">
+  <p:cSld>
+    <p:spTree>
+      <p:nvGrpSpPr>
+        <p:cNvPr id="1" name=""/>
+        <p:cNvGrpSpPr/>
+        <p:nvPr/>
+      </p:nvGrpSpPr>
+      <p:grpSpPr>
+        <a:xfrm>
+          <a:off x="0" y="0"/>
+          <a:ext cx="0" cy="0"/>
+          <a:chOff x="0" y="0"/>
+          <a:chExt cx="0" cy="0"/>
+        </a:xfrm>
+      </p:grpSpPr>
+      <p:sp>
+        <p:nvSpPr>
+          <p:cNvPr id="2" name="Title 1"/>
+          <p:cNvSpPr>
+            <a:spLocks noGrp="1"/>
+          </p:cNvSpPr>
+          <p:nvPr>
+            <p:ph type="title"/>
+          </p:nvPr>
+        </p:nvSpPr>
+        <p:spPr/>
+        <p:txBody>
+          <a:bodyPr/>
+          <a:lstStyle/>
+          <a:p>
+            <a:r>
+              <a:rPr lang="en-US" dirty="0" smtClean="0"/>
+              <a:t>Anatomy of an Express App</a:t>
+            </a:r>
+            <a:endParaRPr lang="en-US" dirty="0"/>
+          </a:p>
+        </p:txBody>
+      </p:sp>
+      <p:sp>
+        <p:nvSpPr>
+          <p:cNvPr id="4" name="Footer Placeholder 3"/>
+          <p:cNvSpPr>
+            <a:spLocks noGrp="1"/>
+          </p:cNvSpPr>
+          <p:nvPr>
+            <p:ph type="ftr" sz="quarter" idx="11"/>
+          </p:nvPr>
+        </p:nvSpPr>
+        <p:spPr/>
+        <p:txBody>
+          <a:bodyPr/>
+          <a:lstStyle/>
+          <a:p>
+            <a:r>
+              <a:rPr lang="de-DE" smtClean="0"/>
+              <a:t>All slides can be found at pennapps-nodejs-workshop.herokuapp.com</a:t>
+            </a:r>
+            <a:endParaRPr lang="en-US"/>
+          </a:p>
+        </p:txBody>
+      </p:sp>
+      <p:sp>
+        <p:nvSpPr>
+          <p:cNvPr id="5" name="Slide Number Placeholder 4"/>
+          <p:cNvSpPr>
+            <a:spLocks noGrp="1"/>
+          </p:cNvSpPr>
+          <p:nvPr>
+            <p:ph type="sldNum" sz="quarter" idx="12"/>
+          </p:nvPr>
+        </p:nvSpPr>
+        <p:spPr/>
+        <p:txBody>
+          <a:bodyPr/>
+          <a:lstStyle/>
+          <a:p>
+            <a:fld id="{BE7B5DD7-0E96-E44E-B777-0B9A5C3419CF}" type="slidenum">
+              <a:rPr lang="en-US" smtClean="0"/>
+              <a:t>25</a:t>
+            </a:fld>
+            <a:endParaRPr lang="en-US"/>
+          </a:p>
+        </p:txBody>
+      </p:sp>
+      <p:pic>
+        <p:nvPicPr>
+          <p:cNvPr id="7" name="Picture 6"/>
+          <p:cNvPicPr>
+            <a:picLocks noChangeAspect="1"/>
+          </p:cNvPicPr>
+          <p:nvPr/>
+        </p:nvPicPr>
+        <p:blipFill>
+          <a:blip r:embed="rId2"/>
+          <a:stretch>
+            <a:fillRect/>
+          </a:stretch>
+        </p:blipFill>
+        <p:spPr>
+          <a:xfrm>
+            <a:off x="990600" y="1679885"/>
+            <a:ext cx="7162800" cy="4676465"/>
+          </a:xfrm>
+          <a:prstGeom prst="rect">
+            <a:avLst/>
+          </a:prstGeom>
+        </p:spPr>
+      </p:pic>
+    </p:spTree>
+    <p:extLst>
+      <p:ext uri="{BB962C8B-B14F-4D97-AF65-F5344CB8AC3E}">
+        <p14:creationId xmlns:p14="http://schemas.microsoft.com/office/powerpoint/2010/main" val="1023294658"/>
+      </p:ext>
+    </p:extLst>
+  </p:cSld>
+  <p:clrMapOvr>
+    <a:masterClrMapping/>
+  </p:clrMapOvr>
+  <p:timing>
+    <p:tnLst>
+      <p:par>
+        <p:cTn id="1" dur="indefinite" restart="never" nodeType="tmRoot"/>
+      </p:par>
+    </p:tnLst>
+  </p:timing>
+</p:sld>
+</file>
+
+<file path=ppt/slides/slide26.xml><?xml version="1.0" encoding="utf-8"?>
+<p:sld xmlns:a="http://schemas.openxmlformats.org/drawingml/2006/main" xmlns:r="http://schemas.openxmlformats.org/officeDocument/2006/relationships" xmlns:p="http://schemas.openxmlformats.org/presentationml/2006/main">
+  <p:cSld>
+    <p:spTree>
+      <p:nvGrpSpPr>
+        <p:cNvPr id="1" name=""/>
+        <p:cNvGrpSpPr/>
+        <p:nvPr/>
+      </p:nvGrpSpPr>
+      <p:grpSpPr>
+        <a:xfrm>
+          <a:off x="0" y="0"/>
+          <a:ext cx="0" cy="0"/>
+          <a:chOff x="0" y="0"/>
+          <a:chExt cx="0" cy="0"/>
+        </a:xfrm>
+      </p:grpSpPr>
+      <p:sp>
+        <p:nvSpPr>
+          <p:cNvPr id="2" name="Title 1"/>
+          <p:cNvSpPr>
+            <a:spLocks noGrp="1"/>
+          </p:cNvSpPr>
+          <p:nvPr>
+            <p:ph type="title"/>
+          </p:nvPr>
+        </p:nvSpPr>
+        <p:spPr/>
+        <p:txBody>
+          <a:bodyPr/>
+          <a:lstStyle/>
+          <a:p>
+            <a:r>
+              <a:rPr lang="en-US" dirty="0" smtClean="0"/>
+              <a:t>Middleware</a:t>
+            </a:r>
+            <a:endParaRPr lang="en-US" dirty="0"/>
+          </a:p>
+        </p:txBody>
+      </p:sp>
+      <p:sp>
+        <p:nvSpPr>
+          <p:cNvPr id="3" name="Content Placeholder 2"/>
+          <p:cNvSpPr>
+            <a:spLocks noGrp="1"/>
+          </p:cNvSpPr>
+          <p:nvPr>
+            <p:ph idx="1"/>
+          </p:nvPr>
+        </p:nvSpPr>
+        <p:spPr>
+          <a:xfrm>
+            <a:off x="457200" y="1600201"/>
+            <a:ext cx="8229600" cy="3657600"/>
+          </a:xfrm>
+        </p:spPr>
+        <p:txBody>
+          <a:bodyPr>
+            <a:normAutofit fontScale="77500" lnSpcReduction="20000"/>
+          </a:bodyPr>
+          <a:lstStyle/>
+          <a:p>
+            <a:r>
+              <a:rPr lang="en-US" dirty="0"/>
+              <a:t>A </a:t>
+            </a:r>
+            <a:r>
+              <a:rPr lang="en-US" b="1" dirty="0"/>
+              <a:t>middleware function</a:t>
+            </a:r>
+            <a:r>
+              <a:rPr lang="en-US" dirty="0"/>
+              <a:t> is a function that handles a </a:t>
+            </a:r>
+            <a:r>
+              <a:rPr lang="en-US" dirty="0" smtClean="0"/>
+              <a:t>request</a:t>
+            </a:r>
+          </a:p>
+          <a:p>
+            <a:pPr lvl="1"/>
+            <a:r>
+              <a:rPr lang="en-US" dirty="0" smtClean="0"/>
+              <a:t>They are </a:t>
+            </a:r>
+            <a:r>
+              <a:rPr lang="en-US" i="1" dirty="0" smtClean="0"/>
+              <a:t>chained </a:t>
+            </a:r>
+            <a:r>
+              <a:rPr lang="en-US" i="1" dirty="0"/>
+              <a:t>together</a:t>
+            </a:r>
+            <a:r>
+              <a:rPr lang="en-US" dirty="0"/>
+              <a:t> so that multiple </a:t>
+            </a:r>
+            <a:r>
+              <a:rPr lang="en-US" dirty="0" err="1"/>
+              <a:t>middlewares</a:t>
+            </a:r>
+            <a:r>
+              <a:rPr lang="en-US" dirty="0"/>
+              <a:t> run on the same </a:t>
+            </a:r>
+            <a:r>
+              <a:rPr lang="en-US" dirty="0" smtClean="0"/>
+              <a:t>request</a:t>
+            </a:r>
+            <a:endParaRPr lang="en-US" dirty="0"/>
+          </a:p>
+          <a:p>
+            <a:r>
+              <a:rPr lang="en-US" dirty="0"/>
+              <a:t>Middleware parameters</a:t>
+            </a:r>
+            <a:r>
+              <a:rPr lang="en-US" dirty="0" smtClean="0"/>
+              <a:t>:</a:t>
+            </a:r>
+          </a:p>
+          <a:p>
+            <a:pPr lvl="1"/>
+            <a:r>
+              <a:rPr lang="en-US" dirty="0" err="1" smtClean="0">
+                <a:latin typeface="Courier" charset="0"/>
+              </a:rPr>
+              <a:t>req</a:t>
+            </a:r>
+            <a:r>
+              <a:rPr lang="en-US" dirty="0"/>
+              <a:t> </a:t>
+            </a:r>
+            <a:r>
+              <a:rPr lang="en-US" dirty="0" smtClean="0"/>
+              <a:t>- </a:t>
+            </a:r>
+            <a:r>
+              <a:rPr lang="en-US" dirty="0"/>
+              <a:t>an object representing the </a:t>
+            </a:r>
+            <a:r>
+              <a:rPr lang="en-US" dirty="0" smtClean="0"/>
+              <a:t>request</a:t>
+            </a:r>
+            <a:endParaRPr lang="en-US" dirty="0"/>
+          </a:p>
+          <a:p>
+            <a:pPr lvl="1"/>
+            <a:r>
+              <a:rPr lang="en-US" dirty="0">
+                <a:latin typeface="Courier" charset="0"/>
+              </a:rPr>
+              <a:t>res</a:t>
+            </a:r>
+            <a:r>
+              <a:rPr lang="en-US" dirty="0"/>
+              <a:t> - an object representing the response. Has several </a:t>
+            </a:r>
+            <a:r>
+              <a:rPr lang="en-US" dirty="0" smtClean="0"/>
+              <a:t>methods</a:t>
+            </a:r>
+            <a:r>
+              <a:rPr lang="en-US" dirty="0"/>
+              <a:t> </a:t>
+            </a:r>
+            <a:r>
+              <a:rPr lang="en-US" dirty="0" smtClean="0"/>
+              <a:t>(</a:t>
+            </a:r>
+            <a:r>
+              <a:rPr lang="en-US" dirty="0" smtClean="0">
+                <a:latin typeface="Courier" charset="0"/>
+              </a:rPr>
+              <a:t>.</a:t>
+            </a:r>
+            <a:r>
+              <a:rPr lang="en-US" dirty="0">
+                <a:latin typeface="Courier" charset="0"/>
+              </a:rPr>
+              <a:t>render</a:t>
+            </a:r>
+            <a:r>
+              <a:rPr lang="en-US" dirty="0"/>
+              <a:t>, </a:t>
+            </a:r>
+            <a:r>
+              <a:rPr lang="en-US" dirty="0">
+                <a:latin typeface="Courier" charset="0"/>
+              </a:rPr>
+              <a:t>.send</a:t>
+            </a:r>
+            <a:r>
+              <a:rPr lang="en-US" dirty="0"/>
+              <a:t>, </a:t>
+            </a:r>
+            <a:r>
+              <a:rPr lang="en-US" dirty="0">
+                <a:latin typeface="Courier" charset="0"/>
+              </a:rPr>
+              <a:t>.</a:t>
+            </a:r>
+            <a:r>
+              <a:rPr lang="en-US" dirty="0" err="1">
+                <a:latin typeface="Courier" charset="0"/>
+              </a:rPr>
+              <a:t>json</a:t>
+            </a:r>
+            <a:r>
+              <a:rPr lang="en-US" dirty="0"/>
+              <a:t>) to send data and complete the </a:t>
+            </a:r>
+            <a:r>
+              <a:rPr lang="en-US" dirty="0" smtClean="0"/>
+              <a:t>request</a:t>
+            </a:r>
+            <a:endParaRPr lang="en-US" dirty="0"/>
+          </a:p>
+          <a:p>
+            <a:pPr lvl="1"/>
+            <a:r>
+              <a:rPr lang="en-US" dirty="0">
+                <a:latin typeface="Courier" charset="0"/>
+              </a:rPr>
+              <a:t>next</a:t>
+            </a:r>
+            <a:r>
+              <a:rPr lang="en-US" dirty="0"/>
+              <a:t> - a callback (!) that passes control to the next </a:t>
+            </a:r>
+            <a:r>
+              <a:rPr lang="en-US" dirty="0" smtClean="0"/>
+              <a:t>middleware</a:t>
+            </a:r>
+          </a:p>
+          <a:p>
+            <a:r>
+              <a:rPr lang="en-US" dirty="0"/>
+              <a:t>You can modify the </a:t>
+            </a:r>
+            <a:r>
+              <a:rPr lang="en-US" dirty="0" err="1">
+                <a:latin typeface="Courier" charset="0"/>
+              </a:rPr>
+              <a:t>req</a:t>
+            </a:r>
+            <a:r>
+              <a:rPr lang="en-US" dirty="0"/>
+              <a:t> and </a:t>
+            </a:r>
+            <a:r>
+              <a:rPr lang="en-US" dirty="0">
+                <a:latin typeface="Courier" charset="0"/>
+              </a:rPr>
+              <a:t>res</a:t>
+            </a:r>
+            <a:r>
+              <a:rPr lang="en-US" dirty="0"/>
+              <a:t> object directly - they are the actual objects that will be passed to other </a:t>
+            </a:r>
+            <a:r>
+              <a:rPr lang="en-US" dirty="0" err="1"/>
+              <a:t>middlewares</a:t>
+            </a:r>
+            <a:endParaRPr lang="en-US" dirty="0"/>
+          </a:p>
+        </p:txBody>
+      </p:sp>
+      <p:sp>
+        <p:nvSpPr>
+          <p:cNvPr id="4" name="Footer Placeholder 3"/>
+          <p:cNvSpPr>
+            <a:spLocks noGrp="1"/>
+          </p:cNvSpPr>
+          <p:nvPr>
+            <p:ph type="ftr" sz="quarter" idx="11"/>
+          </p:nvPr>
+        </p:nvSpPr>
+        <p:spPr/>
+        <p:txBody>
+          <a:bodyPr/>
+          <a:lstStyle/>
+          <a:p>
+            <a:r>
+              <a:rPr lang="de-DE" smtClean="0"/>
+              <a:t>All slides can be found at pennapps-nodejs-workshop.herokuapp.com</a:t>
+            </a:r>
+            <a:endParaRPr lang="en-US"/>
+          </a:p>
+        </p:txBody>
+      </p:sp>
+      <p:sp>
+        <p:nvSpPr>
+          <p:cNvPr id="5" name="Slide Number Placeholder 4"/>
+          <p:cNvSpPr>
+            <a:spLocks noGrp="1"/>
+          </p:cNvSpPr>
+          <p:nvPr>
+            <p:ph type="sldNum" sz="quarter" idx="12"/>
+          </p:nvPr>
+        </p:nvSpPr>
+        <p:spPr/>
+        <p:txBody>
+          <a:bodyPr/>
+          <a:lstStyle/>
+          <a:p>
+            <a:fld id="{BE7B5DD7-0E96-E44E-B777-0B9A5C3419CF}" type="slidenum">
+              <a:rPr lang="en-US" smtClean="0"/>
+              <a:t>26</a:t>
+            </a:fld>
+            <a:endParaRPr lang="en-US"/>
+          </a:p>
+        </p:txBody>
+      </p:sp>
+      <p:sp>
+        <p:nvSpPr>
+          <p:cNvPr id="6" name="TextBox 5"/>
+          <p:cNvSpPr txBox="1"/>
+          <p:nvPr/>
+        </p:nvSpPr>
+        <p:spPr>
+          <a:xfrm>
+            <a:off x="457201" y="5380579"/>
+            <a:ext cx="8229599" cy="923330"/>
+          </a:xfrm>
+          <a:prstGeom prst="rect">
+            <a:avLst/>
+          </a:prstGeom>
+          <a:solidFill>
+            <a:srgbClr val="000000"/>
+          </a:solidFill>
+        </p:spPr>
+        <p:txBody>
+          <a:bodyPr wrap="square" rtlCol="0">
+            <a:spAutoFit/>
+          </a:bodyPr>
+          <a:lstStyle/>
+          <a:p>
+            <a:r>
+              <a:rPr lang="en-US" dirty="0" err="1">
+                <a:solidFill>
+                  <a:srgbClr val="66D9EF"/>
+                </a:solidFill>
+                <a:latin typeface="Menlo" charset="0"/>
+              </a:rPr>
+              <a:t>var</a:t>
+            </a:r>
+            <a:r>
+              <a:rPr lang="en-US" dirty="0">
+                <a:solidFill>
+                  <a:srgbClr val="F8F8F2"/>
+                </a:solidFill>
+                <a:latin typeface="Menlo" charset="0"/>
+              </a:rPr>
+              <a:t> </a:t>
+            </a:r>
+            <a:r>
+              <a:rPr lang="en-US" dirty="0" err="1">
+                <a:solidFill>
+                  <a:srgbClr val="A6E22E"/>
+                </a:solidFill>
+                <a:latin typeface="Menlo" charset="0"/>
+              </a:rPr>
+              <a:t>noOpMiddleware</a:t>
+            </a:r>
+            <a:r>
+              <a:rPr lang="en-US" dirty="0">
+                <a:solidFill>
+                  <a:srgbClr val="F8F8F2"/>
+                </a:solidFill>
+                <a:latin typeface="Menlo" charset="0"/>
+              </a:rPr>
+              <a:t> </a:t>
+            </a:r>
+            <a:r>
+              <a:rPr lang="en-US" dirty="0">
+                <a:solidFill>
+                  <a:srgbClr val="F92672"/>
+                </a:solidFill>
+                <a:latin typeface="Menlo" charset="0"/>
+              </a:rPr>
+              <a:t>=</a:t>
+            </a:r>
+            <a:r>
+              <a:rPr lang="en-US" dirty="0">
+                <a:solidFill>
+                  <a:srgbClr val="F8F8F2"/>
+                </a:solidFill>
+                <a:latin typeface="Menlo" charset="0"/>
+              </a:rPr>
+              <a:t> </a:t>
+            </a:r>
+            <a:r>
+              <a:rPr lang="en-US" dirty="0">
+                <a:solidFill>
+                  <a:srgbClr val="66D9EF"/>
+                </a:solidFill>
+                <a:latin typeface="Menlo" charset="0"/>
+              </a:rPr>
+              <a:t>function</a:t>
+            </a:r>
+            <a:r>
+              <a:rPr lang="en-US" dirty="0">
+                <a:solidFill>
+                  <a:srgbClr val="F8F8F2"/>
+                </a:solidFill>
+                <a:latin typeface="Menlo" charset="0"/>
+              </a:rPr>
+              <a:t> (</a:t>
+            </a:r>
+            <a:r>
+              <a:rPr lang="en-US" dirty="0" err="1">
+                <a:solidFill>
+                  <a:srgbClr val="A6E22E"/>
+                </a:solidFill>
+                <a:latin typeface="Menlo" charset="0"/>
+              </a:rPr>
+              <a:t>req</a:t>
+            </a:r>
+            <a:r>
+              <a:rPr lang="en-US" dirty="0">
+                <a:solidFill>
+                  <a:srgbClr val="F8F8F2"/>
+                </a:solidFill>
+                <a:latin typeface="Menlo" charset="0"/>
+              </a:rPr>
+              <a:t>, </a:t>
+            </a:r>
+            <a:r>
+              <a:rPr lang="en-US" dirty="0">
+                <a:solidFill>
+                  <a:srgbClr val="A6E22E"/>
+                </a:solidFill>
+                <a:latin typeface="Menlo" charset="0"/>
+              </a:rPr>
+              <a:t>res</a:t>
+            </a:r>
+            <a:r>
+              <a:rPr lang="en-US" dirty="0">
+                <a:solidFill>
+                  <a:srgbClr val="F8F8F2"/>
+                </a:solidFill>
+                <a:latin typeface="Menlo" charset="0"/>
+              </a:rPr>
+              <a:t>, </a:t>
+            </a:r>
+            <a:r>
+              <a:rPr lang="en-US" dirty="0">
+                <a:solidFill>
+                  <a:srgbClr val="A6E22E"/>
+                </a:solidFill>
+                <a:latin typeface="Menlo" charset="0"/>
+              </a:rPr>
+              <a:t>next</a:t>
+            </a:r>
+            <a:r>
+              <a:rPr lang="en-US" dirty="0">
+                <a:solidFill>
+                  <a:srgbClr val="F8F8F2"/>
+                </a:solidFill>
+                <a:latin typeface="Menlo" charset="0"/>
+              </a:rPr>
+              <a:t>) {</a:t>
+            </a:r>
+          </a:p>
+          <a:p>
+            <a:r>
+              <a:rPr lang="en-US" dirty="0">
+                <a:solidFill>
+                  <a:srgbClr val="F8F8F2"/>
+                </a:solidFill>
+                <a:latin typeface="Menlo" charset="0"/>
+              </a:rPr>
+              <a:t>    </a:t>
+            </a:r>
+            <a:r>
+              <a:rPr lang="en-US" dirty="0">
+                <a:solidFill>
+                  <a:srgbClr val="A6E22E"/>
+                </a:solidFill>
+                <a:latin typeface="Menlo" charset="0"/>
+              </a:rPr>
+              <a:t>next</a:t>
+            </a:r>
+            <a:r>
+              <a:rPr lang="en-US" dirty="0">
+                <a:solidFill>
+                  <a:srgbClr val="F8F8F2"/>
+                </a:solidFill>
+                <a:latin typeface="Menlo" charset="0"/>
+              </a:rPr>
+              <a:t>();</a:t>
+            </a:r>
+          </a:p>
+          <a:p>
+            <a:r>
+              <a:rPr lang="uk-UA" dirty="0">
+                <a:solidFill>
+                  <a:srgbClr val="F8F8F2"/>
+                </a:solidFill>
+                <a:latin typeface="Menlo" charset="0"/>
+              </a:rPr>
+              <a:t>};</a:t>
+            </a:r>
+          </a:p>
+        </p:txBody>
+      </p:sp>
+    </p:spTree>
+    <p:extLst>
+      <p:ext uri="{BB962C8B-B14F-4D97-AF65-F5344CB8AC3E}">
+        <p14:creationId xmlns:p14="http://schemas.microsoft.com/office/powerpoint/2010/main" val="368621004"/>
+      </p:ext>
+    </p:extLst>
+  </p:cSld>
+  <p:clrMapOvr>
+    <a:masterClrMapping/>
+  </p:clrMapOvr>
+  <p:timing>
+    <p:tnLst>
+      <p:par>
+        <p:cTn id="1" dur="indefinite" restart="never" nodeType="tmRoot">
+          <p:childTnLst>
+            <p:seq concurrent="1" nextAc="seek">
+              <p:cTn id="2" dur="indefinite" nodeType="mainSeq">
+                <p:childTnLst>
+                  <p:par>
+                    <p:cTn id="3" fill="hold">
+                      <p:stCondLst>
+                        <p:cond delay="indefinite"/>
+                      </p:stCondLst>
+                      <p:childTnLst>
+                        <p:par>
+                          <p:cTn id="4" fill="hold">
+                            <p:stCondLst>
+                              <p:cond delay="0"/>
+                            </p:stCondLst>
+                            <p:childTnLst>
+                              <p:par>
+                                <p:cTn id="5" presetID="1" presetClass="entr" presetSubtype="0" fill="hold" nodeType="clickEffect">
+                                  <p:stCondLst>
+                                    <p:cond delay="0"/>
+                                  </p:stCondLst>
+                                  <p:childTnLst>
+                                    <p:set>
+                                      <p:cBhvr>
+                                        <p:cTn id="6" dur="1" fill="hold">
+                                          <p:stCondLst>
+                                            <p:cond delay="0"/>
+                                          </p:stCondLst>
+                                        </p:cTn>
+                                        <p:tgtEl>
+                                          <p:spTgt spid="3">
+                                            <p:txEl>
+                                              <p:pRg st="2" end="2"/>
+                                            </p:txEl>
+                                          </p:spTgt>
+                                        </p:tgtEl>
+                                        <p:attrNameLst>
+                                          <p:attrName>style.visibility</p:attrName>
+                                        </p:attrNameLst>
+                                      </p:cBhvr>
+                                      <p:to>
+                                        <p:strVal val="visible"/>
+                                      </p:to>
+                                    </p:set>
+                                  </p:childTnLst>
+                                </p:cTn>
+                              </p:par>
+                              <p:par>
+                                <p:cTn id="7" presetID="1" presetClass="entr" presetSubtype="0" fill="hold" nodeType="withEffect">
+                                  <p:stCondLst>
+                                    <p:cond delay="0"/>
+                                  </p:stCondLst>
+                                  <p:childTnLst>
+                                    <p:set>
+                                      <p:cBhvr>
+                                        <p:cTn id="8" dur="1" fill="hold">
+                                          <p:stCondLst>
+                                            <p:cond delay="0"/>
+                                          </p:stCondLst>
+                                        </p:cTn>
+                                        <p:tgtEl>
+                                          <p:spTgt spid="3">
+                                            <p:txEl>
+                                              <p:pRg st="3" end="3"/>
+                                            </p:txEl>
+                                          </p:spTgt>
+                                        </p:tgtEl>
+                                        <p:attrNameLst>
+                                          <p:attrName>style.visibility</p:attrName>
+                                        </p:attrNameLst>
+                                      </p:cBhvr>
+                                      <p:to>
+                                        <p:strVal val="visible"/>
+                                      </p:to>
+                                    </p:set>
+                                  </p:childTnLst>
+                                </p:cTn>
+                              </p:par>
+                            </p:childTnLst>
+                          </p:cTn>
+                        </p:par>
+                      </p:childTnLst>
+                    </p:cTn>
+                  </p:par>
+                  <p:par>
+                    <p:cTn id="9" fill="hold">
+                      <p:stCondLst>
+                        <p:cond delay="indefinite"/>
+                      </p:stCondLst>
+                      <p:childTnLst>
+                        <p:par>
+                          <p:cTn id="10" fill="hold">
+                            <p:stCondLst>
+                              <p:cond delay="0"/>
+                            </p:stCondLst>
+                            <p:childTnLst>
+                              <p:par>
+                                <p:cTn id="11" presetID="1" presetClass="entr" presetSubtype="0" fill="hold" nodeType="clickEffect">
+                                  <p:stCondLst>
+                                    <p:cond delay="0"/>
+                                  </p:stCondLst>
+                                  <p:childTnLst>
+                                    <p:set>
+                                      <p:cBhvr>
+                                        <p:cTn id="12" dur="1" fill="hold">
+                                          <p:stCondLst>
+                                            <p:cond delay="0"/>
+                                          </p:stCondLst>
+                                        </p:cTn>
+                                        <p:tgtEl>
+                                          <p:spTgt spid="3">
+                                            <p:txEl>
+                                              <p:pRg st="4" end="4"/>
+                                            </p:txEl>
+                                          </p:spTgt>
+                                        </p:tgtEl>
+                                        <p:attrNameLst>
+                                          <p:attrName>style.visibility</p:attrName>
+                                        </p:attrNameLst>
+                                      </p:cBhvr>
+                                      <p:to>
+                                        <p:strVal val="visible"/>
+                                      </p:to>
+                                    </p:set>
+                                  </p:childTnLst>
+                                </p:cTn>
+                              </p:par>
+                            </p:childTnLst>
+                          </p:cTn>
+                        </p:par>
+                      </p:childTnLst>
+                    </p:cTn>
+                  </p:par>
+                  <p:par>
+                    <p:cTn id="13" fill="hold">
+                      <p:stCondLst>
+                        <p:cond delay="indefinite"/>
+                      </p:stCondLst>
+                      <p:childTnLst>
+                        <p:par>
+                          <p:cTn id="14" fill="hold">
+                            <p:stCondLst>
+                              <p:cond delay="0"/>
+                            </p:stCondLst>
+                            <p:childTnLst>
+                              <p:par>
+                                <p:cTn id="15" presetID="1" presetClass="entr" presetSubtype="0" fill="hold" nodeType="clickEffect">
+                                  <p:stCondLst>
+                                    <p:cond delay="0"/>
+                                  </p:stCondLst>
+                                  <p:childTnLst>
+                                    <p:set>
+                                      <p:cBhvr>
+                                        <p:cTn id="16" dur="1" fill="hold">
+                                          <p:stCondLst>
+                                            <p:cond delay="0"/>
+                                          </p:stCondLst>
+                                        </p:cTn>
+                                        <p:tgtEl>
+                                          <p:spTgt spid="3">
+                                            <p:txEl>
+                                              <p:pRg st="5" end="5"/>
+                                            </p:txEl>
+                                          </p:spTgt>
+                                        </p:tgtEl>
+                                        <p:attrNameLst>
+                                          <p:attrName>style.visibility</p:attrName>
+                                        </p:attrNameLst>
+                                      </p:cBhvr>
+                                      <p:to>
+                                        <p:strVal val="visible"/>
+                                      </p:to>
+                                    </p:set>
+                                  </p:childTnLst>
+                                </p:cTn>
+                              </p:par>
+                            </p:childTnLst>
+                          </p:cTn>
+                        </p:par>
+                      </p:childTnLst>
+                    </p:cTn>
+                  </p:par>
+                  <p:par>
+                    <p:cTn id="17" fill="hold">
+                      <p:stCondLst>
+                        <p:cond delay="indefinite"/>
+                      </p:stCondLst>
+                      <p:childTnLst>
+                        <p:par>
+                          <p:cTn id="18" fill="hold">
+                            <p:stCondLst>
+                              <p:cond delay="0"/>
+                            </p:stCondLst>
+                            <p:childTnLst>
+                              <p:par>
+                                <p:cTn id="19" presetID="1" presetClass="entr" presetSubtype="0" fill="hold" nodeType="clickEffect">
+                                  <p:stCondLst>
+                                    <p:cond delay="0"/>
+                                  </p:stCondLst>
+                                  <p:childTnLst>
+                                    <p:set>
+                                      <p:cBhvr>
+                                        <p:cTn id="20" dur="1" fill="hold">
+                                          <p:stCondLst>
+                                            <p:cond delay="0"/>
+                                          </p:stCondLst>
+                                        </p:cTn>
+                                        <p:tgtEl>
+                                          <p:spTgt spid="3">
+                                            <p:txEl>
+                                              <p:pRg st="6" end="6"/>
+                                            </p:txEl>
+                                          </p:spTgt>
+                                        </p:tgtEl>
+                                        <p:attrNameLst>
+                                          <p:attrName>style.visibility</p:attrName>
+                                        </p:attrNameLst>
+                                      </p:cBhvr>
+                                      <p:to>
+                                        <p:strVal val="visible"/>
+                                      </p:to>
+                                    </p:set>
+                                  </p:childTnLst>
+                                </p:cTn>
+                              </p:par>
+                            </p:childTnLst>
+                          </p:cTn>
+                        </p:par>
+                      </p:childTnLst>
+                    </p:cTn>
+                  </p:par>
+                </p:childTnLst>
+              </p:cTn>
+              <p:prevCondLst>
+                <p:cond evt="onPrev" delay="0">
+                  <p:tgtEl>
+                    <p:sldTgt/>
+                  </p:tgtEl>
+                </p:cond>
+              </p:prevCondLst>
+              <p:nextCondLst>
+                <p:cond evt="onNext" delay="0">
+                  <p:tgtEl>
+                    <p:sldTgt/>
+                  </p:tgtEl>
+                </p:cond>
+              </p:nextCondLst>
+            </p:seq>
+          </p:childTnLst>
+        </p:cTn>
+      </p:par>
+    </p:tnLst>
+  </p:timing>
+</p:sld>
+</file>
+
+<file path=ppt/slides/slide27.xml><?xml version="1.0" encoding="utf-8"?>
+<p:sld xmlns:a="http://schemas.openxmlformats.org/drawingml/2006/main" xmlns:r="http://schemas.openxmlformats.org/officeDocument/2006/relationships" xmlns:p="http://schemas.openxmlformats.org/presentationml/2006/main">
+  <p:cSld>
+    <p:spTree>
+      <p:nvGrpSpPr>
+        <p:cNvPr id="1" name=""/>
+        <p:cNvGrpSpPr/>
+        <p:nvPr/>
+      </p:nvGrpSpPr>
+      <p:grpSpPr>
+        <a:xfrm>
+          <a:off x="0" y="0"/>
+          <a:ext cx="0" cy="0"/>
+          <a:chOff x="0" y="0"/>
+          <a:chExt cx="0" cy="0"/>
+        </a:xfrm>
+      </p:grpSpPr>
+      <p:sp>
+        <p:nvSpPr>
+          <p:cNvPr id="2" name="Title 1"/>
+          <p:cNvSpPr>
+            <a:spLocks noGrp="1"/>
+          </p:cNvSpPr>
+          <p:nvPr>
+            <p:ph type="title"/>
+          </p:nvPr>
+        </p:nvSpPr>
+        <p:spPr/>
+        <p:txBody>
+          <a:bodyPr/>
+          <a:lstStyle/>
+          <a:p>
+            <a:r>
+              <a:rPr lang="en-US" dirty="0" smtClean="0"/>
+              <a:t>Adding Middleware in Express</a:t>
+            </a:r>
+            <a:endParaRPr lang="en-US" dirty="0"/>
+          </a:p>
+        </p:txBody>
+      </p:sp>
+      <p:sp>
+        <p:nvSpPr>
+          <p:cNvPr id="3" name="Content Placeholder 2"/>
+          <p:cNvSpPr>
+            <a:spLocks noGrp="1"/>
+          </p:cNvSpPr>
+          <p:nvPr>
+            <p:ph idx="1"/>
+          </p:nvPr>
+        </p:nvSpPr>
+        <p:spPr>
+          <a:xfrm>
+            <a:off x="457200" y="1600201"/>
+            <a:ext cx="8229600" cy="1676400"/>
+          </a:xfrm>
+        </p:spPr>
+        <p:txBody>
+          <a:bodyPr/>
+          <a:lstStyle/>
+          <a:p>
+            <a:r>
+              <a:rPr lang="en-US" dirty="0" smtClean="0"/>
+              <a:t>It’s just a matter of using </a:t>
+            </a:r>
+            <a:r>
+              <a:rPr lang="en-US" dirty="0" err="1" smtClean="0">
+                <a:latin typeface="Courier" charset="0"/>
+              </a:rPr>
+              <a:t>app.use</a:t>
+            </a:r>
+            <a:r>
+              <a:rPr lang="en-US" dirty="0" smtClean="0">
+                <a:latin typeface="Courier" charset="0"/>
+              </a:rPr>
+              <a:t>()</a:t>
+            </a:r>
+            <a:endParaRPr lang="en-US" dirty="0"/>
+          </a:p>
+          <a:p>
+            <a:pPr lvl="1"/>
+            <a:r>
+              <a:rPr lang="en-US" dirty="0" smtClean="0"/>
+              <a:t>Note, </a:t>
+            </a:r>
+            <a:r>
+              <a:rPr lang="en-US" dirty="0" err="1" smtClean="0"/>
+              <a:t>middlewares</a:t>
+            </a:r>
+            <a:r>
+              <a:rPr lang="en-US" dirty="0" smtClean="0"/>
+              <a:t> will run in the order you add them</a:t>
+            </a:r>
+          </a:p>
+        </p:txBody>
+      </p:sp>
+      <p:sp>
+        <p:nvSpPr>
+          <p:cNvPr id="4" name="Footer Placeholder 3"/>
+          <p:cNvSpPr>
+            <a:spLocks noGrp="1"/>
+          </p:cNvSpPr>
+          <p:nvPr>
+            <p:ph type="ftr" sz="quarter" idx="11"/>
+          </p:nvPr>
+        </p:nvSpPr>
+        <p:spPr/>
+        <p:txBody>
+          <a:bodyPr/>
+          <a:lstStyle/>
+          <a:p>
+            <a:r>
+              <a:rPr lang="de-DE" smtClean="0"/>
+              <a:t>All slides can be found at pennapps-nodejs-workshop.herokuapp.com</a:t>
+            </a:r>
+            <a:endParaRPr lang="en-US" dirty="0"/>
+          </a:p>
+        </p:txBody>
+      </p:sp>
+      <p:sp>
+        <p:nvSpPr>
+          <p:cNvPr id="5" name="Slide Number Placeholder 4"/>
+          <p:cNvSpPr>
+            <a:spLocks noGrp="1"/>
+          </p:cNvSpPr>
+          <p:nvPr>
+            <p:ph type="sldNum" sz="quarter" idx="12"/>
+          </p:nvPr>
+        </p:nvSpPr>
+        <p:spPr/>
+        <p:txBody>
+          <a:bodyPr/>
+          <a:lstStyle/>
+          <a:p>
+            <a:fld id="{BE7B5DD7-0E96-E44E-B777-0B9A5C3419CF}" type="slidenum">
+              <a:rPr lang="en-US" smtClean="0"/>
+              <a:t>27</a:t>
+            </a:fld>
+            <a:endParaRPr lang="en-US"/>
+          </a:p>
+        </p:txBody>
+      </p:sp>
+      <p:sp>
+        <p:nvSpPr>
+          <p:cNvPr id="6" name="TextBox 5"/>
+          <p:cNvSpPr txBox="1"/>
+          <p:nvPr/>
+        </p:nvSpPr>
+        <p:spPr>
+          <a:xfrm>
+            <a:off x="451338" y="4216311"/>
+            <a:ext cx="8229599" cy="1200329"/>
+          </a:xfrm>
+          <a:prstGeom prst="rect">
+            <a:avLst/>
+          </a:prstGeom>
+          <a:solidFill>
+            <a:srgbClr val="000000"/>
+          </a:solidFill>
+        </p:spPr>
+        <p:txBody>
+          <a:bodyPr wrap="square" rtlCol="0">
+            <a:spAutoFit/>
+          </a:bodyPr>
+          <a:lstStyle/>
+          <a:p>
+            <a:r>
+              <a:rPr lang="en-US" dirty="0" err="1">
+                <a:solidFill>
+                  <a:srgbClr val="A6E22E"/>
+                </a:solidFill>
+                <a:latin typeface="Menlo" charset="0"/>
+              </a:rPr>
+              <a:t>app</a:t>
+            </a:r>
+            <a:r>
+              <a:rPr lang="en-US" dirty="0" err="1">
+                <a:solidFill>
+                  <a:srgbClr val="F8F8F2"/>
+                </a:solidFill>
+                <a:latin typeface="Menlo" charset="0"/>
+              </a:rPr>
+              <a:t>.</a:t>
+            </a:r>
+            <a:r>
+              <a:rPr lang="en-US" dirty="0" err="1">
+                <a:solidFill>
+                  <a:srgbClr val="A6E22E"/>
+                </a:solidFill>
+                <a:latin typeface="Menlo" charset="0"/>
+              </a:rPr>
+              <a:t>use</a:t>
+            </a:r>
+            <a:r>
+              <a:rPr lang="en-US" dirty="0">
+                <a:solidFill>
+                  <a:srgbClr val="F8F8F2"/>
+                </a:solidFill>
+                <a:latin typeface="Menlo" charset="0"/>
+              </a:rPr>
+              <a:t>(</a:t>
+            </a:r>
+            <a:r>
+              <a:rPr lang="en-US" dirty="0">
+                <a:solidFill>
+                  <a:srgbClr val="66D9EF"/>
+                </a:solidFill>
+                <a:latin typeface="Menlo" charset="0"/>
+              </a:rPr>
+              <a:t>function</a:t>
+            </a:r>
+            <a:r>
+              <a:rPr lang="en-US" dirty="0">
+                <a:solidFill>
+                  <a:srgbClr val="F8F8F2"/>
+                </a:solidFill>
+                <a:latin typeface="Menlo" charset="0"/>
+              </a:rPr>
+              <a:t> (</a:t>
+            </a:r>
+            <a:r>
+              <a:rPr lang="en-US" dirty="0" err="1">
+                <a:solidFill>
+                  <a:srgbClr val="A6E22E"/>
+                </a:solidFill>
+                <a:latin typeface="Menlo" charset="0"/>
+              </a:rPr>
+              <a:t>req</a:t>
+            </a:r>
+            <a:r>
+              <a:rPr lang="en-US" dirty="0">
+                <a:solidFill>
+                  <a:srgbClr val="F8F8F2"/>
+                </a:solidFill>
+                <a:latin typeface="Menlo" charset="0"/>
+              </a:rPr>
+              <a:t>, </a:t>
+            </a:r>
+            <a:r>
+              <a:rPr lang="en-US" dirty="0">
+                <a:solidFill>
+                  <a:srgbClr val="A6E22E"/>
+                </a:solidFill>
+                <a:latin typeface="Menlo" charset="0"/>
+              </a:rPr>
+              <a:t>res</a:t>
+            </a:r>
+            <a:r>
+              <a:rPr lang="en-US" dirty="0">
+                <a:solidFill>
+                  <a:srgbClr val="F8F8F2"/>
+                </a:solidFill>
+                <a:latin typeface="Menlo" charset="0"/>
+              </a:rPr>
+              <a:t>, </a:t>
+            </a:r>
+            <a:r>
+              <a:rPr lang="en-US" dirty="0">
+                <a:solidFill>
+                  <a:srgbClr val="A6E22E"/>
+                </a:solidFill>
+                <a:latin typeface="Menlo" charset="0"/>
+              </a:rPr>
+              <a:t>next</a:t>
+            </a:r>
+            <a:r>
+              <a:rPr lang="en-US" dirty="0">
+                <a:solidFill>
+                  <a:srgbClr val="F8F8F2"/>
+                </a:solidFill>
+                <a:latin typeface="Menlo" charset="0"/>
+              </a:rPr>
+              <a:t>) {</a:t>
+            </a:r>
+          </a:p>
+          <a:p>
+            <a:r>
+              <a:rPr lang="en-US" dirty="0">
+                <a:solidFill>
+                  <a:srgbClr val="F8F8F2"/>
+                </a:solidFill>
+                <a:latin typeface="Menlo" charset="0"/>
+              </a:rPr>
+              <a:t>    </a:t>
+            </a:r>
+            <a:r>
+              <a:rPr lang="en-US" dirty="0" err="1">
+                <a:solidFill>
+                  <a:srgbClr val="A6E22E"/>
+                </a:solidFill>
+                <a:latin typeface="Menlo" charset="0"/>
+              </a:rPr>
+              <a:t>console</a:t>
+            </a:r>
+            <a:r>
+              <a:rPr lang="en-US" dirty="0" err="1">
+                <a:solidFill>
+                  <a:srgbClr val="F8F8F2"/>
+                </a:solidFill>
+                <a:latin typeface="Menlo" charset="0"/>
+              </a:rPr>
+              <a:t>.</a:t>
+            </a:r>
+            <a:r>
+              <a:rPr lang="en-US" dirty="0" err="1">
+                <a:solidFill>
+                  <a:srgbClr val="A6E22E"/>
+                </a:solidFill>
+                <a:latin typeface="Menlo" charset="0"/>
+              </a:rPr>
+              <a:t>log</a:t>
+            </a:r>
+            <a:r>
+              <a:rPr lang="en-US" dirty="0">
+                <a:solidFill>
+                  <a:srgbClr val="F8F8F2"/>
+                </a:solidFill>
+                <a:latin typeface="Menlo" charset="0"/>
+              </a:rPr>
+              <a:t>(</a:t>
+            </a:r>
+            <a:r>
+              <a:rPr lang="en-US" dirty="0">
+                <a:solidFill>
+                  <a:srgbClr val="E6DB74"/>
+                </a:solidFill>
+                <a:latin typeface="Menlo" charset="0"/>
+              </a:rPr>
+              <a:t>'I am a middleware!'</a:t>
+            </a:r>
+            <a:r>
+              <a:rPr lang="en-US" dirty="0">
+                <a:solidFill>
+                  <a:srgbClr val="F8F8F2"/>
+                </a:solidFill>
+                <a:latin typeface="Menlo" charset="0"/>
+              </a:rPr>
+              <a:t>);</a:t>
+            </a:r>
+          </a:p>
+          <a:p>
+            <a:r>
+              <a:rPr lang="en-US" dirty="0">
+                <a:solidFill>
+                  <a:srgbClr val="F8F8F2"/>
+                </a:solidFill>
+                <a:latin typeface="Menlo" charset="0"/>
+              </a:rPr>
+              <a:t>    </a:t>
+            </a:r>
+            <a:r>
+              <a:rPr lang="en-US" dirty="0">
+                <a:solidFill>
+                  <a:srgbClr val="A6E22E"/>
+                </a:solidFill>
+                <a:latin typeface="Menlo" charset="0"/>
+              </a:rPr>
+              <a:t>next</a:t>
+            </a:r>
+            <a:r>
+              <a:rPr lang="en-US" dirty="0">
+                <a:solidFill>
+                  <a:srgbClr val="F8F8F2"/>
+                </a:solidFill>
+                <a:latin typeface="Menlo" charset="0"/>
+              </a:rPr>
+              <a:t>();</a:t>
+            </a:r>
+          </a:p>
+          <a:p>
+            <a:r>
+              <a:rPr lang="it-IT" dirty="0">
+                <a:solidFill>
+                  <a:srgbClr val="F8F8F2"/>
+                </a:solidFill>
+                <a:latin typeface="Menlo" charset="0"/>
+              </a:rPr>
+              <a:t>});</a:t>
+            </a:r>
+          </a:p>
+        </p:txBody>
+      </p:sp>
+    </p:spTree>
+    <p:extLst>
+      <p:ext uri="{BB962C8B-B14F-4D97-AF65-F5344CB8AC3E}">
+        <p14:creationId xmlns:p14="http://schemas.microsoft.com/office/powerpoint/2010/main" val="528374743"/>
+      </p:ext>
+    </p:extLst>
+  </p:cSld>
+  <p:clrMapOvr>
+    <a:masterClrMapping/>
+  </p:clrMapOvr>
+  <p:timing>
+    <p:tnLst>
+      <p:par>
+        <p:cTn id="1" dur="indefinite" restart="never" nodeType="tmRoot"/>
+      </p:par>
+    </p:tnLst>
+  </p:timing>
+</p:sld>
+</file>
+
+<file path=ppt/slides/slide28.xml><?xml version="1.0" encoding="utf-8"?>
+<p:sld xmlns:a="http://schemas.openxmlformats.org/drawingml/2006/main" xmlns:r="http://schemas.openxmlformats.org/officeDocument/2006/relationships" xmlns:p="http://schemas.openxmlformats.org/presentationml/2006/main">
+  <p:cSld>
+    <p:spTree>
+      <p:nvGrpSpPr>
+        <p:cNvPr id="1" name=""/>
+        <p:cNvGrpSpPr/>
+        <p:nvPr/>
+      </p:nvGrpSpPr>
+      <p:grpSpPr>
+        <a:xfrm>
+          <a:off x="0" y="0"/>
+          <a:ext cx="0" cy="0"/>
+          <a:chOff x="0" y="0"/>
+          <a:chExt cx="0" cy="0"/>
+        </a:xfrm>
+      </p:grpSpPr>
+      <p:sp>
+        <p:nvSpPr>
+          <p:cNvPr id="2" name="Title 1"/>
+          <p:cNvSpPr>
+            <a:spLocks noGrp="1"/>
+          </p:cNvSpPr>
+          <p:nvPr>
+            <p:ph type="title"/>
+          </p:nvPr>
+        </p:nvSpPr>
+        <p:spPr/>
+        <p:txBody>
+          <a:bodyPr/>
+          <a:lstStyle/>
+          <a:p>
+            <a:r>
+              <a:rPr lang="en-US" dirty="0" smtClean="0"/>
+              <a:t>The Express Router</a:t>
+            </a:r>
+            <a:endParaRPr lang="en-US" dirty="0"/>
+          </a:p>
+        </p:txBody>
+      </p:sp>
+      <p:sp>
+        <p:nvSpPr>
+          <p:cNvPr id="3" name="Content Placeholder 2"/>
+          <p:cNvSpPr>
+            <a:spLocks noGrp="1"/>
+          </p:cNvSpPr>
+          <p:nvPr>
+            <p:ph idx="1"/>
+          </p:nvPr>
+        </p:nvSpPr>
+        <p:spPr/>
+        <p:txBody>
+          <a:bodyPr/>
+          <a:lstStyle/>
+          <a:p>
+            <a:r>
+              <a:rPr lang="en-US" dirty="0" smtClean="0"/>
+              <a:t>Behaves like middleware</a:t>
+            </a:r>
+          </a:p>
+          <a:p>
+            <a:r>
+              <a:rPr lang="en-US" dirty="0" smtClean="0"/>
+              <a:t>Performs routing functions (i.e. handles requests to different </a:t>
+            </a:r>
+            <a:r>
+              <a:rPr lang="en-US" dirty="0" err="1" smtClean="0"/>
+              <a:t>urls</a:t>
+            </a:r>
+            <a:r>
+              <a:rPr lang="en-US" dirty="0" smtClean="0"/>
+              <a:t>)</a:t>
+            </a:r>
+          </a:p>
+          <a:p>
+            <a:r>
+              <a:rPr lang="en-US" dirty="0" smtClean="0"/>
+              <a:t>Used to modularize your code by defining subsections</a:t>
+            </a:r>
+            <a:endParaRPr lang="en-US" dirty="0"/>
+          </a:p>
+        </p:txBody>
+      </p:sp>
+      <p:sp>
+        <p:nvSpPr>
+          <p:cNvPr id="4" name="Footer Placeholder 3"/>
+          <p:cNvSpPr>
+            <a:spLocks noGrp="1"/>
+          </p:cNvSpPr>
+          <p:nvPr>
+            <p:ph type="ftr" sz="quarter" idx="11"/>
+          </p:nvPr>
+        </p:nvSpPr>
+        <p:spPr/>
+        <p:txBody>
+          <a:bodyPr/>
+          <a:lstStyle/>
+          <a:p>
+            <a:r>
+              <a:rPr lang="de-DE" smtClean="0"/>
+              <a:t>All slides can be found at pennapps-nodejs-workshop.herokuapp.com</a:t>
+            </a:r>
+            <a:endParaRPr lang="en-US" dirty="0"/>
+          </a:p>
+        </p:txBody>
+      </p:sp>
+      <p:sp>
+        <p:nvSpPr>
+          <p:cNvPr id="5" name="Slide Number Placeholder 4"/>
+          <p:cNvSpPr>
+            <a:spLocks noGrp="1"/>
+          </p:cNvSpPr>
+          <p:nvPr>
+            <p:ph type="sldNum" sz="quarter" idx="12"/>
+          </p:nvPr>
+        </p:nvSpPr>
+        <p:spPr/>
+        <p:txBody>
+          <a:bodyPr/>
+          <a:lstStyle/>
+          <a:p>
+            <a:fld id="{BE7B5DD7-0E96-E44E-B777-0B9A5C3419CF}" type="slidenum">
+              <a:rPr lang="en-US" smtClean="0"/>
+              <a:t>28</a:t>
+            </a:fld>
+            <a:endParaRPr lang="en-US"/>
+          </a:p>
+        </p:txBody>
+      </p:sp>
+    </p:spTree>
+    <p:extLst>
+      <p:ext uri="{BB962C8B-B14F-4D97-AF65-F5344CB8AC3E}">
+        <p14:creationId xmlns:p14="http://schemas.microsoft.com/office/powerpoint/2010/main" val="1043016932"/>
+      </p:ext>
+    </p:extLst>
+  </p:cSld>
+  <p:clrMapOvr>
+    <a:masterClrMapping/>
+  </p:clrMapOvr>
+  <p:timing>
+    <p:tnLst>
+      <p:par>
+        <p:cTn id="1" dur="indefinite" restart="never" nodeType="tmRoot">
+          <p:childTnLst>
+            <p:seq concurrent="1" nextAc="seek">
+              <p:cTn id="2" dur="indefinite" nodeType="mainSeq">
+                <p:childTnLst>
+                  <p:par>
+                    <p:cTn id="3" fill="hold">
+                      <p:stCondLst>
+                        <p:cond delay="indefinite"/>
+                      </p:stCondLst>
+                      <p:childTnLst>
+                        <p:par>
+                          <p:cTn id="4" fill="hold">
+                            <p:stCondLst>
+                              <p:cond delay="0"/>
+                            </p:stCondLst>
+                            <p:childTnLst>
+                              <p:par>
+                                <p:cTn id="5" presetID="1" presetClass="entr" presetSubtype="0" fill="hold" nodeType="clickEffect">
+                                  <p:stCondLst>
+                                    <p:cond delay="0"/>
+                                  </p:stCondLst>
+                                  <p:childTnLst>
+                                    <p:set>
+                                      <p:cBhvr>
+                                        <p:cTn id="6" dur="1" fill="hold">
+                                          <p:stCondLst>
+                                            <p:cond delay="0"/>
+                                          </p:stCondLst>
+                                        </p:cTn>
+                                        <p:tgtEl>
+                                          <p:spTgt spid="3">
+                                            <p:txEl>
+                                              <p:pRg st="1" end="1"/>
+                                            </p:txEl>
+                                          </p:spTgt>
+                                        </p:tgtEl>
+                                        <p:attrNameLst>
+                                          <p:attrName>style.visibility</p:attrName>
+                                        </p:attrNameLst>
+                                      </p:cBhvr>
+                                      <p:to>
+                                        <p:strVal val="visible"/>
+                                      </p:to>
+                                    </p:set>
+                                  </p:childTnLst>
+                                </p:cTn>
+                              </p:par>
+                            </p:childTnLst>
+                          </p:cTn>
+                        </p:par>
+                      </p:childTnLst>
+                    </p:cTn>
+                  </p:par>
+                  <p:par>
+                    <p:cTn id="7" fill="hold">
+                      <p:stCondLst>
+                        <p:cond delay="indefinite"/>
+                      </p:stCondLst>
+                      <p:childTnLst>
+                        <p:par>
+                          <p:cTn id="8" fill="hold">
+                            <p:stCondLst>
+                              <p:cond delay="0"/>
+                            </p:stCondLst>
+                            <p:childTnLst>
+                              <p:par>
+                                <p:cTn id="9" presetID="1" presetClass="entr" presetSubtype="0" fill="hold" nodeType="clickEffect">
+                                  <p:stCondLst>
+                                    <p:cond delay="0"/>
+                                  </p:stCondLst>
+                                  <p:childTnLst>
+                                    <p:set>
+                                      <p:cBhvr>
+                                        <p:cTn id="10" dur="1" fill="hold">
+                                          <p:stCondLst>
+                                            <p:cond delay="0"/>
+                                          </p:stCondLst>
+                                        </p:cTn>
+                                        <p:tgtEl>
+                                          <p:spTgt spid="3">
+                                            <p:txEl>
+                                              <p:pRg st="2" end="2"/>
+                                            </p:txEl>
+                                          </p:spTgt>
+                                        </p:tgtEl>
+                                        <p:attrNameLst>
+                                          <p:attrName>style.visibility</p:attrName>
+                                        </p:attrNameLst>
+                                      </p:cBhvr>
+                                      <p:to>
+                                        <p:strVal val="visible"/>
+                                      </p:to>
+                                    </p:set>
+                                  </p:childTnLst>
+                                </p:cTn>
+                              </p:par>
+                            </p:childTnLst>
+                          </p:cTn>
+                        </p:par>
+                      </p:childTnLst>
+                    </p:cTn>
+                  </p:par>
+                </p:childTnLst>
+              </p:cTn>
+              <p:prevCondLst>
+                <p:cond evt="onPrev" delay="0">
+                  <p:tgtEl>
+                    <p:sldTgt/>
+                  </p:tgtEl>
+                </p:cond>
+              </p:prevCondLst>
+              <p:nextCondLst>
+                <p:cond evt="onNext" delay="0">
+                  <p:tgtEl>
+                    <p:sldTgt/>
+                  </p:tgtEl>
+                </p:cond>
+              </p:nextCondLst>
+            </p:seq>
+          </p:childTnLst>
+        </p:cTn>
+      </p:par>
+    </p:tnLst>
+  </p:timing>
+</p:sld>
+</file>
+
+<file path=ppt/slides/slide29.xml><?xml version="1.0" encoding="utf-8"?>
+<p:sld xmlns:a="http://schemas.openxmlformats.org/drawingml/2006/main" xmlns:r="http://schemas.openxmlformats.org/officeDocument/2006/relationships" xmlns:p="http://schemas.openxmlformats.org/presentationml/2006/main">
+  <p:cSld>
+    <p:spTree>
+      <p:nvGrpSpPr>
+        <p:cNvPr id="1" name=""/>
+        <p:cNvGrpSpPr/>
+        <p:nvPr/>
+      </p:nvGrpSpPr>
+      <p:grpSpPr>
+        <a:xfrm>
+          <a:off x="0" y="0"/>
+          <a:ext cx="0" cy="0"/>
+          <a:chOff x="0" y="0"/>
+          <a:chExt cx="0" cy="0"/>
+        </a:xfrm>
+      </p:grpSpPr>
+      <p:sp>
+        <p:nvSpPr>
+          <p:cNvPr id="2" name="Title 1"/>
+          <p:cNvSpPr>
+            <a:spLocks noGrp="1"/>
+          </p:cNvSpPr>
+          <p:nvPr>
+            <p:ph type="title"/>
+          </p:nvPr>
+        </p:nvSpPr>
+        <p:spPr/>
+        <p:txBody>
+          <a:bodyPr/>
+          <a:lstStyle/>
+          <a:p>
+            <a:r>
+              <a:rPr lang="en-US" dirty="0" smtClean="0"/>
+              <a:t>Router Example</a:t>
+            </a:r>
+            <a:endParaRPr lang="en-US" dirty="0"/>
+          </a:p>
+        </p:txBody>
+      </p:sp>
+      <p:sp>
+        <p:nvSpPr>
+          <p:cNvPr id="3" name="Content Placeholder 2"/>
+          <p:cNvSpPr>
+            <a:spLocks noGrp="1"/>
+          </p:cNvSpPr>
+          <p:nvPr>
+            <p:ph idx="1"/>
+          </p:nvPr>
+        </p:nvSpPr>
+        <p:spPr>
+          <a:xfrm>
+            <a:off x="457200" y="1828800"/>
+            <a:ext cx="8229600" cy="4114800"/>
+          </a:xfrm>
+          <a:solidFill>
+            <a:srgbClr val="000000"/>
+          </a:solidFill>
+        </p:spPr>
+        <p:txBody>
+          <a:bodyPr>
+            <a:normAutofit fontScale="77500" lnSpcReduction="20000"/>
+          </a:bodyPr>
+          <a:lstStyle/>
+          <a:p>
+            <a:pPr marL="0" indent="0">
+              <a:buNone/>
+            </a:pPr>
+            <a:r>
+              <a:rPr lang="en-US" dirty="0" err="1">
+                <a:solidFill>
+                  <a:srgbClr val="66D9EF"/>
+                </a:solidFill>
+                <a:latin typeface="Menlo" charset="0"/>
+              </a:rPr>
+              <a:t>var</a:t>
+            </a:r>
+            <a:r>
+              <a:rPr lang="en-US" dirty="0">
+                <a:solidFill>
+                  <a:srgbClr val="F8F8F2"/>
+                </a:solidFill>
+                <a:latin typeface="Menlo" charset="0"/>
+              </a:rPr>
+              <a:t> </a:t>
+            </a:r>
+            <a:r>
+              <a:rPr lang="en-US" dirty="0">
+                <a:solidFill>
+                  <a:srgbClr val="A6E22E"/>
+                </a:solidFill>
+                <a:latin typeface="Menlo" charset="0"/>
+              </a:rPr>
+              <a:t>router</a:t>
+            </a:r>
+            <a:r>
+              <a:rPr lang="en-US" dirty="0">
+                <a:solidFill>
+                  <a:srgbClr val="F8F8F2"/>
+                </a:solidFill>
+                <a:latin typeface="Menlo" charset="0"/>
+              </a:rPr>
+              <a:t> </a:t>
+            </a:r>
+            <a:r>
+              <a:rPr lang="en-US" dirty="0">
+                <a:solidFill>
+                  <a:srgbClr val="F92672"/>
+                </a:solidFill>
+                <a:latin typeface="Menlo" charset="0"/>
+              </a:rPr>
+              <a:t>=</a:t>
+            </a:r>
+            <a:r>
+              <a:rPr lang="en-US" dirty="0">
+                <a:solidFill>
+                  <a:srgbClr val="F8F8F2"/>
+                </a:solidFill>
+                <a:latin typeface="Menlo" charset="0"/>
+              </a:rPr>
+              <a:t> </a:t>
+            </a:r>
+            <a:r>
+              <a:rPr lang="en-US" dirty="0" err="1">
+                <a:solidFill>
+                  <a:srgbClr val="A6E22E"/>
+                </a:solidFill>
+                <a:latin typeface="Menlo" charset="0"/>
+              </a:rPr>
+              <a:t>express</a:t>
+            </a:r>
+            <a:r>
+              <a:rPr lang="en-US" dirty="0" err="1">
+                <a:solidFill>
+                  <a:srgbClr val="F8F8F2"/>
+                </a:solidFill>
+                <a:latin typeface="Menlo" charset="0"/>
+              </a:rPr>
+              <a:t>.</a:t>
+            </a:r>
+            <a:r>
+              <a:rPr lang="en-US" dirty="0" err="1">
+                <a:solidFill>
+                  <a:srgbClr val="A6E22E"/>
+                </a:solidFill>
+                <a:latin typeface="Menlo" charset="0"/>
+              </a:rPr>
+              <a:t>Router</a:t>
+            </a:r>
+            <a:r>
+              <a:rPr lang="en-US" dirty="0">
+                <a:solidFill>
+                  <a:srgbClr val="F8F8F2"/>
+                </a:solidFill>
+                <a:latin typeface="Menlo" charset="0"/>
+              </a:rPr>
+              <a:t>();</a:t>
+            </a:r>
+          </a:p>
+          <a:p>
+            <a:pPr marL="0" indent="0">
+              <a:buNone/>
+            </a:pPr>
+            <a:r>
+              <a:rPr lang="en-US" dirty="0" err="1">
+                <a:solidFill>
+                  <a:srgbClr val="A6E22E"/>
+                </a:solidFill>
+                <a:latin typeface="Menlo" charset="0"/>
+              </a:rPr>
+              <a:t>router</a:t>
+            </a:r>
+            <a:r>
+              <a:rPr lang="en-US" dirty="0" err="1">
+                <a:solidFill>
+                  <a:srgbClr val="F8F8F2"/>
+                </a:solidFill>
+                <a:latin typeface="Menlo" charset="0"/>
+              </a:rPr>
+              <a:t>.</a:t>
+            </a:r>
+            <a:r>
+              <a:rPr lang="en-US" dirty="0" err="1">
+                <a:solidFill>
+                  <a:srgbClr val="A6E22E"/>
+                </a:solidFill>
+                <a:latin typeface="Menlo" charset="0"/>
+              </a:rPr>
+              <a:t>use</a:t>
+            </a:r>
+            <a:r>
+              <a:rPr lang="en-US" dirty="0">
+                <a:solidFill>
+                  <a:srgbClr val="F8F8F2"/>
+                </a:solidFill>
+                <a:latin typeface="Menlo" charset="0"/>
+              </a:rPr>
+              <a:t>(</a:t>
+            </a:r>
+            <a:r>
+              <a:rPr lang="en-US" dirty="0">
+                <a:solidFill>
+                  <a:srgbClr val="66D9EF"/>
+                </a:solidFill>
+                <a:latin typeface="Menlo" charset="0"/>
+              </a:rPr>
+              <a:t>function</a:t>
+            </a:r>
+            <a:r>
+              <a:rPr lang="en-US" dirty="0">
+                <a:solidFill>
+                  <a:srgbClr val="F8F8F2"/>
+                </a:solidFill>
+                <a:latin typeface="Menlo" charset="0"/>
+              </a:rPr>
+              <a:t> (</a:t>
+            </a:r>
+            <a:r>
+              <a:rPr lang="en-US" dirty="0" err="1">
+                <a:solidFill>
+                  <a:srgbClr val="A6E22E"/>
+                </a:solidFill>
+                <a:latin typeface="Menlo" charset="0"/>
+              </a:rPr>
+              <a:t>req</a:t>
+            </a:r>
+            <a:r>
+              <a:rPr lang="en-US" dirty="0">
+                <a:solidFill>
+                  <a:srgbClr val="F8F8F2"/>
+                </a:solidFill>
+                <a:latin typeface="Menlo" charset="0"/>
+              </a:rPr>
+              <a:t>, </a:t>
+            </a:r>
+            <a:r>
+              <a:rPr lang="en-US" dirty="0">
+                <a:solidFill>
+                  <a:srgbClr val="A6E22E"/>
+                </a:solidFill>
+                <a:latin typeface="Menlo" charset="0"/>
+              </a:rPr>
+              <a:t>res</a:t>
+            </a:r>
+            <a:r>
+              <a:rPr lang="en-US" dirty="0">
+                <a:solidFill>
+                  <a:srgbClr val="F8F8F2"/>
+                </a:solidFill>
+                <a:latin typeface="Menlo" charset="0"/>
+              </a:rPr>
+              <a:t>, </a:t>
+            </a:r>
+            <a:r>
+              <a:rPr lang="en-US" dirty="0">
+                <a:solidFill>
+                  <a:srgbClr val="A6E22E"/>
+                </a:solidFill>
+                <a:latin typeface="Menlo" charset="0"/>
+              </a:rPr>
+              <a:t>next</a:t>
+            </a:r>
+            <a:r>
+              <a:rPr lang="en-US" dirty="0">
+                <a:solidFill>
+                  <a:srgbClr val="F8F8F2"/>
+                </a:solidFill>
+                <a:latin typeface="Menlo" charset="0"/>
+              </a:rPr>
+              <a:t>) {</a:t>
+            </a:r>
+          </a:p>
+          <a:p>
+            <a:pPr marL="0" indent="0">
+              <a:buNone/>
+            </a:pPr>
+            <a:r>
+              <a:rPr lang="en-US" dirty="0">
+                <a:solidFill>
+                  <a:srgbClr val="F8F8F2"/>
+                </a:solidFill>
+                <a:latin typeface="Menlo" charset="0"/>
+              </a:rPr>
+              <a:t>    </a:t>
+            </a:r>
+            <a:r>
+              <a:rPr lang="en-US" dirty="0" err="1">
+                <a:solidFill>
+                  <a:srgbClr val="A6E22E"/>
+                </a:solidFill>
+                <a:latin typeface="Menlo" charset="0"/>
+              </a:rPr>
+              <a:t>console</a:t>
+            </a:r>
+            <a:r>
+              <a:rPr lang="en-US" dirty="0" err="1">
+                <a:solidFill>
+                  <a:srgbClr val="F8F8F2"/>
+                </a:solidFill>
+                <a:latin typeface="Menlo" charset="0"/>
+              </a:rPr>
+              <a:t>.</a:t>
+            </a:r>
+            <a:r>
+              <a:rPr lang="en-US" dirty="0" err="1">
+                <a:solidFill>
+                  <a:srgbClr val="A6E22E"/>
+                </a:solidFill>
+                <a:latin typeface="Menlo" charset="0"/>
+              </a:rPr>
+              <a:t>log</a:t>
+            </a:r>
+            <a:r>
+              <a:rPr lang="en-US" dirty="0">
+                <a:solidFill>
+                  <a:srgbClr val="F8F8F2"/>
+                </a:solidFill>
+                <a:latin typeface="Menlo" charset="0"/>
+              </a:rPr>
+              <a:t>(</a:t>
+            </a:r>
+            <a:r>
+              <a:rPr lang="en-US" dirty="0">
+                <a:solidFill>
+                  <a:srgbClr val="E6DB74"/>
+                </a:solidFill>
+                <a:latin typeface="Menlo" charset="0"/>
+              </a:rPr>
+              <a:t>'I am running from a router!'</a:t>
+            </a:r>
+            <a:r>
+              <a:rPr lang="en-US" dirty="0">
+                <a:solidFill>
+                  <a:srgbClr val="F8F8F2"/>
+                </a:solidFill>
+                <a:latin typeface="Menlo" charset="0"/>
+              </a:rPr>
+              <a:t>);</a:t>
+            </a:r>
+          </a:p>
+          <a:p>
+            <a:pPr marL="0" indent="0">
+              <a:buNone/>
+            </a:pPr>
+            <a:r>
+              <a:rPr lang="en-US" dirty="0">
+                <a:solidFill>
+                  <a:srgbClr val="F8F8F2"/>
+                </a:solidFill>
+                <a:latin typeface="Menlo" charset="0"/>
+              </a:rPr>
+              <a:t>    </a:t>
+            </a:r>
+            <a:r>
+              <a:rPr lang="en-US" dirty="0">
+                <a:solidFill>
+                  <a:srgbClr val="A6E22E"/>
+                </a:solidFill>
+                <a:latin typeface="Menlo" charset="0"/>
+              </a:rPr>
+              <a:t>next</a:t>
+            </a:r>
+            <a:r>
+              <a:rPr lang="en-US" dirty="0">
+                <a:solidFill>
+                  <a:srgbClr val="F8F8F2"/>
+                </a:solidFill>
+                <a:latin typeface="Menlo" charset="0"/>
+              </a:rPr>
+              <a:t>();</a:t>
+            </a:r>
+          </a:p>
+          <a:p>
+            <a:pPr marL="0" indent="0">
+              <a:buNone/>
+            </a:pPr>
+            <a:r>
+              <a:rPr lang="it-IT" dirty="0">
+                <a:solidFill>
+                  <a:srgbClr val="F8F8F2"/>
+                </a:solidFill>
+                <a:latin typeface="Menlo" charset="0"/>
+              </a:rPr>
+              <a:t>});</a:t>
+            </a:r>
+          </a:p>
+          <a:p>
+            <a:pPr marL="0" indent="0">
+              <a:buNone/>
+            </a:pPr>
+            <a:r>
+              <a:rPr lang="it-IT" dirty="0" err="1">
+                <a:solidFill>
+                  <a:srgbClr val="A6E22E"/>
+                </a:solidFill>
+                <a:latin typeface="Menlo" charset="0"/>
+              </a:rPr>
+              <a:t>router</a:t>
+            </a:r>
+            <a:r>
+              <a:rPr lang="it-IT" dirty="0" err="1">
+                <a:solidFill>
+                  <a:srgbClr val="F8F8F2"/>
+                </a:solidFill>
+                <a:latin typeface="Menlo" charset="0"/>
+              </a:rPr>
+              <a:t>.</a:t>
+            </a:r>
+            <a:r>
+              <a:rPr lang="it-IT" dirty="0" err="1">
+                <a:solidFill>
+                  <a:srgbClr val="A6E22E"/>
+                </a:solidFill>
+                <a:latin typeface="Menlo" charset="0"/>
+              </a:rPr>
+              <a:t>get</a:t>
+            </a:r>
+            <a:r>
+              <a:rPr lang="it-IT" dirty="0">
+                <a:solidFill>
+                  <a:srgbClr val="F8F8F2"/>
+                </a:solidFill>
+                <a:latin typeface="Menlo" charset="0"/>
+              </a:rPr>
+              <a:t>(</a:t>
+            </a:r>
+            <a:r>
+              <a:rPr lang="it-IT" dirty="0">
+                <a:solidFill>
+                  <a:srgbClr val="E6DB74"/>
+                </a:solidFill>
+                <a:latin typeface="Menlo" charset="0"/>
+              </a:rPr>
+              <a:t>'/'</a:t>
+            </a:r>
+            <a:r>
+              <a:rPr lang="it-IT" dirty="0">
+                <a:solidFill>
+                  <a:srgbClr val="F8F8F2"/>
+                </a:solidFill>
+                <a:latin typeface="Menlo" charset="0"/>
+              </a:rPr>
+              <a:t>, </a:t>
+            </a:r>
+            <a:r>
+              <a:rPr lang="it-IT" dirty="0" err="1">
+                <a:solidFill>
+                  <a:srgbClr val="66D9EF"/>
+                </a:solidFill>
+                <a:latin typeface="Menlo" charset="0"/>
+              </a:rPr>
+              <a:t>function</a:t>
+            </a:r>
+            <a:r>
+              <a:rPr lang="it-IT" dirty="0">
+                <a:solidFill>
+                  <a:srgbClr val="F8F8F2"/>
+                </a:solidFill>
+                <a:latin typeface="Menlo" charset="0"/>
+              </a:rPr>
+              <a:t> (</a:t>
+            </a:r>
+            <a:r>
+              <a:rPr lang="it-IT" dirty="0" err="1">
+                <a:solidFill>
+                  <a:srgbClr val="A6E22E"/>
+                </a:solidFill>
+                <a:latin typeface="Menlo" charset="0"/>
+              </a:rPr>
+              <a:t>req</a:t>
+            </a:r>
+            <a:r>
+              <a:rPr lang="it-IT" dirty="0">
+                <a:solidFill>
+                  <a:srgbClr val="F8F8F2"/>
+                </a:solidFill>
+                <a:latin typeface="Menlo" charset="0"/>
+              </a:rPr>
+              <a:t>, </a:t>
+            </a:r>
+            <a:r>
+              <a:rPr lang="it-IT" dirty="0">
+                <a:solidFill>
+                  <a:srgbClr val="A6E22E"/>
+                </a:solidFill>
+                <a:latin typeface="Menlo" charset="0"/>
+              </a:rPr>
+              <a:t>res</a:t>
+            </a:r>
+            <a:r>
+              <a:rPr lang="it-IT" dirty="0">
+                <a:solidFill>
+                  <a:srgbClr val="F8F8F2"/>
+                </a:solidFill>
+                <a:latin typeface="Menlo" charset="0"/>
+              </a:rPr>
+              <a:t>, </a:t>
+            </a:r>
+            <a:r>
+              <a:rPr lang="it-IT" dirty="0" err="1">
+                <a:solidFill>
+                  <a:srgbClr val="A6E22E"/>
+                </a:solidFill>
+                <a:latin typeface="Menlo" charset="0"/>
+              </a:rPr>
+              <a:t>next</a:t>
+            </a:r>
+            <a:r>
+              <a:rPr lang="it-IT" dirty="0">
+                <a:solidFill>
+                  <a:srgbClr val="F8F8F2"/>
+                </a:solidFill>
+                <a:latin typeface="Menlo" charset="0"/>
+              </a:rPr>
+              <a:t>) {</a:t>
+            </a:r>
+          </a:p>
+          <a:p>
+            <a:pPr marL="0" indent="0">
+              <a:buNone/>
+            </a:pPr>
+            <a:r>
+              <a:rPr lang="it-IT" dirty="0">
+                <a:solidFill>
+                  <a:srgbClr val="F8F8F2"/>
+                </a:solidFill>
+                <a:latin typeface="Menlo" charset="0"/>
+              </a:rPr>
+              <a:t>    </a:t>
+            </a:r>
+            <a:r>
+              <a:rPr lang="it-IT" dirty="0" err="1">
+                <a:solidFill>
+                  <a:srgbClr val="A6E22E"/>
+                </a:solidFill>
+                <a:latin typeface="Menlo" charset="0"/>
+              </a:rPr>
+              <a:t>res</a:t>
+            </a:r>
+            <a:r>
+              <a:rPr lang="it-IT" dirty="0" err="1">
+                <a:solidFill>
+                  <a:srgbClr val="F8F8F2"/>
+                </a:solidFill>
+                <a:latin typeface="Menlo" charset="0"/>
+              </a:rPr>
+              <a:t>.</a:t>
+            </a:r>
+            <a:r>
+              <a:rPr lang="it-IT" dirty="0" err="1">
+                <a:solidFill>
+                  <a:srgbClr val="A6E22E"/>
+                </a:solidFill>
+                <a:latin typeface="Menlo" charset="0"/>
+              </a:rPr>
+              <a:t>send</a:t>
+            </a:r>
+            <a:r>
+              <a:rPr lang="it-IT" dirty="0">
+                <a:solidFill>
+                  <a:srgbClr val="F8F8F2"/>
+                </a:solidFill>
+                <a:latin typeface="Menlo" charset="0"/>
+              </a:rPr>
+              <a:t>(</a:t>
+            </a:r>
+            <a:r>
+              <a:rPr lang="it-IT" dirty="0">
+                <a:solidFill>
+                  <a:srgbClr val="E6DB74"/>
+                </a:solidFill>
+                <a:latin typeface="Menlo" charset="0"/>
+              </a:rPr>
+              <a:t>'Hello from the router!'</a:t>
+            </a:r>
+            <a:r>
+              <a:rPr lang="it-IT" dirty="0">
+                <a:solidFill>
+                  <a:srgbClr val="F8F8F2"/>
+                </a:solidFill>
+                <a:latin typeface="Menlo" charset="0"/>
+              </a:rPr>
+              <a:t>);</a:t>
+            </a:r>
+          </a:p>
+          <a:p>
+            <a:pPr marL="0" indent="0">
+              <a:buNone/>
+            </a:pPr>
+            <a:r>
+              <a:rPr lang="it-IT" dirty="0">
+                <a:solidFill>
+                  <a:srgbClr val="F8F8F2"/>
+                </a:solidFill>
+                <a:latin typeface="Menlo" charset="0"/>
+              </a:rPr>
+              <a:t>});</a:t>
+            </a:r>
+          </a:p>
+          <a:p>
+            <a:pPr marL="0" indent="0">
+              <a:buNone/>
+            </a:pPr>
+            <a:r>
+              <a:rPr lang="it-IT" dirty="0" err="1">
+                <a:solidFill>
+                  <a:srgbClr val="A6E22E"/>
+                </a:solidFill>
+                <a:latin typeface="Menlo" charset="0"/>
+              </a:rPr>
+              <a:t>app</a:t>
+            </a:r>
+            <a:r>
+              <a:rPr lang="it-IT" dirty="0" err="1">
+                <a:solidFill>
+                  <a:srgbClr val="F8F8F2"/>
+                </a:solidFill>
+                <a:latin typeface="Menlo" charset="0"/>
+              </a:rPr>
+              <a:t>.</a:t>
+            </a:r>
+            <a:r>
+              <a:rPr lang="it-IT" dirty="0" err="1">
+                <a:solidFill>
+                  <a:srgbClr val="A6E22E"/>
+                </a:solidFill>
+                <a:latin typeface="Menlo" charset="0"/>
+              </a:rPr>
+              <a:t>use</a:t>
+            </a:r>
+            <a:r>
+              <a:rPr lang="it-IT" dirty="0">
+                <a:solidFill>
+                  <a:srgbClr val="F8F8F2"/>
+                </a:solidFill>
+                <a:latin typeface="Menlo" charset="0"/>
+              </a:rPr>
+              <a:t>(</a:t>
+            </a:r>
+            <a:r>
+              <a:rPr lang="it-IT" dirty="0">
+                <a:solidFill>
+                  <a:srgbClr val="E6DB74"/>
+                </a:solidFill>
+                <a:latin typeface="Menlo" charset="0"/>
+              </a:rPr>
+              <a:t>'/router'</a:t>
+            </a:r>
+            <a:r>
+              <a:rPr lang="it-IT" dirty="0">
+                <a:solidFill>
+                  <a:srgbClr val="F8F8F2"/>
+                </a:solidFill>
+                <a:latin typeface="Menlo" charset="0"/>
+              </a:rPr>
+              <a:t>, </a:t>
+            </a:r>
+            <a:r>
+              <a:rPr lang="it-IT" dirty="0">
+                <a:solidFill>
+                  <a:srgbClr val="A6E22E"/>
+                </a:solidFill>
+                <a:latin typeface="Menlo" charset="0"/>
+              </a:rPr>
+              <a:t>router</a:t>
+            </a:r>
+            <a:r>
+              <a:rPr lang="it-IT" dirty="0" smtClean="0">
+                <a:solidFill>
+                  <a:srgbClr val="F8F8F2"/>
+                </a:solidFill>
+                <a:latin typeface="Menlo" charset="0"/>
+              </a:rPr>
+              <a:t>);</a:t>
+            </a:r>
+            <a:endParaRPr lang="it-IT" dirty="0">
+              <a:solidFill>
+                <a:srgbClr val="F8F8F2"/>
+              </a:solidFill>
+              <a:latin typeface="Menlo" charset="0"/>
+            </a:endParaRPr>
+          </a:p>
+        </p:txBody>
+      </p:sp>
+      <p:sp>
+        <p:nvSpPr>
+          <p:cNvPr id="4" name="Footer Placeholder 3"/>
+          <p:cNvSpPr>
+            <a:spLocks noGrp="1"/>
+          </p:cNvSpPr>
+          <p:nvPr>
+            <p:ph type="ftr" sz="quarter" idx="11"/>
+          </p:nvPr>
+        </p:nvSpPr>
+        <p:spPr/>
+        <p:txBody>
+          <a:bodyPr/>
+          <a:lstStyle/>
+          <a:p>
+            <a:r>
+              <a:rPr lang="de-DE" smtClean="0"/>
+              <a:t>All slides can be found at pennapps-nodejs-workshop.herokuapp.com</a:t>
+            </a:r>
+            <a:endParaRPr lang="en-US" dirty="0"/>
+          </a:p>
+        </p:txBody>
+      </p:sp>
+      <p:sp>
+        <p:nvSpPr>
+          <p:cNvPr id="5" name="Slide Number Placeholder 4"/>
+          <p:cNvSpPr>
+            <a:spLocks noGrp="1"/>
+          </p:cNvSpPr>
+          <p:nvPr>
+            <p:ph type="sldNum" sz="quarter" idx="12"/>
+          </p:nvPr>
+        </p:nvSpPr>
+        <p:spPr/>
+        <p:txBody>
+          <a:bodyPr/>
+          <a:lstStyle/>
+          <a:p>
+            <a:fld id="{BE7B5DD7-0E96-E44E-B777-0B9A5C3419CF}" type="slidenum">
+              <a:rPr lang="en-US" smtClean="0"/>
+              <a:t>29</a:t>
+            </a:fld>
+            <a:endParaRPr lang="en-US"/>
+          </a:p>
+        </p:txBody>
+      </p:sp>
+    </p:spTree>
+    <p:extLst>
+      <p:ext uri="{BB962C8B-B14F-4D97-AF65-F5344CB8AC3E}">
+        <p14:creationId xmlns:p14="http://schemas.microsoft.com/office/powerpoint/2010/main" val="594185458"/>
       </p:ext>
     </p:extLst>
   </p:cSld>
@@ -8076,7 +12187,7 @@
           <a:p>
             <a:r>
               <a:rPr lang="de-DE" smtClean="0"/>
-              <a:t>PennApps Node JS Workshop</a:t>
+              <a:t>All slides can be found at pennapps-nodejs-workshop.herokuapp.com</a:t>
             </a:r>
             <a:endParaRPr lang="en-US"/>
           </a:p>
@@ -8121,6 +12232,3734 @@
         <p:cTn id="1" dur="indefinite" restart="never" nodeType="tmRoot"/>
       </p:par>
     </p:tnLst>
+  </p:timing>
+</p:sld>
+</file>
+
+<file path=ppt/slides/slide30.xml><?xml version="1.0" encoding="utf-8"?>
+<p:sld xmlns:a="http://schemas.openxmlformats.org/drawingml/2006/main" xmlns:r="http://schemas.openxmlformats.org/officeDocument/2006/relationships" xmlns:p="http://schemas.openxmlformats.org/presentationml/2006/main">
+  <p:cSld>
+    <p:spTree>
+      <p:nvGrpSpPr>
+        <p:cNvPr id="1" name=""/>
+        <p:cNvGrpSpPr/>
+        <p:nvPr/>
+      </p:nvGrpSpPr>
+      <p:grpSpPr>
+        <a:xfrm>
+          <a:off x="0" y="0"/>
+          <a:ext cx="0" cy="0"/>
+          <a:chOff x="0" y="0"/>
+          <a:chExt cx="0" cy="0"/>
+        </a:xfrm>
+      </p:grpSpPr>
+      <p:sp>
+        <p:nvSpPr>
+          <p:cNvPr id="2" name="Title 1"/>
+          <p:cNvSpPr>
+            <a:spLocks noGrp="1"/>
+          </p:cNvSpPr>
+          <p:nvPr>
+            <p:ph type="title"/>
+          </p:nvPr>
+        </p:nvSpPr>
+        <p:spPr/>
+        <p:txBody>
+          <a:bodyPr>
+            <a:normAutofit/>
+          </a:bodyPr>
+          <a:lstStyle/>
+          <a:p>
+            <a:r>
+              <a:rPr lang="en-US" dirty="0"/>
+              <a:t>Router </a:t>
+            </a:r>
+            <a:r>
+              <a:rPr lang="en-US" dirty="0" smtClean="0"/>
+              <a:t>Methods</a:t>
+            </a:r>
+            <a:endParaRPr lang="en-US" dirty="0"/>
+          </a:p>
+        </p:txBody>
+      </p:sp>
+      <p:sp>
+        <p:nvSpPr>
+          <p:cNvPr id="3" name="Content Placeholder 2"/>
+          <p:cNvSpPr>
+            <a:spLocks noGrp="1"/>
+          </p:cNvSpPr>
+          <p:nvPr>
+            <p:ph idx="1"/>
+          </p:nvPr>
+        </p:nvSpPr>
+        <p:spPr>
+          <a:xfrm>
+            <a:off x="457200" y="1600201"/>
+            <a:ext cx="8229600" cy="3352800"/>
+          </a:xfrm>
+        </p:spPr>
+        <p:txBody>
+          <a:bodyPr>
+            <a:normAutofit/>
+          </a:bodyPr>
+          <a:lstStyle/>
+          <a:p>
+            <a:r>
+              <a:rPr lang="en-US" dirty="0"/>
+              <a:t>We've already seen that routers </a:t>
+            </a:r>
+            <a:r>
+              <a:rPr lang="en-US" dirty="0" smtClean="0"/>
+              <a:t>can:</a:t>
+            </a:r>
+          </a:p>
+          <a:p>
+            <a:pPr lvl="1"/>
+            <a:r>
+              <a:rPr lang="en-US" dirty="0" smtClean="0"/>
+              <a:t>use middleware</a:t>
+            </a:r>
+          </a:p>
+          <a:p>
+            <a:pPr lvl="1"/>
+            <a:r>
+              <a:rPr lang="en-US" dirty="0" smtClean="0"/>
+              <a:t>handle </a:t>
+            </a:r>
+            <a:r>
+              <a:rPr lang="en-US" dirty="0"/>
+              <a:t>"get" </a:t>
+            </a:r>
+            <a:r>
+              <a:rPr lang="en-US" dirty="0" smtClean="0"/>
+              <a:t>requests</a:t>
+            </a:r>
+          </a:p>
+          <a:p>
+            <a:r>
+              <a:rPr lang="en-US" dirty="0" smtClean="0"/>
+              <a:t>You </a:t>
+            </a:r>
+            <a:r>
+              <a:rPr lang="en-US" dirty="0"/>
+              <a:t>can actually handle ANY HTTP verb just by calling </a:t>
+            </a:r>
+            <a:r>
+              <a:rPr lang="en-US" dirty="0" err="1">
+                <a:latin typeface="Courier" charset="0"/>
+              </a:rPr>
+              <a:t>router.verb</a:t>
+            </a:r>
+            <a:r>
+              <a:rPr lang="en-US" dirty="0" smtClean="0">
+                <a:latin typeface="Courier" charset="0"/>
+              </a:rPr>
+              <a:t>()</a:t>
+            </a:r>
+            <a:endParaRPr lang="en-US" dirty="0"/>
+          </a:p>
+          <a:p>
+            <a:r>
+              <a:rPr lang="en-US" dirty="0" smtClean="0"/>
+              <a:t>Supported </a:t>
+            </a:r>
+            <a:r>
+              <a:rPr lang="en-US" dirty="0"/>
+              <a:t>methods include</a:t>
+            </a:r>
+            <a:r>
+              <a:rPr lang="en-US" dirty="0" smtClean="0"/>
+              <a:t>:</a:t>
+            </a:r>
+          </a:p>
+        </p:txBody>
+      </p:sp>
+      <p:sp>
+        <p:nvSpPr>
+          <p:cNvPr id="4" name="Footer Placeholder 3"/>
+          <p:cNvSpPr>
+            <a:spLocks noGrp="1"/>
+          </p:cNvSpPr>
+          <p:nvPr>
+            <p:ph type="ftr" sz="quarter" idx="11"/>
+          </p:nvPr>
+        </p:nvSpPr>
+        <p:spPr/>
+        <p:txBody>
+          <a:bodyPr/>
+          <a:lstStyle/>
+          <a:p>
+            <a:r>
+              <a:rPr lang="de-DE" smtClean="0"/>
+              <a:t>All slides can be found at pennapps-nodejs-workshop.herokuapp.com</a:t>
+            </a:r>
+            <a:endParaRPr lang="en-US" dirty="0"/>
+          </a:p>
+        </p:txBody>
+      </p:sp>
+      <p:sp>
+        <p:nvSpPr>
+          <p:cNvPr id="5" name="Slide Number Placeholder 4"/>
+          <p:cNvSpPr>
+            <a:spLocks noGrp="1"/>
+          </p:cNvSpPr>
+          <p:nvPr>
+            <p:ph type="sldNum" sz="quarter" idx="12"/>
+          </p:nvPr>
+        </p:nvSpPr>
+        <p:spPr/>
+        <p:txBody>
+          <a:bodyPr/>
+          <a:lstStyle/>
+          <a:p>
+            <a:fld id="{BE7B5DD7-0E96-E44E-B777-0B9A5C3419CF}" type="slidenum">
+              <a:rPr lang="en-US" smtClean="0"/>
+              <a:t>30</a:t>
+            </a:fld>
+            <a:endParaRPr lang="en-US"/>
+          </a:p>
+        </p:txBody>
+      </p:sp>
+      <p:sp>
+        <p:nvSpPr>
+          <p:cNvPr id="6" name="TextBox 5"/>
+          <p:cNvSpPr txBox="1"/>
+          <p:nvPr/>
+        </p:nvSpPr>
+        <p:spPr>
+          <a:xfrm>
+            <a:off x="460132" y="4967149"/>
+            <a:ext cx="8229599" cy="1200329"/>
+          </a:xfrm>
+          <a:prstGeom prst="rect">
+            <a:avLst/>
+          </a:prstGeom>
+          <a:noFill/>
+        </p:spPr>
+        <p:txBody>
+          <a:bodyPr wrap="square" numCol="2" rtlCol="0">
+            <a:spAutoFit/>
+          </a:bodyPr>
+          <a:lstStyle/>
+          <a:p>
+            <a:pPr marL="742950" lvl="1" indent="-285750">
+              <a:buFont typeface="Arial" charset="0"/>
+              <a:buChar char="•"/>
+            </a:pPr>
+            <a:r>
+              <a:rPr lang="en-US" sz="2400" dirty="0" err="1">
+                <a:latin typeface="Courier" charset="0"/>
+              </a:rPr>
+              <a:t>router.use</a:t>
+            </a:r>
+            <a:r>
+              <a:rPr lang="en-US" sz="2400" dirty="0">
+                <a:latin typeface="Courier" charset="0"/>
+              </a:rPr>
+              <a:t>()</a:t>
+            </a:r>
+          </a:p>
+          <a:p>
+            <a:pPr marL="742950" lvl="1" indent="-285750" algn="just">
+              <a:buFont typeface="Arial" charset="0"/>
+              <a:buChar char="•"/>
+            </a:pPr>
+            <a:r>
+              <a:rPr lang="en-US" sz="2400" dirty="0" err="1">
+                <a:latin typeface="Courier" charset="0"/>
+              </a:rPr>
+              <a:t>router.get</a:t>
+            </a:r>
+            <a:r>
+              <a:rPr lang="en-US" sz="2400" dirty="0">
+                <a:latin typeface="Courier" charset="0"/>
+              </a:rPr>
+              <a:t>()</a:t>
+            </a:r>
+          </a:p>
+          <a:p>
+            <a:pPr marL="742950" lvl="1" indent="-285750" algn="just">
+              <a:buFont typeface="Arial" charset="0"/>
+              <a:buChar char="•"/>
+            </a:pPr>
+            <a:r>
+              <a:rPr lang="en-US" sz="2400" dirty="0" err="1">
+                <a:latin typeface="Courier" charset="0"/>
+              </a:rPr>
+              <a:t>router.post</a:t>
+            </a:r>
+            <a:r>
+              <a:rPr lang="en-US" sz="2400" dirty="0" smtClean="0">
+                <a:latin typeface="Courier" charset="0"/>
+              </a:rPr>
+              <a:t>()</a:t>
+            </a:r>
+            <a:endParaRPr lang="en-US" sz="2400" dirty="0">
+              <a:latin typeface="Courier" charset="0"/>
+            </a:endParaRPr>
+          </a:p>
+          <a:p>
+            <a:pPr marL="742950" lvl="1" indent="-285750" algn="just">
+              <a:buFont typeface="Arial" charset="0"/>
+              <a:buChar char="•"/>
+            </a:pPr>
+            <a:r>
+              <a:rPr lang="en-US" sz="2400" dirty="0" err="1">
+                <a:latin typeface="Courier" charset="0"/>
+              </a:rPr>
+              <a:t>router.put</a:t>
+            </a:r>
+            <a:r>
+              <a:rPr lang="en-US" sz="2400" dirty="0">
+                <a:latin typeface="Courier" charset="0"/>
+              </a:rPr>
+              <a:t>()</a:t>
+            </a:r>
+          </a:p>
+          <a:p>
+            <a:pPr marL="742950" lvl="1" indent="-285750" algn="just">
+              <a:buFont typeface="Arial" charset="0"/>
+              <a:buChar char="•"/>
+            </a:pPr>
+            <a:r>
+              <a:rPr lang="en-US" sz="2400" dirty="0" err="1">
+                <a:latin typeface="Courier" charset="0"/>
+              </a:rPr>
+              <a:t>router.patch</a:t>
+            </a:r>
+            <a:r>
+              <a:rPr lang="en-US" sz="2400" dirty="0">
+                <a:latin typeface="Courier" charset="0"/>
+              </a:rPr>
+              <a:t>()</a:t>
+            </a:r>
+          </a:p>
+          <a:p>
+            <a:pPr marL="742950" lvl="1" indent="-285750" algn="just">
+              <a:buFont typeface="Arial" charset="0"/>
+              <a:buChar char="•"/>
+            </a:pPr>
+            <a:r>
+              <a:rPr lang="en-US" sz="2400" dirty="0" err="1">
+                <a:latin typeface="Courier" charset="0"/>
+              </a:rPr>
+              <a:t>router.delete</a:t>
+            </a:r>
+            <a:r>
+              <a:rPr lang="en-US" sz="2400" dirty="0">
+                <a:latin typeface="Courier" charset="0"/>
+              </a:rPr>
+              <a:t>()</a:t>
+            </a:r>
+            <a:endParaRPr lang="en-US" sz="2400" dirty="0">
+              <a:latin typeface="Courier" charset="0"/>
+            </a:endParaRPr>
+          </a:p>
+        </p:txBody>
+      </p:sp>
+    </p:spTree>
+    <p:extLst>
+      <p:ext uri="{BB962C8B-B14F-4D97-AF65-F5344CB8AC3E}">
+        <p14:creationId xmlns:p14="http://schemas.microsoft.com/office/powerpoint/2010/main" val="825264175"/>
+      </p:ext>
+    </p:extLst>
+  </p:cSld>
+  <p:clrMapOvr>
+    <a:masterClrMapping/>
+  </p:clrMapOvr>
+  <p:timing>
+    <p:tnLst>
+      <p:par>
+        <p:cTn id="1" dur="indefinite" restart="never" nodeType="tmRoot">
+          <p:childTnLst>
+            <p:seq concurrent="1" nextAc="seek">
+              <p:cTn id="2" dur="indefinite" nodeType="mainSeq">
+                <p:childTnLst>
+                  <p:par>
+                    <p:cTn id="3" fill="hold">
+                      <p:stCondLst>
+                        <p:cond delay="indefinite"/>
+                      </p:stCondLst>
+                      <p:childTnLst>
+                        <p:par>
+                          <p:cTn id="4" fill="hold">
+                            <p:stCondLst>
+                              <p:cond delay="0"/>
+                            </p:stCondLst>
+                            <p:childTnLst>
+                              <p:par>
+                                <p:cTn id="5" presetID="1" presetClass="entr" presetSubtype="0" fill="hold" nodeType="clickEffect">
+                                  <p:stCondLst>
+                                    <p:cond delay="0"/>
+                                  </p:stCondLst>
+                                  <p:childTnLst>
+                                    <p:set>
+                                      <p:cBhvr>
+                                        <p:cTn id="6" dur="1" fill="hold">
+                                          <p:stCondLst>
+                                            <p:cond delay="0"/>
+                                          </p:stCondLst>
+                                        </p:cTn>
+                                        <p:tgtEl>
+                                          <p:spTgt spid="3">
+                                            <p:txEl>
+                                              <p:pRg st="1" end="1"/>
+                                            </p:txEl>
+                                          </p:spTgt>
+                                        </p:tgtEl>
+                                        <p:attrNameLst>
+                                          <p:attrName>style.visibility</p:attrName>
+                                        </p:attrNameLst>
+                                      </p:cBhvr>
+                                      <p:to>
+                                        <p:strVal val="visible"/>
+                                      </p:to>
+                                    </p:set>
+                                  </p:childTnLst>
+                                </p:cTn>
+                              </p:par>
+                            </p:childTnLst>
+                          </p:cTn>
+                        </p:par>
+                      </p:childTnLst>
+                    </p:cTn>
+                  </p:par>
+                  <p:par>
+                    <p:cTn id="7" fill="hold">
+                      <p:stCondLst>
+                        <p:cond delay="indefinite"/>
+                      </p:stCondLst>
+                      <p:childTnLst>
+                        <p:par>
+                          <p:cTn id="8" fill="hold">
+                            <p:stCondLst>
+                              <p:cond delay="0"/>
+                            </p:stCondLst>
+                            <p:childTnLst>
+                              <p:par>
+                                <p:cTn id="9" presetID="1" presetClass="entr" presetSubtype="0" fill="hold" nodeType="clickEffect">
+                                  <p:stCondLst>
+                                    <p:cond delay="0"/>
+                                  </p:stCondLst>
+                                  <p:childTnLst>
+                                    <p:set>
+                                      <p:cBhvr>
+                                        <p:cTn id="10" dur="1" fill="hold">
+                                          <p:stCondLst>
+                                            <p:cond delay="0"/>
+                                          </p:stCondLst>
+                                        </p:cTn>
+                                        <p:tgtEl>
+                                          <p:spTgt spid="3">
+                                            <p:txEl>
+                                              <p:pRg st="2" end="2"/>
+                                            </p:txEl>
+                                          </p:spTgt>
+                                        </p:tgtEl>
+                                        <p:attrNameLst>
+                                          <p:attrName>style.visibility</p:attrName>
+                                        </p:attrNameLst>
+                                      </p:cBhvr>
+                                      <p:to>
+                                        <p:strVal val="visible"/>
+                                      </p:to>
+                                    </p:set>
+                                  </p:childTnLst>
+                                </p:cTn>
+                              </p:par>
+                            </p:childTnLst>
+                          </p:cTn>
+                        </p:par>
+                      </p:childTnLst>
+                    </p:cTn>
+                  </p:par>
+                  <p:par>
+                    <p:cTn id="11" fill="hold">
+                      <p:stCondLst>
+                        <p:cond delay="indefinite"/>
+                      </p:stCondLst>
+                      <p:childTnLst>
+                        <p:par>
+                          <p:cTn id="12" fill="hold">
+                            <p:stCondLst>
+                              <p:cond delay="0"/>
+                            </p:stCondLst>
+                            <p:childTnLst>
+                              <p:par>
+                                <p:cTn id="13" presetID="1" presetClass="entr" presetSubtype="0" fill="hold" nodeType="clickEffect">
+                                  <p:stCondLst>
+                                    <p:cond delay="0"/>
+                                  </p:stCondLst>
+                                  <p:childTnLst>
+                                    <p:set>
+                                      <p:cBhvr>
+                                        <p:cTn id="14" dur="1" fill="hold">
+                                          <p:stCondLst>
+                                            <p:cond delay="0"/>
+                                          </p:stCondLst>
+                                        </p:cTn>
+                                        <p:tgtEl>
+                                          <p:spTgt spid="3">
+                                            <p:txEl>
+                                              <p:pRg st="3" end="3"/>
+                                            </p:txEl>
+                                          </p:spTgt>
+                                        </p:tgtEl>
+                                        <p:attrNameLst>
+                                          <p:attrName>style.visibility</p:attrName>
+                                        </p:attrNameLst>
+                                      </p:cBhvr>
+                                      <p:to>
+                                        <p:strVal val="visible"/>
+                                      </p:to>
+                                    </p:set>
+                                  </p:childTnLst>
+                                </p:cTn>
+                              </p:par>
+                              <p:par>
+                                <p:cTn id="15" presetID="1" presetClass="entr" presetSubtype="0" fill="hold" nodeType="withEffect">
+                                  <p:stCondLst>
+                                    <p:cond delay="0"/>
+                                  </p:stCondLst>
+                                  <p:childTnLst>
+                                    <p:set>
+                                      <p:cBhvr>
+                                        <p:cTn id="16" dur="1" fill="hold">
+                                          <p:stCondLst>
+                                            <p:cond delay="0"/>
+                                          </p:stCondLst>
+                                        </p:cTn>
+                                        <p:tgtEl>
+                                          <p:spTgt spid="3">
+                                            <p:txEl>
+                                              <p:pRg st="4" end="4"/>
+                                            </p:txEl>
+                                          </p:spTgt>
+                                        </p:tgtEl>
+                                        <p:attrNameLst>
+                                          <p:attrName>style.visibility</p:attrName>
+                                        </p:attrNameLst>
+                                      </p:cBhvr>
+                                      <p:to>
+                                        <p:strVal val="visible"/>
+                                      </p:to>
+                                    </p:set>
+                                  </p:childTnLst>
+                                </p:cTn>
+                              </p:par>
+                            </p:childTnLst>
+                          </p:cTn>
+                        </p:par>
+                      </p:childTnLst>
+                    </p:cTn>
+                  </p:par>
+                  <p:par>
+                    <p:cTn id="17" fill="hold">
+                      <p:stCondLst>
+                        <p:cond delay="indefinite"/>
+                      </p:stCondLst>
+                      <p:childTnLst>
+                        <p:par>
+                          <p:cTn id="18" fill="hold">
+                            <p:stCondLst>
+                              <p:cond delay="0"/>
+                            </p:stCondLst>
+                            <p:childTnLst>
+                              <p:par>
+                                <p:cTn id="19" presetID="1" presetClass="entr" presetSubtype="0" fill="hold" grpId="0" nodeType="clickEffect">
+                                  <p:stCondLst>
+                                    <p:cond delay="0"/>
+                                  </p:stCondLst>
+                                  <p:childTnLst>
+                                    <p:set>
+                                      <p:cBhvr>
+                                        <p:cTn id="20" dur="1" fill="hold">
+                                          <p:stCondLst>
+                                            <p:cond delay="0"/>
+                                          </p:stCondLst>
+                                        </p:cTn>
+                                        <p:tgtEl>
+                                          <p:spTgt spid="6"/>
+                                        </p:tgtEl>
+                                        <p:attrNameLst>
+                                          <p:attrName>style.visibility</p:attrName>
+                                        </p:attrNameLst>
+                                      </p:cBhvr>
+                                      <p:to>
+                                        <p:strVal val="visible"/>
+                                      </p:to>
+                                    </p:set>
+                                  </p:childTnLst>
+                                </p:cTn>
+                              </p:par>
+                            </p:childTnLst>
+                          </p:cTn>
+                        </p:par>
+                      </p:childTnLst>
+                    </p:cTn>
+                  </p:par>
+                </p:childTnLst>
+              </p:cTn>
+              <p:prevCondLst>
+                <p:cond evt="onPrev" delay="0">
+                  <p:tgtEl>
+                    <p:sldTgt/>
+                  </p:tgtEl>
+                </p:cond>
+              </p:prevCondLst>
+              <p:nextCondLst>
+                <p:cond evt="onNext" delay="0">
+                  <p:tgtEl>
+                    <p:sldTgt/>
+                  </p:tgtEl>
+                </p:cond>
+              </p:nextCondLst>
+            </p:seq>
+          </p:childTnLst>
+        </p:cTn>
+      </p:par>
+    </p:tnLst>
+    <p:bldLst>
+      <p:bldP spid="6" grpId="0"/>
+    </p:bldLst>
+  </p:timing>
+</p:sld>
+</file>
+
+<file path=ppt/slides/slide31.xml><?xml version="1.0" encoding="utf-8"?>
+<p:sld xmlns:a="http://schemas.openxmlformats.org/drawingml/2006/main" xmlns:r="http://schemas.openxmlformats.org/officeDocument/2006/relationships" xmlns:p="http://schemas.openxmlformats.org/presentationml/2006/main">
+  <p:cSld>
+    <p:spTree>
+      <p:nvGrpSpPr>
+        <p:cNvPr id="1" name=""/>
+        <p:cNvGrpSpPr/>
+        <p:nvPr/>
+      </p:nvGrpSpPr>
+      <p:grpSpPr>
+        <a:xfrm>
+          <a:off x="0" y="0"/>
+          <a:ext cx="0" cy="0"/>
+          <a:chOff x="0" y="0"/>
+          <a:chExt cx="0" cy="0"/>
+        </a:xfrm>
+      </p:grpSpPr>
+      <p:sp>
+        <p:nvSpPr>
+          <p:cNvPr id="2" name="Title 1"/>
+          <p:cNvSpPr>
+            <a:spLocks noGrp="1"/>
+          </p:cNvSpPr>
+          <p:nvPr>
+            <p:ph type="title"/>
+          </p:nvPr>
+        </p:nvSpPr>
+        <p:spPr/>
+        <p:txBody>
+          <a:bodyPr/>
+          <a:lstStyle/>
+          <a:p>
+            <a:r>
+              <a:rPr lang="en-US" dirty="0" smtClean="0"/>
+              <a:t>Route Parameters</a:t>
+            </a:r>
+            <a:endParaRPr lang="en-US" dirty="0"/>
+          </a:p>
+        </p:txBody>
+      </p:sp>
+      <p:sp>
+        <p:nvSpPr>
+          <p:cNvPr id="3" name="Content Placeholder 2"/>
+          <p:cNvSpPr>
+            <a:spLocks noGrp="1"/>
+          </p:cNvSpPr>
+          <p:nvPr>
+            <p:ph idx="1"/>
+          </p:nvPr>
+        </p:nvSpPr>
+        <p:spPr/>
+        <p:txBody>
+          <a:bodyPr>
+            <a:normAutofit fontScale="92500"/>
+          </a:bodyPr>
+          <a:lstStyle/>
+          <a:p>
+            <a:r>
+              <a:rPr lang="en-US" dirty="0"/>
+              <a:t>By putting a colon before a section of a route, you can create a </a:t>
+            </a:r>
+            <a:r>
+              <a:rPr lang="en-US" i="1" dirty="0"/>
+              <a:t>parametrized </a:t>
+            </a:r>
+            <a:r>
+              <a:rPr lang="en-US" i="1" dirty="0" smtClean="0"/>
+              <a:t>route</a:t>
+            </a:r>
+            <a:endParaRPr lang="en-US" dirty="0"/>
+          </a:p>
+          <a:p>
+            <a:pPr lvl="1"/>
+            <a:r>
+              <a:rPr lang="en-US" dirty="0" smtClean="0"/>
+              <a:t>with </a:t>
+            </a:r>
+            <a:r>
+              <a:rPr lang="en-US" dirty="0"/>
+              <a:t>the parameter values available on </a:t>
+            </a:r>
+            <a:r>
+              <a:rPr lang="en-US" dirty="0" err="1" smtClean="0">
+                <a:latin typeface="Courier" charset="0"/>
+              </a:rPr>
+              <a:t>req.params</a:t>
+            </a:r>
+            <a:endParaRPr lang="en-US" dirty="0" smtClean="0">
+              <a:latin typeface="Courier" charset="0"/>
+            </a:endParaRPr>
+          </a:p>
+          <a:p>
+            <a:r>
+              <a:rPr lang="en-US" dirty="0" smtClean="0"/>
+              <a:t>For </a:t>
+            </a:r>
+            <a:r>
+              <a:rPr lang="en-US" dirty="0"/>
+              <a:t>example, if you have the route </a:t>
+            </a:r>
+            <a:r>
+              <a:rPr lang="en-US" dirty="0">
+                <a:latin typeface="Courier" charset="0"/>
+              </a:rPr>
+              <a:t>/user/:id</a:t>
+            </a:r>
+            <a:r>
+              <a:rPr lang="en-US" dirty="0"/>
+              <a:t>, then it will match</a:t>
+            </a:r>
+            <a:r>
+              <a:rPr lang="en-US" dirty="0" smtClean="0"/>
+              <a:t>:</a:t>
+            </a:r>
+          </a:p>
+          <a:p>
+            <a:pPr lvl="1"/>
+            <a:r>
+              <a:rPr lang="en-US" dirty="0"/>
+              <a:t>/user/1234 → </a:t>
+            </a:r>
+            <a:r>
+              <a:rPr lang="en-US" dirty="0" err="1"/>
+              <a:t>req.params.id</a:t>
+            </a:r>
+            <a:r>
+              <a:rPr lang="en-US" dirty="0"/>
+              <a:t> = </a:t>
+            </a:r>
+            <a:r>
+              <a:rPr lang="en-US" dirty="0" smtClean="0"/>
+              <a:t>‘1234’</a:t>
+            </a:r>
+            <a:endParaRPr lang="en-US" dirty="0"/>
+          </a:p>
+          <a:p>
+            <a:pPr lvl="1"/>
+            <a:r>
+              <a:rPr lang="en-US" dirty="0"/>
+              <a:t>/</a:t>
+            </a:r>
+            <a:r>
+              <a:rPr lang="en-US" dirty="0" smtClean="0"/>
+              <a:t>user/</a:t>
+            </a:r>
+            <a:r>
+              <a:rPr lang="en-US" dirty="0" err="1" smtClean="0"/>
+              <a:t>justin</a:t>
+            </a:r>
+            <a:r>
+              <a:rPr lang="en-US" dirty="0"/>
+              <a:t> → </a:t>
+            </a:r>
+            <a:r>
+              <a:rPr lang="en-US" dirty="0" err="1"/>
+              <a:t>req.params.id</a:t>
+            </a:r>
+            <a:r>
+              <a:rPr lang="en-US" dirty="0"/>
+              <a:t> = </a:t>
+            </a:r>
+            <a:r>
+              <a:rPr lang="en-US" dirty="0" smtClean="0"/>
+              <a:t>‘</a:t>
+            </a:r>
+            <a:r>
+              <a:rPr lang="en-US" dirty="0" err="1" smtClean="0"/>
+              <a:t>justin</a:t>
+            </a:r>
+            <a:r>
+              <a:rPr lang="en-US" dirty="0" smtClean="0"/>
+              <a:t>’</a:t>
+            </a:r>
+            <a:endParaRPr lang="en-US" dirty="0"/>
+          </a:p>
+          <a:p>
+            <a:pPr lvl="1"/>
+            <a:r>
+              <a:rPr lang="en-US" dirty="0"/>
+              <a:t>/user/id → </a:t>
+            </a:r>
+            <a:r>
+              <a:rPr lang="en-US" dirty="0" err="1"/>
+              <a:t>req.params.id</a:t>
+            </a:r>
+            <a:r>
+              <a:rPr lang="en-US" dirty="0"/>
+              <a:t> = </a:t>
+            </a:r>
+            <a:r>
+              <a:rPr lang="en-US" dirty="0" smtClean="0"/>
+              <a:t>‘id’</a:t>
+            </a:r>
+            <a:endParaRPr lang="en-US" dirty="0"/>
+          </a:p>
+          <a:p>
+            <a:r>
+              <a:rPr lang="en-US" dirty="0" smtClean="0"/>
+              <a:t>Useful for creating a RESTful API</a:t>
+            </a:r>
+            <a:endParaRPr lang="en-US" dirty="0"/>
+          </a:p>
+        </p:txBody>
+      </p:sp>
+      <p:sp>
+        <p:nvSpPr>
+          <p:cNvPr id="4" name="Footer Placeholder 3"/>
+          <p:cNvSpPr>
+            <a:spLocks noGrp="1"/>
+          </p:cNvSpPr>
+          <p:nvPr>
+            <p:ph type="ftr" sz="quarter" idx="11"/>
+          </p:nvPr>
+        </p:nvSpPr>
+        <p:spPr/>
+        <p:txBody>
+          <a:bodyPr/>
+          <a:lstStyle/>
+          <a:p>
+            <a:r>
+              <a:rPr lang="de-DE" smtClean="0"/>
+              <a:t>All slides can be found at pennapps-nodejs-workshop.herokuapp.com</a:t>
+            </a:r>
+            <a:endParaRPr lang="en-US" dirty="0"/>
+          </a:p>
+        </p:txBody>
+      </p:sp>
+      <p:sp>
+        <p:nvSpPr>
+          <p:cNvPr id="5" name="Slide Number Placeholder 4"/>
+          <p:cNvSpPr>
+            <a:spLocks noGrp="1"/>
+          </p:cNvSpPr>
+          <p:nvPr>
+            <p:ph type="sldNum" sz="quarter" idx="12"/>
+          </p:nvPr>
+        </p:nvSpPr>
+        <p:spPr/>
+        <p:txBody>
+          <a:bodyPr/>
+          <a:lstStyle/>
+          <a:p>
+            <a:fld id="{BE7B5DD7-0E96-E44E-B777-0B9A5C3419CF}" type="slidenum">
+              <a:rPr lang="en-US" smtClean="0"/>
+              <a:t>31</a:t>
+            </a:fld>
+            <a:endParaRPr lang="en-US"/>
+          </a:p>
+        </p:txBody>
+      </p:sp>
+    </p:spTree>
+    <p:extLst>
+      <p:ext uri="{BB962C8B-B14F-4D97-AF65-F5344CB8AC3E}">
+        <p14:creationId xmlns:p14="http://schemas.microsoft.com/office/powerpoint/2010/main" val="988271118"/>
+      </p:ext>
+    </p:extLst>
+  </p:cSld>
+  <p:clrMapOvr>
+    <a:masterClrMapping/>
+  </p:clrMapOvr>
+  <p:timing>
+    <p:tnLst>
+      <p:par>
+        <p:cTn id="1" dur="indefinite" restart="never" nodeType="tmRoot">
+          <p:childTnLst>
+            <p:seq concurrent="1" nextAc="seek">
+              <p:cTn id="2" dur="indefinite" nodeType="mainSeq">
+                <p:childTnLst>
+                  <p:par>
+                    <p:cTn id="3" fill="hold">
+                      <p:stCondLst>
+                        <p:cond delay="indefinite"/>
+                      </p:stCondLst>
+                      <p:childTnLst>
+                        <p:par>
+                          <p:cTn id="4" fill="hold">
+                            <p:stCondLst>
+                              <p:cond delay="0"/>
+                            </p:stCondLst>
+                            <p:childTnLst>
+                              <p:par>
+                                <p:cTn id="5" presetID="1" presetClass="entr" presetSubtype="0" fill="hold" nodeType="clickEffect">
+                                  <p:stCondLst>
+                                    <p:cond delay="0"/>
+                                  </p:stCondLst>
+                                  <p:childTnLst>
+                                    <p:set>
+                                      <p:cBhvr>
+                                        <p:cTn id="6" dur="1" fill="hold">
+                                          <p:stCondLst>
+                                            <p:cond delay="0"/>
+                                          </p:stCondLst>
+                                        </p:cTn>
+                                        <p:tgtEl>
+                                          <p:spTgt spid="3">
+                                            <p:txEl>
+                                              <p:pRg st="2" end="2"/>
+                                            </p:txEl>
+                                          </p:spTgt>
+                                        </p:tgtEl>
+                                        <p:attrNameLst>
+                                          <p:attrName>style.visibility</p:attrName>
+                                        </p:attrNameLst>
+                                      </p:cBhvr>
+                                      <p:to>
+                                        <p:strVal val="visible"/>
+                                      </p:to>
+                                    </p:set>
+                                  </p:childTnLst>
+                                </p:cTn>
+                              </p:par>
+                            </p:childTnLst>
+                          </p:cTn>
+                        </p:par>
+                      </p:childTnLst>
+                    </p:cTn>
+                  </p:par>
+                  <p:par>
+                    <p:cTn id="7" fill="hold">
+                      <p:stCondLst>
+                        <p:cond delay="indefinite"/>
+                      </p:stCondLst>
+                      <p:childTnLst>
+                        <p:par>
+                          <p:cTn id="8" fill="hold">
+                            <p:stCondLst>
+                              <p:cond delay="0"/>
+                            </p:stCondLst>
+                            <p:childTnLst>
+                              <p:par>
+                                <p:cTn id="9" presetID="1" presetClass="entr" presetSubtype="0" fill="hold" nodeType="clickEffect">
+                                  <p:stCondLst>
+                                    <p:cond delay="0"/>
+                                  </p:stCondLst>
+                                  <p:childTnLst>
+                                    <p:set>
+                                      <p:cBhvr>
+                                        <p:cTn id="10" dur="1" fill="hold">
+                                          <p:stCondLst>
+                                            <p:cond delay="0"/>
+                                          </p:stCondLst>
+                                        </p:cTn>
+                                        <p:tgtEl>
+                                          <p:spTgt spid="3">
+                                            <p:txEl>
+                                              <p:pRg st="3" end="3"/>
+                                            </p:txEl>
+                                          </p:spTgt>
+                                        </p:tgtEl>
+                                        <p:attrNameLst>
+                                          <p:attrName>style.visibility</p:attrName>
+                                        </p:attrNameLst>
+                                      </p:cBhvr>
+                                      <p:to>
+                                        <p:strVal val="visible"/>
+                                      </p:to>
+                                    </p:set>
+                                  </p:childTnLst>
+                                </p:cTn>
+                              </p:par>
+                            </p:childTnLst>
+                          </p:cTn>
+                        </p:par>
+                      </p:childTnLst>
+                    </p:cTn>
+                  </p:par>
+                  <p:par>
+                    <p:cTn id="11" fill="hold">
+                      <p:stCondLst>
+                        <p:cond delay="indefinite"/>
+                      </p:stCondLst>
+                      <p:childTnLst>
+                        <p:par>
+                          <p:cTn id="12" fill="hold">
+                            <p:stCondLst>
+                              <p:cond delay="0"/>
+                            </p:stCondLst>
+                            <p:childTnLst>
+                              <p:par>
+                                <p:cTn id="13" presetID="1" presetClass="entr" presetSubtype="0" fill="hold" nodeType="clickEffect">
+                                  <p:stCondLst>
+                                    <p:cond delay="0"/>
+                                  </p:stCondLst>
+                                  <p:childTnLst>
+                                    <p:set>
+                                      <p:cBhvr>
+                                        <p:cTn id="14" dur="1" fill="hold">
+                                          <p:stCondLst>
+                                            <p:cond delay="0"/>
+                                          </p:stCondLst>
+                                        </p:cTn>
+                                        <p:tgtEl>
+                                          <p:spTgt spid="3">
+                                            <p:txEl>
+                                              <p:pRg st="4" end="4"/>
+                                            </p:txEl>
+                                          </p:spTgt>
+                                        </p:tgtEl>
+                                        <p:attrNameLst>
+                                          <p:attrName>style.visibility</p:attrName>
+                                        </p:attrNameLst>
+                                      </p:cBhvr>
+                                      <p:to>
+                                        <p:strVal val="visible"/>
+                                      </p:to>
+                                    </p:set>
+                                  </p:childTnLst>
+                                </p:cTn>
+                              </p:par>
+                            </p:childTnLst>
+                          </p:cTn>
+                        </p:par>
+                      </p:childTnLst>
+                    </p:cTn>
+                  </p:par>
+                  <p:par>
+                    <p:cTn id="15" fill="hold">
+                      <p:stCondLst>
+                        <p:cond delay="indefinite"/>
+                      </p:stCondLst>
+                      <p:childTnLst>
+                        <p:par>
+                          <p:cTn id="16" fill="hold">
+                            <p:stCondLst>
+                              <p:cond delay="0"/>
+                            </p:stCondLst>
+                            <p:childTnLst>
+                              <p:par>
+                                <p:cTn id="17" presetID="1" presetClass="entr" presetSubtype="0" fill="hold" nodeType="clickEffect">
+                                  <p:stCondLst>
+                                    <p:cond delay="0"/>
+                                  </p:stCondLst>
+                                  <p:childTnLst>
+                                    <p:set>
+                                      <p:cBhvr>
+                                        <p:cTn id="18" dur="1" fill="hold">
+                                          <p:stCondLst>
+                                            <p:cond delay="0"/>
+                                          </p:stCondLst>
+                                        </p:cTn>
+                                        <p:tgtEl>
+                                          <p:spTgt spid="3">
+                                            <p:txEl>
+                                              <p:pRg st="5" end="5"/>
+                                            </p:txEl>
+                                          </p:spTgt>
+                                        </p:tgtEl>
+                                        <p:attrNameLst>
+                                          <p:attrName>style.visibility</p:attrName>
+                                        </p:attrNameLst>
+                                      </p:cBhvr>
+                                      <p:to>
+                                        <p:strVal val="visible"/>
+                                      </p:to>
+                                    </p:set>
+                                  </p:childTnLst>
+                                </p:cTn>
+                              </p:par>
+                            </p:childTnLst>
+                          </p:cTn>
+                        </p:par>
+                      </p:childTnLst>
+                    </p:cTn>
+                  </p:par>
+                  <p:par>
+                    <p:cTn id="19" fill="hold">
+                      <p:stCondLst>
+                        <p:cond delay="indefinite"/>
+                      </p:stCondLst>
+                      <p:childTnLst>
+                        <p:par>
+                          <p:cTn id="20" fill="hold">
+                            <p:stCondLst>
+                              <p:cond delay="0"/>
+                            </p:stCondLst>
+                            <p:childTnLst>
+                              <p:par>
+                                <p:cTn id="21" presetID="1" presetClass="entr" presetSubtype="0" fill="hold" nodeType="clickEffect">
+                                  <p:stCondLst>
+                                    <p:cond delay="0"/>
+                                  </p:stCondLst>
+                                  <p:childTnLst>
+                                    <p:set>
+                                      <p:cBhvr>
+                                        <p:cTn id="22" dur="1" fill="hold">
+                                          <p:stCondLst>
+                                            <p:cond delay="0"/>
+                                          </p:stCondLst>
+                                        </p:cTn>
+                                        <p:tgtEl>
+                                          <p:spTgt spid="3">
+                                            <p:txEl>
+                                              <p:pRg st="6" end="6"/>
+                                            </p:txEl>
+                                          </p:spTgt>
+                                        </p:tgtEl>
+                                        <p:attrNameLst>
+                                          <p:attrName>style.visibility</p:attrName>
+                                        </p:attrNameLst>
+                                      </p:cBhvr>
+                                      <p:to>
+                                        <p:strVal val="visible"/>
+                                      </p:to>
+                                    </p:set>
+                                  </p:childTnLst>
+                                </p:cTn>
+                              </p:par>
+                            </p:childTnLst>
+                          </p:cTn>
+                        </p:par>
+                      </p:childTnLst>
+                    </p:cTn>
+                  </p:par>
+                </p:childTnLst>
+              </p:cTn>
+              <p:prevCondLst>
+                <p:cond evt="onPrev" delay="0">
+                  <p:tgtEl>
+                    <p:sldTgt/>
+                  </p:tgtEl>
+                </p:cond>
+              </p:prevCondLst>
+              <p:nextCondLst>
+                <p:cond evt="onNext" delay="0">
+                  <p:tgtEl>
+                    <p:sldTgt/>
+                  </p:tgtEl>
+                </p:cond>
+              </p:nextCondLst>
+            </p:seq>
+          </p:childTnLst>
+        </p:cTn>
+      </p:par>
+    </p:tnLst>
+  </p:timing>
+</p:sld>
+</file>
+
+<file path=ppt/slides/slide32.xml><?xml version="1.0" encoding="utf-8"?>
+<p:sld xmlns:a="http://schemas.openxmlformats.org/drawingml/2006/main" xmlns:r="http://schemas.openxmlformats.org/officeDocument/2006/relationships" xmlns:p="http://schemas.openxmlformats.org/presentationml/2006/main">
+  <p:cSld>
+    <p:spTree>
+      <p:nvGrpSpPr>
+        <p:cNvPr id="1" name=""/>
+        <p:cNvGrpSpPr/>
+        <p:nvPr/>
+      </p:nvGrpSpPr>
+      <p:grpSpPr>
+        <a:xfrm>
+          <a:off x="0" y="0"/>
+          <a:ext cx="0" cy="0"/>
+          <a:chOff x="0" y="0"/>
+          <a:chExt cx="0" cy="0"/>
+        </a:xfrm>
+      </p:grpSpPr>
+      <p:sp>
+        <p:nvSpPr>
+          <p:cNvPr id="2" name="Title 1"/>
+          <p:cNvSpPr>
+            <a:spLocks noGrp="1"/>
+          </p:cNvSpPr>
+          <p:nvPr>
+            <p:ph type="title"/>
+          </p:nvPr>
+        </p:nvSpPr>
+        <p:spPr/>
+        <p:txBody>
+          <a:bodyPr/>
+          <a:lstStyle/>
+          <a:p>
+            <a:r>
+              <a:rPr lang="en-US" dirty="0" smtClean="0"/>
+              <a:t>Requests</a:t>
+            </a:r>
+            <a:endParaRPr lang="en-US" dirty="0"/>
+          </a:p>
+        </p:txBody>
+      </p:sp>
+      <p:sp>
+        <p:nvSpPr>
+          <p:cNvPr id="3" name="Content Placeholder 2"/>
+          <p:cNvSpPr>
+            <a:spLocks noGrp="1"/>
+          </p:cNvSpPr>
+          <p:nvPr>
+            <p:ph idx="1"/>
+          </p:nvPr>
+        </p:nvSpPr>
+        <p:spPr/>
+        <p:txBody>
+          <a:bodyPr/>
+          <a:lstStyle/>
+          <a:p>
+            <a:r>
+              <a:rPr lang="en-US" dirty="0"/>
+              <a:t>The request object is passed in to every middleware function in </a:t>
+            </a:r>
+            <a:r>
+              <a:rPr lang="en-US" dirty="0" smtClean="0"/>
+              <a:t>order</a:t>
+            </a:r>
+          </a:p>
+          <a:p>
+            <a:r>
+              <a:rPr lang="en-US" dirty="0"/>
+              <a:t>M</a:t>
+            </a:r>
+            <a:r>
+              <a:rPr lang="en-US" dirty="0" smtClean="0"/>
+              <a:t>ost </a:t>
+            </a:r>
+            <a:r>
+              <a:rPr lang="en-US" dirty="0"/>
+              <a:t>of its properties are set by the middleware </a:t>
+            </a:r>
+            <a:r>
+              <a:rPr lang="en-US" dirty="0" smtClean="0"/>
+              <a:t>themselves</a:t>
+            </a:r>
+          </a:p>
+          <a:p>
+            <a:pPr lvl="1"/>
+            <a:r>
+              <a:rPr lang="en-US" dirty="0"/>
+              <a:t>The </a:t>
+            </a:r>
+            <a:r>
+              <a:rPr lang="en-US" dirty="0" err="1">
+                <a:latin typeface="Courier" charset="0"/>
+              </a:rPr>
+              <a:t>req.body</a:t>
+            </a:r>
+            <a:r>
+              <a:rPr lang="en-US" dirty="0"/>
+              <a:t> property is set by the </a:t>
+            </a:r>
+            <a:r>
+              <a:rPr lang="en-US" dirty="0" smtClean="0">
+                <a:hlinkClick r:id="rId2"/>
+              </a:rPr>
+              <a:t>body-parser</a:t>
+            </a:r>
+            <a:r>
+              <a:rPr lang="en-US" dirty="0" smtClean="0"/>
+              <a:t> middleware</a:t>
+            </a:r>
+            <a:endParaRPr lang="en-US" dirty="0"/>
+          </a:p>
+          <a:p>
+            <a:pPr lvl="1"/>
+            <a:r>
+              <a:rPr lang="en-US" dirty="0"/>
+              <a:t>The </a:t>
+            </a:r>
+            <a:r>
+              <a:rPr lang="en-US" dirty="0" err="1">
+                <a:latin typeface="Courier" charset="0"/>
+              </a:rPr>
+              <a:t>req.cookies</a:t>
+            </a:r>
+            <a:r>
+              <a:rPr lang="en-US" dirty="0"/>
+              <a:t> property is set by the </a:t>
+            </a:r>
+            <a:r>
+              <a:rPr lang="en-US" dirty="0">
+                <a:hlinkClick r:id="rId3"/>
+              </a:rPr>
+              <a:t>cookie-parser</a:t>
+            </a:r>
+            <a:r>
+              <a:rPr lang="en-US" dirty="0"/>
+              <a:t> </a:t>
+            </a:r>
+            <a:r>
+              <a:rPr lang="en-US" dirty="0" smtClean="0"/>
+              <a:t>middleware</a:t>
+            </a:r>
+            <a:endParaRPr lang="en-US" dirty="0"/>
+          </a:p>
+        </p:txBody>
+      </p:sp>
+      <p:sp>
+        <p:nvSpPr>
+          <p:cNvPr id="4" name="Footer Placeholder 3"/>
+          <p:cNvSpPr>
+            <a:spLocks noGrp="1"/>
+          </p:cNvSpPr>
+          <p:nvPr>
+            <p:ph type="ftr" sz="quarter" idx="11"/>
+          </p:nvPr>
+        </p:nvSpPr>
+        <p:spPr/>
+        <p:txBody>
+          <a:bodyPr/>
+          <a:lstStyle/>
+          <a:p>
+            <a:r>
+              <a:rPr lang="de-DE" smtClean="0"/>
+              <a:t>All slides can be found at pennapps-nodejs-workshop.herokuapp.com</a:t>
+            </a:r>
+            <a:endParaRPr lang="en-US" dirty="0"/>
+          </a:p>
+        </p:txBody>
+      </p:sp>
+      <p:sp>
+        <p:nvSpPr>
+          <p:cNvPr id="5" name="Slide Number Placeholder 4"/>
+          <p:cNvSpPr>
+            <a:spLocks noGrp="1"/>
+          </p:cNvSpPr>
+          <p:nvPr>
+            <p:ph type="sldNum" sz="quarter" idx="12"/>
+          </p:nvPr>
+        </p:nvSpPr>
+        <p:spPr/>
+        <p:txBody>
+          <a:bodyPr/>
+          <a:lstStyle/>
+          <a:p>
+            <a:fld id="{BE7B5DD7-0E96-E44E-B777-0B9A5C3419CF}" type="slidenum">
+              <a:rPr lang="en-US" smtClean="0"/>
+              <a:t>32</a:t>
+            </a:fld>
+            <a:endParaRPr lang="en-US"/>
+          </a:p>
+        </p:txBody>
+      </p:sp>
+    </p:spTree>
+    <p:extLst>
+      <p:ext uri="{BB962C8B-B14F-4D97-AF65-F5344CB8AC3E}">
+        <p14:creationId xmlns:p14="http://schemas.microsoft.com/office/powerpoint/2010/main" val="602172553"/>
+      </p:ext>
+    </p:extLst>
+  </p:cSld>
+  <p:clrMapOvr>
+    <a:masterClrMapping/>
+  </p:clrMapOvr>
+  <p:timing>
+    <p:tnLst>
+      <p:par>
+        <p:cTn id="1" dur="indefinite" restart="never" nodeType="tmRoot">
+          <p:childTnLst>
+            <p:seq concurrent="1" nextAc="seek">
+              <p:cTn id="2" dur="indefinite" nodeType="mainSeq">
+                <p:childTnLst>
+                  <p:par>
+                    <p:cTn id="3" fill="hold">
+                      <p:stCondLst>
+                        <p:cond delay="indefinite"/>
+                      </p:stCondLst>
+                      <p:childTnLst>
+                        <p:par>
+                          <p:cTn id="4" fill="hold">
+                            <p:stCondLst>
+                              <p:cond delay="0"/>
+                            </p:stCondLst>
+                            <p:childTnLst>
+                              <p:par>
+                                <p:cTn id="5" presetID="1" presetClass="entr" presetSubtype="0" fill="hold" nodeType="clickEffect">
+                                  <p:stCondLst>
+                                    <p:cond delay="0"/>
+                                  </p:stCondLst>
+                                  <p:childTnLst>
+                                    <p:set>
+                                      <p:cBhvr>
+                                        <p:cTn id="6" dur="1" fill="hold">
+                                          <p:stCondLst>
+                                            <p:cond delay="0"/>
+                                          </p:stCondLst>
+                                        </p:cTn>
+                                        <p:tgtEl>
+                                          <p:spTgt spid="3">
+                                            <p:txEl>
+                                              <p:pRg st="1" end="1"/>
+                                            </p:txEl>
+                                          </p:spTgt>
+                                        </p:tgtEl>
+                                        <p:attrNameLst>
+                                          <p:attrName>style.visibility</p:attrName>
+                                        </p:attrNameLst>
+                                      </p:cBhvr>
+                                      <p:to>
+                                        <p:strVal val="visible"/>
+                                      </p:to>
+                                    </p:set>
+                                  </p:childTnLst>
+                                </p:cTn>
+                              </p:par>
+                            </p:childTnLst>
+                          </p:cTn>
+                        </p:par>
+                      </p:childTnLst>
+                    </p:cTn>
+                  </p:par>
+                  <p:par>
+                    <p:cTn id="7" fill="hold">
+                      <p:stCondLst>
+                        <p:cond delay="indefinite"/>
+                      </p:stCondLst>
+                      <p:childTnLst>
+                        <p:par>
+                          <p:cTn id="8" fill="hold">
+                            <p:stCondLst>
+                              <p:cond delay="0"/>
+                            </p:stCondLst>
+                            <p:childTnLst>
+                              <p:par>
+                                <p:cTn id="9" presetID="1" presetClass="entr" presetSubtype="0" fill="hold" nodeType="clickEffect">
+                                  <p:stCondLst>
+                                    <p:cond delay="0"/>
+                                  </p:stCondLst>
+                                  <p:childTnLst>
+                                    <p:set>
+                                      <p:cBhvr>
+                                        <p:cTn id="10" dur="1" fill="hold">
+                                          <p:stCondLst>
+                                            <p:cond delay="0"/>
+                                          </p:stCondLst>
+                                        </p:cTn>
+                                        <p:tgtEl>
+                                          <p:spTgt spid="3">
+                                            <p:txEl>
+                                              <p:pRg st="2" end="2"/>
+                                            </p:txEl>
+                                          </p:spTgt>
+                                        </p:tgtEl>
+                                        <p:attrNameLst>
+                                          <p:attrName>style.visibility</p:attrName>
+                                        </p:attrNameLst>
+                                      </p:cBhvr>
+                                      <p:to>
+                                        <p:strVal val="visible"/>
+                                      </p:to>
+                                    </p:set>
+                                  </p:childTnLst>
+                                </p:cTn>
+                              </p:par>
+                              <p:par>
+                                <p:cTn id="11" presetID="1" presetClass="entr" presetSubtype="0" fill="hold" nodeType="withEffect">
+                                  <p:stCondLst>
+                                    <p:cond delay="0"/>
+                                  </p:stCondLst>
+                                  <p:childTnLst>
+                                    <p:set>
+                                      <p:cBhvr>
+                                        <p:cTn id="12" dur="1" fill="hold">
+                                          <p:stCondLst>
+                                            <p:cond delay="0"/>
+                                          </p:stCondLst>
+                                        </p:cTn>
+                                        <p:tgtEl>
+                                          <p:spTgt spid="3">
+                                            <p:txEl>
+                                              <p:pRg st="3" end="3"/>
+                                            </p:txEl>
+                                          </p:spTgt>
+                                        </p:tgtEl>
+                                        <p:attrNameLst>
+                                          <p:attrName>style.visibility</p:attrName>
+                                        </p:attrNameLst>
+                                      </p:cBhvr>
+                                      <p:to>
+                                        <p:strVal val="visible"/>
+                                      </p:to>
+                                    </p:set>
+                                  </p:childTnLst>
+                                </p:cTn>
+                              </p:par>
+                            </p:childTnLst>
+                          </p:cTn>
+                        </p:par>
+                      </p:childTnLst>
+                    </p:cTn>
+                  </p:par>
+                </p:childTnLst>
+              </p:cTn>
+              <p:prevCondLst>
+                <p:cond evt="onPrev" delay="0">
+                  <p:tgtEl>
+                    <p:sldTgt/>
+                  </p:tgtEl>
+                </p:cond>
+              </p:prevCondLst>
+              <p:nextCondLst>
+                <p:cond evt="onNext" delay="0">
+                  <p:tgtEl>
+                    <p:sldTgt/>
+                  </p:tgtEl>
+                </p:cond>
+              </p:nextCondLst>
+            </p:seq>
+          </p:childTnLst>
+        </p:cTn>
+      </p:par>
+    </p:tnLst>
+  </p:timing>
+</p:sld>
+</file>
+
+<file path=ppt/slides/slide33.xml><?xml version="1.0" encoding="utf-8"?>
+<p:sld xmlns:a="http://schemas.openxmlformats.org/drawingml/2006/main" xmlns:r="http://schemas.openxmlformats.org/officeDocument/2006/relationships" xmlns:p="http://schemas.openxmlformats.org/presentationml/2006/main">
+  <p:cSld>
+    <p:spTree>
+      <p:nvGrpSpPr>
+        <p:cNvPr id="1" name=""/>
+        <p:cNvGrpSpPr/>
+        <p:nvPr/>
+      </p:nvGrpSpPr>
+      <p:grpSpPr>
+        <a:xfrm>
+          <a:off x="0" y="0"/>
+          <a:ext cx="0" cy="0"/>
+          <a:chOff x="0" y="0"/>
+          <a:chExt cx="0" cy="0"/>
+        </a:xfrm>
+      </p:grpSpPr>
+      <p:sp>
+        <p:nvSpPr>
+          <p:cNvPr id="2" name="Title 1"/>
+          <p:cNvSpPr>
+            <a:spLocks noGrp="1"/>
+          </p:cNvSpPr>
+          <p:nvPr>
+            <p:ph type="title"/>
+          </p:nvPr>
+        </p:nvSpPr>
+        <p:spPr/>
+        <p:txBody>
+          <a:bodyPr/>
+          <a:lstStyle/>
+          <a:p>
+            <a:r>
+              <a:rPr lang="en-US" dirty="0" smtClean="0"/>
+              <a:t>Responses</a:t>
+            </a:r>
+            <a:endParaRPr lang="en-US" dirty="0"/>
+          </a:p>
+        </p:txBody>
+      </p:sp>
+      <p:sp>
+        <p:nvSpPr>
+          <p:cNvPr id="3" name="Content Placeholder 2"/>
+          <p:cNvSpPr>
+            <a:spLocks noGrp="1"/>
+          </p:cNvSpPr>
+          <p:nvPr>
+            <p:ph idx="1"/>
+          </p:nvPr>
+        </p:nvSpPr>
+        <p:spPr/>
+        <p:txBody>
+          <a:bodyPr>
+            <a:normAutofit fontScale="85000" lnSpcReduction="10000"/>
+          </a:bodyPr>
+          <a:lstStyle/>
+          <a:p>
+            <a:r>
+              <a:rPr lang="en-US" dirty="0" err="1">
+                <a:latin typeface="Courier" charset="0"/>
+              </a:rPr>
+              <a:t>res.set</a:t>
+            </a:r>
+            <a:r>
+              <a:rPr lang="en-US" dirty="0">
+                <a:latin typeface="Courier" charset="0"/>
+              </a:rPr>
+              <a:t>()</a:t>
+            </a:r>
+            <a:r>
+              <a:rPr lang="en-US" dirty="0"/>
+              <a:t> - sets a header value. Useful for allowing your app to be used from any </a:t>
+            </a:r>
+            <a:r>
+              <a:rPr lang="en-US" dirty="0" smtClean="0"/>
+              <a:t>site</a:t>
+            </a:r>
+            <a:endParaRPr lang="en-US" dirty="0"/>
+          </a:p>
+          <a:p>
+            <a:pPr lvl="1"/>
+            <a:r>
+              <a:rPr lang="en-US" dirty="0" err="1">
+                <a:latin typeface="Courier" charset="0"/>
+              </a:rPr>
+              <a:t>res.set</a:t>
+            </a:r>
+            <a:r>
+              <a:rPr lang="en-US" dirty="0">
+                <a:latin typeface="Courier" charset="0"/>
+              </a:rPr>
+              <a:t>('Access-Control-Allow-Origin', '*')</a:t>
+            </a:r>
+          </a:p>
+          <a:p>
+            <a:r>
+              <a:rPr lang="en-US" dirty="0" err="1" smtClean="0">
+                <a:latin typeface="Courier" charset="0"/>
+              </a:rPr>
+              <a:t>res.status</a:t>
+            </a:r>
+            <a:r>
+              <a:rPr lang="en-US" dirty="0" smtClean="0">
+                <a:latin typeface="Courier" charset="0"/>
+              </a:rPr>
+              <a:t>()</a:t>
+            </a:r>
+            <a:r>
+              <a:rPr lang="en-US" dirty="0"/>
+              <a:t> - set the HTTP status code to indicate an </a:t>
+            </a:r>
+            <a:r>
+              <a:rPr lang="en-US" dirty="0" smtClean="0"/>
+              <a:t>error</a:t>
+            </a:r>
+            <a:endParaRPr lang="en-US" dirty="0"/>
+          </a:p>
+          <a:p>
+            <a:pPr lvl="1"/>
+            <a:r>
+              <a:rPr lang="en-US" dirty="0" err="1">
+                <a:latin typeface="Courier" charset="0"/>
+              </a:rPr>
+              <a:t>res.status</a:t>
+            </a:r>
+            <a:r>
+              <a:rPr lang="en-US" dirty="0">
+                <a:latin typeface="Courier" charset="0"/>
+              </a:rPr>
+              <a:t>(404)</a:t>
+            </a:r>
+            <a:r>
+              <a:rPr lang="en-US" dirty="0"/>
+              <a:t> for Not Found errors</a:t>
+            </a:r>
+          </a:p>
+          <a:p>
+            <a:r>
+              <a:rPr lang="en-US" dirty="0" err="1">
+                <a:latin typeface="Courier" charset="0"/>
+              </a:rPr>
+              <a:t>res.send</a:t>
+            </a:r>
+            <a:r>
+              <a:rPr lang="en-US" dirty="0">
+                <a:latin typeface="Courier" charset="0"/>
+              </a:rPr>
+              <a:t>()</a:t>
+            </a:r>
+            <a:r>
+              <a:rPr lang="en-US" dirty="0"/>
+              <a:t> - send a string, object, or Array as </a:t>
+            </a:r>
+            <a:r>
+              <a:rPr lang="en-US" dirty="0" smtClean="0"/>
+              <a:t>data</a:t>
+            </a:r>
+            <a:endParaRPr lang="en-US" dirty="0"/>
+          </a:p>
+          <a:p>
+            <a:pPr lvl="1"/>
+            <a:r>
+              <a:rPr lang="en-US" dirty="0" err="1">
+                <a:latin typeface="Courier" charset="0"/>
+              </a:rPr>
+              <a:t>res.send</a:t>
+            </a:r>
+            <a:r>
+              <a:rPr lang="en-US" dirty="0">
+                <a:latin typeface="Courier" charset="0"/>
+              </a:rPr>
+              <a:t>({error: 'Mocha exploded!'})</a:t>
+            </a:r>
+          </a:p>
+          <a:p>
+            <a:r>
+              <a:rPr lang="en-US" dirty="0" err="1">
+                <a:latin typeface="Courier" charset="0"/>
+              </a:rPr>
+              <a:t>res.redirect</a:t>
+            </a:r>
+            <a:r>
+              <a:rPr lang="en-US" dirty="0">
+                <a:latin typeface="Courier" charset="0"/>
+              </a:rPr>
+              <a:t>()</a:t>
+            </a:r>
+            <a:r>
+              <a:rPr lang="en-US" dirty="0"/>
+              <a:t> - redirect </a:t>
+            </a:r>
+            <a:r>
+              <a:rPr lang="en-US" dirty="0" smtClean="0"/>
+              <a:t>to </a:t>
+            </a:r>
+            <a:r>
+              <a:rPr lang="en-US" dirty="0"/>
+              <a:t>another </a:t>
+            </a:r>
+            <a:r>
+              <a:rPr lang="en-US" dirty="0" smtClean="0"/>
+              <a:t>page</a:t>
+            </a:r>
+            <a:endParaRPr lang="en-US" dirty="0"/>
+          </a:p>
+          <a:p>
+            <a:pPr lvl="1"/>
+            <a:r>
+              <a:rPr lang="en-US" dirty="0" err="1">
+                <a:latin typeface="Courier" charset="0"/>
+              </a:rPr>
+              <a:t>res.redirect</a:t>
+            </a:r>
+            <a:r>
+              <a:rPr lang="en-US" dirty="0">
+                <a:latin typeface="Courier" charset="0"/>
+              </a:rPr>
+              <a:t>('/login')</a:t>
+            </a:r>
+            <a:r>
+              <a:rPr lang="en-US" dirty="0"/>
+              <a:t> - redirect to login </a:t>
+            </a:r>
+            <a:r>
+              <a:rPr lang="en-US" dirty="0" smtClean="0"/>
+              <a:t>page</a:t>
+            </a:r>
+            <a:endParaRPr lang="en-US" dirty="0"/>
+          </a:p>
+        </p:txBody>
+      </p:sp>
+      <p:sp>
+        <p:nvSpPr>
+          <p:cNvPr id="4" name="Footer Placeholder 3"/>
+          <p:cNvSpPr>
+            <a:spLocks noGrp="1"/>
+          </p:cNvSpPr>
+          <p:nvPr>
+            <p:ph type="ftr" sz="quarter" idx="11"/>
+          </p:nvPr>
+        </p:nvSpPr>
+        <p:spPr/>
+        <p:txBody>
+          <a:bodyPr/>
+          <a:lstStyle/>
+          <a:p>
+            <a:r>
+              <a:rPr lang="de-DE" smtClean="0"/>
+              <a:t>All slides can be found at pennapps-nodejs-workshop.herokuapp.com</a:t>
+            </a:r>
+            <a:endParaRPr lang="en-US" dirty="0"/>
+          </a:p>
+        </p:txBody>
+      </p:sp>
+      <p:sp>
+        <p:nvSpPr>
+          <p:cNvPr id="5" name="Slide Number Placeholder 4"/>
+          <p:cNvSpPr>
+            <a:spLocks noGrp="1"/>
+          </p:cNvSpPr>
+          <p:nvPr>
+            <p:ph type="sldNum" sz="quarter" idx="12"/>
+          </p:nvPr>
+        </p:nvSpPr>
+        <p:spPr/>
+        <p:txBody>
+          <a:bodyPr/>
+          <a:lstStyle/>
+          <a:p>
+            <a:fld id="{BE7B5DD7-0E96-E44E-B777-0B9A5C3419CF}" type="slidenum">
+              <a:rPr lang="en-US" smtClean="0"/>
+              <a:t>33</a:t>
+            </a:fld>
+            <a:endParaRPr lang="en-US"/>
+          </a:p>
+        </p:txBody>
+      </p:sp>
+    </p:spTree>
+    <p:extLst>
+      <p:ext uri="{BB962C8B-B14F-4D97-AF65-F5344CB8AC3E}">
+        <p14:creationId xmlns:p14="http://schemas.microsoft.com/office/powerpoint/2010/main" val="1937114753"/>
+      </p:ext>
+    </p:extLst>
+  </p:cSld>
+  <p:clrMapOvr>
+    <a:masterClrMapping/>
+  </p:clrMapOvr>
+  <p:timing>
+    <p:tnLst>
+      <p:par>
+        <p:cTn id="1" dur="indefinite" restart="never" nodeType="tmRoot">
+          <p:childTnLst>
+            <p:seq concurrent="1" nextAc="seek">
+              <p:cTn id="2" dur="indefinite" nodeType="mainSeq">
+                <p:childTnLst>
+                  <p:par>
+                    <p:cTn id="3" fill="hold">
+                      <p:stCondLst>
+                        <p:cond delay="indefinite"/>
+                      </p:stCondLst>
+                      <p:childTnLst>
+                        <p:par>
+                          <p:cTn id="4" fill="hold">
+                            <p:stCondLst>
+                              <p:cond delay="0"/>
+                            </p:stCondLst>
+                            <p:childTnLst>
+                              <p:par>
+                                <p:cTn id="5" presetID="1" presetClass="entr" presetSubtype="0" fill="hold" nodeType="clickEffect">
+                                  <p:stCondLst>
+                                    <p:cond delay="0"/>
+                                  </p:stCondLst>
+                                  <p:childTnLst>
+                                    <p:set>
+                                      <p:cBhvr>
+                                        <p:cTn id="6" dur="1" fill="hold">
+                                          <p:stCondLst>
+                                            <p:cond delay="0"/>
+                                          </p:stCondLst>
+                                        </p:cTn>
+                                        <p:tgtEl>
+                                          <p:spTgt spid="3">
+                                            <p:txEl>
+                                              <p:pRg st="0" end="0"/>
+                                            </p:txEl>
+                                          </p:spTgt>
+                                        </p:tgtEl>
+                                        <p:attrNameLst>
+                                          <p:attrName>style.visibility</p:attrName>
+                                        </p:attrNameLst>
+                                      </p:cBhvr>
+                                      <p:to>
+                                        <p:strVal val="visible"/>
+                                      </p:to>
+                                    </p:set>
+                                  </p:childTnLst>
+                                </p:cTn>
+                              </p:par>
+                              <p:par>
+                                <p:cTn id="7" presetID="1" presetClass="entr" presetSubtype="0" fill="hold" nodeType="withEffect">
+                                  <p:stCondLst>
+                                    <p:cond delay="0"/>
+                                  </p:stCondLst>
+                                  <p:childTnLst>
+                                    <p:set>
+                                      <p:cBhvr>
+                                        <p:cTn id="8" dur="1" fill="hold">
+                                          <p:stCondLst>
+                                            <p:cond delay="0"/>
+                                          </p:stCondLst>
+                                        </p:cTn>
+                                        <p:tgtEl>
+                                          <p:spTgt spid="3">
+                                            <p:txEl>
+                                              <p:pRg st="1" end="1"/>
+                                            </p:txEl>
+                                          </p:spTgt>
+                                        </p:tgtEl>
+                                        <p:attrNameLst>
+                                          <p:attrName>style.visibility</p:attrName>
+                                        </p:attrNameLst>
+                                      </p:cBhvr>
+                                      <p:to>
+                                        <p:strVal val="visible"/>
+                                      </p:to>
+                                    </p:set>
+                                  </p:childTnLst>
+                                </p:cTn>
+                              </p:par>
+                            </p:childTnLst>
+                          </p:cTn>
+                        </p:par>
+                      </p:childTnLst>
+                    </p:cTn>
+                  </p:par>
+                  <p:par>
+                    <p:cTn id="9" fill="hold">
+                      <p:stCondLst>
+                        <p:cond delay="indefinite"/>
+                      </p:stCondLst>
+                      <p:childTnLst>
+                        <p:par>
+                          <p:cTn id="10" fill="hold">
+                            <p:stCondLst>
+                              <p:cond delay="0"/>
+                            </p:stCondLst>
+                            <p:childTnLst>
+                              <p:par>
+                                <p:cTn id="11" presetID="1" presetClass="entr" presetSubtype="0" fill="hold" nodeType="clickEffect">
+                                  <p:stCondLst>
+                                    <p:cond delay="0"/>
+                                  </p:stCondLst>
+                                  <p:childTnLst>
+                                    <p:set>
+                                      <p:cBhvr>
+                                        <p:cTn id="12" dur="1" fill="hold">
+                                          <p:stCondLst>
+                                            <p:cond delay="0"/>
+                                          </p:stCondLst>
+                                        </p:cTn>
+                                        <p:tgtEl>
+                                          <p:spTgt spid="3">
+                                            <p:txEl>
+                                              <p:pRg st="2" end="2"/>
+                                            </p:txEl>
+                                          </p:spTgt>
+                                        </p:tgtEl>
+                                        <p:attrNameLst>
+                                          <p:attrName>style.visibility</p:attrName>
+                                        </p:attrNameLst>
+                                      </p:cBhvr>
+                                      <p:to>
+                                        <p:strVal val="visible"/>
+                                      </p:to>
+                                    </p:set>
+                                  </p:childTnLst>
+                                </p:cTn>
+                              </p:par>
+                              <p:par>
+                                <p:cTn id="13" presetID="1" presetClass="entr" presetSubtype="0" fill="hold" nodeType="withEffect">
+                                  <p:stCondLst>
+                                    <p:cond delay="0"/>
+                                  </p:stCondLst>
+                                  <p:childTnLst>
+                                    <p:set>
+                                      <p:cBhvr>
+                                        <p:cTn id="14" dur="1" fill="hold">
+                                          <p:stCondLst>
+                                            <p:cond delay="0"/>
+                                          </p:stCondLst>
+                                        </p:cTn>
+                                        <p:tgtEl>
+                                          <p:spTgt spid="3">
+                                            <p:txEl>
+                                              <p:pRg st="3" end="3"/>
+                                            </p:txEl>
+                                          </p:spTgt>
+                                        </p:tgtEl>
+                                        <p:attrNameLst>
+                                          <p:attrName>style.visibility</p:attrName>
+                                        </p:attrNameLst>
+                                      </p:cBhvr>
+                                      <p:to>
+                                        <p:strVal val="visible"/>
+                                      </p:to>
+                                    </p:set>
+                                  </p:childTnLst>
+                                </p:cTn>
+                              </p:par>
+                            </p:childTnLst>
+                          </p:cTn>
+                        </p:par>
+                      </p:childTnLst>
+                    </p:cTn>
+                  </p:par>
+                  <p:par>
+                    <p:cTn id="15" fill="hold">
+                      <p:stCondLst>
+                        <p:cond delay="indefinite"/>
+                      </p:stCondLst>
+                      <p:childTnLst>
+                        <p:par>
+                          <p:cTn id="16" fill="hold">
+                            <p:stCondLst>
+                              <p:cond delay="0"/>
+                            </p:stCondLst>
+                            <p:childTnLst>
+                              <p:par>
+                                <p:cTn id="17" presetID="1" presetClass="entr" presetSubtype="0" fill="hold" nodeType="clickEffect">
+                                  <p:stCondLst>
+                                    <p:cond delay="0"/>
+                                  </p:stCondLst>
+                                  <p:childTnLst>
+                                    <p:set>
+                                      <p:cBhvr>
+                                        <p:cTn id="18" dur="1" fill="hold">
+                                          <p:stCondLst>
+                                            <p:cond delay="0"/>
+                                          </p:stCondLst>
+                                        </p:cTn>
+                                        <p:tgtEl>
+                                          <p:spTgt spid="3">
+                                            <p:txEl>
+                                              <p:pRg st="4" end="4"/>
+                                            </p:txEl>
+                                          </p:spTgt>
+                                        </p:tgtEl>
+                                        <p:attrNameLst>
+                                          <p:attrName>style.visibility</p:attrName>
+                                        </p:attrNameLst>
+                                      </p:cBhvr>
+                                      <p:to>
+                                        <p:strVal val="visible"/>
+                                      </p:to>
+                                    </p:set>
+                                  </p:childTnLst>
+                                </p:cTn>
+                              </p:par>
+                              <p:par>
+                                <p:cTn id="19" presetID="1" presetClass="entr" presetSubtype="0" fill="hold" nodeType="withEffect">
+                                  <p:stCondLst>
+                                    <p:cond delay="0"/>
+                                  </p:stCondLst>
+                                  <p:childTnLst>
+                                    <p:set>
+                                      <p:cBhvr>
+                                        <p:cTn id="20" dur="1" fill="hold">
+                                          <p:stCondLst>
+                                            <p:cond delay="0"/>
+                                          </p:stCondLst>
+                                        </p:cTn>
+                                        <p:tgtEl>
+                                          <p:spTgt spid="3">
+                                            <p:txEl>
+                                              <p:pRg st="5" end="5"/>
+                                            </p:txEl>
+                                          </p:spTgt>
+                                        </p:tgtEl>
+                                        <p:attrNameLst>
+                                          <p:attrName>style.visibility</p:attrName>
+                                        </p:attrNameLst>
+                                      </p:cBhvr>
+                                      <p:to>
+                                        <p:strVal val="visible"/>
+                                      </p:to>
+                                    </p:set>
+                                  </p:childTnLst>
+                                </p:cTn>
+                              </p:par>
+                            </p:childTnLst>
+                          </p:cTn>
+                        </p:par>
+                      </p:childTnLst>
+                    </p:cTn>
+                  </p:par>
+                  <p:par>
+                    <p:cTn id="21" fill="hold">
+                      <p:stCondLst>
+                        <p:cond delay="indefinite"/>
+                      </p:stCondLst>
+                      <p:childTnLst>
+                        <p:par>
+                          <p:cTn id="22" fill="hold">
+                            <p:stCondLst>
+                              <p:cond delay="0"/>
+                            </p:stCondLst>
+                            <p:childTnLst>
+                              <p:par>
+                                <p:cTn id="23" presetID="1" presetClass="entr" presetSubtype="0" fill="hold" nodeType="clickEffect">
+                                  <p:stCondLst>
+                                    <p:cond delay="0"/>
+                                  </p:stCondLst>
+                                  <p:childTnLst>
+                                    <p:set>
+                                      <p:cBhvr>
+                                        <p:cTn id="24" dur="1" fill="hold">
+                                          <p:stCondLst>
+                                            <p:cond delay="0"/>
+                                          </p:stCondLst>
+                                        </p:cTn>
+                                        <p:tgtEl>
+                                          <p:spTgt spid="3">
+                                            <p:txEl>
+                                              <p:pRg st="6" end="6"/>
+                                            </p:txEl>
+                                          </p:spTgt>
+                                        </p:tgtEl>
+                                        <p:attrNameLst>
+                                          <p:attrName>style.visibility</p:attrName>
+                                        </p:attrNameLst>
+                                      </p:cBhvr>
+                                      <p:to>
+                                        <p:strVal val="visible"/>
+                                      </p:to>
+                                    </p:set>
+                                  </p:childTnLst>
+                                </p:cTn>
+                              </p:par>
+                              <p:par>
+                                <p:cTn id="25" presetID="1" presetClass="entr" presetSubtype="0" fill="hold" nodeType="withEffect">
+                                  <p:stCondLst>
+                                    <p:cond delay="0"/>
+                                  </p:stCondLst>
+                                  <p:childTnLst>
+                                    <p:set>
+                                      <p:cBhvr>
+                                        <p:cTn id="26" dur="1" fill="hold">
+                                          <p:stCondLst>
+                                            <p:cond delay="0"/>
+                                          </p:stCondLst>
+                                        </p:cTn>
+                                        <p:tgtEl>
+                                          <p:spTgt spid="3">
+                                            <p:txEl>
+                                              <p:pRg st="7" end="7"/>
+                                            </p:txEl>
+                                          </p:spTgt>
+                                        </p:tgtEl>
+                                        <p:attrNameLst>
+                                          <p:attrName>style.visibility</p:attrName>
+                                        </p:attrNameLst>
+                                      </p:cBhvr>
+                                      <p:to>
+                                        <p:strVal val="visible"/>
+                                      </p:to>
+                                    </p:set>
+                                  </p:childTnLst>
+                                </p:cTn>
+                              </p:par>
+                            </p:childTnLst>
+                          </p:cTn>
+                        </p:par>
+                      </p:childTnLst>
+                    </p:cTn>
+                  </p:par>
+                </p:childTnLst>
+              </p:cTn>
+              <p:prevCondLst>
+                <p:cond evt="onPrev" delay="0">
+                  <p:tgtEl>
+                    <p:sldTgt/>
+                  </p:tgtEl>
+                </p:cond>
+              </p:prevCondLst>
+              <p:nextCondLst>
+                <p:cond evt="onNext" delay="0">
+                  <p:tgtEl>
+                    <p:sldTgt/>
+                  </p:tgtEl>
+                </p:cond>
+              </p:nextCondLst>
+            </p:seq>
+          </p:childTnLst>
+        </p:cTn>
+      </p:par>
+    </p:tnLst>
+  </p:timing>
+</p:sld>
+</file>
+
+<file path=ppt/slides/slide34.xml><?xml version="1.0" encoding="utf-8"?>
+<p:sld xmlns:a="http://schemas.openxmlformats.org/drawingml/2006/main" xmlns:r="http://schemas.openxmlformats.org/officeDocument/2006/relationships" xmlns:p="http://schemas.openxmlformats.org/presentationml/2006/main">
+  <p:cSld>
+    <p:spTree>
+      <p:nvGrpSpPr>
+        <p:cNvPr id="1" name=""/>
+        <p:cNvGrpSpPr/>
+        <p:nvPr/>
+      </p:nvGrpSpPr>
+      <p:grpSpPr>
+        <a:xfrm>
+          <a:off x="0" y="0"/>
+          <a:ext cx="0" cy="0"/>
+          <a:chOff x="0" y="0"/>
+          <a:chExt cx="0" cy="0"/>
+        </a:xfrm>
+      </p:grpSpPr>
+      <p:sp>
+        <p:nvSpPr>
+          <p:cNvPr id="2" name="Title 1"/>
+          <p:cNvSpPr>
+            <a:spLocks noGrp="1"/>
+          </p:cNvSpPr>
+          <p:nvPr>
+            <p:ph type="title"/>
+          </p:nvPr>
+        </p:nvSpPr>
+        <p:spPr/>
+        <p:txBody>
+          <a:bodyPr/>
+          <a:lstStyle/>
+          <a:p>
+            <a:r>
+              <a:rPr lang="en-US" smtClean="0"/>
+              <a:t>Local Variables</a:t>
+            </a:r>
+            <a:endParaRPr lang="en-US"/>
+          </a:p>
+        </p:txBody>
+      </p:sp>
+      <p:sp>
+        <p:nvSpPr>
+          <p:cNvPr id="3" name="Content Placeholder 2"/>
+          <p:cNvSpPr>
+            <a:spLocks noGrp="1"/>
+          </p:cNvSpPr>
+          <p:nvPr>
+            <p:ph idx="1"/>
+          </p:nvPr>
+        </p:nvSpPr>
+        <p:spPr>
+          <a:xfrm>
+            <a:off x="457200" y="1600201"/>
+            <a:ext cx="8229600" cy="1905000"/>
+          </a:xfrm>
+        </p:spPr>
+        <p:txBody>
+          <a:bodyPr>
+            <a:normAutofit fontScale="92500" lnSpcReduction="10000"/>
+          </a:bodyPr>
+          <a:lstStyle/>
+          <a:p>
+            <a:r>
+              <a:rPr lang="en-US" dirty="0"/>
+              <a:t>To specify the values for variables in your </a:t>
+            </a:r>
+            <a:r>
+              <a:rPr lang="en-US" dirty="0" smtClean="0"/>
+              <a:t>template (i.e. the client), </a:t>
+            </a:r>
+            <a:r>
+              <a:rPr lang="en-US" dirty="0"/>
+              <a:t>just modify </a:t>
+            </a:r>
+            <a:r>
+              <a:rPr lang="en-US" dirty="0" err="1" smtClean="0">
+                <a:latin typeface="Courier" charset="0"/>
+              </a:rPr>
+              <a:t>res.locals</a:t>
+            </a:r>
+            <a:endParaRPr lang="en-US" dirty="0"/>
+          </a:p>
+          <a:p>
+            <a:r>
+              <a:rPr lang="en-US" dirty="0" smtClean="0"/>
+              <a:t>This </a:t>
+            </a:r>
+            <a:r>
+              <a:rPr lang="en-US" dirty="0"/>
+              <a:t>can be done with some middleware:</a:t>
+            </a:r>
+            <a:endParaRPr lang="en-US" dirty="0"/>
+          </a:p>
+        </p:txBody>
+      </p:sp>
+      <p:sp>
+        <p:nvSpPr>
+          <p:cNvPr id="4" name="Footer Placeholder 3"/>
+          <p:cNvSpPr>
+            <a:spLocks noGrp="1"/>
+          </p:cNvSpPr>
+          <p:nvPr>
+            <p:ph type="ftr" sz="quarter" idx="11"/>
+          </p:nvPr>
+        </p:nvSpPr>
+        <p:spPr/>
+        <p:txBody>
+          <a:bodyPr/>
+          <a:lstStyle/>
+          <a:p>
+            <a:r>
+              <a:rPr lang="de-DE" smtClean="0"/>
+              <a:t>All slides can be found at pennapps-nodejs-workshop.herokuapp.com</a:t>
+            </a:r>
+            <a:endParaRPr lang="en-US" dirty="0"/>
+          </a:p>
+        </p:txBody>
+      </p:sp>
+      <p:sp>
+        <p:nvSpPr>
+          <p:cNvPr id="5" name="Slide Number Placeholder 4"/>
+          <p:cNvSpPr>
+            <a:spLocks noGrp="1"/>
+          </p:cNvSpPr>
+          <p:nvPr>
+            <p:ph type="sldNum" sz="quarter" idx="12"/>
+          </p:nvPr>
+        </p:nvSpPr>
+        <p:spPr/>
+        <p:txBody>
+          <a:bodyPr/>
+          <a:lstStyle/>
+          <a:p>
+            <a:fld id="{BE7B5DD7-0E96-E44E-B777-0B9A5C3419CF}" type="slidenum">
+              <a:rPr lang="en-US" smtClean="0"/>
+              <a:t>34</a:t>
+            </a:fld>
+            <a:endParaRPr lang="en-US"/>
+          </a:p>
+        </p:txBody>
+      </p:sp>
+      <p:sp>
+        <p:nvSpPr>
+          <p:cNvPr id="6" name="TextBox 5"/>
+          <p:cNvSpPr txBox="1"/>
+          <p:nvPr/>
+        </p:nvSpPr>
+        <p:spPr>
+          <a:xfrm>
+            <a:off x="457200" y="4191000"/>
+            <a:ext cx="8229599" cy="1200329"/>
+          </a:xfrm>
+          <a:prstGeom prst="rect">
+            <a:avLst/>
+          </a:prstGeom>
+          <a:solidFill>
+            <a:srgbClr val="000000"/>
+          </a:solidFill>
+        </p:spPr>
+        <p:txBody>
+          <a:bodyPr wrap="square" rtlCol="0">
+            <a:spAutoFit/>
+          </a:bodyPr>
+          <a:lstStyle/>
+          <a:p>
+            <a:r>
+              <a:rPr lang="en-US" dirty="0" err="1">
+                <a:solidFill>
+                  <a:srgbClr val="A6E22E"/>
+                </a:solidFill>
+                <a:latin typeface="Menlo" charset="0"/>
+              </a:rPr>
+              <a:t>app</a:t>
+            </a:r>
+            <a:r>
+              <a:rPr lang="en-US" dirty="0" err="1">
+                <a:solidFill>
+                  <a:srgbClr val="F8F8F2"/>
+                </a:solidFill>
+                <a:latin typeface="Menlo" charset="0"/>
+              </a:rPr>
+              <a:t>.</a:t>
+            </a:r>
+            <a:r>
+              <a:rPr lang="en-US" dirty="0" err="1">
+                <a:solidFill>
+                  <a:srgbClr val="A6E22E"/>
+                </a:solidFill>
+                <a:latin typeface="Menlo" charset="0"/>
+              </a:rPr>
+              <a:t>use</a:t>
+            </a:r>
+            <a:r>
+              <a:rPr lang="en-US" dirty="0">
+                <a:solidFill>
+                  <a:srgbClr val="F8F8F2"/>
+                </a:solidFill>
+                <a:latin typeface="Menlo" charset="0"/>
+              </a:rPr>
+              <a:t>(</a:t>
+            </a:r>
+            <a:r>
+              <a:rPr lang="en-US" dirty="0">
+                <a:solidFill>
+                  <a:srgbClr val="66D9EF"/>
+                </a:solidFill>
+                <a:latin typeface="Menlo" charset="0"/>
+              </a:rPr>
+              <a:t>function</a:t>
+            </a:r>
+            <a:r>
+              <a:rPr lang="en-US" dirty="0">
+                <a:solidFill>
+                  <a:srgbClr val="F8F8F2"/>
+                </a:solidFill>
+                <a:latin typeface="Menlo" charset="0"/>
+              </a:rPr>
+              <a:t> (</a:t>
+            </a:r>
+            <a:r>
+              <a:rPr lang="en-US" dirty="0" err="1">
+                <a:solidFill>
+                  <a:srgbClr val="A6E22E"/>
+                </a:solidFill>
+                <a:latin typeface="Menlo" charset="0"/>
+              </a:rPr>
+              <a:t>req</a:t>
+            </a:r>
+            <a:r>
+              <a:rPr lang="en-US" dirty="0">
+                <a:solidFill>
+                  <a:srgbClr val="F8F8F2"/>
+                </a:solidFill>
+                <a:latin typeface="Menlo" charset="0"/>
+              </a:rPr>
+              <a:t>, </a:t>
+            </a:r>
+            <a:r>
+              <a:rPr lang="en-US" dirty="0">
+                <a:solidFill>
+                  <a:srgbClr val="A6E22E"/>
+                </a:solidFill>
+                <a:latin typeface="Menlo" charset="0"/>
+              </a:rPr>
+              <a:t>res</a:t>
+            </a:r>
+            <a:r>
+              <a:rPr lang="en-US" dirty="0">
+                <a:solidFill>
+                  <a:srgbClr val="F8F8F2"/>
+                </a:solidFill>
+                <a:latin typeface="Menlo" charset="0"/>
+              </a:rPr>
+              <a:t>, </a:t>
+            </a:r>
+            <a:r>
+              <a:rPr lang="en-US" dirty="0">
+                <a:solidFill>
+                  <a:srgbClr val="A6E22E"/>
+                </a:solidFill>
+                <a:latin typeface="Menlo" charset="0"/>
+              </a:rPr>
+              <a:t>next</a:t>
+            </a:r>
+            <a:r>
+              <a:rPr lang="en-US" dirty="0">
+                <a:solidFill>
+                  <a:srgbClr val="F8F8F2"/>
+                </a:solidFill>
+                <a:latin typeface="Menlo" charset="0"/>
+              </a:rPr>
+              <a:t>) {</a:t>
+            </a:r>
+          </a:p>
+          <a:p>
+            <a:r>
+              <a:rPr lang="en-US" dirty="0">
+                <a:solidFill>
+                  <a:srgbClr val="F8F8F2"/>
+                </a:solidFill>
+                <a:latin typeface="Menlo" charset="0"/>
+              </a:rPr>
+              <a:t>  </a:t>
+            </a:r>
+            <a:r>
+              <a:rPr lang="en-US" dirty="0" err="1">
+                <a:solidFill>
+                  <a:srgbClr val="A6E22E"/>
+                </a:solidFill>
+                <a:latin typeface="Menlo" charset="0"/>
+              </a:rPr>
+              <a:t>res</a:t>
+            </a:r>
+            <a:r>
+              <a:rPr lang="en-US" dirty="0" err="1">
+                <a:solidFill>
+                  <a:srgbClr val="F8F8F2"/>
+                </a:solidFill>
+                <a:latin typeface="Menlo" charset="0"/>
+              </a:rPr>
+              <a:t>.</a:t>
+            </a:r>
+            <a:r>
+              <a:rPr lang="en-US" dirty="0" err="1">
+                <a:solidFill>
+                  <a:srgbClr val="A6E22E"/>
+                </a:solidFill>
+                <a:latin typeface="Menlo" charset="0"/>
+              </a:rPr>
+              <a:t>locals</a:t>
+            </a:r>
+            <a:r>
+              <a:rPr lang="en-US" dirty="0" err="1">
+                <a:solidFill>
+                  <a:srgbClr val="F8F8F2"/>
+                </a:solidFill>
+                <a:latin typeface="Menlo" charset="0"/>
+              </a:rPr>
+              <a:t>.</a:t>
+            </a:r>
+            <a:r>
+              <a:rPr lang="en-US" dirty="0" err="1">
+                <a:solidFill>
+                  <a:srgbClr val="A6E22E"/>
+                </a:solidFill>
+                <a:latin typeface="Menlo" charset="0"/>
+              </a:rPr>
+              <a:t>title</a:t>
+            </a:r>
+            <a:r>
+              <a:rPr lang="en-US" dirty="0">
+                <a:solidFill>
+                  <a:srgbClr val="F8F8F2"/>
+                </a:solidFill>
+                <a:latin typeface="Menlo" charset="0"/>
+              </a:rPr>
+              <a:t> </a:t>
+            </a:r>
+            <a:r>
+              <a:rPr lang="en-US" dirty="0">
+                <a:solidFill>
+                  <a:srgbClr val="F92672"/>
+                </a:solidFill>
+                <a:latin typeface="Menlo" charset="0"/>
+              </a:rPr>
+              <a:t>=</a:t>
+            </a:r>
+            <a:r>
+              <a:rPr lang="en-US" dirty="0">
+                <a:solidFill>
+                  <a:srgbClr val="F8F8F2"/>
+                </a:solidFill>
+                <a:latin typeface="Menlo" charset="0"/>
+              </a:rPr>
+              <a:t> </a:t>
+            </a:r>
+            <a:r>
+              <a:rPr lang="en-US" dirty="0">
+                <a:solidFill>
+                  <a:srgbClr val="E6DB74"/>
+                </a:solidFill>
+                <a:latin typeface="Menlo" charset="0"/>
+              </a:rPr>
+              <a:t>'My Awesome Express App'</a:t>
+            </a:r>
+            <a:r>
+              <a:rPr lang="en-US" dirty="0">
+                <a:solidFill>
+                  <a:srgbClr val="F8F8F2"/>
+                </a:solidFill>
+                <a:latin typeface="Menlo" charset="0"/>
+              </a:rPr>
+              <a:t>;</a:t>
+            </a:r>
+          </a:p>
+          <a:p>
+            <a:r>
+              <a:rPr lang="en-US" dirty="0">
+                <a:solidFill>
+                  <a:srgbClr val="F8F8F2"/>
+                </a:solidFill>
+                <a:latin typeface="Menlo" charset="0"/>
+              </a:rPr>
+              <a:t>  </a:t>
+            </a:r>
+            <a:r>
+              <a:rPr lang="en-US" dirty="0">
+                <a:solidFill>
+                  <a:srgbClr val="A6E22E"/>
+                </a:solidFill>
+                <a:latin typeface="Menlo" charset="0"/>
+              </a:rPr>
+              <a:t>next</a:t>
+            </a:r>
+            <a:r>
+              <a:rPr lang="en-US" dirty="0">
+                <a:solidFill>
+                  <a:srgbClr val="F8F8F2"/>
+                </a:solidFill>
+                <a:latin typeface="Menlo" charset="0"/>
+              </a:rPr>
+              <a:t>();</a:t>
+            </a:r>
+          </a:p>
+          <a:p>
+            <a:r>
+              <a:rPr lang="it-IT" dirty="0">
+                <a:solidFill>
+                  <a:srgbClr val="F8F8F2"/>
+                </a:solidFill>
+                <a:latin typeface="Menlo" charset="0"/>
+              </a:rPr>
+              <a:t>});</a:t>
+            </a:r>
+          </a:p>
+        </p:txBody>
+      </p:sp>
+    </p:spTree>
+    <p:extLst>
+      <p:ext uri="{BB962C8B-B14F-4D97-AF65-F5344CB8AC3E}">
+        <p14:creationId xmlns:p14="http://schemas.microsoft.com/office/powerpoint/2010/main" val="724752931"/>
+      </p:ext>
+    </p:extLst>
+  </p:cSld>
+  <p:clrMapOvr>
+    <a:masterClrMapping/>
+  </p:clrMapOvr>
+  <p:timing>
+    <p:tnLst>
+      <p:par>
+        <p:cTn id="1" dur="indefinite" restart="never" nodeType="tmRoot">
+          <p:childTnLst>
+            <p:seq concurrent="1" nextAc="seek">
+              <p:cTn id="2" dur="indefinite" nodeType="mainSeq">
+                <p:childTnLst>
+                  <p:par>
+                    <p:cTn id="3" fill="hold">
+                      <p:stCondLst>
+                        <p:cond delay="indefinite"/>
+                      </p:stCondLst>
+                      <p:childTnLst>
+                        <p:par>
+                          <p:cTn id="4" fill="hold">
+                            <p:stCondLst>
+                              <p:cond delay="0"/>
+                            </p:stCondLst>
+                            <p:childTnLst>
+                              <p:par>
+                                <p:cTn id="5" presetID="1" presetClass="entr" presetSubtype="0" fill="hold" grpId="0" nodeType="clickEffect">
+                                  <p:stCondLst>
+                                    <p:cond delay="0"/>
+                                  </p:stCondLst>
+                                  <p:childTnLst>
+                                    <p:set>
+                                      <p:cBhvr>
+                                        <p:cTn id="6" dur="1" fill="hold">
+                                          <p:stCondLst>
+                                            <p:cond delay="0"/>
+                                          </p:stCondLst>
+                                        </p:cTn>
+                                        <p:tgtEl>
+                                          <p:spTgt spid="6"/>
+                                        </p:tgtEl>
+                                        <p:attrNameLst>
+                                          <p:attrName>style.visibility</p:attrName>
+                                        </p:attrNameLst>
+                                      </p:cBhvr>
+                                      <p:to>
+                                        <p:strVal val="visible"/>
+                                      </p:to>
+                                    </p:set>
+                                  </p:childTnLst>
+                                </p:cTn>
+                              </p:par>
+                            </p:childTnLst>
+                          </p:cTn>
+                        </p:par>
+                      </p:childTnLst>
+                    </p:cTn>
+                  </p:par>
+                </p:childTnLst>
+              </p:cTn>
+              <p:prevCondLst>
+                <p:cond evt="onPrev" delay="0">
+                  <p:tgtEl>
+                    <p:sldTgt/>
+                  </p:tgtEl>
+                </p:cond>
+              </p:prevCondLst>
+              <p:nextCondLst>
+                <p:cond evt="onNext" delay="0">
+                  <p:tgtEl>
+                    <p:sldTgt/>
+                  </p:tgtEl>
+                </p:cond>
+              </p:nextCondLst>
+            </p:seq>
+          </p:childTnLst>
+        </p:cTn>
+      </p:par>
+    </p:tnLst>
+    <p:bldLst>
+      <p:bldP spid="6" grpId="0" animBg="1"/>
+    </p:bldLst>
+  </p:timing>
+</p:sld>
+</file>
+
+<file path=ppt/slides/slide35.xml><?xml version="1.0" encoding="utf-8"?>
+<p:sld xmlns:a="http://schemas.openxmlformats.org/drawingml/2006/main" xmlns:r="http://schemas.openxmlformats.org/officeDocument/2006/relationships" xmlns:p="http://schemas.openxmlformats.org/presentationml/2006/main">
+  <p:cSld>
+    <p:spTree>
+      <p:nvGrpSpPr>
+        <p:cNvPr id="1" name=""/>
+        <p:cNvGrpSpPr/>
+        <p:nvPr/>
+      </p:nvGrpSpPr>
+      <p:grpSpPr>
+        <a:xfrm>
+          <a:off x="0" y="0"/>
+          <a:ext cx="0" cy="0"/>
+          <a:chOff x="0" y="0"/>
+          <a:chExt cx="0" cy="0"/>
+        </a:xfrm>
+      </p:grpSpPr>
+      <p:sp>
+        <p:nvSpPr>
+          <p:cNvPr id="2" name="Title 1"/>
+          <p:cNvSpPr>
+            <a:spLocks noGrp="1"/>
+          </p:cNvSpPr>
+          <p:nvPr>
+            <p:ph type="title"/>
+          </p:nvPr>
+        </p:nvSpPr>
+        <p:spPr/>
+        <p:txBody>
+          <a:bodyPr/>
+          <a:lstStyle/>
+          <a:p>
+            <a:r>
+              <a:rPr lang="en-US" dirty="0" smtClean="0"/>
+              <a:t>Rendering</a:t>
+            </a:r>
+            <a:endParaRPr lang="en-US" dirty="0"/>
+          </a:p>
+        </p:txBody>
+      </p:sp>
+      <p:sp>
+        <p:nvSpPr>
+          <p:cNvPr id="3" name="Content Placeholder 2"/>
+          <p:cNvSpPr>
+            <a:spLocks noGrp="1"/>
+          </p:cNvSpPr>
+          <p:nvPr>
+            <p:ph idx="1"/>
+          </p:nvPr>
+        </p:nvSpPr>
+        <p:spPr>
+          <a:xfrm>
+            <a:off x="457200" y="1600201"/>
+            <a:ext cx="8229600" cy="2667000"/>
+          </a:xfrm>
+        </p:spPr>
+        <p:txBody>
+          <a:bodyPr/>
+          <a:lstStyle/>
+          <a:p>
+            <a:r>
+              <a:rPr lang="en-US" dirty="0"/>
+              <a:t>Once you've set up your local variables, call </a:t>
+            </a:r>
+            <a:r>
+              <a:rPr lang="en-US" dirty="0" err="1" smtClean="0">
+                <a:latin typeface="Courier" charset="0"/>
+              </a:rPr>
+              <a:t>res.render</a:t>
+            </a:r>
+            <a:r>
+              <a:rPr lang="en-US" dirty="0" smtClean="0">
+                <a:latin typeface="Courier" charset="0"/>
+              </a:rPr>
+              <a:t>(template)</a:t>
+            </a:r>
+          </a:p>
+          <a:p>
+            <a:pPr lvl="1"/>
+            <a:r>
+              <a:rPr lang="en-US" dirty="0" smtClean="0"/>
+              <a:t>it'll </a:t>
+            </a:r>
+            <a:r>
+              <a:rPr lang="en-US" dirty="0"/>
+              <a:t>render the template using the local </a:t>
+            </a:r>
+            <a:r>
+              <a:rPr lang="en-US" dirty="0" smtClean="0"/>
+              <a:t>values</a:t>
+            </a:r>
+          </a:p>
+          <a:p>
+            <a:r>
+              <a:rPr lang="en-US" dirty="0" smtClean="0"/>
+              <a:t>You </a:t>
+            </a:r>
+            <a:r>
+              <a:rPr lang="en-US" dirty="0"/>
+              <a:t>can also pass in more local variables at call time</a:t>
+            </a:r>
+            <a:endParaRPr lang="en-US" dirty="0"/>
+          </a:p>
+        </p:txBody>
+      </p:sp>
+      <p:sp>
+        <p:nvSpPr>
+          <p:cNvPr id="4" name="Footer Placeholder 3"/>
+          <p:cNvSpPr>
+            <a:spLocks noGrp="1"/>
+          </p:cNvSpPr>
+          <p:nvPr>
+            <p:ph type="ftr" sz="quarter" idx="11"/>
+          </p:nvPr>
+        </p:nvSpPr>
+        <p:spPr/>
+        <p:txBody>
+          <a:bodyPr/>
+          <a:lstStyle/>
+          <a:p>
+            <a:r>
+              <a:rPr lang="de-DE" smtClean="0"/>
+              <a:t>All slides can be found at pennapps-nodejs-workshop.herokuapp.com</a:t>
+            </a:r>
+            <a:endParaRPr lang="en-US" dirty="0"/>
+          </a:p>
+        </p:txBody>
+      </p:sp>
+      <p:sp>
+        <p:nvSpPr>
+          <p:cNvPr id="5" name="Slide Number Placeholder 4"/>
+          <p:cNvSpPr>
+            <a:spLocks noGrp="1"/>
+          </p:cNvSpPr>
+          <p:nvPr>
+            <p:ph type="sldNum" sz="quarter" idx="12"/>
+          </p:nvPr>
+        </p:nvSpPr>
+        <p:spPr/>
+        <p:txBody>
+          <a:bodyPr/>
+          <a:lstStyle/>
+          <a:p>
+            <a:fld id="{BE7B5DD7-0E96-E44E-B777-0B9A5C3419CF}" type="slidenum">
+              <a:rPr lang="en-US" smtClean="0"/>
+              <a:t>35</a:t>
+            </a:fld>
+            <a:endParaRPr lang="en-US"/>
+          </a:p>
+        </p:txBody>
+      </p:sp>
+      <p:sp>
+        <p:nvSpPr>
+          <p:cNvPr id="6" name="TextBox 5"/>
+          <p:cNvSpPr txBox="1"/>
+          <p:nvPr/>
+        </p:nvSpPr>
+        <p:spPr>
+          <a:xfrm>
+            <a:off x="457201" y="4850110"/>
+            <a:ext cx="8229599" cy="923330"/>
+          </a:xfrm>
+          <a:prstGeom prst="rect">
+            <a:avLst/>
+          </a:prstGeom>
+          <a:solidFill>
+            <a:srgbClr val="000000"/>
+          </a:solidFill>
+        </p:spPr>
+        <p:txBody>
+          <a:bodyPr wrap="square" rtlCol="0">
+            <a:spAutoFit/>
+          </a:bodyPr>
+          <a:lstStyle/>
+          <a:p>
+            <a:r>
+              <a:rPr lang="en-US" dirty="0" err="1">
+                <a:solidFill>
+                  <a:srgbClr val="A6E22E"/>
+                </a:solidFill>
+                <a:latin typeface="Menlo" charset="0"/>
+              </a:rPr>
+              <a:t>app</a:t>
+            </a:r>
+            <a:r>
+              <a:rPr lang="en-US" dirty="0" err="1">
+                <a:solidFill>
+                  <a:srgbClr val="F8F8F2"/>
+                </a:solidFill>
+                <a:latin typeface="Menlo" charset="0"/>
+              </a:rPr>
+              <a:t>.</a:t>
+            </a:r>
+            <a:r>
+              <a:rPr lang="en-US" dirty="0" err="1">
+                <a:solidFill>
+                  <a:srgbClr val="A6E22E"/>
+                </a:solidFill>
+                <a:latin typeface="Menlo" charset="0"/>
+              </a:rPr>
+              <a:t>get</a:t>
+            </a:r>
+            <a:r>
+              <a:rPr lang="en-US" dirty="0">
+                <a:solidFill>
+                  <a:srgbClr val="F8F8F2"/>
+                </a:solidFill>
+                <a:latin typeface="Menlo" charset="0"/>
+              </a:rPr>
+              <a:t>(</a:t>
+            </a:r>
+            <a:r>
+              <a:rPr lang="en-US" dirty="0">
+                <a:solidFill>
+                  <a:srgbClr val="E6DB74"/>
+                </a:solidFill>
+                <a:latin typeface="Menlo" charset="0"/>
+              </a:rPr>
+              <a:t>'/'</a:t>
+            </a:r>
+            <a:r>
+              <a:rPr lang="en-US" dirty="0">
+                <a:solidFill>
+                  <a:srgbClr val="F8F8F2"/>
+                </a:solidFill>
+                <a:latin typeface="Menlo" charset="0"/>
+              </a:rPr>
+              <a:t>, </a:t>
+            </a:r>
+            <a:r>
+              <a:rPr lang="en-US" dirty="0">
+                <a:solidFill>
+                  <a:srgbClr val="66D9EF"/>
+                </a:solidFill>
+                <a:latin typeface="Menlo" charset="0"/>
+              </a:rPr>
+              <a:t>function</a:t>
+            </a:r>
+            <a:r>
+              <a:rPr lang="en-US" dirty="0">
+                <a:solidFill>
+                  <a:srgbClr val="F8F8F2"/>
+                </a:solidFill>
+                <a:latin typeface="Menlo" charset="0"/>
+              </a:rPr>
+              <a:t> (</a:t>
+            </a:r>
+            <a:r>
+              <a:rPr lang="en-US" dirty="0" err="1">
+                <a:solidFill>
+                  <a:srgbClr val="A6E22E"/>
+                </a:solidFill>
+                <a:latin typeface="Menlo" charset="0"/>
+              </a:rPr>
+              <a:t>req</a:t>
+            </a:r>
+            <a:r>
+              <a:rPr lang="en-US" dirty="0">
+                <a:solidFill>
+                  <a:srgbClr val="F8F8F2"/>
+                </a:solidFill>
+                <a:latin typeface="Menlo" charset="0"/>
+              </a:rPr>
+              <a:t>, </a:t>
+            </a:r>
+            <a:r>
+              <a:rPr lang="en-US" dirty="0">
+                <a:solidFill>
+                  <a:srgbClr val="A6E22E"/>
+                </a:solidFill>
+                <a:latin typeface="Menlo" charset="0"/>
+              </a:rPr>
+              <a:t>res</a:t>
+            </a:r>
+            <a:r>
+              <a:rPr lang="en-US" dirty="0">
+                <a:solidFill>
+                  <a:srgbClr val="F8F8F2"/>
+                </a:solidFill>
+                <a:latin typeface="Menlo" charset="0"/>
+              </a:rPr>
+              <a:t>) {</a:t>
+            </a:r>
+          </a:p>
+          <a:p>
+            <a:r>
+              <a:rPr lang="en-US" dirty="0">
+                <a:solidFill>
+                  <a:srgbClr val="F8F8F2"/>
+                </a:solidFill>
+                <a:latin typeface="Menlo" charset="0"/>
+              </a:rPr>
+              <a:t>  </a:t>
+            </a:r>
+            <a:r>
+              <a:rPr lang="en-US" dirty="0" err="1">
+                <a:solidFill>
+                  <a:srgbClr val="A6E22E"/>
+                </a:solidFill>
+                <a:latin typeface="Menlo" charset="0"/>
+              </a:rPr>
+              <a:t>res</a:t>
+            </a:r>
+            <a:r>
+              <a:rPr lang="en-US" dirty="0" err="1">
+                <a:solidFill>
+                  <a:srgbClr val="F8F8F2"/>
+                </a:solidFill>
+                <a:latin typeface="Menlo" charset="0"/>
+              </a:rPr>
+              <a:t>.</a:t>
+            </a:r>
+            <a:r>
+              <a:rPr lang="en-US" dirty="0" err="1">
+                <a:solidFill>
+                  <a:srgbClr val="A6E22E"/>
+                </a:solidFill>
+                <a:latin typeface="Menlo" charset="0"/>
+              </a:rPr>
+              <a:t>render</a:t>
+            </a:r>
+            <a:r>
+              <a:rPr lang="en-US" dirty="0">
+                <a:solidFill>
+                  <a:srgbClr val="F8F8F2"/>
+                </a:solidFill>
+                <a:latin typeface="Menlo" charset="0"/>
+              </a:rPr>
+              <a:t>(</a:t>
+            </a:r>
+            <a:r>
+              <a:rPr lang="en-US" dirty="0">
+                <a:solidFill>
+                  <a:srgbClr val="E6DB74"/>
+                </a:solidFill>
+                <a:latin typeface="Menlo" charset="0"/>
+              </a:rPr>
+              <a:t>'index'</a:t>
+            </a:r>
+            <a:r>
+              <a:rPr lang="en-US" dirty="0">
+                <a:solidFill>
+                  <a:srgbClr val="F8F8F2"/>
+                </a:solidFill>
+                <a:latin typeface="Menlo" charset="0"/>
+              </a:rPr>
+              <a:t>, {</a:t>
+            </a:r>
+            <a:r>
+              <a:rPr lang="en-US" dirty="0">
+                <a:solidFill>
+                  <a:srgbClr val="A6E22E"/>
+                </a:solidFill>
+                <a:latin typeface="Menlo" charset="0"/>
+              </a:rPr>
+              <a:t>greeting</a:t>
+            </a:r>
+            <a:r>
+              <a:rPr lang="en-US" dirty="0">
+                <a:solidFill>
+                  <a:srgbClr val="F92672"/>
+                </a:solidFill>
+                <a:latin typeface="Menlo" charset="0"/>
+              </a:rPr>
+              <a:t>:</a:t>
+            </a:r>
+            <a:r>
+              <a:rPr lang="en-US" dirty="0">
+                <a:solidFill>
+                  <a:srgbClr val="F8F8F2"/>
+                </a:solidFill>
+                <a:latin typeface="Menlo" charset="0"/>
+              </a:rPr>
+              <a:t> </a:t>
+            </a:r>
+            <a:r>
+              <a:rPr lang="en-US" dirty="0">
+                <a:solidFill>
+                  <a:srgbClr val="E6DB74"/>
+                </a:solidFill>
+                <a:latin typeface="Menlo" charset="0"/>
+              </a:rPr>
+              <a:t>'hi'</a:t>
+            </a:r>
+            <a:r>
+              <a:rPr lang="en-US" dirty="0">
+                <a:solidFill>
+                  <a:srgbClr val="F8F8F2"/>
+                </a:solidFill>
+                <a:latin typeface="Menlo" charset="0"/>
+              </a:rPr>
+              <a:t>});</a:t>
+            </a:r>
+          </a:p>
+          <a:p>
+            <a:r>
+              <a:rPr lang="it-IT" dirty="0">
+                <a:solidFill>
+                  <a:srgbClr val="F8F8F2"/>
+                </a:solidFill>
+                <a:latin typeface="Menlo" charset="0"/>
+              </a:rPr>
+              <a:t>});</a:t>
+            </a:r>
+          </a:p>
+        </p:txBody>
+      </p:sp>
+    </p:spTree>
+    <p:extLst>
+      <p:ext uri="{BB962C8B-B14F-4D97-AF65-F5344CB8AC3E}">
+        <p14:creationId xmlns:p14="http://schemas.microsoft.com/office/powerpoint/2010/main" val="688404791"/>
+      </p:ext>
+    </p:extLst>
+  </p:cSld>
+  <p:clrMapOvr>
+    <a:masterClrMapping/>
+  </p:clrMapOvr>
+  <p:timing>
+    <p:tnLst>
+      <p:par>
+        <p:cTn id="1" dur="indefinite" restart="never" nodeType="tmRoot">
+          <p:childTnLst>
+            <p:seq concurrent="1" nextAc="seek">
+              <p:cTn id="2" dur="indefinite" nodeType="mainSeq">
+                <p:childTnLst>
+                  <p:par>
+                    <p:cTn id="3" fill="hold">
+                      <p:stCondLst>
+                        <p:cond delay="indefinite"/>
+                      </p:stCondLst>
+                      <p:childTnLst>
+                        <p:par>
+                          <p:cTn id="4" fill="hold">
+                            <p:stCondLst>
+                              <p:cond delay="0"/>
+                            </p:stCondLst>
+                            <p:childTnLst>
+                              <p:par>
+                                <p:cTn id="5" presetID="1" presetClass="entr" presetSubtype="0" fill="hold" grpId="0" nodeType="clickEffect">
+                                  <p:stCondLst>
+                                    <p:cond delay="0"/>
+                                  </p:stCondLst>
+                                  <p:childTnLst>
+                                    <p:set>
+                                      <p:cBhvr>
+                                        <p:cTn id="6" dur="1" fill="hold">
+                                          <p:stCondLst>
+                                            <p:cond delay="0"/>
+                                          </p:stCondLst>
+                                        </p:cTn>
+                                        <p:tgtEl>
+                                          <p:spTgt spid="6"/>
+                                        </p:tgtEl>
+                                        <p:attrNameLst>
+                                          <p:attrName>style.visibility</p:attrName>
+                                        </p:attrNameLst>
+                                      </p:cBhvr>
+                                      <p:to>
+                                        <p:strVal val="visible"/>
+                                      </p:to>
+                                    </p:set>
+                                  </p:childTnLst>
+                                </p:cTn>
+                              </p:par>
+                            </p:childTnLst>
+                          </p:cTn>
+                        </p:par>
+                      </p:childTnLst>
+                    </p:cTn>
+                  </p:par>
+                </p:childTnLst>
+              </p:cTn>
+              <p:prevCondLst>
+                <p:cond evt="onPrev" delay="0">
+                  <p:tgtEl>
+                    <p:sldTgt/>
+                  </p:tgtEl>
+                </p:cond>
+              </p:prevCondLst>
+              <p:nextCondLst>
+                <p:cond evt="onNext" delay="0">
+                  <p:tgtEl>
+                    <p:sldTgt/>
+                  </p:tgtEl>
+                </p:cond>
+              </p:nextCondLst>
+            </p:seq>
+          </p:childTnLst>
+        </p:cTn>
+      </p:par>
+    </p:tnLst>
+    <p:bldLst>
+      <p:bldP spid="6" grpId="0" animBg="1"/>
+    </p:bldLst>
+  </p:timing>
+</p:sld>
+</file>
+
+<file path=ppt/slides/slide36.xml><?xml version="1.0" encoding="utf-8"?>
+<p:sld xmlns:a="http://schemas.openxmlformats.org/drawingml/2006/main" xmlns:r="http://schemas.openxmlformats.org/officeDocument/2006/relationships" xmlns:p="http://schemas.openxmlformats.org/presentationml/2006/main">
+  <p:cSld>
+    <p:spTree>
+      <p:nvGrpSpPr>
+        <p:cNvPr id="1" name=""/>
+        <p:cNvGrpSpPr/>
+        <p:nvPr/>
+      </p:nvGrpSpPr>
+      <p:grpSpPr>
+        <a:xfrm>
+          <a:off x="0" y="0"/>
+          <a:ext cx="0" cy="0"/>
+          <a:chOff x="0" y="0"/>
+          <a:chExt cx="0" cy="0"/>
+        </a:xfrm>
+      </p:grpSpPr>
+      <p:sp>
+        <p:nvSpPr>
+          <p:cNvPr id="2" name="Title 1"/>
+          <p:cNvSpPr>
+            <a:spLocks noGrp="1"/>
+          </p:cNvSpPr>
+          <p:nvPr>
+            <p:ph type="title"/>
+          </p:nvPr>
+        </p:nvSpPr>
+        <p:spPr/>
+        <p:txBody>
+          <a:bodyPr/>
+          <a:lstStyle/>
+          <a:p>
+            <a:r>
+              <a:rPr lang="en-US" dirty="0" smtClean="0"/>
+              <a:t>View Engine</a:t>
+            </a:r>
+            <a:endParaRPr lang="en-US" dirty="0"/>
+          </a:p>
+        </p:txBody>
+      </p:sp>
+      <p:sp>
+        <p:nvSpPr>
+          <p:cNvPr id="3" name="Content Placeholder 2"/>
+          <p:cNvSpPr>
+            <a:spLocks noGrp="1"/>
+          </p:cNvSpPr>
+          <p:nvPr>
+            <p:ph idx="1"/>
+          </p:nvPr>
+        </p:nvSpPr>
+        <p:spPr>
+          <a:xfrm>
+            <a:off x="457200" y="1600201"/>
+            <a:ext cx="8229600" cy="3124200"/>
+          </a:xfrm>
+        </p:spPr>
+        <p:txBody>
+          <a:bodyPr>
+            <a:normAutofit/>
+          </a:bodyPr>
+          <a:lstStyle/>
+          <a:p>
+            <a:r>
+              <a:rPr lang="en-US" dirty="0"/>
+              <a:t>Express expects your templates to be in a </a:t>
+            </a:r>
+            <a:r>
+              <a:rPr lang="en-US" dirty="0" smtClean="0">
+                <a:latin typeface="Courier" charset="0"/>
+              </a:rPr>
+              <a:t>views</a:t>
+            </a:r>
+            <a:r>
+              <a:rPr lang="en-US" dirty="0" smtClean="0"/>
+              <a:t> folder</a:t>
+            </a:r>
+          </a:p>
+          <a:p>
+            <a:pPr lvl="1"/>
+            <a:r>
+              <a:rPr lang="en-US" dirty="0" smtClean="0"/>
+              <a:t>you </a:t>
+            </a:r>
+            <a:r>
+              <a:rPr lang="en-US" dirty="0"/>
+              <a:t>can use any (or many) libraries to process those </a:t>
+            </a:r>
+            <a:r>
+              <a:rPr lang="en-US" dirty="0" smtClean="0"/>
+              <a:t>templates</a:t>
+            </a:r>
+          </a:p>
+          <a:p>
+            <a:r>
+              <a:rPr lang="en-US" dirty="0"/>
+              <a:t>L</a:t>
+            </a:r>
+            <a:r>
+              <a:rPr lang="en-US" dirty="0" smtClean="0"/>
+              <a:t>et's use</a:t>
+            </a:r>
+            <a:r>
+              <a:rPr lang="en-US" dirty="0"/>
+              <a:t> </a:t>
+            </a:r>
+            <a:r>
+              <a:rPr lang="en-US" dirty="0">
+                <a:hlinkClick r:id="rId2"/>
+              </a:rPr>
+              <a:t>EJS</a:t>
+            </a:r>
+            <a:r>
+              <a:rPr lang="en-US" dirty="0"/>
+              <a:t> (Embedded JavaScript) to render our </a:t>
+            </a:r>
+            <a:r>
+              <a:rPr lang="en-US" dirty="0">
+                <a:latin typeface="Courier" charset="0"/>
+              </a:rPr>
+              <a:t>.</a:t>
+            </a:r>
+            <a:r>
+              <a:rPr lang="en-US" dirty="0" err="1">
+                <a:latin typeface="Courier" charset="0"/>
+              </a:rPr>
+              <a:t>ejs</a:t>
+            </a:r>
+            <a:r>
+              <a:rPr lang="en-US" dirty="0"/>
+              <a:t> </a:t>
+            </a:r>
+            <a:r>
+              <a:rPr lang="en-US" dirty="0" smtClean="0"/>
+              <a:t>templates </a:t>
+            </a:r>
+            <a:r>
+              <a:rPr lang="en-US" dirty="0"/>
+              <a:t>and also as the default</a:t>
+            </a:r>
+            <a:endParaRPr lang="en-US" dirty="0"/>
+          </a:p>
+        </p:txBody>
+      </p:sp>
+      <p:sp>
+        <p:nvSpPr>
+          <p:cNvPr id="4" name="Footer Placeholder 3"/>
+          <p:cNvSpPr>
+            <a:spLocks noGrp="1"/>
+          </p:cNvSpPr>
+          <p:nvPr>
+            <p:ph type="ftr" sz="quarter" idx="11"/>
+          </p:nvPr>
+        </p:nvSpPr>
+        <p:spPr/>
+        <p:txBody>
+          <a:bodyPr/>
+          <a:lstStyle/>
+          <a:p>
+            <a:r>
+              <a:rPr lang="de-DE" smtClean="0"/>
+              <a:t>All slides can be found at pennapps-nodejs-workshop.herokuapp.com</a:t>
+            </a:r>
+            <a:endParaRPr lang="en-US" dirty="0"/>
+          </a:p>
+        </p:txBody>
+      </p:sp>
+      <p:sp>
+        <p:nvSpPr>
+          <p:cNvPr id="5" name="Slide Number Placeholder 4"/>
+          <p:cNvSpPr>
+            <a:spLocks noGrp="1"/>
+          </p:cNvSpPr>
+          <p:nvPr>
+            <p:ph type="sldNum" sz="quarter" idx="12"/>
+          </p:nvPr>
+        </p:nvSpPr>
+        <p:spPr/>
+        <p:txBody>
+          <a:bodyPr/>
+          <a:lstStyle/>
+          <a:p>
+            <a:fld id="{BE7B5DD7-0E96-E44E-B777-0B9A5C3419CF}" type="slidenum">
+              <a:rPr lang="en-US" smtClean="0"/>
+              <a:t>36</a:t>
+            </a:fld>
+            <a:endParaRPr lang="en-US"/>
+          </a:p>
+        </p:txBody>
+      </p:sp>
+      <p:sp>
+        <p:nvSpPr>
+          <p:cNvPr id="6" name="TextBox 5"/>
+          <p:cNvSpPr txBox="1"/>
+          <p:nvPr/>
+        </p:nvSpPr>
+        <p:spPr>
+          <a:xfrm>
+            <a:off x="457200" y="5217210"/>
+            <a:ext cx="8229599" cy="646331"/>
+          </a:xfrm>
+          <a:prstGeom prst="rect">
+            <a:avLst/>
+          </a:prstGeom>
+          <a:solidFill>
+            <a:srgbClr val="000000"/>
+          </a:solidFill>
+        </p:spPr>
+        <p:txBody>
+          <a:bodyPr wrap="square" rtlCol="0">
+            <a:spAutoFit/>
+          </a:bodyPr>
+          <a:lstStyle/>
+          <a:p>
+            <a:r>
+              <a:rPr lang="en-US" dirty="0" err="1">
+                <a:solidFill>
+                  <a:srgbClr val="A6E22E"/>
+                </a:solidFill>
+                <a:latin typeface="Menlo" charset="0"/>
+              </a:rPr>
+              <a:t>app</a:t>
+            </a:r>
+            <a:r>
+              <a:rPr lang="en-US" dirty="0" err="1">
+                <a:solidFill>
+                  <a:srgbClr val="F8F8F2"/>
+                </a:solidFill>
+                <a:latin typeface="Menlo" charset="0"/>
+              </a:rPr>
+              <a:t>.</a:t>
+            </a:r>
+            <a:r>
+              <a:rPr lang="en-US" dirty="0" err="1">
+                <a:solidFill>
+                  <a:srgbClr val="A6E22E"/>
+                </a:solidFill>
+                <a:latin typeface="Menlo" charset="0"/>
+              </a:rPr>
+              <a:t>engine</a:t>
+            </a:r>
+            <a:r>
+              <a:rPr lang="en-US" dirty="0">
+                <a:solidFill>
+                  <a:srgbClr val="F8F8F2"/>
+                </a:solidFill>
+                <a:latin typeface="Menlo" charset="0"/>
+              </a:rPr>
+              <a:t>(</a:t>
+            </a:r>
+            <a:r>
+              <a:rPr lang="en-US" dirty="0">
+                <a:solidFill>
+                  <a:srgbClr val="E6DB74"/>
+                </a:solidFill>
+                <a:latin typeface="Menlo" charset="0"/>
+              </a:rPr>
+              <a:t>'</a:t>
+            </a:r>
+            <a:r>
+              <a:rPr lang="en-US" dirty="0" err="1">
+                <a:solidFill>
+                  <a:srgbClr val="E6DB74"/>
+                </a:solidFill>
+                <a:latin typeface="Menlo" charset="0"/>
+              </a:rPr>
+              <a:t>ejs</a:t>
+            </a:r>
+            <a:r>
+              <a:rPr lang="en-US" dirty="0">
+                <a:solidFill>
+                  <a:srgbClr val="E6DB74"/>
+                </a:solidFill>
+                <a:latin typeface="Menlo" charset="0"/>
+              </a:rPr>
+              <a:t>'</a:t>
+            </a:r>
+            <a:r>
+              <a:rPr lang="en-US" dirty="0">
+                <a:solidFill>
+                  <a:srgbClr val="F8F8F2"/>
+                </a:solidFill>
+                <a:latin typeface="Menlo" charset="0"/>
+              </a:rPr>
+              <a:t>, </a:t>
+            </a:r>
+            <a:r>
+              <a:rPr lang="en-US" dirty="0">
+                <a:solidFill>
+                  <a:srgbClr val="A6E22E"/>
+                </a:solidFill>
+                <a:latin typeface="Menlo" charset="0"/>
+              </a:rPr>
+              <a:t>require</a:t>
+            </a:r>
+            <a:r>
+              <a:rPr lang="en-US" dirty="0">
+                <a:solidFill>
+                  <a:srgbClr val="F8F8F2"/>
+                </a:solidFill>
+                <a:latin typeface="Menlo" charset="0"/>
+              </a:rPr>
+              <a:t>(</a:t>
+            </a:r>
+            <a:r>
+              <a:rPr lang="en-US" dirty="0">
+                <a:solidFill>
+                  <a:srgbClr val="E6DB74"/>
+                </a:solidFill>
+                <a:latin typeface="Menlo" charset="0"/>
+              </a:rPr>
+              <a:t>'</a:t>
+            </a:r>
+            <a:r>
+              <a:rPr lang="en-US" dirty="0" err="1">
+                <a:solidFill>
+                  <a:srgbClr val="E6DB74"/>
+                </a:solidFill>
+                <a:latin typeface="Menlo" charset="0"/>
+              </a:rPr>
+              <a:t>ejs</a:t>
+            </a:r>
+            <a:r>
+              <a:rPr lang="en-US" dirty="0">
+                <a:solidFill>
+                  <a:srgbClr val="E6DB74"/>
+                </a:solidFill>
+                <a:latin typeface="Menlo" charset="0"/>
+              </a:rPr>
+              <a:t>'</a:t>
+            </a:r>
+            <a:r>
+              <a:rPr lang="en-US" dirty="0">
+                <a:solidFill>
+                  <a:srgbClr val="F8F8F2"/>
+                </a:solidFill>
+                <a:latin typeface="Menlo" charset="0"/>
+              </a:rPr>
+              <a:t>).</a:t>
+            </a:r>
+            <a:r>
+              <a:rPr lang="en-US" dirty="0" err="1">
+                <a:solidFill>
+                  <a:srgbClr val="A6E22E"/>
+                </a:solidFill>
+                <a:latin typeface="Menlo" charset="0"/>
+              </a:rPr>
+              <a:t>renderFile</a:t>
+            </a:r>
+            <a:r>
+              <a:rPr lang="en-US" dirty="0">
+                <a:solidFill>
+                  <a:srgbClr val="F8F8F2"/>
+                </a:solidFill>
+                <a:latin typeface="Menlo" charset="0"/>
+              </a:rPr>
+              <a:t>);</a:t>
+            </a:r>
+          </a:p>
+          <a:p>
+            <a:r>
+              <a:rPr lang="en-US" dirty="0" err="1">
+                <a:solidFill>
+                  <a:srgbClr val="A6E22E"/>
+                </a:solidFill>
+                <a:latin typeface="Menlo" charset="0"/>
+              </a:rPr>
+              <a:t>app</a:t>
+            </a:r>
+            <a:r>
+              <a:rPr lang="en-US" dirty="0" err="1">
+                <a:solidFill>
+                  <a:srgbClr val="F8F8F2"/>
+                </a:solidFill>
+                <a:latin typeface="Menlo" charset="0"/>
+              </a:rPr>
+              <a:t>.</a:t>
+            </a:r>
+            <a:r>
+              <a:rPr lang="en-US" dirty="0" err="1">
+                <a:solidFill>
+                  <a:srgbClr val="A6E22E"/>
+                </a:solidFill>
+                <a:latin typeface="Menlo" charset="0"/>
+              </a:rPr>
+              <a:t>set</a:t>
+            </a:r>
+            <a:r>
+              <a:rPr lang="en-US" dirty="0">
+                <a:solidFill>
+                  <a:srgbClr val="F8F8F2"/>
+                </a:solidFill>
+                <a:latin typeface="Menlo" charset="0"/>
+              </a:rPr>
+              <a:t>(</a:t>
+            </a:r>
+            <a:r>
+              <a:rPr lang="en-US" dirty="0">
+                <a:solidFill>
+                  <a:srgbClr val="E6DB74"/>
+                </a:solidFill>
+                <a:latin typeface="Menlo" charset="0"/>
+              </a:rPr>
+              <a:t>'view engine'</a:t>
+            </a:r>
+            <a:r>
+              <a:rPr lang="en-US" dirty="0">
+                <a:solidFill>
+                  <a:srgbClr val="F8F8F2"/>
+                </a:solidFill>
+                <a:latin typeface="Menlo" charset="0"/>
+              </a:rPr>
+              <a:t>, </a:t>
+            </a:r>
+            <a:r>
+              <a:rPr lang="en-US" dirty="0">
+                <a:solidFill>
+                  <a:srgbClr val="E6DB74"/>
+                </a:solidFill>
+                <a:latin typeface="Menlo" charset="0"/>
+              </a:rPr>
+              <a:t>'</a:t>
+            </a:r>
+            <a:r>
+              <a:rPr lang="en-US" dirty="0" err="1">
+                <a:solidFill>
+                  <a:srgbClr val="E6DB74"/>
+                </a:solidFill>
+                <a:latin typeface="Menlo" charset="0"/>
+              </a:rPr>
+              <a:t>ejs</a:t>
+            </a:r>
+            <a:r>
+              <a:rPr lang="en-US" dirty="0">
+                <a:solidFill>
+                  <a:srgbClr val="E6DB74"/>
+                </a:solidFill>
+                <a:latin typeface="Menlo" charset="0"/>
+              </a:rPr>
+              <a:t>'</a:t>
+            </a:r>
+            <a:r>
+              <a:rPr lang="en-US" dirty="0">
+                <a:solidFill>
+                  <a:srgbClr val="F8F8F2"/>
+                </a:solidFill>
+                <a:latin typeface="Menlo" charset="0"/>
+              </a:rPr>
+              <a:t>);</a:t>
+            </a:r>
+          </a:p>
+        </p:txBody>
+      </p:sp>
+    </p:spTree>
+    <p:extLst>
+      <p:ext uri="{BB962C8B-B14F-4D97-AF65-F5344CB8AC3E}">
+        <p14:creationId xmlns:p14="http://schemas.microsoft.com/office/powerpoint/2010/main" val="795430725"/>
+      </p:ext>
+    </p:extLst>
+  </p:cSld>
+  <p:clrMapOvr>
+    <a:masterClrMapping/>
+  </p:clrMapOvr>
+  <p:timing>
+    <p:tnLst>
+      <p:par>
+        <p:cTn id="1" dur="indefinite" restart="never" nodeType="tmRoot">
+          <p:childTnLst>
+            <p:seq concurrent="1" nextAc="seek">
+              <p:cTn id="2" dur="indefinite" nodeType="mainSeq">
+                <p:childTnLst>
+                  <p:par>
+                    <p:cTn id="3" fill="hold">
+                      <p:stCondLst>
+                        <p:cond delay="indefinite"/>
+                      </p:stCondLst>
+                      <p:childTnLst>
+                        <p:par>
+                          <p:cTn id="4" fill="hold">
+                            <p:stCondLst>
+                              <p:cond delay="0"/>
+                            </p:stCondLst>
+                            <p:childTnLst>
+                              <p:par>
+                                <p:cTn id="5" presetID="1" presetClass="entr" presetSubtype="0" fill="hold" nodeType="clickEffect">
+                                  <p:stCondLst>
+                                    <p:cond delay="0"/>
+                                  </p:stCondLst>
+                                  <p:childTnLst>
+                                    <p:set>
+                                      <p:cBhvr>
+                                        <p:cTn id="6" dur="1" fill="hold">
+                                          <p:stCondLst>
+                                            <p:cond delay="0"/>
+                                          </p:stCondLst>
+                                        </p:cTn>
+                                        <p:tgtEl>
+                                          <p:spTgt spid="3">
+                                            <p:txEl>
+                                              <p:pRg st="2" end="2"/>
+                                            </p:txEl>
+                                          </p:spTgt>
+                                        </p:tgtEl>
+                                        <p:attrNameLst>
+                                          <p:attrName>style.visibility</p:attrName>
+                                        </p:attrNameLst>
+                                      </p:cBhvr>
+                                      <p:to>
+                                        <p:strVal val="visible"/>
+                                      </p:to>
+                                    </p:set>
+                                  </p:childTnLst>
+                                </p:cTn>
+                              </p:par>
+                            </p:childTnLst>
+                          </p:cTn>
+                        </p:par>
+                      </p:childTnLst>
+                    </p:cTn>
+                  </p:par>
+                  <p:par>
+                    <p:cTn id="7" fill="hold">
+                      <p:stCondLst>
+                        <p:cond delay="indefinite"/>
+                      </p:stCondLst>
+                      <p:childTnLst>
+                        <p:par>
+                          <p:cTn id="8" fill="hold">
+                            <p:stCondLst>
+                              <p:cond delay="0"/>
+                            </p:stCondLst>
+                            <p:childTnLst>
+                              <p:par>
+                                <p:cTn id="9" presetID="1" presetClass="entr" presetSubtype="0" fill="hold" grpId="0" nodeType="clickEffect">
+                                  <p:stCondLst>
+                                    <p:cond delay="0"/>
+                                  </p:stCondLst>
+                                  <p:childTnLst>
+                                    <p:set>
+                                      <p:cBhvr>
+                                        <p:cTn id="10" dur="1" fill="hold">
+                                          <p:stCondLst>
+                                            <p:cond delay="0"/>
+                                          </p:stCondLst>
+                                        </p:cTn>
+                                        <p:tgtEl>
+                                          <p:spTgt spid="6"/>
+                                        </p:tgtEl>
+                                        <p:attrNameLst>
+                                          <p:attrName>style.visibility</p:attrName>
+                                        </p:attrNameLst>
+                                      </p:cBhvr>
+                                      <p:to>
+                                        <p:strVal val="visible"/>
+                                      </p:to>
+                                    </p:set>
+                                  </p:childTnLst>
+                                </p:cTn>
+                              </p:par>
+                            </p:childTnLst>
+                          </p:cTn>
+                        </p:par>
+                      </p:childTnLst>
+                    </p:cTn>
+                  </p:par>
+                </p:childTnLst>
+              </p:cTn>
+              <p:prevCondLst>
+                <p:cond evt="onPrev" delay="0">
+                  <p:tgtEl>
+                    <p:sldTgt/>
+                  </p:tgtEl>
+                </p:cond>
+              </p:prevCondLst>
+              <p:nextCondLst>
+                <p:cond evt="onNext" delay="0">
+                  <p:tgtEl>
+                    <p:sldTgt/>
+                  </p:tgtEl>
+                </p:cond>
+              </p:nextCondLst>
+            </p:seq>
+          </p:childTnLst>
+        </p:cTn>
+      </p:par>
+    </p:tnLst>
+    <p:bldLst>
+      <p:bldP spid="6" grpId="0" animBg="1"/>
+    </p:bldLst>
   </p:timing>
 </p:sld>
 </file>
@@ -8290,7 +16129,7 @@
           <a:p>
             <a:r>
               <a:rPr lang="de-DE" smtClean="0"/>
-              <a:t>PennApps Node JS Workshop</a:t>
+              <a:t>All slides can be found at pennapps-nodejs-workshop.herokuapp.com</a:t>
             </a:r>
             <a:endParaRPr lang="en-US"/>
           </a:p>
@@ -8501,7 +16340,7 @@
           <a:p>
             <a:r>
               <a:rPr lang="de-DE" smtClean="0"/>
-              <a:t>PennApps Node JS Workshop</a:t>
+              <a:t>All slides can be found at pennapps-nodejs-workshop.herokuapp.com</a:t>
             </a:r>
             <a:endParaRPr lang="en-US"/>
           </a:p>
@@ -8850,7 +16689,7 @@
           <a:p>
             <a:r>
               <a:rPr lang="de-DE" smtClean="0"/>
-              <a:t>PennApps Node JS Workshop</a:t>
+              <a:t>All slides can be found at pennapps-nodejs-workshop.herokuapp.com</a:t>
             </a:r>
             <a:endParaRPr lang="en-US"/>
           </a:p>
@@ -9070,7 +16909,7 @@
           <a:p>
             <a:r>
               <a:rPr lang="de-DE" smtClean="0"/>
-              <a:t>PennApps Node JS Workshop</a:t>
+              <a:t>All slides can be found at pennapps-nodejs-workshop.herokuapp.com</a:t>
             </a:r>
             <a:endParaRPr lang="en-US"/>
           </a:p>
@@ -9466,7 +17305,7 @@
           <a:p>
             <a:r>
               <a:rPr lang="de-DE" smtClean="0"/>
-              <a:t>PennApps Node JS Workshop</a:t>
+              <a:t>All slides can be found at pennapps-nodejs-workshop.herokuapp.com</a:t>
             </a:r>
             <a:endParaRPr lang="en-US"/>
           </a:p>
@@ -9944,10 +17783,46 @@
           <a:lstStyle/>
           <a:p>
             <a:r>
-              <a:rPr lang="de-DE" smtClean="0"/>
-              <a:t>PennApps Node JS Workshop</a:t>
-            </a:r>
-            <a:endParaRPr lang="en-US"/>
+              <a:rPr lang="de-DE" dirty="0" smtClean="0"/>
+              <a:t>All </a:t>
+            </a:r>
+            <a:r>
+              <a:rPr lang="de-DE" dirty="0" err="1" smtClean="0"/>
+              <a:t>slides</a:t>
+            </a:r>
+            <a:r>
+              <a:rPr lang="de-DE" dirty="0" smtClean="0"/>
+              <a:t> </a:t>
+            </a:r>
+            <a:r>
+              <a:rPr lang="de-DE" dirty="0" err="1" smtClean="0"/>
+              <a:t>can</a:t>
+            </a:r>
+            <a:r>
+              <a:rPr lang="de-DE" dirty="0" smtClean="0"/>
+              <a:t> </a:t>
+            </a:r>
+            <a:r>
+              <a:rPr lang="de-DE" dirty="0" err="1" smtClean="0"/>
+              <a:t>be</a:t>
+            </a:r>
+            <a:r>
+              <a:rPr lang="de-DE" dirty="0" smtClean="0"/>
+              <a:t> </a:t>
+            </a:r>
+            <a:r>
+              <a:rPr lang="de-DE" dirty="0" err="1" smtClean="0"/>
+              <a:t>found</a:t>
+            </a:r>
+            <a:r>
+              <a:rPr lang="de-DE" dirty="0" smtClean="0"/>
+              <a:t> at </a:t>
+            </a:r>
+            <a:r>
+              <a:rPr lang="de-DE" dirty="0" err="1" smtClean="0"/>
+              <a:t>pennapps-nodejs-workshop.herokuapp.com</a:t>
+            </a:r>
+            <a:endParaRPr lang="en-US" dirty="0"/>
           </a:p>
         </p:txBody>
       </p:sp>

--- a/pennapps-nodejs-workshop.pptx
+++ b/pennapps-nodejs-workshop.pptx
@@ -5,10 +5,10 @@
     <p:sldMasterId id="2147483648" r:id="rId1"/>
   </p:sldMasterIdLst>
   <p:notesMasterIdLst>
-    <p:notesMasterId r:id="rId38"/>
+    <p:notesMasterId r:id="rId40"/>
   </p:notesMasterIdLst>
   <p:handoutMasterIdLst>
-    <p:handoutMasterId r:id="rId39"/>
+    <p:handoutMasterId r:id="rId41"/>
   </p:handoutMasterIdLst>
   <p:sldIdLst>
     <p:sldId id="256" r:id="rId2"/>
@@ -24,29 +24,31 @@
     <p:sldId id="275" r:id="rId12"/>
     <p:sldId id="276" r:id="rId13"/>
     <p:sldId id="264" r:id="rId14"/>
-    <p:sldId id="265" r:id="rId15"/>
-    <p:sldId id="266" r:id="rId16"/>
-    <p:sldId id="267" r:id="rId17"/>
-    <p:sldId id="268" r:id="rId18"/>
-    <p:sldId id="269" r:id="rId19"/>
-    <p:sldId id="270" r:id="rId20"/>
-    <p:sldId id="271" r:id="rId21"/>
-    <p:sldId id="277" r:id="rId22"/>
-    <p:sldId id="278" r:id="rId23"/>
-    <p:sldId id="279" r:id="rId24"/>
-    <p:sldId id="280" r:id="rId25"/>
-    <p:sldId id="281" r:id="rId26"/>
-    <p:sldId id="282" r:id="rId27"/>
-    <p:sldId id="283" r:id="rId28"/>
-    <p:sldId id="284" r:id="rId29"/>
-    <p:sldId id="285" r:id="rId30"/>
-    <p:sldId id="286" r:id="rId31"/>
-    <p:sldId id="287" r:id="rId32"/>
-    <p:sldId id="288" r:id="rId33"/>
-    <p:sldId id="289" r:id="rId34"/>
-    <p:sldId id="290" r:id="rId35"/>
-    <p:sldId id="291" r:id="rId36"/>
-    <p:sldId id="292" r:id="rId37"/>
+    <p:sldId id="293" r:id="rId15"/>
+    <p:sldId id="265" r:id="rId16"/>
+    <p:sldId id="266" r:id="rId17"/>
+    <p:sldId id="267" r:id="rId18"/>
+    <p:sldId id="268" r:id="rId19"/>
+    <p:sldId id="269" r:id="rId20"/>
+    <p:sldId id="270" r:id="rId21"/>
+    <p:sldId id="271" r:id="rId22"/>
+    <p:sldId id="277" r:id="rId23"/>
+    <p:sldId id="278" r:id="rId24"/>
+    <p:sldId id="279" r:id="rId25"/>
+    <p:sldId id="280" r:id="rId26"/>
+    <p:sldId id="281" r:id="rId27"/>
+    <p:sldId id="282" r:id="rId28"/>
+    <p:sldId id="283" r:id="rId29"/>
+    <p:sldId id="284" r:id="rId30"/>
+    <p:sldId id="285" r:id="rId31"/>
+    <p:sldId id="286" r:id="rId32"/>
+    <p:sldId id="287" r:id="rId33"/>
+    <p:sldId id="288" r:id="rId34"/>
+    <p:sldId id="289" r:id="rId35"/>
+    <p:sldId id="290" r:id="rId36"/>
+    <p:sldId id="291" r:id="rId37"/>
+    <p:sldId id="292" r:id="rId38"/>
+    <p:sldId id="294" r:id="rId39"/>
   </p:sldIdLst>
   <p:sldSz cx="9144000" cy="6858000" type="screen4x3"/>
   <p:notesSz cx="6858000" cy="9144000"/>
@@ -830,7 +832,7 @@
           <a:p>
             <a:fld id="{83983432-4A10-594C-BA1A-6337BBB178BC}" type="slidenum">
               <a:rPr lang="en-US" smtClean="0"/>
-              <a:t>26</a:t>
+              <a:t>27</a:t>
             </a:fld>
             <a:endParaRPr lang="en-US"/>
           </a:p>
@@ -5892,29 +5894,122 @@
             <a:spLocks noGrp="1"/>
           </p:cNvSpPr>
           <p:nvPr>
-            <p:ph type="ctrTitle"/>
+            <p:ph type="title"/>
           </p:nvPr>
         </p:nvSpPr>
         <p:spPr/>
         <p:txBody>
+          <a:bodyPr/>
+          <a:lstStyle/>
+          <a:p>
+            <a:r>
+              <a:rPr lang="en-US" dirty="0" err="1"/>
+              <a:t>p</a:t>
+            </a:r>
+            <a:r>
+              <a:rPr lang="en-US" dirty="0" err="1" smtClean="0"/>
+              <a:t>ackage.json</a:t>
+            </a:r>
+            <a:endParaRPr lang="en-US" dirty="0"/>
+          </a:p>
+        </p:txBody>
+      </p:sp>
+      <p:sp>
+        <p:nvSpPr>
+          <p:cNvPr id="3" name="Content Placeholder 2"/>
+          <p:cNvSpPr>
+            <a:spLocks noGrp="1"/>
+          </p:cNvSpPr>
+          <p:nvPr>
+            <p:ph idx="1"/>
+          </p:nvPr>
+        </p:nvSpPr>
+        <p:spPr>
+          <a:xfrm>
+            <a:off x="457200" y="1600201"/>
+            <a:ext cx="8229600" cy="1981199"/>
+          </a:xfrm>
+        </p:spPr>
+        <p:txBody>
           <a:bodyPr>
-            <a:normAutofit/>
+            <a:noAutofit/>
           </a:bodyPr>
           <a:lstStyle/>
           <a:p>
             <a:r>
-              <a:rPr lang="en-US" sz="8800" dirty="0" smtClean="0">
-                <a:solidFill>
-                  <a:srgbClr val="953735"/>
-                </a:solidFill>
-              </a:rPr>
-              <a:t>The Web</a:t>
-            </a:r>
-            <a:endParaRPr lang="en-US" sz="8800" dirty="0">
-              <a:solidFill>
-                <a:srgbClr val="953735"/>
-              </a:solidFill>
-            </a:endParaRPr>
+              <a:rPr lang="en-US" sz="2400" dirty="0" smtClean="0"/>
+              <a:t>Contains metadata for the app (e.g. name, author, etc.)</a:t>
+            </a:r>
+          </a:p>
+          <a:p>
+            <a:r>
+              <a:rPr lang="en-US" sz="2400" dirty="0" smtClean="0"/>
+              <a:t>Contains scripts</a:t>
+            </a:r>
+          </a:p>
+          <a:p>
+            <a:pPr lvl="1"/>
+            <a:r>
+              <a:rPr lang="en-US" sz="2000" dirty="0" smtClean="0"/>
+              <a:t>Can be called with </a:t>
+            </a:r>
+            <a:r>
+              <a:rPr lang="en-US" sz="2000" dirty="0" err="1" smtClean="0">
+                <a:latin typeface="Courier" charset="0"/>
+              </a:rPr>
+              <a:t>npm</a:t>
+            </a:r>
+            <a:r>
+              <a:rPr lang="en-US" sz="2000" dirty="0" smtClean="0">
+                <a:latin typeface="Courier" charset="0"/>
+              </a:rPr>
+              <a:t> script</a:t>
+            </a:r>
+            <a:r>
+              <a:rPr lang="en-US" sz="2000" dirty="0" smtClean="0"/>
+              <a:t> (e.g. </a:t>
+            </a:r>
+            <a:r>
+              <a:rPr lang="en-US" sz="2000" dirty="0" err="1" smtClean="0">
+                <a:latin typeface="Courier" charset="0"/>
+              </a:rPr>
+              <a:t>npm</a:t>
+            </a:r>
+            <a:r>
+              <a:rPr lang="en-US" sz="2000" dirty="0" smtClean="0">
+                <a:latin typeface="Courier" charset="0"/>
+              </a:rPr>
+              <a:t> start</a:t>
+            </a:r>
+            <a:r>
+              <a:rPr lang="en-US" sz="2000" dirty="0" smtClean="0"/>
+              <a:t>)</a:t>
+            </a:r>
+          </a:p>
+          <a:p>
+            <a:r>
+              <a:rPr lang="en-US" sz="2400" dirty="0" smtClean="0"/>
+              <a:t>Contains list of dependencies</a:t>
+            </a:r>
+          </a:p>
+          <a:p>
+            <a:pPr lvl="1"/>
+            <a:r>
+              <a:rPr lang="en-US" sz="2000" dirty="0" smtClean="0"/>
+              <a:t>Can be installed with </a:t>
+            </a:r>
+            <a:r>
+              <a:rPr lang="en-US" sz="2000" dirty="0" err="1" smtClean="0">
+                <a:latin typeface="Courier" charset="0"/>
+              </a:rPr>
+              <a:t>npm</a:t>
+            </a:r>
+            <a:r>
+              <a:rPr lang="en-US" sz="2000" dirty="0" smtClean="0">
+                <a:latin typeface="Courier" charset="0"/>
+              </a:rPr>
+              <a:t> install</a:t>
+            </a:r>
           </a:p>
         </p:txBody>
       </p:sp>
@@ -5937,7 +6032,7 @@
               <a:rPr lang="de-DE" smtClean="0"/>
               <a:t>All slides can be found at pennapps-nodejs-workshop.herokuapp.com</a:t>
             </a:r>
-            <a:endParaRPr lang="en-US"/>
+            <a:endParaRPr lang="en-US" dirty="0"/>
           </a:p>
         </p:txBody>
       </p:sp>
@@ -5964,10 +6059,813 @@
           </a:p>
         </p:txBody>
       </p:sp>
+      <p:sp>
+        <p:nvSpPr>
+          <p:cNvPr id="6" name="TextBox 5"/>
+          <p:cNvSpPr txBox="1"/>
+          <p:nvPr/>
+        </p:nvSpPr>
+        <p:spPr>
+          <a:xfrm>
+            <a:off x="457201" y="3644701"/>
+            <a:ext cx="8229599" cy="2677656"/>
+          </a:xfrm>
+          <a:prstGeom prst="rect">
+            <a:avLst/>
+          </a:prstGeom>
+          <a:solidFill>
+            <a:srgbClr val="000000"/>
+          </a:solidFill>
+        </p:spPr>
+        <p:txBody>
+          <a:bodyPr wrap="square" rtlCol="0">
+            <a:spAutoFit/>
+          </a:bodyPr>
+          <a:lstStyle/>
+          <a:p>
+            <a:r>
+              <a:rPr lang="en-US" sz="1200" dirty="0">
+                <a:solidFill>
+                  <a:srgbClr val="F8F8F2"/>
+                </a:solidFill>
+                <a:latin typeface="Menlo" charset="0"/>
+              </a:rPr>
+              <a:t>{</a:t>
+            </a:r>
+          </a:p>
+          <a:p>
+            <a:r>
+              <a:rPr lang="en-US" sz="1200" dirty="0">
+                <a:solidFill>
+                  <a:srgbClr val="F8F8F2"/>
+                </a:solidFill>
+                <a:latin typeface="Menlo" charset="0"/>
+              </a:rPr>
+              <a:t>  </a:t>
+            </a:r>
+            <a:r>
+              <a:rPr lang="en-US" sz="1200" dirty="0">
+                <a:solidFill>
+                  <a:srgbClr val="E6DB74"/>
+                </a:solidFill>
+                <a:latin typeface="Menlo" charset="0"/>
+              </a:rPr>
+              <a:t>"name"</a:t>
+            </a:r>
+            <a:r>
+              <a:rPr lang="en-US" sz="1200" dirty="0">
+                <a:solidFill>
+                  <a:srgbClr val="F92672"/>
+                </a:solidFill>
+                <a:latin typeface="Menlo" charset="0"/>
+              </a:rPr>
+              <a:t>:</a:t>
+            </a:r>
+            <a:r>
+              <a:rPr lang="en-US" sz="1200" dirty="0">
+                <a:solidFill>
+                  <a:srgbClr val="F8F8F2"/>
+                </a:solidFill>
+                <a:latin typeface="Menlo" charset="0"/>
+              </a:rPr>
+              <a:t> </a:t>
+            </a:r>
+            <a:r>
+              <a:rPr lang="en-US" sz="1200" dirty="0">
+                <a:solidFill>
+                  <a:srgbClr val="E6DB74"/>
+                </a:solidFill>
+                <a:latin typeface="Menlo" charset="0"/>
+              </a:rPr>
+              <a:t>"</a:t>
+            </a:r>
+            <a:r>
+              <a:rPr lang="en-US" sz="1200" dirty="0" err="1">
+                <a:solidFill>
+                  <a:srgbClr val="E6DB74"/>
+                </a:solidFill>
+                <a:latin typeface="Menlo" charset="0"/>
+              </a:rPr>
+              <a:t>pennapps</a:t>
+            </a:r>
+            <a:r>
+              <a:rPr lang="en-US" sz="1200" dirty="0">
+                <a:solidFill>
+                  <a:srgbClr val="E6DB74"/>
+                </a:solidFill>
+                <a:latin typeface="Menlo" charset="0"/>
+              </a:rPr>
+              <a:t>-</a:t>
+            </a:r>
+            <a:r>
+              <a:rPr lang="en-US" sz="1200" dirty="0" err="1">
+                <a:solidFill>
+                  <a:srgbClr val="E6DB74"/>
+                </a:solidFill>
+                <a:latin typeface="Menlo" charset="0"/>
+              </a:rPr>
+              <a:t>nodejs</a:t>
+            </a:r>
+            <a:r>
+              <a:rPr lang="en-US" sz="1200" dirty="0">
+                <a:solidFill>
+                  <a:srgbClr val="E6DB74"/>
+                </a:solidFill>
+                <a:latin typeface="Menlo" charset="0"/>
+              </a:rPr>
+              <a:t>-workshop"</a:t>
+            </a:r>
+            <a:r>
+              <a:rPr lang="en-US" sz="1200" dirty="0">
+                <a:solidFill>
+                  <a:srgbClr val="F8F8F2"/>
+                </a:solidFill>
+                <a:latin typeface="Menlo" charset="0"/>
+              </a:rPr>
+              <a:t>,</a:t>
+            </a:r>
+          </a:p>
+          <a:p>
+            <a:r>
+              <a:rPr lang="en-US" sz="1200" dirty="0">
+                <a:solidFill>
+                  <a:srgbClr val="F8F8F2"/>
+                </a:solidFill>
+                <a:latin typeface="Menlo" charset="0"/>
+              </a:rPr>
+              <a:t>  </a:t>
+            </a:r>
+            <a:r>
+              <a:rPr lang="en-US" sz="1200" dirty="0">
+                <a:solidFill>
+                  <a:srgbClr val="E6DB74"/>
+                </a:solidFill>
+                <a:latin typeface="Menlo" charset="0"/>
+              </a:rPr>
+              <a:t>"private"</a:t>
+            </a:r>
+            <a:r>
+              <a:rPr lang="en-US" sz="1200" dirty="0">
+                <a:solidFill>
+                  <a:srgbClr val="F92672"/>
+                </a:solidFill>
+                <a:latin typeface="Menlo" charset="0"/>
+              </a:rPr>
+              <a:t>:</a:t>
+            </a:r>
+            <a:r>
+              <a:rPr lang="en-US" sz="1200" dirty="0">
+                <a:solidFill>
+                  <a:srgbClr val="F8F8F2"/>
+                </a:solidFill>
+                <a:latin typeface="Menlo" charset="0"/>
+              </a:rPr>
+              <a:t> </a:t>
+            </a:r>
+            <a:r>
+              <a:rPr lang="en-US" sz="1200" dirty="0">
+                <a:solidFill>
+                  <a:srgbClr val="66D9EF"/>
+                </a:solidFill>
+                <a:latin typeface="Menlo" charset="0"/>
+              </a:rPr>
+              <a:t>true</a:t>
+            </a:r>
+            <a:r>
+              <a:rPr lang="en-US" sz="1200" dirty="0">
+                <a:solidFill>
+                  <a:srgbClr val="F8F8F2"/>
+                </a:solidFill>
+                <a:latin typeface="Menlo" charset="0"/>
+              </a:rPr>
+              <a:t>,</a:t>
+            </a:r>
+          </a:p>
+          <a:p>
+            <a:r>
+              <a:rPr lang="ro-RO" sz="1200" dirty="0">
+                <a:solidFill>
+                  <a:srgbClr val="F8F8F2"/>
+                </a:solidFill>
+                <a:latin typeface="Menlo" charset="0"/>
+              </a:rPr>
+              <a:t>  </a:t>
+            </a:r>
+            <a:r>
+              <a:rPr lang="ro-RO" sz="1200" dirty="0">
+                <a:solidFill>
+                  <a:srgbClr val="E6DB74"/>
+                </a:solidFill>
+                <a:latin typeface="Menlo" charset="0"/>
+              </a:rPr>
+              <a:t>"</a:t>
+            </a:r>
+            <a:r>
+              <a:rPr lang="ro-RO" sz="1200" dirty="0" err="1">
+                <a:solidFill>
+                  <a:srgbClr val="E6DB74"/>
+                </a:solidFill>
+                <a:latin typeface="Menlo" charset="0"/>
+              </a:rPr>
+              <a:t>scripts</a:t>
+            </a:r>
+            <a:r>
+              <a:rPr lang="ro-RO" sz="1200" dirty="0">
+                <a:solidFill>
+                  <a:srgbClr val="E6DB74"/>
+                </a:solidFill>
+                <a:latin typeface="Menlo" charset="0"/>
+              </a:rPr>
+              <a:t>"</a:t>
+            </a:r>
+            <a:r>
+              <a:rPr lang="ro-RO" sz="1200" dirty="0">
+                <a:solidFill>
+                  <a:srgbClr val="F92672"/>
+                </a:solidFill>
+                <a:latin typeface="Menlo" charset="0"/>
+              </a:rPr>
+              <a:t>:</a:t>
+            </a:r>
+            <a:r>
+              <a:rPr lang="ro-RO" sz="1200" dirty="0">
+                <a:solidFill>
+                  <a:srgbClr val="F8F8F2"/>
+                </a:solidFill>
+                <a:latin typeface="Menlo" charset="0"/>
+              </a:rPr>
+              <a:t> {</a:t>
+            </a:r>
+          </a:p>
+          <a:p>
+            <a:r>
+              <a:rPr lang="ro-RO" sz="1200" dirty="0">
+                <a:solidFill>
+                  <a:srgbClr val="F8F8F2"/>
+                </a:solidFill>
+                <a:latin typeface="Menlo" charset="0"/>
+              </a:rPr>
+              <a:t>    </a:t>
+            </a:r>
+            <a:r>
+              <a:rPr lang="ro-RO" sz="1200" dirty="0">
+                <a:solidFill>
+                  <a:srgbClr val="E6DB74"/>
+                </a:solidFill>
+                <a:latin typeface="Menlo" charset="0"/>
+              </a:rPr>
+              <a:t>"start"</a:t>
+            </a:r>
+            <a:r>
+              <a:rPr lang="ro-RO" sz="1200" dirty="0">
+                <a:solidFill>
+                  <a:srgbClr val="F92672"/>
+                </a:solidFill>
+                <a:latin typeface="Menlo" charset="0"/>
+              </a:rPr>
+              <a:t>:</a:t>
+            </a:r>
+            <a:r>
+              <a:rPr lang="ro-RO" sz="1200" dirty="0">
+                <a:solidFill>
+                  <a:srgbClr val="F8F8F2"/>
+                </a:solidFill>
+                <a:latin typeface="Menlo" charset="0"/>
+              </a:rPr>
+              <a:t> </a:t>
+            </a:r>
+            <a:r>
+              <a:rPr lang="ro-RO" sz="1200" dirty="0">
+                <a:solidFill>
+                  <a:srgbClr val="E6DB74"/>
+                </a:solidFill>
+                <a:latin typeface="Menlo" charset="0"/>
+              </a:rPr>
+              <a:t>"</a:t>
+            </a:r>
+            <a:r>
+              <a:rPr lang="ro-RO" sz="1200" dirty="0" err="1">
+                <a:solidFill>
+                  <a:srgbClr val="E6DB74"/>
+                </a:solidFill>
+                <a:latin typeface="Menlo" charset="0"/>
+              </a:rPr>
+              <a:t>node</a:t>
+            </a:r>
+            <a:r>
+              <a:rPr lang="ro-RO" sz="1200" dirty="0">
+                <a:solidFill>
+                  <a:srgbClr val="E6DB74"/>
+                </a:solidFill>
+                <a:latin typeface="Menlo" charset="0"/>
+              </a:rPr>
+              <a:t> ./</a:t>
+            </a:r>
+            <a:r>
+              <a:rPr lang="ro-RO" sz="1200" dirty="0" err="1">
+                <a:solidFill>
+                  <a:srgbClr val="E6DB74"/>
+                </a:solidFill>
+                <a:latin typeface="Menlo" charset="0"/>
+              </a:rPr>
+              <a:t>bin</a:t>
+            </a:r>
+            <a:r>
+              <a:rPr lang="ro-RO" sz="1200" dirty="0">
+                <a:solidFill>
+                  <a:srgbClr val="E6DB74"/>
+                </a:solidFill>
+                <a:latin typeface="Menlo" charset="0"/>
+              </a:rPr>
+              <a:t>/</a:t>
+            </a:r>
+            <a:r>
+              <a:rPr lang="ro-RO" sz="1200" dirty="0" err="1">
+                <a:solidFill>
+                  <a:srgbClr val="E6DB74"/>
+                </a:solidFill>
+                <a:latin typeface="Menlo" charset="0"/>
+              </a:rPr>
+              <a:t>run-server.js</a:t>
+            </a:r>
+            <a:r>
+              <a:rPr lang="ro-RO" sz="1200" dirty="0">
+                <a:solidFill>
+                  <a:srgbClr val="E6DB74"/>
+                </a:solidFill>
+                <a:latin typeface="Menlo" charset="0"/>
+              </a:rPr>
+              <a:t>"</a:t>
+            </a:r>
+            <a:endParaRPr lang="ro-RO" sz="1200" dirty="0">
+              <a:solidFill>
+                <a:srgbClr val="F8F8F2"/>
+              </a:solidFill>
+              <a:latin typeface="Menlo" charset="0"/>
+            </a:endParaRPr>
+          </a:p>
+          <a:p>
+            <a:r>
+              <a:rPr lang="de-DE" sz="1200" dirty="0">
+                <a:solidFill>
+                  <a:srgbClr val="F8F8F2"/>
+                </a:solidFill>
+                <a:latin typeface="Menlo" charset="0"/>
+              </a:rPr>
+              <a:t>  },</a:t>
+            </a:r>
+          </a:p>
+          <a:p>
+            <a:r>
+              <a:rPr lang="de-DE" sz="1200" dirty="0">
+                <a:solidFill>
+                  <a:srgbClr val="F8F8F2"/>
+                </a:solidFill>
+                <a:latin typeface="Menlo" charset="0"/>
+              </a:rPr>
+              <a:t>  </a:t>
+            </a:r>
+            <a:r>
+              <a:rPr lang="de-DE" sz="1200" dirty="0">
+                <a:solidFill>
+                  <a:srgbClr val="E6DB74"/>
+                </a:solidFill>
+                <a:latin typeface="Menlo" charset="0"/>
+              </a:rPr>
+              <a:t>"</a:t>
+            </a:r>
+            <a:r>
+              <a:rPr lang="de-DE" sz="1200" dirty="0" err="1">
+                <a:solidFill>
+                  <a:srgbClr val="E6DB74"/>
+                </a:solidFill>
+                <a:latin typeface="Menlo" charset="0"/>
+              </a:rPr>
+              <a:t>author</a:t>
+            </a:r>
+            <a:r>
+              <a:rPr lang="de-DE" sz="1200" dirty="0">
+                <a:solidFill>
+                  <a:srgbClr val="E6DB74"/>
+                </a:solidFill>
+                <a:latin typeface="Menlo" charset="0"/>
+              </a:rPr>
+              <a:t>"</a:t>
+            </a:r>
+            <a:r>
+              <a:rPr lang="de-DE" sz="1200" dirty="0">
+                <a:solidFill>
+                  <a:srgbClr val="F92672"/>
+                </a:solidFill>
+                <a:latin typeface="Menlo" charset="0"/>
+              </a:rPr>
+              <a:t>:</a:t>
+            </a:r>
+            <a:r>
+              <a:rPr lang="de-DE" sz="1200" dirty="0">
+                <a:solidFill>
+                  <a:srgbClr val="F8F8F2"/>
+                </a:solidFill>
+                <a:latin typeface="Menlo" charset="0"/>
+              </a:rPr>
+              <a:t> </a:t>
+            </a:r>
+            <a:r>
+              <a:rPr lang="de-DE" sz="1200" dirty="0">
+                <a:solidFill>
+                  <a:srgbClr val="E6DB74"/>
+                </a:solidFill>
+                <a:latin typeface="Menlo" charset="0"/>
+              </a:rPr>
+              <a:t>"Justin Kim"</a:t>
+            </a:r>
+            <a:r>
+              <a:rPr lang="de-DE" sz="1200" dirty="0">
+                <a:solidFill>
+                  <a:srgbClr val="F8F8F2"/>
+                </a:solidFill>
+                <a:latin typeface="Menlo" charset="0"/>
+              </a:rPr>
+              <a:t>,</a:t>
+            </a:r>
+          </a:p>
+          <a:p>
+            <a:r>
+              <a:rPr lang="de-DE" sz="1200" dirty="0">
+                <a:solidFill>
+                  <a:srgbClr val="F8F8F2"/>
+                </a:solidFill>
+                <a:latin typeface="Menlo" charset="0"/>
+              </a:rPr>
+              <a:t>  </a:t>
+            </a:r>
+            <a:r>
+              <a:rPr lang="de-DE" sz="1200" dirty="0">
+                <a:solidFill>
+                  <a:srgbClr val="E6DB74"/>
+                </a:solidFill>
+                <a:latin typeface="Menlo" charset="0"/>
+              </a:rPr>
+              <a:t>"</a:t>
+            </a:r>
+            <a:r>
+              <a:rPr lang="de-DE" sz="1200" dirty="0" err="1">
+                <a:solidFill>
+                  <a:srgbClr val="E6DB74"/>
+                </a:solidFill>
+                <a:latin typeface="Menlo" charset="0"/>
+              </a:rPr>
+              <a:t>dependencies</a:t>
+            </a:r>
+            <a:r>
+              <a:rPr lang="de-DE" sz="1200" dirty="0">
+                <a:solidFill>
+                  <a:srgbClr val="E6DB74"/>
+                </a:solidFill>
+                <a:latin typeface="Menlo" charset="0"/>
+              </a:rPr>
+              <a:t>"</a:t>
+            </a:r>
+            <a:r>
+              <a:rPr lang="de-DE" sz="1200" dirty="0">
+                <a:solidFill>
+                  <a:srgbClr val="F92672"/>
+                </a:solidFill>
+                <a:latin typeface="Menlo" charset="0"/>
+              </a:rPr>
+              <a:t>:</a:t>
+            </a:r>
+            <a:r>
+              <a:rPr lang="de-DE" sz="1200" dirty="0">
+                <a:solidFill>
+                  <a:srgbClr val="F8F8F2"/>
+                </a:solidFill>
+                <a:latin typeface="Menlo" charset="0"/>
+              </a:rPr>
+              <a:t> {</a:t>
+            </a:r>
+          </a:p>
+          <a:p>
+            <a:r>
+              <a:rPr lang="it-IT" sz="1200" dirty="0">
+                <a:solidFill>
+                  <a:srgbClr val="F8F8F2"/>
+                </a:solidFill>
+                <a:latin typeface="Menlo" charset="0"/>
+              </a:rPr>
+              <a:t>    </a:t>
+            </a:r>
+            <a:r>
+              <a:rPr lang="it-IT" sz="1200" dirty="0">
+                <a:solidFill>
+                  <a:srgbClr val="E6DB74"/>
+                </a:solidFill>
+                <a:latin typeface="Menlo" charset="0"/>
+              </a:rPr>
+              <a:t>"body-</a:t>
+            </a:r>
+            <a:r>
+              <a:rPr lang="it-IT" sz="1200" dirty="0" err="1">
+                <a:solidFill>
+                  <a:srgbClr val="E6DB74"/>
+                </a:solidFill>
+                <a:latin typeface="Menlo" charset="0"/>
+              </a:rPr>
+              <a:t>parser</a:t>
+            </a:r>
+            <a:r>
+              <a:rPr lang="it-IT" sz="1200" dirty="0">
+                <a:solidFill>
+                  <a:srgbClr val="E6DB74"/>
+                </a:solidFill>
+                <a:latin typeface="Menlo" charset="0"/>
+              </a:rPr>
+              <a:t>"</a:t>
+            </a:r>
+            <a:r>
+              <a:rPr lang="it-IT" sz="1200" dirty="0">
+                <a:solidFill>
+                  <a:srgbClr val="F92672"/>
+                </a:solidFill>
+                <a:latin typeface="Menlo" charset="0"/>
+              </a:rPr>
+              <a:t>:</a:t>
+            </a:r>
+            <a:r>
+              <a:rPr lang="it-IT" sz="1200" dirty="0">
+                <a:solidFill>
+                  <a:srgbClr val="F8F8F2"/>
+                </a:solidFill>
+                <a:latin typeface="Menlo" charset="0"/>
+              </a:rPr>
+              <a:t> </a:t>
+            </a:r>
+            <a:r>
+              <a:rPr lang="it-IT" sz="1200" dirty="0">
+                <a:solidFill>
+                  <a:srgbClr val="E6DB74"/>
+                </a:solidFill>
+                <a:latin typeface="Menlo" charset="0"/>
+              </a:rPr>
+              <a:t>"1.8.1"</a:t>
+            </a:r>
+            <a:r>
+              <a:rPr lang="it-IT" sz="1200" dirty="0">
+                <a:solidFill>
+                  <a:srgbClr val="F8F8F2"/>
+                </a:solidFill>
+                <a:latin typeface="Menlo" charset="0"/>
+              </a:rPr>
+              <a:t>,</a:t>
+            </a:r>
+          </a:p>
+          <a:p>
+            <a:r>
+              <a:rPr lang="ro-RO" sz="1200" dirty="0">
+                <a:solidFill>
+                  <a:srgbClr val="F8F8F2"/>
+                </a:solidFill>
+                <a:latin typeface="Menlo" charset="0"/>
+              </a:rPr>
+              <a:t>    </a:t>
+            </a:r>
+            <a:r>
+              <a:rPr lang="ro-RO" sz="1200" dirty="0">
+                <a:solidFill>
+                  <a:srgbClr val="E6DB74"/>
+                </a:solidFill>
+                <a:latin typeface="Menlo" charset="0"/>
+              </a:rPr>
+              <a:t>"</a:t>
+            </a:r>
+            <a:r>
+              <a:rPr lang="ro-RO" sz="1200" dirty="0" err="1">
+                <a:solidFill>
+                  <a:srgbClr val="E6DB74"/>
+                </a:solidFill>
+                <a:latin typeface="Menlo" charset="0"/>
+              </a:rPr>
+              <a:t>debug</a:t>
+            </a:r>
+            <a:r>
+              <a:rPr lang="ro-RO" sz="1200" dirty="0">
+                <a:solidFill>
+                  <a:srgbClr val="E6DB74"/>
+                </a:solidFill>
+                <a:latin typeface="Menlo" charset="0"/>
+              </a:rPr>
+              <a:t>"</a:t>
+            </a:r>
+            <a:r>
+              <a:rPr lang="ro-RO" sz="1200" dirty="0">
+                <a:solidFill>
+                  <a:srgbClr val="F92672"/>
+                </a:solidFill>
+                <a:latin typeface="Menlo" charset="0"/>
+              </a:rPr>
+              <a:t>:</a:t>
+            </a:r>
+            <a:r>
+              <a:rPr lang="ro-RO" sz="1200" dirty="0">
+                <a:solidFill>
+                  <a:srgbClr val="F8F8F2"/>
+                </a:solidFill>
+                <a:latin typeface="Menlo" charset="0"/>
+              </a:rPr>
+              <a:t> </a:t>
+            </a:r>
+            <a:r>
+              <a:rPr lang="ro-RO" sz="1200" dirty="0">
+                <a:solidFill>
+                  <a:srgbClr val="E6DB74"/>
+                </a:solidFill>
+                <a:latin typeface="Menlo" charset="0"/>
+              </a:rPr>
+              <a:t>"2.0.0"</a:t>
+            </a:r>
+            <a:r>
+              <a:rPr lang="ro-RO" sz="1200" dirty="0">
+                <a:solidFill>
+                  <a:srgbClr val="F8F8F2"/>
+                </a:solidFill>
+                <a:latin typeface="Menlo" charset="0"/>
+              </a:rPr>
+              <a:t>,</a:t>
+            </a:r>
+          </a:p>
+          <a:p>
+            <a:r>
+              <a:rPr lang="pl-PL" sz="1200" dirty="0">
+                <a:solidFill>
+                  <a:srgbClr val="F8F8F2"/>
+                </a:solidFill>
+                <a:latin typeface="Menlo" charset="0"/>
+              </a:rPr>
+              <a:t>    </a:t>
+            </a:r>
+            <a:r>
+              <a:rPr lang="pl-PL" sz="1200" dirty="0">
+                <a:solidFill>
+                  <a:srgbClr val="E6DB74"/>
+                </a:solidFill>
+                <a:latin typeface="Menlo" charset="0"/>
+              </a:rPr>
+              <a:t>"</a:t>
+            </a:r>
+            <a:r>
+              <a:rPr lang="pl-PL" sz="1200" dirty="0" err="1">
+                <a:solidFill>
+                  <a:srgbClr val="E6DB74"/>
+                </a:solidFill>
+                <a:latin typeface="Menlo" charset="0"/>
+              </a:rPr>
+              <a:t>ejs</a:t>
+            </a:r>
+            <a:r>
+              <a:rPr lang="pl-PL" sz="1200" dirty="0">
+                <a:solidFill>
+                  <a:srgbClr val="E6DB74"/>
+                </a:solidFill>
+                <a:latin typeface="Menlo" charset="0"/>
+              </a:rPr>
+              <a:t>"</a:t>
+            </a:r>
+            <a:r>
+              <a:rPr lang="pl-PL" sz="1200" dirty="0">
+                <a:solidFill>
+                  <a:srgbClr val="F92672"/>
+                </a:solidFill>
+                <a:latin typeface="Menlo" charset="0"/>
+              </a:rPr>
+              <a:t>:</a:t>
+            </a:r>
+            <a:r>
+              <a:rPr lang="pl-PL" sz="1200" dirty="0">
+                <a:solidFill>
+                  <a:srgbClr val="F8F8F2"/>
+                </a:solidFill>
+                <a:latin typeface="Menlo" charset="0"/>
+              </a:rPr>
+              <a:t> </a:t>
+            </a:r>
+            <a:r>
+              <a:rPr lang="pl-PL" sz="1200" dirty="0">
+                <a:solidFill>
+                  <a:srgbClr val="E6DB74"/>
+                </a:solidFill>
+                <a:latin typeface="Menlo" charset="0"/>
+              </a:rPr>
+              <a:t>"1.0.0"</a:t>
+            </a:r>
+            <a:r>
+              <a:rPr lang="pl-PL" sz="1200" dirty="0">
+                <a:solidFill>
+                  <a:srgbClr val="F8F8F2"/>
+                </a:solidFill>
+                <a:latin typeface="Menlo" charset="0"/>
+              </a:rPr>
+              <a:t>,</a:t>
+            </a:r>
+          </a:p>
+          <a:p>
+            <a:r>
+              <a:rPr lang="ro-RO" sz="1200" dirty="0">
+                <a:solidFill>
+                  <a:srgbClr val="F8F8F2"/>
+                </a:solidFill>
+                <a:latin typeface="Menlo" charset="0"/>
+              </a:rPr>
+              <a:t>    </a:t>
+            </a:r>
+            <a:r>
+              <a:rPr lang="ro-RO" sz="1200" dirty="0">
+                <a:solidFill>
+                  <a:srgbClr val="E6DB74"/>
+                </a:solidFill>
+                <a:latin typeface="Menlo" charset="0"/>
+              </a:rPr>
+              <a:t>"</a:t>
+            </a:r>
+            <a:r>
+              <a:rPr lang="ro-RO" sz="1200" dirty="0" err="1">
+                <a:solidFill>
+                  <a:srgbClr val="E6DB74"/>
+                </a:solidFill>
+                <a:latin typeface="Menlo" charset="0"/>
+              </a:rPr>
+              <a:t>express</a:t>
+            </a:r>
+            <a:r>
+              <a:rPr lang="ro-RO" sz="1200" dirty="0">
+                <a:solidFill>
+                  <a:srgbClr val="E6DB74"/>
+                </a:solidFill>
+                <a:latin typeface="Menlo" charset="0"/>
+              </a:rPr>
+              <a:t>"</a:t>
+            </a:r>
+            <a:r>
+              <a:rPr lang="ro-RO" sz="1200" dirty="0">
+                <a:solidFill>
+                  <a:srgbClr val="F92672"/>
+                </a:solidFill>
+                <a:latin typeface="Menlo" charset="0"/>
+              </a:rPr>
+              <a:t>:</a:t>
+            </a:r>
+            <a:r>
+              <a:rPr lang="ro-RO" sz="1200" dirty="0">
+                <a:solidFill>
+                  <a:srgbClr val="F8F8F2"/>
+                </a:solidFill>
+                <a:latin typeface="Menlo" charset="0"/>
+              </a:rPr>
+              <a:t> </a:t>
+            </a:r>
+            <a:r>
+              <a:rPr lang="ro-RO" sz="1200" dirty="0">
+                <a:solidFill>
+                  <a:srgbClr val="E6DB74"/>
+                </a:solidFill>
+                <a:latin typeface="Menlo" charset="0"/>
+              </a:rPr>
+              <a:t>"4.9.0"</a:t>
+            </a:r>
+            <a:endParaRPr lang="ro-RO" sz="1200" dirty="0">
+              <a:solidFill>
+                <a:srgbClr val="F8F8F2"/>
+              </a:solidFill>
+              <a:latin typeface="Menlo" charset="0"/>
+            </a:endParaRPr>
+          </a:p>
+          <a:p>
+            <a:r>
+              <a:rPr lang="de-DE" sz="1200" dirty="0">
+                <a:solidFill>
+                  <a:srgbClr val="F8F8F2"/>
+                </a:solidFill>
+                <a:latin typeface="Menlo" charset="0"/>
+              </a:rPr>
+              <a:t>  }</a:t>
+            </a:r>
+          </a:p>
+          <a:p>
+            <a:r>
+              <a:rPr lang="de-DE" sz="1200" dirty="0">
+                <a:solidFill>
+                  <a:srgbClr val="F8F8F2"/>
+                </a:solidFill>
+                <a:latin typeface="Menlo" charset="0"/>
+              </a:rPr>
+              <a:t>}</a:t>
+            </a:r>
+          </a:p>
+        </p:txBody>
+      </p:sp>
     </p:spTree>
     <p:extLst>
       <p:ext uri="{BB962C8B-B14F-4D97-AF65-F5344CB8AC3E}">
-        <p14:creationId xmlns:p14="http://schemas.microsoft.com/office/powerpoint/2010/main" val="1384423243"/>
+        <p14:creationId xmlns:p14="http://schemas.microsoft.com/office/powerpoint/2010/main" val="1825122823"/>
       </p:ext>
     </p:extLst>
   </p:cSld>
@@ -6008,6 +6906,122 @@
             <a:spLocks noGrp="1"/>
           </p:cNvSpPr>
           <p:nvPr>
+            <p:ph type="ctrTitle"/>
+          </p:nvPr>
+        </p:nvSpPr>
+        <p:spPr/>
+        <p:txBody>
+          <a:bodyPr>
+            <a:normAutofit/>
+          </a:bodyPr>
+          <a:lstStyle/>
+          <a:p>
+            <a:r>
+              <a:rPr lang="en-US" sz="8800" dirty="0" smtClean="0">
+                <a:solidFill>
+                  <a:srgbClr val="953735"/>
+                </a:solidFill>
+              </a:rPr>
+              <a:t>The Web</a:t>
+            </a:r>
+            <a:endParaRPr lang="en-US" sz="8800" dirty="0">
+              <a:solidFill>
+                <a:srgbClr val="953735"/>
+              </a:solidFill>
+            </a:endParaRPr>
+          </a:p>
+        </p:txBody>
+      </p:sp>
+      <p:sp>
+        <p:nvSpPr>
+          <p:cNvPr id="4" name="Footer Placeholder 3"/>
+          <p:cNvSpPr>
+            <a:spLocks noGrp="1"/>
+          </p:cNvSpPr>
+          <p:nvPr>
+            <p:ph type="ftr" sz="quarter" idx="11"/>
+          </p:nvPr>
+        </p:nvSpPr>
+        <p:spPr/>
+        <p:txBody>
+          <a:bodyPr/>
+          <a:lstStyle/>
+          <a:p>
+            <a:r>
+              <a:rPr lang="de-DE" smtClean="0"/>
+              <a:t>All slides can be found at pennapps-nodejs-workshop.herokuapp.com</a:t>
+            </a:r>
+            <a:endParaRPr lang="en-US"/>
+          </a:p>
+        </p:txBody>
+      </p:sp>
+      <p:sp>
+        <p:nvSpPr>
+          <p:cNvPr id="5" name="Slide Number Placeholder 4"/>
+          <p:cNvSpPr>
+            <a:spLocks noGrp="1"/>
+          </p:cNvSpPr>
+          <p:nvPr>
+            <p:ph type="sldNum" sz="quarter" idx="12"/>
+          </p:nvPr>
+        </p:nvSpPr>
+        <p:spPr/>
+        <p:txBody>
+          <a:bodyPr/>
+          <a:lstStyle/>
+          <a:p>
+            <a:fld id="{BE7B5DD7-0E96-E44E-B777-0B9A5C3419CF}" type="slidenum">
+              <a:rPr lang="en-US" smtClean="0"/>
+              <a:t>15</a:t>
+            </a:fld>
+            <a:endParaRPr lang="en-US"/>
+          </a:p>
+        </p:txBody>
+      </p:sp>
+    </p:spTree>
+    <p:extLst>
+      <p:ext uri="{BB962C8B-B14F-4D97-AF65-F5344CB8AC3E}">
+        <p14:creationId xmlns:p14="http://schemas.microsoft.com/office/powerpoint/2010/main" val="1384423243"/>
+      </p:ext>
+    </p:extLst>
+  </p:cSld>
+  <p:clrMapOvr>
+    <a:masterClrMapping/>
+  </p:clrMapOvr>
+  <p:timing>
+    <p:tnLst>
+      <p:par>
+        <p:cTn id="1" dur="indefinite" restart="never" nodeType="tmRoot"/>
+      </p:par>
+    </p:tnLst>
+  </p:timing>
+</p:sld>
+</file>
+
+<file path=ppt/slides/slide16.xml><?xml version="1.0" encoding="utf-8"?>
+<p:sld xmlns:a="http://schemas.openxmlformats.org/drawingml/2006/main" xmlns:r="http://schemas.openxmlformats.org/officeDocument/2006/relationships" xmlns:p="http://schemas.openxmlformats.org/presentationml/2006/main">
+  <p:cSld>
+    <p:spTree>
+      <p:nvGrpSpPr>
+        <p:cNvPr id="1" name=""/>
+        <p:cNvGrpSpPr/>
+        <p:nvPr/>
+      </p:nvGrpSpPr>
+      <p:grpSpPr>
+        <a:xfrm>
+          <a:off x="0" y="0"/>
+          <a:ext cx="0" cy="0"/>
+          <a:chOff x="0" y="0"/>
+          <a:chExt cx="0" cy="0"/>
+        </a:xfrm>
+      </p:grpSpPr>
+      <p:sp>
+        <p:nvSpPr>
+          <p:cNvPr id="2" name="Title 1"/>
+          <p:cNvSpPr>
+            <a:spLocks noGrp="1"/>
+          </p:cNvSpPr>
+          <p:nvPr>
             <p:ph type="title"/>
           </p:nvPr>
         </p:nvSpPr>
@@ -6194,7 +7208,7 @@
           <a:p>
             <a:fld id="{BE7B5DD7-0E96-E44E-B777-0B9A5C3419CF}" type="slidenum">
               <a:rPr lang="en-US" smtClean="0"/>
-              <a:t>15</a:t>
+              <a:t>16</a:t>
             </a:fld>
             <a:endParaRPr lang="en-US"/>
           </a:p>
@@ -6459,173 +7473,6 @@
 </p:sld>
 </file>
 
-<file path=ppt/slides/slide16.xml><?xml version="1.0" encoding="utf-8"?>
-<p:sld xmlns:a="http://schemas.openxmlformats.org/drawingml/2006/main" xmlns:r="http://schemas.openxmlformats.org/officeDocument/2006/relationships" xmlns:p="http://schemas.openxmlformats.org/presentationml/2006/main">
-  <p:cSld>
-    <p:spTree>
-      <p:nvGrpSpPr>
-        <p:cNvPr id="1" name=""/>
-        <p:cNvGrpSpPr/>
-        <p:nvPr/>
-      </p:nvGrpSpPr>
-      <p:grpSpPr>
-        <a:xfrm>
-          <a:off x="0" y="0"/>
-          <a:ext cx="0" cy="0"/>
-          <a:chOff x="0" y="0"/>
-          <a:chExt cx="0" cy="0"/>
-        </a:xfrm>
-      </p:grpSpPr>
-      <p:sp>
-        <p:nvSpPr>
-          <p:cNvPr id="2" name="Title 1"/>
-          <p:cNvSpPr>
-            <a:spLocks noGrp="1"/>
-          </p:cNvSpPr>
-          <p:nvPr>
-            <p:ph type="title"/>
-          </p:nvPr>
-        </p:nvSpPr>
-        <p:spPr/>
-        <p:txBody>
-          <a:bodyPr/>
-          <a:lstStyle/>
-          <a:p>
-            <a:r>
-              <a:rPr lang="en-US" dirty="0" smtClean="0"/>
-              <a:t>HTTP Verbs</a:t>
-            </a:r>
-            <a:endParaRPr lang="en-US" dirty="0"/>
-          </a:p>
-        </p:txBody>
-      </p:sp>
-      <p:sp>
-        <p:nvSpPr>
-          <p:cNvPr id="3" name="Content Placeholder 2"/>
-          <p:cNvSpPr>
-            <a:spLocks noGrp="1"/>
-          </p:cNvSpPr>
-          <p:nvPr>
-            <p:ph idx="1"/>
-          </p:nvPr>
-        </p:nvSpPr>
-        <p:spPr/>
-        <p:txBody>
-          <a:bodyPr/>
-          <a:lstStyle/>
-          <a:p>
-            <a:r>
-              <a:rPr lang="en-US" dirty="0" smtClean="0"/>
-              <a:t>The </a:t>
-            </a:r>
-            <a:r>
-              <a:rPr lang="en-US" dirty="0"/>
-              <a:t>five most common types of HTTP requests are:</a:t>
-            </a:r>
-          </a:p>
-          <a:p>
-            <a:pPr lvl="1"/>
-            <a:r>
-              <a:rPr lang="en-US" dirty="0" smtClean="0"/>
-              <a:t>GET</a:t>
-            </a:r>
-            <a:endParaRPr lang="en-US" dirty="0"/>
-          </a:p>
-          <a:p>
-            <a:pPr lvl="1"/>
-            <a:r>
-              <a:rPr lang="en-US" dirty="0" smtClean="0"/>
-              <a:t>POST</a:t>
-            </a:r>
-            <a:endParaRPr lang="en-US" dirty="0"/>
-          </a:p>
-          <a:p>
-            <a:pPr lvl="1"/>
-            <a:r>
-              <a:rPr lang="en-US" dirty="0" smtClean="0"/>
-              <a:t>PUT</a:t>
-            </a:r>
-            <a:r>
-              <a:rPr lang="en-US" dirty="0"/>
-              <a:t>/PATCH</a:t>
-            </a:r>
-          </a:p>
-          <a:p>
-            <a:pPr lvl="1"/>
-            <a:r>
-              <a:rPr lang="en-US" dirty="0" smtClean="0"/>
-              <a:t>DELETE</a:t>
-            </a:r>
-            <a:endParaRPr lang="en-US" dirty="0"/>
-          </a:p>
-        </p:txBody>
-      </p:sp>
-      <p:sp>
-        <p:nvSpPr>
-          <p:cNvPr id="4" name="Footer Placeholder 3"/>
-          <p:cNvSpPr>
-            <a:spLocks noGrp="1"/>
-          </p:cNvSpPr>
-          <p:nvPr>
-            <p:ph type="ftr" sz="quarter" idx="11"/>
-          </p:nvPr>
-        </p:nvSpPr>
-        <p:spPr/>
-        <p:txBody>
-          <a:bodyPr/>
-          <a:lstStyle/>
-          <a:p>
-            <a:r>
-              <a:rPr lang="de-DE" smtClean="0"/>
-              <a:t>All slides can be found at pennapps-nodejs-workshop.herokuapp.com</a:t>
-            </a:r>
-            <a:endParaRPr lang="en-US"/>
-          </a:p>
-        </p:txBody>
-      </p:sp>
-      <p:sp>
-        <p:nvSpPr>
-          <p:cNvPr id="5" name="Slide Number Placeholder 4"/>
-          <p:cNvSpPr>
-            <a:spLocks noGrp="1"/>
-          </p:cNvSpPr>
-          <p:nvPr>
-            <p:ph type="sldNum" sz="quarter" idx="12"/>
-          </p:nvPr>
-        </p:nvSpPr>
-        <p:spPr/>
-        <p:txBody>
-          <a:bodyPr/>
-          <a:lstStyle/>
-          <a:p>
-            <a:fld id="{BE7B5DD7-0E96-E44E-B777-0B9A5C3419CF}" type="slidenum">
-              <a:rPr lang="en-US" smtClean="0"/>
-              <a:t>16</a:t>
-            </a:fld>
-            <a:endParaRPr lang="en-US"/>
-          </a:p>
-        </p:txBody>
-      </p:sp>
-    </p:spTree>
-    <p:extLst>
-      <p:ext uri="{BB962C8B-B14F-4D97-AF65-F5344CB8AC3E}">
-        <p14:creationId xmlns:p14="http://schemas.microsoft.com/office/powerpoint/2010/main" val="511550270"/>
-      </p:ext>
-    </p:extLst>
-  </p:cSld>
-  <p:clrMapOvr>
-    <a:masterClrMapping/>
-  </p:clrMapOvr>
-  <p:timing>
-    <p:tnLst>
-      <p:par>
-        <p:cTn id="1" dur="indefinite" restart="never" nodeType="tmRoot"/>
-      </p:par>
-    </p:tnLst>
-  </p:timing>
-</p:sld>
-</file>
-
 <file path=ppt/slides/slide17.xml><?xml version="1.0" encoding="utf-8"?>
 <p:sld xmlns:a="http://schemas.openxmlformats.org/drawingml/2006/main" xmlns:r="http://schemas.openxmlformats.org/officeDocument/2006/relationships" xmlns:p="http://schemas.openxmlformats.org/presentationml/2006/main">
   <p:cSld>
@@ -6660,7 +7507,7 @@
           <a:p>
             <a:r>
               <a:rPr lang="en-US" dirty="0" smtClean="0"/>
-              <a:t>GET Request</a:t>
+              <a:t>HTTP Verbs</a:t>
             </a:r>
             <a:endParaRPr lang="en-US" dirty="0"/>
           </a:p>
@@ -6682,12 +7529,19 @@
           <a:lstStyle/>
           <a:p>
             <a:r>
+              <a:rPr lang="en-US" dirty="0" smtClean="0"/>
+              <a:t>The </a:t>
+            </a:r>
+            <a:r>
               <a:rPr lang="en-US" dirty="0"/>
-              <a:t>This is usually the default type of request </a:t>
-            </a:r>
+              <a:t>five most common types of HTTP requests are:</a:t>
+            </a:r>
+          </a:p>
+          <a:p>
+            <a:pPr lvl="1"/>
             <a:r>
               <a:rPr lang="en-US" dirty="0" smtClean="0"/>
-              <a:t>sent</a:t>
+              <a:t>GET</a:t>
             </a:r>
             <a:endParaRPr lang="en-US" dirty="0"/>
           </a:p>
@@ -6695,55 +7549,28 @@
             <a:pPr lvl="1"/>
             <a:r>
               <a:rPr lang="en-US" dirty="0" smtClean="0"/>
-              <a:t>When </a:t>
+              <a:t>POST</a:t>
+            </a:r>
+            <a:endParaRPr lang="en-US" dirty="0"/>
+          </a:p>
+          <a:p>
+            <a:pPr lvl="1"/>
+            <a:r>
+              <a:rPr lang="en-US" dirty="0" smtClean="0"/>
+              <a:t>PUT</a:t>
             </a:r>
             <a:r>
               <a:rPr lang="en-US" dirty="0"/>
-              <a:t>you enter a URL or click a link, a GET request is sent for the web </a:t>
-            </a:r>
+              <a:t>/PATCH</a:t>
+            </a:r>
+          </a:p>
+          <a:p>
+            <a:pPr lvl="1"/>
             <a:r>
               <a:rPr lang="en-US" dirty="0" smtClean="0"/>
-              <a:t>page</a:t>
+              <a:t>DELETE</a:t>
             </a:r>
             <a:endParaRPr lang="en-US" dirty="0"/>
-          </a:p>
-          <a:p>
-            <a:pPr lvl="1"/>
-            <a:r>
-              <a:rPr lang="en-US" dirty="0" smtClean="0"/>
-              <a:t>When </a:t>
-            </a:r>
-            <a:r>
-              <a:rPr lang="en-US" dirty="0"/>
-              <a:t>a web page updates, it probably sent a GET request behind the scenes to get the new </a:t>
-            </a:r>
-            <a:r>
-              <a:rPr lang="en-US" dirty="0" smtClean="0"/>
-              <a:t>data</a:t>
-            </a:r>
-            <a:endParaRPr lang="en-US" dirty="0"/>
-          </a:p>
-          <a:p>
-            <a:r>
-              <a:rPr lang="en-US" dirty="0" smtClean="0"/>
-              <a:t>It </a:t>
-            </a:r>
-            <a:r>
-              <a:rPr lang="en-US" dirty="0"/>
-              <a:t>should only be used to </a:t>
-            </a:r>
-            <a:r>
-              <a:rPr lang="en-US" i="1" dirty="0" smtClean="0"/>
-              <a:t>get</a:t>
-            </a:r>
-            <a:r>
-              <a:rPr lang="en-US" dirty="0" smtClean="0"/>
-              <a:t> </a:t>
-            </a:r>
-            <a:r>
-              <a:rPr lang="en-US" dirty="0"/>
-              <a:t>something</a:t>
-            </a:r>
           </a:p>
         </p:txBody>
       </p:sp>
@@ -6796,7 +7623,7 @@
     </p:spTree>
     <p:extLst>
       <p:ext uri="{BB962C8B-B14F-4D97-AF65-F5344CB8AC3E}">
-        <p14:creationId xmlns:p14="http://schemas.microsoft.com/office/powerpoint/2010/main" val="1248348949"/>
+        <p14:creationId xmlns:p14="http://schemas.microsoft.com/office/powerpoint/2010/main" val="511550270"/>
       </p:ext>
     </p:extLst>
   </p:cSld>
@@ -6806,159 +7633,7 @@
   <p:timing>
     <p:tnLst>
       <p:par>
-        <p:cTn id="1" dur="indefinite" restart="never" nodeType="tmRoot">
-          <p:childTnLst>
-            <p:seq concurrent="1" nextAc="seek">
-              <p:cTn id="2" dur="indefinite" nodeType="mainSeq">
-                <p:childTnLst>
-                  <p:par>
-                    <p:cTn id="3" fill="hold">
-                      <p:stCondLst>
-                        <p:cond delay="indefinite"/>
-                      </p:stCondLst>
-                      <p:childTnLst>
-                        <p:par>
-                          <p:cTn id="4" fill="hold">
-                            <p:stCondLst>
-                              <p:cond delay="0"/>
-                            </p:stCondLst>
-                            <p:childTnLst>
-                              <p:par>
-                                <p:cTn id="5" presetID="1" presetClass="entr" presetSubtype="0" fill="hold" nodeType="clickEffect">
-                                  <p:stCondLst>
-                                    <p:cond delay="0"/>
-                                  </p:stCondLst>
-                                  <p:childTnLst>
-                                    <p:set>
-                                      <p:cBhvr>
-                                        <p:cTn id="6" dur="1" fill="hold">
-                                          <p:stCondLst>
-                                            <p:cond delay="0"/>
-                                          </p:stCondLst>
-                                        </p:cTn>
-                                        <p:tgtEl>
-                                          <p:spTgt spid="3">
-                                            <p:txEl>
-                                              <p:pRg st="1" end="1"/>
-                                            </p:txEl>
-                                          </p:spTgt>
-                                        </p:tgtEl>
-                                        <p:attrNameLst>
-                                          <p:attrName>style.visibility</p:attrName>
-                                        </p:attrNameLst>
-                                      </p:cBhvr>
-                                      <p:to>
-                                        <p:strVal val="visible"/>
-                                      </p:to>
-                                    </p:set>
-                                  </p:childTnLst>
-                                </p:cTn>
-                              </p:par>
-                              <p:par>
-                                <p:cTn id="7" presetID="1" presetClass="entr" presetSubtype="0" fill="hold" nodeType="withEffect">
-                                  <p:stCondLst>
-                                    <p:cond delay="0"/>
-                                  </p:stCondLst>
-                                  <p:childTnLst>
-                                    <p:set>
-                                      <p:cBhvr>
-                                        <p:cTn id="8" dur="1" fill="hold">
-                                          <p:stCondLst>
-                                            <p:cond delay="0"/>
-                                          </p:stCondLst>
-                                        </p:cTn>
-                                        <p:tgtEl>
-                                          <p:spTgt spid="3">
-                                            <p:txEl>
-                                              <p:pRg st="2" end="2"/>
-                                            </p:txEl>
-                                          </p:spTgt>
-                                        </p:tgtEl>
-                                        <p:attrNameLst>
-                                          <p:attrName>style.visibility</p:attrName>
-                                        </p:attrNameLst>
-                                      </p:cBhvr>
-                                      <p:to>
-                                        <p:strVal val="visible"/>
-                                      </p:to>
-                                    </p:set>
-                                  </p:childTnLst>
-                                </p:cTn>
-                              </p:par>
-                            </p:childTnLst>
-                          </p:cTn>
-                        </p:par>
-                      </p:childTnLst>
-                    </p:cTn>
-                  </p:par>
-                  <p:par>
-                    <p:cTn id="9" fill="hold">
-                      <p:stCondLst>
-                        <p:cond delay="indefinite"/>
-                      </p:stCondLst>
-                      <p:childTnLst>
-                        <p:par>
-                          <p:cTn id="10" fill="hold">
-                            <p:stCondLst>
-                              <p:cond delay="0"/>
-                            </p:stCondLst>
-                            <p:childTnLst>
-                              <p:par>
-                                <p:cTn id="11" presetID="1" presetClass="entr" presetSubtype="0" fill="hold" nodeType="clickEffect">
-                                  <p:stCondLst>
-                                    <p:cond delay="0"/>
-                                  </p:stCondLst>
-                                  <p:childTnLst>
-                                    <p:set>
-                                      <p:cBhvr>
-                                        <p:cTn id="12" dur="1" fill="hold">
-                                          <p:stCondLst>
-                                            <p:cond delay="0"/>
-                                          </p:stCondLst>
-                                        </p:cTn>
-                                        <p:tgtEl>
-                                          <p:spTgt spid="3">
-                                            <p:txEl>
-                                              <p:pRg st="3" end="3"/>
-                                            </p:txEl>
-                                          </p:spTgt>
-                                        </p:tgtEl>
-                                        <p:attrNameLst>
-                                          <p:attrName>style.visibility</p:attrName>
-                                        </p:attrNameLst>
-                                      </p:cBhvr>
-                                      <p:to>
-                                        <p:strVal val="visible"/>
-                                      </p:to>
-                                    </p:set>
-                                  </p:childTnLst>
-                                </p:cTn>
-                              </p:par>
-                            </p:childTnLst>
-                          </p:cTn>
-                        </p:par>
-                      </p:childTnLst>
-                    </p:cTn>
-                  </p:par>
-                </p:childTnLst>
-              </p:cTn>
-              <p:prevCondLst>
-                <p:cond evt="onPrev" delay="0">
-                  <p:tgtEl>
-                    <p:sldTgt/>
-                  </p:tgtEl>
-                </p:cond>
-              </p:prevCondLst>
-              <p:nextCondLst>
-                <p:cond evt="onNext" delay="0">
-                  <p:tgtEl>
-                    <p:sldTgt/>
-                  </p:tgtEl>
-                </p:cond>
-              </p:nextCondLst>
-            </p:seq>
-          </p:childTnLst>
-        </p:cTn>
+        <p:cTn id="1" dur="indefinite" restart="never" nodeType="tmRoot"/>
       </p:par>
     </p:tnLst>
   </p:timing>
@@ -6999,7 +7674,7 @@
           <a:p>
             <a:r>
               <a:rPr lang="en-US" dirty="0" smtClean="0"/>
-              <a:t>POST Request</a:t>
+              <a:t>GET Request</a:t>
             </a:r>
             <a:endParaRPr lang="en-US" dirty="0"/>
           </a:p>
@@ -7022,11 +7697,58 @@
           <a:p>
             <a:r>
               <a:rPr lang="en-US" dirty="0"/>
-              <a:t>This should be used to </a:t>
+              <a:t>This is usually the default type of request </a:t>
+            </a:r>
+            <a:r>
+              <a:rPr lang="en-US" dirty="0" smtClean="0"/>
+              <a:t>sent</a:t>
+            </a:r>
+            <a:endParaRPr lang="en-US" dirty="0"/>
+          </a:p>
+          <a:p>
+            <a:pPr lvl="1"/>
+            <a:r>
+              <a:rPr lang="en-US" dirty="0" smtClean="0"/>
+              <a:t>When </a:t>
+            </a:r>
+            <a:r>
+              <a:rPr lang="en-US" dirty="0"/>
+              <a:t>you enter a URL or click a link, a GET request is sent for the web </a:t>
+            </a:r>
+            <a:r>
+              <a:rPr lang="en-US" dirty="0" smtClean="0"/>
+              <a:t>page</a:t>
+            </a:r>
+            <a:endParaRPr lang="en-US" dirty="0"/>
+          </a:p>
+          <a:p>
+            <a:pPr lvl="1"/>
+            <a:r>
+              <a:rPr lang="en-US" dirty="0" smtClean="0"/>
+              <a:t>When </a:t>
+            </a:r>
+            <a:r>
+              <a:rPr lang="en-US" dirty="0"/>
+              <a:t>a web page updates, it probably sent a GET request behind the scenes to get the new </a:t>
+            </a:r>
+            <a:r>
+              <a:rPr lang="en-US" dirty="0" smtClean="0"/>
+              <a:t>data</a:t>
+            </a:r>
+            <a:endParaRPr lang="en-US" dirty="0"/>
+          </a:p>
+          <a:p>
+            <a:r>
+              <a:rPr lang="en-US" dirty="0" smtClean="0"/>
+              <a:t>It </a:t>
+            </a:r>
+            <a:r>
+              <a:rPr lang="en-US" dirty="0"/>
+              <a:t>should only be used to </a:t>
             </a:r>
             <a:r>
               <a:rPr lang="en-US" i="1" dirty="0" smtClean="0"/>
-              <a:t>send</a:t>
+              <a:t>get</a:t>
             </a:r>
             <a:r>
               <a:rPr lang="en-US" dirty="0" smtClean="0"/>
@@ -7034,53 +7756,7 @@
             </a:r>
             <a:r>
               <a:rPr lang="en-US" dirty="0"/>
-              <a:t>data from the client to the </a:t>
-            </a:r>
-            <a:r>
-              <a:rPr lang="en-US" dirty="0" smtClean="0"/>
-              <a:t>server</a:t>
-            </a:r>
-            <a:endParaRPr lang="en-US" dirty="0"/>
-          </a:p>
-          <a:p>
-            <a:r>
-              <a:rPr lang="en-US" dirty="0" smtClean="0"/>
-              <a:t>While </a:t>
-            </a:r>
-            <a:r>
-              <a:rPr lang="en-US" dirty="0"/>
-              <a:t>you can technically use GET requests to send data as well, you should absolutely use POST requests if you're sending </a:t>
-            </a:r>
-            <a:r>
-              <a:rPr lang="en-US" dirty="0" smtClean="0"/>
-              <a:t>data</a:t>
-            </a:r>
-            <a:endParaRPr lang="en-US" dirty="0"/>
-          </a:p>
-          <a:p>
-            <a:pPr lvl="1"/>
-            <a:r>
-              <a:rPr lang="en-US" dirty="0" smtClean="0"/>
-              <a:t>It's </a:t>
-            </a:r>
-            <a:r>
-              <a:rPr lang="en-US" dirty="0"/>
-              <a:t>much more robust and </a:t>
-            </a:r>
-            <a:r>
-              <a:rPr lang="en-US" dirty="0" smtClean="0"/>
-              <a:t>secure</a:t>
-            </a:r>
-            <a:endParaRPr lang="en-US" dirty="0"/>
-          </a:p>
-          <a:p>
-            <a:r>
-              <a:rPr lang="en-US" dirty="0" smtClean="0"/>
-              <a:t>This </a:t>
-            </a:r>
-            <a:r>
-              <a:rPr lang="en-US" dirty="0"/>
-              <a:t>is the default type of request sent when submitting a form (e.g. log in)</a:t>
+              <a:t>something</a:t>
             </a:r>
           </a:p>
         </p:txBody>
@@ -7134,7 +7810,7 @@
     </p:spTree>
     <p:extLst>
       <p:ext uri="{BB962C8B-B14F-4D97-AF65-F5344CB8AC3E}">
-        <p14:creationId xmlns:p14="http://schemas.microsoft.com/office/powerpoint/2010/main" val="85554653"/>
+        <p14:creationId xmlns:p14="http://schemas.microsoft.com/office/powerpoint/2010/main" val="1248348949"/>
       </p:ext>
     </p:extLst>
   </p:cSld>
@@ -7337,6 +8013,529 @@
           <a:p>
             <a:r>
               <a:rPr lang="en-US" dirty="0" smtClean="0"/>
+              <a:t>POST Request</a:t>
+            </a:r>
+            <a:endParaRPr lang="en-US" dirty="0"/>
+          </a:p>
+        </p:txBody>
+      </p:sp>
+      <p:sp>
+        <p:nvSpPr>
+          <p:cNvPr id="3" name="Content Placeholder 2"/>
+          <p:cNvSpPr>
+            <a:spLocks noGrp="1"/>
+          </p:cNvSpPr>
+          <p:nvPr>
+            <p:ph idx="1"/>
+          </p:nvPr>
+        </p:nvSpPr>
+        <p:spPr/>
+        <p:txBody>
+          <a:bodyPr/>
+          <a:lstStyle/>
+          <a:p>
+            <a:r>
+              <a:rPr lang="en-US" dirty="0"/>
+              <a:t>This should be used to </a:t>
+            </a:r>
+            <a:r>
+              <a:rPr lang="en-US" i="1" dirty="0" smtClean="0"/>
+              <a:t>send</a:t>
+            </a:r>
+            <a:r>
+              <a:rPr lang="en-US" dirty="0" smtClean="0"/>
+              <a:t> </a:t>
+            </a:r>
+            <a:r>
+              <a:rPr lang="en-US" dirty="0"/>
+              <a:t>data from the client to the </a:t>
+            </a:r>
+            <a:r>
+              <a:rPr lang="en-US" dirty="0" smtClean="0"/>
+              <a:t>server</a:t>
+            </a:r>
+            <a:endParaRPr lang="en-US" dirty="0"/>
+          </a:p>
+          <a:p>
+            <a:r>
+              <a:rPr lang="en-US" dirty="0" smtClean="0"/>
+              <a:t>While </a:t>
+            </a:r>
+            <a:r>
+              <a:rPr lang="en-US" dirty="0"/>
+              <a:t>you can technically use GET requests to send data as well, you should absolutely use POST requests if you're sending </a:t>
+            </a:r>
+            <a:r>
+              <a:rPr lang="en-US" dirty="0" smtClean="0"/>
+              <a:t>data</a:t>
+            </a:r>
+            <a:endParaRPr lang="en-US" dirty="0"/>
+          </a:p>
+          <a:p>
+            <a:pPr lvl="1"/>
+            <a:r>
+              <a:rPr lang="en-US" dirty="0" smtClean="0"/>
+              <a:t>It's </a:t>
+            </a:r>
+            <a:r>
+              <a:rPr lang="en-US" dirty="0"/>
+              <a:t>much more robust and </a:t>
+            </a:r>
+            <a:r>
+              <a:rPr lang="en-US" dirty="0" smtClean="0"/>
+              <a:t>secure</a:t>
+            </a:r>
+            <a:endParaRPr lang="en-US" dirty="0"/>
+          </a:p>
+          <a:p>
+            <a:r>
+              <a:rPr lang="en-US" dirty="0" smtClean="0"/>
+              <a:t>This </a:t>
+            </a:r>
+            <a:r>
+              <a:rPr lang="en-US" dirty="0"/>
+              <a:t>is the default type of request sent when submitting a form (e.g. log in)</a:t>
+            </a:r>
+          </a:p>
+        </p:txBody>
+      </p:sp>
+      <p:sp>
+        <p:nvSpPr>
+          <p:cNvPr id="4" name="Footer Placeholder 3"/>
+          <p:cNvSpPr>
+            <a:spLocks noGrp="1"/>
+          </p:cNvSpPr>
+          <p:nvPr>
+            <p:ph type="ftr" sz="quarter" idx="11"/>
+          </p:nvPr>
+        </p:nvSpPr>
+        <p:spPr/>
+        <p:txBody>
+          <a:bodyPr/>
+          <a:lstStyle/>
+          <a:p>
+            <a:r>
+              <a:rPr lang="de-DE" smtClean="0"/>
+              <a:t>All slides can be found at pennapps-nodejs-workshop.herokuapp.com</a:t>
+            </a:r>
+            <a:endParaRPr lang="en-US"/>
+          </a:p>
+        </p:txBody>
+      </p:sp>
+      <p:sp>
+        <p:nvSpPr>
+          <p:cNvPr id="5" name="Slide Number Placeholder 4"/>
+          <p:cNvSpPr>
+            <a:spLocks noGrp="1"/>
+          </p:cNvSpPr>
+          <p:nvPr>
+            <p:ph type="sldNum" sz="quarter" idx="12"/>
+          </p:nvPr>
+        </p:nvSpPr>
+        <p:spPr/>
+        <p:txBody>
+          <a:bodyPr/>
+          <a:lstStyle/>
+          <a:p>
+            <a:fld id="{BE7B5DD7-0E96-E44E-B777-0B9A5C3419CF}" type="slidenum">
+              <a:rPr lang="en-US" smtClean="0"/>
+              <a:t>19</a:t>
+            </a:fld>
+            <a:endParaRPr lang="en-US"/>
+          </a:p>
+        </p:txBody>
+      </p:sp>
+    </p:spTree>
+    <p:extLst>
+      <p:ext uri="{BB962C8B-B14F-4D97-AF65-F5344CB8AC3E}">
+        <p14:creationId xmlns:p14="http://schemas.microsoft.com/office/powerpoint/2010/main" val="85554653"/>
+      </p:ext>
+    </p:extLst>
+  </p:cSld>
+  <p:clrMapOvr>
+    <a:masterClrMapping/>
+  </p:clrMapOvr>
+  <p:timing>
+    <p:tnLst>
+      <p:par>
+        <p:cTn id="1" dur="indefinite" restart="never" nodeType="tmRoot">
+          <p:childTnLst>
+            <p:seq concurrent="1" nextAc="seek">
+              <p:cTn id="2" dur="indefinite" nodeType="mainSeq">
+                <p:childTnLst>
+                  <p:par>
+                    <p:cTn id="3" fill="hold">
+                      <p:stCondLst>
+                        <p:cond delay="indefinite"/>
+                      </p:stCondLst>
+                      <p:childTnLst>
+                        <p:par>
+                          <p:cTn id="4" fill="hold">
+                            <p:stCondLst>
+                              <p:cond delay="0"/>
+                            </p:stCondLst>
+                            <p:childTnLst>
+                              <p:par>
+                                <p:cTn id="5" presetID="1" presetClass="entr" presetSubtype="0" fill="hold" nodeType="clickEffect">
+                                  <p:stCondLst>
+                                    <p:cond delay="0"/>
+                                  </p:stCondLst>
+                                  <p:childTnLst>
+                                    <p:set>
+                                      <p:cBhvr>
+                                        <p:cTn id="6" dur="1" fill="hold">
+                                          <p:stCondLst>
+                                            <p:cond delay="0"/>
+                                          </p:stCondLst>
+                                        </p:cTn>
+                                        <p:tgtEl>
+                                          <p:spTgt spid="3">
+                                            <p:txEl>
+                                              <p:pRg st="1" end="1"/>
+                                            </p:txEl>
+                                          </p:spTgt>
+                                        </p:tgtEl>
+                                        <p:attrNameLst>
+                                          <p:attrName>style.visibility</p:attrName>
+                                        </p:attrNameLst>
+                                      </p:cBhvr>
+                                      <p:to>
+                                        <p:strVal val="visible"/>
+                                      </p:to>
+                                    </p:set>
+                                  </p:childTnLst>
+                                </p:cTn>
+                              </p:par>
+                              <p:par>
+                                <p:cTn id="7" presetID="1" presetClass="entr" presetSubtype="0" fill="hold" nodeType="withEffect">
+                                  <p:stCondLst>
+                                    <p:cond delay="0"/>
+                                  </p:stCondLst>
+                                  <p:childTnLst>
+                                    <p:set>
+                                      <p:cBhvr>
+                                        <p:cTn id="8" dur="1" fill="hold">
+                                          <p:stCondLst>
+                                            <p:cond delay="0"/>
+                                          </p:stCondLst>
+                                        </p:cTn>
+                                        <p:tgtEl>
+                                          <p:spTgt spid="3">
+                                            <p:txEl>
+                                              <p:pRg st="2" end="2"/>
+                                            </p:txEl>
+                                          </p:spTgt>
+                                        </p:tgtEl>
+                                        <p:attrNameLst>
+                                          <p:attrName>style.visibility</p:attrName>
+                                        </p:attrNameLst>
+                                      </p:cBhvr>
+                                      <p:to>
+                                        <p:strVal val="visible"/>
+                                      </p:to>
+                                    </p:set>
+                                  </p:childTnLst>
+                                </p:cTn>
+                              </p:par>
+                            </p:childTnLst>
+                          </p:cTn>
+                        </p:par>
+                      </p:childTnLst>
+                    </p:cTn>
+                  </p:par>
+                  <p:par>
+                    <p:cTn id="9" fill="hold">
+                      <p:stCondLst>
+                        <p:cond delay="indefinite"/>
+                      </p:stCondLst>
+                      <p:childTnLst>
+                        <p:par>
+                          <p:cTn id="10" fill="hold">
+                            <p:stCondLst>
+                              <p:cond delay="0"/>
+                            </p:stCondLst>
+                            <p:childTnLst>
+                              <p:par>
+                                <p:cTn id="11" presetID="1" presetClass="entr" presetSubtype="0" fill="hold" nodeType="clickEffect">
+                                  <p:stCondLst>
+                                    <p:cond delay="0"/>
+                                  </p:stCondLst>
+                                  <p:childTnLst>
+                                    <p:set>
+                                      <p:cBhvr>
+                                        <p:cTn id="12" dur="1" fill="hold">
+                                          <p:stCondLst>
+                                            <p:cond delay="0"/>
+                                          </p:stCondLst>
+                                        </p:cTn>
+                                        <p:tgtEl>
+                                          <p:spTgt spid="3">
+                                            <p:txEl>
+                                              <p:pRg st="3" end="3"/>
+                                            </p:txEl>
+                                          </p:spTgt>
+                                        </p:tgtEl>
+                                        <p:attrNameLst>
+                                          <p:attrName>style.visibility</p:attrName>
+                                        </p:attrNameLst>
+                                      </p:cBhvr>
+                                      <p:to>
+                                        <p:strVal val="visible"/>
+                                      </p:to>
+                                    </p:set>
+                                  </p:childTnLst>
+                                </p:cTn>
+                              </p:par>
+                            </p:childTnLst>
+                          </p:cTn>
+                        </p:par>
+                      </p:childTnLst>
+                    </p:cTn>
+                  </p:par>
+                </p:childTnLst>
+              </p:cTn>
+              <p:prevCondLst>
+                <p:cond evt="onPrev" delay="0">
+                  <p:tgtEl>
+                    <p:sldTgt/>
+                  </p:tgtEl>
+                </p:cond>
+              </p:prevCondLst>
+              <p:nextCondLst>
+                <p:cond evt="onNext" delay="0">
+                  <p:tgtEl>
+                    <p:sldTgt/>
+                  </p:tgtEl>
+                </p:cond>
+              </p:nextCondLst>
+            </p:seq>
+          </p:childTnLst>
+        </p:cTn>
+      </p:par>
+    </p:tnLst>
+  </p:timing>
+</p:sld>
+</file>
+
+<file path=ppt/slides/slide2.xml><?xml version="1.0" encoding="utf-8"?>
+<p:sld xmlns:a="http://schemas.openxmlformats.org/drawingml/2006/main" xmlns:r="http://schemas.openxmlformats.org/officeDocument/2006/relationships" xmlns:p="http://schemas.openxmlformats.org/presentationml/2006/main">
+  <p:cSld>
+    <p:spTree>
+      <p:nvGrpSpPr>
+        <p:cNvPr id="1" name=""/>
+        <p:cNvGrpSpPr/>
+        <p:nvPr/>
+      </p:nvGrpSpPr>
+      <p:grpSpPr>
+        <a:xfrm>
+          <a:off x="0" y="0"/>
+          <a:ext cx="0" cy="0"/>
+          <a:chOff x="0" y="0"/>
+          <a:chExt cx="0" cy="0"/>
+        </a:xfrm>
+      </p:grpSpPr>
+      <p:sp>
+        <p:nvSpPr>
+          <p:cNvPr id="2" name="Title 1"/>
+          <p:cNvSpPr>
+            <a:spLocks noGrp="1"/>
+          </p:cNvSpPr>
+          <p:nvPr>
+            <p:ph type="title"/>
+          </p:nvPr>
+        </p:nvSpPr>
+        <p:spPr/>
+        <p:txBody>
+          <a:bodyPr/>
+          <a:lstStyle/>
+          <a:p>
+            <a:r>
+              <a:rPr lang="en-US" dirty="0" smtClean="0">
+                <a:solidFill>
+                  <a:srgbClr val="953735"/>
+                </a:solidFill>
+              </a:rPr>
+              <a:t>Why </a:t>
+            </a:r>
+            <a:r>
+              <a:rPr lang="en-US" dirty="0" err="1" smtClean="0"/>
+              <a:t>Node.js</a:t>
+            </a:r>
+            <a:r>
+              <a:rPr lang="en-US" dirty="0" smtClean="0">
+                <a:solidFill>
+                  <a:srgbClr val="953735"/>
+                </a:solidFill>
+              </a:rPr>
+              <a:t>?</a:t>
+            </a:r>
+            <a:endParaRPr lang="en-US" dirty="0">
+              <a:solidFill>
+                <a:srgbClr val="953735"/>
+              </a:solidFill>
+            </a:endParaRPr>
+          </a:p>
+        </p:txBody>
+      </p:sp>
+      <p:sp>
+        <p:nvSpPr>
+          <p:cNvPr id="3" name="Content Placeholder 2"/>
+          <p:cNvSpPr>
+            <a:spLocks noGrp="1"/>
+          </p:cNvSpPr>
+          <p:nvPr>
+            <p:ph idx="1"/>
+          </p:nvPr>
+        </p:nvSpPr>
+        <p:spPr>
+          <a:xfrm>
+            <a:off x="457200" y="1219200"/>
+            <a:ext cx="8229600" cy="1270780"/>
+          </a:xfrm>
+        </p:spPr>
+        <p:txBody>
+          <a:bodyPr>
+            <a:noAutofit/>
+          </a:bodyPr>
+          <a:lstStyle/>
+          <a:p>
+            <a:r>
+              <a:rPr lang="en-US" dirty="0" smtClean="0"/>
+              <a:t>Already using it for the browser</a:t>
+            </a:r>
+          </a:p>
+          <a:p>
+            <a:r>
+              <a:rPr lang="en-US" dirty="0" smtClean="0"/>
+              <a:t>Growing FAST</a:t>
+            </a:r>
+          </a:p>
+        </p:txBody>
+      </p:sp>
+      <p:sp>
+        <p:nvSpPr>
+          <p:cNvPr id="4" name="Footer Placeholder 3"/>
+          <p:cNvSpPr>
+            <a:spLocks noGrp="1"/>
+          </p:cNvSpPr>
+          <p:nvPr>
+            <p:ph type="ftr" sz="quarter" idx="11"/>
+          </p:nvPr>
+        </p:nvSpPr>
+        <p:spPr/>
+        <p:txBody>
+          <a:bodyPr/>
+          <a:lstStyle/>
+          <a:p>
+            <a:r>
+              <a:rPr lang="de-DE" smtClean="0"/>
+              <a:t>All slides can be found at pennapps-nodejs-workshop.herokuapp.com</a:t>
+            </a:r>
+            <a:endParaRPr lang="en-US"/>
+          </a:p>
+        </p:txBody>
+      </p:sp>
+      <p:sp>
+        <p:nvSpPr>
+          <p:cNvPr id="5" name="Slide Number Placeholder 4"/>
+          <p:cNvSpPr>
+            <a:spLocks noGrp="1"/>
+          </p:cNvSpPr>
+          <p:nvPr>
+            <p:ph type="sldNum" sz="quarter" idx="12"/>
+          </p:nvPr>
+        </p:nvSpPr>
+        <p:spPr/>
+        <p:txBody>
+          <a:bodyPr/>
+          <a:lstStyle/>
+          <a:p>
+            <a:fld id="{0BC3279F-4877-C645-B5B9-B613712BA8CE}" type="slidenum">
+              <a:rPr lang="en-US" smtClean="0"/>
+              <a:t>2</a:t>
+            </a:fld>
+            <a:endParaRPr lang="en-US"/>
+          </a:p>
+        </p:txBody>
+      </p:sp>
+      <p:pic>
+        <p:nvPicPr>
+          <p:cNvPr id="6" name="Picture 5"/>
+          <p:cNvPicPr>
+            <a:picLocks noChangeAspect="1"/>
+          </p:cNvPicPr>
+          <p:nvPr/>
+        </p:nvPicPr>
+        <p:blipFill>
+          <a:blip r:embed="rId2"/>
+          <a:stretch>
+            <a:fillRect/>
+          </a:stretch>
+        </p:blipFill>
+        <p:spPr>
+          <a:xfrm>
+            <a:off x="1959218" y="2562615"/>
+            <a:ext cx="5225564" cy="3721100"/>
+          </a:xfrm>
+          <a:prstGeom prst="rect">
+            <a:avLst/>
+          </a:prstGeom>
+        </p:spPr>
+      </p:pic>
+    </p:spTree>
+    <p:extLst>
+      <p:ext uri="{BB962C8B-B14F-4D97-AF65-F5344CB8AC3E}">
+        <p14:creationId xmlns:p14="http://schemas.microsoft.com/office/powerpoint/2010/main" val="1808363113"/>
+      </p:ext>
+    </p:extLst>
+  </p:cSld>
+  <p:clrMapOvr>
+    <a:masterClrMapping/>
+  </p:clrMapOvr>
+  <p:timing>
+    <p:tnLst>
+      <p:par>
+        <p:cTn id="1" dur="indefinite" restart="never" nodeType="tmRoot"/>
+      </p:par>
+    </p:tnLst>
+  </p:timing>
+</p:sld>
+</file>
+
+<file path=ppt/slides/slide20.xml><?xml version="1.0" encoding="utf-8"?>
+<p:sld xmlns:a="http://schemas.openxmlformats.org/drawingml/2006/main" xmlns:r="http://schemas.openxmlformats.org/officeDocument/2006/relationships" xmlns:p="http://schemas.openxmlformats.org/presentationml/2006/main">
+  <p:cSld>
+    <p:spTree>
+      <p:nvGrpSpPr>
+        <p:cNvPr id="1" name=""/>
+        <p:cNvGrpSpPr/>
+        <p:nvPr/>
+      </p:nvGrpSpPr>
+      <p:grpSpPr>
+        <a:xfrm>
+          <a:off x="0" y="0"/>
+          <a:ext cx="0" cy="0"/>
+          <a:chOff x="0" y="0"/>
+          <a:chExt cx="0" cy="0"/>
+        </a:xfrm>
+      </p:grpSpPr>
+      <p:sp>
+        <p:nvSpPr>
+          <p:cNvPr id="2" name="Title 1"/>
+          <p:cNvSpPr>
+            <a:spLocks noGrp="1"/>
+          </p:cNvSpPr>
+          <p:nvPr>
+            <p:ph type="title"/>
+          </p:nvPr>
+        </p:nvSpPr>
+        <p:spPr/>
+        <p:txBody>
+          <a:bodyPr/>
+          <a:lstStyle/>
+          <a:p>
+            <a:r>
+              <a:rPr lang="en-US" dirty="0" smtClean="0"/>
               <a:t>PUT/PATCH Request</a:t>
             </a:r>
             <a:endParaRPr lang="en-US" dirty="0"/>
@@ -7488,7 +8687,7 @@
           <a:p>
             <a:fld id="{BE7B5DD7-0E96-E44E-B777-0B9A5C3419CF}" type="slidenum">
               <a:rPr lang="en-US" smtClean="0"/>
-              <a:t>19</a:t>
+              <a:t>20</a:t>
             </a:fld>
             <a:endParaRPr lang="en-US"/>
           </a:p>
@@ -7697,7 +8896,7 @@
 </p:sld>
 </file>
 
-<file path=ppt/slides/slide2.xml><?xml version="1.0" encoding="utf-8"?>
+<file path=ppt/slides/slide21.xml><?xml version="1.0" encoding="utf-8"?>
 <p:sld xmlns:a="http://schemas.openxmlformats.org/drawingml/2006/main" xmlns:r="http://schemas.openxmlformats.org/officeDocument/2006/relationships" xmlns:p="http://schemas.openxmlformats.org/presentationml/2006/main">
   <p:cSld>
     <p:spTree>
@@ -7730,30 +8929,10 @@
           <a:lstStyle/>
           <a:p>
             <a:r>
-              <a:rPr lang="en-US" dirty="0" smtClean="0">
-                <a:solidFill>
-                  <a:srgbClr val="953735"/>
-                </a:solidFill>
-              </a:rPr>
-              <a:t>Why </a:t>
-            </a:r>
-            <a:r>
-              <a:rPr lang="en-US" dirty="0" err="1" smtClean="0"/>
-              <a:t>Node.js</a:t>
-            </a:r>
-            <a:r>
-              <a:rPr lang="en-US" dirty="0" smtClean="0">
-                <a:solidFill>
-                  <a:srgbClr val="953735"/>
-                </a:solidFill>
-              </a:rPr>
-              <a:t>?</a:t>
-            </a:r>
-            <a:endParaRPr lang="en-US" dirty="0">
-              <a:solidFill>
-                <a:srgbClr val="953735"/>
-              </a:solidFill>
-            </a:endParaRPr>
+              <a:rPr lang="en-US" dirty="0" smtClean="0"/>
+              <a:t>DELETE Request</a:t>
+            </a:r>
+            <a:endParaRPr lang="en-US" dirty="0"/>
           </a:p>
         </p:txBody>
       </p:sp>
@@ -7767,27 +8946,41 @@
             <p:ph idx="1"/>
           </p:nvPr>
         </p:nvSpPr>
-        <p:spPr>
-          <a:xfrm>
-            <a:off x="457200" y="1219200"/>
-            <a:ext cx="8229600" cy="1270780"/>
-          </a:xfrm>
-        </p:spPr>
-        <p:txBody>
-          <a:bodyPr>
-            <a:noAutofit/>
-          </a:bodyPr>
-          <a:lstStyle/>
-          <a:p>
+        <p:spPr/>
+        <p:txBody>
+          <a:bodyPr/>
+          <a:lstStyle/>
+          <a:p>
+            <a:r>
+              <a:rPr lang="en-US" dirty="0"/>
+              <a:t>This should be used to </a:t>
+            </a:r>
+            <a:r>
+              <a:rPr lang="en-US" i="1" dirty="0" smtClean="0"/>
+              <a:t>delete</a:t>
+            </a:r>
             <a:r>
               <a:rPr lang="en-US" dirty="0" smtClean="0"/>
-              <a:t>Already using it for the browser</a:t>
-            </a:r>
-          </a:p>
-          <a:p>
+              <a:t> </a:t>
+            </a:r>
+            <a:r>
+              <a:rPr lang="en-US" dirty="0"/>
+              <a:t>something on the </a:t>
+            </a:r>
             <a:r>
               <a:rPr lang="en-US" dirty="0" smtClean="0"/>
-              <a:t>Growing FAST</a:t>
+              <a:t>server</a:t>
+            </a:r>
+            <a:endParaRPr lang="en-US" dirty="0"/>
+          </a:p>
+          <a:p>
+            <a:r>
+              <a:rPr lang="en-US" dirty="0" smtClean="0"/>
+              <a:t>Technically</a:t>
+            </a:r>
+            <a:r>
+              <a:rPr lang="en-US" dirty="0"/>
+              <a:t>, you can use a POST request to delete as well, but it is convention to use a DELETE request</a:t>
             </a:r>
           </a:p>
         </p:txBody>
@@ -7830,188 +9023,9 @@
           <a:bodyPr/>
           <a:lstStyle/>
           <a:p>
-            <a:fld id="{0BC3279F-4877-C645-B5B9-B613712BA8CE}" type="slidenum">
-              <a:rPr lang="en-US" smtClean="0"/>
-              <a:t>2</a:t>
-            </a:fld>
-            <a:endParaRPr lang="en-US"/>
-          </a:p>
-        </p:txBody>
-      </p:sp>
-      <p:pic>
-        <p:nvPicPr>
-          <p:cNvPr id="6" name="Picture 5"/>
-          <p:cNvPicPr>
-            <a:picLocks noChangeAspect="1"/>
-          </p:cNvPicPr>
-          <p:nvPr/>
-        </p:nvPicPr>
-        <p:blipFill>
-          <a:blip r:embed="rId2"/>
-          <a:stretch>
-            <a:fillRect/>
-          </a:stretch>
-        </p:blipFill>
-        <p:spPr>
-          <a:xfrm>
-            <a:off x="1959218" y="2562615"/>
-            <a:ext cx="5225564" cy="3721100"/>
-          </a:xfrm>
-          <a:prstGeom prst="rect">
-            <a:avLst/>
-          </a:prstGeom>
-        </p:spPr>
-      </p:pic>
-    </p:spTree>
-    <p:extLst>
-      <p:ext uri="{BB962C8B-B14F-4D97-AF65-F5344CB8AC3E}">
-        <p14:creationId xmlns:p14="http://schemas.microsoft.com/office/powerpoint/2010/main" val="1808363113"/>
-      </p:ext>
-    </p:extLst>
-  </p:cSld>
-  <p:clrMapOvr>
-    <a:masterClrMapping/>
-  </p:clrMapOvr>
-  <p:timing>
-    <p:tnLst>
-      <p:par>
-        <p:cTn id="1" dur="indefinite" restart="never" nodeType="tmRoot"/>
-      </p:par>
-    </p:tnLst>
-  </p:timing>
-</p:sld>
-</file>
-
-<file path=ppt/slides/slide20.xml><?xml version="1.0" encoding="utf-8"?>
-<p:sld xmlns:a="http://schemas.openxmlformats.org/drawingml/2006/main" xmlns:r="http://schemas.openxmlformats.org/officeDocument/2006/relationships" xmlns:p="http://schemas.openxmlformats.org/presentationml/2006/main">
-  <p:cSld>
-    <p:spTree>
-      <p:nvGrpSpPr>
-        <p:cNvPr id="1" name=""/>
-        <p:cNvGrpSpPr/>
-        <p:nvPr/>
-      </p:nvGrpSpPr>
-      <p:grpSpPr>
-        <a:xfrm>
-          <a:off x="0" y="0"/>
-          <a:ext cx="0" cy="0"/>
-          <a:chOff x="0" y="0"/>
-          <a:chExt cx="0" cy="0"/>
-        </a:xfrm>
-      </p:grpSpPr>
-      <p:sp>
-        <p:nvSpPr>
-          <p:cNvPr id="2" name="Title 1"/>
-          <p:cNvSpPr>
-            <a:spLocks noGrp="1"/>
-          </p:cNvSpPr>
-          <p:nvPr>
-            <p:ph type="title"/>
-          </p:nvPr>
-        </p:nvSpPr>
-        <p:spPr/>
-        <p:txBody>
-          <a:bodyPr/>
-          <a:lstStyle/>
-          <a:p>
-            <a:r>
-              <a:rPr lang="en-US" dirty="0" smtClean="0"/>
-              <a:t>DELETE Request</a:t>
-            </a:r>
-            <a:endParaRPr lang="en-US" dirty="0"/>
-          </a:p>
-        </p:txBody>
-      </p:sp>
-      <p:sp>
-        <p:nvSpPr>
-          <p:cNvPr id="3" name="Content Placeholder 2"/>
-          <p:cNvSpPr>
-            <a:spLocks noGrp="1"/>
-          </p:cNvSpPr>
-          <p:nvPr>
-            <p:ph idx="1"/>
-          </p:nvPr>
-        </p:nvSpPr>
-        <p:spPr/>
-        <p:txBody>
-          <a:bodyPr/>
-          <a:lstStyle/>
-          <a:p>
-            <a:r>
-              <a:rPr lang="en-US" dirty="0"/>
-              <a:t>This should be used to </a:t>
-            </a:r>
-            <a:r>
-              <a:rPr lang="en-US" i="1" dirty="0" smtClean="0"/>
-              <a:t>delete</a:t>
-            </a:r>
-            <a:r>
-              <a:rPr lang="en-US" dirty="0" smtClean="0"/>
-              <a:t> </a:t>
-            </a:r>
-            <a:r>
-              <a:rPr lang="en-US" dirty="0"/>
-              <a:t>something on the </a:t>
-            </a:r>
-            <a:r>
-              <a:rPr lang="en-US" dirty="0" smtClean="0"/>
-              <a:t>server</a:t>
-            </a:r>
-            <a:endParaRPr lang="en-US" dirty="0"/>
-          </a:p>
-          <a:p>
-            <a:r>
-              <a:rPr lang="en-US" dirty="0" smtClean="0"/>
-              <a:t>Technically</a:t>
-            </a:r>
-            <a:r>
-              <a:rPr lang="en-US" dirty="0"/>
-              <a:t>, you can use a POST request to delete as well, but it is convention to use a DELETE request</a:t>
-            </a:r>
-          </a:p>
-        </p:txBody>
-      </p:sp>
-      <p:sp>
-        <p:nvSpPr>
-          <p:cNvPr id="4" name="Footer Placeholder 3"/>
-          <p:cNvSpPr>
-            <a:spLocks noGrp="1"/>
-          </p:cNvSpPr>
-          <p:nvPr>
-            <p:ph type="ftr" sz="quarter" idx="11"/>
-          </p:nvPr>
-        </p:nvSpPr>
-        <p:spPr/>
-        <p:txBody>
-          <a:bodyPr/>
-          <a:lstStyle/>
-          <a:p>
-            <a:r>
-              <a:rPr lang="de-DE" smtClean="0"/>
-              <a:t>All slides can be found at pennapps-nodejs-workshop.herokuapp.com</a:t>
-            </a:r>
-            <a:endParaRPr lang="en-US"/>
-          </a:p>
-        </p:txBody>
-      </p:sp>
-      <p:sp>
-        <p:nvSpPr>
-          <p:cNvPr id="5" name="Slide Number Placeholder 4"/>
-          <p:cNvSpPr>
-            <a:spLocks noGrp="1"/>
-          </p:cNvSpPr>
-          <p:nvPr>
-            <p:ph type="sldNum" sz="quarter" idx="12"/>
-          </p:nvPr>
-        </p:nvSpPr>
-        <p:spPr/>
-        <p:txBody>
-          <a:bodyPr/>
-          <a:lstStyle/>
-          <a:p>
             <a:fld id="{BE7B5DD7-0E96-E44E-B777-0B9A5C3419CF}" type="slidenum">
               <a:rPr lang="en-US" smtClean="0"/>
-              <a:t>20</a:t>
+              <a:t>21</a:t>
             </a:fld>
             <a:endParaRPr lang="en-US"/>
           </a:p>
@@ -8109,122 +9123,6 @@
 </p:sld>
 </file>
 
-<file path=ppt/slides/slide21.xml><?xml version="1.0" encoding="utf-8"?>
-<p:sld xmlns:a="http://schemas.openxmlformats.org/drawingml/2006/main" xmlns:r="http://schemas.openxmlformats.org/officeDocument/2006/relationships" xmlns:p="http://schemas.openxmlformats.org/presentationml/2006/main">
-  <p:cSld>
-    <p:spTree>
-      <p:nvGrpSpPr>
-        <p:cNvPr id="1" name=""/>
-        <p:cNvGrpSpPr/>
-        <p:nvPr/>
-      </p:nvGrpSpPr>
-      <p:grpSpPr>
-        <a:xfrm>
-          <a:off x="0" y="0"/>
-          <a:ext cx="0" cy="0"/>
-          <a:chOff x="0" y="0"/>
-          <a:chExt cx="0" cy="0"/>
-        </a:xfrm>
-      </p:grpSpPr>
-      <p:sp>
-        <p:nvSpPr>
-          <p:cNvPr id="2" name="Title 1"/>
-          <p:cNvSpPr>
-            <a:spLocks noGrp="1"/>
-          </p:cNvSpPr>
-          <p:nvPr>
-            <p:ph type="ctrTitle"/>
-          </p:nvPr>
-        </p:nvSpPr>
-        <p:spPr/>
-        <p:txBody>
-          <a:bodyPr>
-            <a:normAutofit/>
-          </a:bodyPr>
-          <a:lstStyle/>
-          <a:p>
-            <a:r>
-              <a:rPr lang="en-US" sz="8800" dirty="0" err="1" smtClean="0">
-                <a:solidFill>
-                  <a:srgbClr val="953735"/>
-                </a:solidFill>
-              </a:rPr>
-              <a:t>Node.js</a:t>
-            </a:r>
-            <a:endParaRPr lang="en-US" sz="8800" dirty="0">
-              <a:solidFill>
-                <a:srgbClr val="953735"/>
-              </a:solidFill>
-            </a:endParaRPr>
-          </a:p>
-        </p:txBody>
-      </p:sp>
-      <p:sp>
-        <p:nvSpPr>
-          <p:cNvPr id="4" name="Footer Placeholder 3"/>
-          <p:cNvSpPr>
-            <a:spLocks noGrp="1"/>
-          </p:cNvSpPr>
-          <p:nvPr>
-            <p:ph type="ftr" sz="quarter" idx="11"/>
-          </p:nvPr>
-        </p:nvSpPr>
-        <p:spPr/>
-        <p:txBody>
-          <a:bodyPr/>
-          <a:lstStyle/>
-          <a:p>
-            <a:r>
-              <a:rPr lang="de-DE" smtClean="0"/>
-              <a:t>All slides can be found at pennapps-nodejs-workshop.herokuapp.com</a:t>
-            </a:r>
-            <a:endParaRPr lang="en-US"/>
-          </a:p>
-        </p:txBody>
-      </p:sp>
-      <p:sp>
-        <p:nvSpPr>
-          <p:cNvPr id="5" name="Slide Number Placeholder 4"/>
-          <p:cNvSpPr>
-            <a:spLocks noGrp="1"/>
-          </p:cNvSpPr>
-          <p:nvPr>
-            <p:ph type="sldNum" sz="quarter" idx="12"/>
-          </p:nvPr>
-        </p:nvSpPr>
-        <p:spPr/>
-        <p:txBody>
-          <a:bodyPr/>
-          <a:lstStyle/>
-          <a:p>
-            <a:fld id="{BE7B5DD7-0E96-E44E-B777-0B9A5C3419CF}" type="slidenum">
-              <a:rPr lang="en-US" smtClean="0"/>
-              <a:t>21</a:t>
-            </a:fld>
-            <a:endParaRPr lang="en-US"/>
-          </a:p>
-        </p:txBody>
-      </p:sp>
-    </p:spTree>
-    <p:extLst>
-      <p:ext uri="{BB962C8B-B14F-4D97-AF65-F5344CB8AC3E}">
-        <p14:creationId xmlns:p14="http://schemas.microsoft.com/office/powerpoint/2010/main" val="1092733169"/>
-      </p:ext>
-    </p:extLst>
-  </p:cSld>
-  <p:clrMapOvr>
-    <a:masterClrMapping/>
-  </p:clrMapOvr>
-  <p:timing>
-    <p:tnLst>
-      <p:par>
-        <p:cTn id="1" dur="indefinite" restart="never" nodeType="tmRoot"/>
-      </p:par>
-    </p:tnLst>
-  </p:timing>
-</p:sld>
-</file>
-
 <file path=ppt/slides/slide22.xml><?xml version="1.0" encoding="utf-8"?>
 <p:sld xmlns:a="http://schemas.openxmlformats.org/drawingml/2006/main" xmlns:r="http://schemas.openxmlformats.org/officeDocument/2006/relationships" xmlns:p="http://schemas.openxmlformats.org/presentationml/2006/main">
   <p:cSld>
@@ -8249,75 +9147,29 @@
             <a:spLocks noGrp="1"/>
           </p:cNvSpPr>
           <p:nvPr>
-            <p:ph type="title"/>
+            <p:ph type="ctrTitle"/>
           </p:nvPr>
         </p:nvSpPr>
         <p:spPr/>
         <p:txBody>
-          <a:bodyPr/>
-          <a:lstStyle/>
-          <a:p>
-            <a:r>
-              <a:rPr lang="en-US" dirty="0" smtClean="0"/>
-              <a:t>What is </a:t>
-            </a:r>
-            <a:r>
-              <a:rPr lang="en-US" dirty="0" err="1" smtClean="0"/>
+          <a:bodyPr>
+            <a:normAutofit/>
+          </a:bodyPr>
+          <a:lstStyle/>
+          <a:p>
+            <a:r>
+              <a:rPr lang="en-US" sz="8800" dirty="0" err="1" smtClean="0">
+                <a:solidFill>
+                  <a:srgbClr val="953735"/>
+                </a:solidFill>
+              </a:rPr>
               <a:t>Node.js</a:t>
             </a:r>
-            <a:r>
-              <a:rPr lang="en-US" dirty="0" smtClean="0"/>
-              <a:t>?</a:t>
-            </a:r>
-            <a:endParaRPr lang="en-US" dirty="0"/>
-          </a:p>
-        </p:txBody>
-      </p:sp>
-      <p:sp>
-        <p:nvSpPr>
-          <p:cNvPr id="3" name="Content Placeholder 2"/>
-          <p:cNvSpPr>
-            <a:spLocks noGrp="1"/>
-          </p:cNvSpPr>
-          <p:nvPr>
-            <p:ph idx="1"/>
-          </p:nvPr>
-        </p:nvSpPr>
-        <p:spPr/>
-        <p:txBody>
-          <a:bodyPr/>
-          <a:lstStyle/>
-          <a:p>
-            <a:r>
-              <a:rPr lang="en-US" dirty="0" smtClean="0">
-                <a:hlinkClick r:id="rId2"/>
-              </a:rPr>
-              <a:t>Node.js</a:t>
-            </a:r>
-            <a:r>
-              <a:rPr lang="en-US" dirty="0" smtClean="0"/>
-              <a:t> is a JavaScript runtime built on </a:t>
-            </a:r>
-            <a:r>
-              <a:rPr lang="en-US" dirty="0" smtClean="0">
-                <a:hlinkClick r:id="rId3"/>
-              </a:rPr>
-              <a:t>Chrome’s V8 JavaScript engine</a:t>
-            </a:r>
-            <a:endParaRPr lang="en-US" dirty="0" smtClean="0"/>
-          </a:p>
-          <a:p>
-            <a:r>
-              <a:rPr lang="en-US" dirty="0" smtClean="0"/>
-              <a:t>Practically, this means you can now run JavaScript outside of the browser</a:t>
-            </a:r>
-          </a:p>
-          <a:p>
-            <a:r>
-              <a:rPr lang="en-US" dirty="0" smtClean="0"/>
-              <a:t>It is NOT a web framework</a:t>
-            </a:r>
-            <a:endParaRPr lang="en-US" dirty="0"/>
+            <a:endParaRPr lang="en-US" sz="8800" dirty="0">
+              <a:solidFill>
+                <a:srgbClr val="953735"/>
+              </a:solidFill>
+            </a:endParaRPr>
           </a:p>
         </p:txBody>
       </p:sp>
@@ -8370,7 +9222,7 @@
     </p:spTree>
     <p:extLst>
       <p:ext uri="{BB962C8B-B14F-4D97-AF65-F5344CB8AC3E}">
-        <p14:creationId xmlns:p14="http://schemas.microsoft.com/office/powerpoint/2010/main" val="479335111"/>
+        <p14:creationId xmlns:p14="http://schemas.microsoft.com/office/powerpoint/2010/main" val="1092733169"/>
       </p:ext>
     </p:extLst>
   </p:cSld>
@@ -8380,128 +9232,7 @@
   <p:timing>
     <p:tnLst>
       <p:par>
-        <p:cTn id="1" dur="indefinite" restart="never" nodeType="tmRoot">
-          <p:childTnLst>
-            <p:seq concurrent="1" nextAc="seek">
-              <p:cTn id="2" dur="indefinite" nodeType="mainSeq">
-                <p:childTnLst>
-                  <p:par>
-                    <p:cTn id="3" fill="hold">
-                      <p:stCondLst>
-                        <p:cond delay="indefinite"/>
-                      </p:stCondLst>
-                      <p:childTnLst>
-                        <p:par>
-                          <p:cTn id="4" fill="hold">
-                            <p:stCondLst>
-                              <p:cond delay="0"/>
-                            </p:stCondLst>
-                            <p:childTnLst>
-                              <p:par>
-                                <p:cTn id="5" presetID="1" presetClass="entr" presetSubtype="0" fill="hold" nodeType="clickEffect">
-                                  <p:stCondLst>
-                                    <p:cond delay="0"/>
-                                  </p:stCondLst>
-                                  <p:childTnLst>
-                                    <p:set>
-                                      <p:cBhvr>
-                                        <p:cTn id="6" dur="1" fill="hold">
-                                          <p:stCondLst>
-                                            <p:cond delay="0"/>
-                                          </p:stCondLst>
-                                        </p:cTn>
-                                        <p:tgtEl>
-                                          <p:spTgt spid="3">
-                                            <p:txEl>
-                                              <p:pRg st="1" end="1"/>
-                                            </p:txEl>
-                                          </p:spTgt>
-                                        </p:tgtEl>
-                                        <p:attrNameLst>
-                                          <p:attrName>style.visibility</p:attrName>
-                                        </p:attrNameLst>
-                                      </p:cBhvr>
-                                      <p:to>
-                                        <p:strVal val="visible"/>
-                                      </p:to>
-                                    </p:set>
-                                  </p:childTnLst>
-                                </p:cTn>
-                              </p:par>
-                            </p:childTnLst>
-                          </p:cTn>
-                        </p:par>
-                      </p:childTnLst>
-                    </p:cTn>
-                  </p:par>
-                  <p:par>
-                    <p:cTn id="7" fill="hold">
-                      <p:stCondLst>
-                        <p:cond delay="indefinite"/>
-                      </p:stCondLst>
-                      <p:childTnLst>
-                        <p:par>
-                          <p:cTn id="8" fill="hold">
-                            <p:stCondLst>
-                              <p:cond delay="0"/>
-                            </p:stCondLst>
-                            <p:childTnLst>
-                              <p:par>
-                                <p:cTn id="9" presetID="1" presetClass="entr" presetSubtype="0" fill="hold" nodeType="clickEffect">
-                                  <p:stCondLst>
-                                    <p:cond delay="0"/>
-                                  </p:stCondLst>
-                                  <p:childTnLst>
-                                    <p:set>
-                                      <p:cBhvr>
-                                        <p:cTn id="10" dur="1" fill="hold">
-                                          <p:stCondLst>
-                                            <p:cond delay="0"/>
-                                          </p:stCondLst>
-                                        </p:cTn>
-                                        <p:tgtEl>
-                                          <p:spTgt spid="3">
-                                            <p:txEl>
-                                              <p:pRg st="2" end="2"/>
-                                            </p:txEl>
-                                          </p:spTgt>
-                                        </p:tgtEl>
-                                        <p:attrNameLst>
-                                          <p:attrName>style.visibility</p:attrName>
-                                        </p:attrNameLst>
-                                      </p:cBhvr>
-                                      <p:to>
-                                        <p:strVal val="visible"/>
-                                      </p:to>
-                                    </p:set>
-                                  </p:childTnLst>
-                                </p:cTn>
-                              </p:par>
-                            </p:childTnLst>
-                          </p:cTn>
-                        </p:par>
-                      </p:childTnLst>
-                    </p:cTn>
-                  </p:par>
-                </p:childTnLst>
-              </p:cTn>
-              <p:prevCondLst>
-                <p:cond evt="onPrev" delay="0">
-                  <p:tgtEl>
-                    <p:sldTgt/>
-                  </p:tgtEl>
-                </p:cond>
-              </p:prevCondLst>
-              <p:nextCondLst>
-                <p:cond evt="onNext" delay="0">
-                  <p:tgtEl>
-                    <p:sldTgt/>
-                  </p:tgtEl>
-                </p:cond>
-              </p:nextCondLst>
-            </p:seq>
-          </p:childTnLst>
-        </p:cTn>
+        <p:cTn id="1" dur="indefinite" restart="never" nodeType="tmRoot"/>
       </p:par>
     </p:tnLst>
   </p:timing>
@@ -8542,7 +9273,15 @@
           <a:p>
             <a:r>
               <a:rPr lang="en-US" dirty="0" smtClean="0"/>
-              <a:t>Express</a:t>
+              <a:t>What is </a:t>
+            </a:r>
+            <a:r>
+              <a:rPr lang="en-US" dirty="0" err="1" smtClean="0"/>
+              <a:t>Node.js</a:t>
+            </a:r>
+            <a:r>
+              <a:rPr lang="en-US" dirty="0" smtClean="0"/>
+              <a:t>?</a:t>
             </a:r>
             <a:endParaRPr lang="en-US" dirty="0"/>
           </a:p>
@@ -8564,33 +9303,33 @@
           <a:lstStyle/>
           <a:p>
             <a:r>
+              <a:rPr lang="en-US" dirty="0" smtClean="0">
+                <a:hlinkClick r:id="rId2"/>
+              </a:rPr>
+              <a:t>Node.js</a:t>
+            </a:r>
+            <a:r>
               <a:rPr lang="en-US" dirty="0" smtClean="0"/>
-              <a:t>Is a package – must install via </a:t>
-            </a:r>
-            <a:r>
-              <a:rPr lang="en-US" dirty="0" err="1" smtClean="0"/>
-              <a:t>npm</a:t>
+              <a:t> is a JavaScript runtime built on </a:t>
+            </a:r>
+            <a:r>
+              <a:rPr lang="en-US" dirty="0" smtClean="0">
+                <a:hlinkClick r:id="rId3"/>
+              </a:rPr>
+              <a:t>Chrome’s V8 JavaScript engine</a:t>
             </a:r>
             <a:endParaRPr lang="en-US" dirty="0" smtClean="0"/>
           </a:p>
           <a:p>
             <a:r>
               <a:rPr lang="en-US" dirty="0" smtClean="0"/>
-              <a:t>Handles URL routing, requests, and responses</a:t>
+              <a:t>Practically, this means you can now run JavaScript outside of the browser</a:t>
             </a:r>
           </a:p>
           <a:p>
             <a:r>
               <a:rPr lang="en-US" dirty="0" smtClean="0"/>
-              <a:t>Is oriented around </a:t>
-            </a:r>
-            <a:r>
-              <a:rPr lang="en-US" dirty="0" err="1" smtClean="0"/>
-              <a:t>middlewares</a:t>
-            </a:r>
-            <a:r>
-              <a:rPr lang="en-US" dirty="0" smtClean="0"/>
-              <a:t> and handler functions</a:t>
+              <a:t>It is NOT a web framework</a:t>
             </a:r>
             <a:endParaRPr lang="en-US" dirty="0"/>
           </a:p>
@@ -8645,7 +9384,7 @@
     </p:spTree>
     <p:extLst>
       <p:ext uri="{BB962C8B-B14F-4D97-AF65-F5344CB8AC3E}">
-        <p14:creationId xmlns:p14="http://schemas.microsoft.com/office/powerpoint/2010/main" val="1420142545"/>
+        <p14:creationId xmlns:p14="http://schemas.microsoft.com/office/powerpoint/2010/main" val="479335111"/>
       </p:ext>
     </p:extLst>
   </p:cSld>
@@ -8817,7 +9556,7 @@
           <a:p>
             <a:r>
               <a:rPr lang="en-US" dirty="0" smtClean="0"/>
-              <a:t>Hello World Express App</a:t>
+              <a:t>Express</a:t>
             </a:r>
             <a:endParaRPr lang="en-US" dirty="0"/>
           </a:p>
@@ -8833,833 +9572,41 @@
             <p:ph idx="1"/>
           </p:nvPr>
         </p:nvSpPr>
-        <p:spPr>
-          <a:solidFill>
-            <a:srgbClr val="000000"/>
-          </a:solidFill>
-        </p:spPr>
-        <p:txBody>
-          <a:bodyPr>
-            <a:normAutofit fontScale="85000" lnSpcReduction="20000"/>
-          </a:bodyPr>
-          <a:lstStyle/>
-          <a:p>
-            <a:pPr marL="0" indent="0">
-              <a:buNone/>
-            </a:pPr>
-            <a:r>
-              <a:rPr lang="en-US" dirty="0" err="1">
-                <a:solidFill>
-                  <a:srgbClr val="66D9EF"/>
-                </a:solidFill>
-                <a:latin typeface="Menlo" charset="0"/>
-              </a:rPr>
-              <a:t>var</a:t>
-            </a:r>
-            <a:r>
-              <a:rPr lang="en-US" dirty="0">
-                <a:solidFill>
-                  <a:srgbClr val="F8F8F2"/>
-                </a:solidFill>
-                <a:latin typeface="Menlo" charset="0"/>
-              </a:rPr>
-              <a:t> </a:t>
-            </a:r>
-            <a:r>
-              <a:rPr lang="en-US" dirty="0">
-                <a:solidFill>
-                  <a:srgbClr val="A6E22E"/>
-                </a:solidFill>
-                <a:latin typeface="Menlo" charset="0"/>
-              </a:rPr>
-              <a:t>express</a:t>
-            </a:r>
-            <a:r>
-              <a:rPr lang="en-US" dirty="0">
-                <a:solidFill>
-                  <a:srgbClr val="F8F8F2"/>
-                </a:solidFill>
-                <a:latin typeface="Menlo" charset="0"/>
-              </a:rPr>
-              <a:t> </a:t>
-            </a:r>
-            <a:r>
-              <a:rPr lang="en-US" dirty="0">
-                <a:solidFill>
-                  <a:srgbClr val="F92672"/>
-                </a:solidFill>
-                <a:latin typeface="Menlo" charset="0"/>
-              </a:rPr>
-              <a:t>=</a:t>
-            </a:r>
-            <a:r>
-              <a:rPr lang="en-US" dirty="0">
-                <a:solidFill>
-                  <a:srgbClr val="F8F8F2"/>
-                </a:solidFill>
-                <a:latin typeface="Menlo" charset="0"/>
-              </a:rPr>
-              <a:t> </a:t>
-            </a:r>
-            <a:r>
-              <a:rPr lang="en-US" dirty="0">
-                <a:solidFill>
-                  <a:srgbClr val="A6E22E"/>
-                </a:solidFill>
-                <a:latin typeface="Menlo" charset="0"/>
-              </a:rPr>
-              <a:t>require</a:t>
-            </a:r>
-            <a:r>
-              <a:rPr lang="en-US" dirty="0">
-                <a:solidFill>
-                  <a:srgbClr val="F8F8F2"/>
-                </a:solidFill>
-                <a:latin typeface="Menlo" charset="0"/>
-              </a:rPr>
-              <a:t>(</a:t>
-            </a:r>
-            <a:r>
-              <a:rPr lang="en-US" dirty="0">
-                <a:solidFill>
-                  <a:srgbClr val="E6DB74"/>
-                </a:solidFill>
-                <a:latin typeface="Menlo" charset="0"/>
-              </a:rPr>
-              <a:t>'express'</a:t>
-            </a:r>
-            <a:r>
-              <a:rPr lang="en-US" dirty="0">
-                <a:solidFill>
-                  <a:srgbClr val="F8F8F2"/>
-                </a:solidFill>
-                <a:latin typeface="Menlo" charset="0"/>
-              </a:rPr>
-              <a:t>);</a:t>
-            </a:r>
-          </a:p>
-          <a:p>
-            <a:pPr marL="0" indent="0">
-              <a:buNone/>
-            </a:pPr>
-            <a:r>
-              <a:rPr lang="en-US" dirty="0" err="1">
-                <a:solidFill>
-                  <a:srgbClr val="66D9EF"/>
-                </a:solidFill>
-                <a:latin typeface="Menlo" charset="0"/>
-              </a:rPr>
-              <a:t>var</a:t>
-            </a:r>
-            <a:r>
-              <a:rPr lang="en-US" dirty="0">
-                <a:solidFill>
-                  <a:srgbClr val="F8F8F2"/>
-                </a:solidFill>
-                <a:latin typeface="Menlo" charset="0"/>
-              </a:rPr>
-              <a:t> </a:t>
-            </a:r>
-            <a:r>
-              <a:rPr lang="en-US" dirty="0">
-                <a:solidFill>
-                  <a:srgbClr val="A6E22E"/>
-                </a:solidFill>
-                <a:latin typeface="Menlo" charset="0"/>
-              </a:rPr>
-              <a:t>app</a:t>
-            </a:r>
-            <a:r>
-              <a:rPr lang="en-US" dirty="0">
-                <a:solidFill>
-                  <a:srgbClr val="F8F8F2"/>
-                </a:solidFill>
-                <a:latin typeface="Menlo" charset="0"/>
-              </a:rPr>
-              <a:t> </a:t>
-            </a:r>
-            <a:r>
-              <a:rPr lang="en-US" dirty="0">
-                <a:solidFill>
-                  <a:srgbClr val="F92672"/>
-                </a:solidFill>
-                <a:latin typeface="Menlo" charset="0"/>
-              </a:rPr>
-              <a:t>=</a:t>
-            </a:r>
-            <a:r>
-              <a:rPr lang="en-US" dirty="0">
-                <a:solidFill>
-                  <a:srgbClr val="F8F8F2"/>
-                </a:solidFill>
-                <a:latin typeface="Menlo" charset="0"/>
-              </a:rPr>
-              <a:t> </a:t>
-            </a:r>
-            <a:r>
-              <a:rPr lang="en-US" dirty="0">
-                <a:solidFill>
-                  <a:srgbClr val="A6E22E"/>
-                </a:solidFill>
-                <a:latin typeface="Menlo" charset="0"/>
-              </a:rPr>
-              <a:t>express</a:t>
-            </a:r>
-            <a:r>
-              <a:rPr lang="en-US" dirty="0">
-                <a:solidFill>
-                  <a:srgbClr val="F8F8F2"/>
-                </a:solidFill>
-                <a:latin typeface="Menlo" charset="0"/>
-              </a:rPr>
-              <a:t>();</a:t>
-            </a:r>
-          </a:p>
-          <a:p>
-            <a:pPr marL="0" indent="0">
-              <a:buNone/>
-            </a:pPr>
-            <a:r>
-              <a:rPr lang="en-US" dirty="0" err="1">
-                <a:solidFill>
-                  <a:srgbClr val="66D9EF"/>
-                </a:solidFill>
-                <a:latin typeface="Menlo" charset="0"/>
-              </a:rPr>
-              <a:t>var</a:t>
-            </a:r>
-            <a:r>
-              <a:rPr lang="en-US" dirty="0">
-                <a:solidFill>
-                  <a:srgbClr val="F8F8F2"/>
-                </a:solidFill>
-                <a:latin typeface="Menlo" charset="0"/>
-              </a:rPr>
-              <a:t> </a:t>
-            </a:r>
-            <a:r>
-              <a:rPr lang="en-US" dirty="0">
-                <a:solidFill>
-                  <a:srgbClr val="A6E22E"/>
-                </a:solidFill>
-                <a:latin typeface="Menlo" charset="0"/>
-              </a:rPr>
-              <a:t>port</a:t>
-            </a:r>
-            <a:r>
-              <a:rPr lang="en-US" dirty="0">
-                <a:solidFill>
-                  <a:srgbClr val="F8F8F2"/>
-                </a:solidFill>
-                <a:latin typeface="Menlo" charset="0"/>
-              </a:rPr>
-              <a:t> </a:t>
-            </a:r>
-            <a:r>
-              <a:rPr lang="en-US" dirty="0">
-                <a:solidFill>
-                  <a:srgbClr val="F92672"/>
-                </a:solidFill>
-                <a:latin typeface="Menlo" charset="0"/>
-              </a:rPr>
-              <a:t>=</a:t>
-            </a:r>
-            <a:r>
-              <a:rPr lang="en-US" dirty="0">
-                <a:solidFill>
-                  <a:srgbClr val="F8F8F2"/>
-                </a:solidFill>
-                <a:latin typeface="Menlo" charset="0"/>
-              </a:rPr>
-              <a:t> </a:t>
-            </a:r>
-            <a:r>
-              <a:rPr lang="en-US" dirty="0" err="1">
-                <a:solidFill>
-                  <a:srgbClr val="A6E22E"/>
-                </a:solidFill>
-                <a:latin typeface="Menlo" charset="0"/>
-              </a:rPr>
-              <a:t>process</a:t>
-            </a:r>
-            <a:r>
-              <a:rPr lang="en-US" dirty="0" err="1">
-                <a:solidFill>
-                  <a:srgbClr val="F8F8F2"/>
-                </a:solidFill>
-                <a:latin typeface="Menlo" charset="0"/>
-              </a:rPr>
-              <a:t>.</a:t>
-            </a:r>
-            <a:r>
-              <a:rPr lang="en-US" dirty="0" err="1">
-                <a:solidFill>
-                  <a:srgbClr val="A6E22E"/>
-                </a:solidFill>
-                <a:latin typeface="Menlo" charset="0"/>
-              </a:rPr>
-              <a:t>env</a:t>
-            </a:r>
-            <a:r>
-              <a:rPr lang="en-US" dirty="0" err="1">
-                <a:solidFill>
-                  <a:srgbClr val="F8F8F2"/>
-                </a:solidFill>
-                <a:latin typeface="Menlo" charset="0"/>
-              </a:rPr>
-              <a:t>.</a:t>
-            </a:r>
-            <a:r>
-              <a:rPr lang="en-US" dirty="0" err="1">
-                <a:solidFill>
-                  <a:srgbClr val="A6E22E"/>
-                </a:solidFill>
-                <a:latin typeface="Menlo" charset="0"/>
-              </a:rPr>
-              <a:t>PORT</a:t>
-            </a:r>
-            <a:r>
-              <a:rPr lang="en-US" dirty="0">
-                <a:solidFill>
-                  <a:srgbClr val="F8F8F2"/>
-                </a:solidFill>
-                <a:latin typeface="Menlo" charset="0"/>
-              </a:rPr>
-              <a:t> </a:t>
-            </a:r>
-            <a:r>
-              <a:rPr lang="en-US" dirty="0">
-                <a:solidFill>
-                  <a:srgbClr val="F92672"/>
-                </a:solidFill>
-                <a:latin typeface="Menlo" charset="0"/>
-              </a:rPr>
-              <a:t>||</a:t>
-            </a:r>
-            <a:r>
-              <a:rPr lang="en-US" dirty="0">
-                <a:solidFill>
-                  <a:srgbClr val="F8F8F2"/>
-                </a:solidFill>
-                <a:latin typeface="Menlo" charset="0"/>
-              </a:rPr>
-              <a:t> </a:t>
-            </a:r>
-            <a:r>
-              <a:rPr lang="en-US" dirty="0">
-                <a:solidFill>
-                  <a:srgbClr val="AE81FF"/>
-                </a:solidFill>
-                <a:latin typeface="Menlo" charset="0"/>
-              </a:rPr>
-              <a:t>3000</a:t>
-            </a:r>
-            <a:r>
-              <a:rPr lang="en-US" dirty="0">
-                <a:solidFill>
-                  <a:srgbClr val="F8F8F2"/>
-                </a:solidFill>
-                <a:latin typeface="Menlo" charset="0"/>
-              </a:rPr>
-              <a:t>;</a:t>
-            </a:r>
-          </a:p>
-          <a:p>
-            <a:pPr marL="0" indent="0">
-              <a:buNone/>
-            </a:pPr>
-            <a:r>
-              <a:rPr lang="en-US" dirty="0" err="1">
-                <a:solidFill>
-                  <a:srgbClr val="A6E22E"/>
-                </a:solidFill>
-                <a:latin typeface="Menlo" charset="0"/>
-              </a:rPr>
-              <a:t>app</a:t>
-            </a:r>
-            <a:r>
-              <a:rPr lang="en-US" dirty="0" err="1">
-                <a:solidFill>
-                  <a:srgbClr val="F8F8F2"/>
-                </a:solidFill>
-                <a:latin typeface="Menlo" charset="0"/>
-              </a:rPr>
-              <a:t>.</a:t>
-            </a:r>
-            <a:r>
-              <a:rPr lang="en-US" dirty="0" err="1">
-                <a:solidFill>
-                  <a:srgbClr val="A6E22E"/>
-                </a:solidFill>
-                <a:latin typeface="Menlo" charset="0"/>
-              </a:rPr>
-              <a:t>get</a:t>
-            </a:r>
-            <a:r>
-              <a:rPr lang="en-US" dirty="0">
-                <a:solidFill>
-                  <a:srgbClr val="F8F8F2"/>
-                </a:solidFill>
-                <a:latin typeface="Menlo" charset="0"/>
-              </a:rPr>
-              <a:t>(</a:t>
-            </a:r>
-            <a:r>
-              <a:rPr lang="en-US" dirty="0">
-                <a:solidFill>
-                  <a:srgbClr val="E6DB74"/>
-                </a:solidFill>
-                <a:latin typeface="Menlo" charset="0"/>
-              </a:rPr>
-              <a:t>'/'</a:t>
-            </a:r>
-            <a:r>
-              <a:rPr lang="en-US" dirty="0">
-                <a:solidFill>
-                  <a:srgbClr val="F8F8F2"/>
-                </a:solidFill>
-                <a:latin typeface="Menlo" charset="0"/>
-              </a:rPr>
-              <a:t>, </a:t>
-            </a:r>
-            <a:r>
-              <a:rPr lang="en-US" dirty="0">
-                <a:solidFill>
-                  <a:srgbClr val="66D9EF"/>
-                </a:solidFill>
-                <a:latin typeface="Menlo" charset="0"/>
-              </a:rPr>
-              <a:t>function</a:t>
-            </a:r>
-            <a:r>
-              <a:rPr lang="en-US" dirty="0">
-                <a:solidFill>
-                  <a:srgbClr val="F8F8F2"/>
-                </a:solidFill>
-                <a:latin typeface="Menlo" charset="0"/>
-              </a:rPr>
-              <a:t> (</a:t>
-            </a:r>
-            <a:r>
-              <a:rPr lang="en-US" dirty="0" err="1">
-                <a:solidFill>
-                  <a:srgbClr val="A6E22E"/>
-                </a:solidFill>
-                <a:latin typeface="Menlo" charset="0"/>
-              </a:rPr>
-              <a:t>req</a:t>
-            </a:r>
-            <a:r>
-              <a:rPr lang="en-US" dirty="0">
-                <a:solidFill>
-                  <a:srgbClr val="F8F8F2"/>
-                </a:solidFill>
-                <a:latin typeface="Menlo" charset="0"/>
-              </a:rPr>
-              <a:t>, </a:t>
-            </a:r>
-            <a:r>
-              <a:rPr lang="en-US" dirty="0">
-                <a:solidFill>
-                  <a:srgbClr val="A6E22E"/>
-                </a:solidFill>
-                <a:latin typeface="Menlo" charset="0"/>
-              </a:rPr>
-              <a:t>res</a:t>
-            </a:r>
-            <a:r>
-              <a:rPr lang="en-US" dirty="0">
-                <a:solidFill>
-                  <a:srgbClr val="F8F8F2"/>
-                </a:solidFill>
-                <a:latin typeface="Menlo" charset="0"/>
-              </a:rPr>
-              <a:t>) {</a:t>
-            </a:r>
-          </a:p>
-          <a:p>
-            <a:pPr marL="0" indent="0">
-              <a:buNone/>
-            </a:pPr>
-            <a:r>
-              <a:rPr lang="en-US" dirty="0">
-                <a:solidFill>
-                  <a:srgbClr val="F8F8F2"/>
-                </a:solidFill>
-                <a:latin typeface="Menlo" charset="0"/>
-              </a:rPr>
-              <a:t>  </a:t>
-            </a:r>
-            <a:r>
-              <a:rPr lang="en-US" dirty="0">
-                <a:solidFill>
-                  <a:srgbClr val="66D9EF"/>
-                </a:solidFill>
-                <a:latin typeface="Menlo" charset="0"/>
-              </a:rPr>
-              <a:t>return</a:t>
-            </a:r>
-            <a:r>
-              <a:rPr lang="en-US" dirty="0">
-                <a:solidFill>
-                  <a:srgbClr val="F8F8F2"/>
-                </a:solidFill>
-                <a:latin typeface="Menlo" charset="0"/>
-              </a:rPr>
-              <a:t> </a:t>
-            </a:r>
-            <a:r>
-              <a:rPr lang="en-US" dirty="0" err="1">
-                <a:solidFill>
-                  <a:srgbClr val="A6E22E"/>
-                </a:solidFill>
-                <a:latin typeface="Menlo" charset="0"/>
-              </a:rPr>
-              <a:t>res</a:t>
-            </a:r>
-            <a:r>
-              <a:rPr lang="en-US" dirty="0" err="1">
-                <a:solidFill>
-                  <a:srgbClr val="F8F8F2"/>
-                </a:solidFill>
-                <a:latin typeface="Menlo" charset="0"/>
-              </a:rPr>
-              <a:t>.</a:t>
-            </a:r>
-            <a:r>
-              <a:rPr lang="en-US" dirty="0" err="1">
-                <a:solidFill>
-                  <a:srgbClr val="A6E22E"/>
-                </a:solidFill>
-                <a:latin typeface="Menlo" charset="0"/>
-              </a:rPr>
-              <a:t>send</a:t>
-            </a:r>
-            <a:r>
-              <a:rPr lang="en-US" dirty="0">
-                <a:solidFill>
-                  <a:srgbClr val="F8F8F2"/>
-                </a:solidFill>
-                <a:latin typeface="Menlo" charset="0"/>
-              </a:rPr>
-              <a:t>(</a:t>
-            </a:r>
-            <a:r>
-              <a:rPr lang="en-US" dirty="0">
-                <a:solidFill>
-                  <a:srgbClr val="E6DB74"/>
-                </a:solidFill>
-                <a:latin typeface="Menlo" charset="0"/>
-              </a:rPr>
-              <a:t>'hello world!'</a:t>
-            </a:r>
-            <a:r>
-              <a:rPr lang="en-US" dirty="0">
-                <a:solidFill>
-                  <a:srgbClr val="F8F8F2"/>
-                </a:solidFill>
-                <a:latin typeface="Menlo" charset="0"/>
-              </a:rPr>
-              <a:t>);</a:t>
-            </a:r>
-          </a:p>
-          <a:p>
-            <a:pPr marL="0" indent="0">
-              <a:buNone/>
-            </a:pPr>
-            <a:r>
-              <a:rPr lang="it-IT" dirty="0">
-                <a:solidFill>
-                  <a:srgbClr val="F8F8F2"/>
-                </a:solidFill>
-                <a:latin typeface="Menlo" charset="0"/>
-              </a:rPr>
-              <a:t>});</a:t>
-            </a:r>
-          </a:p>
-          <a:p>
-            <a:pPr marL="0" indent="0">
-              <a:buNone/>
-            </a:pPr>
-            <a:r>
-              <a:rPr lang="it-IT" dirty="0">
-                <a:solidFill>
-                  <a:srgbClr val="75715E"/>
-                </a:solidFill>
-                <a:latin typeface="Menlo" charset="0"/>
-              </a:rPr>
-              <a:t>// Start </a:t>
-            </a:r>
-            <a:r>
-              <a:rPr lang="it-IT" dirty="0" err="1">
-                <a:solidFill>
-                  <a:srgbClr val="75715E"/>
-                </a:solidFill>
-                <a:latin typeface="Menlo" charset="0"/>
-              </a:rPr>
-              <a:t>listening</a:t>
-            </a:r>
-            <a:r>
-              <a:rPr lang="it-IT" dirty="0">
-                <a:solidFill>
-                  <a:srgbClr val="75715E"/>
-                </a:solidFill>
-                <a:latin typeface="Menlo" charset="0"/>
-              </a:rPr>
-              <a:t> for </a:t>
-            </a:r>
-            <a:r>
-              <a:rPr lang="it-IT" dirty="0" err="1">
-                <a:solidFill>
-                  <a:srgbClr val="75715E"/>
-                </a:solidFill>
-                <a:latin typeface="Menlo" charset="0"/>
-              </a:rPr>
-              <a:t>requests</a:t>
-            </a:r>
-            <a:endParaRPr lang="it-IT" dirty="0">
-              <a:solidFill>
-                <a:srgbClr val="75715E"/>
-              </a:solidFill>
-              <a:latin typeface="Menlo" charset="0"/>
-            </a:endParaRPr>
-          </a:p>
-          <a:p>
-            <a:pPr marL="0" indent="0">
-              <a:buNone/>
-            </a:pPr>
-            <a:r>
-              <a:rPr lang="it-IT" dirty="0" err="1">
-                <a:solidFill>
-                  <a:srgbClr val="A6E22E"/>
-                </a:solidFill>
-                <a:latin typeface="Menlo" charset="0"/>
-              </a:rPr>
-              <a:t>app</a:t>
-            </a:r>
-            <a:r>
-              <a:rPr lang="it-IT" dirty="0" err="1">
-                <a:solidFill>
-                  <a:srgbClr val="F8F8F2"/>
-                </a:solidFill>
-                <a:latin typeface="Menlo" charset="0"/>
-              </a:rPr>
-              <a:t>.</a:t>
-            </a:r>
-            <a:r>
-              <a:rPr lang="it-IT" dirty="0" err="1">
-                <a:solidFill>
-                  <a:srgbClr val="A6E22E"/>
-                </a:solidFill>
-                <a:latin typeface="Menlo" charset="0"/>
-              </a:rPr>
-              <a:t>listen</a:t>
-            </a:r>
-            <a:r>
-              <a:rPr lang="it-IT" dirty="0">
-                <a:solidFill>
-                  <a:srgbClr val="F8F8F2"/>
-                </a:solidFill>
-                <a:latin typeface="Menlo" charset="0"/>
-              </a:rPr>
-              <a:t>(</a:t>
-            </a:r>
-            <a:r>
-              <a:rPr lang="it-IT" dirty="0" err="1">
-                <a:solidFill>
-                  <a:srgbClr val="A6E22E"/>
-                </a:solidFill>
-                <a:latin typeface="Menlo" charset="0"/>
-              </a:rPr>
-              <a:t>port</a:t>
-            </a:r>
-            <a:r>
-              <a:rPr lang="it-IT" dirty="0">
-                <a:solidFill>
-                  <a:srgbClr val="F8F8F2"/>
-                </a:solidFill>
-                <a:latin typeface="Menlo" charset="0"/>
-              </a:rPr>
-              <a:t>, </a:t>
-            </a:r>
-            <a:r>
-              <a:rPr lang="it-IT" dirty="0" err="1">
-                <a:solidFill>
-                  <a:srgbClr val="66D9EF"/>
-                </a:solidFill>
-                <a:latin typeface="Menlo" charset="0"/>
-              </a:rPr>
-              <a:t>function</a:t>
-            </a:r>
-            <a:r>
-              <a:rPr lang="it-IT" dirty="0">
-                <a:solidFill>
-                  <a:srgbClr val="F8F8F2"/>
-                </a:solidFill>
-                <a:latin typeface="Menlo" charset="0"/>
-              </a:rPr>
-              <a:t> () {</a:t>
-            </a:r>
-          </a:p>
-          <a:p>
-            <a:pPr marL="0" indent="0">
-              <a:buNone/>
-            </a:pPr>
-            <a:r>
-              <a:rPr lang="it-IT" dirty="0">
-                <a:solidFill>
-                  <a:srgbClr val="F8F8F2"/>
-                </a:solidFill>
-                <a:latin typeface="Menlo" charset="0"/>
-              </a:rPr>
-              <a:t>  </a:t>
-            </a:r>
-            <a:r>
-              <a:rPr lang="it-IT" dirty="0" err="1">
-                <a:solidFill>
-                  <a:srgbClr val="A6E22E"/>
-                </a:solidFill>
-                <a:latin typeface="Menlo" charset="0"/>
-              </a:rPr>
-              <a:t>console</a:t>
-            </a:r>
-            <a:r>
-              <a:rPr lang="it-IT" dirty="0" err="1">
-                <a:solidFill>
-                  <a:srgbClr val="F8F8F2"/>
-                </a:solidFill>
-                <a:latin typeface="Menlo" charset="0"/>
-              </a:rPr>
-              <a:t>.</a:t>
-            </a:r>
-            <a:r>
-              <a:rPr lang="it-IT" dirty="0" err="1">
-                <a:solidFill>
-                  <a:srgbClr val="A6E22E"/>
-                </a:solidFill>
-                <a:latin typeface="Menlo" charset="0"/>
-              </a:rPr>
-              <a:t>log</a:t>
-            </a:r>
-            <a:r>
-              <a:rPr lang="it-IT" dirty="0">
-                <a:solidFill>
-                  <a:srgbClr val="F8F8F2"/>
-                </a:solidFill>
-                <a:latin typeface="Menlo" charset="0"/>
-              </a:rPr>
-              <a:t>(</a:t>
-            </a:r>
-            <a:r>
-              <a:rPr lang="it-IT" dirty="0">
-                <a:solidFill>
-                  <a:srgbClr val="E6DB74"/>
-                </a:solidFill>
-                <a:latin typeface="Menlo" charset="0"/>
-              </a:rPr>
-              <a:t>'</a:t>
-            </a:r>
-            <a:r>
-              <a:rPr lang="it-IT" dirty="0" err="1">
-                <a:solidFill>
-                  <a:srgbClr val="E6DB74"/>
-                </a:solidFill>
-                <a:latin typeface="Menlo" charset="0"/>
-              </a:rPr>
-              <a:t>Listening</a:t>
-            </a:r>
-            <a:r>
-              <a:rPr lang="it-IT" dirty="0">
-                <a:solidFill>
-                  <a:srgbClr val="E6DB74"/>
-                </a:solidFill>
-                <a:latin typeface="Menlo" charset="0"/>
-              </a:rPr>
-              <a:t> on </a:t>
-            </a:r>
-            <a:r>
-              <a:rPr lang="it-IT" dirty="0" err="1">
-                <a:solidFill>
-                  <a:srgbClr val="E6DB74"/>
-                </a:solidFill>
-                <a:latin typeface="Menlo" charset="0"/>
-              </a:rPr>
-              <a:t>port</a:t>
-            </a:r>
-            <a:r>
-              <a:rPr lang="it-IT" dirty="0">
-                <a:solidFill>
-                  <a:srgbClr val="E6DB74"/>
-                </a:solidFill>
-                <a:latin typeface="Menlo" charset="0"/>
-              </a:rPr>
-              <a:t> '</a:t>
-            </a:r>
-            <a:r>
-              <a:rPr lang="it-IT" dirty="0">
-                <a:solidFill>
-                  <a:srgbClr val="F8F8F2"/>
-                </a:solidFill>
-                <a:latin typeface="Menlo" charset="0"/>
-              </a:rPr>
-              <a:t> </a:t>
-            </a:r>
-            <a:r>
-              <a:rPr lang="it-IT" dirty="0">
-                <a:solidFill>
-                  <a:srgbClr val="F92672"/>
-                </a:solidFill>
-                <a:latin typeface="Menlo" charset="0"/>
-              </a:rPr>
-              <a:t>+</a:t>
-            </a:r>
-            <a:r>
-              <a:rPr lang="it-IT" dirty="0">
-                <a:solidFill>
-                  <a:srgbClr val="F8F8F2"/>
-                </a:solidFill>
-                <a:latin typeface="Menlo" charset="0"/>
-              </a:rPr>
-              <a:t> </a:t>
-            </a:r>
-            <a:r>
-              <a:rPr lang="it-IT" dirty="0" err="1">
-                <a:solidFill>
-                  <a:srgbClr val="A6E22E"/>
-                </a:solidFill>
-                <a:latin typeface="Menlo" charset="0"/>
-              </a:rPr>
-              <a:t>port</a:t>
-            </a:r>
-            <a:r>
-              <a:rPr lang="it-IT" dirty="0">
-                <a:solidFill>
-                  <a:srgbClr val="F8F8F2"/>
-                </a:solidFill>
-                <a:latin typeface="Menlo" charset="0"/>
-              </a:rPr>
-              <a:t>);</a:t>
-            </a:r>
-          </a:p>
-          <a:p>
-            <a:pPr marL="0" indent="0">
-              <a:buNone/>
-            </a:pPr>
-            <a:r>
-              <a:rPr lang="it-IT" dirty="0" smtClean="0">
-                <a:solidFill>
-                  <a:srgbClr val="F8F8F2"/>
-                </a:solidFill>
-                <a:latin typeface="Menlo" charset="0"/>
-              </a:rPr>
-              <a:t>});</a:t>
-            </a:r>
-            <a:endParaRPr lang="it-IT" dirty="0">
-              <a:solidFill>
-                <a:srgbClr val="F8F8F2"/>
-              </a:solidFill>
-              <a:latin typeface="Menlo" charset="0"/>
-            </a:endParaRPr>
+        <p:spPr/>
+        <p:txBody>
+          <a:bodyPr/>
+          <a:lstStyle/>
+          <a:p>
+            <a:r>
+              <a:rPr lang="en-US" dirty="0" smtClean="0"/>
+              <a:t>Is a package – must install via </a:t>
+            </a:r>
+            <a:r>
+              <a:rPr lang="en-US" dirty="0" err="1" smtClean="0"/>
+              <a:t>npm</a:t>
+            </a:r>
+            <a:endParaRPr lang="en-US" dirty="0" smtClean="0"/>
+          </a:p>
+          <a:p>
+            <a:r>
+              <a:rPr lang="en-US" dirty="0" smtClean="0"/>
+              <a:t>Handles URL routing, requests, and responses</a:t>
+            </a:r>
+          </a:p>
+          <a:p>
+            <a:r>
+              <a:rPr lang="en-US" dirty="0" smtClean="0"/>
+              <a:t>Is oriented around </a:t>
+            </a:r>
+            <a:r>
+              <a:rPr lang="en-US" dirty="0" err="1" smtClean="0"/>
+              <a:t>middlewares</a:t>
+            </a:r>
+            <a:r>
+              <a:rPr lang="en-US" dirty="0" smtClean="0"/>
+              <a:t> and handler functions</a:t>
+            </a:r>
+            <a:endParaRPr lang="en-US" dirty="0"/>
           </a:p>
         </p:txBody>
       </p:sp>
@@ -9712,7 +9659,7 @@
     </p:spTree>
     <p:extLst>
       <p:ext uri="{BB962C8B-B14F-4D97-AF65-F5344CB8AC3E}">
-        <p14:creationId xmlns:p14="http://schemas.microsoft.com/office/powerpoint/2010/main" val="221409737"/>
+        <p14:creationId xmlns:p14="http://schemas.microsoft.com/office/powerpoint/2010/main" val="1420142545"/>
       </p:ext>
     </p:extLst>
   </p:cSld>
@@ -9722,7 +9669,128 @@
   <p:timing>
     <p:tnLst>
       <p:par>
-        <p:cTn id="1" dur="indefinite" restart="never" nodeType="tmRoot"/>
+        <p:cTn id="1" dur="indefinite" restart="never" nodeType="tmRoot">
+          <p:childTnLst>
+            <p:seq concurrent="1" nextAc="seek">
+              <p:cTn id="2" dur="indefinite" nodeType="mainSeq">
+                <p:childTnLst>
+                  <p:par>
+                    <p:cTn id="3" fill="hold">
+                      <p:stCondLst>
+                        <p:cond delay="indefinite"/>
+                      </p:stCondLst>
+                      <p:childTnLst>
+                        <p:par>
+                          <p:cTn id="4" fill="hold">
+                            <p:stCondLst>
+                              <p:cond delay="0"/>
+                            </p:stCondLst>
+                            <p:childTnLst>
+                              <p:par>
+                                <p:cTn id="5" presetID="1" presetClass="entr" presetSubtype="0" fill="hold" nodeType="clickEffect">
+                                  <p:stCondLst>
+                                    <p:cond delay="0"/>
+                                  </p:stCondLst>
+                                  <p:childTnLst>
+                                    <p:set>
+                                      <p:cBhvr>
+                                        <p:cTn id="6" dur="1" fill="hold">
+                                          <p:stCondLst>
+                                            <p:cond delay="0"/>
+                                          </p:stCondLst>
+                                        </p:cTn>
+                                        <p:tgtEl>
+                                          <p:spTgt spid="3">
+                                            <p:txEl>
+                                              <p:pRg st="1" end="1"/>
+                                            </p:txEl>
+                                          </p:spTgt>
+                                        </p:tgtEl>
+                                        <p:attrNameLst>
+                                          <p:attrName>style.visibility</p:attrName>
+                                        </p:attrNameLst>
+                                      </p:cBhvr>
+                                      <p:to>
+                                        <p:strVal val="visible"/>
+                                      </p:to>
+                                    </p:set>
+                                  </p:childTnLst>
+                                </p:cTn>
+                              </p:par>
+                            </p:childTnLst>
+                          </p:cTn>
+                        </p:par>
+                      </p:childTnLst>
+                    </p:cTn>
+                  </p:par>
+                  <p:par>
+                    <p:cTn id="7" fill="hold">
+                      <p:stCondLst>
+                        <p:cond delay="indefinite"/>
+                      </p:stCondLst>
+                      <p:childTnLst>
+                        <p:par>
+                          <p:cTn id="8" fill="hold">
+                            <p:stCondLst>
+                              <p:cond delay="0"/>
+                            </p:stCondLst>
+                            <p:childTnLst>
+                              <p:par>
+                                <p:cTn id="9" presetID="1" presetClass="entr" presetSubtype="0" fill="hold" nodeType="clickEffect">
+                                  <p:stCondLst>
+                                    <p:cond delay="0"/>
+                                  </p:stCondLst>
+                                  <p:childTnLst>
+                                    <p:set>
+                                      <p:cBhvr>
+                                        <p:cTn id="10" dur="1" fill="hold">
+                                          <p:stCondLst>
+                                            <p:cond delay="0"/>
+                                          </p:stCondLst>
+                                        </p:cTn>
+                                        <p:tgtEl>
+                                          <p:spTgt spid="3">
+                                            <p:txEl>
+                                              <p:pRg st="2" end="2"/>
+                                            </p:txEl>
+                                          </p:spTgt>
+                                        </p:tgtEl>
+                                        <p:attrNameLst>
+                                          <p:attrName>style.visibility</p:attrName>
+                                        </p:attrNameLst>
+                                      </p:cBhvr>
+                                      <p:to>
+                                        <p:strVal val="visible"/>
+                                      </p:to>
+                                    </p:set>
+                                  </p:childTnLst>
+                                </p:cTn>
+                              </p:par>
+                            </p:childTnLst>
+                          </p:cTn>
+                        </p:par>
+                      </p:childTnLst>
+                    </p:cTn>
+                  </p:par>
+                </p:childTnLst>
+              </p:cTn>
+              <p:prevCondLst>
+                <p:cond evt="onPrev" delay="0">
+                  <p:tgtEl>
+                    <p:sldTgt/>
+                  </p:tgtEl>
+                </p:cond>
+              </p:prevCondLst>
+              <p:nextCondLst>
+                <p:cond evt="onNext" delay="0">
+                  <p:tgtEl>
+                    <p:sldTgt/>
+                  </p:tgtEl>
+                </p:cond>
+              </p:nextCondLst>
+            </p:seq>
+          </p:childTnLst>
+        </p:cTn>
       </p:par>
     </p:tnLst>
   </p:timing>
@@ -9763,9 +9831,849 @@
           <a:p>
             <a:r>
               <a:rPr lang="en-US" dirty="0" smtClean="0"/>
-              <a:t>Anatomy of an Express App</a:t>
+              <a:t>Hello World Express App</a:t>
             </a:r>
             <a:endParaRPr lang="en-US" dirty="0"/>
+          </a:p>
+        </p:txBody>
+      </p:sp>
+      <p:sp>
+        <p:nvSpPr>
+          <p:cNvPr id="3" name="Content Placeholder 2"/>
+          <p:cNvSpPr>
+            <a:spLocks noGrp="1"/>
+          </p:cNvSpPr>
+          <p:nvPr>
+            <p:ph idx="1"/>
+          </p:nvPr>
+        </p:nvSpPr>
+        <p:spPr>
+          <a:solidFill>
+            <a:srgbClr val="000000"/>
+          </a:solidFill>
+        </p:spPr>
+        <p:txBody>
+          <a:bodyPr>
+            <a:normAutofit fontScale="85000" lnSpcReduction="20000"/>
+          </a:bodyPr>
+          <a:lstStyle/>
+          <a:p>
+            <a:pPr marL="0" indent="0">
+              <a:buNone/>
+            </a:pPr>
+            <a:r>
+              <a:rPr lang="en-US" dirty="0" err="1">
+                <a:solidFill>
+                  <a:srgbClr val="66D9EF"/>
+                </a:solidFill>
+                <a:latin typeface="Menlo" charset="0"/>
+              </a:rPr>
+              <a:t>var</a:t>
+            </a:r>
+            <a:r>
+              <a:rPr lang="en-US" dirty="0">
+                <a:solidFill>
+                  <a:srgbClr val="F8F8F2"/>
+                </a:solidFill>
+                <a:latin typeface="Menlo" charset="0"/>
+              </a:rPr>
+              <a:t> </a:t>
+            </a:r>
+            <a:r>
+              <a:rPr lang="en-US" dirty="0">
+                <a:solidFill>
+                  <a:srgbClr val="A6E22E"/>
+                </a:solidFill>
+                <a:latin typeface="Menlo" charset="0"/>
+              </a:rPr>
+              <a:t>express</a:t>
+            </a:r>
+            <a:r>
+              <a:rPr lang="en-US" dirty="0">
+                <a:solidFill>
+                  <a:srgbClr val="F8F8F2"/>
+                </a:solidFill>
+                <a:latin typeface="Menlo" charset="0"/>
+              </a:rPr>
+              <a:t> </a:t>
+            </a:r>
+            <a:r>
+              <a:rPr lang="en-US" dirty="0">
+                <a:solidFill>
+                  <a:srgbClr val="F92672"/>
+                </a:solidFill>
+                <a:latin typeface="Menlo" charset="0"/>
+              </a:rPr>
+              <a:t>=</a:t>
+            </a:r>
+            <a:r>
+              <a:rPr lang="en-US" dirty="0">
+                <a:solidFill>
+                  <a:srgbClr val="F8F8F2"/>
+                </a:solidFill>
+                <a:latin typeface="Menlo" charset="0"/>
+              </a:rPr>
+              <a:t> </a:t>
+            </a:r>
+            <a:r>
+              <a:rPr lang="en-US" dirty="0">
+                <a:solidFill>
+                  <a:srgbClr val="A6E22E"/>
+                </a:solidFill>
+                <a:latin typeface="Menlo" charset="0"/>
+              </a:rPr>
+              <a:t>require</a:t>
+            </a:r>
+            <a:r>
+              <a:rPr lang="en-US" dirty="0">
+                <a:solidFill>
+                  <a:srgbClr val="F8F8F2"/>
+                </a:solidFill>
+                <a:latin typeface="Menlo" charset="0"/>
+              </a:rPr>
+              <a:t>(</a:t>
+            </a:r>
+            <a:r>
+              <a:rPr lang="en-US" dirty="0">
+                <a:solidFill>
+                  <a:srgbClr val="E6DB74"/>
+                </a:solidFill>
+                <a:latin typeface="Menlo" charset="0"/>
+              </a:rPr>
+              <a:t>'express'</a:t>
+            </a:r>
+            <a:r>
+              <a:rPr lang="en-US" dirty="0">
+                <a:solidFill>
+                  <a:srgbClr val="F8F8F2"/>
+                </a:solidFill>
+                <a:latin typeface="Menlo" charset="0"/>
+              </a:rPr>
+              <a:t>);</a:t>
+            </a:r>
+          </a:p>
+          <a:p>
+            <a:pPr marL="0" indent="0">
+              <a:buNone/>
+            </a:pPr>
+            <a:r>
+              <a:rPr lang="en-US" dirty="0" err="1">
+                <a:solidFill>
+                  <a:srgbClr val="66D9EF"/>
+                </a:solidFill>
+                <a:latin typeface="Menlo" charset="0"/>
+              </a:rPr>
+              <a:t>var</a:t>
+            </a:r>
+            <a:r>
+              <a:rPr lang="en-US" dirty="0">
+                <a:solidFill>
+                  <a:srgbClr val="F8F8F2"/>
+                </a:solidFill>
+                <a:latin typeface="Menlo" charset="0"/>
+              </a:rPr>
+              <a:t> </a:t>
+            </a:r>
+            <a:r>
+              <a:rPr lang="en-US" dirty="0">
+                <a:solidFill>
+                  <a:srgbClr val="A6E22E"/>
+                </a:solidFill>
+                <a:latin typeface="Menlo" charset="0"/>
+              </a:rPr>
+              <a:t>app</a:t>
+            </a:r>
+            <a:r>
+              <a:rPr lang="en-US" dirty="0">
+                <a:solidFill>
+                  <a:srgbClr val="F8F8F2"/>
+                </a:solidFill>
+                <a:latin typeface="Menlo" charset="0"/>
+              </a:rPr>
+              <a:t> </a:t>
+            </a:r>
+            <a:r>
+              <a:rPr lang="en-US" dirty="0">
+                <a:solidFill>
+                  <a:srgbClr val="F92672"/>
+                </a:solidFill>
+                <a:latin typeface="Menlo" charset="0"/>
+              </a:rPr>
+              <a:t>=</a:t>
+            </a:r>
+            <a:r>
+              <a:rPr lang="en-US" dirty="0">
+                <a:solidFill>
+                  <a:srgbClr val="F8F8F2"/>
+                </a:solidFill>
+                <a:latin typeface="Menlo" charset="0"/>
+              </a:rPr>
+              <a:t> </a:t>
+            </a:r>
+            <a:r>
+              <a:rPr lang="en-US" dirty="0">
+                <a:solidFill>
+                  <a:srgbClr val="A6E22E"/>
+                </a:solidFill>
+                <a:latin typeface="Menlo" charset="0"/>
+              </a:rPr>
+              <a:t>express</a:t>
+            </a:r>
+            <a:r>
+              <a:rPr lang="en-US" dirty="0">
+                <a:solidFill>
+                  <a:srgbClr val="F8F8F2"/>
+                </a:solidFill>
+                <a:latin typeface="Menlo" charset="0"/>
+              </a:rPr>
+              <a:t>();</a:t>
+            </a:r>
+          </a:p>
+          <a:p>
+            <a:pPr marL="0" indent="0">
+              <a:buNone/>
+            </a:pPr>
+            <a:r>
+              <a:rPr lang="en-US" dirty="0" err="1">
+                <a:solidFill>
+                  <a:srgbClr val="66D9EF"/>
+                </a:solidFill>
+                <a:latin typeface="Menlo" charset="0"/>
+              </a:rPr>
+              <a:t>var</a:t>
+            </a:r>
+            <a:r>
+              <a:rPr lang="en-US" dirty="0">
+                <a:solidFill>
+                  <a:srgbClr val="F8F8F2"/>
+                </a:solidFill>
+                <a:latin typeface="Menlo" charset="0"/>
+              </a:rPr>
+              <a:t> </a:t>
+            </a:r>
+            <a:r>
+              <a:rPr lang="en-US" dirty="0">
+                <a:solidFill>
+                  <a:srgbClr val="A6E22E"/>
+                </a:solidFill>
+                <a:latin typeface="Menlo" charset="0"/>
+              </a:rPr>
+              <a:t>port</a:t>
+            </a:r>
+            <a:r>
+              <a:rPr lang="en-US" dirty="0">
+                <a:solidFill>
+                  <a:srgbClr val="F8F8F2"/>
+                </a:solidFill>
+                <a:latin typeface="Menlo" charset="0"/>
+              </a:rPr>
+              <a:t> </a:t>
+            </a:r>
+            <a:r>
+              <a:rPr lang="en-US" dirty="0">
+                <a:solidFill>
+                  <a:srgbClr val="F92672"/>
+                </a:solidFill>
+                <a:latin typeface="Menlo" charset="0"/>
+              </a:rPr>
+              <a:t>=</a:t>
+            </a:r>
+            <a:r>
+              <a:rPr lang="en-US" dirty="0">
+                <a:solidFill>
+                  <a:srgbClr val="F8F8F2"/>
+                </a:solidFill>
+                <a:latin typeface="Menlo" charset="0"/>
+              </a:rPr>
+              <a:t> </a:t>
+            </a:r>
+            <a:r>
+              <a:rPr lang="en-US" dirty="0" err="1">
+                <a:solidFill>
+                  <a:srgbClr val="A6E22E"/>
+                </a:solidFill>
+                <a:latin typeface="Menlo" charset="0"/>
+              </a:rPr>
+              <a:t>process</a:t>
+            </a:r>
+            <a:r>
+              <a:rPr lang="en-US" dirty="0" err="1">
+                <a:solidFill>
+                  <a:srgbClr val="F8F8F2"/>
+                </a:solidFill>
+                <a:latin typeface="Menlo" charset="0"/>
+              </a:rPr>
+              <a:t>.</a:t>
+            </a:r>
+            <a:r>
+              <a:rPr lang="en-US" dirty="0" err="1">
+                <a:solidFill>
+                  <a:srgbClr val="A6E22E"/>
+                </a:solidFill>
+                <a:latin typeface="Menlo" charset="0"/>
+              </a:rPr>
+              <a:t>env</a:t>
+            </a:r>
+            <a:r>
+              <a:rPr lang="en-US" dirty="0" err="1">
+                <a:solidFill>
+                  <a:srgbClr val="F8F8F2"/>
+                </a:solidFill>
+                <a:latin typeface="Menlo" charset="0"/>
+              </a:rPr>
+              <a:t>.</a:t>
+            </a:r>
+            <a:r>
+              <a:rPr lang="en-US" dirty="0" err="1">
+                <a:solidFill>
+                  <a:srgbClr val="A6E22E"/>
+                </a:solidFill>
+                <a:latin typeface="Menlo" charset="0"/>
+              </a:rPr>
+              <a:t>PORT</a:t>
+            </a:r>
+            <a:r>
+              <a:rPr lang="en-US" dirty="0">
+                <a:solidFill>
+                  <a:srgbClr val="F8F8F2"/>
+                </a:solidFill>
+                <a:latin typeface="Menlo" charset="0"/>
+              </a:rPr>
+              <a:t> </a:t>
+            </a:r>
+            <a:r>
+              <a:rPr lang="en-US" dirty="0">
+                <a:solidFill>
+                  <a:srgbClr val="F92672"/>
+                </a:solidFill>
+                <a:latin typeface="Menlo" charset="0"/>
+              </a:rPr>
+              <a:t>||</a:t>
+            </a:r>
+            <a:r>
+              <a:rPr lang="en-US" dirty="0">
+                <a:solidFill>
+                  <a:srgbClr val="F8F8F2"/>
+                </a:solidFill>
+                <a:latin typeface="Menlo" charset="0"/>
+              </a:rPr>
+              <a:t> </a:t>
+            </a:r>
+            <a:r>
+              <a:rPr lang="en-US" dirty="0">
+                <a:solidFill>
+                  <a:srgbClr val="AE81FF"/>
+                </a:solidFill>
+                <a:latin typeface="Menlo" charset="0"/>
+              </a:rPr>
+              <a:t>3000</a:t>
+            </a:r>
+            <a:r>
+              <a:rPr lang="en-US" dirty="0">
+                <a:solidFill>
+                  <a:srgbClr val="F8F8F2"/>
+                </a:solidFill>
+                <a:latin typeface="Menlo" charset="0"/>
+              </a:rPr>
+              <a:t>;</a:t>
+            </a:r>
+          </a:p>
+          <a:p>
+            <a:pPr marL="0" indent="0">
+              <a:buNone/>
+            </a:pPr>
+            <a:r>
+              <a:rPr lang="en-US" dirty="0" err="1">
+                <a:solidFill>
+                  <a:srgbClr val="A6E22E"/>
+                </a:solidFill>
+                <a:latin typeface="Menlo" charset="0"/>
+              </a:rPr>
+              <a:t>app</a:t>
+            </a:r>
+            <a:r>
+              <a:rPr lang="en-US" dirty="0" err="1">
+                <a:solidFill>
+                  <a:srgbClr val="F8F8F2"/>
+                </a:solidFill>
+                <a:latin typeface="Menlo" charset="0"/>
+              </a:rPr>
+              <a:t>.</a:t>
+            </a:r>
+            <a:r>
+              <a:rPr lang="en-US" dirty="0" err="1">
+                <a:solidFill>
+                  <a:srgbClr val="A6E22E"/>
+                </a:solidFill>
+                <a:latin typeface="Menlo" charset="0"/>
+              </a:rPr>
+              <a:t>get</a:t>
+            </a:r>
+            <a:r>
+              <a:rPr lang="en-US" dirty="0">
+                <a:solidFill>
+                  <a:srgbClr val="F8F8F2"/>
+                </a:solidFill>
+                <a:latin typeface="Menlo" charset="0"/>
+              </a:rPr>
+              <a:t>(</a:t>
+            </a:r>
+            <a:r>
+              <a:rPr lang="en-US" dirty="0">
+                <a:solidFill>
+                  <a:srgbClr val="E6DB74"/>
+                </a:solidFill>
+                <a:latin typeface="Menlo" charset="0"/>
+              </a:rPr>
+              <a:t>'/'</a:t>
+            </a:r>
+            <a:r>
+              <a:rPr lang="en-US" dirty="0">
+                <a:solidFill>
+                  <a:srgbClr val="F8F8F2"/>
+                </a:solidFill>
+                <a:latin typeface="Menlo" charset="0"/>
+              </a:rPr>
+              <a:t>, </a:t>
+            </a:r>
+            <a:r>
+              <a:rPr lang="en-US" dirty="0">
+                <a:solidFill>
+                  <a:srgbClr val="66D9EF"/>
+                </a:solidFill>
+                <a:latin typeface="Menlo" charset="0"/>
+              </a:rPr>
+              <a:t>function</a:t>
+            </a:r>
+            <a:r>
+              <a:rPr lang="en-US" dirty="0">
+                <a:solidFill>
+                  <a:srgbClr val="F8F8F2"/>
+                </a:solidFill>
+                <a:latin typeface="Menlo" charset="0"/>
+              </a:rPr>
+              <a:t> (</a:t>
+            </a:r>
+            <a:r>
+              <a:rPr lang="en-US" dirty="0" err="1">
+                <a:solidFill>
+                  <a:srgbClr val="A6E22E"/>
+                </a:solidFill>
+                <a:latin typeface="Menlo" charset="0"/>
+              </a:rPr>
+              <a:t>req</a:t>
+            </a:r>
+            <a:r>
+              <a:rPr lang="en-US" dirty="0">
+                <a:solidFill>
+                  <a:srgbClr val="F8F8F2"/>
+                </a:solidFill>
+                <a:latin typeface="Menlo" charset="0"/>
+              </a:rPr>
+              <a:t>, </a:t>
+            </a:r>
+            <a:r>
+              <a:rPr lang="en-US" dirty="0">
+                <a:solidFill>
+                  <a:srgbClr val="A6E22E"/>
+                </a:solidFill>
+                <a:latin typeface="Menlo" charset="0"/>
+              </a:rPr>
+              <a:t>res</a:t>
+            </a:r>
+            <a:r>
+              <a:rPr lang="en-US" dirty="0">
+                <a:solidFill>
+                  <a:srgbClr val="F8F8F2"/>
+                </a:solidFill>
+                <a:latin typeface="Menlo" charset="0"/>
+              </a:rPr>
+              <a:t>) {</a:t>
+            </a:r>
+          </a:p>
+          <a:p>
+            <a:pPr marL="0" indent="0">
+              <a:buNone/>
+            </a:pPr>
+            <a:r>
+              <a:rPr lang="en-US" dirty="0">
+                <a:solidFill>
+                  <a:srgbClr val="F8F8F2"/>
+                </a:solidFill>
+                <a:latin typeface="Menlo" charset="0"/>
+              </a:rPr>
+              <a:t>  </a:t>
+            </a:r>
+            <a:r>
+              <a:rPr lang="en-US" dirty="0">
+                <a:solidFill>
+                  <a:srgbClr val="66D9EF"/>
+                </a:solidFill>
+                <a:latin typeface="Menlo" charset="0"/>
+              </a:rPr>
+              <a:t>return</a:t>
+            </a:r>
+            <a:r>
+              <a:rPr lang="en-US" dirty="0">
+                <a:solidFill>
+                  <a:srgbClr val="F8F8F2"/>
+                </a:solidFill>
+                <a:latin typeface="Menlo" charset="0"/>
+              </a:rPr>
+              <a:t> </a:t>
+            </a:r>
+            <a:r>
+              <a:rPr lang="en-US" dirty="0" err="1">
+                <a:solidFill>
+                  <a:srgbClr val="A6E22E"/>
+                </a:solidFill>
+                <a:latin typeface="Menlo" charset="0"/>
+              </a:rPr>
+              <a:t>res</a:t>
+            </a:r>
+            <a:r>
+              <a:rPr lang="en-US" dirty="0" err="1">
+                <a:solidFill>
+                  <a:srgbClr val="F8F8F2"/>
+                </a:solidFill>
+                <a:latin typeface="Menlo" charset="0"/>
+              </a:rPr>
+              <a:t>.</a:t>
+            </a:r>
+            <a:r>
+              <a:rPr lang="en-US" dirty="0" err="1">
+                <a:solidFill>
+                  <a:srgbClr val="A6E22E"/>
+                </a:solidFill>
+                <a:latin typeface="Menlo" charset="0"/>
+              </a:rPr>
+              <a:t>send</a:t>
+            </a:r>
+            <a:r>
+              <a:rPr lang="en-US" dirty="0">
+                <a:solidFill>
+                  <a:srgbClr val="F8F8F2"/>
+                </a:solidFill>
+                <a:latin typeface="Menlo" charset="0"/>
+              </a:rPr>
+              <a:t>(</a:t>
+            </a:r>
+            <a:r>
+              <a:rPr lang="en-US" dirty="0">
+                <a:solidFill>
+                  <a:srgbClr val="E6DB74"/>
+                </a:solidFill>
+                <a:latin typeface="Menlo" charset="0"/>
+              </a:rPr>
+              <a:t>'hello world!'</a:t>
+            </a:r>
+            <a:r>
+              <a:rPr lang="en-US" dirty="0">
+                <a:solidFill>
+                  <a:srgbClr val="F8F8F2"/>
+                </a:solidFill>
+                <a:latin typeface="Menlo" charset="0"/>
+              </a:rPr>
+              <a:t>);</a:t>
+            </a:r>
+          </a:p>
+          <a:p>
+            <a:pPr marL="0" indent="0">
+              <a:buNone/>
+            </a:pPr>
+            <a:r>
+              <a:rPr lang="it-IT" dirty="0">
+                <a:solidFill>
+                  <a:srgbClr val="F8F8F2"/>
+                </a:solidFill>
+                <a:latin typeface="Menlo" charset="0"/>
+              </a:rPr>
+              <a:t>});</a:t>
+            </a:r>
+          </a:p>
+          <a:p>
+            <a:pPr marL="0" indent="0">
+              <a:buNone/>
+            </a:pPr>
+            <a:r>
+              <a:rPr lang="it-IT" dirty="0">
+                <a:solidFill>
+                  <a:srgbClr val="75715E"/>
+                </a:solidFill>
+                <a:latin typeface="Menlo" charset="0"/>
+              </a:rPr>
+              <a:t>// Start </a:t>
+            </a:r>
+            <a:r>
+              <a:rPr lang="it-IT" dirty="0" err="1">
+                <a:solidFill>
+                  <a:srgbClr val="75715E"/>
+                </a:solidFill>
+                <a:latin typeface="Menlo" charset="0"/>
+              </a:rPr>
+              <a:t>listening</a:t>
+            </a:r>
+            <a:r>
+              <a:rPr lang="it-IT" dirty="0">
+                <a:solidFill>
+                  <a:srgbClr val="75715E"/>
+                </a:solidFill>
+                <a:latin typeface="Menlo" charset="0"/>
+              </a:rPr>
+              <a:t> for </a:t>
+            </a:r>
+            <a:r>
+              <a:rPr lang="it-IT" dirty="0" err="1">
+                <a:solidFill>
+                  <a:srgbClr val="75715E"/>
+                </a:solidFill>
+                <a:latin typeface="Menlo" charset="0"/>
+              </a:rPr>
+              <a:t>requests</a:t>
+            </a:r>
+            <a:endParaRPr lang="it-IT" dirty="0">
+              <a:solidFill>
+                <a:srgbClr val="75715E"/>
+              </a:solidFill>
+              <a:latin typeface="Menlo" charset="0"/>
+            </a:endParaRPr>
+          </a:p>
+          <a:p>
+            <a:pPr marL="0" indent="0">
+              <a:buNone/>
+            </a:pPr>
+            <a:r>
+              <a:rPr lang="it-IT" dirty="0" err="1">
+                <a:solidFill>
+                  <a:srgbClr val="A6E22E"/>
+                </a:solidFill>
+                <a:latin typeface="Menlo" charset="0"/>
+              </a:rPr>
+              <a:t>app</a:t>
+            </a:r>
+            <a:r>
+              <a:rPr lang="it-IT" dirty="0" err="1">
+                <a:solidFill>
+                  <a:srgbClr val="F8F8F2"/>
+                </a:solidFill>
+                <a:latin typeface="Menlo" charset="0"/>
+              </a:rPr>
+              <a:t>.</a:t>
+            </a:r>
+            <a:r>
+              <a:rPr lang="it-IT" dirty="0" err="1">
+                <a:solidFill>
+                  <a:srgbClr val="A6E22E"/>
+                </a:solidFill>
+                <a:latin typeface="Menlo" charset="0"/>
+              </a:rPr>
+              <a:t>listen</a:t>
+            </a:r>
+            <a:r>
+              <a:rPr lang="it-IT" dirty="0">
+                <a:solidFill>
+                  <a:srgbClr val="F8F8F2"/>
+                </a:solidFill>
+                <a:latin typeface="Menlo" charset="0"/>
+              </a:rPr>
+              <a:t>(</a:t>
+            </a:r>
+            <a:r>
+              <a:rPr lang="it-IT" dirty="0" err="1">
+                <a:solidFill>
+                  <a:srgbClr val="A6E22E"/>
+                </a:solidFill>
+                <a:latin typeface="Menlo" charset="0"/>
+              </a:rPr>
+              <a:t>port</a:t>
+            </a:r>
+            <a:r>
+              <a:rPr lang="it-IT" dirty="0">
+                <a:solidFill>
+                  <a:srgbClr val="F8F8F2"/>
+                </a:solidFill>
+                <a:latin typeface="Menlo" charset="0"/>
+              </a:rPr>
+              <a:t>, </a:t>
+            </a:r>
+            <a:r>
+              <a:rPr lang="it-IT" dirty="0" err="1">
+                <a:solidFill>
+                  <a:srgbClr val="66D9EF"/>
+                </a:solidFill>
+                <a:latin typeface="Menlo" charset="0"/>
+              </a:rPr>
+              <a:t>function</a:t>
+            </a:r>
+            <a:r>
+              <a:rPr lang="it-IT" dirty="0">
+                <a:solidFill>
+                  <a:srgbClr val="F8F8F2"/>
+                </a:solidFill>
+                <a:latin typeface="Menlo" charset="0"/>
+              </a:rPr>
+              <a:t> () {</a:t>
+            </a:r>
+          </a:p>
+          <a:p>
+            <a:pPr marL="0" indent="0">
+              <a:buNone/>
+            </a:pPr>
+            <a:r>
+              <a:rPr lang="it-IT" dirty="0">
+                <a:solidFill>
+                  <a:srgbClr val="F8F8F2"/>
+                </a:solidFill>
+                <a:latin typeface="Menlo" charset="0"/>
+              </a:rPr>
+              <a:t>  </a:t>
+            </a:r>
+            <a:r>
+              <a:rPr lang="it-IT" dirty="0" err="1">
+                <a:solidFill>
+                  <a:srgbClr val="A6E22E"/>
+                </a:solidFill>
+                <a:latin typeface="Menlo" charset="0"/>
+              </a:rPr>
+              <a:t>console</a:t>
+            </a:r>
+            <a:r>
+              <a:rPr lang="it-IT" dirty="0" err="1">
+                <a:solidFill>
+                  <a:srgbClr val="F8F8F2"/>
+                </a:solidFill>
+                <a:latin typeface="Menlo" charset="0"/>
+              </a:rPr>
+              <a:t>.</a:t>
+            </a:r>
+            <a:r>
+              <a:rPr lang="it-IT" dirty="0" err="1">
+                <a:solidFill>
+                  <a:srgbClr val="A6E22E"/>
+                </a:solidFill>
+                <a:latin typeface="Menlo" charset="0"/>
+              </a:rPr>
+              <a:t>log</a:t>
+            </a:r>
+            <a:r>
+              <a:rPr lang="it-IT" dirty="0">
+                <a:solidFill>
+                  <a:srgbClr val="F8F8F2"/>
+                </a:solidFill>
+                <a:latin typeface="Menlo" charset="0"/>
+              </a:rPr>
+              <a:t>(</a:t>
+            </a:r>
+            <a:r>
+              <a:rPr lang="it-IT" dirty="0">
+                <a:solidFill>
+                  <a:srgbClr val="E6DB74"/>
+                </a:solidFill>
+                <a:latin typeface="Menlo" charset="0"/>
+              </a:rPr>
+              <a:t>'</a:t>
+            </a:r>
+            <a:r>
+              <a:rPr lang="it-IT" dirty="0" err="1">
+                <a:solidFill>
+                  <a:srgbClr val="E6DB74"/>
+                </a:solidFill>
+                <a:latin typeface="Menlo" charset="0"/>
+              </a:rPr>
+              <a:t>Listening</a:t>
+            </a:r>
+            <a:r>
+              <a:rPr lang="it-IT" dirty="0">
+                <a:solidFill>
+                  <a:srgbClr val="E6DB74"/>
+                </a:solidFill>
+                <a:latin typeface="Menlo" charset="0"/>
+              </a:rPr>
+              <a:t> on </a:t>
+            </a:r>
+            <a:r>
+              <a:rPr lang="it-IT" dirty="0" err="1">
+                <a:solidFill>
+                  <a:srgbClr val="E6DB74"/>
+                </a:solidFill>
+                <a:latin typeface="Menlo" charset="0"/>
+              </a:rPr>
+              <a:t>port</a:t>
+            </a:r>
+            <a:r>
+              <a:rPr lang="it-IT" dirty="0">
+                <a:solidFill>
+                  <a:srgbClr val="E6DB74"/>
+                </a:solidFill>
+                <a:latin typeface="Menlo" charset="0"/>
+              </a:rPr>
+              <a:t> '</a:t>
+            </a:r>
+            <a:r>
+              <a:rPr lang="it-IT" dirty="0">
+                <a:solidFill>
+                  <a:srgbClr val="F8F8F2"/>
+                </a:solidFill>
+                <a:latin typeface="Menlo" charset="0"/>
+              </a:rPr>
+              <a:t> </a:t>
+            </a:r>
+            <a:r>
+              <a:rPr lang="it-IT" dirty="0">
+                <a:solidFill>
+                  <a:srgbClr val="F92672"/>
+                </a:solidFill>
+                <a:latin typeface="Menlo" charset="0"/>
+              </a:rPr>
+              <a:t>+</a:t>
+            </a:r>
+            <a:r>
+              <a:rPr lang="it-IT" dirty="0">
+                <a:solidFill>
+                  <a:srgbClr val="F8F8F2"/>
+                </a:solidFill>
+                <a:latin typeface="Menlo" charset="0"/>
+              </a:rPr>
+              <a:t> </a:t>
+            </a:r>
+            <a:r>
+              <a:rPr lang="it-IT" dirty="0" err="1">
+                <a:solidFill>
+                  <a:srgbClr val="A6E22E"/>
+                </a:solidFill>
+                <a:latin typeface="Menlo" charset="0"/>
+              </a:rPr>
+              <a:t>port</a:t>
+            </a:r>
+            <a:r>
+              <a:rPr lang="it-IT" dirty="0">
+                <a:solidFill>
+                  <a:srgbClr val="F8F8F2"/>
+                </a:solidFill>
+                <a:latin typeface="Menlo" charset="0"/>
+              </a:rPr>
+              <a:t>);</a:t>
+            </a:r>
+          </a:p>
+          <a:p>
+            <a:pPr marL="0" indent="0">
+              <a:buNone/>
+            </a:pPr>
+            <a:r>
+              <a:rPr lang="it-IT" dirty="0" smtClean="0">
+                <a:solidFill>
+                  <a:srgbClr val="F8F8F2"/>
+                </a:solidFill>
+                <a:latin typeface="Menlo" charset="0"/>
+              </a:rPr>
+              <a:t>});</a:t>
+            </a:r>
+            <a:endParaRPr lang="it-IT" dirty="0">
+              <a:solidFill>
+                <a:srgbClr val="F8F8F2"/>
+              </a:solidFill>
+              <a:latin typeface="Menlo" charset="0"/>
+            </a:endParaRPr>
           </a:p>
         </p:txBody>
       </p:sp>
@@ -9810,6 +10718,112 @@
             <a:fld id="{BE7B5DD7-0E96-E44E-B777-0B9A5C3419CF}" type="slidenum">
               <a:rPr lang="en-US" smtClean="0"/>
               <a:t>25</a:t>
+            </a:fld>
+            <a:endParaRPr lang="en-US"/>
+          </a:p>
+        </p:txBody>
+      </p:sp>
+    </p:spTree>
+    <p:extLst>
+      <p:ext uri="{BB962C8B-B14F-4D97-AF65-F5344CB8AC3E}">
+        <p14:creationId xmlns:p14="http://schemas.microsoft.com/office/powerpoint/2010/main" val="221409737"/>
+      </p:ext>
+    </p:extLst>
+  </p:cSld>
+  <p:clrMapOvr>
+    <a:masterClrMapping/>
+  </p:clrMapOvr>
+  <p:timing>
+    <p:tnLst>
+      <p:par>
+        <p:cTn id="1" dur="indefinite" restart="never" nodeType="tmRoot"/>
+      </p:par>
+    </p:tnLst>
+  </p:timing>
+</p:sld>
+</file>
+
+<file path=ppt/slides/slide26.xml><?xml version="1.0" encoding="utf-8"?>
+<p:sld xmlns:a="http://schemas.openxmlformats.org/drawingml/2006/main" xmlns:r="http://schemas.openxmlformats.org/officeDocument/2006/relationships" xmlns:p="http://schemas.openxmlformats.org/presentationml/2006/main">
+  <p:cSld>
+    <p:spTree>
+      <p:nvGrpSpPr>
+        <p:cNvPr id="1" name=""/>
+        <p:cNvGrpSpPr/>
+        <p:nvPr/>
+      </p:nvGrpSpPr>
+      <p:grpSpPr>
+        <a:xfrm>
+          <a:off x="0" y="0"/>
+          <a:ext cx="0" cy="0"/>
+          <a:chOff x="0" y="0"/>
+          <a:chExt cx="0" cy="0"/>
+        </a:xfrm>
+      </p:grpSpPr>
+      <p:sp>
+        <p:nvSpPr>
+          <p:cNvPr id="2" name="Title 1"/>
+          <p:cNvSpPr>
+            <a:spLocks noGrp="1"/>
+          </p:cNvSpPr>
+          <p:nvPr>
+            <p:ph type="title"/>
+          </p:nvPr>
+        </p:nvSpPr>
+        <p:spPr/>
+        <p:txBody>
+          <a:bodyPr/>
+          <a:lstStyle/>
+          <a:p>
+            <a:r>
+              <a:rPr lang="en-US" dirty="0" smtClean="0"/>
+              <a:t>Anatomy of an Express App</a:t>
+            </a:r>
+            <a:endParaRPr lang="en-US" dirty="0"/>
+          </a:p>
+        </p:txBody>
+      </p:sp>
+      <p:sp>
+        <p:nvSpPr>
+          <p:cNvPr id="4" name="Footer Placeholder 3"/>
+          <p:cNvSpPr>
+            <a:spLocks noGrp="1"/>
+          </p:cNvSpPr>
+          <p:nvPr>
+            <p:ph type="ftr" sz="quarter" idx="11"/>
+          </p:nvPr>
+        </p:nvSpPr>
+        <p:spPr/>
+        <p:txBody>
+          <a:bodyPr/>
+          <a:lstStyle/>
+          <a:p>
+            <a:r>
+              <a:rPr lang="de-DE" smtClean="0"/>
+              <a:t>All slides can be found at pennapps-nodejs-workshop.herokuapp.com</a:t>
+            </a:r>
+            <a:endParaRPr lang="en-US"/>
+          </a:p>
+        </p:txBody>
+      </p:sp>
+      <p:sp>
+        <p:nvSpPr>
+          <p:cNvPr id="5" name="Slide Number Placeholder 4"/>
+          <p:cNvSpPr>
+            <a:spLocks noGrp="1"/>
+          </p:cNvSpPr>
+          <p:nvPr>
+            <p:ph type="sldNum" sz="quarter" idx="12"/>
+          </p:nvPr>
+        </p:nvSpPr>
+        <p:spPr/>
+        <p:txBody>
+          <a:bodyPr/>
+          <a:lstStyle/>
+          <a:p>
+            <a:fld id="{BE7B5DD7-0E96-E44E-B777-0B9A5C3419CF}" type="slidenum">
+              <a:rPr lang="en-US" smtClean="0"/>
+              <a:t>26</a:t>
             </a:fld>
             <a:endParaRPr lang="en-US"/>
           </a:p>
@@ -9859,7 +10873,7 @@
 </p:sld>
 </file>
 
-<file path=ppt/slides/slide26.xml><?xml version="1.0" encoding="utf-8"?>
+<file path=ppt/slides/slide27.xml><?xml version="1.0" encoding="utf-8"?>
 <p:sld xmlns:a="http://schemas.openxmlformats.org/drawingml/2006/main" xmlns:r="http://schemas.openxmlformats.org/officeDocument/2006/relationships" xmlns:p="http://schemas.openxmlformats.org/presentationml/2006/main">
   <p:cSld>
     <p:spTree>
@@ -10168,7 +11182,7 @@
           <a:p>
             <a:fld id="{BE7B5DD7-0E96-E44E-B777-0B9A5C3419CF}" type="slidenum">
               <a:rPr lang="en-US" smtClean="0"/>
-              <a:t>26</a:t>
+              <a:t>27</a:t>
             </a:fld>
             <a:endParaRPr lang="en-US"/>
           </a:p>
@@ -10637,7 +11651,7 @@
 </p:sld>
 </file>
 
-<file path=ppt/slides/slide27.xml><?xml version="1.0" encoding="utf-8"?>
+<file path=ppt/slides/slide28.xml><?xml version="1.0" encoding="utf-8"?>
 <p:sld xmlns:a="http://schemas.openxmlformats.org/drawingml/2006/main" xmlns:r="http://schemas.openxmlformats.org/officeDocument/2006/relationships" xmlns:p="http://schemas.openxmlformats.org/presentationml/2006/main">
   <p:cSld>
     <p:spTree>
@@ -10772,7 +11786,7 @@
           <a:p>
             <a:fld id="{BE7B5DD7-0E96-E44E-B777-0B9A5C3419CF}" type="slidenum">
               <a:rPr lang="en-US" smtClean="0"/>
-              <a:t>27</a:t>
+              <a:t>28</a:t>
             </a:fld>
             <a:endParaRPr lang="en-US"/>
           </a:p>
@@ -11038,7 +12052,7 @@
 </p:sld>
 </file>
 
-<file path=ppt/slides/slide28.xml><?xml version="1.0" encoding="utf-8"?>
+<file path=ppt/slides/slide29.xml><?xml version="1.0" encoding="utf-8"?>
 <p:sld xmlns:a="http://schemas.openxmlformats.org/drawingml/2006/main" xmlns:r="http://schemas.openxmlformats.org/officeDocument/2006/relationships" xmlns:p="http://schemas.openxmlformats.org/presentationml/2006/main">
   <p:cSld>
     <p:spTree>
@@ -11161,7 +12175,7 @@
           <a:p>
             <a:fld id="{BE7B5DD7-0E96-E44E-B777-0B9A5C3419CF}" type="slidenum">
               <a:rPr lang="en-US" smtClean="0"/>
-              <a:t>28</a:t>
+              <a:t>29</a:t>
             </a:fld>
             <a:endParaRPr lang="en-US"/>
           </a:p>
@@ -11308,756 +12322,6 @@
 </p:sld>
 </file>
 
-<file path=ppt/slides/slide29.xml><?xml version="1.0" encoding="utf-8"?>
-<p:sld xmlns:a="http://schemas.openxmlformats.org/drawingml/2006/main" xmlns:r="http://schemas.openxmlformats.org/officeDocument/2006/relationships" xmlns:p="http://schemas.openxmlformats.org/presentationml/2006/main">
-  <p:cSld>
-    <p:spTree>
-      <p:nvGrpSpPr>
-        <p:cNvPr id="1" name=""/>
-        <p:cNvGrpSpPr/>
-        <p:nvPr/>
-      </p:nvGrpSpPr>
-      <p:grpSpPr>
-        <a:xfrm>
-          <a:off x="0" y="0"/>
-          <a:ext cx="0" cy="0"/>
-          <a:chOff x="0" y="0"/>
-          <a:chExt cx="0" cy="0"/>
-        </a:xfrm>
-      </p:grpSpPr>
-      <p:sp>
-        <p:nvSpPr>
-          <p:cNvPr id="2" name="Title 1"/>
-          <p:cNvSpPr>
-            <a:spLocks noGrp="1"/>
-          </p:cNvSpPr>
-          <p:nvPr>
-            <p:ph type="title"/>
-          </p:nvPr>
-        </p:nvSpPr>
-        <p:spPr/>
-        <p:txBody>
-          <a:bodyPr/>
-          <a:lstStyle/>
-          <a:p>
-            <a:r>
-              <a:rPr lang="en-US" dirty="0" smtClean="0"/>
-              <a:t>Router Example</a:t>
-            </a:r>
-            <a:endParaRPr lang="en-US" dirty="0"/>
-          </a:p>
-        </p:txBody>
-      </p:sp>
-      <p:sp>
-        <p:nvSpPr>
-          <p:cNvPr id="3" name="Content Placeholder 2"/>
-          <p:cNvSpPr>
-            <a:spLocks noGrp="1"/>
-          </p:cNvSpPr>
-          <p:nvPr>
-            <p:ph idx="1"/>
-          </p:nvPr>
-        </p:nvSpPr>
-        <p:spPr>
-          <a:xfrm>
-            <a:off x="457200" y="1828800"/>
-            <a:ext cx="8229600" cy="4114800"/>
-          </a:xfrm>
-          <a:solidFill>
-            <a:srgbClr val="000000"/>
-          </a:solidFill>
-        </p:spPr>
-        <p:txBody>
-          <a:bodyPr>
-            <a:normAutofit fontScale="77500" lnSpcReduction="20000"/>
-          </a:bodyPr>
-          <a:lstStyle/>
-          <a:p>
-            <a:pPr marL="0" indent="0">
-              <a:buNone/>
-            </a:pPr>
-            <a:r>
-              <a:rPr lang="en-US" dirty="0" err="1">
-                <a:solidFill>
-                  <a:srgbClr val="66D9EF"/>
-                </a:solidFill>
-                <a:latin typeface="Menlo" charset="0"/>
-              </a:rPr>
-              <a:t>var</a:t>
-            </a:r>
-            <a:r>
-              <a:rPr lang="en-US" dirty="0">
-                <a:solidFill>
-                  <a:srgbClr val="F8F8F2"/>
-                </a:solidFill>
-                <a:latin typeface="Menlo" charset="0"/>
-              </a:rPr>
-              <a:t> </a:t>
-            </a:r>
-            <a:r>
-              <a:rPr lang="en-US" dirty="0">
-                <a:solidFill>
-                  <a:srgbClr val="A6E22E"/>
-                </a:solidFill>
-                <a:latin typeface="Menlo" charset="0"/>
-              </a:rPr>
-              <a:t>router</a:t>
-            </a:r>
-            <a:r>
-              <a:rPr lang="en-US" dirty="0">
-                <a:solidFill>
-                  <a:srgbClr val="F8F8F2"/>
-                </a:solidFill>
-                <a:latin typeface="Menlo" charset="0"/>
-              </a:rPr>
-              <a:t> </a:t>
-            </a:r>
-            <a:r>
-              <a:rPr lang="en-US" dirty="0">
-                <a:solidFill>
-                  <a:srgbClr val="F92672"/>
-                </a:solidFill>
-                <a:latin typeface="Menlo" charset="0"/>
-              </a:rPr>
-              <a:t>=</a:t>
-            </a:r>
-            <a:r>
-              <a:rPr lang="en-US" dirty="0">
-                <a:solidFill>
-                  <a:srgbClr val="F8F8F2"/>
-                </a:solidFill>
-                <a:latin typeface="Menlo" charset="0"/>
-              </a:rPr>
-              <a:t> </a:t>
-            </a:r>
-            <a:r>
-              <a:rPr lang="en-US" dirty="0" err="1">
-                <a:solidFill>
-                  <a:srgbClr val="A6E22E"/>
-                </a:solidFill>
-                <a:latin typeface="Menlo" charset="0"/>
-              </a:rPr>
-              <a:t>express</a:t>
-            </a:r>
-            <a:r>
-              <a:rPr lang="en-US" dirty="0" err="1">
-                <a:solidFill>
-                  <a:srgbClr val="F8F8F2"/>
-                </a:solidFill>
-                <a:latin typeface="Menlo" charset="0"/>
-              </a:rPr>
-              <a:t>.</a:t>
-            </a:r>
-            <a:r>
-              <a:rPr lang="en-US" dirty="0" err="1">
-                <a:solidFill>
-                  <a:srgbClr val="A6E22E"/>
-                </a:solidFill>
-                <a:latin typeface="Menlo" charset="0"/>
-              </a:rPr>
-              <a:t>Router</a:t>
-            </a:r>
-            <a:r>
-              <a:rPr lang="en-US" dirty="0">
-                <a:solidFill>
-                  <a:srgbClr val="F8F8F2"/>
-                </a:solidFill>
-                <a:latin typeface="Menlo" charset="0"/>
-              </a:rPr>
-              <a:t>();</a:t>
-            </a:r>
-          </a:p>
-          <a:p>
-            <a:pPr marL="0" indent="0">
-              <a:buNone/>
-            </a:pPr>
-            <a:r>
-              <a:rPr lang="en-US" dirty="0" err="1">
-                <a:solidFill>
-                  <a:srgbClr val="A6E22E"/>
-                </a:solidFill>
-                <a:latin typeface="Menlo" charset="0"/>
-              </a:rPr>
-              <a:t>router</a:t>
-            </a:r>
-            <a:r>
-              <a:rPr lang="en-US" dirty="0" err="1">
-                <a:solidFill>
-                  <a:srgbClr val="F8F8F2"/>
-                </a:solidFill>
-                <a:latin typeface="Menlo" charset="0"/>
-              </a:rPr>
-              <a:t>.</a:t>
-            </a:r>
-            <a:r>
-              <a:rPr lang="en-US" dirty="0" err="1">
-                <a:solidFill>
-                  <a:srgbClr val="A6E22E"/>
-                </a:solidFill>
-                <a:latin typeface="Menlo" charset="0"/>
-              </a:rPr>
-              <a:t>use</a:t>
-            </a:r>
-            <a:r>
-              <a:rPr lang="en-US" dirty="0">
-                <a:solidFill>
-                  <a:srgbClr val="F8F8F2"/>
-                </a:solidFill>
-                <a:latin typeface="Menlo" charset="0"/>
-              </a:rPr>
-              <a:t>(</a:t>
-            </a:r>
-            <a:r>
-              <a:rPr lang="en-US" dirty="0">
-                <a:solidFill>
-                  <a:srgbClr val="66D9EF"/>
-                </a:solidFill>
-                <a:latin typeface="Menlo" charset="0"/>
-              </a:rPr>
-              <a:t>function</a:t>
-            </a:r>
-            <a:r>
-              <a:rPr lang="en-US" dirty="0">
-                <a:solidFill>
-                  <a:srgbClr val="F8F8F2"/>
-                </a:solidFill>
-                <a:latin typeface="Menlo" charset="0"/>
-              </a:rPr>
-              <a:t> (</a:t>
-            </a:r>
-            <a:r>
-              <a:rPr lang="en-US" dirty="0" err="1">
-                <a:solidFill>
-                  <a:srgbClr val="A6E22E"/>
-                </a:solidFill>
-                <a:latin typeface="Menlo" charset="0"/>
-              </a:rPr>
-              <a:t>req</a:t>
-            </a:r>
-            <a:r>
-              <a:rPr lang="en-US" dirty="0">
-                <a:solidFill>
-                  <a:srgbClr val="F8F8F2"/>
-                </a:solidFill>
-                <a:latin typeface="Menlo" charset="0"/>
-              </a:rPr>
-              <a:t>, </a:t>
-            </a:r>
-            <a:r>
-              <a:rPr lang="en-US" dirty="0">
-                <a:solidFill>
-                  <a:srgbClr val="A6E22E"/>
-                </a:solidFill>
-                <a:latin typeface="Menlo" charset="0"/>
-              </a:rPr>
-              <a:t>res</a:t>
-            </a:r>
-            <a:r>
-              <a:rPr lang="en-US" dirty="0">
-                <a:solidFill>
-                  <a:srgbClr val="F8F8F2"/>
-                </a:solidFill>
-                <a:latin typeface="Menlo" charset="0"/>
-              </a:rPr>
-              <a:t>, </a:t>
-            </a:r>
-            <a:r>
-              <a:rPr lang="en-US" dirty="0">
-                <a:solidFill>
-                  <a:srgbClr val="A6E22E"/>
-                </a:solidFill>
-                <a:latin typeface="Menlo" charset="0"/>
-              </a:rPr>
-              <a:t>next</a:t>
-            </a:r>
-            <a:r>
-              <a:rPr lang="en-US" dirty="0">
-                <a:solidFill>
-                  <a:srgbClr val="F8F8F2"/>
-                </a:solidFill>
-                <a:latin typeface="Menlo" charset="0"/>
-              </a:rPr>
-              <a:t>) {</a:t>
-            </a:r>
-          </a:p>
-          <a:p>
-            <a:pPr marL="0" indent="0">
-              <a:buNone/>
-            </a:pPr>
-            <a:r>
-              <a:rPr lang="en-US" dirty="0">
-                <a:solidFill>
-                  <a:srgbClr val="F8F8F2"/>
-                </a:solidFill>
-                <a:latin typeface="Menlo" charset="0"/>
-              </a:rPr>
-              <a:t>    </a:t>
-            </a:r>
-            <a:r>
-              <a:rPr lang="en-US" dirty="0" err="1">
-                <a:solidFill>
-                  <a:srgbClr val="A6E22E"/>
-                </a:solidFill>
-                <a:latin typeface="Menlo" charset="0"/>
-              </a:rPr>
-              <a:t>console</a:t>
-            </a:r>
-            <a:r>
-              <a:rPr lang="en-US" dirty="0" err="1">
-                <a:solidFill>
-                  <a:srgbClr val="F8F8F2"/>
-                </a:solidFill>
-                <a:latin typeface="Menlo" charset="0"/>
-              </a:rPr>
-              <a:t>.</a:t>
-            </a:r>
-            <a:r>
-              <a:rPr lang="en-US" dirty="0" err="1">
-                <a:solidFill>
-                  <a:srgbClr val="A6E22E"/>
-                </a:solidFill>
-                <a:latin typeface="Menlo" charset="0"/>
-              </a:rPr>
-              <a:t>log</a:t>
-            </a:r>
-            <a:r>
-              <a:rPr lang="en-US" dirty="0">
-                <a:solidFill>
-                  <a:srgbClr val="F8F8F2"/>
-                </a:solidFill>
-                <a:latin typeface="Menlo" charset="0"/>
-              </a:rPr>
-              <a:t>(</a:t>
-            </a:r>
-            <a:r>
-              <a:rPr lang="en-US" dirty="0">
-                <a:solidFill>
-                  <a:srgbClr val="E6DB74"/>
-                </a:solidFill>
-                <a:latin typeface="Menlo" charset="0"/>
-              </a:rPr>
-              <a:t>'I am running from a router!'</a:t>
-            </a:r>
-            <a:r>
-              <a:rPr lang="en-US" dirty="0">
-                <a:solidFill>
-                  <a:srgbClr val="F8F8F2"/>
-                </a:solidFill>
-                <a:latin typeface="Menlo" charset="0"/>
-              </a:rPr>
-              <a:t>);</a:t>
-            </a:r>
-          </a:p>
-          <a:p>
-            <a:pPr marL="0" indent="0">
-              <a:buNone/>
-            </a:pPr>
-            <a:r>
-              <a:rPr lang="en-US" dirty="0">
-                <a:solidFill>
-                  <a:srgbClr val="F8F8F2"/>
-                </a:solidFill>
-                <a:latin typeface="Menlo" charset="0"/>
-              </a:rPr>
-              <a:t>    </a:t>
-            </a:r>
-            <a:r>
-              <a:rPr lang="en-US" dirty="0">
-                <a:solidFill>
-                  <a:srgbClr val="A6E22E"/>
-                </a:solidFill>
-                <a:latin typeface="Menlo" charset="0"/>
-              </a:rPr>
-              <a:t>next</a:t>
-            </a:r>
-            <a:r>
-              <a:rPr lang="en-US" dirty="0">
-                <a:solidFill>
-                  <a:srgbClr val="F8F8F2"/>
-                </a:solidFill>
-                <a:latin typeface="Menlo" charset="0"/>
-              </a:rPr>
-              <a:t>();</a:t>
-            </a:r>
-          </a:p>
-          <a:p>
-            <a:pPr marL="0" indent="0">
-              <a:buNone/>
-            </a:pPr>
-            <a:r>
-              <a:rPr lang="it-IT" dirty="0">
-                <a:solidFill>
-                  <a:srgbClr val="F8F8F2"/>
-                </a:solidFill>
-                <a:latin typeface="Menlo" charset="0"/>
-              </a:rPr>
-              <a:t>});</a:t>
-            </a:r>
-          </a:p>
-          <a:p>
-            <a:pPr marL="0" indent="0">
-              <a:buNone/>
-            </a:pPr>
-            <a:r>
-              <a:rPr lang="it-IT" dirty="0" err="1">
-                <a:solidFill>
-                  <a:srgbClr val="A6E22E"/>
-                </a:solidFill>
-                <a:latin typeface="Menlo" charset="0"/>
-              </a:rPr>
-              <a:t>router</a:t>
-            </a:r>
-            <a:r>
-              <a:rPr lang="it-IT" dirty="0" err="1">
-                <a:solidFill>
-                  <a:srgbClr val="F8F8F2"/>
-                </a:solidFill>
-                <a:latin typeface="Menlo" charset="0"/>
-              </a:rPr>
-              <a:t>.</a:t>
-            </a:r>
-            <a:r>
-              <a:rPr lang="it-IT" dirty="0" err="1">
-                <a:solidFill>
-                  <a:srgbClr val="A6E22E"/>
-                </a:solidFill>
-                <a:latin typeface="Menlo" charset="0"/>
-              </a:rPr>
-              <a:t>get</a:t>
-            </a:r>
-            <a:r>
-              <a:rPr lang="it-IT" dirty="0">
-                <a:solidFill>
-                  <a:srgbClr val="F8F8F2"/>
-                </a:solidFill>
-                <a:latin typeface="Menlo" charset="0"/>
-              </a:rPr>
-              <a:t>(</a:t>
-            </a:r>
-            <a:r>
-              <a:rPr lang="it-IT" dirty="0">
-                <a:solidFill>
-                  <a:srgbClr val="E6DB74"/>
-                </a:solidFill>
-                <a:latin typeface="Menlo" charset="0"/>
-              </a:rPr>
-              <a:t>'/'</a:t>
-            </a:r>
-            <a:r>
-              <a:rPr lang="it-IT" dirty="0">
-                <a:solidFill>
-                  <a:srgbClr val="F8F8F2"/>
-                </a:solidFill>
-                <a:latin typeface="Menlo" charset="0"/>
-              </a:rPr>
-              <a:t>, </a:t>
-            </a:r>
-            <a:r>
-              <a:rPr lang="it-IT" dirty="0" err="1">
-                <a:solidFill>
-                  <a:srgbClr val="66D9EF"/>
-                </a:solidFill>
-                <a:latin typeface="Menlo" charset="0"/>
-              </a:rPr>
-              <a:t>function</a:t>
-            </a:r>
-            <a:r>
-              <a:rPr lang="it-IT" dirty="0">
-                <a:solidFill>
-                  <a:srgbClr val="F8F8F2"/>
-                </a:solidFill>
-                <a:latin typeface="Menlo" charset="0"/>
-              </a:rPr>
-              <a:t> (</a:t>
-            </a:r>
-            <a:r>
-              <a:rPr lang="it-IT" dirty="0" err="1">
-                <a:solidFill>
-                  <a:srgbClr val="A6E22E"/>
-                </a:solidFill>
-                <a:latin typeface="Menlo" charset="0"/>
-              </a:rPr>
-              <a:t>req</a:t>
-            </a:r>
-            <a:r>
-              <a:rPr lang="it-IT" dirty="0">
-                <a:solidFill>
-                  <a:srgbClr val="F8F8F2"/>
-                </a:solidFill>
-                <a:latin typeface="Menlo" charset="0"/>
-              </a:rPr>
-              <a:t>, </a:t>
-            </a:r>
-            <a:r>
-              <a:rPr lang="it-IT" dirty="0">
-                <a:solidFill>
-                  <a:srgbClr val="A6E22E"/>
-                </a:solidFill>
-                <a:latin typeface="Menlo" charset="0"/>
-              </a:rPr>
-              <a:t>res</a:t>
-            </a:r>
-            <a:r>
-              <a:rPr lang="it-IT" dirty="0">
-                <a:solidFill>
-                  <a:srgbClr val="F8F8F2"/>
-                </a:solidFill>
-                <a:latin typeface="Menlo" charset="0"/>
-              </a:rPr>
-              <a:t>, </a:t>
-            </a:r>
-            <a:r>
-              <a:rPr lang="it-IT" dirty="0" err="1">
-                <a:solidFill>
-                  <a:srgbClr val="A6E22E"/>
-                </a:solidFill>
-                <a:latin typeface="Menlo" charset="0"/>
-              </a:rPr>
-              <a:t>next</a:t>
-            </a:r>
-            <a:r>
-              <a:rPr lang="it-IT" dirty="0">
-                <a:solidFill>
-                  <a:srgbClr val="F8F8F2"/>
-                </a:solidFill>
-                <a:latin typeface="Menlo" charset="0"/>
-              </a:rPr>
-              <a:t>) {</a:t>
-            </a:r>
-          </a:p>
-          <a:p>
-            <a:pPr marL="0" indent="0">
-              <a:buNone/>
-            </a:pPr>
-            <a:r>
-              <a:rPr lang="it-IT" dirty="0">
-                <a:solidFill>
-                  <a:srgbClr val="F8F8F2"/>
-                </a:solidFill>
-                <a:latin typeface="Menlo" charset="0"/>
-              </a:rPr>
-              <a:t>    </a:t>
-            </a:r>
-            <a:r>
-              <a:rPr lang="it-IT" dirty="0" err="1">
-                <a:solidFill>
-                  <a:srgbClr val="A6E22E"/>
-                </a:solidFill>
-                <a:latin typeface="Menlo" charset="0"/>
-              </a:rPr>
-              <a:t>res</a:t>
-            </a:r>
-            <a:r>
-              <a:rPr lang="it-IT" dirty="0" err="1">
-                <a:solidFill>
-                  <a:srgbClr val="F8F8F2"/>
-                </a:solidFill>
-                <a:latin typeface="Menlo" charset="0"/>
-              </a:rPr>
-              <a:t>.</a:t>
-            </a:r>
-            <a:r>
-              <a:rPr lang="it-IT" dirty="0" err="1">
-                <a:solidFill>
-                  <a:srgbClr val="A6E22E"/>
-                </a:solidFill>
-                <a:latin typeface="Menlo" charset="0"/>
-              </a:rPr>
-              <a:t>send</a:t>
-            </a:r>
-            <a:r>
-              <a:rPr lang="it-IT" dirty="0">
-                <a:solidFill>
-                  <a:srgbClr val="F8F8F2"/>
-                </a:solidFill>
-                <a:latin typeface="Menlo" charset="0"/>
-              </a:rPr>
-              <a:t>(</a:t>
-            </a:r>
-            <a:r>
-              <a:rPr lang="it-IT" dirty="0">
-                <a:solidFill>
-                  <a:srgbClr val="E6DB74"/>
-                </a:solidFill>
-                <a:latin typeface="Menlo" charset="0"/>
-              </a:rPr>
-              <a:t>'Hello from the router!'</a:t>
-            </a:r>
-            <a:r>
-              <a:rPr lang="it-IT" dirty="0">
-                <a:solidFill>
-                  <a:srgbClr val="F8F8F2"/>
-                </a:solidFill>
-                <a:latin typeface="Menlo" charset="0"/>
-              </a:rPr>
-              <a:t>);</a:t>
-            </a:r>
-          </a:p>
-          <a:p>
-            <a:pPr marL="0" indent="0">
-              <a:buNone/>
-            </a:pPr>
-            <a:r>
-              <a:rPr lang="it-IT" dirty="0">
-                <a:solidFill>
-                  <a:srgbClr val="F8F8F2"/>
-                </a:solidFill>
-                <a:latin typeface="Menlo" charset="0"/>
-              </a:rPr>
-              <a:t>});</a:t>
-            </a:r>
-          </a:p>
-          <a:p>
-            <a:pPr marL="0" indent="0">
-              <a:buNone/>
-            </a:pPr>
-            <a:r>
-              <a:rPr lang="it-IT" dirty="0" err="1">
-                <a:solidFill>
-                  <a:srgbClr val="A6E22E"/>
-                </a:solidFill>
-                <a:latin typeface="Menlo" charset="0"/>
-              </a:rPr>
-              <a:t>app</a:t>
-            </a:r>
-            <a:r>
-              <a:rPr lang="it-IT" dirty="0" err="1">
-                <a:solidFill>
-                  <a:srgbClr val="F8F8F2"/>
-                </a:solidFill>
-                <a:latin typeface="Menlo" charset="0"/>
-              </a:rPr>
-              <a:t>.</a:t>
-            </a:r>
-            <a:r>
-              <a:rPr lang="it-IT" dirty="0" err="1">
-                <a:solidFill>
-                  <a:srgbClr val="A6E22E"/>
-                </a:solidFill>
-                <a:latin typeface="Menlo" charset="0"/>
-              </a:rPr>
-              <a:t>use</a:t>
-            </a:r>
-            <a:r>
-              <a:rPr lang="it-IT" dirty="0">
-                <a:solidFill>
-                  <a:srgbClr val="F8F8F2"/>
-                </a:solidFill>
-                <a:latin typeface="Menlo" charset="0"/>
-              </a:rPr>
-              <a:t>(</a:t>
-            </a:r>
-            <a:r>
-              <a:rPr lang="it-IT" dirty="0">
-                <a:solidFill>
-                  <a:srgbClr val="E6DB74"/>
-                </a:solidFill>
-                <a:latin typeface="Menlo" charset="0"/>
-              </a:rPr>
-              <a:t>'/router'</a:t>
-            </a:r>
-            <a:r>
-              <a:rPr lang="it-IT" dirty="0">
-                <a:solidFill>
-                  <a:srgbClr val="F8F8F2"/>
-                </a:solidFill>
-                <a:latin typeface="Menlo" charset="0"/>
-              </a:rPr>
-              <a:t>, </a:t>
-            </a:r>
-            <a:r>
-              <a:rPr lang="it-IT" dirty="0">
-                <a:solidFill>
-                  <a:srgbClr val="A6E22E"/>
-                </a:solidFill>
-                <a:latin typeface="Menlo" charset="0"/>
-              </a:rPr>
-              <a:t>router</a:t>
-            </a:r>
-            <a:r>
-              <a:rPr lang="it-IT" dirty="0" smtClean="0">
-                <a:solidFill>
-                  <a:srgbClr val="F8F8F2"/>
-                </a:solidFill>
-                <a:latin typeface="Menlo" charset="0"/>
-              </a:rPr>
-              <a:t>);</a:t>
-            </a:r>
-            <a:endParaRPr lang="it-IT" dirty="0">
-              <a:solidFill>
-                <a:srgbClr val="F8F8F2"/>
-              </a:solidFill>
-              <a:latin typeface="Menlo" charset="0"/>
-            </a:endParaRPr>
-          </a:p>
-        </p:txBody>
-      </p:sp>
-      <p:sp>
-        <p:nvSpPr>
-          <p:cNvPr id="4" name="Footer Placeholder 3"/>
-          <p:cNvSpPr>
-            <a:spLocks noGrp="1"/>
-          </p:cNvSpPr>
-          <p:nvPr>
-            <p:ph type="ftr" sz="quarter" idx="11"/>
-          </p:nvPr>
-        </p:nvSpPr>
-        <p:spPr/>
-        <p:txBody>
-          <a:bodyPr/>
-          <a:lstStyle/>
-          <a:p>
-            <a:r>
-              <a:rPr lang="de-DE" smtClean="0"/>
-              <a:t>All slides can be found at pennapps-nodejs-workshop.herokuapp.com</a:t>
-            </a:r>
-            <a:endParaRPr lang="en-US" dirty="0"/>
-          </a:p>
-        </p:txBody>
-      </p:sp>
-      <p:sp>
-        <p:nvSpPr>
-          <p:cNvPr id="5" name="Slide Number Placeholder 4"/>
-          <p:cNvSpPr>
-            <a:spLocks noGrp="1"/>
-          </p:cNvSpPr>
-          <p:nvPr>
-            <p:ph type="sldNum" sz="quarter" idx="12"/>
-          </p:nvPr>
-        </p:nvSpPr>
-        <p:spPr/>
-        <p:txBody>
-          <a:bodyPr/>
-          <a:lstStyle/>
-          <a:p>
-            <a:fld id="{BE7B5DD7-0E96-E44E-B777-0B9A5C3419CF}" type="slidenum">
-              <a:rPr lang="en-US" smtClean="0"/>
-              <a:t>29</a:t>
-            </a:fld>
-            <a:endParaRPr lang="en-US"/>
-          </a:p>
-        </p:txBody>
-      </p:sp>
-    </p:spTree>
-    <p:extLst>
-      <p:ext uri="{BB962C8B-B14F-4D97-AF65-F5344CB8AC3E}">
-        <p14:creationId xmlns:p14="http://schemas.microsoft.com/office/powerpoint/2010/main" val="594185458"/>
-      </p:ext>
-    </p:extLst>
-  </p:cSld>
-  <p:clrMapOvr>
-    <a:masterClrMapping/>
-  </p:clrMapOvr>
-  <p:timing>
-    <p:tnLst>
-      <p:par>
-        <p:cTn id="1" dur="indefinite" restart="never" nodeType="tmRoot"/>
-      </p:par>
-    </p:tnLst>
-  </p:timing>
-</p:sld>
-</file>
-
 <file path=ppt/slides/slide3.xml><?xml version="1.0" encoding="utf-8"?>
 <p:sld xmlns:a="http://schemas.openxmlformats.org/drawingml/2006/main" xmlns:r="http://schemas.openxmlformats.org/officeDocument/2006/relationships" xmlns:p="http://schemas.openxmlformats.org/presentationml/2006/main">
   <p:cSld>
@@ -12265,6 +12529,774 @@
         </p:nvSpPr>
         <p:spPr/>
         <p:txBody>
+          <a:bodyPr/>
+          <a:lstStyle/>
+          <a:p>
+            <a:r>
+              <a:rPr lang="en-US" dirty="0" smtClean="0"/>
+              <a:t>Router Example</a:t>
+            </a:r>
+            <a:endParaRPr lang="en-US" dirty="0"/>
+          </a:p>
+        </p:txBody>
+      </p:sp>
+      <p:sp>
+        <p:nvSpPr>
+          <p:cNvPr id="3" name="Content Placeholder 2"/>
+          <p:cNvSpPr>
+            <a:spLocks noGrp="1"/>
+          </p:cNvSpPr>
+          <p:nvPr>
+            <p:ph idx="1"/>
+          </p:nvPr>
+        </p:nvSpPr>
+        <p:spPr>
+          <a:xfrm>
+            <a:off x="457200" y="1828800"/>
+            <a:ext cx="8229600" cy="4114800"/>
+          </a:xfrm>
+          <a:solidFill>
+            <a:srgbClr val="000000"/>
+          </a:solidFill>
+        </p:spPr>
+        <p:txBody>
+          <a:bodyPr>
+            <a:normAutofit fontScale="77500" lnSpcReduction="20000"/>
+          </a:bodyPr>
+          <a:lstStyle/>
+          <a:p>
+            <a:pPr marL="0" indent="0">
+              <a:buNone/>
+            </a:pPr>
+            <a:r>
+              <a:rPr lang="en-US" dirty="0" err="1">
+                <a:solidFill>
+                  <a:srgbClr val="66D9EF"/>
+                </a:solidFill>
+                <a:latin typeface="Menlo" charset="0"/>
+              </a:rPr>
+              <a:t>var</a:t>
+            </a:r>
+            <a:r>
+              <a:rPr lang="en-US" dirty="0">
+                <a:solidFill>
+                  <a:srgbClr val="F8F8F2"/>
+                </a:solidFill>
+                <a:latin typeface="Menlo" charset="0"/>
+              </a:rPr>
+              <a:t> </a:t>
+            </a:r>
+            <a:r>
+              <a:rPr lang="en-US" dirty="0">
+                <a:solidFill>
+                  <a:srgbClr val="A6E22E"/>
+                </a:solidFill>
+                <a:latin typeface="Menlo" charset="0"/>
+              </a:rPr>
+              <a:t>router</a:t>
+            </a:r>
+            <a:r>
+              <a:rPr lang="en-US" dirty="0">
+                <a:solidFill>
+                  <a:srgbClr val="F8F8F2"/>
+                </a:solidFill>
+                <a:latin typeface="Menlo" charset="0"/>
+              </a:rPr>
+              <a:t> </a:t>
+            </a:r>
+            <a:r>
+              <a:rPr lang="en-US" dirty="0">
+                <a:solidFill>
+                  <a:srgbClr val="F92672"/>
+                </a:solidFill>
+                <a:latin typeface="Menlo" charset="0"/>
+              </a:rPr>
+              <a:t>=</a:t>
+            </a:r>
+            <a:r>
+              <a:rPr lang="en-US" dirty="0">
+                <a:solidFill>
+                  <a:srgbClr val="F8F8F2"/>
+                </a:solidFill>
+                <a:latin typeface="Menlo" charset="0"/>
+              </a:rPr>
+              <a:t> </a:t>
+            </a:r>
+            <a:r>
+              <a:rPr lang="en-US" dirty="0" err="1">
+                <a:solidFill>
+                  <a:srgbClr val="A6E22E"/>
+                </a:solidFill>
+                <a:latin typeface="Menlo" charset="0"/>
+              </a:rPr>
+              <a:t>express</a:t>
+            </a:r>
+            <a:r>
+              <a:rPr lang="en-US" dirty="0" err="1">
+                <a:solidFill>
+                  <a:srgbClr val="F8F8F2"/>
+                </a:solidFill>
+                <a:latin typeface="Menlo" charset="0"/>
+              </a:rPr>
+              <a:t>.</a:t>
+            </a:r>
+            <a:r>
+              <a:rPr lang="en-US" dirty="0" err="1">
+                <a:solidFill>
+                  <a:srgbClr val="A6E22E"/>
+                </a:solidFill>
+                <a:latin typeface="Menlo" charset="0"/>
+              </a:rPr>
+              <a:t>Router</a:t>
+            </a:r>
+            <a:r>
+              <a:rPr lang="en-US" dirty="0">
+                <a:solidFill>
+                  <a:srgbClr val="F8F8F2"/>
+                </a:solidFill>
+                <a:latin typeface="Menlo" charset="0"/>
+              </a:rPr>
+              <a:t>();</a:t>
+            </a:r>
+          </a:p>
+          <a:p>
+            <a:pPr marL="0" indent="0">
+              <a:buNone/>
+            </a:pPr>
+            <a:r>
+              <a:rPr lang="en-US" dirty="0" err="1">
+                <a:solidFill>
+                  <a:srgbClr val="A6E22E"/>
+                </a:solidFill>
+                <a:latin typeface="Menlo" charset="0"/>
+              </a:rPr>
+              <a:t>router</a:t>
+            </a:r>
+            <a:r>
+              <a:rPr lang="en-US" dirty="0" err="1">
+                <a:solidFill>
+                  <a:srgbClr val="F8F8F2"/>
+                </a:solidFill>
+                <a:latin typeface="Menlo" charset="0"/>
+              </a:rPr>
+              <a:t>.</a:t>
+            </a:r>
+            <a:r>
+              <a:rPr lang="en-US" dirty="0" err="1">
+                <a:solidFill>
+                  <a:srgbClr val="A6E22E"/>
+                </a:solidFill>
+                <a:latin typeface="Menlo" charset="0"/>
+              </a:rPr>
+              <a:t>use</a:t>
+            </a:r>
+            <a:r>
+              <a:rPr lang="en-US" dirty="0">
+                <a:solidFill>
+                  <a:srgbClr val="F8F8F2"/>
+                </a:solidFill>
+                <a:latin typeface="Menlo" charset="0"/>
+              </a:rPr>
+              <a:t>(</a:t>
+            </a:r>
+            <a:r>
+              <a:rPr lang="en-US" dirty="0">
+                <a:solidFill>
+                  <a:srgbClr val="66D9EF"/>
+                </a:solidFill>
+                <a:latin typeface="Menlo" charset="0"/>
+              </a:rPr>
+              <a:t>function</a:t>
+            </a:r>
+            <a:r>
+              <a:rPr lang="en-US" dirty="0">
+                <a:solidFill>
+                  <a:srgbClr val="F8F8F2"/>
+                </a:solidFill>
+                <a:latin typeface="Menlo" charset="0"/>
+              </a:rPr>
+              <a:t> (</a:t>
+            </a:r>
+            <a:r>
+              <a:rPr lang="en-US" dirty="0" err="1">
+                <a:solidFill>
+                  <a:srgbClr val="A6E22E"/>
+                </a:solidFill>
+                <a:latin typeface="Menlo" charset="0"/>
+              </a:rPr>
+              <a:t>req</a:t>
+            </a:r>
+            <a:r>
+              <a:rPr lang="en-US" dirty="0">
+                <a:solidFill>
+                  <a:srgbClr val="F8F8F2"/>
+                </a:solidFill>
+                <a:latin typeface="Menlo" charset="0"/>
+              </a:rPr>
+              <a:t>, </a:t>
+            </a:r>
+            <a:r>
+              <a:rPr lang="en-US" dirty="0">
+                <a:solidFill>
+                  <a:srgbClr val="A6E22E"/>
+                </a:solidFill>
+                <a:latin typeface="Menlo" charset="0"/>
+              </a:rPr>
+              <a:t>res</a:t>
+            </a:r>
+            <a:r>
+              <a:rPr lang="en-US" dirty="0">
+                <a:solidFill>
+                  <a:srgbClr val="F8F8F2"/>
+                </a:solidFill>
+                <a:latin typeface="Menlo" charset="0"/>
+              </a:rPr>
+              <a:t>, </a:t>
+            </a:r>
+            <a:r>
+              <a:rPr lang="en-US" dirty="0">
+                <a:solidFill>
+                  <a:srgbClr val="A6E22E"/>
+                </a:solidFill>
+                <a:latin typeface="Menlo" charset="0"/>
+              </a:rPr>
+              <a:t>next</a:t>
+            </a:r>
+            <a:r>
+              <a:rPr lang="en-US" dirty="0">
+                <a:solidFill>
+                  <a:srgbClr val="F8F8F2"/>
+                </a:solidFill>
+                <a:latin typeface="Menlo" charset="0"/>
+              </a:rPr>
+              <a:t>) {</a:t>
+            </a:r>
+          </a:p>
+          <a:p>
+            <a:pPr marL="0" indent="0">
+              <a:buNone/>
+            </a:pPr>
+            <a:r>
+              <a:rPr lang="en-US" dirty="0">
+                <a:solidFill>
+                  <a:srgbClr val="F8F8F2"/>
+                </a:solidFill>
+                <a:latin typeface="Menlo" charset="0"/>
+              </a:rPr>
+              <a:t>    </a:t>
+            </a:r>
+            <a:r>
+              <a:rPr lang="en-US" dirty="0" err="1">
+                <a:solidFill>
+                  <a:srgbClr val="A6E22E"/>
+                </a:solidFill>
+                <a:latin typeface="Menlo" charset="0"/>
+              </a:rPr>
+              <a:t>console</a:t>
+            </a:r>
+            <a:r>
+              <a:rPr lang="en-US" dirty="0" err="1">
+                <a:solidFill>
+                  <a:srgbClr val="F8F8F2"/>
+                </a:solidFill>
+                <a:latin typeface="Menlo" charset="0"/>
+              </a:rPr>
+              <a:t>.</a:t>
+            </a:r>
+            <a:r>
+              <a:rPr lang="en-US" dirty="0" err="1">
+                <a:solidFill>
+                  <a:srgbClr val="A6E22E"/>
+                </a:solidFill>
+                <a:latin typeface="Menlo" charset="0"/>
+              </a:rPr>
+              <a:t>log</a:t>
+            </a:r>
+            <a:r>
+              <a:rPr lang="en-US" dirty="0">
+                <a:solidFill>
+                  <a:srgbClr val="F8F8F2"/>
+                </a:solidFill>
+                <a:latin typeface="Menlo" charset="0"/>
+              </a:rPr>
+              <a:t>(</a:t>
+            </a:r>
+            <a:r>
+              <a:rPr lang="en-US" dirty="0">
+                <a:solidFill>
+                  <a:srgbClr val="E6DB74"/>
+                </a:solidFill>
+                <a:latin typeface="Menlo" charset="0"/>
+              </a:rPr>
+              <a:t>'I am </a:t>
+            </a:r>
+            <a:r>
+              <a:rPr lang="en-US" dirty="0" smtClean="0">
+                <a:solidFill>
+                  <a:srgbClr val="E6DB74"/>
+                </a:solidFill>
+                <a:latin typeface="Menlo" charset="0"/>
+              </a:rPr>
+              <a:t>a </a:t>
+            </a:r>
+            <a:r>
+              <a:rPr lang="en-US" dirty="0">
+                <a:solidFill>
+                  <a:srgbClr val="E6DB74"/>
+                </a:solidFill>
+                <a:latin typeface="Menlo" charset="0"/>
+              </a:rPr>
+              <a:t>router!'</a:t>
+            </a:r>
+            <a:r>
+              <a:rPr lang="en-US" dirty="0">
+                <a:solidFill>
+                  <a:srgbClr val="F8F8F2"/>
+                </a:solidFill>
+                <a:latin typeface="Menlo" charset="0"/>
+              </a:rPr>
+              <a:t>);</a:t>
+            </a:r>
+          </a:p>
+          <a:p>
+            <a:pPr marL="0" indent="0">
+              <a:buNone/>
+            </a:pPr>
+            <a:r>
+              <a:rPr lang="en-US" dirty="0">
+                <a:solidFill>
+                  <a:srgbClr val="F8F8F2"/>
+                </a:solidFill>
+                <a:latin typeface="Menlo" charset="0"/>
+              </a:rPr>
+              <a:t>    </a:t>
+            </a:r>
+            <a:r>
+              <a:rPr lang="en-US" dirty="0">
+                <a:solidFill>
+                  <a:srgbClr val="A6E22E"/>
+                </a:solidFill>
+                <a:latin typeface="Menlo" charset="0"/>
+              </a:rPr>
+              <a:t>next</a:t>
+            </a:r>
+            <a:r>
+              <a:rPr lang="en-US" dirty="0">
+                <a:solidFill>
+                  <a:srgbClr val="F8F8F2"/>
+                </a:solidFill>
+                <a:latin typeface="Menlo" charset="0"/>
+              </a:rPr>
+              <a:t>();</a:t>
+            </a:r>
+          </a:p>
+          <a:p>
+            <a:pPr marL="0" indent="0">
+              <a:buNone/>
+            </a:pPr>
+            <a:r>
+              <a:rPr lang="it-IT" dirty="0">
+                <a:solidFill>
+                  <a:srgbClr val="F8F8F2"/>
+                </a:solidFill>
+                <a:latin typeface="Menlo" charset="0"/>
+              </a:rPr>
+              <a:t>});</a:t>
+            </a:r>
+          </a:p>
+          <a:p>
+            <a:pPr marL="0" indent="0">
+              <a:buNone/>
+            </a:pPr>
+            <a:r>
+              <a:rPr lang="it-IT" dirty="0" err="1">
+                <a:solidFill>
+                  <a:srgbClr val="A6E22E"/>
+                </a:solidFill>
+                <a:latin typeface="Menlo" charset="0"/>
+              </a:rPr>
+              <a:t>router</a:t>
+            </a:r>
+            <a:r>
+              <a:rPr lang="it-IT" dirty="0" err="1">
+                <a:solidFill>
+                  <a:srgbClr val="F8F8F2"/>
+                </a:solidFill>
+                <a:latin typeface="Menlo" charset="0"/>
+              </a:rPr>
+              <a:t>.</a:t>
+            </a:r>
+            <a:r>
+              <a:rPr lang="it-IT" dirty="0" err="1">
+                <a:solidFill>
+                  <a:srgbClr val="A6E22E"/>
+                </a:solidFill>
+                <a:latin typeface="Menlo" charset="0"/>
+              </a:rPr>
+              <a:t>get</a:t>
+            </a:r>
+            <a:r>
+              <a:rPr lang="it-IT" dirty="0">
+                <a:solidFill>
+                  <a:srgbClr val="F8F8F2"/>
+                </a:solidFill>
+                <a:latin typeface="Menlo" charset="0"/>
+              </a:rPr>
+              <a:t>(</a:t>
+            </a:r>
+            <a:r>
+              <a:rPr lang="it-IT" dirty="0">
+                <a:solidFill>
+                  <a:srgbClr val="E6DB74"/>
+                </a:solidFill>
+                <a:latin typeface="Menlo" charset="0"/>
+              </a:rPr>
+              <a:t>'/'</a:t>
+            </a:r>
+            <a:r>
+              <a:rPr lang="it-IT" dirty="0">
+                <a:solidFill>
+                  <a:srgbClr val="F8F8F2"/>
+                </a:solidFill>
+                <a:latin typeface="Menlo" charset="0"/>
+              </a:rPr>
+              <a:t>, </a:t>
+            </a:r>
+            <a:r>
+              <a:rPr lang="it-IT" dirty="0" err="1">
+                <a:solidFill>
+                  <a:srgbClr val="66D9EF"/>
+                </a:solidFill>
+                <a:latin typeface="Menlo" charset="0"/>
+              </a:rPr>
+              <a:t>function</a:t>
+            </a:r>
+            <a:r>
+              <a:rPr lang="it-IT" dirty="0">
+                <a:solidFill>
+                  <a:srgbClr val="F8F8F2"/>
+                </a:solidFill>
+                <a:latin typeface="Menlo" charset="0"/>
+              </a:rPr>
+              <a:t> (</a:t>
+            </a:r>
+            <a:r>
+              <a:rPr lang="it-IT" dirty="0" err="1">
+                <a:solidFill>
+                  <a:srgbClr val="A6E22E"/>
+                </a:solidFill>
+                <a:latin typeface="Menlo" charset="0"/>
+              </a:rPr>
+              <a:t>req</a:t>
+            </a:r>
+            <a:r>
+              <a:rPr lang="it-IT" dirty="0">
+                <a:solidFill>
+                  <a:srgbClr val="F8F8F2"/>
+                </a:solidFill>
+                <a:latin typeface="Menlo" charset="0"/>
+              </a:rPr>
+              <a:t>, </a:t>
+            </a:r>
+            <a:r>
+              <a:rPr lang="it-IT" dirty="0">
+                <a:solidFill>
+                  <a:srgbClr val="A6E22E"/>
+                </a:solidFill>
+                <a:latin typeface="Menlo" charset="0"/>
+              </a:rPr>
+              <a:t>res</a:t>
+            </a:r>
+            <a:r>
+              <a:rPr lang="it-IT" dirty="0">
+                <a:solidFill>
+                  <a:srgbClr val="F8F8F2"/>
+                </a:solidFill>
+                <a:latin typeface="Menlo" charset="0"/>
+              </a:rPr>
+              <a:t>, </a:t>
+            </a:r>
+            <a:r>
+              <a:rPr lang="it-IT" dirty="0" err="1">
+                <a:solidFill>
+                  <a:srgbClr val="A6E22E"/>
+                </a:solidFill>
+                <a:latin typeface="Menlo" charset="0"/>
+              </a:rPr>
+              <a:t>next</a:t>
+            </a:r>
+            <a:r>
+              <a:rPr lang="it-IT" dirty="0">
+                <a:solidFill>
+                  <a:srgbClr val="F8F8F2"/>
+                </a:solidFill>
+                <a:latin typeface="Menlo" charset="0"/>
+              </a:rPr>
+              <a:t>) {</a:t>
+            </a:r>
+          </a:p>
+          <a:p>
+            <a:pPr marL="0" indent="0">
+              <a:buNone/>
+            </a:pPr>
+            <a:r>
+              <a:rPr lang="it-IT" dirty="0">
+                <a:solidFill>
+                  <a:srgbClr val="F8F8F2"/>
+                </a:solidFill>
+                <a:latin typeface="Menlo" charset="0"/>
+              </a:rPr>
+              <a:t>    </a:t>
+            </a:r>
+            <a:r>
+              <a:rPr lang="it-IT" dirty="0" err="1">
+                <a:solidFill>
+                  <a:srgbClr val="A6E22E"/>
+                </a:solidFill>
+                <a:latin typeface="Menlo" charset="0"/>
+              </a:rPr>
+              <a:t>res</a:t>
+            </a:r>
+            <a:r>
+              <a:rPr lang="it-IT" dirty="0" err="1">
+                <a:solidFill>
+                  <a:srgbClr val="F8F8F2"/>
+                </a:solidFill>
+                <a:latin typeface="Menlo" charset="0"/>
+              </a:rPr>
+              <a:t>.</a:t>
+            </a:r>
+            <a:r>
+              <a:rPr lang="it-IT" dirty="0" err="1">
+                <a:solidFill>
+                  <a:srgbClr val="A6E22E"/>
+                </a:solidFill>
+                <a:latin typeface="Menlo" charset="0"/>
+              </a:rPr>
+              <a:t>send</a:t>
+            </a:r>
+            <a:r>
+              <a:rPr lang="it-IT" dirty="0">
+                <a:solidFill>
+                  <a:srgbClr val="F8F8F2"/>
+                </a:solidFill>
+                <a:latin typeface="Menlo" charset="0"/>
+              </a:rPr>
+              <a:t>(</a:t>
+            </a:r>
+            <a:r>
+              <a:rPr lang="it-IT" dirty="0">
+                <a:solidFill>
+                  <a:srgbClr val="E6DB74"/>
+                </a:solidFill>
+                <a:latin typeface="Menlo" charset="0"/>
+              </a:rPr>
+              <a:t>'Hello from the router!'</a:t>
+            </a:r>
+            <a:r>
+              <a:rPr lang="it-IT" dirty="0">
+                <a:solidFill>
+                  <a:srgbClr val="F8F8F2"/>
+                </a:solidFill>
+                <a:latin typeface="Menlo" charset="0"/>
+              </a:rPr>
+              <a:t>);</a:t>
+            </a:r>
+          </a:p>
+          <a:p>
+            <a:pPr marL="0" indent="0">
+              <a:buNone/>
+            </a:pPr>
+            <a:r>
+              <a:rPr lang="it-IT" dirty="0">
+                <a:solidFill>
+                  <a:srgbClr val="F8F8F2"/>
+                </a:solidFill>
+                <a:latin typeface="Menlo" charset="0"/>
+              </a:rPr>
+              <a:t>});</a:t>
+            </a:r>
+          </a:p>
+          <a:p>
+            <a:pPr marL="0" indent="0">
+              <a:buNone/>
+            </a:pPr>
+            <a:r>
+              <a:rPr lang="it-IT" dirty="0" err="1">
+                <a:solidFill>
+                  <a:srgbClr val="A6E22E"/>
+                </a:solidFill>
+                <a:latin typeface="Menlo" charset="0"/>
+              </a:rPr>
+              <a:t>app</a:t>
+            </a:r>
+            <a:r>
+              <a:rPr lang="it-IT" dirty="0" err="1">
+                <a:solidFill>
+                  <a:srgbClr val="F8F8F2"/>
+                </a:solidFill>
+                <a:latin typeface="Menlo" charset="0"/>
+              </a:rPr>
+              <a:t>.</a:t>
+            </a:r>
+            <a:r>
+              <a:rPr lang="it-IT" dirty="0" err="1">
+                <a:solidFill>
+                  <a:srgbClr val="A6E22E"/>
+                </a:solidFill>
+                <a:latin typeface="Menlo" charset="0"/>
+              </a:rPr>
+              <a:t>use</a:t>
+            </a:r>
+            <a:r>
+              <a:rPr lang="it-IT" dirty="0">
+                <a:solidFill>
+                  <a:srgbClr val="F8F8F2"/>
+                </a:solidFill>
+                <a:latin typeface="Menlo" charset="0"/>
+              </a:rPr>
+              <a:t>(</a:t>
+            </a:r>
+            <a:r>
+              <a:rPr lang="it-IT" dirty="0">
+                <a:solidFill>
+                  <a:srgbClr val="E6DB74"/>
+                </a:solidFill>
+                <a:latin typeface="Menlo" charset="0"/>
+              </a:rPr>
+              <a:t>'/router'</a:t>
+            </a:r>
+            <a:r>
+              <a:rPr lang="it-IT" dirty="0">
+                <a:solidFill>
+                  <a:srgbClr val="F8F8F2"/>
+                </a:solidFill>
+                <a:latin typeface="Menlo" charset="0"/>
+              </a:rPr>
+              <a:t>, </a:t>
+            </a:r>
+            <a:r>
+              <a:rPr lang="it-IT" dirty="0">
+                <a:solidFill>
+                  <a:srgbClr val="A6E22E"/>
+                </a:solidFill>
+                <a:latin typeface="Menlo" charset="0"/>
+              </a:rPr>
+              <a:t>router</a:t>
+            </a:r>
+            <a:r>
+              <a:rPr lang="it-IT" dirty="0" smtClean="0">
+                <a:solidFill>
+                  <a:srgbClr val="F8F8F2"/>
+                </a:solidFill>
+                <a:latin typeface="Menlo" charset="0"/>
+              </a:rPr>
+              <a:t>);</a:t>
+            </a:r>
+            <a:endParaRPr lang="it-IT" dirty="0">
+              <a:solidFill>
+                <a:srgbClr val="F8F8F2"/>
+              </a:solidFill>
+              <a:latin typeface="Menlo" charset="0"/>
+            </a:endParaRPr>
+          </a:p>
+        </p:txBody>
+      </p:sp>
+      <p:sp>
+        <p:nvSpPr>
+          <p:cNvPr id="4" name="Footer Placeholder 3"/>
+          <p:cNvSpPr>
+            <a:spLocks noGrp="1"/>
+          </p:cNvSpPr>
+          <p:nvPr>
+            <p:ph type="ftr" sz="quarter" idx="11"/>
+          </p:nvPr>
+        </p:nvSpPr>
+        <p:spPr/>
+        <p:txBody>
+          <a:bodyPr/>
+          <a:lstStyle/>
+          <a:p>
+            <a:r>
+              <a:rPr lang="de-DE" smtClean="0"/>
+              <a:t>All slides can be found at pennapps-nodejs-workshop.herokuapp.com</a:t>
+            </a:r>
+            <a:endParaRPr lang="en-US" dirty="0"/>
+          </a:p>
+        </p:txBody>
+      </p:sp>
+      <p:sp>
+        <p:nvSpPr>
+          <p:cNvPr id="5" name="Slide Number Placeholder 4"/>
+          <p:cNvSpPr>
+            <a:spLocks noGrp="1"/>
+          </p:cNvSpPr>
+          <p:nvPr>
+            <p:ph type="sldNum" sz="quarter" idx="12"/>
+          </p:nvPr>
+        </p:nvSpPr>
+        <p:spPr/>
+        <p:txBody>
+          <a:bodyPr/>
+          <a:lstStyle/>
+          <a:p>
+            <a:fld id="{BE7B5DD7-0E96-E44E-B777-0B9A5C3419CF}" type="slidenum">
+              <a:rPr lang="en-US" smtClean="0"/>
+              <a:t>30</a:t>
+            </a:fld>
+            <a:endParaRPr lang="en-US"/>
+          </a:p>
+        </p:txBody>
+      </p:sp>
+    </p:spTree>
+    <p:extLst>
+      <p:ext uri="{BB962C8B-B14F-4D97-AF65-F5344CB8AC3E}">
+        <p14:creationId xmlns:p14="http://schemas.microsoft.com/office/powerpoint/2010/main" val="594185458"/>
+      </p:ext>
+    </p:extLst>
+  </p:cSld>
+  <p:clrMapOvr>
+    <a:masterClrMapping/>
+  </p:clrMapOvr>
+  <p:timing>
+    <p:tnLst>
+      <p:par>
+        <p:cTn id="1" dur="indefinite" restart="never" nodeType="tmRoot"/>
+      </p:par>
+    </p:tnLst>
+  </p:timing>
+</p:sld>
+</file>
+
+<file path=ppt/slides/slide31.xml><?xml version="1.0" encoding="utf-8"?>
+<p:sld xmlns:a="http://schemas.openxmlformats.org/drawingml/2006/main" xmlns:r="http://schemas.openxmlformats.org/officeDocument/2006/relationships" xmlns:p="http://schemas.openxmlformats.org/presentationml/2006/main">
+  <p:cSld>
+    <p:spTree>
+      <p:nvGrpSpPr>
+        <p:cNvPr id="1" name=""/>
+        <p:cNvGrpSpPr/>
+        <p:nvPr/>
+      </p:nvGrpSpPr>
+      <p:grpSpPr>
+        <a:xfrm>
+          <a:off x="0" y="0"/>
+          <a:ext cx="0" cy="0"/>
+          <a:chOff x="0" y="0"/>
+          <a:chExt cx="0" cy="0"/>
+        </a:xfrm>
+      </p:grpSpPr>
+      <p:sp>
+        <p:nvSpPr>
+          <p:cNvPr id="2" name="Title 1"/>
+          <p:cNvSpPr>
+            <a:spLocks noGrp="1"/>
+          </p:cNvSpPr>
+          <p:nvPr>
+            <p:ph type="title"/>
+          </p:nvPr>
+        </p:nvSpPr>
+        <p:spPr/>
+        <p:txBody>
           <a:bodyPr>
             <a:normAutofit/>
           </a:bodyPr>
@@ -12414,7 +13446,7 @@
           <a:p>
             <a:fld id="{BE7B5DD7-0E96-E44E-B777-0B9A5C3419CF}" type="slidenum">
               <a:rPr lang="en-US" smtClean="0"/>
-              <a:t>30</a:t>
+              <a:t>31</a:t>
             </a:fld>
             <a:endParaRPr lang="en-US"/>
           </a:p>
@@ -12826,7 +13858,7 @@
 </p:sld>
 </file>
 
-<file path=ppt/slides/slide31.xml><?xml version="1.0" encoding="utf-8"?>
+<file path=ppt/slides/slide32.xml><?xml version="1.0" encoding="utf-8"?>
 <p:sld xmlns:a="http://schemas.openxmlformats.org/drawingml/2006/main" xmlns:r="http://schemas.openxmlformats.org/officeDocument/2006/relationships" xmlns:p="http://schemas.openxmlformats.org/presentationml/2006/main">
   <p:cSld>
     <p:spTree>
@@ -13070,7 +14102,7 @@
           <a:p>
             <a:fld id="{BE7B5DD7-0E96-E44E-B777-0B9A5C3419CF}" type="slidenum">
               <a:rPr lang="en-US" smtClean="0"/>
-              <a:t>31</a:t>
+              <a:t>32</a:t>
             </a:fld>
             <a:endParaRPr lang="en-US"/>
           </a:p>
@@ -13364,7 +14396,7 @@
 </p:sld>
 </file>
 
-<file path=ppt/slides/slide32.xml><?xml version="1.0" encoding="utf-8"?>
+<file path=ppt/slides/slide33.xml><?xml version="1.0" encoding="utf-8"?>
 <p:sld xmlns:a="http://schemas.openxmlformats.org/drawingml/2006/main" xmlns:r="http://schemas.openxmlformats.org/officeDocument/2006/relationships" xmlns:p="http://schemas.openxmlformats.org/presentationml/2006/main">
   <p:cSld>
     <p:spTree>
@@ -13548,7 +14580,7 @@
           <a:p>
             <a:fld id="{BE7B5DD7-0E96-E44E-B777-0B9A5C3419CF}" type="slidenum">
               <a:rPr lang="en-US" smtClean="0"/>
-              <a:t>32</a:t>
+              <a:t>33</a:t>
             </a:fld>
             <a:endParaRPr lang="en-US"/>
           </a:p>
@@ -13726,7 +14758,7 @@
 </p:sld>
 </file>
 
-<file path=ppt/slides/slide33.xml><?xml version="1.0" encoding="utf-8"?>
+<file path=ppt/slides/slide34.xml><?xml version="1.0" encoding="utf-8"?>
 <p:sld xmlns:a="http://schemas.openxmlformats.org/drawingml/2006/main" xmlns:r="http://schemas.openxmlformats.org/officeDocument/2006/relationships" xmlns:p="http://schemas.openxmlformats.org/presentationml/2006/main">
   <p:cSld>
     <p:spTree>
@@ -13997,7 +15029,7 @@
           <a:p>
             <a:fld id="{BE7B5DD7-0E96-E44E-B777-0B9A5C3419CF}" type="slidenum">
               <a:rPr lang="en-US" smtClean="0"/>
-              <a:t>33</a:t>
+              <a:t>34</a:t>
             </a:fld>
             <a:endParaRPr lang="en-US"/>
           </a:p>
@@ -14366,514 +15398,6 @@
 </p:sld>
 </file>
 
-<file path=ppt/slides/slide34.xml><?xml version="1.0" encoding="utf-8"?>
-<p:sld xmlns:a="http://schemas.openxmlformats.org/drawingml/2006/main" xmlns:r="http://schemas.openxmlformats.org/officeDocument/2006/relationships" xmlns:p="http://schemas.openxmlformats.org/presentationml/2006/main">
-  <p:cSld>
-    <p:spTree>
-      <p:nvGrpSpPr>
-        <p:cNvPr id="1" name=""/>
-        <p:cNvGrpSpPr/>
-        <p:nvPr/>
-      </p:nvGrpSpPr>
-      <p:grpSpPr>
-        <a:xfrm>
-          <a:off x="0" y="0"/>
-          <a:ext cx="0" cy="0"/>
-          <a:chOff x="0" y="0"/>
-          <a:chExt cx="0" cy="0"/>
-        </a:xfrm>
-      </p:grpSpPr>
-      <p:sp>
-        <p:nvSpPr>
-          <p:cNvPr id="2" name="Title 1"/>
-          <p:cNvSpPr>
-            <a:spLocks noGrp="1"/>
-          </p:cNvSpPr>
-          <p:nvPr>
-            <p:ph type="title"/>
-          </p:nvPr>
-        </p:nvSpPr>
-        <p:spPr/>
-        <p:txBody>
-          <a:bodyPr/>
-          <a:lstStyle/>
-          <a:p>
-            <a:r>
-              <a:rPr lang="en-US" smtClean="0"/>
-              <a:t>Local Variables</a:t>
-            </a:r>
-            <a:endParaRPr lang="en-US"/>
-          </a:p>
-        </p:txBody>
-      </p:sp>
-      <p:sp>
-        <p:nvSpPr>
-          <p:cNvPr id="3" name="Content Placeholder 2"/>
-          <p:cNvSpPr>
-            <a:spLocks noGrp="1"/>
-          </p:cNvSpPr>
-          <p:nvPr>
-            <p:ph idx="1"/>
-          </p:nvPr>
-        </p:nvSpPr>
-        <p:spPr>
-          <a:xfrm>
-            <a:off x="457200" y="1600201"/>
-            <a:ext cx="8229600" cy="1905000"/>
-          </a:xfrm>
-        </p:spPr>
-        <p:txBody>
-          <a:bodyPr>
-            <a:normAutofit fontScale="92500" lnSpcReduction="10000"/>
-          </a:bodyPr>
-          <a:lstStyle/>
-          <a:p>
-            <a:r>
-              <a:rPr lang="en-US" dirty="0"/>
-              <a:t>To specify the values for variables in your </a:t>
-            </a:r>
-            <a:r>
-              <a:rPr lang="en-US" dirty="0" smtClean="0"/>
-              <a:t>template (i.e. the client), </a:t>
-            </a:r>
-            <a:r>
-              <a:rPr lang="en-US" dirty="0"/>
-              <a:t>just modify </a:t>
-            </a:r>
-            <a:r>
-              <a:rPr lang="en-US" dirty="0" err="1" smtClean="0">
-                <a:latin typeface="Courier" charset="0"/>
-              </a:rPr>
-              <a:t>res.locals</a:t>
-            </a:r>
-            <a:endParaRPr lang="en-US" dirty="0"/>
-          </a:p>
-          <a:p>
-            <a:r>
-              <a:rPr lang="en-US" dirty="0" smtClean="0"/>
-              <a:t>This </a:t>
-            </a:r>
-            <a:r>
-              <a:rPr lang="en-US" dirty="0"/>
-              <a:t>can be done with some middleware:</a:t>
-            </a:r>
-            <a:endParaRPr lang="en-US" dirty="0"/>
-          </a:p>
-        </p:txBody>
-      </p:sp>
-      <p:sp>
-        <p:nvSpPr>
-          <p:cNvPr id="4" name="Footer Placeholder 3"/>
-          <p:cNvSpPr>
-            <a:spLocks noGrp="1"/>
-          </p:cNvSpPr>
-          <p:nvPr>
-            <p:ph type="ftr" sz="quarter" idx="11"/>
-          </p:nvPr>
-        </p:nvSpPr>
-        <p:spPr/>
-        <p:txBody>
-          <a:bodyPr/>
-          <a:lstStyle/>
-          <a:p>
-            <a:r>
-              <a:rPr lang="de-DE" smtClean="0"/>
-              <a:t>All slides can be found at pennapps-nodejs-workshop.herokuapp.com</a:t>
-            </a:r>
-            <a:endParaRPr lang="en-US" dirty="0"/>
-          </a:p>
-        </p:txBody>
-      </p:sp>
-      <p:sp>
-        <p:nvSpPr>
-          <p:cNvPr id="5" name="Slide Number Placeholder 4"/>
-          <p:cNvSpPr>
-            <a:spLocks noGrp="1"/>
-          </p:cNvSpPr>
-          <p:nvPr>
-            <p:ph type="sldNum" sz="quarter" idx="12"/>
-          </p:nvPr>
-        </p:nvSpPr>
-        <p:spPr/>
-        <p:txBody>
-          <a:bodyPr/>
-          <a:lstStyle/>
-          <a:p>
-            <a:fld id="{BE7B5DD7-0E96-E44E-B777-0B9A5C3419CF}" type="slidenum">
-              <a:rPr lang="en-US" smtClean="0"/>
-              <a:t>34</a:t>
-            </a:fld>
-            <a:endParaRPr lang="en-US"/>
-          </a:p>
-        </p:txBody>
-      </p:sp>
-      <p:sp>
-        <p:nvSpPr>
-          <p:cNvPr id="6" name="TextBox 5"/>
-          <p:cNvSpPr txBox="1"/>
-          <p:nvPr/>
-        </p:nvSpPr>
-        <p:spPr>
-          <a:xfrm>
-            <a:off x="457200" y="4191000"/>
-            <a:ext cx="8229599" cy="1200329"/>
-          </a:xfrm>
-          <a:prstGeom prst="rect">
-            <a:avLst/>
-          </a:prstGeom>
-          <a:solidFill>
-            <a:srgbClr val="000000"/>
-          </a:solidFill>
-        </p:spPr>
-        <p:txBody>
-          <a:bodyPr wrap="square" rtlCol="0">
-            <a:spAutoFit/>
-          </a:bodyPr>
-          <a:lstStyle/>
-          <a:p>
-            <a:r>
-              <a:rPr lang="en-US" dirty="0" err="1">
-                <a:solidFill>
-                  <a:srgbClr val="A6E22E"/>
-                </a:solidFill>
-                <a:latin typeface="Menlo" charset="0"/>
-              </a:rPr>
-              <a:t>app</a:t>
-            </a:r>
-            <a:r>
-              <a:rPr lang="en-US" dirty="0" err="1">
-                <a:solidFill>
-                  <a:srgbClr val="F8F8F2"/>
-                </a:solidFill>
-                <a:latin typeface="Menlo" charset="0"/>
-              </a:rPr>
-              <a:t>.</a:t>
-            </a:r>
-            <a:r>
-              <a:rPr lang="en-US" dirty="0" err="1">
-                <a:solidFill>
-                  <a:srgbClr val="A6E22E"/>
-                </a:solidFill>
-                <a:latin typeface="Menlo" charset="0"/>
-              </a:rPr>
-              <a:t>use</a:t>
-            </a:r>
-            <a:r>
-              <a:rPr lang="en-US" dirty="0">
-                <a:solidFill>
-                  <a:srgbClr val="F8F8F2"/>
-                </a:solidFill>
-                <a:latin typeface="Menlo" charset="0"/>
-              </a:rPr>
-              <a:t>(</a:t>
-            </a:r>
-            <a:r>
-              <a:rPr lang="en-US" dirty="0">
-                <a:solidFill>
-                  <a:srgbClr val="66D9EF"/>
-                </a:solidFill>
-                <a:latin typeface="Menlo" charset="0"/>
-              </a:rPr>
-              <a:t>function</a:t>
-            </a:r>
-            <a:r>
-              <a:rPr lang="en-US" dirty="0">
-                <a:solidFill>
-                  <a:srgbClr val="F8F8F2"/>
-                </a:solidFill>
-                <a:latin typeface="Menlo" charset="0"/>
-              </a:rPr>
-              <a:t> (</a:t>
-            </a:r>
-            <a:r>
-              <a:rPr lang="en-US" dirty="0" err="1">
-                <a:solidFill>
-                  <a:srgbClr val="A6E22E"/>
-                </a:solidFill>
-                <a:latin typeface="Menlo" charset="0"/>
-              </a:rPr>
-              <a:t>req</a:t>
-            </a:r>
-            <a:r>
-              <a:rPr lang="en-US" dirty="0">
-                <a:solidFill>
-                  <a:srgbClr val="F8F8F2"/>
-                </a:solidFill>
-                <a:latin typeface="Menlo" charset="0"/>
-              </a:rPr>
-              <a:t>, </a:t>
-            </a:r>
-            <a:r>
-              <a:rPr lang="en-US" dirty="0">
-                <a:solidFill>
-                  <a:srgbClr val="A6E22E"/>
-                </a:solidFill>
-                <a:latin typeface="Menlo" charset="0"/>
-              </a:rPr>
-              <a:t>res</a:t>
-            </a:r>
-            <a:r>
-              <a:rPr lang="en-US" dirty="0">
-                <a:solidFill>
-                  <a:srgbClr val="F8F8F2"/>
-                </a:solidFill>
-                <a:latin typeface="Menlo" charset="0"/>
-              </a:rPr>
-              <a:t>, </a:t>
-            </a:r>
-            <a:r>
-              <a:rPr lang="en-US" dirty="0">
-                <a:solidFill>
-                  <a:srgbClr val="A6E22E"/>
-                </a:solidFill>
-                <a:latin typeface="Menlo" charset="0"/>
-              </a:rPr>
-              <a:t>next</a:t>
-            </a:r>
-            <a:r>
-              <a:rPr lang="en-US" dirty="0">
-                <a:solidFill>
-                  <a:srgbClr val="F8F8F2"/>
-                </a:solidFill>
-                <a:latin typeface="Menlo" charset="0"/>
-              </a:rPr>
-              <a:t>) {</a:t>
-            </a:r>
-          </a:p>
-          <a:p>
-            <a:r>
-              <a:rPr lang="en-US" dirty="0">
-                <a:solidFill>
-                  <a:srgbClr val="F8F8F2"/>
-                </a:solidFill>
-                <a:latin typeface="Menlo" charset="0"/>
-              </a:rPr>
-              <a:t>  </a:t>
-            </a:r>
-            <a:r>
-              <a:rPr lang="en-US" dirty="0" err="1">
-                <a:solidFill>
-                  <a:srgbClr val="A6E22E"/>
-                </a:solidFill>
-                <a:latin typeface="Menlo" charset="0"/>
-              </a:rPr>
-              <a:t>res</a:t>
-            </a:r>
-            <a:r>
-              <a:rPr lang="en-US" dirty="0" err="1">
-                <a:solidFill>
-                  <a:srgbClr val="F8F8F2"/>
-                </a:solidFill>
-                <a:latin typeface="Menlo" charset="0"/>
-              </a:rPr>
-              <a:t>.</a:t>
-            </a:r>
-            <a:r>
-              <a:rPr lang="en-US" dirty="0" err="1">
-                <a:solidFill>
-                  <a:srgbClr val="A6E22E"/>
-                </a:solidFill>
-                <a:latin typeface="Menlo" charset="0"/>
-              </a:rPr>
-              <a:t>locals</a:t>
-            </a:r>
-            <a:r>
-              <a:rPr lang="en-US" dirty="0" err="1">
-                <a:solidFill>
-                  <a:srgbClr val="F8F8F2"/>
-                </a:solidFill>
-                <a:latin typeface="Menlo" charset="0"/>
-              </a:rPr>
-              <a:t>.</a:t>
-            </a:r>
-            <a:r>
-              <a:rPr lang="en-US" dirty="0" err="1">
-                <a:solidFill>
-                  <a:srgbClr val="A6E22E"/>
-                </a:solidFill>
-                <a:latin typeface="Menlo" charset="0"/>
-              </a:rPr>
-              <a:t>title</a:t>
-            </a:r>
-            <a:r>
-              <a:rPr lang="en-US" dirty="0">
-                <a:solidFill>
-                  <a:srgbClr val="F8F8F2"/>
-                </a:solidFill>
-                <a:latin typeface="Menlo" charset="0"/>
-              </a:rPr>
-              <a:t> </a:t>
-            </a:r>
-            <a:r>
-              <a:rPr lang="en-US" dirty="0">
-                <a:solidFill>
-                  <a:srgbClr val="F92672"/>
-                </a:solidFill>
-                <a:latin typeface="Menlo" charset="0"/>
-              </a:rPr>
-              <a:t>=</a:t>
-            </a:r>
-            <a:r>
-              <a:rPr lang="en-US" dirty="0">
-                <a:solidFill>
-                  <a:srgbClr val="F8F8F2"/>
-                </a:solidFill>
-                <a:latin typeface="Menlo" charset="0"/>
-              </a:rPr>
-              <a:t> </a:t>
-            </a:r>
-            <a:r>
-              <a:rPr lang="en-US" dirty="0">
-                <a:solidFill>
-                  <a:srgbClr val="E6DB74"/>
-                </a:solidFill>
-                <a:latin typeface="Menlo" charset="0"/>
-              </a:rPr>
-              <a:t>'My Awesome Express App'</a:t>
-            </a:r>
-            <a:r>
-              <a:rPr lang="en-US" dirty="0">
-                <a:solidFill>
-                  <a:srgbClr val="F8F8F2"/>
-                </a:solidFill>
-                <a:latin typeface="Menlo" charset="0"/>
-              </a:rPr>
-              <a:t>;</a:t>
-            </a:r>
-          </a:p>
-          <a:p>
-            <a:r>
-              <a:rPr lang="en-US" dirty="0">
-                <a:solidFill>
-                  <a:srgbClr val="F8F8F2"/>
-                </a:solidFill>
-                <a:latin typeface="Menlo" charset="0"/>
-              </a:rPr>
-              <a:t>  </a:t>
-            </a:r>
-            <a:r>
-              <a:rPr lang="en-US" dirty="0">
-                <a:solidFill>
-                  <a:srgbClr val="A6E22E"/>
-                </a:solidFill>
-                <a:latin typeface="Menlo" charset="0"/>
-              </a:rPr>
-              <a:t>next</a:t>
-            </a:r>
-            <a:r>
-              <a:rPr lang="en-US" dirty="0">
-                <a:solidFill>
-                  <a:srgbClr val="F8F8F2"/>
-                </a:solidFill>
-                <a:latin typeface="Menlo" charset="0"/>
-              </a:rPr>
-              <a:t>();</a:t>
-            </a:r>
-          </a:p>
-          <a:p>
-            <a:r>
-              <a:rPr lang="it-IT" dirty="0">
-                <a:solidFill>
-                  <a:srgbClr val="F8F8F2"/>
-                </a:solidFill>
-                <a:latin typeface="Menlo" charset="0"/>
-              </a:rPr>
-              <a:t>});</a:t>
-            </a:r>
-          </a:p>
-        </p:txBody>
-      </p:sp>
-    </p:spTree>
-    <p:extLst>
-      <p:ext uri="{BB962C8B-B14F-4D97-AF65-F5344CB8AC3E}">
-        <p14:creationId xmlns:p14="http://schemas.microsoft.com/office/powerpoint/2010/main" val="724752931"/>
-      </p:ext>
-    </p:extLst>
-  </p:cSld>
-  <p:clrMapOvr>
-    <a:masterClrMapping/>
-  </p:clrMapOvr>
-  <p:timing>
-    <p:tnLst>
-      <p:par>
-        <p:cTn id="1" dur="indefinite" restart="never" nodeType="tmRoot">
-          <p:childTnLst>
-            <p:seq concurrent="1" nextAc="seek">
-              <p:cTn id="2" dur="indefinite" nodeType="mainSeq">
-                <p:childTnLst>
-                  <p:par>
-                    <p:cTn id="3" fill="hold">
-                      <p:stCondLst>
-                        <p:cond delay="indefinite"/>
-                      </p:stCondLst>
-                      <p:childTnLst>
-                        <p:par>
-                          <p:cTn id="4" fill="hold">
-                            <p:stCondLst>
-                              <p:cond delay="0"/>
-                            </p:stCondLst>
-                            <p:childTnLst>
-                              <p:par>
-                                <p:cTn id="5" presetID="1" presetClass="entr" presetSubtype="0" fill="hold" grpId="0" nodeType="clickEffect">
-                                  <p:stCondLst>
-                                    <p:cond delay="0"/>
-                                  </p:stCondLst>
-                                  <p:childTnLst>
-                                    <p:set>
-                                      <p:cBhvr>
-                                        <p:cTn id="6" dur="1" fill="hold">
-                                          <p:stCondLst>
-                                            <p:cond delay="0"/>
-                                          </p:stCondLst>
-                                        </p:cTn>
-                                        <p:tgtEl>
-                                          <p:spTgt spid="6"/>
-                                        </p:tgtEl>
-                                        <p:attrNameLst>
-                                          <p:attrName>style.visibility</p:attrName>
-                                        </p:attrNameLst>
-                                      </p:cBhvr>
-                                      <p:to>
-                                        <p:strVal val="visible"/>
-                                      </p:to>
-                                    </p:set>
-                                  </p:childTnLst>
-                                </p:cTn>
-                              </p:par>
-                            </p:childTnLst>
-                          </p:cTn>
-                        </p:par>
-                      </p:childTnLst>
-                    </p:cTn>
-                  </p:par>
-                </p:childTnLst>
-              </p:cTn>
-              <p:prevCondLst>
-                <p:cond evt="onPrev" delay="0">
-                  <p:tgtEl>
-                    <p:sldTgt/>
-                  </p:tgtEl>
-                </p:cond>
-              </p:prevCondLst>
-              <p:nextCondLst>
-                <p:cond evt="onNext" delay="0">
-                  <p:tgtEl>
-                    <p:sldTgt/>
-                  </p:tgtEl>
-                </p:cond>
-              </p:nextCondLst>
-            </p:seq>
-          </p:childTnLst>
-        </p:cTn>
-      </p:par>
-    </p:tnLst>
-    <p:bldLst>
-      <p:bldP spid="6" grpId="0" animBg="1"/>
-    </p:bldLst>
-  </p:timing>
-</p:sld>
-</file>
-
 <file path=ppt/slides/slide35.xml><?xml version="1.0" encoding="utf-8"?>
 <p:sld xmlns:a="http://schemas.openxmlformats.org/drawingml/2006/main" xmlns:r="http://schemas.openxmlformats.org/officeDocument/2006/relationships" xmlns:p="http://schemas.openxmlformats.org/presentationml/2006/main">
   <p:cSld>
@@ -14907,10 +15431,10 @@
           <a:lstStyle/>
           <a:p>
             <a:r>
-              <a:rPr lang="en-US" dirty="0" smtClean="0"/>
-              <a:t>Rendering</a:t>
-            </a:r>
-            <a:endParaRPr lang="en-US" dirty="0"/>
+              <a:rPr lang="en-US" smtClean="0"/>
+              <a:t>Local Variables</a:t>
+            </a:r>
+            <a:endParaRPr lang="en-US"/>
           </a:p>
         </p:txBody>
       </p:sp>
@@ -14927,53 +15451,43 @@
         <p:spPr>
           <a:xfrm>
             <a:off x="457200" y="1600201"/>
-            <a:ext cx="8229600" cy="2667000"/>
+            <a:ext cx="8229600" cy="1905000"/>
           </a:xfrm>
         </p:spPr>
         <p:txBody>
-          <a:bodyPr/>
+          <a:bodyPr>
+            <a:normAutofit fontScale="92500" lnSpcReduction="10000"/>
+          </a:bodyPr>
           <a:lstStyle/>
           <a:p>
             <a:r>
               <a:rPr lang="en-US" dirty="0"/>
-              <a:t>Once you've set up your local variables, call </a:t>
+              <a:t>To specify the values for variables in your </a:t>
+            </a:r>
+            <a:r>
+              <a:rPr lang="en-US" dirty="0" smtClean="0"/>
+              <a:t>template (i.e. the client), </a:t>
+            </a:r>
+            <a:r>
+              <a:rPr lang="en-US" dirty="0"/>
+              <a:t>just modify </a:t>
             </a:r>
             <a:r>
               <a:rPr lang="en-US" dirty="0" err="1" smtClean="0">
                 <a:latin typeface="Courier" charset="0"/>
               </a:rPr>
-              <a:t>res.render</a:t>
-            </a:r>
-            <a:r>
-              <a:rPr lang="en-US" dirty="0" smtClean="0">
-                <a:latin typeface="Courier" charset="0"/>
-              </a:rPr>
-              <a:t>(template)</a:t>
-            </a:r>
-          </a:p>
-          <a:p>
-            <a:pPr lvl="1"/>
+              <a:t>res.locals</a:t>
+            </a:r>
+            <a:endParaRPr lang="en-US" dirty="0"/>
+          </a:p>
+          <a:p>
             <a:r>
               <a:rPr lang="en-US" dirty="0" smtClean="0"/>
-              <a:t>it'll </a:t>
+              <a:t>This </a:t>
             </a:r>
             <a:r>
               <a:rPr lang="en-US" dirty="0"/>
-              <a:t>render the template using the local </a:t>
-            </a:r>
-            <a:r>
-              <a:rPr lang="en-US" dirty="0" smtClean="0"/>
-              <a:t>values</a:t>
-            </a:r>
-          </a:p>
-          <a:p>
-            <a:r>
-              <a:rPr lang="en-US" dirty="0" smtClean="0"/>
-              <a:t>You </a:t>
-            </a:r>
-            <a:r>
-              <a:rPr lang="en-US" dirty="0"/>
-              <a:t>can also pass in more local variables at call time</a:t>
+              <a:t>can be done with some middleware:</a:t>
             </a:r>
             <a:endParaRPr lang="en-US" dirty="0"/>
           </a:p>
@@ -15033,8 +15547,8 @@
         </p:nvSpPr>
         <p:spPr>
           <a:xfrm>
-            <a:off x="457201" y="4850110"/>
-            <a:ext cx="8229599" cy="923330"/>
+            <a:off x="457200" y="4191000"/>
+            <a:ext cx="8229599" cy="1200329"/>
           </a:xfrm>
           <a:prstGeom prst="rect">
             <a:avLst/>
@@ -15074,7 +15588,7 @@
                 </a:solidFill>
                 <a:latin typeface="Menlo" charset="0"/>
               </a:rPr>
-              <a:t>get</a:t>
+              <a:t>use</a:t>
             </a:r>
             <a:r>
               <a:rPr lang="en-US" dirty="0">
@@ -15088,184 +15602,204 @@
             <a:r>
               <a:rPr lang="en-US" dirty="0">
                 <a:solidFill>
+                  <a:srgbClr val="66D9EF"/>
+                </a:solidFill>
+                <a:latin typeface="Menlo" charset="0"/>
+              </a:rPr>
+              <a:t>function</a:t>
+            </a:r>
+            <a:r>
+              <a:rPr lang="en-US" dirty="0">
+                <a:solidFill>
+                  <a:srgbClr val="F8F8F2"/>
+                </a:solidFill>
+                <a:latin typeface="Menlo" charset="0"/>
+              </a:rPr>
+              <a:t> (</a:t>
+            </a:r>
+            <a:r>
+              <a:rPr lang="en-US" dirty="0" err="1">
+                <a:solidFill>
+                  <a:srgbClr val="A6E22E"/>
+                </a:solidFill>
+                <a:latin typeface="Menlo" charset="0"/>
+              </a:rPr>
+              <a:t>req</a:t>
+            </a:r>
+            <a:r>
+              <a:rPr lang="en-US" dirty="0">
+                <a:solidFill>
+                  <a:srgbClr val="F8F8F2"/>
+                </a:solidFill>
+                <a:latin typeface="Menlo" charset="0"/>
+              </a:rPr>
+              <a:t>, </a:t>
+            </a:r>
+            <a:r>
+              <a:rPr lang="en-US" dirty="0">
+                <a:solidFill>
+                  <a:srgbClr val="A6E22E"/>
+                </a:solidFill>
+                <a:latin typeface="Menlo" charset="0"/>
+              </a:rPr>
+              <a:t>res</a:t>
+            </a:r>
+            <a:r>
+              <a:rPr lang="en-US" dirty="0">
+                <a:solidFill>
+                  <a:srgbClr val="F8F8F2"/>
+                </a:solidFill>
+                <a:latin typeface="Menlo" charset="0"/>
+              </a:rPr>
+              <a:t>, </a:t>
+            </a:r>
+            <a:r>
+              <a:rPr lang="en-US" dirty="0">
+                <a:solidFill>
+                  <a:srgbClr val="A6E22E"/>
+                </a:solidFill>
+                <a:latin typeface="Menlo" charset="0"/>
+              </a:rPr>
+              <a:t>next</a:t>
+            </a:r>
+            <a:r>
+              <a:rPr lang="en-US" dirty="0">
+                <a:solidFill>
+                  <a:srgbClr val="F8F8F2"/>
+                </a:solidFill>
+                <a:latin typeface="Menlo" charset="0"/>
+              </a:rPr>
+              <a:t>) {</a:t>
+            </a:r>
+          </a:p>
+          <a:p>
+            <a:r>
+              <a:rPr lang="en-US" dirty="0">
+                <a:solidFill>
+                  <a:srgbClr val="F8F8F2"/>
+                </a:solidFill>
+                <a:latin typeface="Menlo" charset="0"/>
+              </a:rPr>
+              <a:t>  </a:t>
+            </a:r>
+            <a:r>
+              <a:rPr lang="en-US" dirty="0" err="1">
+                <a:solidFill>
+                  <a:srgbClr val="A6E22E"/>
+                </a:solidFill>
+                <a:latin typeface="Menlo" charset="0"/>
+              </a:rPr>
+              <a:t>res</a:t>
+            </a:r>
+            <a:r>
+              <a:rPr lang="en-US" dirty="0" err="1">
+                <a:solidFill>
+                  <a:srgbClr val="F8F8F2"/>
+                </a:solidFill>
+                <a:latin typeface="Menlo" charset="0"/>
+              </a:rPr>
+              <a:t>.</a:t>
+            </a:r>
+            <a:r>
+              <a:rPr lang="en-US" dirty="0" err="1">
+                <a:solidFill>
+                  <a:srgbClr val="A6E22E"/>
+                </a:solidFill>
+                <a:latin typeface="Menlo" charset="0"/>
+              </a:rPr>
+              <a:t>locals</a:t>
+            </a:r>
+            <a:r>
+              <a:rPr lang="en-US" dirty="0" err="1">
+                <a:solidFill>
+                  <a:srgbClr val="F8F8F2"/>
+                </a:solidFill>
+                <a:latin typeface="Menlo" charset="0"/>
+              </a:rPr>
+              <a:t>.</a:t>
+            </a:r>
+            <a:r>
+              <a:rPr lang="en-US" dirty="0" err="1">
+                <a:solidFill>
+                  <a:srgbClr val="A6E22E"/>
+                </a:solidFill>
+                <a:latin typeface="Menlo" charset="0"/>
+              </a:rPr>
+              <a:t>title</a:t>
+            </a:r>
+            <a:r>
+              <a:rPr lang="en-US" dirty="0">
+                <a:solidFill>
+                  <a:srgbClr val="F8F8F2"/>
+                </a:solidFill>
+                <a:latin typeface="Menlo" charset="0"/>
+              </a:rPr>
+              <a:t> </a:t>
+            </a:r>
+            <a:r>
+              <a:rPr lang="en-US" dirty="0">
+                <a:solidFill>
+                  <a:srgbClr val="F92672"/>
+                </a:solidFill>
+                <a:latin typeface="Menlo" charset="0"/>
+              </a:rPr>
+              <a:t>=</a:t>
+            </a:r>
+            <a:r>
+              <a:rPr lang="en-US" dirty="0">
+                <a:solidFill>
+                  <a:srgbClr val="F8F8F2"/>
+                </a:solidFill>
+                <a:latin typeface="Menlo" charset="0"/>
+              </a:rPr>
+              <a:t> </a:t>
+            </a:r>
+            <a:r>
+              <a:rPr lang="en-US" dirty="0">
+                <a:solidFill>
                   <a:srgbClr val="E6DB74"/>
                 </a:solidFill>
                 <a:latin typeface="Menlo" charset="0"/>
               </a:rPr>
-              <a:t>'/'</a:t>
-            </a:r>
-            <a:r>
-              <a:rPr lang="en-US" dirty="0">
-                <a:solidFill>
-                  <a:srgbClr val="F8F8F2"/>
-                </a:solidFill>
-                <a:latin typeface="Menlo" charset="0"/>
-              </a:rPr>
-              <a:t>, </a:t>
-            </a:r>
-            <a:r>
-              <a:rPr lang="en-US" dirty="0">
-                <a:solidFill>
-                  <a:srgbClr val="66D9EF"/>
-                </a:solidFill>
-                <a:latin typeface="Menlo" charset="0"/>
-              </a:rPr>
-              <a:t>function</a:t>
-            </a:r>
-            <a:r>
-              <a:rPr lang="en-US" dirty="0">
-                <a:solidFill>
-                  <a:srgbClr val="F8F8F2"/>
-                </a:solidFill>
-                <a:latin typeface="Menlo" charset="0"/>
-              </a:rPr>
-              <a:t> (</a:t>
-            </a:r>
-            <a:r>
-              <a:rPr lang="en-US" dirty="0" err="1">
+              <a:t>'My Awesome Express App'</a:t>
+            </a:r>
+            <a:r>
+              <a:rPr lang="en-US" dirty="0">
+                <a:solidFill>
+                  <a:srgbClr val="F8F8F2"/>
+                </a:solidFill>
+                <a:latin typeface="Menlo" charset="0"/>
+              </a:rPr>
+              <a:t>;</a:t>
+            </a:r>
+          </a:p>
+          <a:p>
+            <a:r>
+              <a:rPr lang="en-US" dirty="0">
+                <a:solidFill>
+                  <a:srgbClr val="F8F8F2"/>
+                </a:solidFill>
+                <a:latin typeface="Menlo" charset="0"/>
+              </a:rPr>
+              <a:t>  </a:t>
+            </a:r>
+            <a:r>
+              <a:rPr lang="en-US" dirty="0">
                 <a:solidFill>
                   <a:srgbClr val="A6E22E"/>
                 </a:solidFill>
                 <a:latin typeface="Menlo" charset="0"/>
               </a:rPr>
-              <a:t>req</a:t>
-            </a:r>
-            <a:r>
-              <a:rPr lang="en-US" dirty="0">
-                <a:solidFill>
-                  <a:srgbClr val="F8F8F2"/>
-                </a:solidFill>
-                <a:latin typeface="Menlo" charset="0"/>
-              </a:rPr>
-              <a:t>, </a:t>
-            </a:r>
-            <a:r>
-              <a:rPr lang="en-US" dirty="0">
-                <a:solidFill>
-                  <a:srgbClr val="A6E22E"/>
-                </a:solidFill>
-                <a:latin typeface="Menlo" charset="0"/>
-              </a:rPr>
-              <a:t>res</a:t>
-            </a:r>
-            <a:r>
-              <a:rPr lang="en-US" dirty="0">
-                <a:solidFill>
-                  <a:srgbClr val="F8F8F2"/>
-                </a:solidFill>
-                <a:latin typeface="Menlo" charset="0"/>
-              </a:rPr>
-              <a:t>) {</a:t>
-            </a:r>
-          </a:p>
-          <a:p>
-            <a:r>
-              <a:rPr lang="en-US" dirty="0">
-                <a:solidFill>
-                  <a:srgbClr val="F8F8F2"/>
-                </a:solidFill>
-                <a:latin typeface="Menlo" charset="0"/>
-              </a:rPr>
-              <a:t>  </a:t>
-            </a:r>
-            <a:r>
-              <a:rPr lang="en-US" dirty="0" err="1">
-                <a:solidFill>
-                  <a:srgbClr val="A6E22E"/>
-                </a:solidFill>
-                <a:latin typeface="Menlo" charset="0"/>
-              </a:rPr>
-              <a:t>res</a:t>
-            </a:r>
-            <a:r>
-              <a:rPr lang="en-US" dirty="0" err="1">
-                <a:solidFill>
-                  <a:srgbClr val="F8F8F2"/>
-                </a:solidFill>
-                <a:latin typeface="Menlo" charset="0"/>
-              </a:rPr>
-              <a:t>.</a:t>
-            </a:r>
-            <a:r>
-              <a:rPr lang="en-US" dirty="0" err="1">
-                <a:solidFill>
-                  <a:srgbClr val="A6E22E"/>
-                </a:solidFill>
-                <a:latin typeface="Menlo" charset="0"/>
-              </a:rPr>
-              <a:t>render</a:t>
-            </a:r>
-            <a:r>
-              <a:rPr lang="en-US" dirty="0">
-                <a:solidFill>
-                  <a:srgbClr val="F8F8F2"/>
-                </a:solidFill>
-                <a:latin typeface="Menlo" charset="0"/>
-              </a:rPr>
-              <a:t>(</a:t>
-            </a:r>
-            <a:r>
-              <a:rPr lang="en-US" dirty="0">
-                <a:solidFill>
-                  <a:srgbClr val="E6DB74"/>
-                </a:solidFill>
-                <a:latin typeface="Menlo" charset="0"/>
-              </a:rPr>
-              <a:t>'index'</a:t>
-            </a:r>
-            <a:r>
-              <a:rPr lang="en-US" dirty="0">
-                <a:solidFill>
-                  <a:srgbClr val="F8F8F2"/>
-                </a:solidFill>
-                <a:latin typeface="Menlo" charset="0"/>
-              </a:rPr>
-              <a:t>, {</a:t>
-            </a:r>
-            <a:r>
-              <a:rPr lang="en-US" dirty="0">
-                <a:solidFill>
-                  <a:srgbClr val="A6E22E"/>
-                </a:solidFill>
-                <a:latin typeface="Menlo" charset="0"/>
-              </a:rPr>
-              <a:t>greeting</a:t>
-            </a:r>
-            <a:r>
-              <a:rPr lang="en-US" dirty="0">
-                <a:solidFill>
-                  <a:srgbClr val="F92672"/>
-                </a:solidFill>
-                <a:latin typeface="Menlo" charset="0"/>
-              </a:rPr>
-              <a:t>:</a:t>
-            </a:r>
-            <a:r>
-              <a:rPr lang="en-US" dirty="0">
-                <a:solidFill>
-                  <a:srgbClr val="F8F8F2"/>
-                </a:solidFill>
-                <a:latin typeface="Menlo" charset="0"/>
-              </a:rPr>
-              <a:t> </a:t>
-            </a:r>
-            <a:r>
-              <a:rPr lang="en-US" dirty="0">
-                <a:solidFill>
-                  <a:srgbClr val="E6DB74"/>
-                </a:solidFill>
-                <a:latin typeface="Menlo" charset="0"/>
-              </a:rPr>
-              <a:t>'hi'</a:t>
-            </a:r>
-            <a:r>
-              <a:rPr lang="en-US" dirty="0">
-                <a:solidFill>
-                  <a:srgbClr val="F8F8F2"/>
-                </a:solidFill>
-                <a:latin typeface="Menlo" charset="0"/>
-              </a:rPr>
-              <a:t>});</a:t>
+              <a:t>next</a:t>
+            </a:r>
+            <a:r>
+              <a:rPr lang="en-US" dirty="0">
+                <a:solidFill>
+                  <a:srgbClr val="F8F8F2"/>
+                </a:solidFill>
+                <a:latin typeface="Menlo" charset="0"/>
+              </a:rPr>
+              <a:t>();</a:t>
             </a:r>
           </a:p>
           <a:p>
@@ -15284,7 +15818,7 @@
     </p:spTree>
     <p:extLst>
       <p:ext uri="{BB962C8B-B14F-4D97-AF65-F5344CB8AC3E}">
-        <p14:creationId xmlns:p14="http://schemas.microsoft.com/office/powerpoint/2010/main" val="688404791"/>
+        <p14:creationId xmlns:p14="http://schemas.microsoft.com/office/powerpoint/2010/main" val="724752931"/>
       </p:ext>
     </p:extLst>
   </p:cSld>
@@ -15406,6 +15940,504 @@
           <a:p>
             <a:r>
               <a:rPr lang="en-US" dirty="0" smtClean="0"/>
+              <a:t>Rendering</a:t>
+            </a:r>
+            <a:endParaRPr lang="en-US" dirty="0"/>
+          </a:p>
+        </p:txBody>
+      </p:sp>
+      <p:sp>
+        <p:nvSpPr>
+          <p:cNvPr id="3" name="Content Placeholder 2"/>
+          <p:cNvSpPr>
+            <a:spLocks noGrp="1"/>
+          </p:cNvSpPr>
+          <p:nvPr>
+            <p:ph idx="1"/>
+          </p:nvPr>
+        </p:nvSpPr>
+        <p:spPr>
+          <a:xfrm>
+            <a:off x="457200" y="1600201"/>
+            <a:ext cx="8229600" cy="2667000"/>
+          </a:xfrm>
+        </p:spPr>
+        <p:txBody>
+          <a:bodyPr/>
+          <a:lstStyle/>
+          <a:p>
+            <a:r>
+              <a:rPr lang="en-US" dirty="0"/>
+              <a:t>Once you've set up your local variables, call </a:t>
+            </a:r>
+            <a:r>
+              <a:rPr lang="en-US" dirty="0" err="1" smtClean="0">
+                <a:latin typeface="Courier" charset="0"/>
+              </a:rPr>
+              <a:t>res.render</a:t>
+            </a:r>
+            <a:r>
+              <a:rPr lang="en-US" dirty="0" smtClean="0">
+                <a:latin typeface="Courier" charset="0"/>
+              </a:rPr>
+              <a:t>(template)</a:t>
+            </a:r>
+          </a:p>
+          <a:p>
+            <a:pPr lvl="1"/>
+            <a:r>
+              <a:rPr lang="en-US" dirty="0" smtClean="0"/>
+              <a:t>it'll </a:t>
+            </a:r>
+            <a:r>
+              <a:rPr lang="en-US" dirty="0"/>
+              <a:t>render the template using the local </a:t>
+            </a:r>
+            <a:r>
+              <a:rPr lang="en-US" dirty="0" smtClean="0"/>
+              <a:t>values</a:t>
+            </a:r>
+          </a:p>
+          <a:p>
+            <a:r>
+              <a:rPr lang="en-US" dirty="0" smtClean="0"/>
+              <a:t>You </a:t>
+            </a:r>
+            <a:r>
+              <a:rPr lang="en-US" dirty="0"/>
+              <a:t>can also pass in more local variables at call time</a:t>
+            </a:r>
+            <a:endParaRPr lang="en-US" dirty="0"/>
+          </a:p>
+        </p:txBody>
+      </p:sp>
+      <p:sp>
+        <p:nvSpPr>
+          <p:cNvPr id="4" name="Footer Placeholder 3"/>
+          <p:cNvSpPr>
+            <a:spLocks noGrp="1"/>
+          </p:cNvSpPr>
+          <p:nvPr>
+            <p:ph type="ftr" sz="quarter" idx="11"/>
+          </p:nvPr>
+        </p:nvSpPr>
+        <p:spPr/>
+        <p:txBody>
+          <a:bodyPr/>
+          <a:lstStyle/>
+          <a:p>
+            <a:r>
+              <a:rPr lang="de-DE" smtClean="0"/>
+              <a:t>All slides can be found at pennapps-nodejs-workshop.herokuapp.com</a:t>
+            </a:r>
+            <a:endParaRPr lang="en-US" dirty="0"/>
+          </a:p>
+        </p:txBody>
+      </p:sp>
+      <p:sp>
+        <p:nvSpPr>
+          <p:cNvPr id="5" name="Slide Number Placeholder 4"/>
+          <p:cNvSpPr>
+            <a:spLocks noGrp="1"/>
+          </p:cNvSpPr>
+          <p:nvPr>
+            <p:ph type="sldNum" sz="quarter" idx="12"/>
+          </p:nvPr>
+        </p:nvSpPr>
+        <p:spPr/>
+        <p:txBody>
+          <a:bodyPr/>
+          <a:lstStyle/>
+          <a:p>
+            <a:fld id="{BE7B5DD7-0E96-E44E-B777-0B9A5C3419CF}" type="slidenum">
+              <a:rPr lang="en-US" smtClean="0"/>
+              <a:t>36</a:t>
+            </a:fld>
+            <a:endParaRPr lang="en-US"/>
+          </a:p>
+        </p:txBody>
+      </p:sp>
+      <p:sp>
+        <p:nvSpPr>
+          <p:cNvPr id="6" name="TextBox 5"/>
+          <p:cNvSpPr txBox="1"/>
+          <p:nvPr/>
+        </p:nvSpPr>
+        <p:spPr>
+          <a:xfrm>
+            <a:off x="457201" y="4850110"/>
+            <a:ext cx="8229599" cy="923330"/>
+          </a:xfrm>
+          <a:prstGeom prst="rect">
+            <a:avLst/>
+          </a:prstGeom>
+          <a:solidFill>
+            <a:srgbClr val="000000"/>
+          </a:solidFill>
+        </p:spPr>
+        <p:txBody>
+          <a:bodyPr wrap="square" rtlCol="0">
+            <a:spAutoFit/>
+          </a:bodyPr>
+          <a:lstStyle/>
+          <a:p>
+            <a:r>
+              <a:rPr lang="en-US" dirty="0" err="1">
+                <a:solidFill>
+                  <a:srgbClr val="A6E22E"/>
+                </a:solidFill>
+                <a:latin typeface="Menlo" charset="0"/>
+              </a:rPr>
+              <a:t>app</a:t>
+            </a:r>
+            <a:r>
+              <a:rPr lang="en-US" dirty="0" err="1">
+                <a:solidFill>
+                  <a:srgbClr val="F8F8F2"/>
+                </a:solidFill>
+                <a:latin typeface="Menlo" charset="0"/>
+              </a:rPr>
+              <a:t>.</a:t>
+            </a:r>
+            <a:r>
+              <a:rPr lang="en-US" dirty="0" err="1">
+                <a:solidFill>
+                  <a:srgbClr val="A6E22E"/>
+                </a:solidFill>
+                <a:latin typeface="Menlo" charset="0"/>
+              </a:rPr>
+              <a:t>get</a:t>
+            </a:r>
+            <a:r>
+              <a:rPr lang="en-US" dirty="0">
+                <a:solidFill>
+                  <a:srgbClr val="F8F8F2"/>
+                </a:solidFill>
+                <a:latin typeface="Menlo" charset="0"/>
+              </a:rPr>
+              <a:t>(</a:t>
+            </a:r>
+            <a:r>
+              <a:rPr lang="en-US" dirty="0">
+                <a:solidFill>
+                  <a:srgbClr val="E6DB74"/>
+                </a:solidFill>
+                <a:latin typeface="Menlo" charset="0"/>
+              </a:rPr>
+              <a:t>'/'</a:t>
+            </a:r>
+            <a:r>
+              <a:rPr lang="en-US" dirty="0">
+                <a:solidFill>
+                  <a:srgbClr val="F8F8F2"/>
+                </a:solidFill>
+                <a:latin typeface="Menlo" charset="0"/>
+              </a:rPr>
+              <a:t>, </a:t>
+            </a:r>
+            <a:r>
+              <a:rPr lang="en-US" dirty="0">
+                <a:solidFill>
+                  <a:srgbClr val="66D9EF"/>
+                </a:solidFill>
+                <a:latin typeface="Menlo" charset="0"/>
+              </a:rPr>
+              <a:t>function</a:t>
+            </a:r>
+            <a:r>
+              <a:rPr lang="en-US" dirty="0">
+                <a:solidFill>
+                  <a:srgbClr val="F8F8F2"/>
+                </a:solidFill>
+                <a:latin typeface="Menlo" charset="0"/>
+              </a:rPr>
+              <a:t> (</a:t>
+            </a:r>
+            <a:r>
+              <a:rPr lang="en-US" dirty="0" err="1">
+                <a:solidFill>
+                  <a:srgbClr val="A6E22E"/>
+                </a:solidFill>
+                <a:latin typeface="Menlo" charset="0"/>
+              </a:rPr>
+              <a:t>req</a:t>
+            </a:r>
+            <a:r>
+              <a:rPr lang="en-US" dirty="0">
+                <a:solidFill>
+                  <a:srgbClr val="F8F8F2"/>
+                </a:solidFill>
+                <a:latin typeface="Menlo" charset="0"/>
+              </a:rPr>
+              <a:t>, </a:t>
+            </a:r>
+            <a:r>
+              <a:rPr lang="en-US" dirty="0">
+                <a:solidFill>
+                  <a:srgbClr val="A6E22E"/>
+                </a:solidFill>
+                <a:latin typeface="Menlo" charset="0"/>
+              </a:rPr>
+              <a:t>res</a:t>
+            </a:r>
+            <a:r>
+              <a:rPr lang="en-US" dirty="0">
+                <a:solidFill>
+                  <a:srgbClr val="F8F8F2"/>
+                </a:solidFill>
+                <a:latin typeface="Menlo" charset="0"/>
+              </a:rPr>
+              <a:t>) {</a:t>
+            </a:r>
+          </a:p>
+          <a:p>
+            <a:r>
+              <a:rPr lang="en-US" dirty="0">
+                <a:solidFill>
+                  <a:srgbClr val="F8F8F2"/>
+                </a:solidFill>
+                <a:latin typeface="Menlo" charset="0"/>
+              </a:rPr>
+              <a:t>  </a:t>
+            </a:r>
+            <a:r>
+              <a:rPr lang="en-US" dirty="0" err="1">
+                <a:solidFill>
+                  <a:srgbClr val="A6E22E"/>
+                </a:solidFill>
+                <a:latin typeface="Menlo" charset="0"/>
+              </a:rPr>
+              <a:t>res</a:t>
+            </a:r>
+            <a:r>
+              <a:rPr lang="en-US" dirty="0" err="1">
+                <a:solidFill>
+                  <a:srgbClr val="F8F8F2"/>
+                </a:solidFill>
+                <a:latin typeface="Menlo" charset="0"/>
+              </a:rPr>
+              <a:t>.</a:t>
+            </a:r>
+            <a:r>
+              <a:rPr lang="en-US" dirty="0" err="1">
+                <a:solidFill>
+                  <a:srgbClr val="A6E22E"/>
+                </a:solidFill>
+                <a:latin typeface="Menlo" charset="0"/>
+              </a:rPr>
+              <a:t>render</a:t>
+            </a:r>
+            <a:r>
+              <a:rPr lang="en-US" dirty="0">
+                <a:solidFill>
+                  <a:srgbClr val="F8F8F2"/>
+                </a:solidFill>
+                <a:latin typeface="Menlo" charset="0"/>
+              </a:rPr>
+              <a:t>(</a:t>
+            </a:r>
+            <a:r>
+              <a:rPr lang="en-US" dirty="0">
+                <a:solidFill>
+                  <a:srgbClr val="E6DB74"/>
+                </a:solidFill>
+                <a:latin typeface="Menlo" charset="0"/>
+              </a:rPr>
+              <a:t>'index'</a:t>
+            </a:r>
+            <a:r>
+              <a:rPr lang="en-US" dirty="0">
+                <a:solidFill>
+                  <a:srgbClr val="F8F8F2"/>
+                </a:solidFill>
+                <a:latin typeface="Menlo" charset="0"/>
+              </a:rPr>
+              <a:t>, {</a:t>
+            </a:r>
+            <a:r>
+              <a:rPr lang="en-US" dirty="0">
+                <a:solidFill>
+                  <a:srgbClr val="A6E22E"/>
+                </a:solidFill>
+                <a:latin typeface="Menlo" charset="0"/>
+              </a:rPr>
+              <a:t>greeting</a:t>
+            </a:r>
+            <a:r>
+              <a:rPr lang="en-US" dirty="0">
+                <a:solidFill>
+                  <a:srgbClr val="F92672"/>
+                </a:solidFill>
+                <a:latin typeface="Menlo" charset="0"/>
+              </a:rPr>
+              <a:t>:</a:t>
+            </a:r>
+            <a:r>
+              <a:rPr lang="en-US" dirty="0">
+                <a:solidFill>
+                  <a:srgbClr val="F8F8F2"/>
+                </a:solidFill>
+                <a:latin typeface="Menlo" charset="0"/>
+              </a:rPr>
+              <a:t> </a:t>
+            </a:r>
+            <a:r>
+              <a:rPr lang="en-US" dirty="0">
+                <a:solidFill>
+                  <a:srgbClr val="E6DB74"/>
+                </a:solidFill>
+                <a:latin typeface="Menlo" charset="0"/>
+              </a:rPr>
+              <a:t>'hi'</a:t>
+            </a:r>
+            <a:r>
+              <a:rPr lang="en-US" dirty="0">
+                <a:solidFill>
+                  <a:srgbClr val="F8F8F2"/>
+                </a:solidFill>
+                <a:latin typeface="Menlo" charset="0"/>
+              </a:rPr>
+              <a:t>});</a:t>
+            </a:r>
+          </a:p>
+          <a:p>
+            <a:r>
+              <a:rPr lang="it-IT" dirty="0">
+                <a:solidFill>
+                  <a:srgbClr val="F8F8F2"/>
+                </a:solidFill>
+                <a:latin typeface="Menlo" charset="0"/>
+              </a:rPr>
+              <a:t>});</a:t>
+            </a:r>
+          </a:p>
+        </p:txBody>
+      </p:sp>
+    </p:spTree>
+    <p:extLst>
+      <p:ext uri="{BB962C8B-B14F-4D97-AF65-F5344CB8AC3E}">
+        <p14:creationId xmlns:p14="http://schemas.microsoft.com/office/powerpoint/2010/main" val="688404791"/>
+      </p:ext>
+    </p:extLst>
+  </p:cSld>
+  <p:clrMapOvr>
+    <a:masterClrMapping/>
+  </p:clrMapOvr>
+  <p:timing>
+    <p:tnLst>
+      <p:par>
+        <p:cTn id="1" dur="indefinite" restart="never" nodeType="tmRoot">
+          <p:childTnLst>
+            <p:seq concurrent="1" nextAc="seek">
+              <p:cTn id="2" dur="indefinite" nodeType="mainSeq">
+                <p:childTnLst>
+                  <p:par>
+                    <p:cTn id="3" fill="hold">
+                      <p:stCondLst>
+                        <p:cond delay="indefinite"/>
+                      </p:stCondLst>
+                      <p:childTnLst>
+                        <p:par>
+                          <p:cTn id="4" fill="hold">
+                            <p:stCondLst>
+                              <p:cond delay="0"/>
+                            </p:stCondLst>
+                            <p:childTnLst>
+                              <p:par>
+                                <p:cTn id="5" presetID="1" presetClass="entr" presetSubtype="0" fill="hold" grpId="0" nodeType="clickEffect">
+                                  <p:stCondLst>
+                                    <p:cond delay="0"/>
+                                  </p:stCondLst>
+                                  <p:childTnLst>
+                                    <p:set>
+                                      <p:cBhvr>
+                                        <p:cTn id="6" dur="1" fill="hold">
+                                          <p:stCondLst>
+                                            <p:cond delay="0"/>
+                                          </p:stCondLst>
+                                        </p:cTn>
+                                        <p:tgtEl>
+                                          <p:spTgt spid="6"/>
+                                        </p:tgtEl>
+                                        <p:attrNameLst>
+                                          <p:attrName>style.visibility</p:attrName>
+                                        </p:attrNameLst>
+                                      </p:cBhvr>
+                                      <p:to>
+                                        <p:strVal val="visible"/>
+                                      </p:to>
+                                    </p:set>
+                                  </p:childTnLst>
+                                </p:cTn>
+                              </p:par>
+                            </p:childTnLst>
+                          </p:cTn>
+                        </p:par>
+                      </p:childTnLst>
+                    </p:cTn>
+                  </p:par>
+                </p:childTnLst>
+              </p:cTn>
+              <p:prevCondLst>
+                <p:cond evt="onPrev" delay="0">
+                  <p:tgtEl>
+                    <p:sldTgt/>
+                  </p:tgtEl>
+                </p:cond>
+              </p:prevCondLst>
+              <p:nextCondLst>
+                <p:cond evt="onNext" delay="0">
+                  <p:tgtEl>
+                    <p:sldTgt/>
+                  </p:tgtEl>
+                </p:cond>
+              </p:nextCondLst>
+            </p:seq>
+          </p:childTnLst>
+        </p:cTn>
+      </p:par>
+    </p:tnLst>
+    <p:bldLst>
+      <p:bldP spid="6" grpId="0" animBg="1"/>
+    </p:bldLst>
+  </p:timing>
+</p:sld>
+</file>
+
+<file path=ppt/slides/slide37.xml><?xml version="1.0" encoding="utf-8"?>
+<p:sld xmlns:a="http://schemas.openxmlformats.org/drawingml/2006/main" xmlns:r="http://schemas.openxmlformats.org/officeDocument/2006/relationships" xmlns:p="http://schemas.openxmlformats.org/presentationml/2006/main">
+  <p:cSld>
+    <p:spTree>
+      <p:nvGrpSpPr>
+        <p:cNvPr id="1" name=""/>
+        <p:cNvGrpSpPr/>
+        <p:nvPr/>
+      </p:nvGrpSpPr>
+      <p:grpSpPr>
+        <a:xfrm>
+          <a:off x="0" y="0"/>
+          <a:ext cx="0" cy="0"/>
+          <a:chOff x="0" y="0"/>
+          <a:chExt cx="0" cy="0"/>
+        </a:xfrm>
+      </p:grpSpPr>
+      <p:sp>
+        <p:nvSpPr>
+          <p:cNvPr id="2" name="Title 1"/>
+          <p:cNvSpPr>
+            <a:spLocks noGrp="1"/>
+          </p:cNvSpPr>
+          <p:nvPr>
+            <p:ph type="title"/>
+          </p:nvPr>
+        </p:nvSpPr>
+        <p:spPr/>
+        <p:txBody>
+          <a:bodyPr/>
+          <a:lstStyle/>
+          <a:p>
+            <a:r>
+              <a:rPr lang="en-US" dirty="0" smtClean="0"/>
               <a:t>View Engine</a:t>
             </a:r>
             <a:endParaRPr lang="en-US" dirty="0"/>
@@ -15555,7 +16587,7 @@
           <a:p>
             <a:fld id="{BE7B5DD7-0E96-E44E-B777-0B9A5C3419CF}" type="slidenum">
               <a:rPr lang="en-US" smtClean="0"/>
-              <a:t>36</a:t>
+              <a:t>37</a:t>
             </a:fld>
             <a:endParaRPr lang="en-US"/>
           </a:p>
@@ -15960,6 +16992,214 @@
     <p:bldLst>
       <p:bldP spid="6" grpId="0" animBg="1"/>
     </p:bldLst>
+  </p:timing>
+</p:sld>
+</file>
+
+<file path=ppt/slides/slide38.xml><?xml version="1.0" encoding="utf-8"?>
+<p:sld xmlns:a="http://schemas.openxmlformats.org/drawingml/2006/main" xmlns:r="http://schemas.openxmlformats.org/officeDocument/2006/relationships" xmlns:p="http://schemas.openxmlformats.org/presentationml/2006/main">
+  <p:cSld>
+    <p:spTree>
+      <p:nvGrpSpPr>
+        <p:cNvPr id="1" name=""/>
+        <p:cNvGrpSpPr/>
+        <p:nvPr/>
+      </p:nvGrpSpPr>
+      <p:grpSpPr>
+        <a:xfrm>
+          <a:off x="0" y="0"/>
+          <a:ext cx="0" cy="0"/>
+          <a:chOff x="0" y="0"/>
+          <a:chExt cx="0" cy="0"/>
+        </a:xfrm>
+      </p:grpSpPr>
+      <p:sp>
+        <p:nvSpPr>
+          <p:cNvPr id="2" name="Title 1"/>
+          <p:cNvSpPr>
+            <a:spLocks noGrp="1"/>
+          </p:cNvSpPr>
+          <p:nvPr>
+            <p:ph type="title"/>
+          </p:nvPr>
+        </p:nvSpPr>
+        <p:spPr/>
+        <p:txBody>
+          <a:bodyPr/>
+          <a:lstStyle/>
+          <a:p>
+            <a:r>
+              <a:rPr lang="en-US" dirty="0" smtClean="0"/>
+              <a:t>Next Steps</a:t>
+            </a:r>
+            <a:endParaRPr lang="en-US" dirty="0"/>
+          </a:p>
+        </p:txBody>
+      </p:sp>
+      <p:sp>
+        <p:nvSpPr>
+          <p:cNvPr id="3" name="Content Placeholder 2"/>
+          <p:cNvSpPr>
+            <a:spLocks noGrp="1"/>
+          </p:cNvSpPr>
+          <p:nvPr>
+            <p:ph idx="1"/>
+          </p:nvPr>
+        </p:nvSpPr>
+        <p:spPr/>
+        <p:txBody>
+          <a:bodyPr/>
+          <a:lstStyle/>
+          <a:p>
+            <a:r>
+              <a:rPr lang="en-US" dirty="0" smtClean="0"/>
+              <a:t>Look at </a:t>
+            </a:r>
+            <a:r>
+              <a:rPr lang="en-US" dirty="0" smtClean="0">
+                <a:hlinkClick r:id="rId2"/>
+              </a:rPr>
+              <a:t>MongoDB</a:t>
+            </a:r>
+            <a:endParaRPr lang="en-US" dirty="0" smtClean="0"/>
+          </a:p>
+          <a:p>
+            <a:pPr lvl="1"/>
+            <a:r>
+              <a:rPr lang="en-US" dirty="0" smtClean="0"/>
+              <a:t>Use </a:t>
+            </a:r>
+            <a:r>
+              <a:rPr lang="en-US" dirty="0" smtClean="0">
+                <a:hlinkClick r:id="rId3"/>
+              </a:rPr>
+              <a:t>mongoose</a:t>
+            </a:r>
+            <a:r>
+              <a:rPr lang="en-US" dirty="0" smtClean="0"/>
+              <a:t> as your ODM</a:t>
+            </a:r>
+          </a:p>
+          <a:p>
+            <a:r>
+              <a:rPr lang="en-US" dirty="0" smtClean="0"/>
+              <a:t>Look at </a:t>
+            </a:r>
+            <a:r>
+              <a:rPr lang="en-US" dirty="0" smtClean="0">
+                <a:hlinkClick r:id="rId4"/>
+              </a:rPr>
+              <a:t>jQuery</a:t>
+            </a:r>
+            <a:endParaRPr lang="en-US" dirty="0" smtClean="0"/>
+          </a:p>
+          <a:p>
+            <a:pPr lvl="1"/>
+            <a:r>
+              <a:rPr lang="en-US" dirty="0" smtClean="0"/>
+              <a:t>Useful for manipulating the DOM</a:t>
+            </a:r>
+          </a:p>
+          <a:p>
+            <a:r>
+              <a:rPr lang="en-US" dirty="0" smtClean="0"/>
+              <a:t>After all that, look at frontend frameworks</a:t>
+            </a:r>
+          </a:p>
+          <a:p>
+            <a:pPr lvl="1"/>
+            <a:r>
+              <a:rPr lang="en-US" dirty="0" err="1" smtClean="0">
+                <a:hlinkClick r:id="rId5"/>
+              </a:rPr>
+              <a:t>ReactJS</a:t>
+            </a:r>
+            <a:endParaRPr lang="en-US" dirty="0" smtClean="0"/>
+          </a:p>
+          <a:p>
+            <a:pPr lvl="1"/>
+            <a:r>
+              <a:rPr lang="en-US" dirty="0" err="1" smtClean="0">
+                <a:hlinkClick r:id="rId6"/>
+              </a:rPr>
+              <a:t>EmberJS</a:t>
+            </a:r>
+            <a:endParaRPr lang="en-US" dirty="0" smtClean="0"/>
+          </a:p>
+          <a:p>
+            <a:pPr lvl="1"/>
+            <a:r>
+              <a:rPr lang="en-US" dirty="0" err="1" smtClean="0">
+                <a:hlinkClick r:id="rId7"/>
+              </a:rPr>
+              <a:t>BackboneJS</a:t>
+            </a:r>
+            <a:endParaRPr lang="en-US" dirty="0"/>
+          </a:p>
+        </p:txBody>
+      </p:sp>
+      <p:sp>
+        <p:nvSpPr>
+          <p:cNvPr id="4" name="Footer Placeholder 3"/>
+          <p:cNvSpPr>
+            <a:spLocks noGrp="1"/>
+          </p:cNvSpPr>
+          <p:nvPr>
+            <p:ph type="ftr" sz="quarter" idx="11"/>
+          </p:nvPr>
+        </p:nvSpPr>
+        <p:spPr/>
+        <p:txBody>
+          <a:bodyPr/>
+          <a:lstStyle/>
+          <a:p>
+            <a:r>
+              <a:rPr lang="de-DE" smtClean="0"/>
+              <a:t>All slides can be found at pennapps-nodejs-workshop.herokuapp.com</a:t>
+            </a:r>
+            <a:endParaRPr lang="en-US" dirty="0"/>
+          </a:p>
+        </p:txBody>
+      </p:sp>
+      <p:sp>
+        <p:nvSpPr>
+          <p:cNvPr id="5" name="Slide Number Placeholder 4"/>
+          <p:cNvSpPr>
+            <a:spLocks noGrp="1"/>
+          </p:cNvSpPr>
+          <p:nvPr>
+            <p:ph type="sldNum" sz="quarter" idx="12"/>
+          </p:nvPr>
+        </p:nvSpPr>
+        <p:spPr/>
+        <p:txBody>
+          <a:bodyPr/>
+          <a:lstStyle/>
+          <a:p>
+            <a:fld id="{BE7B5DD7-0E96-E44E-B777-0B9A5C3419CF}" type="slidenum">
+              <a:rPr lang="en-US" smtClean="0"/>
+              <a:t>38</a:t>
+            </a:fld>
+            <a:endParaRPr lang="en-US"/>
+          </a:p>
+        </p:txBody>
+      </p:sp>
+    </p:spTree>
+    <p:extLst>
+      <p:ext uri="{BB962C8B-B14F-4D97-AF65-F5344CB8AC3E}">
+        <p14:creationId xmlns:p14="http://schemas.microsoft.com/office/powerpoint/2010/main" val="2020269974"/>
+      </p:ext>
+    </p:extLst>
+  </p:cSld>
+  <p:clrMapOvr>
+    <a:masterClrMapping/>
+  </p:clrMapOvr>
+  <p:timing>
+    <p:tnLst>
+      <p:par>
+        <p:cTn id="1" dur="indefinite" restart="never" nodeType="tmRoot"/>
+      </p:par>
+    </p:tnLst>
   </p:timing>
 </p:sld>
 </file>

--- a/pennapps-nodejs-workshop.pptx
+++ b/pennapps-nodejs-workshop.pptx
@@ -5,10 +5,10 @@
     <p:sldMasterId id="2147483648" r:id="rId1"/>
   </p:sldMasterIdLst>
   <p:notesMasterIdLst>
-    <p:notesMasterId r:id="rId40"/>
+    <p:notesMasterId r:id="rId41"/>
   </p:notesMasterIdLst>
   <p:handoutMasterIdLst>
-    <p:handoutMasterId r:id="rId41"/>
+    <p:handoutMasterId r:id="rId42"/>
   </p:handoutMasterIdLst>
   <p:sldIdLst>
     <p:sldId id="256" r:id="rId2"/>
@@ -48,7 +48,8 @@
     <p:sldId id="290" r:id="rId36"/>
     <p:sldId id="291" r:id="rId37"/>
     <p:sldId id="292" r:id="rId38"/>
-    <p:sldId id="294" r:id="rId39"/>
+    <p:sldId id="295" r:id="rId39"/>
+    <p:sldId id="294" r:id="rId40"/>
   </p:sldIdLst>
   <p:sldSz cx="9144000" cy="6858000" type="screen4x3"/>
   <p:notesSz cx="6858000" cy="9144000"/>
@@ -17030,7 +17031,7 @@
           <a:p>
             <a:r>
               <a:rPr lang="en-US" dirty="0" smtClean="0"/>
-              <a:t>Next Steps</a:t>
+              <a:t>EJS</a:t>
             </a:r>
             <a:endParaRPr lang="en-US" dirty="0"/>
           </a:p>
@@ -17053,88 +17054,60 @@
           <a:p>
             <a:r>
               <a:rPr lang="en-US" dirty="0" smtClean="0"/>
-              <a:t>Look at </a:t>
+              <a:t>You can render JavaScript variables with </a:t>
             </a:r>
             <a:r>
               <a:rPr lang="en-US" dirty="0" smtClean="0">
-                <a:hlinkClick r:id="rId2"/>
-              </a:rPr>
-              <a:t>MongoDB</a:t>
-            </a:r>
-            <a:endParaRPr lang="en-US" dirty="0" smtClean="0"/>
-          </a:p>
-          <a:p>
-            <a:pPr lvl="1"/>
+                <a:latin typeface="Courier" charset="0"/>
+                <a:ea typeface="Courier New" charset="0"/>
+                <a:cs typeface="Courier New" charset="0"/>
+              </a:rPr>
+              <a:t>&lt;%= variable %&gt;</a:t>
+            </a:r>
+          </a:p>
+          <a:p>
             <a:r>
               <a:rPr lang="en-US" dirty="0" smtClean="0"/>
-              <a:t>Use </a:t>
+              <a:t>You can also run JavaScript directly on the browser with </a:t>
             </a:r>
             <a:r>
               <a:rPr lang="en-US" dirty="0" smtClean="0">
-                <a:hlinkClick r:id="rId3"/>
-              </a:rPr>
-              <a:t>mongoose</a:t>
-            </a:r>
-            <a:r>
-              <a:rPr lang="en-US" dirty="0" smtClean="0"/>
-              <a:t> as your ODM</a:t>
-            </a:r>
-          </a:p>
-          <a:p>
-            <a:r>
-              <a:rPr lang="en-US" dirty="0" smtClean="0"/>
-              <a:t>Look at </a:t>
-            </a:r>
+                <a:latin typeface="Courier" charset="0"/>
+                <a:ea typeface="Courier New" charset="0"/>
+                <a:cs typeface="Courier New" charset="0"/>
+              </a:rPr>
+              <a:t>&lt;% CODE %&gt;</a:t>
+            </a:r>
+          </a:p>
+          <a:p>
             <a:r>
               <a:rPr lang="en-US" dirty="0" smtClean="0">
-                <a:hlinkClick r:id="rId4"/>
-              </a:rPr>
-              <a:t>jQuery</a:t>
-            </a:r>
-            <a:endParaRPr lang="en-US" dirty="0" smtClean="0"/>
-          </a:p>
-          <a:p>
-            <a:pPr lvl="1"/>
-            <a:r>
-              <a:rPr lang="en-US" dirty="0" smtClean="0"/>
-              <a:t>Useful for manipulating the DOM</a:t>
-            </a:r>
-          </a:p>
-          <a:p>
-            <a:r>
-              <a:rPr lang="en-US" dirty="0" smtClean="0"/>
-              <a:t>After all that, look at frontend frameworks</a:t>
-            </a:r>
-          </a:p>
-          <a:p>
-            <a:pPr lvl="1"/>
-            <a:r>
-              <a:rPr lang="en-US" dirty="0" err="1" smtClean="0">
-                <a:hlinkClick r:id="rId5"/>
-              </a:rPr>
-              <a:t>ReactJS</a:t>
-            </a:r>
-            <a:endParaRPr lang="en-US" dirty="0" smtClean="0"/>
-          </a:p>
-          <a:p>
-            <a:pPr lvl="1"/>
-            <a:r>
-              <a:rPr lang="en-US" dirty="0" err="1" smtClean="0">
-                <a:hlinkClick r:id="rId6"/>
-              </a:rPr>
-              <a:t>EmberJS</a:t>
-            </a:r>
-            <a:endParaRPr lang="en-US" dirty="0" smtClean="0"/>
-          </a:p>
-          <a:p>
-            <a:pPr lvl="1"/>
-            <a:r>
-              <a:rPr lang="en-US" dirty="0" err="1" smtClean="0">
-                <a:hlinkClick r:id="rId7"/>
-              </a:rPr>
-              <a:t>BackboneJS</a:t>
-            </a:r>
-            <a:endParaRPr lang="en-US" dirty="0"/>
+                <a:ea typeface="Courier New" charset="0"/>
+                <a:cs typeface="Courier New" charset="0"/>
+              </a:rPr>
+              <a:t>These files typically have the extension </a:t>
+            </a:r>
+            <a:r>
+              <a:rPr lang="en-US" dirty="0" smtClean="0">
+                <a:latin typeface="Courier" charset="0"/>
+                <a:ea typeface="Courier" charset="0"/>
+                <a:cs typeface="Courier" charset="0"/>
+              </a:rPr>
+              <a:t>.</a:t>
+            </a:r>
+            <a:r>
+              <a:rPr lang="en-US" smtClean="0">
+                <a:latin typeface="Courier" charset="0"/>
+                <a:ea typeface="Courier" charset="0"/>
+                <a:cs typeface="Courier" charset="0"/>
+              </a:rPr>
+              <a:t>html.ejs</a:t>
+            </a:r>
+            <a:endParaRPr lang="en-US" dirty="0">
+              <a:latin typeface="Courier" charset="0"/>
+              <a:ea typeface="Courier" charset="0"/>
+              <a:cs typeface="Courier" charset="0"/>
+            </a:endParaRPr>
           </a:p>
         </p:txBody>
       </p:sp>
@@ -17179,6 +17152,335 @@
             <a:fld id="{BE7B5DD7-0E96-E44E-B777-0B9A5C3419CF}" type="slidenum">
               <a:rPr lang="en-US" smtClean="0"/>
               <a:t>38</a:t>
+            </a:fld>
+            <a:endParaRPr lang="en-US"/>
+          </a:p>
+        </p:txBody>
+      </p:sp>
+    </p:spTree>
+    <p:extLst>
+      <p:ext uri="{BB962C8B-B14F-4D97-AF65-F5344CB8AC3E}">
+        <p14:creationId xmlns:p14="http://schemas.microsoft.com/office/powerpoint/2010/main" val="451541115"/>
+      </p:ext>
+    </p:extLst>
+  </p:cSld>
+  <p:clrMapOvr>
+    <a:masterClrMapping/>
+  </p:clrMapOvr>
+  <p:timing>
+    <p:tnLst>
+      <p:par>
+        <p:cTn id="1" dur="indefinite" restart="never" nodeType="tmRoot">
+          <p:childTnLst>
+            <p:seq concurrent="1" nextAc="seek">
+              <p:cTn id="2" dur="indefinite" nodeType="mainSeq">
+                <p:childTnLst>
+                  <p:par>
+                    <p:cTn id="3" fill="hold">
+                      <p:stCondLst>
+                        <p:cond delay="indefinite"/>
+                      </p:stCondLst>
+                      <p:childTnLst>
+                        <p:par>
+                          <p:cTn id="4" fill="hold">
+                            <p:stCondLst>
+                              <p:cond delay="0"/>
+                            </p:stCondLst>
+                            <p:childTnLst>
+                              <p:par>
+                                <p:cTn id="5" presetID="1" presetClass="entr" presetSubtype="0" fill="hold" nodeType="clickEffect">
+                                  <p:stCondLst>
+                                    <p:cond delay="0"/>
+                                  </p:stCondLst>
+                                  <p:childTnLst>
+                                    <p:set>
+                                      <p:cBhvr>
+                                        <p:cTn id="6" dur="1" fill="hold">
+                                          <p:stCondLst>
+                                            <p:cond delay="0"/>
+                                          </p:stCondLst>
+                                        </p:cTn>
+                                        <p:tgtEl>
+                                          <p:spTgt spid="3">
+                                            <p:txEl>
+                                              <p:pRg st="1" end="1"/>
+                                            </p:txEl>
+                                          </p:spTgt>
+                                        </p:tgtEl>
+                                        <p:attrNameLst>
+                                          <p:attrName>style.visibility</p:attrName>
+                                        </p:attrNameLst>
+                                      </p:cBhvr>
+                                      <p:to>
+                                        <p:strVal val="visible"/>
+                                      </p:to>
+                                    </p:set>
+                                  </p:childTnLst>
+                                </p:cTn>
+                              </p:par>
+                            </p:childTnLst>
+                          </p:cTn>
+                        </p:par>
+                      </p:childTnLst>
+                    </p:cTn>
+                  </p:par>
+                  <p:par>
+                    <p:cTn id="7" fill="hold">
+                      <p:stCondLst>
+                        <p:cond delay="indefinite"/>
+                      </p:stCondLst>
+                      <p:childTnLst>
+                        <p:par>
+                          <p:cTn id="8" fill="hold">
+                            <p:stCondLst>
+                              <p:cond delay="0"/>
+                            </p:stCondLst>
+                            <p:childTnLst>
+                              <p:par>
+                                <p:cTn id="9" presetID="1" presetClass="entr" presetSubtype="0" fill="hold" nodeType="clickEffect">
+                                  <p:stCondLst>
+                                    <p:cond delay="0"/>
+                                  </p:stCondLst>
+                                  <p:childTnLst>
+                                    <p:set>
+                                      <p:cBhvr>
+                                        <p:cTn id="10" dur="1" fill="hold">
+                                          <p:stCondLst>
+                                            <p:cond delay="0"/>
+                                          </p:stCondLst>
+                                        </p:cTn>
+                                        <p:tgtEl>
+                                          <p:spTgt spid="3">
+                                            <p:txEl>
+                                              <p:pRg st="2" end="2"/>
+                                            </p:txEl>
+                                          </p:spTgt>
+                                        </p:tgtEl>
+                                        <p:attrNameLst>
+                                          <p:attrName>style.visibility</p:attrName>
+                                        </p:attrNameLst>
+                                      </p:cBhvr>
+                                      <p:to>
+                                        <p:strVal val="visible"/>
+                                      </p:to>
+                                    </p:set>
+                                  </p:childTnLst>
+                                </p:cTn>
+                              </p:par>
+                            </p:childTnLst>
+                          </p:cTn>
+                        </p:par>
+                      </p:childTnLst>
+                    </p:cTn>
+                  </p:par>
+                </p:childTnLst>
+              </p:cTn>
+              <p:prevCondLst>
+                <p:cond evt="onPrev" delay="0">
+                  <p:tgtEl>
+                    <p:sldTgt/>
+                  </p:tgtEl>
+                </p:cond>
+              </p:prevCondLst>
+              <p:nextCondLst>
+                <p:cond evt="onNext" delay="0">
+                  <p:tgtEl>
+                    <p:sldTgt/>
+                  </p:tgtEl>
+                </p:cond>
+              </p:nextCondLst>
+            </p:seq>
+          </p:childTnLst>
+        </p:cTn>
+      </p:par>
+    </p:tnLst>
+  </p:timing>
+</p:sld>
+</file>
+
+<file path=ppt/slides/slide39.xml><?xml version="1.0" encoding="utf-8"?>
+<p:sld xmlns:a="http://schemas.openxmlformats.org/drawingml/2006/main" xmlns:r="http://schemas.openxmlformats.org/officeDocument/2006/relationships" xmlns:p="http://schemas.openxmlformats.org/presentationml/2006/main">
+  <p:cSld>
+    <p:spTree>
+      <p:nvGrpSpPr>
+        <p:cNvPr id="1" name=""/>
+        <p:cNvGrpSpPr/>
+        <p:nvPr/>
+      </p:nvGrpSpPr>
+      <p:grpSpPr>
+        <a:xfrm>
+          <a:off x="0" y="0"/>
+          <a:ext cx="0" cy="0"/>
+          <a:chOff x="0" y="0"/>
+          <a:chExt cx="0" cy="0"/>
+        </a:xfrm>
+      </p:grpSpPr>
+      <p:sp>
+        <p:nvSpPr>
+          <p:cNvPr id="2" name="Title 1"/>
+          <p:cNvSpPr>
+            <a:spLocks noGrp="1"/>
+          </p:cNvSpPr>
+          <p:nvPr>
+            <p:ph type="title"/>
+          </p:nvPr>
+        </p:nvSpPr>
+        <p:spPr/>
+        <p:txBody>
+          <a:bodyPr/>
+          <a:lstStyle/>
+          <a:p>
+            <a:r>
+              <a:rPr lang="en-US" dirty="0" smtClean="0"/>
+              <a:t>Next Steps</a:t>
+            </a:r>
+            <a:endParaRPr lang="en-US" dirty="0"/>
+          </a:p>
+        </p:txBody>
+      </p:sp>
+      <p:sp>
+        <p:nvSpPr>
+          <p:cNvPr id="3" name="Content Placeholder 2"/>
+          <p:cNvSpPr>
+            <a:spLocks noGrp="1"/>
+          </p:cNvSpPr>
+          <p:nvPr>
+            <p:ph idx="1"/>
+          </p:nvPr>
+        </p:nvSpPr>
+        <p:spPr/>
+        <p:txBody>
+          <a:bodyPr/>
+          <a:lstStyle/>
+          <a:p>
+            <a:r>
+              <a:rPr lang="en-US" dirty="0" smtClean="0"/>
+              <a:t>Look at </a:t>
+            </a:r>
+            <a:r>
+              <a:rPr lang="en-US" dirty="0" smtClean="0">
+                <a:hlinkClick r:id="rId2"/>
+              </a:rPr>
+              <a:t>MongoDB</a:t>
+            </a:r>
+            <a:endParaRPr lang="en-US" dirty="0" smtClean="0"/>
+          </a:p>
+          <a:p>
+            <a:pPr lvl="1"/>
+            <a:r>
+              <a:rPr lang="en-US" dirty="0" smtClean="0"/>
+              <a:t>Use </a:t>
+            </a:r>
+            <a:r>
+              <a:rPr lang="en-US" dirty="0" smtClean="0">
+                <a:hlinkClick r:id="rId3"/>
+              </a:rPr>
+              <a:t>mongoose</a:t>
+            </a:r>
+            <a:r>
+              <a:rPr lang="en-US" dirty="0" smtClean="0"/>
+              <a:t> as your ODM</a:t>
+            </a:r>
+          </a:p>
+          <a:p>
+            <a:r>
+              <a:rPr lang="en-US" dirty="0" smtClean="0"/>
+              <a:t>Look at </a:t>
+            </a:r>
+            <a:r>
+              <a:rPr lang="en-US" dirty="0" smtClean="0">
+                <a:hlinkClick r:id="rId4"/>
+              </a:rPr>
+              <a:t>jQuery</a:t>
+            </a:r>
+            <a:endParaRPr lang="en-US" dirty="0" smtClean="0"/>
+          </a:p>
+          <a:p>
+            <a:pPr lvl="1"/>
+            <a:r>
+              <a:rPr lang="en-US" dirty="0" smtClean="0"/>
+              <a:t>Useful for manipulating the DOM</a:t>
+            </a:r>
+          </a:p>
+          <a:p>
+            <a:r>
+              <a:rPr lang="en-US" dirty="0" smtClean="0"/>
+              <a:t>After all that, look at frontend frameworks</a:t>
+            </a:r>
+          </a:p>
+          <a:p>
+            <a:pPr lvl="1"/>
+            <a:r>
+              <a:rPr lang="en-US" dirty="0" err="1" smtClean="0">
+                <a:hlinkClick r:id="rId5"/>
+              </a:rPr>
+              <a:t>ReactJS</a:t>
+            </a:r>
+            <a:endParaRPr lang="en-US" dirty="0" smtClean="0"/>
+          </a:p>
+          <a:p>
+            <a:pPr lvl="1"/>
+            <a:r>
+              <a:rPr lang="en-US" dirty="0" err="1" smtClean="0">
+                <a:hlinkClick r:id="rId6"/>
+              </a:rPr>
+              <a:t>EmberJS</a:t>
+            </a:r>
+            <a:endParaRPr lang="en-US" dirty="0" smtClean="0"/>
+          </a:p>
+          <a:p>
+            <a:pPr lvl="1"/>
+            <a:r>
+              <a:rPr lang="en-US" dirty="0" err="1" smtClean="0">
+                <a:hlinkClick r:id="rId7"/>
+              </a:rPr>
+              <a:t>BackboneJS</a:t>
+            </a:r>
+            <a:endParaRPr lang="en-US" dirty="0"/>
+          </a:p>
+        </p:txBody>
+      </p:sp>
+      <p:sp>
+        <p:nvSpPr>
+          <p:cNvPr id="4" name="Footer Placeholder 3"/>
+          <p:cNvSpPr>
+            <a:spLocks noGrp="1"/>
+          </p:cNvSpPr>
+          <p:nvPr>
+            <p:ph type="ftr" sz="quarter" idx="11"/>
+          </p:nvPr>
+        </p:nvSpPr>
+        <p:spPr/>
+        <p:txBody>
+          <a:bodyPr/>
+          <a:lstStyle/>
+          <a:p>
+            <a:r>
+              <a:rPr lang="de-DE" smtClean="0"/>
+              <a:t>All slides can be found at pennapps-nodejs-workshop.herokuapp.com</a:t>
+            </a:r>
+            <a:endParaRPr lang="en-US" dirty="0"/>
+          </a:p>
+        </p:txBody>
+      </p:sp>
+      <p:sp>
+        <p:nvSpPr>
+          <p:cNvPr id="5" name="Slide Number Placeholder 4"/>
+          <p:cNvSpPr>
+            <a:spLocks noGrp="1"/>
+          </p:cNvSpPr>
+          <p:nvPr>
+            <p:ph type="sldNum" sz="quarter" idx="12"/>
+          </p:nvPr>
+        </p:nvSpPr>
+        <p:spPr/>
+        <p:txBody>
+          <a:bodyPr/>
+          <a:lstStyle/>
+          <a:p>
+            <a:fld id="{BE7B5DD7-0E96-E44E-B777-0B9A5C3419CF}" type="slidenum">
+              <a:rPr lang="en-US" smtClean="0"/>
+              <a:t>39</a:t>
             </a:fld>
             <a:endParaRPr lang="en-US"/>
           </a:p>

--- a/pennapps-nodejs-workshop.pptx
+++ b/pennapps-nodejs-workshop.pptx
@@ -17096,7 +17096,7 @@
               <a:t>.</a:t>
             </a:r>
             <a:r>
-              <a:rPr lang="en-US" smtClean="0">
+              <a:rPr lang="en-US" dirty="0" err="1" smtClean="0">
                 <a:latin typeface="Courier" charset="0"/>
                 <a:ea typeface="Courier" charset="0"/>
                 <a:cs typeface="Courier" charset="0"/>

--- a/pennapps-nodejs-workshop.pptx
+++ b/pennapps-nodejs-workshop.pptx
@@ -5769,7 +5769,23 @@
             </a:r>
             <a:r>
               <a:rPr lang="en-US" dirty="0"/>
-              <a:t>use a gem, pass the name of the gem as a string to the </a:t>
+              <a:t>use a </a:t>
+            </a:r>
+            <a:r>
+              <a:rPr lang="en-US" dirty="0" smtClean="0"/>
+              <a:t>package, </a:t>
+            </a:r>
+            <a:r>
+              <a:rPr lang="en-US" dirty="0"/>
+              <a:t>pass the name of the </a:t>
+            </a:r>
+            <a:r>
+              <a:rPr lang="en-US" dirty="0" smtClean="0"/>
+              <a:t>package as </a:t>
+            </a:r>
+            <a:r>
+              <a:rPr lang="en-US" dirty="0"/>
+              <a:t>a string to the </a:t>
             </a:r>
             <a:r>
               <a:rPr lang="en-US" dirty="0" smtClean="0">

--- a/pennapps-nodejs-workshop.pptx
+++ b/pennapps-nodejs-workshop.pptx
@@ -249,7 +249,7 @@
           <a:p>
             <a:fld id="{B06E1C6C-4C99-B941-A033-2F233E88372B}" type="datetimeFigureOut">
               <a:rPr lang="en-US" smtClean="0"/>
-              <a:t>9/9/16</a:t>
+              <a:t>9/10/16</a:t>
             </a:fld>
             <a:endParaRPr lang="en-US"/>
           </a:p>
@@ -415,7 +415,7 @@
           <a:p>
             <a:fld id="{39636A98-17E3-2D40-AC23-AD56D5C9F209}" type="datetimeFigureOut">
               <a:rPr lang="en-US" smtClean="0"/>
-              <a:t>9/9/16</a:t>
+              <a:t>9/10/16</a:t>
             </a:fld>
             <a:endParaRPr lang="en-US"/>
           </a:p>
@@ -5736,11 +5736,7 @@
             </a:r>
             <a:r>
               <a:rPr lang="en-US" dirty="0" smtClean="0"/>
-              <a:t>package</a:t>
-            </a:r>
-            <a:r>
-              <a:rPr lang="en-US" dirty="0" smtClean="0"/>
-              <a:t> </a:t>
+              <a:t>package </a:t>
             </a:r>
             <a:r>
               <a:rPr lang="en-US" dirty="0"/>
@@ -5796,11 +5792,7 @@
             </a:r>
             <a:r>
               <a:rPr lang="en-US" dirty="0" smtClean="0"/>
-              <a:t> </a:t>
-            </a:r>
-            <a:r>
-              <a:rPr lang="en-US" dirty="0" smtClean="0"/>
-              <a:t>function at </a:t>
+              <a:t> function at </a:t>
             </a:r>
             <a:r>
               <a:rPr lang="en-US" dirty="0"/>
@@ -12430,13 +12422,8 @@
             </a:pPr>
             <a:r>
               <a:rPr lang="en-US" sz="4000" dirty="0" smtClean="0"/>
-              <a:t>Intro to the </a:t>
-            </a:r>
-            <a:r>
-              <a:rPr lang="en-US" sz="4000" dirty="0" smtClean="0"/>
-              <a:t>Web</a:t>
-            </a:r>
-            <a:endParaRPr lang="en-US" sz="4000" dirty="0" smtClean="0"/>
+              <a:t>Intro to the Web</a:t>
+            </a:r>
           </a:p>
           <a:p>
             <a:pPr marL="514350" indent="-514350">
@@ -13600,9 +13587,6 @@
               </a:rPr>
               <a:t>()</a:t>
             </a:r>
-            <a:endParaRPr lang="en-US" sz="2400" dirty="0">
-              <a:latin typeface="Courier" charset="0"/>
-            </a:endParaRPr>
           </a:p>
         </p:txBody>
       </p:sp>
@@ -15506,7 +15490,6 @@
               <a:rPr lang="en-US" dirty="0"/>
               <a:t>can be done with some middleware:</a:t>
             </a:r>
-            <a:endParaRPr lang="en-US" dirty="0"/>
           </a:p>
         </p:txBody>
       </p:sp>
@@ -16024,7 +16007,6 @@
               <a:rPr lang="en-US" dirty="0"/>
               <a:t>can also pass in more local variables at call time</a:t>
             </a:r>
-            <a:endParaRPr lang="en-US" dirty="0"/>
           </a:p>
         </p:txBody>
       </p:sp>
@@ -16560,7 +16542,6 @@
               <a:rPr lang="en-US" dirty="0"/>
               <a:t>and also as the default</a:t>
             </a:r>
-            <a:endParaRPr lang="en-US" dirty="0"/>
           </a:p>
         </p:txBody>
       </p:sp>
@@ -17606,10 +17587,22 @@
               <a:t>Node Version </a:t>
             </a:r>
             <a:r>
+              <a:rPr lang="en-US" smtClean="0">
+                <a:hlinkClick r:id="rId2"/>
+              </a:rPr>
+              <a:t>Manager </a:t>
+            </a:r>
+            <a:r>
+              <a:rPr lang="en-US" smtClean="0">
+                <a:hlinkClick r:id="rId2"/>
+              </a:rPr>
+              <a:t>(NVM</a:t>
+            </a:r>
+            <a:r>
               <a:rPr lang="en-US" dirty="0" smtClean="0">
                 <a:hlinkClick r:id="rId2"/>
               </a:rPr>
-              <a:t>Manager (RVM)</a:t>
+              <a:t>)</a:t>
             </a:r>
             <a:r>
               <a:rPr lang="en-US" dirty="0" smtClean="0"/>
@@ -17623,7 +17616,6 @@
               <a:rPr lang="en-US" dirty="0" smtClean="0"/>
               <a:t> versions</a:t>
             </a:r>
-            <a:endParaRPr lang="en-US" dirty="0" smtClean="0"/>
           </a:p>
           <a:p>
             <a:pPr lvl="1"/>
@@ -17649,7 +17641,6 @@
               <a:rPr lang="en-US" dirty="0" smtClean="0"/>
               <a:t>version 6.5.0</a:t>
             </a:r>
-            <a:endParaRPr lang="en-US" dirty="0" smtClean="0"/>
           </a:p>
           <a:p>
             <a:r>
@@ -17865,14 +17856,7 @@
                 <a:latin typeface="Courier"/>
                 <a:cs typeface="Courier"/>
               </a:rPr>
-              <a:t>--</a:t>
-            </a:r>
-            <a:r>
-              <a:rPr lang="en-US" sz="3200" dirty="0" smtClean="0">
-                <a:latin typeface="Courier"/>
-                <a:cs typeface="Courier"/>
-              </a:rPr>
-              <a:t>&gt;</a:t>
+              <a:t>--&gt;</a:t>
             </a:r>
             <a:endParaRPr lang="en-US" sz="3200" dirty="0">
               <a:latin typeface="Courier"/>
@@ -18164,7 +18148,6 @@
               <a:rPr lang="en-US" dirty="0" smtClean="0"/>
               <a:t>with the console in a browser</a:t>
             </a:r>
-            <a:endParaRPr lang="en-US" dirty="0" smtClean="0"/>
           </a:p>
           <a:p>
             <a:r>
@@ -18207,14 +18190,7 @@
                 <a:latin typeface="Courier"/>
                 <a:cs typeface="Courier"/>
               </a:rPr>
-              <a:t>node</a:t>
-            </a:r>
-            <a:r>
-              <a:rPr lang="en-US" dirty="0" smtClean="0">
-                <a:latin typeface="Courier"/>
-                <a:cs typeface="Courier"/>
-              </a:rPr>
-              <a:t> </a:t>
+              <a:t>node </a:t>
             </a:r>
             <a:r>
               <a:rPr lang="en-US" dirty="0" err="1" smtClean="0">
